--- a/doc/InjecaoDependencia.pptx
+++ b/doc/InjecaoDependencia.pptx
@@ -5,7 +5,7 @@
     <p:sldMasterId id="2147483648" r:id="rId1"/>
   </p:sldMasterIdLst>
   <p:notesMasterIdLst>
-    <p:notesMasterId r:id="rId21"/>
+    <p:notesMasterId r:id="rId27"/>
   </p:notesMasterIdLst>
   <p:sldIdLst>
     <p:sldId id="259" r:id="rId2"/>
@@ -26,7 +26,13 @@
     <p:sldId id="278" r:id="rId17"/>
     <p:sldId id="279" r:id="rId18"/>
     <p:sldId id="276" r:id="rId19"/>
-    <p:sldId id="277" r:id="rId20"/>
+    <p:sldId id="285" r:id="rId20"/>
+    <p:sldId id="284" r:id="rId21"/>
+    <p:sldId id="280" r:id="rId22"/>
+    <p:sldId id="283" r:id="rId23"/>
+    <p:sldId id="281" r:id="rId24"/>
+    <p:sldId id="286" r:id="rId25"/>
+    <p:sldId id="287" r:id="rId26"/>
   </p:sldIdLst>
   <p:sldSz cx="12192000" cy="6858000"/>
   <p:notesSz cx="6858000" cy="9144000"/>
@@ -330,7 +336,7 @@
   </p:defaultTextStyle>
   <p:extLst>
     <p:ext uri="{EFAFB233-063F-42B5-8137-9DF3F51BA10A}">
-      <p15:sldGuideLst xmlns:p15="http://schemas.microsoft.com/office/powerpoint/2012/main">
+      <p15:sldGuideLst xmlns:p15="http://schemas.microsoft.com/office/powerpoint/2012/main" xmlns="">
         <p15:guide id="1" orient="horz" pos="2160">
           <p15:clr>
             <a:srgbClr val="A4A3A4"/>
@@ -1304,7 +1310,7 @@
     </p:spTree>
     <p:extLst>
       <p:ext uri="{BB962C8B-B14F-4D97-AF65-F5344CB8AC3E}">
-        <p14:creationId xmlns:p14="http://schemas.microsoft.com/office/powerpoint/2010/main" val="3822307344"/>
+        <p14:creationId xmlns:p14="http://schemas.microsoft.com/office/powerpoint/2010/main" val="3189123950"/>
       </p:ext>
     </p:extLst>
   </p:cSld>
@@ -1371,6 +1377,426 @@
     <p:extLst>
       <p:ext uri="{BB962C8B-B14F-4D97-AF65-F5344CB8AC3E}">
         <p14:creationId xmlns:p14="http://schemas.microsoft.com/office/powerpoint/2010/main" val="769200628"/>
+      </p:ext>
+    </p:extLst>
+  </p:cSld>
+  <p:clrMapOvr>
+    <a:masterClrMapping/>
+  </p:clrMapOvr>
+</p:notes>
+</file>
+
+<file path=ppt/notesSlides/notesSlide20.xml><?xml version="1.0" encoding="utf-8"?>
+<p:notes xmlns:a="http://schemas.openxmlformats.org/drawingml/2006/main" xmlns:r="http://schemas.openxmlformats.org/officeDocument/2006/relationships" xmlns:p="http://schemas.openxmlformats.org/presentationml/2006/main">
+  <p:cSld>
+    <p:spTree>
+      <p:nvGrpSpPr>
+        <p:cNvPr id="1" name=""/>
+        <p:cNvGrpSpPr/>
+        <p:nvPr/>
+      </p:nvGrpSpPr>
+      <p:grpSpPr>
+        <a:xfrm>
+          <a:off x="0" y="0"/>
+          <a:ext cx="0" cy="0"/>
+          <a:chOff x="0" y="0"/>
+          <a:chExt cx="0" cy="0"/>
+        </a:xfrm>
+      </p:grpSpPr>
+      <p:sp>
+        <p:nvSpPr>
+          <p:cNvPr id="2" name="Espaço Reservado para Imagem de Slide 1"/>
+          <p:cNvSpPr>
+            <a:spLocks noGrp="1" noRot="1" noChangeAspect="1"/>
+          </p:cNvSpPr>
+          <p:nvPr>
+            <p:ph type="sldImg"/>
+          </p:nvPr>
+        </p:nvSpPr>
+        <p:spPr>
+          <a:xfrm>
+            <a:off x="381000" y="685800"/>
+            <a:ext cx="6096000" cy="3429000"/>
+          </a:xfrm>
+        </p:spPr>
+      </p:sp>
+      <p:sp>
+        <p:nvSpPr>
+          <p:cNvPr id="3" name="Espaço Reservado para Anotações 2"/>
+          <p:cNvSpPr>
+            <a:spLocks noGrp="1"/>
+          </p:cNvSpPr>
+          <p:nvPr>
+            <p:ph type="body" idx="1"/>
+          </p:nvPr>
+        </p:nvSpPr>
+        <p:spPr/>
+        <p:txBody>
+          <a:bodyPr/>
+          <a:lstStyle/>
+          <a:p>
+            <a:r>
+              <a:rPr lang="pt-BR" dirty="0" smtClean="0"/>
+              <a:t>https://www.treinaweb.com.br/blog/entendendo-injecao-de-dependencia/</a:t>
+            </a:r>
+            <a:endParaRPr lang="pt-BR" dirty="0"/>
+          </a:p>
+        </p:txBody>
+      </p:sp>
+    </p:spTree>
+    <p:extLst>
+      <p:ext uri="{BB962C8B-B14F-4D97-AF65-F5344CB8AC3E}">
+        <p14:creationId xmlns:p14="http://schemas.microsoft.com/office/powerpoint/2010/main" val="3189123950"/>
+      </p:ext>
+    </p:extLst>
+  </p:cSld>
+  <p:clrMapOvr>
+    <a:masterClrMapping/>
+  </p:clrMapOvr>
+</p:notes>
+</file>
+
+<file path=ppt/notesSlides/notesSlide21.xml><?xml version="1.0" encoding="utf-8"?>
+<p:notes xmlns:a="http://schemas.openxmlformats.org/drawingml/2006/main" xmlns:r="http://schemas.openxmlformats.org/officeDocument/2006/relationships" xmlns:p="http://schemas.openxmlformats.org/presentationml/2006/main">
+  <p:cSld>
+    <p:spTree>
+      <p:nvGrpSpPr>
+        <p:cNvPr id="1" name=""/>
+        <p:cNvGrpSpPr/>
+        <p:nvPr/>
+      </p:nvGrpSpPr>
+      <p:grpSpPr>
+        <a:xfrm>
+          <a:off x="0" y="0"/>
+          <a:ext cx="0" cy="0"/>
+          <a:chOff x="0" y="0"/>
+          <a:chExt cx="0" cy="0"/>
+        </a:xfrm>
+      </p:grpSpPr>
+      <p:sp>
+        <p:nvSpPr>
+          <p:cNvPr id="2" name="Espaço Reservado para Imagem de Slide 1"/>
+          <p:cNvSpPr>
+            <a:spLocks noGrp="1" noRot="1" noChangeAspect="1"/>
+          </p:cNvSpPr>
+          <p:nvPr>
+            <p:ph type="sldImg"/>
+          </p:nvPr>
+        </p:nvSpPr>
+        <p:spPr>
+          <a:xfrm>
+            <a:off x="381000" y="685800"/>
+            <a:ext cx="6096000" cy="3429000"/>
+          </a:xfrm>
+        </p:spPr>
+      </p:sp>
+      <p:sp>
+        <p:nvSpPr>
+          <p:cNvPr id="3" name="Espaço Reservado para Anotações 2"/>
+          <p:cNvSpPr>
+            <a:spLocks noGrp="1"/>
+          </p:cNvSpPr>
+          <p:nvPr>
+            <p:ph type="body" idx="1"/>
+          </p:nvPr>
+        </p:nvSpPr>
+        <p:spPr/>
+        <p:txBody>
+          <a:bodyPr/>
+          <a:lstStyle/>
+          <a:p>
+            <a:r>
+              <a:rPr lang="pt-BR" dirty="0" smtClean="0"/>
+              <a:t>https://www.treinaweb.com.br/blog/entendendo-injecao-de-dependencia/</a:t>
+            </a:r>
+            <a:endParaRPr lang="pt-BR" dirty="0"/>
+          </a:p>
+        </p:txBody>
+      </p:sp>
+    </p:spTree>
+    <p:extLst>
+      <p:ext uri="{BB962C8B-B14F-4D97-AF65-F5344CB8AC3E}">
+        <p14:creationId xmlns:p14="http://schemas.microsoft.com/office/powerpoint/2010/main" val="3189123950"/>
+      </p:ext>
+    </p:extLst>
+  </p:cSld>
+  <p:clrMapOvr>
+    <a:masterClrMapping/>
+  </p:clrMapOvr>
+</p:notes>
+</file>
+
+<file path=ppt/notesSlides/notesSlide22.xml><?xml version="1.0" encoding="utf-8"?>
+<p:notes xmlns:a="http://schemas.openxmlformats.org/drawingml/2006/main" xmlns:r="http://schemas.openxmlformats.org/officeDocument/2006/relationships" xmlns:p="http://schemas.openxmlformats.org/presentationml/2006/main">
+  <p:cSld>
+    <p:spTree>
+      <p:nvGrpSpPr>
+        <p:cNvPr id="1" name=""/>
+        <p:cNvGrpSpPr/>
+        <p:nvPr/>
+      </p:nvGrpSpPr>
+      <p:grpSpPr>
+        <a:xfrm>
+          <a:off x="0" y="0"/>
+          <a:ext cx="0" cy="0"/>
+          <a:chOff x="0" y="0"/>
+          <a:chExt cx="0" cy="0"/>
+        </a:xfrm>
+      </p:grpSpPr>
+      <p:sp>
+        <p:nvSpPr>
+          <p:cNvPr id="2" name="Espaço Reservado para Imagem de Slide 1"/>
+          <p:cNvSpPr>
+            <a:spLocks noGrp="1" noRot="1" noChangeAspect="1"/>
+          </p:cNvSpPr>
+          <p:nvPr>
+            <p:ph type="sldImg"/>
+          </p:nvPr>
+        </p:nvSpPr>
+        <p:spPr>
+          <a:xfrm>
+            <a:off x="381000" y="685800"/>
+            <a:ext cx="6096000" cy="3429000"/>
+          </a:xfrm>
+        </p:spPr>
+      </p:sp>
+      <p:sp>
+        <p:nvSpPr>
+          <p:cNvPr id="3" name="Espaço Reservado para Anotações 2"/>
+          <p:cNvSpPr>
+            <a:spLocks noGrp="1"/>
+          </p:cNvSpPr>
+          <p:nvPr>
+            <p:ph type="body" idx="1"/>
+          </p:nvPr>
+        </p:nvSpPr>
+        <p:spPr/>
+        <p:txBody>
+          <a:bodyPr/>
+          <a:lstStyle/>
+          <a:p>
+            <a:r>
+              <a:rPr lang="pt-BR" dirty="0" smtClean="0"/>
+              <a:t>https://www.treinaweb.com.br/blog/entendendo-injecao-de-dependencia/</a:t>
+            </a:r>
+            <a:endParaRPr lang="pt-BR" dirty="0"/>
+          </a:p>
+        </p:txBody>
+      </p:sp>
+    </p:spTree>
+    <p:extLst>
+      <p:ext uri="{BB962C8B-B14F-4D97-AF65-F5344CB8AC3E}">
+        <p14:creationId xmlns:p14="http://schemas.microsoft.com/office/powerpoint/2010/main" val="3189123950"/>
+      </p:ext>
+    </p:extLst>
+  </p:cSld>
+  <p:clrMapOvr>
+    <a:masterClrMapping/>
+  </p:clrMapOvr>
+</p:notes>
+</file>
+
+<file path=ppt/notesSlides/notesSlide23.xml><?xml version="1.0" encoding="utf-8"?>
+<p:notes xmlns:a="http://schemas.openxmlformats.org/drawingml/2006/main" xmlns:r="http://schemas.openxmlformats.org/officeDocument/2006/relationships" xmlns:p="http://schemas.openxmlformats.org/presentationml/2006/main">
+  <p:cSld>
+    <p:spTree>
+      <p:nvGrpSpPr>
+        <p:cNvPr id="1" name=""/>
+        <p:cNvGrpSpPr/>
+        <p:nvPr/>
+      </p:nvGrpSpPr>
+      <p:grpSpPr>
+        <a:xfrm>
+          <a:off x="0" y="0"/>
+          <a:ext cx="0" cy="0"/>
+          <a:chOff x="0" y="0"/>
+          <a:chExt cx="0" cy="0"/>
+        </a:xfrm>
+      </p:grpSpPr>
+      <p:sp>
+        <p:nvSpPr>
+          <p:cNvPr id="2" name="Espaço Reservado para Imagem de Slide 1"/>
+          <p:cNvSpPr>
+            <a:spLocks noGrp="1" noRot="1" noChangeAspect="1"/>
+          </p:cNvSpPr>
+          <p:nvPr>
+            <p:ph type="sldImg"/>
+          </p:nvPr>
+        </p:nvSpPr>
+        <p:spPr>
+          <a:xfrm>
+            <a:off x="381000" y="685800"/>
+            <a:ext cx="6096000" cy="3429000"/>
+          </a:xfrm>
+        </p:spPr>
+      </p:sp>
+      <p:sp>
+        <p:nvSpPr>
+          <p:cNvPr id="3" name="Espaço Reservado para Anotações 2"/>
+          <p:cNvSpPr>
+            <a:spLocks noGrp="1"/>
+          </p:cNvSpPr>
+          <p:nvPr>
+            <p:ph type="body" idx="1"/>
+          </p:nvPr>
+        </p:nvSpPr>
+        <p:spPr/>
+        <p:txBody>
+          <a:bodyPr/>
+          <a:lstStyle/>
+          <a:p>
+            <a:r>
+              <a:rPr lang="pt-BR" dirty="0" smtClean="0"/>
+              <a:t>https://www.treinaweb.com.br/blog/entendendo-injecao-de-dependencia/</a:t>
+            </a:r>
+            <a:endParaRPr lang="pt-BR" dirty="0"/>
+          </a:p>
+        </p:txBody>
+      </p:sp>
+    </p:spTree>
+    <p:extLst>
+      <p:ext uri="{BB962C8B-B14F-4D97-AF65-F5344CB8AC3E}">
+        <p14:creationId xmlns:p14="http://schemas.microsoft.com/office/powerpoint/2010/main" val="3189123950"/>
+      </p:ext>
+    </p:extLst>
+  </p:cSld>
+  <p:clrMapOvr>
+    <a:masterClrMapping/>
+  </p:clrMapOvr>
+</p:notes>
+</file>
+
+<file path=ppt/notesSlides/notesSlide24.xml><?xml version="1.0" encoding="utf-8"?>
+<p:notes xmlns:a="http://schemas.openxmlformats.org/drawingml/2006/main" xmlns:r="http://schemas.openxmlformats.org/officeDocument/2006/relationships" xmlns:p="http://schemas.openxmlformats.org/presentationml/2006/main">
+  <p:cSld>
+    <p:spTree>
+      <p:nvGrpSpPr>
+        <p:cNvPr id="1" name=""/>
+        <p:cNvGrpSpPr/>
+        <p:nvPr/>
+      </p:nvGrpSpPr>
+      <p:grpSpPr>
+        <a:xfrm>
+          <a:off x="0" y="0"/>
+          <a:ext cx="0" cy="0"/>
+          <a:chOff x="0" y="0"/>
+          <a:chExt cx="0" cy="0"/>
+        </a:xfrm>
+      </p:grpSpPr>
+      <p:sp>
+        <p:nvSpPr>
+          <p:cNvPr id="2" name="Espaço Reservado para Imagem de Slide 1"/>
+          <p:cNvSpPr>
+            <a:spLocks noGrp="1" noRot="1" noChangeAspect="1"/>
+          </p:cNvSpPr>
+          <p:nvPr>
+            <p:ph type="sldImg"/>
+          </p:nvPr>
+        </p:nvSpPr>
+        <p:spPr>
+          <a:xfrm>
+            <a:off x="381000" y="685800"/>
+            <a:ext cx="6096000" cy="3429000"/>
+          </a:xfrm>
+        </p:spPr>
+      </p:sp>
+      <p:sp>
+        <p:nvSpPr>
+          <p:cNvPr id="3" name="Espaço Reservado para Anotações 2"/>
+          <p:cNvSpPr>
+            <a:spLocks noGrp="1"/>
+          </p:cNvSpPr>
+          <p:nvPr>
+            <p:ph type="body" idx="1"/>
+          </p:nvPr>
+        </p:nvSpPr>
+        <p:spPr/>
+        <p:txBody>
+          <a:bodyPr/>
+          <a:lstStyle/>
+          <a:p>
+            <a:r>
+              <a:rPr lang="pt-BR" dirty="0" smtClean="0"/>
+              <a:t>https://medium.com/@fulviocanducci/injeção-de-dependências-asp-net-core-baa3bc1ea9c9</a:t>
+            </a:r>
+            <a:endParaRPr lang="pt-BR" dirty="0"/>
+          </a:p>
+        </p:txBody>
+      </p:sp>
+    </p:spTree>
+    <p:extLst>
+      <p:ext uri="{BB962C8B-B14F-4D97-AF65-F5344CB8AC3E}">
+        <p14:creationId xmlns:p14="http://schemas.microsoft.com/office/powerpoint/2010/main" val="3189123950"/>
+      </p:ext>
+    </p:extLst>
+  </p:cSld>
+  <p:clrMapOvr>
+    <a:masterClrMapping/>
+  </p:clrMapOvr>
+</p:notes>
+</file>
+
+<file path=ppt/notesSlides/notesSlide25.xml><?xml version="1.0" encoding="utf-8"?>
+<p:notes xmlns:a="http://schemas.openxmlformats.org/drawingml/2006/main" xmlns:r="http://schemas.openxmlformats.org/officeDocument/2006/relationships" xmlns:p="http://schemas.openxmlformats.org/presentationml/2006/main">
+  <p:cSld>
+    <p:spTree>
+      <p:nvGrpSpPr>
+        <p:cNvPr id="1" name=""/>
+        <p:cNvGrpSpPr/>
+        <p:nvPr/>
+      </p:nvGrpSpPr>
+      <p:grpSpPr>
+        <a:xfrm>
+          <a:off x="0" y="0"/>
+          <a:ext cx="0" cy="0"/>
+          <a:chOff x="0" y="0"/>
+          <a:chExt cx="0" cy="0"/>
+        </a:xfrm>
+      </p:grpSpPr>
+      <p:sp>
+        <p:nvSpPr>
+          <p:cNvPr id="2" name="Espaço Reservado para Imagem de Slide 1"/>
+          <p:cNvSpPr>
+            <a:spLocks noGrp="1" noRot="1" noChangeAspect="1"/>
+          </p:cNvSpPr>
+          <p:nvPr>
+            <p:ph type="sldImg"/>
+          </p:nvPr>
+        </p:nvSpPr>
+        <p:spPr>
+          <a:xfrm>
+            <a:off x="381000" y="685800"/>
+            <a:ext cx="6096000" cy="3429000"/>
+          </a:xfrm>
+        </p:spPr>
+      </p:sp>
+      <p:sp>
+        <p:nvSpPr>
+          <p:cNvPr id="3" name="Espaço Reservado para Anotações 2"/>
+          <p:cNvSpPr>
+            <a:spLocks noGrp="1"/>
+          </p:cNvSpPr>
+          <p:nvPr>
+            <p:ph type="body" idx="1"/>
+          </p:nvPr>
+        </p:nvSpPr>
+        <p:spPr/>
+        <p:txBody>
+          <a:bodyPr/>
+          <a:lstStyle/>
+          <a:p>
+            <a:r>
+              <a:rPr lang="pt-BR" smtClean="0"/>
+              <a:t>https://medium.com/@fulviocanducci/injeção-de-dependências-asp-net-core-baa3bc1ea9c9</a:t>
+            </a:r>
+            <a:endParaRPr lang="pt-BR" dirty="0"/>
+          </a:p>
+        </p:txBody>
+      </p:sp>
+    </p:spTree>
+    <p:extLst>
+      <p:ext uri="{BB962C8B-B14F-4D97-AF65-F5344CB8AC3E}">
+        <p14:creationId xmlns:p14="http://schemas.microsoft.com/office/powerpoint/2010/main" val="3189123950"/>
       </p:ext>
     </p:extLst>
   </p:cSld>
@@ -1633,11 +2059,7 @@
           <a:p>
             <a:r>
               <a:rPr lang="pt-BR" dirty="0" smtClean="0"/>
-              <a:t>https://www.eduardopires.net.br/2013/05/open-closed-principle-ocp</a:t>
-            </a:r>
-            <a:r>
-              <a:rPr lang="pt-BR" dirty="0" smtClean="0"/>
-              <a:t>/</a:t>
+              <a:t>https://www.eduardopires.net.br/2013/05/open-closed-principle-ocp/</a:t>
             </a:r>
           </a:p>
           <a:p>
@@ -2463,7 +2885,7 @@
           </a:ln>
           <a:extLst>
             <a:ext uri="{C572A759-6A51-4108-AA02-DFA0A04FC94B}">
-              <ma14:wrappingTextBoxFlag xmlns="" xmlns:ma14="http://schemas.microsoft.com/office/mac/drawingml/2011/main" val="1"/>
+              <ma14:wrappingTextBoxFlag xmlns:ma14="http://schemas.microsoft.com/office/mac/drawingml/2011/main" xmlns="" val="1"/>
             </a:ext>
           </a:extLst>
         </p:spPr>
@@ -2502,7 +2924,7 @@
           </a:ln>
           <a:extLst>
             <a:ext uri="{C572A759-6A51-4108-AA02-DFA0A04FC94B}">
-              <ma14:wrappingTextBoxFlag xmlns="" xmlns:ma14="http://schemas.microsoft.com/office/mac/drawingml/2011/main" val="1"/>
+              <ma14:wrappingTextBoxFlag xmlns:ma14="http://schemas.microsoft.com/office/mac/drawingml/2011/main" xmlns="" val="1"/>
             </a:ext>
           </a:extLst>
         </p:spPr>
@@ -3635,7 +4057,7 @@
           </a:ln>
           <a:extLst>
             <a:ext uri="{C572A759-6A51-4108-AA02-DFA0A04FC94B}">
-              <ma14:wrappingTextBoxFlag xmlns="" xmlns:ma14="http://schemas.microsoft.com/office/mac/drawingml/2011/main" val="1"/>
+              <ma14:wrappingTextBoxFlag xmlns:ma14="http://schemas.microsoft.com/office/mac/drawingml/2011/main" xmlns="" val="1"/>
             </a:ext>
           </a:extLst>
         </p:spPr>
@@ -4222,7 +4644,7 @@
           </a:ln>
           <a:extLst>
             <a:ext uri="{C572A759-6A51-4108-AA02-DFA0A04FC94B}">
-              <ma14:wrappingTextBoxFlag xmlns="" xmlns:ma14="http://schemas.microsoft.com/office/mac/drawingml/2011/main" val="1"/>
+              <ma14:wrappingTextBoxFlag xmlns:ma14="http://schemas.microsoft.com/office/mac/drawingml/2011/main" xmlns="" val="1"/>
             </a:ext>
           </a:extLst>
         </p:spPr>
@@ -4609,7 +5031,7 @@
           </a:ln>
           <a:extLst>
             <a:ext uri="{C572A759-6A51-4108-AA02-DFA0A04FC94B}">
-              <ma14:wrappingTextBoxFlag xmlns="" xmlns:ma14="http://schemas.microsoft.com/office/mac/drawingml/2011/main" val="1"/>
+              <ma14:wrappingTextBoxFlag xmlns:ma14="http://schemas.microsoft.com/office/mac/drawingml/2011/main" xmlns="" val="1"/>
             </a:ext>
           </a:extLst>
         </p:spPr>
@@ -5020,7 +5442,7 @@
           </a:ln>
           <a:extLst>
             <a:ext uri="{C572A759-6A51-4108-AA02-DFA0A04FC94B}">
-              <ma14:wrappingTextBoxFlag xmlns="" xmlns:ma14="http://schemas.microsoft.com/office/mac/drawingml/2011/main" val="1"/>
+              <ma14:wrappingTextBoxFlag xmlns:ma14="http://schemas.microsoft.com/office/mac/drawingml/2011/main" xmlns="" val="1"/>
             </a:ext>
           </a:extLst>
         </p:spPr>
@@ -5621,7 +6043,7 @@
           </a:ln>
           <a:extLst>
             <a:ext uri="{C572A759-6A51-4108-AA02-DFA0A04FC94B}">
-              <ma14:wrappingTextBoxFlag xmlns="" xmlns:ma14="http://schemas.microsoft.com/office/mac/drawingml/2011/main" val="1"/>
+              <ma14:wrappingTextBoxFlag xmlns:ma14="http://schemas.microsoft.com/office/mac/drawingml/2011/main" xmlns="" val="1"/>
             </a:ext>
           </a:extLst>
         </p:spPr>
@@ -6452,7 +6874,7 @@
           </a:ln>
           <a:extLst>
             <a:ext uri="{C572A759-6A51-4108-AA02-DFA0A04FC94B}">
-              <ma14:wrappingTextBoxFlag xmlns="" xmlns:ma14="http://schemas.microsoft.com/office/mac/drawingml/2011/main" val="1"/>
+              <ma14:wrappingTextBoxFlag xmlns:ma14="http://schemas.microsoft.com/office/mac/drawingml/2011/main" xmlns="" val="1"/>
             </a:ext>
           </a:extLst>
         </p:spPr>
@@ -6881,7 +7303,7 @@
           </a:ln>
           <a:extLst>
             <a:ext uri="{C572A759-6A51-4108-AA02-DFA0A04FC94B}">
-              <ma14:wrappingTextBoxFlag xmlns="" xmlns:ma14="http://schemas.microsoft.com/office/mac/drawingml/2011/main" val="1"/>
+              <ma14:wrappingTextBoxFlag xmlns:ma14="http://schemas.microsoft.com/office/mac/drawingml/2011/main" xmlns="" val="1"/>
             </a:ext>
           </a:extLst>
         </p:spPr>
@@ -7184,7 +7606,7 @@
         </p:nvSpPr>
         <p:spPr>
           <a:xfrm>
-            <a:off x="2785730" y="4683983"/>
+            <a:off x="3577468" y="4685325"/>
             <a:ext cx="2264734" cy="923328"/>
           </a:xfrm>
           <a:prstGeom prst="rect">
@@ -7332,7 +7754,7 @@
         </p:nvSpPr>
         <p:spPr>
           <a:xfrm>
-            <a:off x="6819013" y="4652637"/>
+            <a:off x="6819013" y="4293325"/>
             <a:ext cx="2239926" cy="392000"/>
           </a:xfrm>
           <a:prstGeom prst="rect">
@@ -7416,7 +7838,7 @@
         </p:nvSpPr>
         <p:spPr>
           <a:xfrm>
-            <a:off x="3276415" y="4960981"/>
+            <a:off x="4068152" y="4948518"/>
             <a:ext cx="1283363" cy="369330"/>
           </a:xfrm>
           <a:prstGeom prst="rect">
@@ -7477,7 +7899,7 @@
         </p:nvSpPr>
         <p:spPr>
           <a:xfrm>
-            <a:off x="7434351" y="4652637"/>
+            <a:off x="7434351" y="4304660"/>
             <a:ext cx="1009249" cy="369330"/>
           </a:xfrm>
           <a:prstGeom prst="rect">
@@ -7643,17 +8065,17 @@
         <p:nvCxnSpPr>
           <p:cNvPr id="30" name="Conector angulado 29"/>
           <p:cNvCxnSpPr>
-            <a:stCxn id="4" idx="3"/>
+            <a:stCxn id="4" idx="0"/>
             <a:endCxn id="11" idx="1"/>
           </p:cNvCxnSpPr>
           <p:nvPr/>
         </p:nvCxnSpPr>
         <p:spPr>
-          <a:xfrm flipV="1">
-            <a:off x="5050464" y="4848637"/>
-            <a:ext cx="1768549" cy="297010"/>
+          <a:xfrm rot="5400000" flipH="1" flipV="1">
+            <a:off x="5666424" y="3532736"/>
+            <a:ext cx="196000" cy="2109178"/>
           </a:xfrm>
-          <a:prstGeom prst="bentConnector3">
+          <a:prstGeom prst="bentConnector2">
             <a:avLst/>
           </a:prstGeom>
           <a:noFill/>
@@ -7698,8 +8120,8 @@
         </p:nvCxnSpPr>
         <p:spPr>
           <a:xfrm rot="16200000" flipH="1">
-            <a:off x="5257165" y="4268242"/>
-            <a:ext cx="222779" cy="2900915"/>
+            <a:off x="5653705" y="4664782"/>
+            <a:ext cx="221437" cy="2109177"/>
           </a:xfrm>
           <a:prstGeom prst="bentConnector2">
             <a:avLst/>
@@ -8000,7 +8422,7 @@
           </a:ln>
           <a:extLst>
             <a:ext uri="{C572A759-6A51-4108-AA02-DFA0A04FC94B}">
-              <ma14:wrappingTextBoxFlag xmlns="" xmlns:ma14="http://schemas.microsoft.com/office/mac/drawingml/2011/main" val="1"/>
+              <ma14:wrappingTextBoxFlag xmlns:ma14="http://schemas.microsoft.com/office/mac/drawingml/2011/main" xmlns="" val="1"/>
             </a:ext>
           </a:extLst>
         </p:spPr>
@@ -8506,7 +8928,7 @@
           </a:ln>
           <a:extLst>
             <a:ext uri="{C572A759-6A51-4108-AA02-DFA0A04FC94B}">
-              <ma14:wrappingTextBoxFlag xmlns="" xmlns:ma14="http://schemas.microsoft.com/office/mac/drawingml/2011/main" val="1"/>
+              <ma14:wrappingTextBoxFlag xmlns:ma14="http://schemas.microsoft.com/office/mac/drawingml/2011/main" xmlns="" val="1"/>
             </a:ext>
           </a:extLst>
         </p:spPr>
@@ -8876,6 +9298,115 @@
       </p:grpSpPr>
       <p:sp>
         <p:nvSpPr>
+          <p:cNvPr id="2" name="CaixaDeTexto 1"/>
+          <p:cNvSpPr txBox="1"/>
+          <p:nvPr/>
+        </p:nvSpPr>
+        <p:spPr>
+          <a:xfrm>
+            <a:off x="1752318" y="2345181"/>
+            <a:ext cx="5373311" cy="2169823"/>
+          </a:xfrm>
+          <a:prstGeom prst="rect">
+            <a:avLst/>
+          </a:prstGeom>
+          <a:noFill/>
+          <a:ln w="12700" cap="flat">
+            <a:noFill/>
+            <a:miter lim="400000"/>
+          </a:ln>
+          <a:effectLst/>
+          <a:sp3d/>
+        </p:spPr>
+        <p:style>
+          <a:lnRef idx="0">
+            <a:scrgbClr r="0" g="0" b="0"/>
+          </a:lnRef>
+          <a:fillRef idx="0">
+            <a:scrgbClr r="0" g="0" b="0"/>
+          </a:fillRef>
+          <a:effectRef idx="0">
+            <a:scrgbClr r="0" g="0" b="0"/>
+          </a:effectRef>
+          <a:fontRef idx="none"/>
+        </p:style>
+        <p:txBody>
+          <a:bodyPr rot="0" spcFirstLastPara="1" vertOverflow="overflow" horzOverflow="overflow" vert="horz" wrap="square" lIns="45719" tIns="45719" rIns="45719" bIns="45719" numCol="1" spcCol="38100" rtlCol="0" anchor="t">
+            <a:spAutoFit/>
+          </a:bodyPr>
+          <a:lstStyle/>
+          <a:p>
+            <a:pPr lvl="8" indent="0" algn="just">
+              <a:lnSpc>
+                <a:spcPct val="150000"/>
+              </a:lnSpc>
+            </a:pPr>
+            <a:r>
+              <a:rPr lang="pt-BR" dirty="0">
+                <a:solidFill>
+                  <a:srgbClr val="666666"/>
+                </a:solidFill>
+              </a:rPr>
+              <a:t>O padrão </a:t>
+            </a:r>
+            <a:r>
+              <a:rPr lang="pt-BR" dirty="0" err="1">
+                <a:solidFill>
+                  <a:srgbClr val="666666"/>
+                </a:solidFill>
+              </a:rPr>
+              <a:t>IoC</a:t>
+            </a:r>
+            <a:r>
+              <a:rPr lang="pt-BR" dirty="0">
+                <a:solidFill>
+                  <a:srgbClr val="666666"/>
+                </a:solidFill>
+              </a:rPr>
+              <a:t> nos diz o </a:t>
+            </a:r>
+            <a:r>
+              <a:rPr lang="pt-BR" dirty="0" smtClean="0">
+                <a:solidFill>
+                  <a:srgbClr val="666666"/>
+                </a:solidFill>
+              </a:rPr>
+              <a:t>que "</a:t>
+            </a:r>
+            <a:r>
+              <a:rPr lang="pt-BR" dirty="0">
+                <a:solidFill>
+                  <a:srgbClr val="666666"/>
+                </a:solidFill>
+              </a:rPr>
+              <a:t>Devemos delegar a tarefa de criação de um objeto </a:t>
+            </a:r>
+            <a:r>
+              <a:rPr lang="pt-BR" dirty="0" smtClean="0">
+                <a:solidFill>
+                  <a:srgbClr val="666666"/>
+                </a:solidFill>
+              </a:rPr>
+              <a:t>a </a:t>
+            </a:r>
+            <a:r>
+              <a:rPr lang="pt-BR" dirty="0">
+                <a:solidFill>
+                  <a:srgbClr val="666666"/>
+                </a:solidFill>
+              </a:rPr>
+              <a:t>uma outra entidade como uma outra classe, interface, componente, etc. de forma a termos um baixo acoplamento e minimizar a dependências entre os objetos."</a:t>
+            </a:r>
+            <a:endParaRPr lang="pt-BR" b="1" u="sng" dirty="0" smtClean="0">
+              <a:solidFill>
+                <a:srgbClr val="666666"/>
+              </a:solidFill>
+            </a:endParaRPr>
+          </a:p>
+        </p:txBody>
+      </p:sp>
+      <p:sp>
+        <p:nvSpPr>
           <p:cNvPr id="6" name="Shape 120"/>
           <p:cNvSpPr txBox="1">
             <a:spLocks/>
@@ -8895,7 +9426,7 @@
           </a:ln>
           <a:extLst>
             <a:ext uri="{C572A759-6A51-4108-AA02-DFA0A04FC94B}">
-              <ma14:wrappingTextBoxFlag xmlns="" xmlns:ma14="http://schemas.microsoft.com/office/mac/drawingml/2011/main" val="1"/>
+              <ma14:wrappingTextBoxFlag xmlns:ma14="http://schemas.microsoft.com/office/mac/drawingml/2011/main" xmlns="" val="1"/>
             </a:ext>
           </a:extLst>
         </p:spPr>
@@ -9174,6 +9705,30 @@
                 </a:solidFill>
               </a:defRPr>
             </a:pPr>
+            <a:r>
+              <a:rPr lang="pt-BR" sz="5400" b="1" dirty="0" smtClean="0">
+                <a:solidFill>
+                  <a:srgbClr val="11A79D"/>
+                </a:solidFill>
+              </a:rPr>
+              <a:t>Baixo acoplamento (</a:t>
+            </a:r>
+            <a:r>
+              <a:rPr lang="pt-BR" sz="5400" b="1" dirty="0" err="1" smtClean="0">
+                <a:solidFill>
+                  <a:srgbClr val="11A79D"/>
+                </a:solidFill>
+              </a:rPr>
+              <a:t>IoC</a:t>
+            </a:r>
+            <a:r>
+              <a:rPr lang="pt-BR" sz="5400" b="1" dirty="0" smtClean="0">
+                <a:solidFill>
+                  <a:srgbClr val="11A79D"/>
+                </a:solidFill>
+              </a:rPr>
+              <a:t>)</a:t>
+            </a:r>
             <a:endParaRPr lang="pt-BR" sz="5400" b="1" dirty="0">
               <a:solidFill>
                 <a:schemeClr val="tx2"/>
@@ -9184,7 +9739,7 @@
       </p:sp>
       <p:pic>
         <p:nvPicPr>
-          <p:cNvPr id="5" name="Imagem 4"/>
+          <p:cNvPr id="7" name="Imagem 6"/>
           <p:cNvPicPr>
             <a:picLocks noChangeAspect="1"/>
           </p:cNvPicPr>
@@ -9198,7 +9753,7 @@
         </p:blipFill>
         <p:spPr>
           <a:xfrm>
-            <a:off x="4362180" y="2043399"/>
+            <a:off x="7874815" y="1898375"/>
             <a:ext cx="3337026" cy="4279141"/>
           </a:xfrm>
           <a:prstGeom prst="rect">
@@ -9206,326 +9761,10 @@
           </a:prstGeom>
         </p:spPr>
       </p:pic>
-      <p:sp>
-        <p:nvSpPr>
-          <p:cNvPr id="7" name="Shape 120"/>
-          <p:cNvSpPr txBox="1">
-            <a:spLocks/>
-          </p:cNvSpPr>
-          <p:nvPr/>
-        </p:nvSpPr>
-        <p:spPr>
-          <a:xfrm>
-            <a:off x="1798935" y="755373"/>
-            <a:ext cx="8229600" cy="1143001"/>
-          </a:xfrm>
-          <a:prstGeom prst="rect">
-            <a:avLst/>
-          </a:prstGeom>
-          <a:ln w="12700">
-            <a:miter lim="400000"/>
-          </a:ln>
-          <a:extLst>
-            <a:ext uri="{C572A759-6A51-4108-AA02-DFA0A04FC94B}">
-              <ma14:wrappingTextBoxFlag xmlns="" xmlns:ma14="http://schemas.microsoft.com/office/mac/drawingml/2011/main" val="1"/>
-            </a:ext>
-          </a:extLst>
-        </p:spPr>
-        <p:txBody>
-          <a:bodyPr lIns="45719" rIns="45719" anchor="ctr">
-            <a:normAutofit/>
-          </a:bodyPr>
-          <a:lstStyle>
-            <a:lvl1pPr marL="0" marR="0" indent="0" algn="ctr" defTabSz="914400" rtl="0" latinLnBrk="0">
-              <a:lnSpc>
-                <a:spcPct val="100000"/>
-              </a:lnSpc>
-              <a:spcBef>
-                <a:spcPts val="0"/>
-              </a:spcBef>
-              <a:spcAft>
-                <a:spcPts val="0"/>
-              </a:spcAft>
-              <a:buClrTx/>
-              <a:buSzTx/>
-              <a:buFontTx/>
-              <a:buNone/>
-              <a:tabLst/>
-              <a:defRPr sz="4400" b="0" i="0" u="none" strike="noStrike" cap="none" spc="0" baseline="0">
-                <a:ln>
-                  <a:noFill/>
-                </a:ln>
-                <a:solidFill>
-                  <a:srgbClr val="000000"/>
-                </a:solidFill>
-                <a:uFillTx/>
-                <a:latin typeface="+mn-lt"/>
-                <a:ea typeface="+mn-ea"/>
-                <a:cs typeface="+mn-cs"/>
-                <a:sym typeface="Calibri"/>
-              </a:defRPr>
-            </a:lvl1pPr>
-            <a:lvl2pPr marL="0" marR="0" indent="0" algn="ctr" defTabSz="914400" rtl="0" latinLnBrk="0">
-              <a:lnSpc>
-                <a:spcPct val="100000"/>
-              </a:lnSpc>
-              <a:spcBef>
-                <a:spcPts val="0"/>
-              </a:spcBef>
-              <a:spcAft>
-                <a:spcPts val="0"/>
-              </a:spcAft>
-              <a:buClrTx/>
-              <a:buSzTx/>
-              <a:buFontTx/>
-              <a:buNone/>
-              <a:tabLst/>
-              <a:defRPr sz="4400" b="0" i="0" u="none" strike="noStrike" cap="none" spc="0" baseline="0">
-                <a:ln>
-                  <a:noFill/>
-                </a:ln>
-                <a:solidFill>
-                  <a:srgbClr val="000000"/>
-                </a:solidFill>
-                <a:uFillTx/>
-                <a:latin typeface="+mn-lt"/>
-                <a:ea typeface="+mn-ea"/>
-                <a:cs typeface="+mn-cs"/>
-                <a:sym typeface="Calibri"/>
-              </a:defRPr>
-            </a:lvl2pPr>
-            <a:lvl3pPr marL="0" marR="0" indent="0" algn="ctr" defTabSz="914400" rtl="0" latinLnBrk="0">
-              <a:lnSpc>
-                <a:spcPct val="100000"/>
-              </a:lnSpc>
-              <a:spcBef>
-                <a:spcPts val="0"/>
-              </a:spcBef>
-              <a:spcAft>
-                <a:spcPts val="0"/>
-              </a:spcAft>
-              <a:buClrTx/>
-              <a:buSzTx/>
-              <a:buFontTx/>
-              <a:buNone/>
-              <a:tabLst/>
-              <a:defRPr sz="4400" b="0" i="0" u="none" strike="noStrike" cap="none" spc="0" baseline="0">
-                <a:ln>
-                  <a:noFill/>
-                </a:ln>
-                <a:solidFill>
-                  <a:srgbClr val="000000"/>
-                </a:solidFill>
-                <a:uFillTx/>
-                <a:latin typeface="+mn-lt"/>
-                <a:ea typeface="+mn-ea"/>
-                <a:cs typeface="+mn-cs"/>
-                <a:sym typeface="Calibri"/>
-              </a:defRPr>
-            </a:lvl3pPr>
-            <a:lvl4pPr marL="0" marR="0" indent="0" algn="ctr" defTabSz="914400" rtl="0" latinLnBrk="0">
-              <a:lnSpc>
-                <a:spcPct val="100000"/>
-              </a:lnSpc>
-              <a:spcBef>
-                <a:spcPts val="0"/>
-              </a:spcBef>
-              <a:spcAft>
-                <a:spcPts val="0"/>
-              </a:spcAft>
-              <a:buClrTx/>
-              <a:buSzTx/>
-              <a:buFontTx/>
-              <a:buNone/>
-              <a:tabLst/>
-              <a:defRPr sz="4400" b="0" i="0" u="none" strike="noStrike" cap="none" spc="0" baseline="0">
-                <a:ln>
-                  <a:noFill/>
-                </a:ln>
-                <a:solidFill>
-                  <a:srgbClr val="000000"/>
-                </a:solidFill>
-                <a:uFillTx/>
-                <a:latin typeface="+mn-lt"/>
-                <a:ea typeface="+mn-ea"/>
-                <a:cs typeface="+mn-cs"/>
-                <a:sym typeface="Calibri"/>
-              </a:defRPr>
-            </a:lvl4pPr>
-            <a:lvl5pPr marL="0" marR="0" indent="0" algn="ctr" defTabSz="914400" rtl="0" latinLnBrk="0">
-              <a:lnSpc>
-                <a:spcPct val="100000"/>
-              </a:lnSpc>
-              <a:spcBef>
-                <a:spcPts val="0"/>
-              </a:spcBef>
-              <a:spcAft>
-                <a:spcPts val="0"/>
-              </a:spcAft>
-              <a:buClrTx/>
-              <a:buSzTx/>
-              <a:buFontTx/>
-              <a:buNone/>
-              <a:tabLst/>
-              <a:defRPr sz="4400" b="0" i="0" u="none" strike="noStrike" cap="none" spc="0" baseline="0">
-                <a:ln>
-                  <a:noFill/>
-                </a:ln>
-                <a:solidFill>
-                  <a:srgbClr val="000000"/>
-                </a:solidFill>
-                <a:uFillTx/>
-                <a:latin typeface="+mn-lt"/>
-                <a:ea typeface="+mn-ea"/>
-                <a:cs typeface="+mn-cs"/>
-                <a:sym typeface="Calibri"/>
-              </a:defRPr>
-            </a:lvl5pPr>
-            <a:lvl6pPr marL="0" marR="0" indent="0" algn="ctr" defTabSz="914400" rtl="0" latinLnBrk="0">
-              <a:lnSpc>
-                <a:spcPct val="100000"/>
-              </a:lnSpc>
-              <a:spcBef>
-                <a:spcPts val="0"/>
-              </a:spcBef>
-              <a:spcAft>
-                <a:spcPts val="0"/>
-              </a:spcAft>
-              <a:buClrTx/>
-              <a:buSzTx/>
-              <a:buFontTx/>
-              <a:buNone/>
-              <a:tabLst/>
-              <a:defRPr sz="4400" b="0" i="0" u="none" strike="noStrike" cap="none" spc="0" baseline="0">
-                <a:ln>
-                  <a:noFill/>
-                </a:ln>
-                <a:solidFill>
-                  <a:srgbClr val="000000"/>
-                </a:solidFill>
-                <a:uFillTx/>
-                <a:latin typeface="+mn-lt"/>
-                <a:ea typeface="+mn-ea"/>
-                <a:cs typeface="+mn-cs"/>
-                <a:sym typeface="Calibri"/>
-              </a:defRPr>
-            </a:lvl6pPr>
-            <a:lvl7pPr marL="0" marR="0" indent="0" algn="ctr" defTabSz="914400" rtl="0" latinLnBrk="0">
-              <a:lnSpc>
-                <a:spcPct val="100000"/>
-              </a:lnSpc>
-              <a:spcBef>
-                <a:spcPts val="0"/>
-              </a:spcBef>
-              <a:spcAft>
-                <a:spcPts val="0"/>
-              </a:spcAft>
-              <a:buClrTx/>
-              <a:buSzTx/>
-              <a:buFontTx/>
-              <a:buNone/>
-              <a:tabLst/>
-              <a:defRPr sz="4400" b="0" i="0" u="none" strike="noStrike" cap="none" spc="0" baseline="0">
-                <a:ln>
-                  <a:noFill/>
-                </a:ln>
-                <a:solidFill>
-                  <a:srgbClr val="000000"/>
-                </a:solidFill>
-                <a:uFillTx/>
-                <a:latin typeface="+mn-lt"/>
-                <a:ea typeface="+mn-ea"/>
-                <a:cs typeface="+mn-cs"/>
-                <a:sym typeface="Calibri"/>
-              </a:defRPr>
-            </a:lvl7pPr>
-            <a:lvl8pPr marL="0" marR="0" indent="0" algn="ctr" defTabSz="914400" rtl="0" latinLnBrk="0">
-              <a:lnSpc>
-                <a:spcPct val="100000"/>
-              </a:lnSpc>
-              <a:spcBef>
-                <a:spcPts val="0"/>
-              </a:spcBef>
-              <a:spcAft>
-                <a:spcPts val="0"/>
-              </a:spcAft>
-              <a:buClrTx/>
-              <a:buSzTx/>
-              <a:buFontTx/>
-              <a:buNone/>
-              <a:tabLst/>
-              <a:defRPr sz="4400" b="0" i="0" u="none" strike="noStrike" cap="none" spc="0" baseline="0">
-                <a:ln>
-                  <a:noFill/>
-                </a:ln>
-                <a:solidFill>
-                  <a:srgbClr val="000000"/>
-                </a:solidFill>
-                <a:uFillTx/>
-                <a:latin typeface="+mn-lt"/>
-                <a:ea typeface="+mn-ea"/>
-                <a:cs typeface="+mn-cs"/>
-                <a:sym typeface="Calibri"/>
-              </a:defRPr>
-            </a:lvl8pPr>
-            <a:lvl9pPr marL="0" marR="0" indent="0" algn="ctr" defTabSz="914400" rtl="0" latinLnBrk="0">
-              <a:lnSpc>
-                <a:spcPct val="100000"/>
-              </a:lnSpc>
-              <a:spcBef>
-                <a:spcPts val="0"/>
-              </a:spcBef>
-              <a:spcAft>
-                <a:spcPts val="0"/>
-              </a:spcAft>
-              <a:buClrTx/>
-              <a:buSzTx/>
-              <a:buFontTx/>
-              <a:buNone/>
-              <a:tabLst/>
-              <a:defRPr sz="4400" b="0" i="0" u="none" strike="noStrike" cap="none" spc="0" baseline="0">
-                <a:ln>
-                  <a:noFill/>
-                </a:ln>
-                <a:solidFill>
-                  <a:srgbClr val="000000"/>
-                </a:solidFill>
-                <a:uFillTx/>
-                <a:latin typeface="+mn-lt"/>
-                <a:ea typeface="+mn-ea"/>
-                <a:cs typeface="+mn-cs"/>
-                <a:sym typeface="Calibri"/>
-              </a:defRPr>
-            </a:lvl9pPr>
-          </a:lstStyle>
-          <a:p>
-            <a:pPr hangingPunct="1">
-              <a:defRPr sz="2800" b="1">
-                <a:solidFill>
-                  <a:srgbClr val="11A79D"/>
-                </a:solidFill>
-              </a:defRPr>
-            </a:pPr>
-            <a:r>
-              <a:rPr lang="pt-BR" sz="5400" b="1" dirty="0" smtClean="0">
-                <a:solidFill>
-                  <a:srgbClr val="11A79D"/>
-                </a:solidFill>
-              </a:rPr>
-              <a:t>Baixo acoplamento</a:t>
-            </a:r>
-            <a:endParaRPr lang="pt-BR" sz="5400" b="1" dirty="0">
-              <a:solidFill>
-                <a:schemeClr val="tx2"/>
-              </a:solidFill>
-            </a:endParaRPr>
-          </a:p>
-        </p:txBody>
-      </p:sp>
     </p:spTree>
     <p:extLst>
       <p:ext uri="{BB962C8B-B14F-4D97-AF65-F5344CB8AC3E}">
-        <p14:creationId xmlns:p14="http://schemas.microsoft.com/office/powerpoint/2010/main" val="1074186754"/>
+        <p14:creationId xmlns:p14="http://schemas.microsoft.com/office/powerpoint/2010/main" val="1786424224"/>
       </p:ext>
     </p:extLst>
   </p:cSld>
@@ -9680,7 +9919,7 @@
           </a:ln>
           <a:extLst>
             <a:ext uri="{C572A759-6A51-4108-AA02-DFA0A04FC94B}">
-              <ma14:wrappingTextBoxFlag xmlns="" xmlns:ma14="http://schemas.microsoft.com/office/mac/drawingml/2011/main" val="1"/>
+              <ma14:wrappingTextBoxFlag xmlns:ma14="http://schemas.microsoft.com/office/mac/drawingml/2011/main" xmlns="" val="1"/>
             </a:ext>
           </a:extLst>
         </p:spPr>
@@ -9979,6 +10218,3649 @@
     <p:extLst>
       <p:ext uri="{BB962C8B-B14F-4D97-AF65-F5344CB8AC3E}">
         <p14:creationId xmlns:p14="http://schemas.microsoft.com/office/powerpoint/2010/main" val="3555402958"/>
+      </p:ext>
+    </p:extLst>
+  </p:cSld>
+  <p:clrMapOvr>
+    <a:masterClrMapping/>
+  </p:clrMapOvr>
+  <mc:AlternateContent xmlns:mc="http://schemas.openxmlformats.org/markup-compatibility/2006" xmlns:p14="http://schemas.microsoft.com/office/powerpoint/2010/main">
+    <mc:Choice Requires="p14">
+      <p:transition spd="med" p14:dur="700">
+        <p:fade/>
+      </p:transition>
+    </mc:Choice>
+    <mc:Fallback xmlns="">
+      <p:transition spd="med">
+        <p:fade/>
+      </p:transition>
+    </mc:Fallback>
+  </mc:AlternateContent>
+  <p:timing>
+    <p:tnLst>
+      <p:par>
+        <p:cTn id="1" dur="indefinite" restart="never" nodeType="tmRoot"/>
+      </p:par>
+    </p:tnLst>
+  </p:timing>
+</p:sld>
+</file>
+
+<file path=ppt/slides/slide20.xml><?xml version="1.0" encoding="utf-8"?>
+<p:sld xmlns:a="http://schemas.openxmlformats.org/drawingml/2006/main" xmlns:r="http://schemas.openxmlformats.org/officeDocument/2006/relationships" xmlns:p="http://schemas.openxmlformats.org/presentationml/2006/main">
+  <p:cSld>
+    <p:spTree>
+      <p:nvGrpSpPr>
+        <p:cNvPr id="1" name=""/>
+        <p:cNvGrpSpPr/>
+        <p:nvPr/>
+      </p:nvGrpSpPr>
+      <p:grpSpPr>
+        <a:xfrm>
+          <a:off x="0" y="0"/>
+          <a:ext cx="0" cy="0"/>
+          <a:chOff x="0" y="0"/>
+          <a:chExt cx="0" cy="0"/>
+        </a:xfrm>
+      </p:grpSpPr>
+      <p:sp>
+        <p:nvSpPr>
+          <p:cNvPr id="2" name="CaixaDeTexto 1"/>
+          <p:cNvSpPr txBox="1"/>
+          <p:nvPr/>
+        </p:nvSpPr>
+        <p:spPr>
+          <a:xfrm>
+            <a:off x="1752318" y="2345181"/>
+            <a:ext cx="8495653" cy="923328"/>
+          </a:xfrm>
+          <a:prstGeom prst="rect">
+            <a:avLst/>
+          </a:prstGeom>
+          <a:noFill/>
+          <a:ln w="12700" cap="flat">
+            <a:noFill/>
+            <a:miter lim="400000"/>
+          </a:ln>
+          <a:effectLst/>
+          <a:sp3d/>
+        </p:spPr>
+        <p:style>
+          <a:lnRef idx="0">
+            <a:scrgbClr r="0" g="0" b="0"/>
+          </a:lnRef>
+          <a:fillRef idx="0">
+            <a:scrgbClr r="0" g="0" b="0"/>
+          </a:fillRef>
+          <a:effectRef idx="0">
+            <a:scrgbClr r="0" g="0" b="0"/>
+          </a:effectRef>
+          <a:fontRef idx="none"/>
+        </p:style>
+        <p:txBody>
+          <a:bodyPr rot="0" spcFirstLastPara="1" vertOverflow="overflow" horzOverflow="overflow" vert="horz" wrap="square" lIns="45719" tIns="45719" rIns="45719" bIns="45719" numCol="1" spcCol="38100" rtlCol="0" anchor="t">
+            <a:spAutoFit/>
+          </a:bodyPr>
+          <a:lstStyle/>
+          <a:p>
+            <a:pPr lvl="8" indent="0" algn="just">
+              <a:lnSpc>
+                <a:spcPct val="150000"/>
+              </a:lnSpc>
+            </a:pPr>
+            <a:r>
+              <a:rPr lang="pt-BR" dirty="0" smtClean="0">
+                <a:solidFill>
+                  <a:srgbClr val="666666"/>
+                </a:solidFill>
+              </a:rPr>
+              <a:t>O </a:t>
+            </a:r>
+            <a:r>
+              <a:rPr lang="pt-BR" dirty="0">
+                <a:solidFill>
+                  <a:srgbClr val="666666"/>
+                </a:solidFill>
+              </a:rPr>
+              <a:t>padrão da injeção de dependência é um princípio que nos guia para injetar dependências através da inversão de </a:t>
+            </a:r>
+            <a:r>
+              <a:rPr lang="pt-BR" dirty="0" smtClean="0">
+                <a:solidFill>
+                  <a:srgbClr val="666666"/>
+                </a:solidFill>
+              </a:rPr>
+              <a:t>controle.</a:t>
+            </a:r>
+            <a:endParaRPr lang="pt-BR" b="1" u="sng" dirty="0" smtClean="0">
+              <a:solidFill>
+                <a:srgbClr val="666666"/>
+              </a:solidFill>
+            </a:endParaRPr>
+          </a:p>
+        </p:txBody>
+      </p:sp>
+      <p:sp>
+        <p:nvSpPr>
+          <p:cNvPr id="6" name="Shape 120"/>
+          <p:cNvSpPr txBox="1">
+            <a:spLocks/>
+          </p:cNvSpPr>
+          <p:nvPr/>
+        </p:nvSpPr>
+        <p:spPr>
+          <a:xfrm>
+            <a:off x="1915893" y="755374"/>
+            <a:ext cx="8229600" cy="1143001"/>
+          </a:xfrm>
+          <a:prstGeom prst="rect">
+            <a:avLst/>
+          </a:prstGeom>
+          <a:ln w="12700">
+            <a:miter lim="400000"/>
+          </a:ln>
+          <a:extLst>
+            <a:ext uri="{C572A759-6A51-4108-AA02-DFA0A04FC94B}">
+              <ma14:wrappingTextBoxFlag xmlns:ma14="http://schemas.microsoft.com/office/mac/drawingml/2011/main" xmlns="" val="1"/>
+            </a:ext>
+          </a:extLst>
+        </p:spPr>
+        <p:txBody>
+          <a:bodyPr lIns="45719" rIns="45719" anchor="ctr">
+            <a:normAutofit/>
+          </a:bodyPr>
+          <a:lstStyle>
+            <a:lvl1pPr marL="0" marR="0" indent="0" algn="ctr" defTabSz="914400" rtl="0" latinLnBrk="0">
+              <a:lnSpc>
+                <a:spcPct val="100000"/>
+              </a:lnSpc>
+              <a:spcBef>
+                <a:spcPts val="0"/>
+              </a:spcBef>
+              <a:spcAft>
+                <a:spcPts val="0"/>
+              </a:spcAft>
+              <a:buClrTx/>
+              <a:buSzTx/>
+              <a:buFontTx/>
+              <a:buNone/>
+              <a:tabLst/>
+              <a:defRPr sz="4400" b="0" i="0" u="none" strike="noStrike" cap="none" spc="0" baseline="0">
+                <a:ln>
+                  <a:noFill/>
+                </a:ln>
+                <a:solidFill>
+                  <a:srgbClr val="000000"/>
+                </a:solidFill>
+                <a:uFillTx/>
+                <a:latin typeface="+mn-lt"/>
+                <a:ea typeface="+mn-ea"/>
+                <a:cs typeface="+mn-cs"/>
+                <a:sym typeface="Calibri"/>
+              </a:defRPr>
+            </a:lvl1pPr>
+            <a:lvl2pPr marL="0" marR="0" indent="0" algn="ctr" defTabSz="914400" rtl="0" latinLnBrk="0">
+              <a:lnSpc>
+                <a:spcPct val="100000"/>
+              </a:lnSpc>
+              <a:spcBef>
+                <a:spcPts val="0"/>
+              </a:spcBef>
+              <a:spcAft>
+                <a:spcPts val="0"/>
+              </a:spcAft>
+              <a:buClrTx/>
+              <a:buSzTx/>
+              <a:buFontTx/>
+              <a:buNone/>
+              <a:tabLst/>
+              <a:defRPr sz="4400" b="0" i="0" u="none" strike="noStrike" cap="none" spc="0" baseline="0">
+                <a:ln>
+                  <a:noFill/>
+                </a:ln>
+                <a:solidFill>
+                  <a:srgbClr val="000000"/>
+                </a:solidFill>
+                <a:uFillTx/>
+                <a:latin typeface="+mn-lt"/>
+                <a:ea typeface="+mn-ea"/>
+                <a:cs typeface="+mn-cs"/>
+                <a:sym typeface="Calibri"/>
+              </a:defRPr>
+            </a:lvl2pPr>
+            <a:lvl3pPr marL="0" marR="0" indent="0" algn="ctr" defTabSz="914400" rtl="0" latinLnBrk="0">
+              <a:lnSpc>
+                <a:spcPct val="100000"/>
+              </a:lnSpc>
+              <a:spcBef>
+                <a:spcPts val="0"/>
+              </a:spcBef>
+              <a:spcAft>
+                <a:spcPts val="0"/>
+              </a:spcAft>
+              <a:buClrTx/>
+              <a:buSzTx/>
+              <a:buFontTx/>
+              <a:buNone/>
+              <a:tabLst/>
+              <a:defRPr sz="4400" b="0" i="0" u="none" strike="noStrike" cap="none" spc="0" baseline="0">
+                <a:ln>
+                  <a:noFill/>
+                </a:ln>
+                <a:solidFill>
+                  <a:srgbClr val="000000"/>
+                </a:solidFill>
+                <a:uFillTx/>
+                <a:latin typeface="+mn-lt"/>
+                <a:ea typeface="+mn-ea"/>
+                <a:cs typeface="+mn-cs"/>
+                <a:sym typeface="Calibri"/>
+              </a:defRPr>
+            </a:lvl3pPr>
+            <a:lvl4pPr marL="0" marR="0" indent="0" algn="ctr" defTabSz="914400" rtl="0" latinLnBrk="0">
+              <a:lnSpc>
+                <a:spcPct val="100000"/>
+              </a:lnSpc>
+              <a:spcBef>
+                <a:spcPts val="0"/>
+              </a:spcBef>
+              <a:spcAft>
+                <a:spcPts val="0"/>
+              </a:spcAft>
+              <a:buClrTx/>
+              <a:buSzTx/>
+              <a:buFontTx/>
+              <a:buNone/>
+              <a:tabLst/>
+              <a:defRPr sz="4400" b="0" i="0" u="none" strike="noStrike" cap="none" spc="0" baseline="0">
+                <a:ln>
+                  <a:noFill/>
+                </a:ln>
+                <a:solidFill>
+                  <a:srgbClr val="000000"/>
+                </a:solidFill>
+                <a:uFillTx/>
+                <a:latin typeface="+mn-lt"/>
+                <a:ea typeface="+mn-ea"/>
+                <a:cs typeface="+mn-cs"/>
+                <a:sym typeface="Calibri"/>
+              </a:defRPr>
+            </a:lvl4pPr>
+            <a:lvl5pPr marL="0" marR="0" indent="0" algn="ctr" defTabSz="914400" rtl="0" latinLnBrk="0">
+              <a:lnSpc>
+                <a:spcPct val="100000"/>
+              </a:lnSpc>
+              <a:spcBef>
+                <a:spcPts val="0"/>
+              </a:spcBef>
+              <a:spcAft>
+                <a:spcPts val="0"/>
+              </a:spcAft>
+              <a:buClrTx/>
+              <a:buSzTx/>
+              <a:buFontTx/>
+              <a:buNone/>
+              <a:tabLst/>
+              <a:defRPr sz="4400" b="0" i="0" u="none" strike="noStrike" cap="none" spc="0" baseline="0">
+                <a:ln>
+                  <a:noFill/>
+                </a:ln>
+                <a:solidFill>
+                  <a:srgbClr val="000000"/>
+                </a:solidFill>
+                <a:uFillTx/>
+                <a:latin typeface="+mn-lt"/>
+                <a:ea typeface="+mn-ea"/>
+                <a:cs typeface="+mn-cs"/>
+                <a:sym typeface="Calibri"/>
+              </a:defRPr>
+            </a:lvl5pPr>
+            <a:lvl6pPr marL="0" marR="0" indent="0" algn="ctr" defTabSz="914400" rtl="0" latinLnBrk="0">
+              <a:lnSpc>
+                <a:spcPct val="100000"/>
+              </a:lnSpc>
+              <a:spcBef>
+                <a:spcPts val="0"/>
+              </a:spcBef>
+              <a:spcAft>
+                <a:spcPts val="0"/>
+              </a:spcAft>
+              <a:buClrTx/>
+              <a:buSzTx/>
+              <a:buFontTx/>
+              <a:buNone/>
+              <a:tabLst/>
+              <a:defRPr sz="4400" b="0" i="0" u="none" strike="noStrike" cap="none" spc="0" baseline="0">
+                <a:ln>
+                  <a:noFill/>
+                </a:ln>
+                <a:solidFill>
+                  <a:srgbClr val="000000"/>
+                </a:solidFill>
+                <a:uFillTx/>
+                <a:latin typeface="+mn-lt"/>
+                <a:ea typeface="+mn-ea"/>
+                <a:cs typeface="+mn-cs"/>
+                <a:sym typeface="Calibri"/>
+              </a:defRPr>
+            </a:lvl6pPr>
+            <a:lvl7pPr marL="0" marR="0" indent="0" algn="ctr" defTabSz="914400" rtl="0" latinLnBrk="0">
+              <a:lnSpc>
+                <a:spcPct val="100000"/>
+              </a:lnSpc>
+              <a:spcBef>
+                <a:spcPts val="0"/>
+              </a:spcBef>
+              <a:spcAft>
+                <a:spcPts val="0"/>
+              </a:spcAft>
+              <a:buClrTx/>
+              <a:buSzTx/>
+              <a:buFontTx/>
+              <a:buNone/>
+              <a:tabLst/>
+              <a:defRPr sz="4400" b="0" i="0" u="none" strike="noStrike" cap="none" spc="0" baseline="0">
+                <a:ln>
+                  <a:noFill/>
+                </a:ln>
+                <a:solidFill>
+                  <a:srgbClr val="000000"/>
+                </a:solidFill>
+                <a:uFillTx/>
+                <a:latin typeface="+mn-lt"/>
+                <a:ea typeface="+mn-ea"/>
+                <a:cs typeface="+mn-cs"/>
+                <a:sym typeface="Calibri"/>
+              </a:defRPr>
+            </a:lvl7pPr>
+            <a:lvl8pPr marL="0" marR="0" indent="0" algn="ctr" defTabSz="914400" rtl="0" latinLnBrk="0">
+              <a:lnSpc>
+                <a:spcPct val="100000"/>
+              </a:lnSpc>
+              <a:spcBef>
+                <a:spcPts val="0"/>
+              </a:spcBef>
+              <a:spcAft>
+                <a:spcPts val="0"/>
+              </a:spcAft>
+              <a:buClrTx/>
+              <a:buSzTx/>
+              <a:buFontTx/>
+              <a:buNone/>
+              <a:tabLst/>
+              <a:defRPr sz="4400" b="0" i="0" u="none" strike="noStrike" cap="none" spc="0" baseline="0">
+                <a:ln>
+                  <a:noFill/>
+                </a:ln>
+                <a:solidFill>
+                  <a:srgbClr val="000000"/>
+                </a:solidFill>
+                <a:uFillTx/>
+                <a:latin typeface="+mn-lt"/>
+                <a:ea typeface="+mn-ea"/>
+                <a:cs typeface="+mn-cs"/>
+                <a:sym typeface="Calibri"/>
+              </a:defRPr>
+            </a:lvl8pPr>
+            <a:lvl9pPr marL="0" marR="0" indent="0" algn="ctr" defTabSz="914400" rtl="0" latinLnBrk="0">
+              <a:lnSpc>
+                <a:spcPct val="100000"/>
+              </a:lnSpc>
+              <a:spcBef>
+                <a:spcPts val="0"/>
+              </a:spcBef>
+              <a:spcAft>
+                <a:spcPts val="0"/>
+              </a:spcAft>
+              <a:buClrTx/>
+              <a:buSzTx/>
+              <a:buFontTx/>
+              <a:buNone/>
+              <a:tabLst/>
+              <a:defRPr sz="4400" b="0" i="0" u="none" strike="noStrike" cap="none" spc="0" baseline="0">
+                <a:ln>
+                  <a:noFill/>
+                </a:ln>
+                <a:solidFill>
+                  <a:srgbClr val="000000"/>
+                </a:solidFill>
+                <a:uFillTx/>
+                <a:latin typeface="+mn-lt"/>
+                <a:ea typeface="+mn-ea"/>
+                <a:cs typeface="+mn-cs"/>
+                <a:sym typeface="Calibri"/>
+              </a:defRPr>
+            </a:lvl9pPr>
+          </a:lstStyle>
+          <a:p>
+            <a:pPr hangingPunct="1">
+              <a:defRPr sz="2800" b="1">
+                <a:solidFill>
+                  <a:srgbClr val="11A79D"/>
+                </a:solidFill>
+              </a:defRPr>
+            </a:pPr>
+            <a:r>
+              <a:rPr lang="pt-BR" sz="5400" b="1" dirty="0" smtClean="0">
+                <a:solidFill>
+                  <a:srgbClr val="11A79D"/>
+                </a:solidFill>
+              </a:rPr>
+              <a:t>Inje</a:t>
+            </a:r>
+            <a:r>
+              <a:rPr lang="pt-BR" sz="5400" b="1" dirty="0" smtClean="0">
+                <a:solidFill>
+                  <a:srgbClr val="11A79D"/>
+                </a:solidFill>
+              </a:rPr>
+              <a:t>ção de dependência</a:t>
+            </a:r>
+            <a:endParaRPr lang="pt-BR" sz="5400" b="1" dirty="0">
+              <a:solidFill>
+                <a:schemeClr val="tx2"/>
+              </a:solidFill>
+            </a:endParaRPr>
+          </a:p>
+        </p:txBody>
+      </p:sp>
+      <p:sp>
+        <p:nvSpPr>
+          <p:cNvPr id="3" name="Retângulo 2"/>
+          <p:cNvSpPr/>
+          <p:nvPr/>
+        </p:nvSpPr>
+        <p:spPr>
+          <a:xfrm>
+            <a:off x="1752317" y="4154272"/>
+            <a:ext cx="2321031" cy="646329"/>
+          </a:xfrm>
+          <a:prstGeom prst="rect">
+            <a:avLst/>
+          </a:prstGeom>
+          <a:solidFill>
+            <a:srgbClr val="FFFFFF"/>
+          </a:solidFill>
+          <a:ln w="25400" cap="flat">
+            <a:solidFill>
+              <a:schemeClr val="tx1"/>
+            </a:solidFill>
+            <a:prstDash val="solid"/>
+            <a:round/>
+          </a:ln>
+          <a:effectLst>
+            <a:outerShdw blurRad="38100" dist="23000" dir="5400000" rotWithShape="0">
+              <a:srgbClr val="000000">
+                <a:alpha val="35000"/>
+              </a:srgbClr>
+            </a:outerShdw>
+          </a:effectLst>
+          <a:sp3d/>
+        </p:spPr>
+        <p:style>
+          <a:lnRef idx="0">
+            <a:scrgbClr r="0" g="0" b="0"/>
+          </a:lnRef>
+          <a:fillRef idx="0">
+            <a:scrgbClr r="0" g="0" b="0"/>
+          </a:fillRef>
+          <a:effectRef idx="0">
+            <a:scrgbClr r="0" g="0" b="0"/>
+          </a:effectRef>
+          <a:fontRef idx="none"/>
+        </p:style>
+        <p:txBody>
+          <a:bodyPr rot="0" spcFirstLastPara="1" vertOverflow="overflow" horzOverflow="overflow" vert="horz" wrap="square" lIns="45719" tIns="45719" rIns="45719" bIns="45719" numCol="1" spcCol="38100" rtlCol="0" anchor="ctr">
+            <a:spAutoFit/>
+          </a:bodyPr>
+          <a:lstStyle/>
+          <a:p>
+            <a:pPr marL="0" marR="0" indent="0" algn="ctr" defTabSz="914400" rtl="0" fontAlgn="auto" latinLnBrk="0" hangingPunct="0">
+              <a:lnSpc>
+                <a:spcPct val="100000"/>
+              </a:lnSpc>
+              <a:spcBef>
+                <a:spcPts val="0"/>
+              </a:spcBef>
+              <a:spcAft>
+                <a:spcPts val="0"/>
+              </a:spcAft>
+              <a:buClrTx/>
+              <a:buSzTx/>
+              <a:buFontTx/>
+              <a:buNone/>
+              <a:tabLst/>
+            </a:pPr>
+            <a:r>
+              <a:rPr kumimoji="0" lang="pt-BR" sz="1800" b="0" i="0" u="none" strike="noStrike" cap="none" spc="0" normalizeH="0" baseline="0" dirty="0" err="1" smtClean="0">
+                <a:ln>
+                  <a:noFill/>
+                </a:ln>
+                <a:solidFill>
+                  <a:srgbClr val="000000"/>
+                </a:solidFill>
+                <a:effectLst/>
+                <a:uFillTx/>
+                <a:latin typeface="+mn-lt"/>
+                <a:ea typeface="+mn-ea"/>
+                <a:cs typeface="+mn-cs"/>
+                <a:sym typeface="Calibri"/>
+              </a:rPr>
+              <a:t>Dependency</a:t>
+            </a:r>
+            <a:r>
+              <a:rPr kumimoji="0" lang="pt-BR" sz="1800" b="0" i="0" u="none" strike="noStrike" cap="none" spc="0" normalizeH="0" baseline="0" dirty="0" smtClean="0">
+                <a:ln>
+                  <a:noFill/>
+                </a:ln>
+                <a:solidFill>
+                  <a:srgbClr val="000000"/>
+                </a:solidFill>
+                <a:effectLst/>
+                <a:uFillTx/>
+                <a:latin typeface="+mn-lt"/>
+                <a:ea typeface="+mn-ea"/>
+                <a:cs typeface="+mn-cs"/>
+                <a:sym typeface="Calibri"/>
+              </a:rPr>
+              <a:t> </a:t>
+            </a:r>
+            <a:r>
+              <a:rPr kumimoji="0" lang="pt-BR" sz="1800" b="0" i="0" u="none" strike="noStrike" cap="none" spc="0" normalizeH="0" baseline="0" dirty="0" err="1" smtClean="0">
+                <a:ln>
+                  <a:noFill/>
+                </a:ln>
+                <a:solidFill>
+                  <a:srgbClr val="000000"/>
+                </a:solidFill>
+                <a:effectLst/>
+                <a:uFillTx/>
+                <a:latin typeface="+mn-lt"/>
+                <a:ea typeface="+mn-ea"/>
+                <a:cs typeface="+mn-cs"/>
+                <a:sym typeface="Calibri"/>
+              </a:rPr>
+              <a:t>Inversion</a:t>
+            </a:r>
+            <a:r>
+              <a:rPr kumimoji="0" lang="pt-BR" sz="1800" b="0" i="0" u="none" strike="noStrike" cap="none" spc="0" normalizeH="0" baseline="0" dirty="0" smtClean="0">
+                <a:ln>
+                  <a:noFill/>
+                </a:ln>
+                <a:solidFill>
+                  <a:srgbClr val="000000"/>
+                </a:solidFill>
+                <a:effectLst/>
+                <a:uFillTx/>
+                <a:latin typeface="+mn-lt"/>
+                <a:ea typeface="+mn-ea"/>
+                <a:cs typeface="+mn-cs"/>
+                <a:sym typeface="Calibri"/>
+              </a:rPr>
+              <a:t> </a:t>
+            </a:r>
+            <a:r>
+              <a:rPr kumimoji="0" lang="pt-BR" sz="1800" b="0" i="0" u="none" strike="noStrike" cap="none" spc="0" normalizeH="0" baseline="0" dirty="0" err="1" smtClean="0">
+                <a:ln>
+                  <a:noFill/>
+                </a:ln>
+                <a:solidFill>
+                  <a:srgbClr val="000000"/>
+                </a:solidFill>
+                <a:effectLst/>
+                <a:uFillTx/>
+                <a:latin typeface="+mn-lt"/>
+                <a:ea typeface="+mn-ea"/>
+                <a:cs typeface="+mn-cs"/>
+                <a:sym typeface="Calibri"/>
+              </a:rPr>
+              <a:t>Principle</a:t>
+            </a:r>
+            <a:r>
+              <a:rPr kumimoji="0" lang="pt-BR" sz="1800" b="0" i="0" u="none" strike="noStrike" cap="none" spc="0" normalizeH="0" baseline="0" dirty="0" smtClean="0">
+                <a:ln>
+                  <a:noFill/>
+                </a:ln>
+                <a:solidFill>
+                  <a:srgbClr val="000000"/>
+                </a:solidFill>
+                <a:effectLst/>
+                <a:uFillTx/>
+                <a:latin typeface="+mn-lt"/>
+                <a:ea typeface="+mn-ea"/>
+                <a:cs typeface="+mn-cs"/>
+                <a:sym typeface="Calibri"/>
+              </a:rPr>
+              <a:t> (DIP)</a:t>
+            </a:r>
+            <a:endParaRPr kumimoji="0" lang="pt-BR" sz="1800" b="0" i="0" u="none" strike="noStrike" cap="none" spc="0" normalizeH="0" baseline="0" dirty="0">
+              <a:ln>
+                <a:noFill/>
+              </a:ln>
+              <a:solidFill>
+                <a:srgbClr val="000000"/>
+              </a:solidFill>
+              <a:effectLst/>
+              <a:uFillTx/>
+              <a:latin typeface="+mn-lt"/>
+              <a:ea typeface="+mn-ea"/>
+              <a:cs typeface="+mn-cs"/>
+              <a:sym typeface="Calibri"/>
+            </a:endParaRPr>
+          </a:p>
+        </p:txBody>
+      </p:sp>
+      <p:sp>
+        <p:nvSpPr>
+          <p:cNvPr id="5" name="Retângulo 4"/>
+          <p:cNvSpPr/>
+          <p:nvPr/>
+        </p:nvSpPr>
+        <p:spPr>
+          <a:xfrm>
+            <a:off x="5128229" y="4157768"/>
+            <a:ext cx="1940313" cy="646329"/>
+          </a:xfrm>
+          <a:prstGeom prst="rect">
+            <a:avLst/>
+          </a:prstGeom>
+          <a:solidFill>
+            <a:srgbClr val="FFFFFF"/>
+          </a:solidFill>
+          <a:ln w="25400" cap="flat">
+            <a:solidFill>
+              <a:schemeClr val="tx1"/>
+            </a:solidFill>
+            <a:prstDash val="solid"/>
+            <a:round/>
+          </a:ln>
+          <a:effectLst>
+            <a:outerShdw blurRad="38100" dist="23000" dir="5400000" rotWithShape="0">
+              <a:srgbClr val="000000">
+                <a:alpha val="35000"/>
+              </a:srgbClr>
+            </a:outerShdw>
+          </a:effectLst>
+          <a:sp3d/>
+        </p:spPr>
+        <p:style>
+          <a:lnRef idx="0">
+            <a:scrgbClr r="0" g="0" b="0"/>
+          </a:lnRef>
+          <a:fillRef idx="0">
+            <a:scrgbClr r="0" g="0" b="0"/>
+          </a:fillRef>
+          <a:effectRef idx="0">
+            <a:scrgbClr r="0" g="0" b="0"/>
+          </a:effectRef>
+          <a:fontRef idx="none"/>
+        </p:style>
+        <p:txBody>
+          <a:bodyPr rot="0" spcFirstLastPara="1" vertOverflow="overflow" horzOverflow="overflow" vert="horz" wrap="square" lIns="45719" tIns="45719" rIns="45719" bIns="45719" numCol="1" spcCol="38100" rtlCol="0" anchor="ctr">
+            <a:spAutoFit/>
+          </a:bodyPr>
+          <a:lstStyle/>
+          <a:p>
+            <a:pPr marL="0" marR="0" indent="0" algn="ctr" defTabSz="914400" rtl="0" fontAlgn="auto" latinLnBrk="0" hangingPunct="0">
+              <a:lnSpc>
+                <a:spcPct val="100000"/>
+              </a:lnSpc>
+              <a:spcBef>
+                <a:spcPts val="0"/>
+              </a:spcBef>
+              <a:spcAft>
+                <a:spcPts val="0"/>
+              </a:spcAft>
+              <a:buClrTx/>
+              <a:buSzTx/>
+              <a:buFontTx/>
+              <a:buNone/>
+              <a:tabLst/>
+            </a:pPr>
+            <a:r>
+              <a:rPr kumimoji="0" lang="pt-BR" sz="1800" b="0" i="0" u="none" strike="noStrike" cap="none" spc="0" normalizeH="0" baseline="0" dirty="0" err="1" smtClean="0">
+                <a:ln>
+                  <a:noFill/>
+                </a:ln>
+                <a:solidFill>
+                  <a:srgbClr val="000000"/>
+                </a:solidFill>
+                <a:effectLst/>
+                <a:uFillTx/>
+                <a:latin typeface="+mn-lt"/>
+                <a:ea typeface="+mn-ea"/>
+                <a:cs typeface="+mn-cs"/>
+                <a:sym typeface="Calibri"/>
+              </a:rPr>
+              <a:t>Inversion</a:t>
+            </a:r>
+            <a:r>
+              <a:rPr kumimoji="0" lang="pt-BR" sz="1800" b="0" i="0" u="none" strike="noStrike" cap="none" spc="0" normalizeH="0" dirty="0" smtClean="0">
+                <a:ln>
+                  <a:noFill/>
+                </a:ln>
+                <a:solidFill>
+                  <a:srgbClr val="000000"/>
+                </a:solidFill>
+                <a:effectLst/>
+                <a:uFillTx/>
+                <a:latin typeface="+mn-lt"/>
+                <a:ea typeface="+mn-ea"/>
+                <a:cs typeface="+mn-cs"/>
+                <a:sym typeface="Calibri"/>
+              </a:rPr>
+              <a:t> </a:t>
+            </a:r>
+            <a:r>
+              <a:rPr kumimoji="0" lang="pt-BR" sz="1800" b="0" i="0" u="none" strike="noStrike" cap="none" spc="0" normalizeH="0" dirty="0" err="1" smtClean="0">
+                <a:ln>
+                  <a:noFill/>
+                </a:ln>
+                <a:solidFill>
+                  <a:srgbClr val="000000"/>
+                </a:solidFill>
+                <a:effectLst/>
+                <a:uFillTx/>
+                <a:latin typeface="+mn-lt"/>
+                <a:ea typeface="+mn-ea"/>
+                <a:cs typeface="+mn-cs"/>
+                <a:sym typeface="Calibri"/>
+              </a:rPr>
+              <a:t>of</a:t>
+            </a:r>
+            <a:r>
+              <a:rPr kumimoji="0" lang="pt-BR" sz="1800" b="0" i="0" u="none" strike="noStrike" cap="none" spc="0" normalizeH="0" dirty="0" smtClean="0">
+                <a:ln>
+                  <a:noFill/>
+                </a:ln>
+                <a:solidFill>
+                  <a:srgbClr val="000000"/>
+                </a:solidFill>
+                <a:effectLst/>
+                <a:uFillTx/>
+                <a:latin typeface="+mn-lt"/>
+                <a:ea typeface="+mn-ea"/>
+                <a:cs typeface="+mn-cs"/>
+                <a:sym typeface="Calibri"/>
+              </a:rPr>
+              <a:t> </a:t>
+            </a:r>
+            <a:r>
+              <a:rPr kumimoji="0" lang="pt-BR" sz="1800" b="0" i="0" u="none" strike="noStrike" cap="none" spc="0" normalizeH="0" dirty="0" err="1" smtClean="0">
+                <a:ln>
+                  <a:noFill/>
+                </a:ln>
+                <a:solidFill>
+                  <a:srgbClr val="000000"/>
+                </a:solidFill>
+                <a:effectLst/>
+                <a:uFillTx/>
+                <a:latin typeface="+mn-lt"/>
+                <a:ea typeface="+mn-ea"/>
+                <a:cs typeface="+mn-cs"/>
+                <a:sym typeface="Calibri"/>
+              </a:rPr>
+              <a:t>Control</a:t>
+            </a:r>
+            <a:r>
+              <a:rPr kumimoji="0" lang="pt-BR" sz="1800" b="0" i="0" u="none" strike="noStrike" cap="none" spc="0" normalizeH="0" dirty="0" smtClean="0">
+                <a:ln>
+                  <a:noFill/>
+                </a:ln>
+                <a:solidFill>
+                  <a:srgbClr val="000000"/>
+                </a:solidFill>
+                <a:effectLst/>
+                <a:uFillTx/>
+                <a:latin typeface="+mn-lt"/>
+                <a:ea typeface="+mn-ea"/>
+                <a:cs typeface="+mn-cs"/>
+                <a:sym typeface="Calibri"/>
+              </a:rPr>
+              <a:t> (</a:t>
+            </a:r>
+            <a:r>
+              <a:rPr kumimoji="0" lang="pt-BR" sz="1800" b="0" i="0" u="none" strike="noStrike" cap="none" spc="0" normalizeH="0" dirty="0" err="1" smtClean="0">
+                <a:ln>
+                  <a:noFill/>
+                </a:ln>
+                <a:solidFill>
+                  <a:srgbClr val="000000"/>
+                </a:solidFill>
+                <a:effectLst/>
+                <a:uFillTx/>
+                <a:latin typeface="+mn-lt"/>
+                <a:ea typeface="+mn-ea"/>
+                <a:cs typeface="+mn-cs"/>
+                <a:sym typeface="Calibri"/>
+              </a:rPr>
+              <a:t>IoC</a:t>
+            </a:r>
+            <a:r>
+              <a:rPr kumimoji="0" lang="pt-BR" sz="1800" b="0" i="0" u="none" strike="noStrike" cap="none" spc="0" normalizeH="0" dirty="0" smtClean="0">
+                <a:ln>
+                  <a:noFill/>
+                </a:ln>
+                <a:solidFill>
+                  <a:srgbClr val="000000"/>
+                </a:solidFill>
+                <a:effectLst/>
+                <a:uFillTx/>
+                <a:latin typeface="+mn-lt"/>
+                <a:ea typeface="+mn-ea"/>
+                <a:cs typeface="+mn-cs"/>
+                <a:sym typeface="Calibri"/>
+              </a:rPr>
+              <a:t>)</a:t>
+            </a:r>
+            <a:endParaRPr kumimoji="0" lang="pt-BR" sz="1800" b="0" i="0" u="none" strike="noStrike" cap="none" spc="0" normalizeH="0" baseline="0" dirty="0">
+              <a:ln>
+                <a:noFill/>
+              </a:ln>
+              <a:solidFill>
+                <a:srgbClr val="000000"/>
+              </a:solidFill>
+              <a:effectLst/>
+              <a:uFillTx/>
+              <a:latin typeface="+mn-lt"/>
+              <a:ea typeface="+mn-ea"/>
+              <a:cs typeface="+mn-cs"/>
+              <a:sym typeface="Calibri"/>
+            </a:endParaRPr>
+          </a:p>
+        </p:txBody>
+      </p:sp>
+      <p:sp>
+        <p:nvSpPr>
+          <p:cNvPr id="7" name="Retângulo 6"/>
+          <p:cNvSpPr/>
+          <p:nvPr/>
+        </p:nvSpPr>
+        <p:spPr>
+          <a:xfrm>
+            <a:off x="8285355" y="4157768"/>
+            <a:ext cx="1940313" cy="646329"/>
+          </a:xfrm>
+          <a:prstGeom prst="rect">
+            <a:avLst/>
+          </a:prstGeom>
+          <a:solidFill>
+            <a:srgbClr val="FFFFFF"/>
+          </a:solidFill>
+          <a:ln w="25400" cap="flat">
+            <a:solidFill>
+              <a:schemeClr val="tx1"/>
+            </a:solidFill>
+            <a:prstDash val="solid"/>
+            <a:round/>
+          </a:ln>
+          <a:effectLst>
+            <a:outerShdw blurRad="38100" dist="23000" dir="5400000" rotWithShape="0">
+              <a:srgbClr val="000000">
+                <a:alpha val="35000"/>
+              </a:srgbClr>
+            </a:outerShdw>
+          </a:effectLst>
+          <a:sp3d/>
+        </p:spPr>
+        <p:style>
+          <a:lnRef idx="0">
+            <a:scrgbClr r="0" g="0" b="0"/>
+          </a:lnRef>
+          <a:fillRef idx="0">
+            <a:scrgbClr r="0" g="0" b="0"/>
+          </a:fillRef>
+          <a:effectRef idx="0">
+            <a:scrgbClr r="0" g="0" b="0"/>
+          </a:effectRef>
+          <a:fontRef idx="none"/>
+        </p:style>
+        <p:txBody>
+          <a:bodyPr rot="0" spcFirstLastPara="1" vertOverflow="overflow" horzOverflow="overflow" vert="horz" wrap="square" lIns="45719" tIns="45719" rIns="45719" bIns="45719" numCol="1" spcCol="38100" rtlCol="0" anchor="ctr">
+            <a:spAutoFit/>
+          </a:bodyPr>
+          <a:lstStyle/>
+          <a:p>
+            <a:pPr marL="0" marR="0" indent="0" algn="ctr" defTabSz="914400" rtl="0" fontAlgn="auto" latinLnBrk="0" hangingPunct="0">
+              <a:lnSpc>
+                <a:spcPct val="100000"/>
+              </a:lnSpc>
+              <a:spcBef>
+                <a:spcPts val="0"/>
+              </a:spcBef>
+              <a:spcAft>
+                <a:spcPts val="0"/>
+              </a:spcAft>
+              <a:buClrTx/>
+              <a:buSzTx/>
+              <a:buFontTx/>
+              <a:buNone/>
+              <a:tabLst/>
+            </a:pPr>
+            <a:r>
+              <a:rPr kumimoji="0" lang="pt-BR" sz="1800" b="0" i="0" u="none" strike="noStrike" cap="none" spc="0" normalizeH="0" baseline="0" dirty="0" err="1" smtClean="0">
+                <a:ln>
+                  <a:noFill/>
+                </a:ln>
+                <a:solidFill>
+                  <a:srgbClr val="000000"/>
+                </a:solidFill>
+                <a:effectLst/>
+                <a:uFillTx/>
+                <a:latin typeface="+mn-lt"/>
+                <a:ea typeface="+mn-ea"/>
+                <a:cs typeface="+mn-cs"/>
+                <a:sym typeface="Calibri"/>
+              </a:rPr>
+              <a:t>Dependency</a:t>
+            </a:r>
+            <a:r>
+              <a:rPr kumimoji="0" lang="pt-BR" sz="1800" b="0" i="0" u="none" strike="noStrike" cap="none" spc="0" normalizeH="0" baseline="0" dirty="0" smtClean="0">
+                <a:ln>
+                  <a:noFill/>
+                </a:ln>
+                <a:solidFill>
+                  <a:srgbClr val="000000"/>
+                </a:solidFill>
+                <a:effectLst/>
+                <a:uFillTx/>
+                <a:latin typeface="+mn-lt"/>
+                <a:ea typeface="+mn-ea"/>
+                <a:cs typeface="+mn-cs"/>
+                <a:sym typeface="Calibri"/>
+              </a:rPr>
+              <a:t> </a:t>
+            </a:r>
+            <a:r>
+              <a:rPr kumimoji="0" lang="pt-BR" sz="1800" b="0" i="0" u="none" strike="noStrike" cap="none" spc="0" normalizeH="0" baseline="0" dirty="0" err="1" smtClean="0">
+                <a:ln>
+                  <a:noFill/>
+                </a:ln>
+                <a:solidFill>
+                  <a:srgbClr val="000000"/>
+                </a:solidFill>
+                <a:effectLst/>
+                <a:uFillTx/>
+                <a:latin typeface="+mn-lt"/>
+                <a:ea typeface="+mn-ea"/>
+                <a:cs typeface="+mn-cs"/>
+                <a:sym typeface="Calibri"/>
+              </a:rPr>
+              <a:t>Injection</a:t>
+            </a:r>
+            <a:r>
+              <a:rPr kumimoji="0" lang="pt-BR" sz="1800" b="0" i="0" u="none" strike="noStrike" cap="none" spc="0" normalizeH="0" dirty="0" smtClean="0">
+                <a:ln>
+                  <a:noFill/>
+                </a:ln>
+                <a:solidFill>
+                  <a:srgbClr val="000000"/>
+                </a:solidFill>
+                <a:effectLst/>
+                <a:uFillTx/>
+                <a:latin typeface="+mn-lt"/>
+                <a:ea typeface="+mn-ea"/>
+                <a:cs typeface="+mn-cs"/>
+                <a:sym typeface="Calibri"/>
+              </a:rPr>
+              <a:t> (DI)</a:t>
+            </a:r>
+            <a:endParaRPr kumimoji="0" lang="pt-BR" sz="1800" b="0" i="0" u="none" strike="noStrike" cap="none" spc="0" normalizeH="0" baseline="0" dirty="0">
+              <a:ln>
+                <a:noFill/>
+              </a:ln>
+              <a:solidFill>
+                <a:srgbClr val="000000"/>
+              </a:solidFill>
+              <a:effectLst/>
+              <a:uFillTx/>
+              <a:latin typeface="+mn-lt"/>
+              <a:ea typeface="+mn-ea"/>
+              <a:cs typeface="+mn-cs"/>
+              <a:sym typeface="Calibri"/>
+            </a:endParaRPr>
+          </a:p>
+        </p:txBody>
+      </p:sp>
+      <p:cxnSp>
+        <p:nvCxnSpPr>
+          <p:cNvPr id="8" name="Conector de seta reta 7"/>
+          <p:cNvCxnSpPr>
+            <a:stCxn id="3" idx="3"/>
+            <a:endCxn id="5" idx="1"/>
+          </p:cNvCxnSpPr>
+          <p:nvPr/>
+        </p:nvCxnSpPr>
+        <p:spPr>
+          <a:xfrm>
+            <a:off x="4073348" y="4477437"/>
+            <a:ext cx="1054881" cy="3496"/>
+          </a:xfrm>
+          <a:prstGeom prst="straightConnector1">
+            <a:avLst/>
+          </a:prstGeom>
+          <a:noFill/>
+          <a:ln w="25400" cap="flat">
+            <a:solidFill>
+              <a:schemeClr val="tx1"/>
+            </a:solidFill>
+            <a:prstDash val="solid"/>
+            <a:round/>
+            <a:tailEnd type="arrow"/>
+          </a:ln>
+          <a:effectLst>
+            <a:outerShdw blurRad="38100" dist="20000" dir="5400000" rotWithShape="0">
+              <a:srgbClr val="000000">
+                <a:alpha val="38000"/>
+              </a:srgbClr>
+            </a:outerShdw>
+          </a:effectLst>
+          <a:sp3d/>
+        </p:spPr>
+        <p:style>
+          <a:lnRef idx="0">
+            <a:scrgbClr r="0" g="0" b="0"/>
+          </a:lnRef>
+          <a:fillRef idx="0">
+            <a:scrgbClr r="0" g="0" b="0"/>
+          </a:fillRef>
+          <a:effectRef idx="0">
+            <a:scrgbClr r="0" g="0" b="0"/>
+          </a:effectRef>
+          <a:fontRef idx="none"/>
+        </p:style>
+      </p:cxnSp>
+      <p:cxnSp>
+        <p:nvCxnSpPr>
+          <p:cNvPr id="10" name="Conector de seta reta 9"/>
+          <p:cNvCxnSpPr>
+            <a:stCxn id="5" idx="3"/>
+            <a:endCxn id="7" idx="1"/>
+          </p:cNvCxnSpPr>
+          <p:nvPr/>
+        </p:nvCxnSpPr>
+        <p:spPr>
+          <a:xfrm>
+            <a:off x="7068542" y="4480933"/>
+            <a:ext cx="1216813" cy="0"/>
+          </a:xfrm>
+          <a:prstGeom prst="straightConnector1">
+            <a:avLst/>
+          </a:prstGeom>
+          <a:noFill/>
+          <a:ln w="25400" cap="flat">
+            <a:solidFill>
+              <a:schemeClr val="tx1"/>
+            </a:solidFill>
+            <a:prstDash val="solid"/>
+            <a:round/>
+            <a:tailEnd type="arrow"/>
+          </a:ln>
+          <a:effectLst>
+            <a:outerShdw blurRad="38100" dist="20000" dir="5400000" rotWithShape="0">
+              <a:srgbClr val="000000">
+                <a:alpha val="38000"/>
+              </a:srgbClr>
+            </a:outerShdw>
+          </a:effectLst>
+          <a:sp3d/>
+        </p:spPr>
+        <p:style>
+          <a:lnRef idx="0">
+            <a:scrgbClr r="0" g="0" b="0"/>
+          </a:lnRef>
+          <a:fillRef idx="0">
+            <a:scrgbClr r="0" g="0" b="0"/>
+          </a:fillRef>
+          <a:effectRef idx="0">
+            <a:scrgbClr r="0" g="0" b="0"/>
+          </a:effectRef>
+          <a:fontRef idx="none"/>
+        </p:style>
+      </p:cxnSp>
+    </p:spTree>
+    <p:extLst>
+      <p:ext uri="{BB962C8B-B14F-4D97-AF65-F5344CB8AC3E}">
+        <p14:creationId xmlns:p14="http://schemas.microsoft.com/office/powerpoint/2010/main" val="3212269014"/>
+      </p:ext>
+    </p:extLst>
+  </p:cSld>
+  <p:clrMapOvr>
+    <a:masterClrMapping/>
+  </p:clrMapOvr>
+  <mc:AlternateContent xmlns:mc="http://schemas.openxmlformats.org/markup-compatibility/2006" xmlns:p14="http://schemas.microsoft.com/office/powerpoint/2010/main">
+    <mc:Choice Requires="p14">
+      <p:transition spd="med" p14:dur="700">
+        <p:fade/>
+      </p:transition>
+    </mc:Choice>
+    <mc:Fallback xmlns="">
+      <p:transition spd="med">
+        <p:fade/>
+      </p:transition>
+    </mc:Fallback>
+  </mc:AlternateContent>
+  <p:timing>
+    <p:tnLst>
+      <p:par>
+        <p:cTn id="1" dur="indefinite" restart="never" nodeType="tmRoot"/>
+      </p:par>
+    </p:tnLst>
+  </p:timing>
+</p:sld>
+</file>
+
+<file path=ppt/slides/slide21.xml><?xml version="1.0" encoding="utf-8"?>
+<p:sld xmlns:a="http://schemas.openxmlformats.org/drawingml/2006/main" xmlns:r="http://schemas.openxmlformats.org/officeDocument/2006/relationships" xmlns:p="http://schemas.openxmlformats.org/presentationml/2006/main">
+  <p:cSld>
+    <p:spTree>
+      <p:nvGrpSpPr>
+        <p:cNvPr id="1" name=""/>
+        <p:cNvGrpSpPr/>
+        <p:nvPr/>
+      </p:nvGrpSpPr>
+      <p:grpSpPr>
+        <a:xfrm>
+          <a:off x="0" y="0"/>
+          <a:ext cx="0" cy="0"/>
+          <a:chOff x="0" y="0"/>
+          <a:chExt cx="0" cy="0"/>
+        </a:xfrm>
+      </p:grpSpPr>
+      <p:sp>
+        <p:nvSpPr>
+          <p:cNvPr id="2" name="CaixaDeTexto 1"/>
+          <p:cNvSpPr txBox="1"/>
+          <p:nvPr/>
+        </p:nvSpPr>
+        <p:spPr>
+          <a:xfrm>
+            <a:off x="1752318" y="2345181"/>
+            <a:ext cx="8495653" cy="2169823"/>
+          </a:xfrm>
+          <a:prstGeom prst="rect">
+            <a:avLst/>
+          </a:prstGeom>
+          <a:noFill/>
+          <a:ln w="12700" cap="flat">
+            <a:noFill/>
+            <a:miter lim="400000"/>
+          </a:ln>
+          <a:effectLst/>
+          <a:sp3d/>
+        </p:spPr>
+        <p:style>
+          <a:lnRef idx="0">
+            <a:scrgbClr r="0" g="0" b="0"/>
+          </a:lnRef>
+          <a:fillRef idx="0">
+            <a:scrgbClr r="0" g="0" b="0"/>
+          </a:fillRef>
+          <a:effectRef idx="0">
+            <a:scrgbClr r="0" g="0" b="0"/>
+          </a:effectRef>
+          <a:fontRef idx="none"/>
+        </p:style>
+        <p:txBody>
+          <a:bodyPr rot="0" spcFirstLastPara="1" vertOverflow="overflow" horzOverflow="overflow" vert="horz" wrap="square" lIns="45719" tIns="45719" rIns="45719" bIns="45719" numCol="1" spcCol="38100" rtlCol="0" anchor="t">
+            <a:spAutoFit/>
+          </a:bodyPr>
+          <a:lstStyle/>
+          <a:p>
+            <a:pPr lvl="8" indent="0" algn="just">
+              <a:lnSpc>
+                <a:spcPct val="150000"/>
+              </a:lnSpc>
+            </a:pPr>
+            <a:r>
+              <a:rPr lang="pt-BR" dirty="0">
+                <a:solidFill>
+                  <a:srgbClr val="666666"/>
+                </a:solidFill>
+              </a:rPr>
+              <a:t>A injeção de dependência(DI) é um padrão de projeto cujo objetivo é manter um baixo acoplamento entre diferentes módulos de um sistema. Nesta solução as dependências entre os módulos não são definidas programaticamente, mas sim pela configuração de uma infraestrutura de software (container) que é responsável por "injetar" em cada componente suas dependências declaradas</a:t>
+            </a:r>
+            <a:r>
+              <a:rPr lang="pt-BR" dirty="0" smtClean="0">
+                <a:solidFill>
+                  <a:srgbClr val="666666"/>
+                </a:solidFill>
+              </a:rPr>
+              <a:t>.</a:t>
+            </a:r>
+            <a:endParaRPr lang="pt-BR" b="1" u="sng" dirty="0" smtClean="0">
+              <a:solidFill>
+                <a:srgbClr val="666666"/>
+              </a:solidFill>
+            </a:endParaRPr>
+          </a:p>
+        </p:txBody>
+      </p:sp>
+      <p:sp>
+        <p:nvSpPr>
+          <p:cNvPr id="6" name="Shape 120"/>
+          <p:cNvSpPr txBox="1">
+            <a:spLocks/>
+          </p:cNvSpPr>
+          <p:nvPr/>
+        </p:nvSpPr>
+        <p:spPr>
+          <a:xfrm>
+            <a:off x="1915893" y="755374"/>
+            <a:ext cx="8229600" cy="1143001"/>
+          </a:xfrm>
+          <a:prstGeom prst="rect">
+            <a:avLst/>
+          </a:prstGeom>
+          <a:ln w="12700">
+            <a:miter lim="400000"/>
+          </a:ln>
+          <a:extLst>
+            <a:ext uri="{C572A759-6A51-4108-AA02-DFA0A04FC94B}">
+              <ma14:wrappingTextBoxFlag xmlns:ma14="http://schemas.microsoft.com/office/mac/drawingml/2011/main" xmlns="" val="1"/>
+            </a:ext>
+          </a:extLst>
+        </p:spPr>
+        <p:txBody>
+          <a:bodyPr lIns="45719" rIns="45719" anchor="ctr">
+            <a:normAutofit/>
+          </a:bodyPr>
+          <a:lstStyle>
+            <a:lvl1pPr marL="0" marR="0" indent="0" algn="ctr" defTabSz="914400" rtl="0" latinLnBrk="0">
+              <a:lnSpc>
+                <a:spcPct val="100000"/>
+              </a:lnSpc>
+              <a:spcBef>
+                <a:spcPts val="0"/>
+              </a:spcBef>
+              <a:spcAft>
+                <a:spcPts val="0"/>
+              </a:spcAft>
+              <a:buClrTx/>
+              <a:buSzTx/>
+              <a:buFontTx/>
+              <a:buNone/>
+              <a:tabLst/>
+              <a:defRPr sz="4400" b="0" i="0" u="none" strike="noStrike" cap="none" spc="0" baseline="0">
+                <a:ln>
+                  <a:noFill/>
+                </a:ln>
+                <a:solidFill>
+                  <a:srgbClr val="000000"/>
+                </a:solidFill>
+                <a:uFillTx/>
+                <a:latin typeface="+mn-lt"/>
+                <a:ea typeface="+mn-ea"/>
+                <a:cs typeface="+mn-cs"/>
+                <a:sym typeface="Calibri"/>
+              </a:defRPr>
+            </a:lvl1pPr>
+            <a:lvl2pPr marL="0" marR="0" indent="0" algn="ctr" defTabSz="914400" rtl="0" latinLnBrk="0">
+              <a:lnSpc>
+                <a:spcPct val="100000"/>
+              </a:lnSpc>
+              <a:spcBef>
+                <a:spcPts val="0"/>
+              </a:spcBef>
+              <a:spcAft>
+                <a:spcPts val="0"/>
+              </a:spcAft>
+              <a:buClrTx/>
+              <a:buSzTx/>
+              <a:buFontTx/>
+              <a:buNone/>
+              <a:tabLst/>
+              <a:defRPr sz="4400" b="0" i="0" u="none" strike="noStrike" cap="none" spc="0" baseline="0">
+                <a:ln>
+                  <a:noFill/>
+                </a:ln>
+                <a:solidFill>
+                  <a:srgbClr val="000000"/>
+                </a:solidFill>
+                <a:uFillTx/>
+                <a:latin typeface="+mn-lt"/>
+                <a:ea typeface="+mn-ea"/>
+                <a:cs typeface="+mn-cs"/>
+                <a:sym typeface="Calibri"/>
+              </a:defRPr>
+            </a:lvl2pPr>
+            <a:lvl3pPr marL="0" marR="0" indent="0" algn="ctr" defTabSz="914400" rtl="0" latinLnBrk="0">
+              <a:lnSpc>
+                <a:spcPct val="100000"/>
+              </a:lnSpc>
+              <a:spcBef>
+                <a:spcPts val="0"/>
+              </a:spcBef>
+              <a:spcAft>
+                <a:spcPts val="0"/>
+              </a:spcAft>
+              <a:buClrTx/>
+              <a:buSzTx/>
+              <a:buFontTx/>
+              <a:buNone/>
+              <a:tabLst/>
+              <a:defRPr sz="4400" b="0" i="0" u="none" strike="noStrike" cap="none" spc="0" baseline="0">
+                <a:ln>
+                  <a:noFill/>
+                </a:ln>
+                <a:solidFill>
+                  <a:srgbClr val="000000"/>
+                </a:solidFill>
+                <a:uFillTx/>
+                <a:latin typeface="+mn-lt"/>
+                <a:ea typeface="+mn-ea"/>
+                <a:cs typeface="+mn-cs"/>
+                <a:sym typeface="Calibri"/>
+              </a:defRPr>
+            </a:lvl3pPr>
+            <a:lvl4pPr marL="0" marR="0" indent="0" algn="ctr" defTabSz="914400" rtl="0" latinLnBrk="0">
+              <a:lnSpc>
+                <a:spcPct val="100000"/>
+              </a:lnSpc>
+              <a:spcBef>
+                <a:spcPts val="0"/>
+              </a:spcBef>
+              <a:spcAft>
+                <a:spcPts val="0"/>
+              </a:spcAft>
+              <a:buClrTx/>
+              <a:buSzTx/>
+              <a:buFontTx/>
+              <a:buNone/>
+              <a:tabLst/>
+              <a:defRPr sz="4400" b="0" i="0" u="none" strike="noStrike" cap="none" spc="0" baseline="0">
+                <a:ln>
+                  <a:noFill/>
+                </a:ln>
+                <a:solidFill>
+                  <a:srgbClr val="000000"/>
+                </a:solidFill>
+                <a:uFillTx/>
+                <a:latin typeface="+mn-lt"/>
+                <a:ea typeface="+mn-ea"/>
+                <a:cs typeface="+mn-cs"/>
+                <a:sym typeface="Calibri"/>
+              </a:defRPr>
+            </a:lvl4pPr>
+            <a:lvl5pPr marL="0" marR="0" indent="0" algn="ctr" defTabSz="914400" rtl="0" latinLnBrk="0">
+              <a:lnSpc>
+                <a:spcPct val="100000"/>
+              </a:lnSpc>
+              <a:spcBef>
+                <a:spcPts val="0"/>
+              </a:spcBef>
+              <a:spcAft>
+                <a:spcPts val="0"/>
+              </a:spcAft>
+              <a:buClrTx/>
+              <a:buSzTx/>
+              <a:buFontTx/>
+              <a:buNone/>
+              <a:tabLst/>
+              <a:defRPr sz="4400" b="0" i="0" u="none" strike="noStrike" cap="none" spc="0" baseline="0">
+                <a:ln>
+                  <a:noFill/>
+                </a:ln>
+                <a:solidFill>
+                  <a:srgbClr val="000000"/>
+                </a:solidFill>
+                <a:uFillTx/>
+                <a:latin typeface="+mn-lt"/>
+                <a:ea typeface="+mn-ea"/>
+                <a:cs typeface="+mn-cs"/>
+                <a:sym typeface="Calibri"/>
+              </a:defRPr>
+            </a:lvl5pPr>
+            <a:lvl6pPr marL="0" marR="0" indent="0" algn="ctr" defTabSz="914400" rtl="0" latinLnBrk="0">
+              <a:lnSpc>
+                <a:spcPct val="100000"/>
+              </a:lnSpc>
+              <a:spcBef>
+                <a:spcPts val="0"/>
+              </a:spcBef>
+              <a:spcAft>
+                <a:spcPts val="0"/>
+              </a:spcAft>
+              <a:buClrTx/>
+              <a:buSzTx/>
+              <a:buFontTx/>
+              <a:buNone/>
+              <a:tabLst/>
+              <a:defRPr sz="4400" b="0" i="0" u="none" strike="noStrike" cap="none" spc="0" baseline="0">
+                <a:ln>
+                  <a:noFill/>
+                </a:ln>
+                <a:solidFill>
+                  <a:srgbClr val="000000"/>
+                </a:solidFill>
+                <a:uFillTx/>
+                <a:latin typeface="+mn-lt"/>
+                <a:ea typeface="+mn-ea"/>
+                <a:cs typeface="+mn-cs"/>
+                <a:sym typeface="Calibri"/>
+              </a:defRPr>
+            </a:lvl6pPr>
+            <a:lvl7pPr marL="0" marR="0" indent="0" algn="ctr" defTabSz="914400" rtl="0" latinLnBrk="0">
+              <a:lnSpc>
+                <a:spcPct val="100000"/>
+              </a:lnSpc>
+              <a:spcBef>
+                <a:spcPts val="0"/>
+              </a:spcBef>
+              <a:spcAft>
+                <a:spcPts val="0"/>
+              </a:spcAft>
+              <a:buClrTx/>
+              <a:buSzTx/>
+              <a:buFontTx/>
+              <a:buNone/>
+              <a:tabLst/>
+              <a:defRPr sz="4400" b="0" i="0" u="none" strike="noStrike" cap="none" spc="0" baseline="0">
+                <a:ln>
+                  <a:noFill/>
+                </a:ln>
+                <a:solidFill>
+                  <a:srgbClr val="000000"/>
+                </a:solidFill>
+                <a:uFillTx/>
+                <a:latin typeface="+mn-lt"/>
+                <a:ea typeface="+mn-ea"/>
+                <a:cs typeface="+mn-cs"/>
+                <a:sym typeface="Calibri"/>
+              </a:defRPr>
+            </a:lvl7pPr>
+            <a:lvl8pPr marL="0" marR="0" indent="0" algn="ctr" defTabSz="914400" rtl="0" latinLnBrk="0">
+              <a:lnSpc>
+                <a:spcPct val="100000"/>
+              </a:lnSpc>
+              <a:spcBef>
+                <a:spcPts val="0"/>
+              </a:spcBef>
+              <a:spcAft>
+                <a:spcPts val="0"/>
+              </a:spcAft>
+              <a:buClrTx/>
+              <a:buSzTx/>
+              <a:buFontTx/>
+              <a:buNone/>
+              <a:tabLst/>
+              <a:defRPr sz="4400" b="0" i="0" u="none" strike="noStrike" cap="none" spc="0" baseline="0">
+                <a:ln>
+                  <a:noFill/>
+                </a:ln>
+                <a:solidFill>
+                  <a:srgbClr val="000000"/>
+                </a:solidFill>
+                <a:uFillTx/>
+                <a:latin typeface="+mn-lt"/>
+                <a:ea typeface="+mn-ea"/>
+                <a:cs typeface="+mn-cs"/>
+                <a:sym typeface="Calibri"/>
+              </a:defRPr>
+            </a:lvl8pPr>
+            <a:lvl9pPr marL="0" marR="0" indent="0" algn="ctr" defTabSz="914400" rtl="0" latinLnBrk="0">
+              <a:lnSpc>
+                <a:spcPct val="100000"/>
+              </a:lnSpc>
+              <a:spcBef>
+                <a:spcPts val="0"/>
+              </a:spcBef>
+              <a:spcAft>
+                <a:spcPts val="0"/>
+              </a:spcAft>
+              <a:buClrTx/>
+              <a:buSzTx/>
+              <a:buFontTx/>
+              <a:buNone/>
+              <a:tabLst/>
+              <a:defRPr sz="4400" b="0" i="0" u="none" strike="noStrike" cap="none" spc="0" baseline="0">
+                <a:ln>
+                  <a:noFill/>
+                </a:ln>
+                <a:solidFill>
+                  <a:srgbClr val="000000"/>
+                </a:solidFill>
+                <a:uFillTx/>
+                <a:latin typeface="+mn-lt"/>
+                <a:ea typeface="+mn-ea"/>
+                <a:cs typeface="+mn-cs"/>
+                <a:sym typeface="Calibri"/>
+              </a:defRPr>
+            </a:lvl9pPr>
+          </a:lstStyle>
+          <a:p>
+            <a:pPr hangingPunct="1">
+              <a:defRPr sz="2800" b="1">
+                <a:solidFill>
+                  <a:srgbClr val="11A79D"/>
+                </a:solidFill>
+              </a:defRPr>
+            </a:pPr>
+            <a:r>
+              <a:rPr lang="pt-BR" sz="5400" b="1" dirty="0" smtClean="0">
+                <a:solidFill>
+                  <a:srgbClr val="11A79D"/>
+                </a:solidFill>
+              </a:rPr>
+              <a:t>Inje</a:t>
+            </a:r>
+            <a:r>
+              <a:rPr lang="pt-BR" sz="5400" b="1" dirty="0" smtClean="0">
+                <a:solidFill>
+                  <a:srgbClr val="11A79D"/>
+                </a:solidFill>
+              </a:rPr>
+              <a:t>ção de dependência</a:t>
+            </a:r>
+            <a:endParaRPr lang="pt-BR" sz="5400" b="1" dirty="0">
+              <a:solidFill>
+                <a:schemeClr val="tx2"/>
+              </a:solidFill>
+            </a:endParaRPr>
+          </a:p>
+        </p:txBody>
+      </p:sp>
+    </p:spTree>
+    <p:extLst>
+      <p:ext uri="{BB962C8B-B14F-4D97-AF65-F5344CB8AC3E}">
+        <p14:creationId xmlns:p14="http://schemas.microsoft.com/office/powerpoint/2010/main" val="440678834"/>
+      </p:ext>
+    </p:extLst>
+  </p:cSld>
+  <p:clrMapOvr>
+    <a:masterClrMapping/>
+  </p:clrMapOvr>
+  <mc:AlternateContent xmlns:mc="http://schemas.openxmlformats.org/markup-compatibility/2006" xmlns:p14="http://schemas.microsoft.com/office/powerpoint/2010/main">
+    <mc:Choice Requires="p14">
+      <p:transition spd="med" p14:dur="700">
+        <p:fade/>
+      </p:transition>
+    </mc:Choice>
+    <mc:Fallback xmlns="">
+      <p:transition spd="med">
+        <p:fade/>
+      </p:transition>
+    </mc:Fallback>
+  </mc:AlternateContent>
+  <p:timing>
+    <p:tnLst>
+      <p:par>
+        <p:cTn id="1" dur="indefinite" restart="never" nodeType="tmRoot"/>
+      </p:par>
+    </p:tnLst>
+  </p:timing>
+</p:sld>
+</file>
+
+<file path=ppt/slides/slide22.xml><?xml version="1.0" encoding="utf-8"?>
+<p:sld xmlns:a="http://schemas.openxmlformats.org/drawingml/2006/main" xmlns:r="http://schemas.openxmlformats.org/officeDocument/2006/relationships" xmlns:p="http://schemas.openxmlformats.org/presentationml/2006/main">
+  <p:cSld>
+    <p:spTree>
+      <p:nvGrpSpPr>
+        <p:cNvPr id="1" name=""/>
+        <p:cNvGrpSpPr/>
+        <p:nvPr/>
+      </p:nvGrpSpPr>
+      <p:grpSpPr>
+        <a:xfrm>
+          <a:off x="0" y="0"/>
+          <a:ext cx="0" cy="0"/>
+          <a:chOff x="0" y="0"/>
+          <a:chExt cx="0" cy="0"/>
+        </a:xfrm>
+      </p:grpSpPr>
+      <p:sp>
+        <p:nvSpPr>
+          <p:cNvPr id="2" name="CaixaDeTexto 1"/>
+          <p:cNvSpPr txBox="1"/>
+          <p:nvPr/>
+        </p:nvSpPr>
+        <p:spPr>
+          <a:xfrm>
+            <a:off x="1782866" y="2334029"/>
+            <a:ext cx="8495653" cy="2723821"/>
+          </a:xfrm>
+          <a:prstGeom prst="rect">
+            <a:avLst/>
+          </a:prstGeom>
+          <a:noFill/>
+          <a:ln w="12700" cap="flat">
+            <a:noFill/>
+            <a:miter lim="400000"/>
+          </a:ln>
+          <a:effectLst/>
+          <a:sp3d/>
+        </p:spPr>
+        <p:style>
+          <a:lnRef idx="0">
+            <a:scrgbClr r="0" g="0" b="0"/>
+          </a:lnRef>
+          <a:fillRef idx="0">
+            <a:scrgbClr r="0" g="0" b="0"/>
+          </a:fillRef>
+          <a:effectRef idx="0">
+            <a:scrgbClr r="0" g="0" b="0"/>
+          </a:effectRef>
+          <a:fontRef idx="none"/>
+        </p:style>
+        <p:txBody>
+          <a:bodyPr rot="0" spcFirstLastPara="1" vertOverflow="overflow" horzOverflow="overflow" vert="horz" wrap="square" lIns="45719" tIns="45719" rIns="45719" bIns="45719" numCol="1" spcCol="38100" rtlCol="0" anchor="t">
+            <a:spAutoFit/>
+          </a:bodyPr>
+          <a:lstStyle/>
+          <a:p>
+            <a:pPr marL="285750" lvl="8" indent="-285750" algn="just">
+              <a:lnSpc>
+                <a:spcPct val="150000"/>
+              </a:lnSpc>
+              <a:buFont typeface="Arial" pitchFamily="34" charset="0"/>
+              <a:buChar char="•"/>
+            </a:pPr>
+            <a:r>
+              <a:rPr lang="pt-BR" dirty="0" smtClean="0">
+                <a:solidFill>
+                  <a:srgbClr val="666666"/>
+                </a:solidFill>
+              </a:rPr>
+              <a:t>Oferece a possibilidade de reusar componentes</a:t>
+            </a:r>
+            <a:r>
+              <a:rPr lang="pt-BR" dirty="0">
+                <a:solidFill>
+                  <a:srgbClr val="666666"/>
+                </a:solidFill>
+              </a:rPr>
+              <a:t>, uma vez que criamos componentes interdependentes, eles podem ser facilmente implementados em sistemas </a:t>
+            </a:r>
+            <a:r>
+              <a:rPr lang="pt-BR" dirty="0" smtClean="0">
+                <a:solidFill>
+                  <a:srgbClr val="666666"/>
+                </a:solidFill>
+              </a:rPr>
+              <a:t>diversos;</a:t>
+            </a:r>
+            <a:endParaRPr lang="pt-BR" dirty="0">
+              <a:solidFill>
+                <a:srgbClr val="666666"/>
+              </a:solidFill>
+            </a:endParaRPr>
+          </a:p>
+          <a:p>
+            <a:pPr marL="285750" lvl="8" indent="-285750" algn="just">
+              <a:buFont typeface="Arial" pitchFamily="34" charset="0"/>
+              <a:buChar char="•"/>
+            </a:pPr>
+            <a:r>
+              <a:rPr lang="pt-BR" dirty="0">
+                <a:solidFill>
+                  <a:srgbClr val="666666"/>
+                </a:solidFill>
+              </a:rPr>
+              <a:t>Facilitar a manutenção de Sistemas, fazendo com que as manutenções em módulos não afetem o restante do </a:t>
+            </a:r>
+            <a:r>
+              <a:rPr lang="pt-BR" dirty="0" smtClean="0">
+                <a:solidFill>
+                  <a:srgbClr val="666666"/>
+                </a:solidFill>
+              </a:rPr>
+              <a:t>sistema;</a:t>
+            </a:r>
+            <a:endParaRPr lang="pt-BR" dirty="0">
+              <a:solidFill>
+                <a:srgbClr val="666666"/>
+              </a:solidFill>
+            </a:endParaRPr>
+          </a:p>
+          <a:p>
+            <a:pPr marL="285750" lvl="8" indent="-285750" algn="just">
+              <a:lnSpc>
+                <a:spcPct val="150000"/>
+              </a:lnSpc>
+              <a:buFont typeface="Arial" pitchFamily="34" charset="0"/>
+              <a:buChar char="•"/>
+            </a:pPr>
+            <a:r>
+              <a:rPr lang="pt-BR" dirty="0">
+                <a:solidFill>
+                  <a:srgbClr val="666666"/>
+                </a:solidFill>
+              </a:rPr>
+              <a:t>Criar códigos altamente “testáveis</a:t>
+            </a:r>
+            <a:r>
+              <a:rPr lang="pt-BR" dirty="0" smtClean="0">
+                <a:solidFill>
+                  <a:srgbClr val="666666"/>
+                </a:solidFill>
+              </a:rPr>
+              <a:t>”.;</a:t>
+            </a:r>
+          </a:p>
+          <a:p>
+            <a:pPr marL="285750" lvl="8" indent="-285750" algn="just">
+              <a:lnSpc>
+                <a:spcPct val="150000"/>
+              </a:lnSpc>
+              <a:buFont typeface="Arial" pitchFamily="34" charset="0"/>
+              <a:buChar char="•"/>
+            </a:pPr>
+            <a:r>
+              <a:rPr lang="pt-BR" dirty="0" smtClean="0">
+                <a:solidFill>
+                  <a:srgbClr val="666666"/>
+                </a:solidFill>
+              </a:rPr>
+              <a:t>Criar </a:t>
+            </a:r>
+            <a:r>
+              <a:rPr lang="pt-BR" dirty="0">
+                <a:solidFill>
+                  <a:srgbClr val="666666"/>
+                </a:solidFill>
+              </a:rPr>
+              <a:t>códigos mais legíveis, o que torna mais fácil a compreensão do sistema como um todo.</a:t>
+            </a:r>
+            <a:endParaRPr lang="pt-BR" dirty="0" smtClean="0">
+              <a:solidFill>
+                <a:srgbClr val="666666"/>
+              </a:solidFill>
+            </a:endParaRPr>
+          </a:p>
+        </p:txBody>
+      </p:sp>
+      <p:sp>
+        <p:nvSpPr>
+          <p:cNvPr id="6" name="Shape 120"/>
+          <p:cNvSpPr txBox="1">
+            <a:spLocks/>
+          </p:cNvSpPr>
+          <p:nvPr/>
+        </p:nvSpPr>
+        <p:spPr>
+          <a:xfrm>
+            <a:off x="1915893" y="755374"/>
+            <a:ext cx="8229600" cy="1143001"/>
+          </a:xfrm>
+          <a:prstGeom prst="rect">
+            <a:avLst/>
+          </a:prstGeom>
+          <a:ln w="12700">
+            <a:miter lim="400000"/>
+          </a:ln>
+          <a:extLst>
+            <a:ext uri="{C572A759-6A51-4108-AA02-DFA0A04FC94B}">
+              <ma14:wrappingTextBoxFlag xmlns:ma14="http://schemas.microsoft.com/office/mac/drawingml/2011/main" xmlns="" val="1"/>
+            </a:ext>
+          </a:extLst>
+        </p:spPr>
+        <p:txBody>
+          <a:bodyPr lIns="45719" rIns="45719" anchor="ctr">
+            <a:normAutofit/>
+          </a:bodyPr>
+          <a:lstStyle>
+            <a:lvl1pPr marL="0" marR="0" indent="0" algn="ctr" defTabSz="914400" rtl="0" latinLnBrk="0">
+              <a:lnSpc>
+                <a:spcPct val="100000"/>
+              </a:lnSpc>
+              <a:spcBef>
+                <a:spcPts val="0"/>
+              </a:spcBef>
+              <a:spcAft>
+                <a:spcPts val="0"/>
+              </a:spcAft>
+              <a:buClrTx/>
+              <a:buSzTx/>
+              <a:buFontTx/>
+              <a:buNone/>
+              <a:tabLst/>
+              <a:defRPr sz="4400" b="0" i="0" u="none" strike="noStrike" cap="none" spc="0" baseline="0">
+                <a:ln>
+                  <a:noFill/>
+                </a:ln>
+                <a:solidFill>
+                  <a:srgbClr val="000000"/>
+                </a:solidFill>
+                <a:uFillTx/>
+                <a:latin typeface="+mn-lt"/>
+                <a:ea typeface="+mn-ea"/>
+                <a:cs typeface="+mn-cs"/>
+                <a:sym typeface="Calibri"/>
+              </a:defRPr>
+            </a:lvl1pPr>
+            <a:lvl2pPr marL="0" marR="0" indent="0" algn="ctr" defTabSz="914400" rtl="0" latinLnBrk="0">
+              <a:lnSpc>
+                <a:spcPct val="100000"/>
+              </a:lnSpc>
+              <a:spcBef>
+                <a:spcPts val="0"/>
+              </a:spcBef>
+              <a:spcAft>
+                <a:spcPts val="0"/>
+              </a:spcAft>
+              <a:buClrTx/>
+              <a:buSzTx/>
+              <a:buFontTx/>
+              <a:buNone/>
+              <a:tabLst/>
+              <a:defRPr sz="4400" b="0" i="0" u="none" strike="noStrike" cap="none" spc="0" baseline="0">
+                <a:ln>
+                  <a:noFill/>
+                </a:ln>
+                <a:solidFill>
+                  <a:srgbClr val="000000"/>
+                </a:solidFill>
+                <a:uFillTx/>
+                <a:latin typeface="+mn-lt"/>
+                <a:ea typeface="+mn-ea"/>
+                <a:cs typeface="+mn-cs"/>
+                <a:sym typeface="Calibri"/>
+              </a:defRPr>
+            </a:lvl2pPr>
+            <a:lvl3pPr marL="0" marR="0" indent="0" algn="ctr" defTabSz="914400" rtl="0" latinLnBrk="0">
+              <a:lnSpc>
+                <a:spcPct val="100000"/>
+              </a:lnSpc>
+              <a:spcBef>
+                <a:spcPts val="0"/>
+              </a:spcBef>
+              <a:spcAft>
+                <a:spcPts val="0"/>
+              </a:spcAft>
+              <a:buClrTx/>
+              <a:buSzTx/>
+              <a:buFontTx/>
+              <a:buNone/>
+              <a:tabLst/>
+              <a:defRPr sz="4400" b="0" i="0" u="none" strike="noStrike" cap="none" spc="0" baseline="0">
+                <a:ln>
+                  <a:noFill/>
+                </a:ln>
+                <a:solidFill>
+                  <a:srgbClr val="000000"/>
+                </a:solidFill>
+                <a:uFillTx/>
+                <a:latin typeface="+mn-lt"/>
+                <a:ea typeface="+mn-ea"/>
+                <a:cs typeface="+mn-cs"/>
+                <a:sym typeface="Calibri"/>
+              </a:defRPr>
+            </a:lvl3pPr>
+            <a:lvl4pPr marL="0" marR="0" indent="0" algn="ctr" defTabSz="914400" rtl="0" latinLnBrk="0">
+              <a:lnSpc>
+                <a:spcPct val="100000"/>
+              </a:lnSpc>
+              <a:spcBef>
+                <a:spcPts val="0"/>
+              </a:spcBef>
+              <a:spcAft>
+                <a:spcPts val="0"/>
+              </a:spcAft>
+              <a:buClrTx/>
+              <a:buSzTx/>
+              <a:buFontTx/>
+              <a:buNone/>
+              <a:tabLst/>
+              <a:defRPr sz="4400" b="0" i="0" u="none" strike="noStrike" cap="none" spc="0" baseline="0">
+                <a:ln>
+                  <a:noFill/>
+                </a:ln>
+                <a:solidFill>
+                  <a:srgbClr val="000000"/>
+                </a:solidFill>
+                <a:uFillTx/>
+                <a:latin typeface="+mn-lt"/>
+                <a:ea typeface="+mn-ea"/>
+                <a:cs typeface="+mn-cs"/>
+                <a:sym typeface="Calibri"/>
+              </a:defRPr>
+            </a:lvl4pPr>
+            <a:lvl5pPr marL="0" marR="0" indent="0" algn="ctr" defTabSz="914400" rtl="0" latinLnBrk="0">
+              <a:lnSpc>
+                <a:spcPct val="100000"/>
+              </a:lnSpc>
+              <a:spcBef>
+                <a:spcPts val="0"/>
+              </a:spcBef>
+              <a:spcAft>
+                <a:spcPts val="0"/>
+              </a:spcAft>
+              <a:buClrTx/>
+              <a:buSzTx/>
+              <a:buFontTx/>
+              <a:buNone/>
+              <a:tabLst/>
+              <a:defRPr sz="4400" b="0" i="0" u="none" strike="noStrike" cap="none" spc="0" baseline="0">
+                <a:ln>
+                  <a:noFill/>
+                </a:ln>
+                <a:solidFill>
+                  <a:srgbClr val="000000"/>
+                </a:solidFill>
+                <a:uFillTx/>
+                <a:latin typeface="+mn-lt"/>
+                <a:ea typeface="+mn-ea"/>
+                <a:cs typeface="+mn-cs"/>
+                <a:sym typeface="Calibri"/>
+              </a:defRPr>
+            </a:lvl5pPr>
+            <a:lvl6pPr marL="0" marR="0" indent="0" algn="ctr" defTabSz="914400" rtl="0" latinLnBrk="0">
+              <a:lnSpc>
+                <a:spcPct val="100000"/>
+              </a:lnSpc>
+              <a:spcBef>
+                <a:spcPts val="0"/>
+              </a:spcBef>
+              <a:spcAft>
+                <a:spcPts val="0"/>
+              </a:spcAft>
+              <a:buClrTx/>
+              <a:buSzTx/>
+              <a:buFontTx/>
+              <a:buNone/>
+              <a:tabLst/>
+              <a:defRPr sz="4400" b="0" i="0" u="none" strike="noStrike" cap="none" spc="0" baseline="0">
+                <a:ln>
+                  <a:noFill/>
+                </a:ln>
+                <a:solidFill>
+                  <a:srgbClr val="000000"/>
+                </a:solidFill>
+                <a:uFillTx/>
+                <a:latin typeface="+mn-lt"/>
+                <a:ea typeface="+mn-ea"/>
+                <a:cs typeface="+mn-cs"/>
+                <a:sym typeface="Calibri"/>
+              </a:defRPr>
+            </a:lvl6pPr>
+            <a:lvl7pPr marL="0" marR="0" indent="0" algn="ctr" defTabSz="914400" rtl="0" latinLnBrk="0">
+              <a:lnSpc>
+                <a:spcPct val="100000"/>
+              </a:lnSpc>
+              <a:spcBef>
+                <a:spcPts val="0"/>
+              </a:spcBef>
+              <a:spcAft>
+                <a:spcPts val="0"/>
+              </a:spcAft>
+              <a:buClrTx/>
+              <a:buSzTx/>
+              <a:buFontTx/>
+              <a:buNone/>
+              <a:tabLst/>
+              <a:defRPr sz="4400" b="0" i="0" u="none" strike="noStrike" cap="none" spc="0" baseline="0">
+                <a:ln>
+                  <a:noFill/>
+                </a:ln>
+                <a:solidFill>
+                  <a:srgbClr val="000000"/>
+                </a:solidFill>
+                <a:uFillTx/>
+                <a:latin typeface="+mn-lt"/>
+                <a:ea typeface="+mn-ea"/>
+                <a:cs typeface="+mn-cs"/>
+                <a:sym typeface="Calibri"/>
+              </a:defRPr>
+            </a:lvl7pPr>
+            <a:lvl8pPr marL="0" marR="0" indent="0" algn="ctr" defTabSz="914400" rtl="0" latinLnBrk="0">
+              <a:lnSpc>
+                <a:spcPct val="100000"/>
+              </a:lnSpc>
+              <a:spcBef>
+                <a:spcPts val="0"/>
+              </a:spcBef>
+              <a:spcAft>
+                <a:spcPts val="0"/>
+              </a:spcAft>
+              <a:buClrTx/>
+              <a:buSzTx/>
+              <a:buFontTx/>
+              <a:buNone/>
+              <a:tabLst/>
+              <a:defRPr sz="4400" b="0" i="0" u="none" strike="noStrike" cap="none" spc="0" baseline="0">
+                <a:ln>
+                  <a:noFill/>
+                </a:ln>
+                <a:solidFill>
+                  <a:srgbClr val="000000"/>
+                </a:solidFill>
+                <a:uFillTx/>
+                <a:latin typeface="+mn-lt"/>
+                <a:ea typeface="+mn-ea"/>
+                <a:cs typeface="+mn-cs"/>
+                <a:sym typeface="Calibri"/>
+              </a:defRPr>
+            </a:lvl8pPr>
+            <a:lvl9pPr marL="0" marR="0" indent="0" algn="ctr" defTabSz="914400" rtl="0" latinLnBrk="0">
+              <a:lnSpc>
+                <a:spcPct val="100000"/>
+              </a:lnSpc>
+              <a:spcBef>
+                <a:spcPts val="0"/>
+              </a:spcBef>
+              <a:spcAft>
+                <a:spcPts val="0"/>
+              </a:spcAft>
+              <a:buClrTx/>
+              <a:buSzTx/>
+              <a:buFontTx/>
+              <a:buNone/>
+              <a:tabLst/>
+              <a:defRPr sz="4400" b="0" i="0" u="none" strike="noStrike" cap="none" spc="0" baseline="0">
+                <a:ln>
+                  <a:noFill/>
+                </a:ln>
+                <a:solidFill>
+                  <a:srgbClr val="000000"/>
+                </a:solidFill>
+                <a:uFillTx/>
+                <a:latin typeface="+mn-lt"/>
+                <a:ea typeface="+mn-ea"/>
+                <a:cs typeface="+mn-cs"/>
+                <a:sym typeface="Calibri"/>
+              </a:defRPr>
+            </a:lvl9pPr>
+          </a:lstStyle>
+          <a:p>
+            <a:pPr hangingPunct="1">
+              <a:defRPr sz="2800" b="1">
+                <a:solidFill>
+                  <a:srgbClr val="11A79D"/>
+                </a:solidFill>
+              </a:defRPr>
+            </a:pPr>
+            <a:r>
+              <a:rPr lang="pt-BR" sz="5400" b="1" dirty="0" smtClean="0">
+                <a:solidFill>
+                  <a:srgbClr val="11A79D"/>
+                </a:solidFill>
+              </a:rPr>
+              <a:t>Vantagens</a:t>
+            </a:r>
+            <a:endParaRPr lang="pt-BR" sz="5400" b="1" dirty="0">
+              <a:solidFill>
+                <a:schemeClr val="tx2"/>
+              </a:solidFill>
+            </a:endParaRPr>
+          </a:p>
+        </p:txBody>
+      </p:sp>
+    </p:spTree>
+    <p:extLst>
+      <p:ext uri="{BB962C8B-B14F-4D97-AF65-F5344CB8AC3E}">
+        <p14:creationId xmlns:p14="http://schemas.microsoft.com/office/powerpoint/2010/main" val="1234874507"/>
+      </p:ext>
+    </p:extLst>
+  </p:cSld>
+  <p:clrMapOvr>
+    <a:masterClrMapping/>
+  </p:clrMapOvr>
+  <mc:AlternateContent xmlns:mc="http://schemas.openxmlformats.org/markup-compatibility/2006" xmlns:p14="http://schemas.microsoft.com/office/powerpoint/2010/main">
+    <mc:Choice Requires="p14">
+      <p:transition spd="med" p14:dur="700">
+        <p:fade/>
+      </p:transition>
+    </mc:Choice>
+    <mc:Fallback xmlns="">
+      <p:transition spd="med">
+        <p:fade/>
+      </p:transition>
+    </mc:Fallback>
+  </mc:AlternateContent>
+  <p:timing>
+    <p:tnLst>
+      <p:par>
+        <p:cTn id="1" dur="indefinite" restart="never" nodeType="tmRoot"/>
+      </p:par>
+    </p:tnLst>
+  </p:timing>
+</p:sld>
+</file>
+
+<file path=ppt/slides/slide23.xml><?xml version="1.0" encoding="utf-8"?>
+<p:sld xmlns:a="http://schemas.openxmlformats.org/drawingml/2006/main" xmlns:r="http://schemas.openxmlformats.org/officeDocument/2006/relationships" xmlns:p="http://schemas.openxmlformats.org/presentationml/2006/main">
+  <p:cSld>
+    <p:spTree>
+      <p:nvGrpSpPr>
+        <p:cNvPr id="1" name=""/>
+        <p:cNvGrpSpPr/>
+        <p:nvPr/>
+      </p:nvGrpSpPr>
+      <p:grpSpPr>
+        <a:xfrm>
+          <a:off x="0" y="0"/>
+          <a:ext cx="0" cy="0"/>
+          <a:chOff x="0" y="0"/>
+          <a:chExt cx="0" cy="0"/>
+        </a:xfrm>
+      </p:grpSpPr>
+      <p:sp>
+        <p:nvSpPr>
+          <p:cNvPr id="6" name="Shape 120"/>
+          <p:cNvSpPr txBox="1">
+            <a:spLocks/>
+          </p:cNvSpPr>
+          <p:nvPr/>
+        </p:nvSpPr>
+        <p:spPr>
+          <a:xfrm>
+            <a:off x="1915893" y="755374"/>
+            <a:ext cx="8229600" cy="1143001"/>
+          </a:xfrm>
+          <a:prstGeom prst="rect">
+            <a:avLst/>
+          </a:prstGeom>
+          <a:ln w="12700">
+            <a:miter lim="400000"/>
+          </a:ln>
+          <a:extLst>
+            <a:ext uri="{C572A759-6A51-4108-AA02-DFA0A04FC94B}">
+              <ma14:wrappingTextBoxFlag xmlns:ma14="http://schemas.microsoft.com/office/mac/drawingml/2011/main" xmlns="" val="1"/>
+            </a:ext>
+          </a:extLst>
+        </p:spPr>
+        <p:txBody>
+          <a:bodyPr lIns="45719" rIns="45719" anchor="ctr">
+            <a:normAutofit/>
+          </a:bodyPr>
+          <a:lstStyle>
+            <a:lvl1pPr marL="0" marR="0" indent="0" algn="ctr" defTabSz="914400" rtl="0" latinLnBrk="0">
+              <a:lnSpc>
+                <a:spcPct val="100000"/>
+              </a:lnSpc>
+              <a:spcBef>
+                <a:spcPts val="0"/>
+              </a:spcBef>
+              <a:spcAft>
+                <a:spcPts val="0"/>
+              </a:spcAft>
+              <a:buClrTx/>
+              <a:buSzTx/>
+              <a:buFontTx/>
+              <a:buNone/>
+              <a:tabLst/>
+              <a:defRPr sz="4400" b="0" i="0" u="none" strike="noStrike" cap="none" spc="0" baseline="0">
+                <a:ln>
+                  <a:noFill/>
+                </a:ln>
+                <a:solidFill>
+                  <a:srgbClr val="000000"/>
+                </a:solidFill>
+                <a:uFillTx/>
+                <a:latin typeface="+mn-lt"/>
+                <a:ea typeface="+mn-ea"/>
+                <a:cs typeface="+mn-cs"/>
+                <a:sym typeface="Calibri"/>
+              </a:defRPr>
+            </a:lvl1pPr>
+            <a:lvl2pPr marL="0" marR="0" indent="0" algn="ctr" defTabSz="914400" rtl="0" latinLnBrk="0">
+              <a:lnSpc>
+                <a:spcPct val="100000"/>
+              </a:lnSpc>
+              <a:spcBef>
+                <a:spcPts val="0"/>
+              </a:spcBef>
+              <a:spcAft>
+                <a:spcPts val="0"/>
+              </a:spcAft>
+              <a:buClrTx/>
+              <a:buSzTx/>
+              <a:buFontTx/>
+              <a:buNone/>
+              <a:tabLst/>
+              <a:defRPr sz="4400" b="0" i="0" u="none" strike="noStrike" cap="none" spc="0" baseline="0">
+                <a:ln>
+                  <a:noFill/>
+                </a:ln>
+                <a:solidFill>
+                  <a:srgbClr val="000000"/>
+                </a:solidFill>
+                <a:uFillTx/>
+                <a:latin typeface="+mn-lt"/>
+                <a:ea typeface="+mn-ea"/>
+                <a:cs typeface="+mn-cs"/>
+                <a:sym typeface="Calibri"/>
+              </a:defRPr>
+            </a:lvl2pPr>
+            <a:lvl3pPr marL="0" marR="0" indent="0" algn="ctr" defTabSz="914400" rtl="0" latinLnBrk="0">
+              <a:lnSpc>
+                <a:spcPct val="100000"/>
+              </a:lnSpc>
+              <a:spcBef>
+                <a:spcPts val="0"/>
+              </a:spcBef>
+              <a:spcAft>
+                <a:spcPts val="0"/>
+              </a:spcAft>
+              <a:buClrTx/>
+              <a:buSzTx/>
+              <a:buFontTx/>
+              <a:buNone/>
+              <a:tabLst/>
+              <a:defRPr sz="4400" b="0" i="0" u="none" strike="noStrike" cap="none" spc="0" baseline="0">
+                <a:ln>
+                  <a:noFill/>
+                </a:ln>
+                <a:solidFill>
+                  <a:srgbClr val="000000"/>
+                </a:solidFill>
+                <a:uFillTx/>
+                <a:latin typeface="+mn-lt"/>
+                <a:ea typeface="+mn-ea"/>
+                <a:cs typeface="+mn-cs"/>
+                <a:sym typeface="Calibri"/>
+              </a:defRPr>
+            </a:lvl3pPr>
+            <a:lvl4pPr marL="0" marR="0" indent="0" algn="ctr" defTabSz="914400" rtl="0" latinLnBrk="0">
+              <a:lnSpc>
+                <a:spcPct val="100000"/>
+              </a:lnSpc>
+              <a:spcBef>
+                <a:spcPts val="0"/>
+              </a:spcBef>
+              <a:spcAft>
+                <a:spcPts val="0"/>
+              </a:spcAft>
+              <a:buClrTx/>
+              <a:buSzTx/>
+              <a:buFontTx/>
+              <a:buNone/>
+              <a:tabLst/>
+              <a:defRPr sz="4400" b="0" i="0" u="none" strike="noStrike" cap="none" spc="0" baseline="0">
+                <a:ln>
+                  <a:noFill/>
+                </a:ln>
+                <a:solidFill>
+                  <a:srgbClr val="000000"/>
+                </a:solidFill>
+                <a:uFillTx/>
+                <a:latin typeface="+mn-lt"/>
+                <a:ea typeface="+mn-ea"/>
+                <a:cs typeface="+mn-cs"/>
+                <a:sym typeface="Calibri"/>
+              </a:defRPr>
+            </a:lvl4pPr>
+            <a:lvl5pPr marL="0" marR="0" indent="0" algn="ctr" defTabSz="914400" rtl="0" latinLnBrk="0">
+              <a:lnSpc>
+                <a:spcPct val="100000"/>
+              </a:lnSpc>
+              <a:spcBef>
+                <a:spcPts val="0"/>
+              </a:spcBef>
+              <a:spcAft>
+                <a:spcPts val="0"/>
+              </a:spcAft>
+              <a:buClrTx/>
+              <a:buSzTx/>
+              <a:buFontTx/>
+              <a:buNone/>
+              <a:tabLst/>
+              <a:defRPr sz="4400" b="0" i="0" u="none" strike="noStrike" cap="none" spc="0" baseline="0">
+                <a:ln>
+                  <a:noFill/>
+                </a:ln>
+                <a:solidFill>
+                  <a:srgbClr val="000000"/>
+                </a:solidFill>
+                <a:uFillTx/>
+                <a:latin typeface="+mn-lt"/>
+                <a:ea typeface="+mn-ea"/>
+                <a:cs typeface="+mn-cs"/>
+                <a:sym typeface="Calibri"/>
+              </a:defRPr>
+            </a:lvl5pPr>
+            <a:lvl6pPr marL="0" marR="0" indent="0" algn="ctr" defTabSz="914400" rtl="0" latinLnBrk="0">
+              <a:lnSpc>
+                <a:spcPct val="100000"/>
+              </a:lnSpc>
+              <a:spcBef>
+                <a:spcPts val="0"/>
+              </a:spcBef>
+              <a:spcAft>
+                <a:spcPts val="0"/>
+              </a:spcAft>
+              <a:buClrTx/>
+              <a:buSzTx/>
+              <a:buFontTx/>
+              <a:buNone/>
+              <a:tabLst/>
+              <a:defRPr sz="4400" b="0" i="0" u="none" strike="noStrike" cap="none" spc="0" baseline="0">
+                <a:ln>
+                  <a:noFill/>
+                </a:ln>
+                <a:solidFill>
+                  <a:srgbClr val="000000"/>
+                </a:solidFill>
+                <a:uFillTx/>
+                <a:latin typeface="+mn-lt"/>
+                <a:ea typeface="+mn-ea"/>
+                <a:cs typeface="+mn-cs"/>
+                <a:sym typeface="Calibri"/>
+              </a:defRPr>
+            </a:lvl6pPr>
+            <a:lvl7pPr marL="0" marR="0" indent="0" algn="ctr" defTabSz="914400" rtl="0" latinLnBrk="0">
+              <a:lnSpc>
+                <a:spcPct val="100000"/>
+              </a:lnSpc>
+              <a:spcBef>
+                <a:spcPts val="0"/>
+              </a:spcBef>
+              <a:spcAft>
+                <a:spcPts val="0"/>
+              </a:spcAft>
+              <a:buClrTx/>
+              <a:buSzTx/>
+              <a:buFontTx/>
+              <a:buNone/>
+              <a:tabLst/>
+              <a:defRPr sz="4400" b="0" i="0" u="none" strike="noStrike" cap="none" spc="0" baseline="0">
+                <a:ln>
+                  <a:noFill/>
+                </a:ln>
+                <a:solidFill>
+                  <a:srgbClr val="000000"/>
+                </a:solidFill>
+                <a:uFillTx/>
+                <a:latin typeface="+mn-lt"/>
+                <a:ea typeface="+mn-ea"/>
+                <a:cs typeface="+mn-cs"/>
+                <a:sym typeface="Calibri"/>
+              </a:defRPr>
+            </a:lvl7pPr>
+            <a:lvl8pPr marL="0" marR="0" indent="0" algn="ctr" defTabSz="914400" rtl="0" latinLnBrk="0">
+              <a:lnSpc>
+                <a:spcPct val="100000"/>
+              </a:lnSpc>
+              <a:spcBef>
+                <a:spcPts val="0"/>
+              </a:spcBef>
+              <a:spcAft>
+                <a:spcPts val="0"/>
+              </a:spcAft>
+              <a:buClrTx/>
+              <a:buSzTx/>
+              <a:buFontTx/>
+              <a:buNone/>
+              <a:tabLst/>
+              <a:defRPr sz="4400" b="0" i="0" u="none" strike="noStrike" cap="none" spc="0" baseline="0">
+                <a:ln>
+                  <a:noFill/>
+                </a:ln>
+                <a:solidFill>
+                  <a:srgbClr val="000000"/>
+                </a:solidFill>
+                <a:uFillTx/>
+                <a:latin typeface="+mn-lt"/>
+                <a:ea typeface="+mn-ea"/>
+                <a:cs typeface="+mn-cs"/>
+                <a:sym typeface="Calibri"/>
+              </a:defRPr>
+            </a:lvl8pPr>
+            <a:lvl9pPr marL="0" marR="0" indent="0" algn="ctr" defTabSz="914400" rtl="0" latinLnBrk="0">
+              <a:lnSpc>
+                <a:spcPct val="100000"/>
+              </a:lnSpc>
+              <a:spcBef>
+                <a:spcPts val="0"/>
+              </a:spcBef>
+              <a:spcAft>
+                <a:spcPts val="0"/>
+              </a:spcAft>
+              <a:buClrTx/>
+              <a:buSzTx/>
+              <a:buFontTx/>
+              <a:buNone/>
+              <a:tabLst/>
+              <a:defRPr sz="4400" b="0" i="0" u="none" strike="noStrike" cap="none" spc="0" baseline="0">
+                <a:ln>
+                  <a:noFill/>
+                </a:ln>
+                <a:solidFill>
+                  <a:srgbClr val="000000"/>
+                </a:solidFill>
+                <a:uFillTx/>
+                <a:latin typeface="+mn-lt"/>
+                <a:ea typeface="+mn-ea"/>
+                <a:cs typeface="+mn-cs"/>
+                <a:sym typeface="Calibri"/>
+              </a:defRPr>
+            </a:lvl9pPr>
+          </a:lstStyle>
+          <a:p>
+            <a:pPr hangingPunct="1">
+              <a:defRPr sz="2800" b="1">
+                <a:solidFill>
+                  <a:srgbClr val="11A79D"/>
+                </a:solidFill>
+              </a:defRPr>
+            </a:pPr>
+            <a:r>
+              <a:rPr lang="pt-BR" sz="5400" b="1" dirty="0" smtClean="0">
+                <a:solidFill>
+                  <a:srgbClr val="11A79D"/>
+                </a:solidFill>
+              </a:rPr>
+              <a:t>Implementação</a:t>
+            </a:r>
+            <a:endParaRPr lang="pt-BR" sz="5400" b="1" dirty="0">
+              <a:solidFill>
+                <a:schemeClr val="tx2"/>
+              </a:solidFill>
+            </a:endParaRPr>
+          </a:p>
+        </p:txBody>
+      </p:sp>
+      <p:sp>
+        <p:nvSpPr>
+          <p:cNvPr id="5" name="CaixaDeTexto 4"/>
+          <p:cNvSpPr txBox="1"/>
+          <p:nvPr/>
+        </p:nvSpPr>
+        <p:spPr>
+          <a:xfrm>
+            <a:off x="1496663" y="2212488"/>
+            <a:ext cx="9068059" cy="3416318"/>
+          </a:xfrm>
+          <a:prstGeom prst="rect">
+            <a:avLst/>
+          </a:prstGeom>
+          <a:noFill/>
+          <a:ln w="12700" cap="flat">
+            <a:noFill/>
+            <a:miter lim="400000"/>
+          </a:ln>
+          <a:effectLst/>
+          <a:sp3d/>
+        </p:spPr>
+        <p:style>
+          <a:lnRef idx="0">
+            <a:scrgbClr r="0" g="0" b="0"/>
+          </a:lnRef>
+          <a:fillRef idx="0">
+            <a:scrgbClr r="0" g="0" b="0"/>
+          </a:fillRef>
+          <a:effectRef idx="0">
+            <a:scrgbClr r="0" g="0" b="0"/>
+          </a:effectRef>
+          <a:fontRef idx="none"/>
+        </p:style>
+        <p:txBody>
+          <a:bodyPr rot="0" spcFirstLastPara="1" vertOverflow="overflow" horzOverflow="overflow" vert="horz" wrap="square" lIns="45719" tIns="45719" rIns="45719" bIns="45719" numCol="1" spcCol="38100" rtlCol="0" anchor="t">
+            <a:spAutoFit/>
+          </a:bodyPr>
+          <a:lstStyle/>
+          <a:p>
+            <a:pPr marL="285750" lvl="8" indent="-285750" algn="just">
+              <a:lnSpc>
+                <a:spcPct val="150000"/>
+              </a:lnSpc>
+              <a:buFont typeface="Arial" pitchFamily="34" charset="0"/>
+              <a:buChar char="•"/>
+            </a:pPr>
+            <a:r>
+              <a:rPr lang="pt-BR" b="1" dirty="0" smtClean="0">
+                <a:solidFill>
+                  <a:srgbClr val="666666"/>
+                </a:solidFill>
+              </a:rPr>
+              <a:t>Construtor</a:t>
+            </a:r>
+            <a:r>
+              <a:rPr lang="pt-BR" dirty="0" smtClean="0">
+                <a:solidFill>
+                  <a:srgbClr val="666666"/>
+                </a:solidFill>
+              </a:rPr>
+              <a:t>: Modo </a:t>
+            </a:r>
+            <a:r>
+              <a:rPr lang="pt-BR" dirty="0">
+                <a:solidFill>
+                  <a:srgbClr val="666666"/>
+                </a:solidFill>
+              </a:rPr>
+              <a:t>em que implementamos a injeção de dependência na definição dos construtores das classes;</a:t>
+            </a:r>
+          </a:p>
+          <a:p>
+            <a:pPr marL="285750" lvl="8" indent="-285750" algn="just">
+              <a:lnSpc>
+                <a:spcPct val="150000"/>
+              </a:lnSpc>
+              <a:buFont typeface="Arial" pitchFamily="34" charset="0"/>
+              <a:buChar char="•"/>
+            </a:pPr>
+            <a:r>
+              <a:rPr lang="pt-BR" b="1" dirty="0" err="1">
+                <a:solidFill>
+                  <a:srgbClr val="666666"/>
+                </a:solidFill>
+              </a:rPr>
+              <a:t>Getter</a:t>
+            </a:r>
+            <a:r>
+              <a:rPr lang="pt-BR" b="1" dirty="0">
+                <a:solidFill>
+                  <a:srgbClr val="666666"/>
+                </a:solidFill>
+              </a:rPr>
+              <a:t> </a:t>
+            </a:r>
+            <a:r>
+              <a:rPr lang="pt-BR" b="1" dirty="0" err="1">
+                <a:solidFill>
+                  <a:srgbClr val="666666"/>
+                </a:solidFill>
+              </a:rPr>
+              <a:t>and</a:t>
+            </a:r>
+            <a:r>
+              <a:rPr lang="pt-BR" b="1" dirty="0">
+                <a:solidFill>
+                  <a:srgbClr val="666666"/>
+                </a:solidFill>
+              </a:rPr>
+              <a:t> </a:t>
+            </a:r>
+            <a:r>
+              <a:rPr lang="pt-BR" b="1" dirty="0" err="1" smtClean="0">
+                <a:solidFill>
+                  <a:srgbClr val="666666"/>
+                </a:solidFill>
+              </a:rPr>
+              <a:t>Setter</a:t>
+            </a:r>
+            <a:r>
+              <a:rPr lang="pt-BR" dirty="0" smtClean="0">
+                <a:solidFill>
+                  <a:srgbClr val="666666"/>
+                </a:solidFill>
+              </a:rPr>
+              <a:t>:  </a:t>
+            </a:r>
+            <a:r>
+              <a:rPr lang="pt-BR" dirty="0">
+                <a:solidFill>
+                  <a:srgbClr val="666666"/>
+                </a:solidFill>
+              </a:rPr>
+              <a:t>Modo em que implementamos a injeção de dependência na definição dos </a:t>
+            </a:r>
+            <a:r>
+              <a:rPr lang="pt-BR" dirty="0" err="1">
+                <a:solidFill>
+                  <a:srgbClr val="666666"/>
+                </a:solidFill>
+              </a:rPr>
+              <a:t>Gets</a:t>
+            </a:r>
+            <a:r>
+              <a:rPr lang="pt-BR" dirty="0">
+                <a:solidFill>
+                  <a:srgbClr val="666666"/>
+                </a:solidFill>
+              </a:rPr>
+              <a:t> e Sets das classes;</a:t>
+            </a:r>
+          </a:p>
+          <a:p>
+            <a:pPr marL="285750" lvl="8" indent="-285750" algn="just">
+              <a:lnSpc>
+                <a:spcPct val="150000"/>
+              </a:lnSpc>
+              <a:buFont typeface="Arial" pitchFamily="34" charset="0"/>
+              <a:buChar char="•"/>
+            </a:pPr>
+            <a:r>
+              <a:rPr lang="pt-BR" b="1" dirty="0">
+                <a:solidFill>
+                  <a:srgbClr val="666666"/>
+                </a:solidFill>
+              </a:rPr>
+              <a:t>Interface </a:t>
+            </a:r>
+            <a:r>
+              <a:rPr lang="pt-BR" b="1" dirty="0" err="1" smtClean="0">
+                <a:solidFill>
+                  <a:srgbClr val="666666"/>
+                </a:solidFill>
+              </a:rPr>
+              <a:t>Implementation</a:t>
+            </a:r>
+            <a:r>
+              <a:rPr lang="pt-BR" dirty="0" smtClean="0">
+                <a:solidFill>
+                  <a:srgbClr val="666666"/>
+                </a:solidFill>
+              </a:rPr>
+              <a:t>: Modo </a:t>
+            </a:r>
+            <a:r>
+              <a:rPr lang="pt-BR" dirty="0">
+                <a:solidFill>
+                  <a:srgbClr val="666666"/>
+                </a:solidFill>
+              </a:rPr>
+              <a:t>em que se usa a definição de Interfaces para realizar a injeção de dependência;</a:t>
+            </a:r>
+          </a:p>
+          <a:p>
+            <a:pPr marL="285750" lvl="8" indent="-285750" algn="just">
+              <a:lnSpc>
+                <a:spcPct val="150000"/>
+              </a:lnSpc>
+              <a:buFont typeface="Arial" pitchFamily="34" charset="0"/>
+              <a:buChar char="•"/>
+            </a:pPr>
+            <a:r>
+              <a:rPr lang="pt-BR" b="1" dirty="0">
+                <a:solidFill>
+                  <a:srgbClr val="666666"/>
+                </a:solidFill>
+              </a:rPr>
+              <a:t>Service </a:t>
+            </a:r>
+            <a:r>
+              <a:rPr lang="pt-BR" b="1" dirty="0" err="1" smtClean="0">
+                <a:solidFill>
+                  <a:srgbClr val="666666"/>
+                </a:solidFill>
+              </a:rPr>
+              <a:t>Locator</a:t>
+            </a:r>
+            <a:r>
+              <a:rPr lang="pt-BR" b="1" dirty="0" smtClean="0">
+                <a:solidFill>
+                  <a:srgbClr val="666666"/>
+                </a:solidFill>
+              </a:rPr>
+              <a:t>: </a:t>
+            </a:r>
+            <a:r>
+              <a:rPr lang="pt-BR" dirty="0" smtClean="0">
+                <a:solidFill>
+                  <a:srgbClr val="666666"/>
+                </a:solidFill>
+              </a:rPr>
+              <a:t>Modo </a:t>
+            </a:r>
+            <a:r>
+              <a:rPr lang="pt-BR" dirty="0">
+                <a:solidFill>
+                  <a:srgbClr val="666666"/>
+                </a:solidFill>
+              </a:rPr>
+              <a:t>em que construímos classes que servem como “localizadoras” de objetos que iremos instanciar em nossas outras classes.</a:t>
+            </a:r>
+            <a:endParaRPr lang="pt-BR" dirty="0" smtClean="0">
+              <a:solidFill>
+                <a:srgbClr val="666666"/>
+              </a:solidFill>
+            </a:endParaRPr>
+          </a:p>
+        </p:txBody>
+      </p:sp>
+    </p:spTree>
+    <p:extLst>
+      <p:ext uri="{BB962C8B-B14F-4D97-AF65-F5344CB8AC3E}">
+        <p14:creationId xmlns:p14="http://schemas.microsoft.com/office/powerpoint/2010/main" val="503822248"/>
+      </p:ext>
+    </p:extLst>
+  </p:cSld>
+  <p:clrMapOvr>
+    <a:masterClrMapping/>
+  </p:clrMapOvr>
+  <mc:AlternateContent xmlns:mc="http://schemas.openxmlformats.org/markup-compatibility/2006" xmlns:p14="http://schemas.microsoft.com/office/powerpoint/2010/main">
+    <mc:Choice Requires="p14">
+      <p:transition spd="med" p14:dur="700">
+        <p:fade/>
+      </p:transition>
+    </mc:Choice>
+    <mc:Fallback xmlns="">
+      <p:transition spd="med">
+        <p:fade/>
+      </p:transition>
+    </mc:Fallback>
+  </mc:AlternateContent>
+  <p:timing>
+    <p:tnLst>
+      <p:par>
+        <p:cTn id="1" dur="indefinite" restart="never" nodeType="tmRoot"/>
+      </p:par>
+    </p:tnLst>
+  </p:timing>
+</p:sld>
+</file>
+
+<file path=ppt/slides/slide24.xml><?xml version="1.0" encoding="utf-8"?>
+<p:sld xmlns:a="http://schemas.openxmlformats.org/drawingml/2006/main" xmlns:r="http://schemas.openxmlformats.org/officeDocument/2006/relationships" xmlns:p="http://schemas.openxmlformats.org/presentationml/2006/main">
+  <p:cSld>
+    <p:spTree>
+      <p:nvGrpSpPr>
+        <p:cNvPr id="1" name=""/>
+        <p:cNvGrpSpPr/>
+        <p:nvPr/>
+      </p:nvGrpSpPr>
+      <p:grpSpPr>
+        <a:xfrm>
+          <a:off x="0" y="0"/>
+          <a:ext cx="0" cy="0"/>
+          <a:chOff x="0" y="0"/>
+          <a:chExt cx="0" cy="0"/>
+        </a:xfrm>
+      </p:grpSpPr>
+      <p:sp>
+        <p:nvSpPr>
+          <p:cNvPr id="6" name="Shape 120"/>
+          <p:cNvSpPr txBox="1">
+            <a:spLocks/>
+          </p:cNvSpPr>
+          <p:nvPr/>
+        </p:nvSpPr>
+        <p:spPr>
+          <a:xfrm>
+            <a:off x="1915893" y="755374"/>
+            <a:ext cx="8229600" cy="1143001"/>
+          </a:xfrm>
+          <a:prstGeom prst="rect">
+            <a:avLst/>
+          </a:prstGeom>
+          <a:ln w="12700">
+            <a:miter lim="400000"/>
+          </a:ln>
+          <a:extLst>
+            <a:ext uri="{C572A759-6A51-4108-AA02-DFA0A04FC94B}">
+              <ma14:wrappingTextBoxFlag xmlns:ma14="http://schemas.microsoft.com/office/mac/drawingml/2011/main" xmlns="" val="1"/>
+            </a:ext>
+          </a:extLst>
+        </p:spPr>
+        <p:txBody>
+          <a:bodyPr lIns="45719" rIns="45719" anchor="ctr">
+            <a:normAutofit/>
+          </a:bodyPr>
+          <a:lstStyle>
+            <a:lvl1pPr marL="0" marR="0" indent="0" algn="ctr" defTabSz="914400" rtl="0" latinLnBrk="0">
+              <a:lnSpc>
+                <a:spcPct val="100000"/>
+              </a:lnSpc>
+              <a:spcBef>
+                <a:spcPts val="0"/>
+              </a:spcBef>
+              <a:spcAft>
+                <a:spcPts val="0"/>
+              </a:spcAft>
+              <a:buClrTx/>
+              <a:buSzTx/>
+              <a:buFontTx/>
+              <a:buNone/>
+              <a:tabLst/>
+              <a:defRPr sz="4400" b="0" i="0" u="none" strike="noStrike" cap="none" spc="0" baseline="0">
+                <a:ln>
+                  <a:noFill/>
+                </a:ln>
+                <a:solidFill>
+                  <a:srgbClr val="000000"/>
+                </a:solidFill>
+                <a:uFillTx/>
+                <a:latin typeface="+mn-lt"/>
+                <a:ea typeface="+mn-ea"/>
+                <a:cs typeface="+mn-cs"/>
+                <a:sym typeface="Calibri"/>
+              </a:defRPr>
+            </a:lvl1pPr>
+            <a:lvl2pPr marL="0" marR="0" indent="0" algn="ctr" defTabSz="914400" rtl="0" latinLnBrk="0">
+              <a:lnSpc>
+                <a:spcPct val="100000"/>
+              </a:lnSpc>
+              <a:spcBef>
+                <a:spcPts val="0"/>
+              </a:spcBef>
+              <a:spcAft>
+                <a:spcPts val="0"/>
+              </a:spcAft>
+              <a:buClrTx/>
+              <a:buSzTx/>
+              <a:buFontTx/>
+              <a:buNone/>
+              <a:tabLst/>
+              <a:defRPr sz="4400" b="0" i="0" u="none" strike="noStrike" cap="none" spc="0" baseline="0">
+                <a:ln>
+                  <a:noFill/>
+                </a:ln>
+                <a:solidFill>
+                  <a:srgbClr val="000000"/>
+                </a:solidFill>
+                <a:uFillTx/>
+                <a:latin typeface="+mn-lt"/>
+                <a:ea typeface="+mn-ea"/>
+                <a:cs typeface="+mn-cs"/>
+                <a:sym typeface="Calibri"/>
+              </a:defRPr>
+            </a:lvl2pPr>
+            <a:lvl3pPr marL="0" marR="0" indent="0" algn="ctr" defTabSz="914400" rtl="0" latinLnBrk="0">
+              <a:lnSpc>
+                <a:spcPct val="100000"/>
+              </a:lnSpc>
+              <a:spcBef>
+                <a:spcPts val="0"/>
+              </a:spcBef>
+              <a:spcAft>
+                <a:spcPts val="0"/>
+              </a:spcAft>
+              <a:buClrTx/>
+              <a:buSzTx/>
+              <a:buFontTx/>
+              <a:buNone/>
+              <a:tabLst/>
+              <a:defRPr sz="4400" b="0" i="0" u="none" strike="noStrike" cap="none" spc="0" baseline="0">
+                <a:ln>
+                  <a:noFill/>
+                </a:ln>
+                <a:solidFill>
+                  <a:srgbClr val="000000"/>
+                </a:solidFill>
+                <a:uFillTx/>
+                <a:latin typeface="+mn-lt"/>
+                <a:ea typeface="+mn-ea"/>
+                <a:cs typeface="+mn-cs"/>
+                <a:sym typeface="Calibri"/>
+              </a:defRPr>
+            </a:lvl3pPr>
+            <a:lvl4pPr marL="0" marR="0" indent="0" algn="ctr" defTabSz="914400" rtl="0" latinLnBrk="0">
+              <a:lnSpc>
+                <a:spcPct val="100000"/>
+              </a:lnSpc>
+              <a:spcBef>
+                <a:spcPts val="0"/>
+              </a:spcBef>
+              <a:spcAft>
+                <a:spcPts val="0"/>
+              </a:spcAft>
+              <a:buClrTx/>
+              <a:buSzTx/>
+              <a:buFontTx/>
+              <a:buNone/>
+              <a:tabLst/>
+              <a:defRPr sz="4400" b="0" i="0" u="none" strike="noStrike" cap="none" spc="0" baseline="0">
+                <a:ln>
+                  <a:noFill/>
+                </a:ln>
+                <a:solidFill>
+                  <a:srgbClr val="000000"/>
+                </a:solidFill>
+                <a:uFillTx/>
+                <a:latin typeface="+mn-lt"/>
+                <a:ea typeface="+mn-ea"/>
+                <a:cs typeface="+mn-cs"/>
+                <a:sym typeface="Calibri"/>
+              </a:defRPr>
+            </a:lvl4pPr>
+            <a:lvl5pPr marL="0" marR="0" indent="0" algn="ctr" defTabSz="914400" rtl="0" latinLnBrk="0">
+              <a:lnSpc>
+                <a:spcPct val="100000"/>
+              </a:lnSpc>
+              <a:spcBef>
+                <a:spcPts val="0"/>
+              </a:spcBef>
+              <a:spcAft>
+                <a:spcPts val="0"/>
+              </a:spcAft>
+              <a:buClrTx/>
+              <a:buSzTx/>
+              <a:buFontTx/>
+              <a:buNone/>
+              <a:tabLst/>
+              <a:defRPr sz="4400" b="0" i="0" u="none" strike="noStrike" cap="none" spc="0" baseline="0">
+                <a:ln>
+                  <a:noFill/>
+                </a:ln>
+                <a:solidFill>
+                  <a:srgbClr val="000000"/>
+                </a:solidFill>
+                <a:uFillTx/>
+                <a:latin typeface="+mn-lt"/>
+                <a:ea typeface="+mn-ea"/>
+                <a:cs typeface="+mn-cs"/>
+                <a:sym typeface="Calibri"/>
+              </a:defRPr>
+            </a:lvl5pPr>
+            <a:lvl6pPr marL="0" marR="0" indent="0" algn="ctr" defTabSz="914400" rtl="0" latinLnBrk="0">
+              <a:lnSpc>
+                <a:spcPct val="100000"/>
+              </a:lnSpc>
+              <a:spcBef>
+                <a:spcPts val="0"/>
+              </a:spcBef>
+              <a:spcAft>
+                <a:spcPts val="0"/>
+              </a:spcAft>
+              <a:buClrTx/>
+              <a:buSzTx/>
+              <a:buFontTx/>
+              <a:buNone/>
+              <a:tabLst/>
+              <a:defRPr sz="4400" b="0" i="0" u="none" strike="noStrike" cap="none" spc="0" baseline="0">
+                <a:ln>
+                  <a:noFill/>
+                </a:ln>
+                <a:solidFill>
+                  <a:srgbClr val="000000"/>
+                </a:solidFill>
+                <a:uFillTx/>
+                <a:latin typeface="+mn-lt"/>
+                <a:ea typeface="+mn-ea"/>
+                <a:cs typeface="+mn-cs"/>
+                <a:sym typeface="Calibri"/>
+              </a:defRPr>
+            </a:lvl6pPr>
+            <a:lvl7pPr marL="0" marR="0" indent="0" algn="ctr" defTabSz="914400" rtl="0" latinLnBrk="0">
+              <a:lnSpc>
+                <a:spcPct val="100000"/>
+              </a:lnSpc>
+              <a:spcBef>
+                <a:spcPts val="0"/>
+              </a:spcBef>
+              <a:spcAft>
+                <a:spcPts val="0"/>
+              </a:spcAft>
+              <a:buClrTx/>
+              <a:buSzTx/>
+              <a:buFontTx/>
+              <a:buNone/>
+              <a:tabLst/>
+              <a:defRPr sz="4400" b="0" i="0" u="none" strike="noStrike" cap="none" spc="0" baseline="0">
+                <a:ln>
+                  <a:noFill/>
+                </a:ln>
+                <a:solidFill>
+                  <a:srgbClr val="000000"/>
+                </a:solidFill>
+                <a:uFillTx/>
+                <a:latin typeface="+mn-lt"/>
+                <a:ea typeface="+mn-ea"/>
+                <a:cs typeface="+mn-cs"/>
+                <a:sym typeface="Calibri"/>
+              </a:defRPr>
+            </a:lvl7pPr>
+            <a:lvl8pPr marL="0" marR="0" indent="0" algn="ctr" defTabSz="914400" rtl="0" latinLnBrk="0">
+              <a:lnSpc>
+                <a:spcPct val="100000"/>
+              </a:lnSpc>
+              <a:spcBef>
+                <a:spcPts val="0"/>
+              </a:spcBef>
+              <a:spcAft>
+                <a:spcPts val="0"/>
+              </a:spcAft>
+              <a:buClrTx/>
+              <a:buSzTx/>
+              <a:buFontTx/>
+              <a:buNone/>
+              <a:tabLst/>
+              <a:defRPr sz="4400" b="0" i="0" u="none" strike="noStrike" cap="none" spc="0" baseline="0">
+                <a:ln>
+                  <a:noFill/>
+                </a:ln>
+                <a:solidFill>
+                  <a:srgbClr val="000000"/>
+                </a:solidFill>
+                <a:uFillTx/>
+                <a:latin typeface="+mn-lt"/>
+                <a:ea typeface="+mn-ea"/>
+                <a:cs typeface="+mn-cs"/>
+                <a:sym typeface="Calibri"/>
+              </a:defRPr>
+            </a:lvl8pPr>
+            <a:lvl9pPr marL="0" marR="0" indent="0" algn="ctr" defTabSz="914400" rtl="0" latinLnBrk="0">
+              <a:lnSpc>
+                <a:spcPct val="100000"/>
+              </a:lnSpc>
+              <a:spcBef>
+                <a:spcPts val="0"/>
+              </a:spcBef>
+              <a:spcAft>
+                <a:spcPts val="0"/>
+              </a:spcAft>
+              <a:buClrTx/>
+              <a:buSzTx/>
+              <a:buFontTx/>
+              <a:buNone/>
+              <a:tabLst/>
+              <a:defRPr sz="4400" b="0" i="0" u="none" strike="noStrike" cap="none" spc="0" baseline="0">
+                <a:ln>
+                  <a:noFill/>
+                </a:ln>
+                <a:solidFill>
+                  <a:srgbClr val="000000"/>
+                </a:solidFill>
+                <a:uFillTx/>
+                <a:latin typeface="+mn-lt"/>
+                <a:ea typeface="+mn-ea"/>
+                <a:cs typeface="+mn-cs"/>
+                <a:sym typeface="Calibri"/>
+              </a:defRPr>
+            </a:lvl9pPr>
+          </a:lstStyle>
+          <a:p>
+            <a:pPr hangingPunct="1">
+              <a:defRPr sz="2800" b="1">
+                <a:solidFill>
+                  <a:srgbClr val="11A79D"/>
+                </a:solidFill>
+              </a:defRPr>
+            </a:pPr>
+            <a:r>
+              <a:rPr lang="pt-BR" sz="5400" b="1" dirty="0" smtClean="0">
+                <a:solidFill>
+                  <a:srgbClr val="11A79D"/>
+                </a:solidFill>
+              </a:rPr>
+              <a:t>Ciclos de vida</a:t>
+            </a:r>
+            <a:endParaRPr lang="pt-BR" sz="5400" b="1" dirty="0">
+              <a:solidFill>
+                <a:schemeClr val="tx2"/>
+              </a:solidFill>
+            </a:endParaRPr>
+          </a:p>
+        </p:txBody>
+      </p:sp>
+      <p:sp>
+        <p:nvSpPr>
+          <p:cNvPr id="5" name="CaixaDeTexto 4"/>
+          <p:cNvSpPr txBox="1"/>
+          <p:nvPr/>
+        </p:nvSpPr>
+        <p:spPr>
+          <a:xfrm>
+            <a:off x="1496663" y="2212488"/>
+            <a:ext cx="9068059" cy="3416318"/>
+          </a:xfrm>
+          <a:prstGeom prst="rect">
+            <a:avLst/>
+          </a:prstGeom>
+          <a:noFill/>
+          <a:ln w="12700" cap="flat">
+            <a:noFill/>
+            <a:miter lim="400000"/>
+          </a:ln>
+          <a:effectLst/>
+          <a:sp3d/>
+        </p:spPr>
+        <p:style>
+          <a:lnRef idx="0">
+            <a:scrgbClr r="0" g="0" b="0"/>
+          </a:lnRef>
+          <a:fillRef idx="0">
+            <a:scrgbClr r="0" g="0" b="0"/>
+          </a:fillRef>
+          <a:effectRef idx="0">
+            <a:scrgbClr r="0" g="0" b="0"/>
+          </a:effectRef>
+          <a:fontRef idx="none"/>
+        </p:style>
+        <p:txBody>
+          <a:bodyPr rot="0" spcFirstLastPara="1" vertOverflow="overflow" horzOverflow="overflow" vert="horz" wrap="square" lIns="45719" tIns="45719" rIns="45719" bIns="45719" numCol="1" spcCol="38100" rtlCol="0" anchor="t">
+            <a:spAutoFit/>
+          </a:bodyPr>
+          <a:lstStyle/>
+          <a:p>
+            <a:pPr marL="285750" lvl="8" indent="-285750" algn="just">
+              <a:lnSpc>
+                <a:spcPct val="150000"/>
+              </a:lnSpc>
+              <a:buFont typeface="Arial" pitchFamily="34" charset="0"/>
+              <a:buChar char="•"/>
+            </a:pPr>
+            <a:r>
+              <a:rPr lang="pt-BR" b="1" dirty="0" err="1">
+                <a:solidFill>
+                  <a:srgbClr val="666666"/>
+                </a:solidFill>
+              </a:rPr>
+              <a:t>Singleton</a:t>
+            </a:r>
+            <a:r>
+              <a:rPr lang="pt-BR" dirty="0">
+                <a:solidFill>
+                  <a:srgbClr val="666666"/>
+                </a:solidFill>
+              </a:rPr>
+              <a:t> (que me garante um única referencia dessa classe no ciclo de vida de uma aplicação</a:t>
+            </a:r>
+            <a:r>
+              <a:rPr lang="pt-BR" dirty="0" smtClean="0">
+                <a:solidFill>
+                  <a:srgbClr val="666666"/>
+                </a:solidFill>
+              </a:rPr>
+              <a:t>);</a:t>
+            </a:r>
+            <a:endParaRPr lang="pt-BR" dirty="0">
+              <a:solidFill>
+                <a:srgbClr val="666666"/>
+              </a:solidFill>
+            </a:endParaRPr>
+          </a:p>
+          <a:p>
+            <a:pPr marL="285750" lvl="8" indent="-285750" algn="just">
+              <a:lnSpc>
+                <a:spcPct val="150000"/>
+              </a:lnSpc>
+              <a:buFont typeface="Arial" pitchFamily="34" charset="0"/>
+              <a:buChar char="•"/>
+            </a:pPr>
+            <a:r>
+              <a:rPr lang="pt-BR" b="1" dirty="0" err="1">
+                <a:solidFill>
+                  <a:srgbClr val="666666"/>
+                </a:solidFill>
+              </a:rPr>
+              <a:t>Transient</a:t>
+            </a:r>
+            <a:r>
+              <a:rPr lang="pt-BR" dirty="0">
+                <a:solidFill>
+                  <a:srgbClr val="666666"/>
+                </a:solidFill>
+              </a:rPr>
+              <a:t> (sempre gerará uma nova instância para cada item encontrado que possua tal dependência, ou seja, se houver 5 dependências serão 5 instâncias diferentes</a:t>
+            </a:r>
+            <a:r>
+              <a:rPr lang="pt-BR" dirty="0" smtClean="0">
+                <a:solidFill>
+                  <a:srgbClr val="666666"/>
+                </a:solidFill>
+              </a:rPr>
+              <a:t>);</a:t>
+            </a:r>
+            <a:endParaRPr lang="pt-BR" dirty="0">
+              <a:solidFill>
+                <a:srgbClr val="666666"/>
+              </a:solidFill>
+            </a:endParaRPr>
+          </a:p>
+          <a:p>
+            <a:pPr marL="285750" lvl="8" indent="-285750" algn="just">
+              <a:lnSpc>
+                <a:spcPct val="150000"/>
+              </a:lnSpc>
+              <a:buFont typeface="Arial" pitchFamily="34" charset="0"/>
+              <a:buChar char="•"/>
+            </a:pPr>
+            <a:r>
+              <a:rPr lang="pt-BR" b="1" dirty="0" err="1" smtClean="0">
+                <a:solidFill>
+                  <a:srgbClr val="666666"/>
+                </a:solidFill>
+              </a:rPr>
+              <a:t>Scoped</a:t>
+            </a:r>
+            <a:r>
+              <a:rPr lang="pt-BR" dirty="0" smtClean="0">
+                <a:solidFill>
+                  <a:srgbClr val="666666"/>
+                </a:solidFill>
+              </a:rPr>
+              <a:t> (essa difere da </a:t>
+            </a:r>
+            <a:r>
+              <a:rPr lang="pt-BR" dirty="0" err="1">
+                <a:solidFill>
+                  <a:srgbClr val="666666"/>
+                </a:solidFill>
+              </a:rPr>
+              <a:t>Transient</a:t>
+            </a:r>
+            <a:r>
+              <a:rPr lang="pt-BR" dirty="0">
+                <a:solidFill>
+                  <a:srgbClr val="666666"/>
+                </a:solidFill>
+              </a:rPr>
+              <a:t> que garante que em uma requisição seja criada um instância de um classe onde se houver outras dependências, seja utilizada essa única instância pra todas, renovando somente nas requisições subsequentes, mas, mantendo essa obrigatoriedade).</a:t>
+            </a:r>
+            <a:endParaRPr lang="pt-BR" dirty="0" smtClean="0">
+              <a:solidFill>
+                <a:srgbClr val="666666"/>
+              </a:solidFill>
+            </a:endParaRPr>
+          </a:p>
+        </p:txBody>
+      </p:sp>
+    </p:spTree>
+    <p:extLst>
+      <p:ext uri="{BB962C8B-B14F-4D97-AF65-F5344CB8AC3E}">
+        <p14:creationId xmlns:p14="http://schemas.microsoft.com/office/powerpoint/2010/main" val="176189040"/>
+      </p:ext>
+    </p:extLst>
+  </p:cSld>
+  <p:clrMapOvr>
+    <a:masterClrMapping/>
+  </p:clrMapOvr>
+  <mc:AlternateContent xmlns:mc="http://schemas.openxmlformats.org/markup-compatibility/2006" xmlns:p14="http://schemas.microsoft.com/office/powerpoint/2010/main">
+    <mc:Choice Requires="p14">
+      <p:transition spd="med" p14:dur="700">
+        <p:fade/>
+      </p:transition>
+    </mc:Choice>
+    <mc:Fallback xmlns="">
+      <p:transition spd="med">
+        <p:fade/>
+      </p:transition>
+    </mc:Fallback>
+  </mc:AlternateContent>
+  <p:timing>
+    <p:tnLst>
+      <p:par>
+        <p:cTn id="1" dur="indefinite" restart="never" nodeType="tmRoot"/>
+      </p:par>
+    </p:tnLst>
+  </p:timing>
+</p:sld>
+</file>
+
+<file path=ppt/slides/slide25.xml><?xml version="1.0" encoding="utf-8"?>
+<p:sld xmlns:a="http://schemas.openxmlformats.org/drawingml/2006/main" xmlns:r="http://schemas.openxmlformats.org/officeDocument/2006/relationships" xmlns:p="http://schemas.openxmlformats.org/presentationml/2006/main">
+  <p:cSld>
+    <p:spTree>
+      <p:nvGrpSpPr>
+        <p:cNvPr id="1" name=""/>
+        <p:cNvGrpSpPr/>
+        <p:nvPr/>
+      </p:nvGrpSpPr>
+      <p:grpSpPr>
+        <a:xfrm>
+          <a:off x="0" y="0"/>
+          <a:ext cx="0" cy="0"/>
+          <a:chOff x="0" y="0"/>
+          <a:chExt cx="0" cy="0"/>
+        </a:xfrm>
+      </p:grpSpPr>
+      <p:sp>
+        <p:nvSpPr>
+          <p:cNvPr id="6" name="Shape 120"/>
+          <p:cNvSpPr txBox="1">
+            <a:spLocks/>
+          </p:cNvSpPr>
+          <p:nvPr/>
+        </p:nvSpPr>
+        <p:spPr>
+          <a:xfrm>
+            <a:off x="1915893" y="755374"/>
+            <a:ext cx="8229600" cy="1143001"/>
+          </a:xfrm>
+          <a:prstGeom prst="rect">
+            <a:avLst/>
+          </a:prstGeom>
+          <a:ln w="12700">
+            <a:miter lim="400000"/>
+          </a:ln>
+          <a:extLst>
+            <a:ext uri="{C572A759-6A51-4108-AA02-DFA0A04FC94B}">
+              <ma14:wrappingTextBoxFlag xmlns:ma14="http://schemas.microsoft.com/office/mac/drawingml/2011/main" xmlns="" val="1"/>
+            </a:ext>
+          </a:extLst>
+        </p:spPr>
+        <p:txBody>
+          <a:bodyPr lIns="45719" rIns="45719" anchor="ctr">
+            <a:normAutofit/>
+          </a:bodyPr>
+          <a:lstStyle>
+            <a:lvl1pPr marL="0" marR="0" indent="0" algn="ctr" defTabSz="914400" rtl="0" latinLnBrk="0">
+              <a:lnSpc>
+                <a:spcPct val="100000"/>
+              </a:lnSpc>
+              <a:spcBef>
+                <a:spcPts val="0"/>
+              </a:spcBef>
+              <a:spcAft>
+                <a:spcPts val="0"/>
+              </a:spcAft>
+              <a:buClrTx/>
+              <a:buSzTx/>
+              <a:buFontTx/>
+              <a:buNone/>
+              <a:tabLst/>
+              <a:defRPr sz="4400" b="0" i="0" u="none" strike="noStrike" cap="none" spc="0" baseline="0">
+                <a:ln>
+                  <a:noFill/>
+                </a:ln>
+                <a:solidFill>
+                  <a:srgbClr val="000000"/>
+                </a:solidFill>
+                <a:uFillTx/>
+                <a:latin typeface="+mn-lt"/>
+                <a:ea typeface="+mn-ea"/>
+                <a:cs typeface="+mn-cs"/>
+                <a:sym typeface="Calibri"/>
+              </a:defRPr>
+            </a:lvl1pPr>
+            <a:lvl2pPr marL="0" marR="0" indent="0" algn="ctr" defTabSz="914400" rtl="0" latinLnBrk="0">
+              <a:lnSpc>
+                <a:spcPct val="100000"/>
+              </a:lnSpc>
+              <a:spcBef>
+                <a:spcPts val="0"/>
+              </a:spcBef>
+              <a:spcAft>
+                <a:spcPts val="0"/>
+              </a:spcAft>
+              <a:buClrTx/>
+              <a:buSzTx/>
+              <a:buFontTx/>
+              <a:buNone/>
+              <a:tabLst/>
+              <a:defRPr sz="4400" b="0" i="0" u="none" strike="noStrike" cap="none" spc="0" baseline="0">
+                <a:ln>
+                  <a:noFill/>
+                </a:ln>
+                <a:solidFill>
+                  <a:srgbClr val="000000"/>
+                </a:solidFill>
+                <a:uFillTx/>
+                <a:latin typeface="+mn-lt"/>
+                <a:ea typeface="+mn-ea"/>
+                <a:cs typeface="+mn-cs"/>
+                <a:sym typeface="Calibri"/>
+              </a:defRPr>
+            </a:lvl2pPr>
+            <a:lvl3pPr marL="0" marR="0" indent="0" algn="ctr" defTabSz="914400" rtl="0" latinLnBrk="0">
+              <a:lnSpc>
+                <a:spcPct val="100000"/>
+              </a:lnSpc>
+              <a:spcBef>
+                <a:spcPts val="0"/>
+              </a:spcBef>
+              <a:spcAft>
+                <a:spcPts val="0"/>
+              </a:spcAft>
+              <a:buClrTx/>
+              <a:buSzTx/>
+              <a:buFontTx/>
+              <a:buNone/>
+              <a:tabLst/>
+              <a:defRPr sz="4400" b="0" i="0" u="none" strike="noStrike" cap="none" spc="0" baseline="0">
+                <a:ln>
+                  <a:noFill/>
+                </a:ln>
+                <a:solidFill>
+                  <a:srgbClr val="000000"/>
+                </a:solidFill>
+                <a:uFillTx/>
+                <a:latin typeface="+mn-lt"/>
+                <a:ea typeface="+mn-ea"/>
+                <a:cs typeface="+mn-cs"/>
+                <a:sym typeface="Calibri"/>
+              </a:defRPr>
+            </a:lvl3pPr>
+            <a:lvl4pPr marL="0" marR="0" indent="0" algn="ctr" defTabSz="914400" rtl="0" latinLnBrk="0">
+              <a:lnSpc>
+                <a:spcPct val="100000"/>
+              </a:lnSpc>
+              <a:spcBef>
+                <a:spcPts val="0"/>
+              </a:spcBef>
+              <a:spcAft>
+                <a:spcPts val="0"/>
+              </a:spcAft>
+              <a:buClrTx/>
+              <a:buSzTx/>
+              <a:buFontTx/>
+              <a:buNone/>
+              <a:tabLst/>
+              <a:defRPr sz="4400" b="0" i="0" u="none" strike="noStrike" cap="none" spc="0" baseline="0">
+                <a:ln>
+                  <a:noFill/>
+                </a:ln>
+                <a:solidFill>
+                  <a:srgbClr val="000000"/>
+                </a:solidFill>
+                <a:uFillTx/>
+                <a:latin typeface="+mn-lt"/>
+                <a:ea typeface="+mn-ea"/>
+                <a:cs typeface="+mn-cs"/>
+                <a:sym typeface="Calibri"/>
+              </a:defRPr>
+            </a:lvl4pPr>
+            <a:lvl5pPr marL="0" marR="0" indent="0" algn="ctr" defTabSz="914400" rtl="0" latinLnBrk="0">
+              <a:lnSpc>
+                <a:spcPct val="100000"/>
+              </a:lnSpc>
+              <a:spcBef>
+                <a:spcPts val="0"/>
+              </a:spcBef>
+              <a:spcAft>
+                <a:spcPts val="0"/>
+              </a:spcAft>
+              <a:buClrTx/>
+              <a:buSzTx/>
+              <a:buFontTx/>
+              <a:buNone/>
+              <a:tabLst/>
+              <a:defRPr sz="4400" b="0" i="0" u="none" strike="noStrike" cap="none" spc="0" baseline="0">
+                <a:ln>
+                  <a:noFill/>
+                </a:ln>
+                <a:solidFill>
+                  <a:srgbClr val="000000"/>
+                </a:solidFill>
+                <a:uFillTx/>
+                <a:latin typeface="+mn-lt"/>
+                <a:ea typeface="+mn-ea"/>
+                <a:cs typeface="+mn-cs"/>
+                <a:sym typeface="Calibri"/>
+              </a:defRPr>
+            </a:lvl5pPr>
+            <a:lvl6pPr marL="0" marR="0" indent="0" algn="ctr" defTabSz="914400" rtl="0" latinLnBrk="0">
+              <a:lnSpc>
+                <a:spcPct val="100000"/>
+              </a:lnSpc>
+              <a:spcBef>
+                <a:spcPts val="0"/>
+              </a:spcBef>
+              <a:spcAft>
+                <a:spcPts val="0"/>
+              </a:spcAft>
+              <a:buClrTx/>
+              <a:buSzTx/>
+              <a:buFontTx/>
+              <a:buNone/>
+              <a:tabLst/>
+              <a:defRPr sz="4400" b="0" i="0" u="none" strike="noStrike" cap="none" spc="0" baseline="0">
+                <a:ln>
+                  <a:noFill/>
+                </a:ln>
+                <a:solidFill>
+                  <a:srgbClr val="000000"/>
+                </a:solidFill>
+                <a:uFillTx/>
+                <a:latin typeface="+mn-lt"/>
+                <a:ea typeface="+mn-ea"/>
+                <a:cs typeface="+mn-cs"/>
+                <a:sym typeface="Calibri"/>
+              </a:defRPr>
+            </a:lvl6pPr>
+            <a:lvl7pPr marL="0" marR="0" indent="0" algn="ctr" defTabSz="914400" rtl="0" latinLnBrk="0">
+              <a:lnSpc>
+                <a:spcPct val="100000"/>
+              </a:lnSpc>
+              <a:spcBef>
+                <a:spcPts val="0"/>
+              </a:spcBef>
+              <a:spcAft>
+                <a:spcPts val="0"/>
+              </a:spcAft>
+              <a:buClrTx/>
+              <a:buSzTx/>
+              <a:buFontTx/>
+              <a:buNone/>
+              <a:tabLst/>
+              <a:defRPr sz="4400" b="0" i="0" u="none" strike="noStrike" cap="none" spc="0" baseline="0">
+                <a:ln>
+                  <a:noFill/>
+                </a:ln>
+                <a:solidFill>
+                  <a:srgbClr val="000000"/>
+                </a:solidFill>
+                <a:uFillTx/>
+                <a:latin typeface="+mn-lt"/>
+                <a:ea typeface="+mn-ea"/>
+                <a:cs typeface="+mn-cs"/>
+                <a:sym typeface="Calibri"/>
+              </a:defRPr>
+            </a:lvl7pPr>
+            <a:lvl8pPr marL="0" marR="0" indent="0" algn="ctr" defTabSz="914400" rtl="0" latinLnBrk="0">
+              <a:lnSpc>
+                <a:spcPct val="100000"/>
+              </a:lnSpc>
+              <a:spcBef>
+                <a:spcPts val="0"/>
+              </a:spcBef>
+              <a:spcAft>
+                <a:spcPts val="0"/>
+              </a:spcAft>
+              <a:buClrTx/>
+              <a:buSzTx/>
+              <a:buFontTx/>
+              <a:buNone/>
+              <a:tabLst/>
+              <a:defRPr sz="4400" b="0" i="0" u="none" strike="noStrike" cap="none" spc="0" baseline="0">
+                <a:ln>
+                  <a:noFill/>
+                </a:ln>
+                <a:solidFill>
+                  <a:srgbClr val="000000"/>
+                </a:solidFill>
+                <a:uFillTx/>
+                <a:latin typeface="+mn-lt"/>
+                <a:ea typeface="+mn-ea"/>
+                <a:cs typeface="+mn-cs"/>
+                <a:sym typeface="Calibri"/>
+              </a:defRPr>
+            </a:lvl8pPr>
+            <a:lvl9pPr marL="0" marR="0" indent="0" algn="ctr" defTabSz="914400" rtl="0" latinLnBrk="0">
+              <a:lnSpc>
+                <a:spcPct val="100000"/>
+              </a:lnSpc>
+              <a:spcBef>
+                <a:spcPts val="0"/>
+              </a:spcBef>
+              <a:spcAft>
+                <a:spcPts val="0"/>
+              </a:spcAft>
+              <a:buClrTx/>
+              <a:buSzTx/>
+              <a:buFontTx/>
+              <a:buNone/>
+              <a:tabLst/>
+              <a:defRPr sz="4400" b="0" i="0" u="none" strike="noStrike" cap="none" spc="0" baseline="0">
+                <a:ln>
+                  <a:noFill/>
+                </a:ln>
+                <a:solidFill>
+                  <a:srgbClr val="000000"/>
+                </a:solidFill>
+                <a:uFillTx/>
+                <a:latin typeface="+mn-lt"/>
+                <a:ea typeface="+mn-ea"/>
+                <a:cs typeface="+mn-cs"/>
+                <a:sym typeface="Calibri"/>
+              </a:defRPr>
+            </a:lvl9pPr>
+          </a:lstStyle>
+          <a:p>
+            <a:pPr hangingPunct="1">
+              <a:defRPr sz="2800" b="1">
+                <a:solidFill>
+                  <a:srgbClr val="11A79D"/>
+                </a:solidFill>
+              </a:defRPr>
+            </a:pPr>
+            <a:r>
+              <a:rPr lang="pt-BR" sz="5400" b="1" dirty="0" smtClean="0">
+                <a:solidFill>
+                  <a:srgbClr val="11A79D"/>
+                </a:solidFill>
+              </a:rPr>
+              <a:t>Ciclos de vida</a:t>
+            </a:r>
+            <a:endParaRPr lang="pt-BR" sz="5400" b="1" dirty="0">
+              <a:solidFill>
+                <a:schemeClr val="tx2"/>
+              </a:solidFill>
+            </a:endParaRPr>
+          </a:p>
+        </p:txBody>
+      </p:sp>
+      <p:sp>
+        <p:nvSpPr>
+          <p:cNvPr id="5" name="CaixaDeTexto 4"/>
+          <p:cNvSpPr txBox="1"/>
+          <p:nvPr/>
+        </p:nvSpPr>
+        <p:spPr>
+          <a:xfrm>
+            <a:off x="1496663" y="2212488"/>
+            <a:ext cx="9068059" cy="507829"/>
+          </a:xfrm>
+          <a:prstGeom prst="rect">
+            <a:avLst/>
+          </a:prstGeom>
+          <a:noFill/>
+          <a:ln w="12700" cap="flat">
+            <a:noFill/>
+            <a:miter lim="400000"/>
+          </a:ln>
+          <a:effectLst/>
+          <a:sp3d/>
+        </p:spPr>
+        <p:style>
+          <a:lnRef idx="0">
+            <a:scrgbClr r="0" g="0" b="0"/>
+          </a:lnRef>
+          <a:fillRef idx="0">
+            <a:scrgbClr r="0" g="0" b="0"/>
+          </a:fillRef>
+          <a:effectRef idx="0">
+            <a:scrgbClr r="0" g="0" b="0"/>
+          </a:effectRef>
+          <a:fontRef idx="none"/>
+        </p:style>
+        <p:txBody>
+          <a:bodyPr rot="0" spcFirstLastPara="1" vertOverflow="overflow" horzOverflow="overflow" vert="horz" wrap="square" lIns="45719" tIns="45719" rIns="45719" bIns="45719" numCol="1" spcCol="38100" rtlCol="0" anchor="t">
+            <a:spAutoFit/>
+          </a:bodyPr>
+          <a:lstStyle/>
+          <a:p>
+            <a:pPr marL="285750" lvl="8" indent="-285750" algn="just">
+              <a:lnSpc>
+                <a:spcPct val="150000"/>
+              </a:lnSpc>
+              <a:buFont typeface="Arial" pitchFamily="34" charset="0"/>
+              <a:buChar char="•"/>
+            </a:pPr>
+            <a:r>
+              <a:rPr lang="pt-BR" b="1" dirty="0" smtClean="0">
+                <a:solidFill>
+                  <a:srgbClr val="666666"/>
+                </a:solidFill>
+              </a:rPr>
+              <a:t>Dar exemplos e configurar</a:t>
+            </a:r>
+            <a:endParaRPr lang="pt-BR" dirty="0" smtClean="0">
+              <a:solidFill>
+                <a:srgbClr val="666666"/>
+              </a:solidFill>
+            </a:endParaRPr>
+          </a:p>
+        </p:txBody>
+      </p:sp>
+    </p:spTree>
+    <p:extLst>
+      <p:ext uri="{BB962C8B-B14F-4D97-AF65-F5344CB8AC3E}">
+        <p14:creationId xmlns:p14="http://schemas.microsoft.com/office/powerpoint/2010/main" val="1785331960"/>
       </p:ext>
     </p:extLst>
   </p:cSld>
@@ -10149,7 +14031,7 @@
           </a:ln>
           <a:extLst>
             <a:ext uri="{C572A759-6A51-4108-AA02-DFA0A04FC94B}">
-              <ma14:wrappingTextBoxFlag xmlns="" xmlns:ma14="http://schemas.microsoft.com/office/mac/drawingml/2011/main" val="1"/>
+              <ma14:wrappingTextBoxFlag xmlns:ma14="http://schemas.microsoft.com/office/mac/drawingml/2011/main" xmlns="" val="1"/>
             </a:ext>
           </a:extLst>
         </p:spPr>
@@ -10785,7 +14667,7 @@
           </a:ln>
           <a:extLst>
             <a:ext uri="{C572A759-6A51-4108-AA02-DFA0A04FC94B}">
-              <ma14:wrappingTextBoxFlag xmlns="" xmlns:ma14="http://schemas.microsoft.com/office/mac/drawingml/2011/main" val="1"/>
+              <ma14:wrappingTextBoxFlag xmlns:ma14="http://schemas.microsoft.com/office/mac/drawingml/2011/main" xmlns="" val="1"/>
             </a:ext>
           </a:extLst>
         </p:spPr>
@@ -11402,7 +15284,7 @@
           </a:ln>
           <a:extLst>
             <a:ext uri="{C572A759-6A51-4108-AA02-DFA0A04FC94B}">
-              <ma14:wrappingTextBoxFlag xmlns="" xmlns:ma14="http://schemas.microsoft.com/office/mac/drawingml/2011/main" val="1"/>
+              <ma14:wrappingTextBoxFlag xmlns:ma14="http://schemas.microsoft.com/office/mac/drawingml/2011/main" xmlns="" val="1"/>
             </a:ext>
           </a:extLst>
         </p:spPr>
@@ -12024,7 +15906,7 @@
           </a:ln>
           <a:extLst>
             <a:ext uri="{C572A759-6A51-4108-AA02-DFA0A04FC94B}">
-              <ma14:wrappingTextBoxFlag xmlns="" xmlns:ma14="http://schemas.microsoft.com/office/mac/drawingml/2011/main" val="1"/>
+              <ma14:wrappingTextBoxFlag xmlns:ma14="http://schemas.microsoft.com/office/mac/drawingml/2011/main" xmlns="" val="1"/>
             </a:ext>
           </a:extLst>
         </p:spPr>
@@ -12581,7 +16463,7 @@
           </a:ln>
           <a:extLst>
             <a:ext uri="{C572A759-6A51-4108-AA02-DFA0A04FC94B}">
-              <ma14:wrappingTextBoxFlag xmlns="" xmlns:ma14="http://schemas.microsoft.com/office/mac/drawingml/2011/main" val="1"/>
+              <ma14:wrappingTextBoxFlag xmlns:ma14="http://schemas.microsoft.com/office/mac/drawingml/2011/main" xmlns="" val="1"/>
             </a:ext>
           </a:extLst>
         </p:spPr>
@@ -12992,7 +16874,7 @@
           </a:ln>
           <a:extLst>
             <a:ext uri="{C572A759-6A51-4108-AA02-DFA0A04FC94B}">
-              <ma14:wrappingTextBoxFlag xmlns="" xmlns:ma14="http://schemas.microsoft.com/office/mac/drawingml/2011/main" val="1"/>
+              <ma14:wrappingTextBoxFlag xmlns:ma14="http://schemas.microsoft.com/office/mac/drawingml/2011/main" xmlns="" val="1"/>
             </a:ext>
           </a:extLst>
         </p:spPr>
@@ -13627,7 +17509,7 @@
           </a:ln>
           <a:extLst>
             <a:ext uri="{C572A759-6A51-4108-AA02-DFA0A04FC94B}">
-              <ma14:wrappingTextBoxFlag xmlns="" xmlns:ma14="http://schemas.microsoft.com/office/mac/drawingml/2011/main" val="1"/>
+              <ma14:wrappingTextBoxFlag xmlns:ma14="http://schemas.microsoft.com/office/mac/drawingml/2011/main" xmlns="" val="1"/>
             </a:ext>
           </a:extLst>
         </p:spPr>

--- a/doc/InjecaoDependencia.pptx
+++ b/doc/InjecaoDependencia.pptx
@@ -5,34 +5,36 @@
     <p:sldMasterId id="2147483648" r:id="rId1"/>
   </p:sldMasterIdLst>
   <p:notesMasterIdLst>
-    <p:notesMasterId r:id="rId27"/>
+    <p:notesMasterId r:id="rId29"/>
   </p:notesMasterIdLst>
   <p:sldIdLst>
     <p:sldId id="259" r:id="rId2"/>
     <p:sldId id="262" r:id="rId3"/>
-    <p:sldId id="264" r:id="rId4"/>
-    <p:sldId id="269" r:id="rId5"/>
-    <p:sldId id="270" r:id="rId6"/>
-    <p:sldId id="265" r:id="rId7"/>
-    <p:sldId id="271" r:id="rId8"/>
-    <p:sldId id="272" r:id="rId9"/>
-    <p:sldId id="266" r:id="rId10"/>
-    <p:sldId id="273" r:id="rId11"/>
-    <p:sldId id="267" r:id="rId12"/>
-    <p:sldId id="274" r:id="rId13"/>
-    <p:sldId id="275" r:id="rId14"/>
-    <p:sldId id="268" r:id="rId15"/>
-    <p:sldId id="263" r:id="rId16"/>
-    <p:sldId id="278" r:id="rId17"/>
-    <p:sldId id="279" r:id="rId18"/>
-    <p:sldId id="276" r:id="rId19"/>
-    <p:sldId id="285" r:id="rId20"/>
-    <p:sldId id="284" r:id="rId21"/>
-    <p:sldId id="280" r:id="rId22"/>
-    <p:sldId id="283" r:id="rId23"/>
-    <p:sldId id="281" r:id="rId24"/>
-    <p:sldId id="286" r:id="rId25"/>
-    <p:sldId id="287" r:id="rId26"/>
+    <p:sldId id="288" r:id="rId4"/>
+    <p:sldId id="289" r:id="rId5"/>
+    <p:sldId id="264" r:id="rId6"/>
+    <p:sldId id="269" r:id="rId7"/>
+    <p:sldId id="270" r:id="rId8"/>
+    <p:sldId id="265" r:id="rId9"/>
+    <p:sldId id="271" r:id="rId10"/>
+    <p:sldId id="272" r:id="rId11"/>
+    <p:sldId id="266" r:id="rId12"/>
+    <p:sldId id="273" r:id="rId13"/>
+    <p:sldId id="267" r:id="rId14"/>
+    <p:sldId id="274" r:id="rId15"/>
+    <p:sldId id="275" r:id="rId16"/>
+    <p:sldId id="268" r:id="rId17"/>
+    <p:sldId id="263" r:id="rId18"/>
+    <p:sldId id="278" r:id="rId19"/>
+    <p:sldId id="279" r:id="rId20"/>
+    <p:sldId id="276" r:id="rId21"/>
+    <p:sldId id="285" r:id="rId22"/>
+    <p:sldId id="284" r:id="rId23"/>
+    <p:sldId id="280" r:id="rId24"/>
+    <p:sldId id="283" r:id="rId25"/>
+    <p:sldId id="281" r:id="rId26"/>
+    <p:sldId id="286" r:id="rId27"/>
+    <p:sldId id="287" r:id="rId28"/>
   </p:sldIdLst>
   <p:sldSz cx="12192000" cy="6858000"/>
   <p:notesSz cx="6858000" cy="9144000"/>
@@ -336,7 +338,7 @@
   </p:defaultTextStyle>
   <p:extLst>
     <p:ext uri="{EFAFB233-063F-42B5-8137-9DF3F51BA10A}">
-      <p15:sldGuideLst xmlns:p15="http://schemas.microsoft.com/office/powerpoint/2012/main" xmlns="">
+      <p15:sldGuideLst xmlns="" xmlns:p15="http://schemas.microsoft.com/office/powerpoint/2012/main">
         <p15:guide id="1" orient="horz" pos="2160">
           <p15:clr>
             <a:srgbClr val="A4A3A4"/>
@@ -679,7 +681,7 @@
           <a:p>
             <a:r>
               <a:rPr lang="pt-BR" dirty="0" smtClean="0"/>
-              <a:t>https://robsoncastilho.com.br/2013/03/21/principios-solid-principio-de-substituicao-de-liskov-lsp/</a:t>
+              <a:t>Pode-se dizer que as classes abstratas servem como “modelo” para outras classes que dela herdem, não podendo ser instanciada por si só. Para ter um objeto de uma classe abstrata é necessário criar uma classe mais especializada herdando dela e então instanciar essa nova classe. Os métodos da classe abstrata devem então serem sobrescritos nas classes filhas.</a:t>
             </a:r>
             <a:endParaRPr lang="pt-BR" dirty="0"/>
           </a:p>
@@ -688,7 +690,7 @@
     </p:spTree>
     <p:extLst>
       <p:ext uri="{BB962C8B-B14F-4D97-AF65-F5344CB8AC3E}">
-        <p14:creationId xmlns:p14="http://schemas.microsoft.com/office/powerpoint/2010/main" val="644742848"/>
+        <p14:creationId xmlns:p14="http://schemas.microsoft.com/office/powerpoint/2010/main" val="3565802852"/>
       </p:ext>
     </p:extLst>
   </p:cSld>
@@ -749,7 +751,7 @@
           <a:p>
             <a:r>
               <a:rPr lang="pt-BR" dirty="0" smtClean="0"/>
-              <a:t>https://robsoncastilho.com.br/2013/04/14/principios-solid-principio-da-segregacao-de-interface-isp/</a:t>
+              <a:t>https://robsoncastilho.com.br/2013/03/21/principios-solid-principio-de-substituicao-de-liskov-lsp/</a:t>
             </a:r>
             <a:endParaRPr lang="pt-BR" dirty="0"/>
           </a:p>
@@ -758,7 +760,7 @@
     </p:spTree>
     <p:extLst>
       <p:ext uri="{BB962C8B-B14F-4D97-AF65-F5344CB8AC3E}">
-        <p14:creationId xmlns:p14="http://schemas.microsoft.com/office/powerpoint/2010/main" val="3573668862"/>
+        <p14:creationId xmlns:p14="http://schemas.microsoft.com/office/powerpoint/2010/main" val="1182232295"/>
       </p:ext>
     </p:extLst>
   </p:cSld>
@@ -818,8 +820,8 @@
           <a:lstStyle/>
           <a:p>
             <a:r>
-              <a:rPr lang="pt-BR" smtClean="0"/>
-              <a:t>https://robsoncastilho.com.br/2013/04/14/principios-solid-principio-da-segregacao-de-interface-isp/</a:t>
+              <a:rPr lang="pt-BR" dirty="0" smtClean="0"/>
+              <a:t>https://robsoncastilho.com.br/2013/03/21/principios-solid-principio-de-substituicao-de-liskov-lsp/</a:t>
             </a:r>
             <a:endParaRPr lang="pt-BR" dirty="0"/>
           </a:p>
@@ -828,7 +830,7 @@
     </p:spTree>
     <p:extLst>
       <p:ext uri="{BB962C8B-B14F-4D97-AF65-F5344CB8AC3E}">
-        <p14:creationId xmlns:p14="http://schemas.microsoft.com/office/powerpoint/2010/main" val="2765354290"/>
+        <p14:creationId xmlns:p14="http://schemas.microsoft.com/office/powerpoint/2010/main" val="644742848"/>
       </p:ext>
     </p:extLst>
   </p:cSld>
@@ -888,7 +890,7 @@
           <a:lstStyle/>
           <a:p>
             <a:r>
-              <a:rPr lang="pt-BR" smtClean="0"/>
+              <a:rPr lang="pt-BR" dirty="0" smtClean="0"/>
               <a:t>https://robsoncastilho.com.br/2013/04/14/principios-solid-principio-da-segregacao-de-interface-isp/</a:t>
             </a:r>
             <a:endParaRPr lang="pt-BR" dirty="0"/>
@@ -898,7 +900,7 @@
     </p:spTree>
     <p:extLst>
       <p:ext uri="{BB962C8B-B14F-4D97-AF65-F5344CB8AC3E}">
-        <p14:creationId xmlns:p14="http://schemas.microsoft.com/office/powerpoint/2010/main" val="87691267"/>
+        <p14:creationId xmlns:p14="http://schemas.microsoft.com/office/powerpoint/2010/main" val="3573668862"/>
       </p:ext>
     </p:extLst>
   </p:cSld>
@@ -958,6 +960,146 @@
           <a:lstStyle/>
           <a:p>
             <a:r>
+              <a:rPr lang="pt-BR" smtClean="0"/>
+              <a:t>https://robsoncastilho.com.br/2013/04/14/principios-solid-principio-da-segregacao-de-interface-isp/</a:t>
+            </a:r>
+            <a:endParaRPr lang="pt-BR" dirty="0"/>
+          </a:p>
+        </p:txBody>
+      </p:sp>
+    </p:spTree>
+    <p:extLst>
+      <p:ext uri="{BB962C8B-B14F-4D97-AF65-F5344CB8AC3E}">
+        <p14:creationId xmlns:p14="http://schemas.microsoft.com/office/powerpoint/2010/main" val="2765354290"/>
+      </p:ext>
+    </p:extLst>
+  </p:cSld>
+  <p:clrMapOvr>
+    <a:masterClrMapping/>
+  </p:clrMapOvr>
+</p:notes>
+</file>
+
+<file path=ppt/notesSlides/notesSlide15.xml><?xml version="1.0" encoding="utf-8"?>
+<p:notes xmlns:a="http://schemas.openxmlformats.org/drawingml/2006/main" xmlns:r="http://schemas.openxmlformats.org/officeDocument/2006/relationships" xmlns:p="http://schemas.openxmlformats.org/presentationml/2006/main">
+  <p:cSld>
+    <p:spTree>
+      <p:nvGrpSpPr>
+        <p:cNvPr id="1" name=""/>
+        <p:cNvGrpSpPr/>
+        <p:nvPr/>
+      </p:nvGrpSpPr>
+      <p:grpSpPr>
+        <a:xfrm>
+          <a:off x="0" y="0"/>
+          <a:ext cx="0" cy="0"/>
+          <a:chOff x="0" y="0"/>
+          <a:chExt cx="0" cy="0"/>
+        </a:xfrm>
+      </p:grpSpPr>
+      <p:sp>
+        <p:nvSpPr>
+          <p:cNvPr id="2" name="Espaço Reservado para Imagem de Slide 1"/>
+          <p:cNvSpPr>
+            <a:spLocks noGrp="1" noRot="1" noChangeAspect="1"/>
+          </p:cNvSpPr>
+          <p:nvPr>
+            <p:ph type="sldImg"/>
+          </p:nvPr>
+        </p:nvSpPr>
+        <p:spPr>
+          <a:xfrm>
+            <a:off x="381000" y="685800"/>
+            <a:ext cx="6096000" cy="3429000"/>
+          </a:xfrm>
+        </p:spPr>
+      </p:sp>
+      <p:sp>
+        <p:nvSpPr>
+          <p:cNvPr id="3" name="Espaço Reservado para Anotações 2"/>
+          <p:cNvSpPr>
+            <a:spLocks noGrp="1"/>
+          </p:cNvSpPr>
+          <p:nvPr>
+            <p:ph type="body" idx="1"/>
+          </p:nvPr>
+        </p:nvSpPr>
+        <p:spPr/>
+        <p:txBody>
+          <a:bodyPr/>
+          <a:lstStyle/>
+          <a:p>
+            <a:r>
+              <a:rPr lang="pt-BR" smtClean="0"/>
+              <a:t>https://robsoncastilho.com.br/2013/04/14/principios-solid-principio-da-segregacao-de-interface-isp/</a:t>
+            </a:r>
+            <a:endParaRPr lang="pt-BR" dirty="0"/>
+          </a:p>
+        </p:txBody>
+      </p:sp>
+    </p:spTree>
+    <p:extLst>
+      <p:ext uri="{BB962C8B-B14F-4D97-AF65-F5344CB8AC3E}">
+        <p14:creationId xmlns:p14="http://schemas.microsoft.com/office/powerpoint/2010/main" val="87691267"/>
+      </p:ext>
+    </p:extLst>
+  </p:cSld>
+  <p:clrMapOvr>
+    <a:masterClrMapping/>
+  </p:clrMapOvr>
+</p:notes>
+</file>
+
+<file path=ppt/notesSlides/notesSlide16.xml><?xml version="1.0" encoding="utf-8"?>
+<p:notes xmlns:a="http://schemas.openxmlformats.org/drawingml/2006/main" xmlns:r="http://schemas.openxmlformats.org/officeDocument/2006/relationships" xmlns:p="http://schemas.openxmlformats.org/presentationml/2006/main">
+  <p:cSld>
+    <p:spTree>
+      <p:nvGrpSpPr>
+        <p:cNvPr id="1" name=""/>
+        <p:cNvGrpSpPr/>
+        <p:nvPr/>
+      </p:nvGrpSpPr>
+      <p:grpSpPr>
+        <a:xfrm>
+          <a:off x="0" y="0"/>
+          <a:ext cx="0" cy="0"/>
+          <a:chOff x="0" y="0"/>
+          <a:chExt cx="0" cy="0"/>
+        </a:xfrm>
+      </p:grpSpPr>
+      <p:sp>
+        <p:nvSpPr>
+          <p:cNvPr id="2" name="Espaço Reservado para Imagem de Slide 1"/>
+          <p:cNvSpPr>
+            <a:spLocks noGrp="1" noRot="1" noChangeAspect="1"/>
+          </p:cNvSpPr>
+          <p:nvPr>
+            <p:ph type="sldImg"/>
+          </p:nvPr>
+        </p:nvSpPr>
+        <p:spPr>
+          <a:xfrm>
+            <a:off x="381000" y="685800"/>
+            <a:ext cx="6096000" cy="3429000"/>
+          </a:xfrm>
+        </p:spPr>
+      </p:sp>
+      <p:sp>
+        <p:nvSpPr>
+          <p:cNvPr id="3" name="Espaço Reservado para Anotações 2"/>
+          <p:cNvSpPr>
+            <a:spLocks noGrp="1"/>
+          </p:cNvSpPr>
+          <p:nvPr>
+            <p:ph type="body" idx="1"/>
+          </p:nvPr>
+        </p:nvSpPr>
+        <p:spPr/>
+        <p:txBody>
+          <a:bodyPr/>
+          <a:lstStyle/>
+          <a:p>
+            <a:r>
               <a:rPr lang="pt-BR" dirty="0" smtClean="0"/>
               <a:t>https://www.treinaweb.com.br/blog/entendendo-injecao-de-dependencia/</a:t>
             </a:r>
@@ -978,7 +1120,7 @@
 </p:notes>
 </file>
 
-<file path=ppt/notesSlides/notesSlide15.xml><?xml version="1.0" encoding="utf-8"?>
+<file path=ppt/notesSlides/notesSlide17.xml><?xml version="1.0" encoding="utf-8"?>
 <p:notes xmlns:a="http://schemas.openxmlformats.org/drawingml/2006/main" xmlns:r="http://schemas.openxmlformats.org/officeDocument/2006/relationships" xmlns:p="http://schemas.openxmlformats.org/presentationml/2006/main">
   <p:cSld>
     <p:spTree>
@@ -1044,142 +1186,6 @@
 </p:notes>
 </file>
 
-<file path=ppt/notesSlides/notesSlide16.xml><?xml version="1.0" encoding="utf-8"?>
-<p:notes xmlns:a="http://schemas.openxmlformats.org/drawingml/2006/main" xmlns:r="http://schemas.openxmlformats.org/officeDocument/2006/relationships" xmlns:p="http://schemas.openxmlformats.org/presentationml/2006/main">
-  <p:cSld>
-    <p:spTree>
-      <p:nvGrpSpPr>
-        <p:cNvPr id="1" name=""/>
-        <p:cNvGrpSpPr/>
-        <p:nvPr/>
-      </p:nvGrpSpPr>
-      <p:grpSpPr>
-        <a:xfrm>
-          <a:off x="0" y="0"/>
-          <a:ext cx="0" cy="0"/>
-          <a:chOff x="0" y="0"/>
-          <a:chExt cx="0" cy="0"/>
-        </a:xfrm>
-      </p:grpSpPr>
-      <p:sp>
-        <p:nvSpPr>
-          <p:cNvPr id="2" name="Espaço Reservado para Imagem de Slide 1"/>
-          <p:cNvSpPr>
-            <a:spLocks noGrp="1" noRot="1" noChangeAspect="1"/>
-          </p:cNvSpPr>
-          <p:nvPr>
-            <p:ph type="sldImg"/>
-          </p:nvPr>
-        </p:nvSpPr>
-        <p:spPr>
-          <a:xfrm>
-            <a:off x="381000" y="685800"/>
-            <a:ext cx="6096000" cy="3429000"/>
-          </a:xfrm>
-        </p:spPr>
-      </p:sp>
-      <p:sp>
-        <p:nvSpPr>
-          <p:cNvPr id="3" name="Espaço Reservado para Anotações 2"/>
-          <p:cNvSpPr>
-            <a:spLocks noGrp="1"/>
-          </p:cNvSpPr>
-          <p:nvPr>
-            <p:ph type="body" idx="1"/>
-          </p:nvPr>
-        </p:nvSpPr>
-        <p:spPr/>
-        <p:txBody>
-          <a:bodyPr/>
-          <a:lstStyle/>
-          <a:p>
-            <a:r>
-              <a:rPr lang="pt-BR" dirty="0" smtClean="0"/>
-              <a:t>https://bar8.com.br/abap-oo-dip-inversao-dependencia-principio-aaef37a9ec1d</a:t>
-            </a:r>
-            <a:endParaRPr lang="pt-BR" dirty="0"/>
-          </a:p>
-        </p:txBody>
-      </p:sp>
-    </p:spTree>
-    <p:extLst>
-      <p:ext uri="{BB962C8B-B14F-4D97-AF65-F5344CB8AC3E}">
-        <p14:creationId xmlns:p14="http://schemas.microsoft.com/office/powerpoint/2010/main" val="3559814783"/>
-      </p:ext>
-    </p:extLst>
-  </p:cSld>
-  <p:clrMapOvr>
-    <a:masterClrMapping/>
-  </p:clrMapOvr>
-</p:notes>
-</file>
-
-<file path=ppt/notesSlides/notesSlide17.xml><?xml version="1.0" encoding="utf-8"?>
-<p:notes xmlns:a="http://schemas.openxmlformats.org/drawingml/2006/main" xmlns:r="http://schemas.openxmlformats.org/officeDocument/2006/relationships" xmlns:p="http://schemas.openxmlformats.org/presentationml/2006/main">
-  <p:cSld>
-    <p:spTree>
-      <p:nvGrpSpPr>
-        <p:cNvPr id="1" name=""/>
-        <p:cNvGrpSpPr/>
-        <p:nvPr/>
-      </p:nvGrpSpPr>
-      <p:grpSpPr>
-        <a:xfrm>
-          <a:off x="0" y="0"/>
-          <a:ext cx="0" cy="0"/>
-          <a:chOff x="0" y="0"/>
-          <a:chExt cx="0" cy="0"/>
-        </a:xfrm>
-      </p:grpSpPr>
-      <p:sp>
-        <p:nvSpPr>
-          <p:cNvPr id="2" name="Espaço Reservado para Imagem de Slide 1"/>
-          <p:cNvSpPr>
-            <a:spLocks noGrp="1" noRot="1" noChangeAspect="1"/>
-          </p:cNvSpPr>
-          <p:nvPr>
-            <p:ph type="sldImg"/>
-          </p:nvPr>
-        </p:nvSpPr>
-        <p:spPr>
-          <a:xfrm>
-            <a:off x="381000" y="685800"/>
-            <a:ext cx="6096000" cy="3429000"/>
-          </a:xfrm>
-        </p:spPr>
-      </p:sp>
-      <p:sp>
-        <p:nvSpPr>
-          <p:cNvPr id="3" name="Espaço Reservado para Anotações 2"/>
-          <p:cNvSpPr>
-            <a:spLocks noGrp="1"/>
-          </p:cNvSpPr>
-          <p:nvPr>
-            <p:ph type="body" idx="1"/>
-          </p:nvPr>
-        </p:nvSpPr>
-        <p:spPr/>
-        <p:txBody>
-          <a:bodyPr/>
-          <a:lstStyle/>
-          <a:p>
-            <a:endParaRPr lang="pt-BR" dirty="0"/>
-          </a:p>
-        </p:txBody>
-      </p:sp>
-    </p:spTree>
-    <p:extLst>
-      <p:ext uri="{BB962C8B-B14F-4D97-AF65-F5344CB8AC3E}">
-        <p14:creationId xmlns:p14="http://schemas.microsoft.com/office/powerpoint/2010/main" val="2543189515"/>
-      </p:ext>
-    </p:extLst>
-  </p:cSld>
-  <p:clrMapOvr>
-    <a:masterClrMapping/>
-  </p:clrMapOvr>
-</p:notes>
-</file>
-
 <file path=ppt/notesSlides/notesSlide18.xml><?xml version="1.0" encoding="utf-8"?>
 <p:notes xmlns:a="http://schemas.openxmlformats.org/drawingml/2006/main" xmlns:r="http://schemas.openxmlformats.org/officeDocument/2006/relationships" xmlns:p="http://schemas.openxmlformats.org/presentationml/2006/main">
   <p:cSld>
@@ -1231,7 +1237,7 @@
           <a:p>
             <a:r>
               <a:rPr lang="pt-BR" dirty="0" smtClean="0"/>
-              <a:t>https://www.treinaweb.com.br/blog/entendendo-injecao-de-dependencia/</a:t>
+              <a:t>https://bar8.com.br/abap-oo-dip-inversao-dependencia-principio-aaef37a9ec1d</a:t>
             </a:r>
             <a:endParaRPr lang="pt-BR" dirty="0"/>
           </a:p>
@@ -1240,7 +1246,7 @@
     </p:spTree>
     <p:extLst>
       <p:ext uri="{BB962C8B-B14F-4D97-AF65-F5344CB8AC3E}">
-        <p14:creationId xmlns:p14="http://schemas.microsoft.com/office/powerpoint/2010/main" val="3189123950"/>
+        <p14:creationId xmlns:p14="http://schemas.microsoft.com/office/powerpoint/2010/main" val="3559814783"/>
       </p:ext>
     </p:extLst>
   </p:cSld>
@@ -1299,10 +1305,6 @@
           <a:bodyPr/>
           <a:lstStyle/>
           <a:p>
-            <a:r>
-              <a:rPr lang="pt-BR" dirty="0" smtClean="0"/>
-              <a:t>https://www.treinaweb.com.br/blog/entendendo-injecao-de-dependencia/</a:t>
-            </a:r>
             <a:endParaRPr lang="pt-BR" dirty="0"/>
           </a:p>
         </p:txBody>
@@ -1310,7 +1312,7 @@
     </p:spTree>
     <p:extLst>
       <p:ext uri="{BB962C8B-B14F-4D97-AF65-F5344CB8AC3E}">
-        <p14:creationId xmlns:p14="http://schemas.microsoft.com/office/powerpoint/2010/main" val="3189123950"/>
+        <p14:creationId xmlns:p14="http://schemas.microsoft.com/office/powerpoint/2010/main" val="2543189515"/>
       </p:ext>
     </p:extLst>
   </p:cSld>
@@ -1717,7 +1719,7 @@
           <a:p>
             <a:r>
               <a:rPr lang="pt-BR" dirty="0" smtClean="0"/>
-              <a:t>https://medium.com/@fulviocanducci/injeção-de-dependências-asp-net-core-baa3bc1ea9c9</a:t>
+              <a:t>https://www.treinaweb.com.br/blog/entendendo-injecao-de-dependencia/</a:t>
             </a:r>
             <a:endParaRPr lang="pt-BR" dirty="0"/>
           </a:p>
@@ -1786,6 +1788,146 @@
           <a:lstStyle/>
           <a:p>
             <a:r>
+              <a:rPr lang="pt-BR" dirty="0" smtClean="0"/>
+              <a:t>https://www.treinaweb.com.br/blog/entendendo-injecao-de-dependencia/</a:t>
+            </a:r>
+            <a:endParaRPr lang="pt-BR" dirty="0"/>
+          </a:p>
+        </p:txBody>
+      </p:sp>
+    </p:spTree>
+    <p:extLst>
+      <p:ext uri="{BB962C8B-B14F-4D97-AF65-F5344CB8AC3E}">
+        <p14:creationId xmlns:p14="http://schemas.microsoft.com/office/powerpoint/2010/main" val="3189123950"/>
+      </p:ext>
+    </p:extLst>
+  </p:cSld>
+  <p:clrMapOvr>
+    <a:masterClrMapping/>
+  </p:clrMapOvr>
+</p:notes>
+</file>
+
+<file path=ppt/notesSlides/notesSlide26.xml><?xml version="1.0" encoding="utf-8"?>
+<p:notes xmlns:a="http://schemas.openxmlformats.org/drawingml/2006/main" xmlns:r="http://schemas.openxmlformats.org/officeDocument/2006/relationships" xmlns:p="http://schemas.openxmlformats.org/presentationml/2006/main">
+  <p:cSld>
+    <p:spTree>
+      <p:nvGrpSpPr>
+        <p:cNvPr id="1" name=""/>
+        <p:cNvGrpSpPr/>
+        <p:nvPr/>
+      </p:nvGrpSpPr>
+      <p:grpSpPr>
+        <a:xfrm>
+          <a:off x="0" y="0"/>
+          <a:ext cx="0" cy="0"/>
+          <a:chOff x="0" y="0"/>
+          <a:chExt cx="0" cy="0"/>
+        </a:xfrm>
+      </p:grpSpPr>
+      <p:sp>
+        <p:nvSpPr>
+          <p:cNvPr id="2" name="Espaço Reservado para Imagem de Slide 1"/>
+          <p:cNvSpPr>
+            <a:spLocks noGrp="1" noRot="1" noChangeAspect="1"/>
+          </p:cNvSpPr>
+          <p:nvPr>
+            <p:ph type="sldImg"/>
+          </p:nvPr>
+        </p:nvSpPr>
+        <p:spPr>
+          <a:xfrm>
+            <a:off x="381000" y="685800"/>
+            <a:ext cx="6096000" cy="3429000"/>
+          </a:xfrm>
+        </p:spPr>
+      </p:sp>
+      <p:sp>
+        <p:nvSpPr>
+          <p:cNvPr id="3" name="Espaço Reservado para Anotações 2"/>
+          <p:cNvSpPr>
+            <a:spLocks noGrp="1"/>
+          </p:cNvSpPr>
+          <p:nvPr>
+            <p:ph type="body" idx="1"/>
+          </p:nvPr>
+        </p:nvSpPr>
+        <p:spPr/>
+        <p:txBody>
+          <a:bodyPr/>
+          <a:lstStyle/>
+          <a:p>
+            <a:r>
+              <a:rPr lang="pt-BR" dirty="0" smtClean="0"/>
+              <a:t>https://medium.com/@fulviocanducci/injeção-de-dependências-asp-net-core-baa3bc1ea9c9</a:t>
+            </a:r>
+            <a:endParaRPr lang="pt-BR" dirty="0"/>
+          </a:p>
+        </p:txBody>
+      </p:sp>
+    </p:spTree>
+    <p:extLst>
+      <p:ext uri="{BB962C8B-B14F-4D97-AF65-F5344CB8AC3E}">
+        <p14:creationId xmlns:p14="http://schemas.microsoft.com/office/powerpoint/2010/main" val="3189123950"/>
+      </p:ext>
+    </p:extLst>
+  </p:cSld>
+  <p:clrMapOvr>
+    <a:masterClrMapping/>
+  </p:clrMapOvr>
+</p:notes>
+</file>
+
+<file path=ppt/notesSlides/notesSlide27.xml><?xml version="1.0" encoding="utf-8"?>
+<p:notes xmlns:a="http://schemas.openxmlformats.org/drawingml/2006/main" xmlns:r="http://schemas.openxmlformats.org/officeDocument/2006/relationships" xmlns:p="http://schemas.openxmlformats.org/presentationml/2006/main">
+  <p:cSld>
+    <p:spTree>
+      <p:nvGrpSpPr>
+        <p:cNvPr id="1" name=""/>
+        <p:cNvGrpSpPr/>
+        <p:nvPr/>
+      </p:nvGrpSpPr>
+      <p:grpSpPr>
+        <a:xfrm>
+          <a:off x="0" y="0"/>
+          <a:ext cx="0" cy="0"/>
+          <a:chOff x="0" y="0"/>
+          <a:chExt cx="0" cy="0"/>
+        </a:xfrm>
+      </p:grpSpPr>
+      <p:sp>
+        <p:nvSpPr>
+          <p:cNvPr id="2" name="Espaço Reservado para Imagem de Slide 1"/>
+          <p:cNvSpPr>
+            <a:spLocks noGrp="1" noRot="1" noChangeAspect="1"/>
+          </p:cNvSpPr>
+          <p:nvPr>
+            <p:ph type="sldImg"/>
+          </p:nvPr>
+        </p:nvSpPr>
+        <p:spPr>
+          <a:xfrm>
+            <a:off x="381000" y="685800"/>
+            <a:ext cx="6096000" cy="3429000"/>
+          </a:xfrm>
+        </p:spPr>
+      </p:sp>
+      <p:sp>
+        <p:nvSpPr>
+          <p:cNvPr id="3" name="Espaço Reservado para Anotações 2"/>
+          <p:cNvSpPr>
+            <a:spLocks noGrp="1"/>
+          </p:cNvSpPr>
+          <p:nvPr>
+            <p:ph type="body" idx="1"/>
+          </p:nvPr>
+        </p:nvSpPr>
+        <p:spPr/>
+        <p:txBody>
+          <a:bodyPr/>
+          <a:lstStyle/>
+          <a:p>
+            <a:r>
               <a:rPr lang="pt-BR" smtClean="0"/>
               <a:t>https://medium.com/@fulviocanducci/injeção-de-dependências-asp-net-core-baa3bc1ea9c9</a:t>
             </a:r>
@@ -1855,10 +1997,6 @@
           <a:bodyPr/>
           <a:lstStyle/>
           <a:p>
-            <a:r>
-              <a:rPr lang="pt-BR" dirty="0" smtClean="0"/>
-              <a:t>https://www.eduardopires.net.br/2013/05/single-responsibility-principle-srp/</a:t>
-            </a:r>
             <a:endParaRPr lang="pt-BR" dirty="0"/>
           </a:p>
         </p:txBody>
@@ -1866,7 +2004,7 @@
     </p:spTree>
     <p:extLst>
       <p:ext uri="{BB962C8B-B14F-4D97-AF65-F5344CB8AC3E}">
-        <p14:creationId xmlns:p14="http://schemas.microsoft.com/office/powerpoint/2010/main" val="3868598655"/>
+        <p14:creationId xmlns:p14="http://schemas.microsoft.com/office/powerpoint/2010/main" val="769200628"/>
       </p:ext>
     </p:extLst>
   </p:cSld>
@@ -1932,6 +2070,142 @@
     </p:spTree>
     <p:extLst>
       <p:ext uri="{BB962C8B-B14F-4D97-AF65-F5344CB8AC3E}">
+        <p14:creationId xmlns:p14="http://schemas.microsoft.com/office/powerpoint/2010/main" val="769200628"/>
+      </p:ext>
+    </p:extLst>
+  </p:cSld>
+  <p:clrMapOvr>
+    <a:masterClrMapping/>
+  </p:clrMapOvr>
+</p:notes>
+</file>
+
+<file path=ppt/notesSlides/notesSlide5.xml><?xml version="1.0" encoding="utf-8"?>
+<p:notes xmlns:a="http://schemas.openxmlformats.org/drawingml/2006/main" xmlns:r="http://schemas.openxmlformats.org/officeDocument/2006/relationships" xmlns:p="http://schemas.openxmlformats.org/presentationml/2006/main">
+  <p:cSld>
+    <p:spTree>
+      <p:nvGrpSpPr>
+        <p:cNvPr id="1" name=""/>
+        <p:cNvGrpSpPr/>
+        <p:nvPr/>
+      </p:nvGrpSpPr>
+      <p:grpSpPr>
+        <a:xfrm>
+          <a:off x="0" y="0"/>
+          <a:ext cx="0" cy="0"/>
+          <a:chOff x="0" y="0"/>
+          <a:chExt cx="0" cy="0"/>
+        </a:xfrm>
+      </p:grpSpPr>
+      <p:sp>
+        <p:nvSpPr>
+          <p:cNvPr id="2" name="Espaço Reservado para Imagem de Slide 1"/>
+          <p:cNvSpPr>
+            <a:spLocks noGrp="1" noRot="1" noChangeAspect="1"/>
+          </p:cNvSpPr>
+          <p:nvPr>
+            <p:ph type="sldImg"/>
+          </p:nvPr>
+        </p:nvSpPr>
+        <p:spPr>
+          <a:xfrm>
+            <a:off x="381000" y="685800"/>
+            <a:ext cx="6096000" cy="3429000"/>
+          </a:xfrm>
+        </p:spPr>
+      </p:sp>
+      <p:sp>
+        <p:nvSpPr>
+          <p:cNvPr id="3" name="Espaço Reservado para Anotações 2"/>
+          <p:cNvSpPr>
+            <a:spLocks noGrp="1"/>
+          </p:cNvSpPr>
+          <p:nvPr>
+            <p:ph type="body" idx="1"/>
+          </p:nvPr>
+        </p:nvSpPr>
+        <p:spPr/>
+        <p:txBody>
+          <a:bodyPr/>
+          <a:lstStyle/>
+          <a:p>
+            <a:r>
+              <a:rPr lang="pt-BR" dirty="0" smtClean="0"/>
+              <a:t>https://www.eduardopires.net.br/2013/05/single-responsibility-principle-srp/</a:t>
+            </a:r>
+            <a:endParaRPr lang="pt-BR" dirty="0"/>
+          </a:p>
+        </p:txBody>
+      </p:sp>
+    </p:spTree>
+    <p:extLst>
+      <p:ext uri="{BB962C8B-B14F-4D97-AF65-F5344CB8AC3E}">
+        <p14:creationId xmlns:p14="http://schemas.microsoft.com/office/powerpoint/2010/main" val="3868598655"/>
+      </p:ext>
+    </p:extLst>
+  </p:cSld>
+  <p:clrMapOvr>
+    <a:masterClrMapping/>
+  </p:clrMapOvr>
+</p:notes>
+</file>
+
+<file path=ppt/notesSlides/notesSlide6.xml><?xml version="1.0" encoding="utf-8"?>
+<p:notes xmlns:a="http://schemas.openxmlformats.org/drawingml/2006/main" xmlns:r="http://schemas.openxmlformats.org/officeDocument/2006/relationships" xmlns:p="http://schemas.openxmlformats.org/presentationml/2006/main">
+  <p:cSld>
+    <p:spTree>
+      <p:nvGrpSpPr>
+        <p:cNvPr id="1" name=""/>
+        <p:cNvGrpSpPr/>
+        <p:nvPr/>
+      </p:nvGrpSpPr>
+      <p:grpSpPr>
+        <a:xfrm>
+          <a:off x="0" y="0"/>
+          <a:ext cx="0" cy="0"/>
+          <a:chOff x="0" y="0"/>
+          <a:chExt cx="0" cy="0"/>
+        </a:xfrm>
+      </p:grpSpPr>
+      <p:sp>
+        <p:nvSpPr>
+          <p:cNvPr id="2" name="Espaço Reservado para Imagem de Slide 1"/>
+          <p:cNvSpPr>
+            <a:spLocks noGrp="1" noRot="1" noChangeAspect="1"/>
+          </p:cNvSpPr>
+          <p:nvPr>
+            <p:ph type="sldImg"/>
+          </p:nvPr>
+        </p:nvSpPr>
+        <p:spPr>
+          <a:xfrm>
+            <a:off x="381000" y="685800"/>
+            <a:ext cx="6096000" cy="3429000"/>
+          </a:xfrm>
+        </p:spPr>
+      </p:sp>
+      <p:sp>
+        <p:nvSpPr>
+          <p:cNvPr id="3" name="Espaço Reservado para Anotações 2"/>
+          <p:cNvSpPr>
+            <a:spLocks noGrp="1"/>
+          </p:cNvSpPr>
+          <p:nvPr>
+            <p:ph type="body" idx="1"/>
+          </p:nvPr>
+        </p:nvSpPr>
+        <p:spPr/>
+        <p:txBody>
+          <a:bodyPr/>
+          <a:lstStyle/>
+          <a:p>
+            <a:endParaRPr lang="pt-BR" dirty="0"/>
+          </a:p>
+        </p:txBody>
+      </p:sp>
+    </p:spTree>
+    <p:extLst>
+      <p:ext uri="{BB962C8B-B14F-4D97-AF65-F5344CB8AC3E}">
         <p14:creationId xmlns:p14="http://schemas.microsoft.com/office/powerpoint/2010/main" val="4279889118"/>
       </p:ext>
     </p:extLst>
@@ -1942,7 +2216,7 @@
 </p:notes>
 </file>
 
-<file path=ppt/notesSlides/notesSlide5.xml><?xml version="1.0" encoding="utf-8"?>
+<file path=ppt/notesSlides/notesSlide7.xml><?xml version="1.0" encoding="utf-8"?>
 <p:notes xmlns:a="http://schemas.openxmlformats.org/drawingml/2006/main" xmlns:r="http://schemas.openxmlformats.org/officeDocument/2006/relationships" xmlns:p="http://schemas.openxmlformats.org/presentationml/2006/main">
   <p:cSld>
     <p:spTree>
@@ -2008,151 +2282,6 @@
 </p:notes>
 </file>
 
-<file path=ppt/notesSlides/notesSlide6.xml><?xml version="1.0" encoding="utf-8"?>
-<p:notes xmlns:a="http://schemas.openxmlformats.org/drawingml/2006/main" xmlns:r="http://schemas.openxmlformats.org/officeDocument/2006/relationships" xmlns:p="http://schemas.openxmlformats.org/presentationml/2006/main">
-  <p:cSld>
-    <p:spTree>
-      <p:nvGrpSpPr>
-        <p:cNvPr id="1" name=""/>
-        <p:cNvGrpSpPr/>
-        <p:nvPr/>
-      </p:nvGrpSpPr>
-      <p:grpSpPr>
-        <a:xfrm>
-          <a:off x="0" y="0"/>
-          <a:ext cx="0" cy="0"/>
-          <a:chOff x="0" y="0"/>
-          <a:chExt cx="0" cy="0"/>
-        </a:xfrm>
-      </p:grpSpPr>
-      <p:sp>
-        <p:nvSpPr>
-          <p:cNvPr id="2" name="Espaço Reservado para Imagem de Slide 1"/>
-          <p:cNvSpPr>
-            <a:spLocks noGrp="1" noRot="1" noChangeAspect="1"/>
-          </p:cNvSpPr>
-          <p:nvPr>
-            <p:ph type="sldImg"/>
-          </p:nvPr>
-        </p:nvSpPr>
-        <p:spPr>
-          <a:xfrm>
-            <a:off x="381000" y="685800"/>
-            <a:ext cx="6096000" cy="3429000"/>
-          </a:xfrm>
-        </p:spPr>
-      </p:sp>
-      <p:sp>
-        <p:nvSpPr>
-          <p:cNvPr id="3" name="Espaço Reservado para Anotações 2"/>
-          <p:cNvSpPr>
-            <a:spLocks noGrp="1"/>
-          </p:cNvSpPr>
-          <p:nvPr>
-            <p:ph type="body" idx="1"/>
-          </p:nvPr>
-        </p:nvSpPr>
-        <p:spPr/>
-        <p:txBody>
-          <a:bodyPr/>
-          <a:lstStyle/>
-          <a:p>
-            <a:r>
-              <a:rPr lang="pt-BR" dirty="0" smtClean="0"/>
-              <a:t>https://www.eduardopires.net.br/2013/05/open-closed-principle-ocp/</a:t>
-            </a:r>
-          </a:p>
-          <a:p>
-            <a:endParaRPr lang="pt-BR" dirty="0" smtClean="0"/>
-          </a:p>
-          <a:p>
-            <a:r>
-              <a:rPr lang="pt-BR" dirty="0" smtClean="0"/>
-              <a:t>http://www.macoratti.net/18/04/c_extmet1.htm</a:t>
-            </a:r>
-            <a:endParaRPr lang="pt-BR" dirty="0"/>
-          </a:p>
-        </p:txBody>
-      </p:sp>
-    </p:spTree>
-    <p:extLst>
-      <p:ext uri="{BB962C8B-B14F-4D97-AF65-F5344CB8AC3E}">
-        <p14:creationId xmlns:p14="http://schemas.microsoft.com/office/powerpoint/2010/main" val="607846342"/>
-      </p:ext>
-    </p:extLst>
-  </p:cSld>
-  <p:clrMapOvr>
-    <a:masterClrMapping/>
-  </p:clrMapOvr>
-</p:notes>
-</file>
-
-<file path=ppt/notesSlides/notesSlide7.xml><?xml version="1.0" encoding="utf-8"?>
-<p:notes xmlns:a="http://schemas.openxmlformats.org/drawingml/2006/main" xmlns:r="http://schemas.openxmlformats.org/officeDocument/2006/relationships" xmlns:p="http://schemas.openxmlformats.org/presentationml/2006/main">
-  <p:cSld>
-    <p:spTree>
-      <p:nvGrpSpPr>
-        <p:cNvPr id="1" name=""/>
-        <p:cNvGrpSpPr/>
-        <p:nvPr/>
-      </p:nvGrpSpPr>
-      <p:grpSpPr>
-        <a:xfrm>
-          <a:off x="0" y="0"/>
-          <a:ext cx="0" cy="0"/>
-          <a:chOff x="0" y="0"/>
-          <a:chExt cx="0" cy="0"/>
-        </a:xfrm>
-      </p:grpSpPr>
-      <p:sp>
-        <p:nvSpPr>
-          <p:cNvPr id="2" name="Espaço Reservado para Imagem de Slide 1"/>
-          <p:cNvSpPr>
-            <a:spLocks noGrp="1" noRot="1" noChangeAspect="1"/>
-          </p:cNvSpPr>
-          <p:nvPr>
-            <p:ph type="sldImg"/>
-          </p:nvPr>
-        </p:nvSpPr>
-        <p:spPr>
-          <a:xfrm>
-            <a:off x="381000" y="685800"/>
-            <a:ext cx="6096000" cy="3429000"/>
-          </a:xfrm>
-        </p:spPr>
-      </p:sp>
-      <p:sp>
-        <p:nvSpPr>
-          <p:cNvPr id="3" name="Espaço Reservado para Anotações 2"/>
-          <p:cNvSpPr>
-            <a:spLocks noGrp="1"/>
-          </p:cNvSpPr>
-          <p:nvPr>
-            <p:ph type="body" idx="1"/>
-          </p:nvPr>
-        </p:nvSpPr>
-        <p:spPr/>
-        <p:txBody>
-          <a:bodyPr/>
-          <a:lstStyle/>
-          <a:p>
-            <a:endParaRPr lang="pt-BR" dirty="0"/>
-          </a:p>
-        </p:txBody>
-      </p:sp>
-    </p:spTree>
-    <p:extLst>
-      <p:ext uri="{BB962C8B-B14F-4D97-AF65-F5344CB8AC3E}">
-        <p14:creationId xmlns:p14="http://schemas.microsoft.com/office/powerpoint/2010/main" val="2649293990"/>
-      </p:ext>
-    </p:extLst>
-  </p:cSld>
-  <p:clrMapOvr>
-    <a:masterClrMapping/>
-  </p:clrMapOvr>
-</p:notes>
-</file>
-
 <file path=ppt/notesSlides/notesSlide8.xml><?xml version="1.0" encoding="utf-8"?>
 <p:notes xmlns:a="http://schemas.openxmlformats.org/drawingml/2006/main" xmlns:r="http://schemas.openxmlformats.org/officeDocument/2006/relationships" xmlns:p="http://schemas.openxmlformats.org/presentationml/2006/main">
   <p:cSld>
@@ -2204,7 +2333,16 @@
           <a:p>
             <a:r>
               <a:rPr lang="pt-BR" dirty="0" smtClean="0"/>
-              <a:t>Pode-se dizer que as classes abstratas servem como “modelo” para outras classes que dela herdem, não podendo ser instanciada por si só. Para ter um objeto de uma classe abstrata é necessário criar uma classe mais especializada herdando dela e então instanciar essa nova classe. Os métodos da classe abstrata devem então serem sobrescritos nas classes filhas.</a:t>
+              <a:t>https://www.eduardopires.net.br/2013/05/open-closed-principle-ocp/</a:t>
+            </a:r>
+          </a:p>
+          <a:p>
+            <a:endParaRPr lang="pt-BR" dirty="0" smtClean="0"/>
+          </a:p>
+          <a:p>
+            <a:r>
+              <a:rPr lang="pt-BR" dirty="0" smtClean="0"/>
+              <a:t>http://www.macoratti.net/18/04/c_extmet1.htm</a:t>
             </a:r>
             <a:endParaRPr lang="pt-BR" dirty="0"/>
           </a:p>
@@ -2213,7 +2351,7 @@
     </p:spTree>
     <p:extLst>
       <p:ext uri="{BB962C8B-B14F-4D97-AF65-F5344CB8AC3E}">
-        <p14:creationId xmlns:p14="http://schemas.microsoft.com/office/powerpoint/2010/main" val="3565802852"/>
+        <p14:creationId xmlns:p14="http://schemas.microsoft.com/office/powerpoint/2010/main" val="607846342"/>
       </p:ext>
     </p:extLst>
   </p:cSld>
@@ -2272,10 +2410,6 @@
           <a:bodyPr/>
           <a:lstStyle/>
           <a:p>
-            <a:r>
-              <a:rPr lang="pt-BR" dirty="0" smtClean="0"/>
-              <a:t>https://robsoncastilho.com.br/2013/03/21/principios-solid-principio-de-substituicao-de-liskov-lsp/</a:t>
-            </a:r>
             <a:endParaRPr lang="pt-BR" dirty="0"/>
           </a:p>
         </p:txBody>
@@ -2283,7 +2417,7 @@
     </p:spTree>
     <p:extLst>
       <p:ext uri="{BB962C8B-B14F-4D97-AF65-F5344CB8AC3E}">
-        <p14:creationId xmlns:p14="http://schemas.microsoft.com/office/powerpoint/2010/main" val="1182232295"/>
+        <p14:creationId xmlns:p14="http://schemas.microsoft.com/office/powerpoint/2010/main" val="2649293990"/>
       </p:ext>
     </p:extLst>
   </p:cSld>
@@ -2885,7 +3019,7 @@
           </a:ln>
           <a:extLst>
             <a:ext uri="{C572A759-6A51-4108-AA02-DFA0A04FC94B}">
-              <ma14:wrappingTextBoxFlag xmlns:ma14="http://schemas.microsoft.com/office/mac/drawingml/2011/main" xmlns="" val="1"/>
+              <ma14:wrappingTextBoxFlag xmlns="" xmlns:ma14="http://schemas.microsoft.com/office/mac/drawingml/2011/main" val="1"/>
             </a:ext>
           </a:extLst>
         </p:spPr>
@@ -2924,7 +3058,7 @@
           </a:ln>
           <a:extLst>
             <a:ext uri="{C572A759-6A51-4108-AA02-DFA0A04FC94B}">
-              <ma14:wrappingTextBoxFlag xmlns:ma14="http://schemas.microsoft.com/office/mac/drawingml/2011/main" xmlns="" val="1"/>
+              <ma14:wrappingTextBoxFlag xmlns="" xmlns:ma14="http://schemas.microsoft.com/office/mac/drawingml/2011/main" val="1"/>
             </a:ext>
           </a:extLst>
         </p:spPr>
@@ -3839,8 +3973,8 @@
         </p:nvSpPr>
         <p:spPr>
           <a:xfrm>
-            <a:off x="1862730" y="2190308"/>
-            <a:ext cx="8270098" cy="1329069"/>
+            <a:off x="1293543" y="755202"/>
+            <a:ext cx="9199756" cy="2132963"/>
           </a:xfrm>
           <a:prstGeom prst="rect">
             <a:avLst/>
@@ -3860,10 +3994,193 @@
               </a:defRPr>
             </a:pPr>
             <a:r>
-              <a:rPr lang="pt-BR" sz="6000" dirty="0" smtClean="0"/>
-              <a:t>Injeção de dependência </a:t>
-            </a:r>
-            <a:endParaRPr lang="pt-BR" sz="6000" dirty="0"/>
+              <a:rPr lang="pt-BR" sz="8500" dirty="0" smtClean="0"/>
+              <a:t>DEPENDENCY INJECTION</a:t>
+            </a:r>
+            <a:endParaRPr lang="pt-BR" sz="8500" dirty="0"/>
+          </a:p>
+        </p:txBody>
+      </p:sp>
+      <p:pic>
+        <p:nvPicPr>
+          <p:cNvPr id="1029" name="Picture 5" descr="C:\Users\alber\Downloads\1793550_thumb-removebg-preview.png"/>
+          <p:cNvPicPr>
+            <a:picLocks noChangeAspect="1" noChangeArrowheads="1"/>
+          </p:cNvPicPr>
+          <p:nvPr/>
+        </p:nvPicPr>
+        <p:blipFill>
+          <a:blip r:embed="rId3">
+            <a:extLst>
+              <a:ext uri="{28A0092B-C50C-407E-A947-70E740481C1C}">
+                <a14:useLocalDpi xmlns:a14="http://schemas.microsoft.com/office/drawing/2010/main" val="0"/>
+              </a:ext>
+            </a:extLst>
+          </a:blip>
+          <a:srcRect/>
+          <a:stretch>
+            <a:fillRect/>
+          </a:stretch>
+        </p:blipFill>
+        <p:spPr bwMode="auto">
+          <a:xfrm>
+            <a:off x="7433334" y="1560242"/>
+            <a:ext cx="3800476" cy="3848100"/>
+          </a:xfrm>
+          <a:prstGeom prst="rect">
+            <a:avLst/>
+          </a:prstGeom>
+          <a:noFill/>
+          <a:extLst>
+            <a:ext uri="{909E8E84-426E-40DD-AFC4-6F175D3DCCD1}">
+              <a14:hiddenFill xmlns:a14="http://schemas.microsoft.com/office/drawing/2010/main">
+                <a:solidFill>
+                  <a:srgbClr val="FFFFFF"/>
+                </a:solidFill>
+              </a14:hiddenFill>
+            </a:ext>
+          </a:extLst>
+        </p:spPr>
+      </p:pic>
+      <p:sp>
+        <p:nvSpPr>
+          <p:cNvPr id="10" name="CaixaDeTexto 9"/>
+          <p:cNvSpPr txBox="1"/>
+          <p:nvPr/>
+        </p:nvSpPr>
+        <p:spPr>
+          <a:xfrm>
+            <a:off x="4841205" y="3363368"/>
+            <a:ext cx="1849528" cy="2631488"/>
+          </a:xfrm>
+          <a:prstGeom prst="rect">
+            <a:avLst/>
+          </a:prstGeom>
+          <a:noFill/>
+          <a:ln w="12700" cap="flat">
+            <a:noFill/>
+            <a:miter lim="400000"/>
+          </a:ln>
+          <a:effectLst/>
+          <a:sp3d/>
+        </p:spPr>
+        <p:style>
+          <a:lnRef idx="0">
+            <a:scrgbClr r="0" g="0" b="0"/>
+          </a:lnRef>
+          <a:fillRef idx="0">
+            <a:scrgbClr r="0" g="0" b="0"/>
+          </a:fillRef>
+          <a:effectRef idx="0">
+            <a:scrgbClr r="0" g="0" b="0"/>
+          </a:effectRef>
+          <a:fontRef idx="none"/>
+        </p:style>
+        <p:txBody>
+          <a:bodyPr rot="0" spcFirstLastPara="1" vertOverflow="overflow" horzOverflow="overflow" vert="horz" wrap="square" lIns="45719" tIns="45719" rIns="45719" bIns="45719" numCol="1" spcCol="38100" rtlCol="0" anchor="t">
+            <a:spAutoFit/>
+          </a:bodyPr>
+          <a:lstStyle/>
+          <a:p>
+            <a:pPr lvl="8" indent="0" algn="ctr"/>
+            <a:r>
+              <a:rPr lang="pt-BR" sz="3000" dirty="0" err="1" smtClean="0">
+                <a:solidFill>
+                  <a:srgbClr val="666666"/>
+                </a:solidFill>
+              </a:rPr>
+              <a:t>What</a:t>
+            </a:r>
+            <a:r>
+              <a:rPr lang="pt-BR" sz="3000" dirty="0" smtClean="0">
+                <a:solidFill>
+                  <a:srgbClr val="666666"/>
+                </a:solidFill>
+              </a:rPr>
+              <a:t>?</a:t>
+            </a:r>
+          </a:p>
+          <a:p>
+            <a:pPr lvl="8" indent="0" algn="ctr">
+              <a:lnSpc>
+                <a:spcPct val="150000"/>
+              </a:lnSpc>
+            </a:pPr>
+            <a:r>
+              <a:rPr lang="pt-BR" sz="3000" dirty="0" err="1" smtClean="0">
+                <a:solidFill>
+                  <a:srgbClr val="666666"/>
+                </a:solidFill>
+              </a:rPr>
+              <a:t>Why</a:t>
+            </a:r>
+            <a:r>
+              <a:rPr lang="pt-BR" sz="3000" dirty="0" smtClean="0">
+                <a:solidFill>
+                  <a:srgbClr val="666666"/>
+                </a:solidFill>
+              </a:rPr>
+              <a:t>?</a:t>
+            </a:r>
+          </a:p>
+          <a:p>
+            <a:pPr lvl="8" indent="0" algn="ctr">
+              <a:lnSpc>
+                <a:spcPct val="150000"/>
+              </a:lnSpc>
+            </a:pPr>
+            <a:r>
+              <a:rPr lang="pt-BR" sz="3000" dirty="0" err="1" smtClean="0">
+                <a:solidFill>
+                  <a:srgbClr val="666666"/>
+                </a:solidFill>
+              </a:rPr>
+              <a:t>Where</a:t>
+            </a:r>
+            <a:r>
+              <a:rPr lang="pt-BR" sz="3000" dirty="0" smtClean="0">
+                <a:solidFill>
+                  <a:srgbClr val="666666"/>
+                </a:solidFill>
+              </a:rPr>
+              <a:t>?</a:t>
+            </a:r>
+          </a:p>
+          <a:p>
+            <a:pPr lvl="8" indent="0" algn="ctr">
+              <a:lnSpc>
+                <a:spcPct val="150000"/>
+              </a:lnSpc>
+            </a:pPr>
+            <a:r>
+              <a:rPr lang="pt-BR" sz="3000" dirty="0" err="1" smtClean="0">
+                <a:solidFill>
+                  <a:srgbClr val="666666"/>
+                </a:solidFill>
+              </a:rPr>
+              <a:t>When</a:t>
+            </a:r>
+            <a:r>
+              <a:rPr lang="pt-BR" sz="3000" dirty="0" smtClean="0">
+                <a:solidFill>
+                  <a:srgbClr val="666666"/>
+                </a:solidFill>
+              </a:rPr>
+              <a:t>?</a:t>
+            </a:r>
+            <a:r>
+              <a:rPr lang="pt-BR" sz="3000" dirty="0" smtClean="0">
+                <a:solidFill>
+                  <a:srgbClr val="666666"/>
+                </a:solidFill>
+              </a:rPr>
+              <a:t> </a:t>
+            </a:r>
+            <a:endParaRPr lang="pt-BR" sz="3000" dirty="0">
+              <a:solidFill>
+                <a:srgbClr val="666666"/>
+              </a:solidFill>
+            </a:endParaRPr>
           </a:p>
         </p:txBody>
       </p:sp>
@@ -3900,6 +4217,1028 @@
 </file>
 
 <file path=ppt/slides/slide10.xml><?xml version="1.0" encoding="utf-8"?>
+<p:sld xmlns:a="http://schemas.openxmlformats.org/drawingml/2006/main" xmlns:r="http://schemas.openxmlformats.org/officeDocument/2006/relationships" xmlns:p="http://schemas.openxmlformats.org/presentationml/2006/main">
+  <p:cSld>
+    <p:spTree>
+      <p:nvGrpSpPr>
+        <p:cNvPr id="1" name=""/>
+        <p:cNvGrpSpPr/>
+        <p:nvPr/>
+      </p:nvGrpSpPr>
+      <p:grpSpPr>
+        <a:xfrm>
+          <a:off x="0" y="0"/>
+          <a:ext cx="0" cy="0"/>
+          <a:chOff x="0" y="0"/>
+          <a:chExt cx="0" cy="0"/>
+        </a:xfrm>
+      </p:grpSpPr>
+      <p:sp>
+        <p:nvSpPr>
+          <p:cNvPr id="6" name="Shape 120"/>
+          <p:cNvSpPr txBox="1">
+            <a:spLocks/>
+          </p:cNvSpPr>
+          <p:nvPr/>
+        </p:nvSpPr>
+        <p:spPr>
+          <a:xfrm>
+            <a:off x="1915893" y="755374"/>
+            <a:ext cx="8229600" cy="1143001"/>
+          </a:xfrm>
+          <a:prstGeom prst="rect">
+            <a:avLst/>
+          </a:prstGeom>
+          <a:ln w="12700">
+            <a:miter lim="400000"/>
+          </a:ln>
+          <a:extLst>
+            <a:ext uri="{C572A759-6A51-4108-AA02-DFA0A04FC94B}">
+              <ma14:wrappingTextBoxFlag xmlns="" xmlns:ma14="http://schemas.microsoft.com/office/mac/drawingml/2011/main" val="1"/>
+            </a:ext>
+          </a:extLst>
+        </p:spPr>
+        <p:txBody>
+          <a:bodyPr lIns="45719" rIns="45719" anchor="ctr">
+            <a:normAutofit/>
+          </a:bodyPr>
+          <a:lstStyle>
+            <a:lvl1pPr marL="0" marR="0" indent="0" algn="ctr" defTabSz="914400" rtl="0" latinLnBrk="0">
+              <a:lnSpc>
+                <a:spcPct val="100000"/>
+              </a:lnSpc>
+              <a:spcBef>
+                <a:spcPts val="0"/>
+              </a:spcBef>
+              <a:spcAft>
+                <a:spcPts val="0"/>
+              </a:spcAft>
+              <a:buClrTx/>
+              <a:buSzTx/>
+              <a:buFontTx/>
+              <a:buNone/>
+              <a:tabLst/>
+              <a:defRPr sz="4400" b="0" i="0" u="none" strike="noStrike" cap="none" spc="0" baseline="0">
+                <a:ln>
+                  <a:noFill/>
+                </a:ln>
+                <a:solidFill>
+                  <a:srgbClr val="000000"/>
+                </a:solidFill>
+                <a:uFillTx/>
+                <a:latin typeface="+mn-lt"/>
+                <a:ea typeface="+mn-ea"/>
+                <a:cs typeface="+mn-cs"/>
+                <a:sym typeface="Calibri"/>
+              </a:defRPr>
+            </a:lvl1pPr>
+            <a:lvl2pPr marL="0" marR="0" indent="0" algn="ctr" defTabSz="914400" rtl="0" latinLnBrk="0">
+              <a:lnSpc>
+                <a:spcPct val="100000"/>
+              </a:lnSpc>
+              <a:spcBef>
+                <a:spcPts val="0"/>
+              </a:spcBef>
+              <a:spcAft>
+                <a:spcPts val="0"/>
+              </a:spcAft>
+              <a:buClrTx/>
+              <a:buSzTx/>
+              <a:buFontTx/>
+              <a:buNone/>
+              <a:tabLst/>
+              <a:defRPr sz="4400" b="0" i="0" u="none" strike="noStrike" cap="none" spc="0" baseline="0">
+                <a:ln>
+                  <a:noFill/>
+                </a:ln>
+                <a:solidFill>
+                  <a:srgbClr val="000000"/>
+                </a:solidFill>
+                <a:uFillTx/>
+                <a:latin typeface="+mn-lt"/>
+                <a:ea typeface="+mn-ea"/>
+                <a:cs typeface="+mn-cs"/>
+                <a:sym typeface="Calibri"/>
+              </a:defRPr>
+            </a:lvl2pPr>
+            <a:lvl3pPr marL="0" marR="0" indent="0" algn="ctr" defTabSz="914400" rtl="0" latinLnBrk="0">
+              <a:lnSpc>
+                <a:spcPct val="100000"/>
+              </a:lnSpc>
+              <a:spcBef>
+                <a:spcPts val="0"/>
+              </a:spcBef>
+              <a:spcAft>
+                <a:spcPts val="0"/>
+              </a:spcAft>
+              <a:buClrTx/>
+              <a:buSzTx/>
+              <a:buFontTx/>
+              <a:buNone/>
+              <a:tabLst/>
+              <a:defRPr sz="4400" b="0" i="0" u="none" strike="noStrike" cap="none" spc="0" baseline="0">
+                <a:ln>
+                  <a:noFill/>
+                </a:ln>
+                <a:solidFill>
+                  <a:srgbClr val="000000"/>
+                </a:solidFill>
+                <a:uFillTx/>
+                <a:latin typeface="+mn-lt"/>
+                <a:ea typeface="+mn-ea"/>
+                <a:cs typeface="+mn-cs"/>
+                <a:sym typeface="Calibri"/>
+              </a:defRPr>
+            </a:lvl3pPr>
+            <a:lvl4pPr marL="0" marR="0" indent="0" algn="ctr" defTabSz="914400" rtl="0" latinLnBrk="0">
+              <a:lnSpc>
+                <a:spcPct val="100000"/>
+              </a:lnSpc>
+              <a:spcBef>
+                <a:spcPts val="0"/>
+              </a:spcBef>
+              <a:spcAft>
+                <a:spcPts val="0"/>
+              </a:spcAft>
+              <a:buClrTx/>
+              <a:buSzTx/>
+              <a:buFontTx/>
+              <a:buNone/>
+              <a:tabLst/>
+              <a:defRPr sz="4400" b="0" i="0" u="none" strike="noStrike" cap="none" spc="0" baseline="0">
+                <a:ln>
+                  <a:noFill/>
+                </a:ln>
+                <a:solidFill>
+                  <a:srgbClr val="000000"/>
+                </a:solidFill>
+                <a:uFillTx/>
+                <a:latin typeface="+mn-lt"/>
+                <a:ea typeface="+mn-ea"/>
+                <a:cs typeface="+mn-cs"/>
+                <a:sym typeface="Calibri"/>
+              </a:defRPr>
+            </a:lvl4pPr>
+            <a:lvl5pPr marL="0" marR="0" indent="0" algn="ctr" defTabSz="914400" rtl="0" latinLnBrk="0">
+              <a:lnSpc>
+                <a:spcPct val="100000"/>
+              </a:lnSpc>
+              <a:spcBef>
+                <a:spcPts val="0"/>
+              </a:spcBef>
+              <a:spcAft>
+                <a:spcPts val="0"/>
+              </a:spcAft>
+              <a:buClrTx/>
+              <a:buSzTx/>
+              <a:buFontTx/>
+              <a:buNone/>
+              <a:tabLst/>
+              <a:defRPr sz="4400" b="0" i="0" u="none" strike="noStrike" cap="none" spc="0" baseline="0">
+                <a:ln>
+                  <a:noFill/>
+                </a:ln>
+                <a:solidFill>
+                  <a:srgbClr val="000000"/>
+                </a:solidFill>
+                <a:uFillTx/>
+                <a:latin typeface="+mn-lt"/>
+                <a:ea typeface="+mn-ea"/>
+                <a:cs typeface="+mn-cs"/>
+                <a:sym typeface="Calibri"/>
+              </a:defRPr>
+            </a:lvl5pPr>
+            <a:lvl6pPr marL="0" marR="0" indent="0" algn="ctr" defTabSz="914400" rtl="0" latinLnBrk="0">
+              <a:lnSpc>
+                <a:spcPct val="100000"/>
+              </a:lnSpc>
+              <a:spcBef>
+                <a:spcPts val="0"/>
+              </a:spcBef>
+              <a:spcAft>
+                <a:spcPts val="0"/>
+              </a:spcAft>
+              <a:buClrTx/>
+              <a:buSzTx/>
+              <a:buFontTx/>
+              <a:buNone/>
+              <a:tabLst/>
+              <a:defRPr sz="4400" b="0" i="0" u="none" strike="noStrike" cap="none" spc="0" baseline="0">
+                <a:ln>
+                  <a:noFill/>
+                </a:ln>
+                <a:solidFill>
+                  <a:srgbClr val="000000"/>
+                </a:solidFill>
+                <a:uFillTx/>
+                <a:latin typeface="+mn-lt"/>
+                <a:ea typeface="+mn-ea"/>
+                <a:cs typeface="+mn-cs"/>
+                <a:sym typeface="Calibri"/>
+              </a:defRPr>
+            </a:lvl6pPr>
+            <a:lvl7pPr marL="0" marR="0" indent="0" algn="ctr" defTabSz="914400" rtl="0" latinLnBrk="0">
+              <a:lnSpc>
+                <a:spcPct val="100000"/>
+              </a:lnSpc>
+              <a:spcBef>
+                <a:spcPts val="0"/>
+              </a:spcBef>
+              <a:spcAft>
+                <a:spcPts val="0"/>
+              </a:spcAft>
+              <a:buClrTx/>
+              <a:buSzTx/>
+              <a:buFontTx/>
+              <a:buNone/>
+              <a:tabLst/>
+              <a:defRPr sz="4400" b="0" i="0" u="none" strike="noStrike" cap="none" spc="0" baseline="0">
+                <a:ln>
+                  <a:noFill/>
+                </a:ln>
+                <a:solidFill>
+                  <a:srgbClr val="000000"/>
+                </a:solidFill>
+                <a:uFillTx/>
+                <a:latin typeface="+mn-lt"/>
+                <a:ea typeface="+mn-ea"/>
+                <a:cs typeface="+mn-cs"/>
+                <a:sym typeface="Calibri"/>
+              </a:defRPr>
+            </a:lvl7pPr>
+            <a:lvl8pPr marL="0" marR="0" indent="0" algn="ctr" defTabSz="914400" rtl="0" latinLnBrk="0">
+              <a:lnSpc>
+                <a:spcPct val="100000"/>
+              </a:lnSpc>
+              <a:spcBef>
+                <a:spcPts val="0"/>
+              </a:spcBef>
+              <a:spcAft>
+                <a:spcPts val="0"/>
+              </a:spcAft>
+              <a:buClrTx/>
+              <a:buSzTx/>
+              <a:buFontTx/>
+              <a:buNone/>
+              <a:tabLst/>
+              <a:defRPr sz="4400" b="0" i="0" u="none" strike="noStrike" cap="none" spc="0" baseline="0">
+                <a:ln>
+                  <a:noFill/>
+                </a:ln>
+                <a:solidFill>
+                  <a:srgbClr val="000000"/>
+                </a:solidFill>
+                <a:uFillTx/>
+                <a:latin typeface="+mn-lt"/>
+                <a:ea typeface="+mn-ea"/>
+                <a:cs typeface="+mn-cs"/>
+                <a:sym typeface="Calibri"/>
+              </a:defRPr>
+            </a:lvl8pPr>
+            <a:lvl9pPr marL="0" marR="0" indent="0" algn="ctr" defTabSz="914400" rtl="0" latinLnBrk="0">
+              <a:lnSpc>
+                <a:spcPct val="100000"/>
+              </a:lnSpc>
+              <a:spcBef>
+                <a:spcPts val="0"/>
+              </a:spcBef>
+              <a:spcAft>
+                <a:spcPts val="0"/>
+              </a:spcAft>
+              <a:buClrTx/>
+              <a:buSzTx/>
+              <a:buFontTx/>
+              <a:buNone/>
+              <a:tabLst/>
+              <a:defRPr sz="4400" b="0" i="0" u="none" strike="noStrike" cap="none" spc="0" baseline="0">
+                <a:ln>
+                  <a:noFill/>
+                </a:ln>
+                <a:solidFill>
+                  <a:srgbClr val="000000"/>
+                </a:solidFill>
+                <a:uFillTx/>
+                <a:latin typeface="+mn-lt"/>
+                <a:ea typeface="+mn-ea"/>
+                <a:cs typeface="+mn-cs"/>
+                <a:sym typeface="Calibri"/>
+              </a:defRPr>
+            </a:lvl9pPr>
+          </a:lstStyle>
+          <a:p>
+            <a:pPr hangingPunct="1">
+              <a:defRPr sz="2800" b="1">
+                <a:solidFill>
+                  <a:srgbClr val="11A79D"/>
+                </a:solidFill>
+              </a:defRPr>
+            </a:pPr>
+            <a:r>
+              <a:rPr lang="pt-BR" sz="5400" b="1" dirty="0" smtClean="0">
+                <a:solidFill>
+                  <a:schemeClr val="bg1">
+                    <a:lumMod val="95000"/>
+                  </a:schemeClr>
+                </a:solidFill>
+              </a:rPr>
+              <a:t>S</a:t>
+            </a:r>
+            <a:r>
+              <a:rPr lang="pt-BR" sz="5400" b="1" dirty="0">
+                <a:solidFill>
+                  <a:srgbClr val="11A79D"/>
+                </a:solidFill>
+              </a:rPr>
+              <a:t>O</a:t>
+            </a:r>
+            <a:r>
+              <a:rPr lang="pt-BR" sz="5400" b="1" dirty="0" smtClean="0">
+                <a:solidFill>
+                  <a:schemeClr val="bg1">
+                    <a:lumMod val="95000"/>
+                  </a:schemeClr>
+                </a:solidFill>
+              </a:rPr>
+              <a:t>LID</a:t>
+            </a:r>
+            <a:endParaRPr lang="pt-BR" sz="5400" b="1" dirty="0">
+              <a:solidFill>
+                <a:schemeClr val="bg1">
+                  <a:lumMod val="95000"/>
+                </a:schemeClr>
+              </a:solidFill>
+            </a:endParaRPr>
+          </a:p>
+        </p:txBody>
+      </p:sp>
+      <p:pic>
+        <p:nvPicPr>
+          <p:cNvPr id="4" name="Imagem 3"/>
+          <p:cNvPicPr>
+            <a:picLocks noChangeAspect="1"/>
+          </p:cNvPicPr>
+          <p:nvPr/>
+        </p:nvPicPr>
+        <p:blipFill>
+          <a:blip r:embed="rId3"/>
+          <a:stretch>
+            <a:fillRect/>
+          </a:stretch>
+        </p:blipFill>
+        <p:spPr>
+          <a:xfrm>
+            <a:off x="2530255" y="1983435"/>
+            <a:ext cx="7000875" cy="4038600"/>
+          </a:xfrm>
+          <a:prstGeom prst="rect">
+            <a:avLst/>
+          </a:prstGeom>
+        </p:spPr>
+      </p:pic>
+    </p:spTree>
+    <p:extLst>
+      <p:ext uri="{BB962C8B-B14F-4D97-AF65-F5344CB8AC3E}">
+        <p14:creationId xmlns:p14="http://schemas.microsoft.com/office/powerpoint/2010/main" val="246121727"/>
+      </p:ext>
+    </p:extLst>
+  </p:cSld>
+  <p:clrMapOvr>
+    <a:masterClrMapping/>
+  </p:clrMapOvr>
+  <mc:AlternateContent xmlns:mc="http://schemas.openxmlformats.org/markup-compatibility/2006" xmlns:p14="http://schemas.microsoft.com/office/powerpoint/2010/main">
+    <mc:Choice Requires="p14">
+      <p:transition spd="med" p14:dur="700">
+        <p:fade/>
+      </p:transition>
+    </mc:Choice>
+    <mc:Fallback xmlns="">
+      <p:transition spd="med">
+        <p:fade/>
+      </p:transition>
+    </mc:Fallback>
+  </mc:AlternateContent>
+  <p:timing>
+    <p:tnLst>
+      <p:par>
+        <p:cTn id="1" dur="indefinite" restart="never" nodeType="tmRoot"/>
+      </p:par>
+    </p:tnLst>
+  </p:timing>
+</p:sld>
+</file>
+
+<file path=ppt/slides/slide11.xml><?xml version="1.0" encoding="utf-8"?>
+<p:sld xmlns:a="http://schemas.openxmlformats.org/drawingml/2006/main" xmlns:r="http://schemas.openxmlformats.org/officeDocument/2006/relationships" xmlns:p="http://schemas.openxmlformats.org/presentationml/2006/main">
+  <p:cSld>
+    <p:spTree>
+      <p:nvGrpSpPr>
+        <p:cNvPr id="1" name=""/>
+        <p:cNvGrpSpPr/>
+        <p:nvPr/>
+      </p:nvGrpSpPr>
+      <p:grpSpPr>
+        <a:xfrm>
+          <a:off x="0" y="0"/>
+          <a:ext cx="0" cy="0"/>
+          <a:chOff x="0" y="0"/>
+          <a:chExt cx="0" cy="0"/>
+        </a:xfrm>
+      </p:grpSpPr>
+      <p:sp>
+        <p:nvSpPr>
+          <p:cNvPr id="2" name="CaixaDeTexto 1"/>
+          <p:cNvSpPr txBox="1"/>
+          <p:nvPr/>
+        </p:nvSpPr>
+        <p:spPr>
+          <a:xfrm>
+            <a:off x="1752317" y="2345181"/>
+            <a:ext cx="8556751" cy="2169823"/>
+          </a:xfrm>
+          <a:prstGeom prst="rect">
+            <a:avLst/>
+          </a:prstGeom>
+          <a:noFill/>
+          <a:ln w="12700" cap="flat">
+            <a:noFill/>
+            <a:miter lim="400000"/>
+          </a:ln>
+          <a:effectLst/>
+          <a:sp3d/>
+        </p:spPr>
+        <p:style>
+          <a:lnRef idx="0">
+            <a:scrgbClr r="0" g="0" b="0"/>
+          </a:lnRef>
+          <a:fillRef idx="0">
+            <a:scrgbClr r="0" g="0" b="0"/>
+          </a:fillRef>
+          <a:effectRef idx="0">
+            <a:scrgbClr r="0" g="0" b="0"/>
+          </a:effectRef>
+          <a:fontRef idx="none"/>
+        </p:style>
+        <p:txBody>
+          <a:bodyPr rot="0" spcFirstLastPara="1" vertOverflow="overflow" horzOverflow="overflow" vert="horz" wrap="square" lIns="45719" tIns="45719" rIns="45719" bIns="45719" numCol="1" spcCol="38100" rtlCol="0" anchor="t">
+            <a:spAutoFit/>
+          </a:bodyPr>
+          <a:lstStyle/>
+          <a:p>
+            <a:pPr lvl="8" indent="0" algn="just">
+              <a:lnSpc>
+                <a:spcPct val="150000"/>
+              </a:lnSpc>
+            </a:pPr>
+            <a:r>
+              <a:rPr lang="pt-BR" dirty="0" err="1" smtClean="0">
+                <a:solidFill>
+                  <a:srgbClr val="666666"/>
+                </a:solidFill>
+              </a:rPr>
+              <a:t>Liskov</a:t>
+            </a:r>
+            <a:r>
+              <a:rPr lang="pt-BR" dirty="0" smtClean="0">
+                <a:solidFill>
+                  <a:srgbClr val="666666"/>
+                </a:solidFill>
+              </a:rPr>
+              <a:t> </a:t>
+            </a:r>
+            <a:r>
+              <a:rPr lang="pt-BR" dirty="0" err="1">
+                <a:solidFill>
+                  <a:srgbClr val="666666"/>
+                </a:solidFill>
+              </a:rPr>
+              <a:t>Substitution</a:t>
+            </a:r>
+            <a:r>
+              <a:rPr lang="pt-BR" dirty="0">
+                <a:solidFill>
+                  <a:srgbClr val="666666"/>
+                </a:solidFill>
+              </a:rPr>
+              <a:t> </a:t>
+            </a:r>
+            <a:r>
+              <a:rPr lang="pt-BR" dirty="0" err="1" smtClean="0">
+                <a:solidFill>
+                  <a:srgbClr val="666666"/>
+                </a:solidFill>
+              </a:rPr>
+              <a:t>Principle</a:t>
+            </a:r>
+            <a:r>
+              <a:rPr lang="pt-BR" dirty="0" smtClean="0">
+                <a:solidFill>
+                  <a:srgbClr val="666666"/>
+                </a:solidFill>
+              </a:rPr>
+              <a:t>, também conhecido como </a:t>
+            </a:r>
+            <a:r>
+              <a:rPr lang="pt-BR" b="1" u="sng" dirty="0" smtClean="0">
+                <a:solidFill>
+                  <a:srgbClr val="666666"/>
+                </a:solidFill>
+              </a:rPr>
+              <a:t>Princípio </a:t>
+            </a:r>
+            <a:r>
+              <a:rPr lang="pt-BR" b="1" u="sng" dirty="0">
+                <a:solidFill>
+                  <a:srgbClr val="666666"/>
+                </a:solidFill>
+              </a:rPr>
+              <a:t>da Substituição de </a:t>
+            </a:r>
+            <a:r>
+              <a:rPr lang="pt-BR" b="1" u="sng" dirty="0" err="1" smtClean="0">
+                <a:solidFill>
+                  <a:srgbClr val="666666"/>
+                </a:solidFill>
+              </a:rPr>
+              <a:t>Liskov</a:t>
+            </a:r>
+            <a:r>
+              <a:rPr lang="pt-BR" dirty="0">
+                <a:solidFill>
+                  <a:srgbClr val="666666"/>
+                </a:solidFill>
+              </a:rPr>
+              <a:t>. </a:t>
+            </a:r>
+            <a:endParaRPr lang="pt-BR" dirty="0" smtClean="0">
+              <a:solidFill>
+                <a:srgbClr val="666666"/>
+              </a:solidFill>
+            </a:endParaRPr>
+          </a:p>
+          <a:p>
+            <a:pPr lvl="8" indent="0" algn="just">
+              <a:lnSpc>
+                <a:spcPct val="150000"/>
+              </a:lnSpc>
+            </a:pPr>
+            <a:endParaRPr lang="pt-BR" b="1" dirty="0">
+              <a:solidFill>
+                <a:srgbClr val="666666"/>
+              </a:solidFill>
+            </a:endParaRPr>
+          </a:p>
+          <a:p>
+            <a:pPr lvl="8" indent="0" algn="just">
+              <a:lnSpc>
+                <a:spcPct val="150000"/>
+              </a:lnSpc>
+            </a:pPr>
+            <a:r>
+              <a:rPr lang="pt-BR" b="1" dirty="0" smtClean="0">
+                <a:solidFill>
+                  <a:srgbClr val="666666"/>
+                </a:solidFill>
+              </a:rPr>
+              <a:t>Subtipos </a:t>
+            </a:r>
+            <a:r>
+              <a:rPr lang="pt-BR" b="1" dirty="0">
+                <a:solidFill>
+                  <a:srgbClr val="666666"/>
+                </a:solidFill>
+              </a:rPr>
+              <a:t>devem </a:t>
+            </a:r>
+            <a:r>
+              <a:rPr lang="pt-BR" b="1" dirty="0" smtClean="0">
+                <a:solidFill>
+                  <a:srgbClr val="666666"/>
+                </a:solidFill>
+              </a:rPr>
+              <a:t>ser </a:t>
+            </a:r>
+            <a:r>
+              <a:rPr lang="pt-BR" b="1" dirty="0">
+                <a:solidFill>
+                  <a:srgbClr val="666666"/>
+                </a:solidFill>
+              </a:rPr>
+              <a:t>substituíveis pelos seus tipos de </a:t>
+            </a:r>
+            <a:r>
+              <a:rPr lang="pt-BR" b="1" dirty="0" smtClean="0">
+                <a:solidFill>
+                  <a:srgbClr val="666666"/>
+                </a:solidFill>
+              </a:rPr>
+              <a:t>base</a:t>
+            </a:r>
+            <a:r>
+              <a:rPr lang="pt-BR" dirty="0" smtClean="0">
+                <a:solidFill>
+                  <a:srgbClr val="666666"/>
+                </a:solidFill>
+              </a:rPr>
+              <a:t>, resumindo</a:t>
+            </a:r>
+            <a:r>
+              <a:rPr lang="pt-BR" dirty="0">
+                <a:solidFill>
+                  <a:srgbClr val="666666"/>
+                </a:solidFill>
+              </a:rPr>
+              <a:t>, quando temos uma classe B e classe C que estende da classe A, deveríamos poder trocar a classe B </a:t>
+            </a:r>
+            <a:r>
+              <a:rPr lang="pt-BR" dirty="0" smtClean="0">
+                <a:solidFill>
+                  <a:srgbClr val="666666"/>
+                </a:solidFill>
+              </a:rPr>
+              <a:t>pela </a:t>
+            </a:r>
+            <a:r>
+              <a:rPr lang="pt-BR" dirty="0">
+                <a:solidFill>
+                  <a:srgbClr val="666666"/>
+                </a:solidFill>
+              </a:rPr>
+              <a:t>classe A, ou pela classe C dentro do projeto sem quebrar o código.. </a:t>
+            </a:r>
+          </a:p>
+        </p:txBody>
+      </p:sp>
+      <p:sp>
+        <p:nvSpPr>
+          <p:cNvPr id="6" name="Shape 120"/>
+          <p:cNvSpPr txBox="1">
+            <a:spLocks/>
+          </p:cNvSpPr>
+          <p:nvPr/>
+        </p:nvSpPr>
+        <p:spPr>
+          <a:xfrm>
+            <a:off x="1915893" y="755374"/>
+            <a:ext cx="8229600" cy="1143001"/>
+          </a:xfrm>
+          <a:prstGeom prst="rect">
+            <a:avLst/>
+          </a:prstGeom>
+          <a:ln w="12700">
+            <a:miter lim="400000"/>
+          </a:ln>
+          <a:extLst>
+            <a:ext uri="{C572A759-6A51-4108-AA02-DFA0A04FC94B}">
+              <ma14:wrappingTextBoxFlag xmlns="" xmlns:ma14="http://schemas.microsoft.com/office/mac/drawingml/2011/main" val="1"/>
+            </a:ext>
+          </a:extLst>
+        </p:spPr>
+        <p:txBody>
+          <a:bodyPr lIns="45719" rIns="45719" anchor="ctr">
+            <a:normAutofit/>
+          </a:bodyPr>
+          <a:lstStyle>
+            <a:lvl1pPr marL="0" marR="0" indent="0" algn="ctr" defTabSz="914400" rtl="0" latinLnBrk="0">
+              <a:lnSpc>
+                <a:spcPct val="100000"/>
+              </a:lnSpc>
+              <a:spcBef>
+                <a:spcPts val="0"/>
+              </a:spcBef>
+              <a:spcAft>
+                <a:spcPts val="0"/>
+              </a:spcAft>
+              <a:buClrTx/>
+              <a:buSzTx/>
+              <a:buFontTx/>
+              <a:buNone/>
+              <a:tabLst/>
+              <a:defRPr sz="4400" b="0" i="0" u="none" strike="noStrike" cap="none" spc="0" baseline="0">
+                <a:ln>
+                  <a:noFill/>
+                </a:ln>
+                <a:solidFill>
+                  <a:srgbClr val="000000"/>
+                </a:solidFill>
+                <a:uFillTx/>
+                <a:latin typeface="+mn-lt"/>
+                <a:ea typeface="+mn-ea"/>
+                <a:cs typeface="+mn-cs"/>
+                <a:sym typeface="Calibri"/>
+              </a:defRPr>
+            </a:lvl1pPr>
+            <a:lvl2pPr marL="0" marR="0" indent="0" algn="ctr" defTabSz="914400" rtl="0" latinLnBrk="0">
+              <a:lnSpc>
+                <a:spcPct val="100000"/>
+              </a:lnSpc>
+              <a:spcBef>
+                <a:spcPts val="0"/>
+              </a:spcBef>
+              <a:spcAft>
+                <a:spcPts val="0"/>
+              </a:spcAft>
+              <a:buClrTx/>
+              <a:buSzTx/>
+              <a:buFontTx/>
+              <a:buNone/>
+              <a:tabLst/>
+              <a:defRPr sz="4400" b="0" i="0" u="none" strike="noStrike" cap="none" spc="0" baseline="0">
+                <a:ln>
+                  <a:noFill/>
+                </a:ln>
+                <a:solidFill>
+                  <a:srgbClr val="000000"/>
+                </a:solidFill>
+                <a:uFillTx/>
+                <a:latin typeface="+mn-lt"/>
+                <a:ea typeface="+mn-ea"/>
+                <a:cs typeface="+mn-cs"/>
+                <a:sym typeface="Calibri"/>
+              </a:defRPr>
+            </a:lvl2pPr>
+            <a:lvl3pPr marL="0" marR="0" indent="0" algn="ctr" defTabSz="914400" rtl="0" latinLnBrk="0">
+              <a:lnSpc>
+                <a:spcPct val="100000"/>
+              </a:lnSpc>
+              <a:spcBef>
+                <a:spcPts val="0"/>
+              </a:spcBef>
+              <a:spcAft>
+                <a:spcPts val="0"/>
+              </a:spcAft>
+              <a:buClrTx/>
+              <a:buSzTx/>
+              <a:buFontTx/>
+              <a:buNone/>
+              <a:tabLst/>
+              <a:defRPr sz="4400" b="0" i="0" u="none" strike="noStrike" cap="none" spc="0" baseline="0">
+                <a:ln>
+                  <a:noFill/>
+                </a:ln>
+                <a:solidFill>
+                  <a:srgbClr val="000000"/>
+                </a:solidFill>
+                <a:uFillTx/>
+                <a:latin typeface="+mn-lt"/>
+                <a:ea typeface="+mn-ea"/>
+                <a:cs typeface="+mn-cs"/>
+                <a:sym typeface="Calibri"/>
+              </a:defRPr>
+            </a:lvl3pPr>
+            <a:lvl4pPr marL="0" marR="0" indent="0" algn="ctr" defTabSz="914400" rtl="0" latinLnBrk="0">
+              <a:lnSpc>
+                <a:spcPct val="100000"/>
+              </a:lnSpc>
+              <a:spcBef>
+                <a:spcPts val="0"/>
+              </a:spcBef>
+              <a:spcAft>
+                <a:spcPts val="0"/>
+              </a:spcAft>
+              <a:buClrTx/>
+              <a:buSzTx/>
+              <a:buFontTx/>
+              <a:buNone/>
+              <a:tabLst/>
+              <a:defRPr sz="4400" b="0" i="0" u="none" strike="noStrike" cap="none" spc="0" baseline="0">
+                <a:ln>
+                  <a:noFill/>
+                </a:ln>
+                <a:solidFill>
+                  <a:srgbClr val="000000"/>
+                </a:solidFill>
+                <a:uFillTx/>
+                <a:latin typeface="+mn-lt"/>
+                <a:ea typeface="+mn-ea"/>
+                <a:cs typeface="+mn-cs"/>
+                <a:sym typeface="Calibri"/>
+              </a:defRPr>
+            </a:lvl4pPr>
+            <a:lvl5pPr marL="0" marR="0" indent="0" algn="ctr" defTabSz="914400" rtl="0" latinLnBrk="0">
+              <a:lnSpc>
+                <a:spcPct val="100000"/>
+              </a:lnSpc>
+              <a:spcBef>
+                <a:spcPts val="0"/>
+              </a:spcBef>
+              <a:spcAft>
+                <a:spcPts val="0"/>
+              </a:spcAft>
+              <a:buClrTx/>
+              <a:buSzTx/>
+              <a:buFontTx/>
+              <a:buNone/>
+              <a:tabLst/>
+              <a:defRPr sz="4400" b="0" i="0" u="none" strike="noStrike" cap="none" spc="0" baseline="0">
+                <a:ln>
+                  <a:noFill/>
+                </a:ln>
+                <a:solidFill>
+                  <a:srgbClr val="000000"/>
+                </a:solidFill>
+                <a:uFillTx/>
+                <a:latin typeface="+mn-lt"/>
+                <a:ea typeface="+mn-ea"/>
+                <a:cs typeface="+mn-cs"/>
+                <a:sym typeface="Calibri"/>
+              </a:defRPr>
+            </a:lvl5pPr>
+            <a:lvl6pPr marL="0" marR="0" indent="0" algn="ctr" defTabSz="914400" rtl="0" latinLnBrk="0">
+              <a:lnSpc>
+                <a:spcPct val="100000"/>
+              </a:lnSpc>
+              <a:spcBef>
+                <a:spcPts val="0"/>
+              </a:spcBef>
+              <a:spcAft>
+                <a:spcPts val="0"/>
+              </a:spcAft>
+              <a:buClrTx/>
+              <a:buSzTx/>
+              <a:buFontTx/>
+              <a:buNone/>
+              <a:tabLst/>
+              <a:defRPr sz="4400" b="0" i="0" u="none" strike="noStrike" cap="none" spc="0" baseline="0">
+                <a:ln>
+                  <a:noFill/>
+                </a:ln>
+                <a:solidFill>
+                  <a:srgbClr val="000000"/>
+                </a:solidFill>
+                <a:uFillTx/>
+                <a:latin typeface="+mn-lt"/>
+                <a:ea typeface="+mn-ea"/>
+                <a:cs typeface="+mn-cs"/>
+                <a:sym typeface="Calibri"/>
+              </a:defRPr>
+            </a:lvl6pPr>
+            <a:lvl7pPr marL="0" marR="0" indent="0" algn="ctr" defTabSz="914400" rtl="0" latinLnBrk="0">
+              <a:lnSpc>
+                <a:spcPct val="100000"/>
+              </a:lnSpc>
+              <a:spcBef>
+                <a:spcPts val="0"/>
+              </a:spcBef>
+              <a:spcAft>
+                <a:spcPts val="0"/>
+              </a:spcAft>
+              <a:buClrTx/>
+              <a:buSzTx/>
+              <a:buFontTx/>
+              <a:buNone/>
+              <a:tabLst/>
+              <a:defRPr sz="4400" b="0" i="0" u="none" strike="noStrike" cap="none" spc="0" baseline="0">
+                <a:ln>
+                  <a:noFill/>
+                </a:ln>
+                <a:solidFill>
+                  <a:srgbClr val="000000"/>
+                </a:solidFill>
+                <a:uFillTx/>
+                <a:latin typeface="+mn-lt"/>
+                <a:ea typeface="+mn-ea"/>
+                <a:cs typeface="+mn-cs"/>
+                <a:sym typeface="Calibri"/>
+              </a:defRPr>
+            </a:lvl7pPr>
+            <a:lvl8pPr marL="0" marR="0" indent="0" algn="ctr" defTabSz="914400" rtl="0" latinLnBrk="0">
+              <a:lnSpc>
+                <a:spcPct val="100000"/>
+              </a:lnSpc>
+              <a:spcBef>
+                <a:spcPts val="0"/>
+              </a:spcBef>
+              <a:spcAft>
+                <a:spcPts val="0"/>
+              </a:spcAft>
+              <a:buClrTx/>
+              <a:buSzTx/>
+              <a:buFontTx/>
+              <a:buNone/>
+              <a:tabLst/>
+              <a:defRPr sz="4400" b="0" i="0" u="none" strike="noStrike" cap="none" spc="0" baseline="0">
+                <a:ln>
+                  <a:noFill/>
+                </a:ln>
+                <a:solidFill>
+                  <a:srgbClr val="000000"/>
+                </a:solidFill>
+                <a:uFillTx/>
+                <a:latin typeface="+mn-lt"/>
+                <a:ea typeface="+mn-ea"/>
+                <a:cs typeface="+mn-cs"/>
+                <a:sym typeface="Calibri"/>
+              </a:defRPr>
+            </a:lvl8pPr>
+            <a:lvl9pPr marL="0" marR="0" indent="0" algn="ctr" defTabSz="914400" rtl="0" latinLnBrk="0">
+              <a:lnSpc>
+                <a:spcPct val="100000"/>
+              </a:lnSpc>
+              <a:spcBef>
+                <a:spcPts val="0"/>
+              </a:spcBef>
+              <a:spcAft>
+                <a:spcPts val="0"/>
+              </a:spcAft>
+              <a:buClrTx/>
+              <a:buSzTx/>
+              <a:buFontTx/>
+              <a:buNone/>
+              <a:tabLst/>
+              <a:defRPr sz="4400" b="0" i="0" u="none" strike="noStrike" cap="none" spc="0" baseline="0">
+                <a:ln>
+                  <a:noFill/>
+                </a:ln>
+                <a:solidFill>
+                  <a:srgbClr val="000000"/>
+                </a:solidFill>
+                <a:uFillTx/>
+                <a:latin typeface="+mn-lt"/>
+                <a:ea typeface="+mn-ea"/>
+                <a:cs typeface="+mn-cs"/>
+                <a:sym typeface="Calibri"/>
+              </a:defRPr>
+            </a:lvl9pPr>
+          </a:lstStyle>
+          <a:p>
+            <a:pPr hangingPunct="1">
+              <a:defRPr sz="2800" b="1">
+                <a:solidFill>
+                  <a:srgbClr val="11A79D"/>
+                </a:solidFill>
+              </a:defRPr>
+            </a:pPr>
+            <a:r>
+              <a:rPr lang="pt-BR" sz="5400" b="1" dirty="0" smtClean="0">
+                <a:solidFill>
+                  <a:schemeClr val="bg1">
+                    <a:lumMod val="95000"/>
+                  </a:schemeClr>
+                </a:solidFill>
+              </a:rPr>
+              <a:t>SO</a:t>
+            </a:r>
+            <a:r>
+              <a:rPr lang="pt-BR" sz="5400" b="1" dirty="0">
+                <a:solidFill>
+                  <a:srgbClr val="11A79D"/>
+                </a:solidFill>
+              </a:rPr>
+              <a:t>L</a:t>
+            </a:r>
+            <a:r>
+              <a:rPr lang="pt-BR" sz="5400" b="1" dirty="0" smtClean="0">
+                <a:solidFill>
+                  <a:schemeClr val="bg1">
+                    <a:lumMod val="95000"/>
+                  </a:schemeClr>
+                </a:solidFill>
+              </a:rPr>
+              <a:t>ID</a:t>
+            </a:r>
+            <a:endParaRPr lang="pt-BR" sz="5400" b="1" dirty="0">
+              <a:solidFill>
+                <a:schemeClr val="bg1">
+                  <a:lumMod val="95000"/>
+                </a:schemeClr>
+              </a:solidFill>
+            </a:endParaRPr>
+          </a:p>
+        </p:txBody>
+      </p:sp>
+    </p:spTree>
+    <p:extLst>
+      <p:ext uri="{BB962C8B-B14F-4D97-AF65-F5344CB8AC3E}">
+        <p14:creationId xmlns:p14="http://schemas.microsoft.com/office/powerpoint/2010/main" val="1510939725"/>
+      </p:ext>
+    </p:extLst>
+  </p:cSld>
+  <p:clrMapOvr>
+    <a:masterClrMapping/>
+  </p:clrMapOvr>
+  <mc:AlternateContent xmlns:mc="http://schemas.openxmlformats.org/markup-compatibility/2006" xmlns:p14="http://schemas.microsoft.com/office/powerpoint/2010/main">
+    <mc:Choice Requires="p14">
+      <p:transition spd="med" p14:dur="700">
+        <p:fade/>
+      </p:transition>
+    </mc:Choice>
+    <mc:Fallback xmlns="">
+      <p:transition spd="med">
+        <p:fade/>
+      </p:transition>
+    </mc:Fallback>
+  </mc:AlternateContent>
+  <p:timing>
+    <p:tnLst>
+      <p:par>
+        <p:cTn id="1" dur="indefinite" restart="never" nodeType="tmRoot"/>
+      </p:par>
+    </p:tnLst>
+  </p:timing>
+</p:sld>
+</file>
+
+<file path=ppt/slides/slide12.xml><?xml version="1.0" encoding="utf-8"?>
 <p:sld xmlns:a="http://schemas.openxmlformats.org/drawingml/2006/main" xmlns:r="http://schemas.openxmlformats.org/officeDocument/2006/relationships" xmlns:p="http://schemas.openxmlformats.org/presentationml/2006/main">
   <p:cSld>
     <p:spTree>
@@ -4057,7 +5396,7 @@
           </a:ln>
           <a:extLst>
             <a:ext uri="{C572A759-6A51-4108-AA02-DFA0A04FC94B}">
-              <ma14:wrappingTextBoxFlag xmlns:ma14="http://schemas.microsoft.com/office/mac/drawingml/2011/main" xmlns="" val="1"/>
+              <ma14:wrappingTextBoxFlag xmlns="" xmlns:ma14="http://schemas.microsoft.com/office/mac/drawingml/2011/main" val="1"/>
             </a:ext>
           </a:extLst>
         </p:spPr>
@@ -4430,7 +5769,7 @@
 </p:sld>
 </file>
 
-<file path=ppt/slides/slide11.xml><?xml version="1.0" encoding="utf-8"?>
+<file path=ppt/slides/slide13.xml><?xml version="1.0" encoding="utf-8"?>
 <p:sld xmlns:a="http://schemas.openxmlformats.org/drawingml/2006/main" xmlns:r="http://schemas.openxmlformats.org/officeDocument/2006/relationships" xmlns:p="http://schemas.openxmlformats.org/presentationml/2006/main">
   <p:cSld>
     <p:spTree>
@@ -4644,7 +5983,7 @@
           </a:ln>
           <a:extLst>
             <a:ext uri="{C572A759-6A51-4108-AA02-DFA0A04FC94B}">
-              <ma14:wrappingTextBoxFlag xmlns:ma14="http://schemas.microsoft.com/office/mac/drawingml/2011/main" xmlns="" val="1"/>
+              <ma14:wrappingTextBoxFlag xmlns="" xmlns:ma14="http://schemas.microsoft.com/office/mac/drawingml/2011/main" val="1"/>
             </a:ext>
           </a:extLst>
         </p:spPr>
@@ -4993,7 +6332,7 @@
 </p:sld>
 </file>
 
-<file path=ppt/slides/slide12.xml><?xml version="1.0" encoding="utf-8"?>
+<file path=ppt/slides/slide14.xml><?xml version="1.0" encoding="utf-8"?>
 <p:sld xmlns:a="http://schemas.openxmlformats.org/drawingml/2006/main" xmlns:r="http://schemas.openxmlformats.org/officeDocument/2006/relationships" xmlns:p="http://schemas.openxmlformats.org/presentationml/2006/main">
   <p:cSld>
     <p:spTree>
@@ -5031,7 +6370,7 @@
           </a:ln>
           <a:extLst>
             <a:ext uri="{C572A759-6A51-4108-AA02-DFA0A04FC94B}">
-              <ma14:wrappingTextBoxFlag xmlns:ma14="http://schemas.microsoft.com/office/mac/drawingml/2011/main" xmlns="" val="1"/>
+              <ma14:wrappingTextBoxFlag xmlns="" xmlns:ma14="http://schemas.microsoft.com/office/mac/drawingml/2011/main" val="1"/>
             </a:ext>
           </a:extLst>
         </p:spPr>
@@ -5404,7 +6743,7 @@
 </p:sld>
 </file>
 
-<file path=ppt/slides/slide13.xml><?xml version="1.0" encoding="utf-8"?>
+<file path=ppt/slides/slide15.xml><?xml version="1.0" encoding="utf-8"?>
 <p:sld xmlns:a="http://schemas.openxmlformats.org/drawingml/2006/main" xmlns:r="http://schemas.openxmlformats.org/officeDocument/2006/relationships" xmlns:p="http://schemas.openxmlformats.org/presentationml/2006/main">
   <p:cSld>
     <p:spTree>
@@ -5442,7 +6781,7 @@
           </a:ln>
           <a:extLst>
             <a:ext uri="{C572A759-6A51-4108-AA02-DFA0A04FC94B}">
-              <ma14:wrappingTextBoxFlag xmlns:ma14="http://schemas.microsoft.com/office/mac/drawingml/2011/main" xmlns="" val="1"/>
+              <ma14:wrappingTextBoxFlag xmlns="" xmlns:ma14="http://schemas.microsoft.com/office/mac/drawingml/2011/main" val="1"/>
             </a:ext>
           </a:extLst>
         </p:spPr>
@@ -5815,7 +7154,7 @@
 </p:sld>
 </file>
 
-<file path=ppt/slides/slide14.xml><?xml version="1.0" encoding="utf-8"?>
+<file path=ppt/slides/slide16.xml><?xml version="1.0" encoding="utf-8"?>
 <p:sld xmlns:a="http://schemas.openxmlformats.org/drawingml/2006/main" xmlns:r="http://schemas.openxmlformats.org/officeDocument/2006/relationships" xmlns:p="http://schemas.openxmlformats.org/presentationml/2006/main">
   <p:cSld>
     <p:spTree>
@@ -6043,7 +7382,7 @@
           </a:ln>
           <a:extLst>
             <a:ext uri="{C572A759-6A51-4108-AA02-DFA0A04FC94B}">
-              <ma14:wrappingTextBoxFlag xmlns:ma14="http://schemas.microsoft.com/office/mac/drawingml/2011/main" xmlns="" val="1"/>
+              <ma14:wrappingTextBoxFlag xmlns="" xmlns:ma14="http://schemas.microsoft.com/office/mac/drawingml/2011/main" val="1"/>
             </a:ext>
           </a:extLst>
         </p:spPr>
@@ -6380,7 +7719,7 @@
 </p:sld>
 </file>
 
-<file path=ppt/slides/slide15.xml><?xml version="1.0" encoding="utf-8"?>
+<file path=ppt/slides/slide17.xml><?xml version="1.0" encoding="utf-8"?>
 <p:sld xmlns:a="http://schemas.openxmlformats.org/drawingml/2006/main" xmlns:r="http://schemas.openxmlformats.org/officeDocument/2006/relationships" xmlns:p="http://schemas.openxmlformats.org/presentationml/2006/main">
   <p:cSld>
     <p:spTree>
@@ -6874,7 +8213,7 @@
           </a:ln>
           <a:extLst>
             <a:ext uri="{C572A759-6A51-4108-AA02-DFA0A04FC94B}">
-              <ma14:wrappingTextBoxFlag xmlns:ma14="http://schemas.microsoft.com/office/mac/drawingml/2011/main" xmlns="" val="1"/>
+              <ma14:wrappingTextBoxFlag xmlns="" xmlns:ma14="http://schemas.microsoft.com/office/mac/drawingml/2011/main" val="1"/>
             </a:ext>
           </a:extLst>
         </p:spPr>
@@ -7209,7 +8548,7 @@
 </p:sld>
 </file>
 
-<file path=ppt/slides/slide16.xml><?xml version="1.0" encoding="utf-8"?>
+<file path=ppt/slides/slide18.xml><?xml version="1.0" encoding="utf-8"?>
 <p:sld xmlns:a="http://schemas.openxmlformats.org/drawingml/2006/main" xmlns:r="http://schemas.openxmlformats.org/officeDocument/2006/relationships" xmlns:p="http://schemas.openxmlformats.org/presentationml/2006/main">
   <p:cSld>
     <p:spTree>
@@ -7303,7 +8642,7 @@
           </a:ln>
           <a:extLst>
             <a:ext uri="{C572A759-6A51-4108-AA02-DFA0A04FC94B}">
-              <ma14:wrappingTextBoxFlag xmlns:ma14="http://schemas.microsoft.com/office/mac/drawingml/2011/main" xmlns="" val="1"/>
+              <ma14:wrappingTextBoxFlag xmlns="" xmlns:ma14="http://schemas.microsoft.com/office/mac/drawingml/2011/main" val="1"/>
             </a:ext>
           </a:extLst>
         </p:spPr>
@@ -8189,7 +9528,7 @@
 </p:sld>
 </file>
 
-<file path=ppt/slides/slide17.xml><?xml version="1.0" encoding="utf-8"?>
+<file path=ppt/slides/slide19.xml><?xml version="1.0" encoding="utf-8"?>
 <p:sld xmlns:a="http://schemas.openxmlformats.org/drawingml/2006/main" xmlns:r="http://schemas.openxmlformats.org/officeDocument/2006/relationships" xmlns:p="http://schemas.openxmlformats.org/presentationml/2006/main">
   <p:cSld>
     <p:spTree>
@@ -8422,7 +9761,7 @@
           </a:ln>
           <a:extLst>
             <a:ext uri="{C572A759-6A51-4108-AA02-DFA0A04FC94B}">
-              <ma14:wrappingTextBoxFlag xmlns:ma14="http://schemas.microsoft.com/office/mac/drawingml/2011/main" xmlns="" val="1"/>
+              <ma14:wrappingTextBoxFlag xmlns="" xmlns:ma14="http://schemas.microsoft.com/office/mac/drawingml/2011/main" val="1"/>
             </a:ext>
           </a:extLst>
         </p:spPr>
@@ -8721,1050 +10060,6 @@
     <p:extLst>
       <p:ext uri="{BB962C8B-B14F-4D97-AF65-F5344CB8AC3E}">
         <p14:creationId xmlns:p14="http://schemas.microsoft.com/office/powerpoint/2010/main" val="246069944"/>
-      </p:ext>
-    </p:extLst>
-  </p:cSld>
-  <p:clrMapOvr>
-    <a:masterClrMapping/>
-  </p:clrMapOvr>
-  <mc:AlternateContent xmlns:mc="http://schemas.openxmlformats.org/markup-compatibility/2006" xmlns:p14="http://schemas.microsoft.com/office/powerpoint/2010/main">
-    <mc:Choice Requires="p14">
-      <p:transition spd="med" p14:dur="700">
-        <p:fade/>
-      </p:transition>
-    </mc:Choice>
-    <mc:Fallback xmlns="">
-      <p:transition spd="med">
-        <p:fade/>
-      </p:transition>
-    </mc:Fallback>
-  </mc:AlternateContent>
-  <p:timing>
-    <p:tnLst>
-      <p:par>
-        <p:cTn id="1" dur="indefinite" restart="never" nodeType="tmRoot"/>
-      </p:par>
-    </p:tnLst>
-  </p:timing>
-</p:sld>
-</file>
-
-<file path=ppt/slides/slide18.xml><?xml version="1.0" encoding="utf-8"?>
-<p:sld xmlns:a="http://schemas.openxmlformats.org/drawingml/2006/main" xmlns:r="http://schemas.openxmlformats.org/officeDocument/2006/relationships" xmlns:p="http://schemas.openxmlformats.org/presentationml/2006/main">
-  <p:cSld>
-    <p:spTree>
-      <p:nvGrpSpPr>
-        <p:cNvPr id="1" name=""/>
-        <p:cNvGrpSpPr/>
-        <p:nvPr/>
-      </p:nvGrpSpPr>
-      <p:grpSpPr>
-        <a:xfrm>
-          <a:off x="0" y="0"/>
-          <a:ext cx="0" cy="0"/>
-          <a:chOff x="0" y="0"/>
-          <a:chExt cx="0" cy="0"/>
-        </a:xfrm>
-      </p:grpSpPr>
-      <p:sp>
-        <p:nvSpPr>
-          <p:cNvPr id="2" name="CaixaDeTexto 1"/>
-          <p:cNvSpPr txBox="1"/>
-          <p:nvPr/>
-        </p:nvSpPr>
-        <p:spPr>
-          <a:xfrm>
-            <a:off x="1752318" y="2345181"/>
-            <a:ext cx="4361403" cy="2169823"/>
-          </a:xfrm>
-          <a:prstGeom prst="rect">
-            <a:avLst/>
-          </a:prstGeom>
-          <a:noFill/>
-          <a:ln w="12700" cap="flat">
-            <a:noFill/>
-            <a:miter lim="400000"/>
-          </a:ln>
-          <a:effectLst/>
-          <a:sp3d/>
-        </p:spPr>
-        <p:style>
-          <a:lnRef idx="0">
-            <a:scrgbClr r="0" g="0" b="0"/>
-          </a:lnRef>
-          <a:fillRef idx="0">
-            <a:scrgbClr r="0" g="0" b="0"/>
-          </a:fillRef>
-          <a:effectRef idx="0">
-            <a:scrgbClr r="0" g="0" b="0"/>
-          </a:effectRef>
-          <a:fontRef idx="none"/>
-        </p:style>
-        <p:txBody>
-          <a:bodyPr rot="0" spcFirstLastPara="1" vertOverflow="overflow" horzOverflow="overflow" vert="horz" wrap="square" lIns="45719" tIns="45719" rIns="45719" bIns="45719" numCol="1" spcCol="38100" rtlCol="0" anchor="t">
-            <a:spAutoFit/>
-          </a:bodyPr>
-          <a:lstStyle/>
-          <a:p>
-            <a:pPr lvl="8" indent="0" algn="just">
-              <a:lnSpc>
-                <a:spcPct val="150000"/>
-              </a:lnSpc>
-            </a:pPr>
-            <a:r>
-              <a:rPr lang="pt-BR" dirty="0" smtClean="0">
-                <a:solidFill>
-                  <a:srgbClr val="666666"/>
-                </a:solidFill>
-              </a:rPr>
-              <a:t>O exemplo viola </a:t>
-            </a:r>
-            <a:r>
-              <a:rPr lang="pt-BR" dirty="0">
-                <a:solidFill>
-                  <a:srgbClr val="666666"/>
-                </a:solidFill>
-              </a:rPr>
-              <a:t>o DIP uma vez que </a:t>
-            </a:r>
-            <a:r>
-              <a:rPr lang="pt-BR" dirty="0" smtClean="0">
-                <a:solidFill>
-                  <a:srgbClr val="666666"/>
-                </a:solidFill>
-              </a:rPr>
-              <a:t>a classe </a:t>
-            </a:r>
-            <a:r>
-              <a:rPr lang="pt-BR" dirty="0" err="1" smtClean="0">
-                <a:solidFill>
-                  <a:srgbClr val="666666"/>
-                </a:solidFill>
-              </a:rPr>
-              <a:t>Botao</a:t>
-            </a:r>
-            <a:r>
-              <a:rPr lang="pt-BR" dirty="0" smtClean="0">
-                <a:solidFill>
-                  <a:srgbClr val="666666"/>
-                </a:solidFill>
-              </a:rPr>
-              <a:t> </a:t>
-            </a:r>
-            <a:r>
-              <a:rPr lang="pt-BR" dirty="0">
-                <a:solidFill>
-                  <a:srgbClr val="666666"/>
-                </a:solidFill>
-              </a:rPr>
-              <a:t>depende de uma classe concreta </a:t>
-            </a:r>
-            <a:r>
-              <a:rPr lang="pt-BR" dirty="0" err="1">
-                <a:solidFill>
-                  <a:srgbClr val="666666"/>
-                </a:solidFill>
-              </a:rPr>
-              <a:t>Lampada</a:t>
-            </a:r>
-            <a:r>
-              <a:rPr lang="pt-BR" dirty="0">
-                <a:solidFill>
-                  <a:srgbClr val="666666"/>
-                </a:solidFill>
-              </a:rPr>
-              <a:t>. </a:t>
-            </a:r>
-            <a:r>
-              <a:rPr lang="pt-BR" dirty="0" err="1">
-                <a:solidFill>
-                  <a:srgbClr val="666666"/>
-                </a:solidFill>
-              </a:rPr>
-              <a:t>Botao</a:t>
-            </a:r>
-            <a:r>
-              <a:rPr lang="pt-BR" dirty="0">
-                <a:solidFill>
-                  <a:srgbClr val="666666"/>
-                </a:solidFill>
-              </a:rPr>
-              <a:t> conhece detalhes de implementação ao invés de termos identificado uma abstração para o </a:t>
-            </a:r>
-            <a:r>
-              <a:rPr lang="pt-BR" dirty="0" smtClean="0">
-                <a:solidFill>
-                  <a:srgbClr val="666666"/>
-                </a:solidFill>
-              </a:rPr>
-              <a:t>design.</a:t>
-            </a:r>
-            <a:endParaRPr lang="pt-BR" b="1" u="sng" dirty="0" smtClean="0">
-              <a:solidFill>
-                <a:srgbClr val="666666"/>
-              </a:solidFill>
-            </a:endParaRPr>
-          </a:p>
-        </p:txBody>
-      </p:sp>
-      <p:sp>
-        <p:nvSpPr>
-          <p:cNvPr id="6" name="Shape 120"/>
-          <p:cNvSpPr txBox="1">
-            <a:spLocks/>
-          </p:cNvSpPr>
-          <p:nvPr/>
-        </p:nvSpPr>
-        <p:spPr>
-          <a:xfrm>
-            <a:off x="1915893" y="755374"/>
-            <a:ext cx="8229600" cy="1143001"/>
-          </a:xfrm>
-          <a:prstGeom prst="rect">
-            <a:avLst/>
-          </a:prstGeom>
-          <a:ln w="12700">
-            <a:miter lim="400000"/>
-          </a:ln>
-          <a:extLst>
-            <a:ext uri="{C572A759-6A51-4108-AA02-DFA0A04FC94B}">
-              <ma14:wrappingTextBoxFlag xmlns:ma14="http://schemas.microsoft.com/office/mac/drawingml/2011/main" xmlns="" val="1"/>
-            </a:ext>
-          </a:extLst>
-        </p:spPr>
-        <p:txBody>
-          <a:bodyPr lIns="45719" rIns="45719" anchor="ctr">
-            <a:normAutofit/>
-          </a:bodyPr>
-          <a:lstStyle>
-            <a:lvl1pPr marL="0" marR="0" indent="0" algn="ctr" defTabSz="914400" rtl="0" latinLnBrk="0">
-              <a:lnSpc>
-                <a:spcPct val="100000"/>
-              </a:lnSpc>
-              <a:spcBef>
-                <a:spcPts val="0"/>
-              </a:spcBef>
-              <a:spcAft>
-                <a:spcPts val="0"/>
-              </a:spcAft>
-              <a:buClrTx/>
-              <a:buSzTx/>
-              <a:buFontTx/>
-              <a:buNone/>
-              <a:tabLst/>
-              <a:defRPr sz="4400" b="0" i="0" u="none" strike="noStrike" cap="none" spc="0" baseline="0">
-                <a:ln>
-                  <a:noFill/>
-                </a:ln>
-                <a:solidFill>
-                  <a:srgbClr val="000000"/>
-                </a:solidFill>
-                <a:uFillTx/>
-                <a:latin typeface="+mn-lt"/>
-                <a:ea typeface="+mn-ea"/>
-                <a:cs typeface="+mn-cs"/>
-                <a:sym typeface="Calibri"/>
-              </a:defRPr>
-            </a:lvl1pPr>
-            <a:lvl2pPr marL="0" marR="0" indent="0" algn="ctr" defTabSz="914400" rtl="0" latinLnBrk="0">
-              <a:lnSpc>
-                <a:spcPct val="100000"/>
-              </a:lnSpc>
-              <a:spcBef>
-                <a:spcPts val="0"/>
-              </a:spcBef>
-              <a:spcAft>
-                <a:spcPts val="0"/>
-              </a:spcAft>
-              <a:buClrTx/>
-              <a:buSzTx/>
-              <a:buFontTx/>
-              <a:buNone/>
-              <a:tabLst/>
-              <a:defRPr sz="4400" b="0" i="0" u="none" strike="noStrike" cap="none" spc="0" baseline="0">
-                <a:ln>
-                  <a:noFill/>
-                </a:ln>
-                <a:solidFill>
-                  <a:srgbClr val="000000"/>
-                </a:solidFill>
-                <a:uFillTx/>
-                <a:latin typeface="+mn-lt"/>
-                <a:ea typeface="+mn-ea"/>
-                <a:cs typeface="+mn-cs"/>
-                <a:sym typeface="Calibri"/>
-              </a:defRPr>
-            </a:lvl2pPr>
-            <a:lvl3pPr marL="0" marR="0" indent="0" algn="ctr" defTabSz="914400" rtl="0" latinLnBrk="0">
-              <a:lnSpc>
-                <a:spcPct val="100000"/>
-              </a:lnSpc>
-              <a:spcBef>
-                <a:spcPts val="0"/>
-              </a:spcBef>
-              <a:spcAft>
-                <a:spcPts val="0"/>
-              </a:spcAft>
-              <a:buClrTx/>
-              <a:buSzTx/>
-              <a:buFontTx/>
-              <a:buNone/>
-              <a:tabLst/>
-              <a:defRPr sz="4400" b="0" i="0" u="none" strike="noStrike" cap="none" spc="0" baseline="0">
-                <a:ln>
-                  <a:noFill/>
-                </a:ln>
-                <a:solidFill>
-                  <a:srgbClr val="000000"/>
-                </a:solidFill>
-                <a:uFillTx/>
-                <a:latin typeface="+mn-lt"/>
-                <a:ea typeface="+mn-ea"/>
-                <a:cs typeface="+mn-cs"/>
-                <a:sym typeface="Calibri"/>
-              </a:defRPr>
-            </a:lvl3pPr>
-            <a:lvl4pPr marL="0" marR="0" indent="0" algn="ctr" defTabSz="914400" rtl="0" latinLnBrk="0">
-              <a:lnSpc>
-                <a:spcPct val="100000"/>
-              </a:lnSpc>
-              <a:spcBef>
-                <a:spcPts val="0"/>
-              </a:spcBef>
-              <a:spcAft>
-                <a:spcPts val="0"/>
-              </a:spcAft>
-              <a:buClrTx/>
-              <a:buSzTx/>
-              <a:buFontTx/>
-              <a:buNone/>
-              <a:tabLst/>
-              <a:defRPr sz="4400" b="0" i="0" u="none" strike="noStrike" cap="none" spc="0" baseline="0">
-                <a:ln>
-                  <a:noFill/>
-                </a:ln>
-                <a:solidFill>
-                  <a:srgbClr val="000000"/>
-                </a:solidFill>
-                <a:uFillTx/>
-                <a:latin typeface="+mn-lt"/>
-                <a:ea typeface="+mn-ea"/>
-                <a:cs typeface="+mn-cs"/>
-                <a:sym typeface="Calibri"/>
-              </a:defRPr>
-            </a:lvl4pPr>
-            <a:lvl5pPr marL="0" marR="0" indent="0" algn="ctr" defTabSz="914400" rtl="0" latinLnBrk="0">
-              <a:lnSpc>
-                <a:spcPct val="100000"/>
-              </a:lnSpc>
-              <a:spcBef>
-                <a:spcPts val="0"/>
-              </a:spcBef>
-              <a:spcAft>
-                <a:spcPts val="0"/>
-              </a:spcAft>
-              <a:buClrTx/>
-              <a:buSzTx/>
-              <a:buFontTx/>
-              <a:buNone/>
-              <a:tabLst/>
-              <a:defRPr sz="4400" b="0" i="0" u="none" strike="noStrike" cap="none" spc="0" baseline="0">
-                <a:ln>
-                  <a:noFill/>
-                </a:ln>
-                <a:solidFill>
-                  <a:srgbClr val="000000"/>
-                </a:solidFill>
-                <a:uFillTx/>
-                <a:latin typeface="+mn-lt"/>
-                <a:ea typeface="+mn-ea"/>
-                <a:cs typeface="+mn-cs"/>
-                <a:sym typeface="Calibri"/>
-              </a:defRPr>
-            </a:lvl5pPr>
-            <a:lvl6pPr marL="0" marR="0" indent="0" algn="ctr" defTabSz="914400" rtl="0" latinLnBrk="0">
-              <a:lnSpc>
-                <a:spcPct val="100000"/>
-              </a:lnSpc>
-              <a:spcBef>
-                <a:spcPts val="0"/>
-              </a:spcBef>
-              <a:spcAft>
-                <a:spcPts val="0"/>
-              </a:spcAft>
-              <a:buClrTx/>
-              <a:buSzTx/>
-              <a:buFontTx/>
-              <a:buNone/>
-              <a:tabLst/>
-              <a:defRPr sz="4400" b="0" i="0" u="none" strike="noStrike" cap="none" spc="0" baseline="0">
-                <a:ln>
-                  <a:noFill/>
-                </a:ln>
-                <a:solidFill>
-                  <a:srgbClr val="000000"/>
-                </a:solidFill>
-                <a:uFillTx/>
-                <a:latin typeface="+mn-lt"/>
-                <a:ea typeface="+mn-ea"/>
-                <a:cs typeface="+mn-cs"/>
-                <a:sym typeface="Calibri"/>
-              </a:defRPr>
-            </a:lvl6pPr>
-            <a:lvl7pPr marL="0" marR="0" indent="0" algn="ctr" defTabSz="914400" rtl="0" latinLnBrk="0">
-              <a:lnSpc>
-                <a:spcPct val="100000"/>
-              </a:lnSpc>
-              <a:spcBef>
-                <a:spcPts val="0"/>
-              </a:spcBef>
-              <a:spcAft>
-                <a:spcPts val="0"/>
-              </a:spcAft>
-              <a:buClrTx/>
-              <a:buSzTx/>
-              <a:buFontTx/>
-              <a:buNone/>
-              <a:tabLst/>
-              <a:defRPr sz="4400" b="0" i="0" u="none" strike="noStrike" cap="none" spc="0" baseline="0">
-                <a:ln>
-                  <a:noFill/>
-                </a:ln>
-                <a:solidFill>
-                  <a:srgbClr val="000000"/>
-                </a:solidFill>
-                <a:uFillTx/>
-                <a:latin typeface="+mn-lt"/>
-                <a:ea typeface="+mn-ea"/>
-                <a:cs typeface="+mn-cs"/>
-                <a:sym typeface="Calibri"/>
-              </a:defRPr>
-            </a:lvl7pPr>
-            <a:lvl8pPr marL="0" marR="0" indent="0" algn="ctr" defTabSz="914400" rtl="0" latinLnBrk="0">
-              <a:lnSpc>
-                <a:spcPct val="100000"/>
-              </a:lnSpc>
-              <a:spcBef>
-                <a:spcPts val="0"/>
-              </a:spcBef>
-              <a:spcAft>
-                <a:spcPts val="0"/>
-              </a:spcAft>
-              <a:buClrTx/>
-              <a:buSzTx/>
-              <a:buFontTx/>
-              <a:buNone/>
-              <a:tabLst/>
-              <a:defRPr sz="4400" b="0" i="0" u="none" strike="noStrike" cap="none" spc="0" baseline="0">
-                <a:ln>
-                  <a:noFill/>
-                </a:ln>
-                <a:solidFill>
-                  <a:srgbClr val="000000"/>
-                </a:solidFill>
-                <a:uFillTx/>
-                <a:latin typeface="+mn-lt"/>
-                <a:ea typeface="+mn-ea"/>
-                <a:cs typeface="+mn-cs"/>
-                <a:sym typeface="Calibri"/>
-              </a:defRPr>
-            </a:lvl8pPr>
-            <a:lvl9pPr marL="0" marR="0" indent="0" algn="ctr" defTabSz="914400" rtl="0" latinLnBrk="0">
-              <a:lnSpc>
-                <a:spcPct val="100000"/>
-              </a:lnSpc>
-              <a:spcBef>
-                <a:spcPts val="0"/>
-              </a:spcBef>
-              <a:spcAft>
-                <a:spcPts val="0"/>
-              </a:spcAft>
-              <a:buClrTx/>
-              <a:buSzTx/>
-              <a:buFontTx/>
-              <a:buNone/>
-              <a:tabLst/>
-              <a:defRPr sz="4400" b="0" i="0" u="none" strike="noStrike" cap="none" spc="0" baseline="0">
-                <a:ln>
-                  <a:noFill/>
-                </a:ln>
-                <a:solidFill>
-                  <a:srgbClr val="000000"/>
-                </a:solidFill>
-                <a:uFillTx/>
-                <a:latin typeface="+mn-lt"/>
-                <a:ea typeface="+mn-ea"/>
-                <a:cs typeface="+mn-cs"/>
-                <a:sym typeface="Calibri"/>
-              </a:defRPr>
-            </a:lvl9pPr>
-          </a:lstStyle>
-          <a:p>
-            <a:pPr hangingPunct="1">
-              <a:defRPr sz="2800" b="1">
-                <a:solidFill>
-                  <a:srgbClr val="11A79D"/>
-                </a:solidFill>
-              </a:defRPr>
-            </a:pPr>
-            <a:r>
-              <a:rPr lang="pt-BR" sz="5400" b="1" dirty="0" smtClean="0">
-                <a:solidFill>
-                  <a:srgbClr val="11A79D"/>
-                </a:solidFill>
-              </a:rPr>
-              <a:t>Forte acoplamento</a:t>
-            </a:r>
-            <a:endParaRPr lang="pt-BR" sz="5400" b="1" dirty="0">
-              <a:solidFill>
-                <a:schemeClr val="tx2"/>
-              </a:solidFill>
-            </a:endParaRPr>
-          </a:p>
-        </p:txBody>
-      </p:sp>
-      <p:pic>
-        <p:nvPicPr>
-          <p:cNvPr id="5" name="Imagem 4"/>
-          <p:cNvPicPr>
-            <a:picLocks noChangeAspect="1"/>
-          </p:cNvPicPr>
-          <p:nvPr/>
-        </p:nvPicPr>
-        <p:blipFill>
-          <a:blip r:embed="rId3"/>
-          <a:stretch>
-            <a:fillRect/>
-          </a:stretch>
-        </p:blipFill>
-        <p:spPr>
-          <a:xfrm>
-            <a:off x="7126804" y="2238856"/>
-            <a:ext cx="4105275" cy="3343275"/>
-          </a:xfrm>
-          <a:prstGeom prst="rect">
-            <a:avLst/>
-          </a:prstGeom>
-        </p:spPr>
-      </p:pic>
-    </p:spTree>
-    <p:extLst>
-      <p:ext uri="{BB962C8B-B14F-4D97-AF65-F5344CB8AC3E}">
-        <p14:creationId xmlns:p14="http://schemas.microsoft.com/office/powerpoint/2010/main" val="789170521"/>
-      </p:ext>
-    </p:extLst>
-  </p:cSld>
-  <p:clrMapOvr>
-    <a:masterClrMapping/>
-  </p:clrMapOvr>
-  <mc:AlternateContent xmlns:mc="http://schemas.openxmlformats.org/markup-compatibility/2006" xmlns:p14="http://schemas.microsoft.com/office/powerpoint/2010/main">
-    <mc:Choice Requires="p14">
-      <p:transition spd="med" p14:dur="700">
-        <p:fade/>
-      </p:transition>
-    </mc:Choice>
-    <mc:Fallback xmlns="">
-      <p:transition spd="med">
-        <p:fade/>
-      </p:transition>
-    </mc:Fallback>
-  </mc:AlternateContent>
-  <p:timing>
-    <p:tnLst>
-      <p:par>
-        <p:cTn id="1" dur="indefinite" restart="never" nodeType="tmRoot"/>
-      </p:par>
-    </p:tnLst>
-  </p:timing>
-</p:sld>
-</file>
-
-<file path=ppt/slides/slide19.xml><?xml version="1.0" encoding="utf-8"?>
-<p:sld xmlns:a="http://schemas.openxmlformats.org/drawingml/2006/main" xmlns:r="http://schemas.openxmlformats.org/officeDocument/2006/relationships" xmlns:p="http://schemas.openxmlformats.org/presentationml/2006/main">
-  <p:cSld>
-    <p:spTree>
-      <p:nvGrpSpPr>
-        <p:cNvPr id="1" name=""/>
-        <p:cNvGrpSpPr/>
-        <p:nvPr/>
-      </p:nvGrpSpPr>
-      <p:grpSpPr>
-        <a:xfrm>
-          <a:off x="0" y="0"/>
-          <a:ext cx="0" cy="0"/>
-          <a:chOff x="0" y="0"/>
-          <a:chExt cx="0" cy="0"/>
-        </a:xfrm>
-      </p:grpSpPr>
-      <p:sp>
-        <p:nvSpPr>
-          <p:cNvPr id="2" name="CaixaDeTexto 1"/>
-          <p:cNvSpPr txBox="1"/>
-          <p:nvPr/>
-        </p:nvSpPr>
-        <p:spPr>
-          <a:xfrm>
-            <a:off x="1752318" y="2345181"/>
-            <a:ext cx="5373311" cy="2169823"/>
-          </a:xfrm>
-          <a:prstGeom prst="rect">
-            <a:avLst/>
-          </a:prstGeom>
-          <a:noFill/>
-          <a:ln w="12700" cap="flat">
-            <a:noFill/>
-            <a:miter lim="400000"/>
-          </a:ln>
-          <a:effectLst/>
-          <a:sp3d/>
-        </p:spPr>
-        <p:style>
-          <a:lnRef idx="0">
-            <a:scrgbClr r="0" g="0" b="0"/>
-          </a:lnRef>
-          <a:fillRef idx="0">
-            <a:scrgbClr r="0" g="0" b="0"/>
-          </a:fillRef>
-          <a:effectRef idx="0">
-            <a:scrgbClr r="0" g="0" b="0"/>
-          </a:effectRef>
-          <a:fontRef idx="none"/>
-        </p:style>
-        <p:txBody>
-          <a:bodyPr rot="0" spcFirstLastPara="1" vertOverflow="overflow" horzOverflow="overflow" vert="horz" wrap="square" lIns="45719" tIns="45719" rIns="45719" bIns="45719" numCol="1" spcCol="38100" rtlCol="0" anchor="t">
-            <a:spAutoFit/>
-          </a:bodyPr>
-          <a:lstStyle/>
-          <a:p>
-            <a:pPr lvl="8" indent="0" algn="just">
-              <a:lnSpc>
-                <a:spcPct val="150000"/>
-              </a:lnSpc>
-            </a:pPr>
-            <a:r>
-              <a:rPr lang="pt-BR" dirty="0">
-                <a:solidFill>
-                  <a:srgbClr val="666666"/>
-                </a:solidFill>
-              </a:rPr>
-              <a:t>O padrão </a:t>
-            </a:r>
-            <a:r>
-              <a:rPr lang="pt-BR" dirty="0" err="1">
-                <a:solidFill>
-                  <a:srgbClr val="666666"/>
-                </a:solidFill>
-              </a:rPr>
-              <a:t>IoC</a:t>
-            </a:r>
-            <a:r>
-              <a:rPr lang="pt-BR" dirty="0">
-                <a:solidFill>
-                  <a:srgbClr val="666666"/>
-                </a:solidFill>
-              </a:rPr>
-              <a:t> nos diz o </a:t>
-            </a:r>
-            <a:r>
-              <a:rPr lang="pt-BR" dirty="0" smtClean="0">
-                <a:solidFill>
-                  <a:srgbClr val="666666"/>
-                </a:solidFill>
-              </a:rPr>
-              <a:t>que "</a:t>
-            </a:r>
-            <a:r>
-              <a:rPr lang="pt-BR" dirty="0">
-                <a:solidFill>
-                  <a:srgbClr val="666666"/>
-                </a:solidFill>
-              </a:rPr>
-              <a:t>Devemos delegar a tarefa de criação de um objeto </a:t>
-            </a:r>
-            <a:r>
-              <a:rPr lang="pt-BR" dirty="0" smtClean="0">
-                <a:solidFill>
-                  <a:srgbClr val="666666"/>
-                </a:solidFill>
-              </a:rPr>
-              <a:t>a </a:t>
-            </a:r>
-            <a:r>
-              <a:rPr lang="pt-BR" dirty="0">
-                <a:solidFill>
-                  <a:srgbClr val="666666"/>
-                </a:solidFill>
-              </a:rPr>
-              <a:t>uma outra entidade como uma outra classe, interface, componente, etc. de forma a termos um baixo acoplamento e minimizar a dependências entre os objetos."</a:t>
-            </a:r>
-            <a:endParaRPr lang="pt-BR" b="1" u="sng" dirty="0" smtClean="0">
-              <a:solidFill>
-                <a:srgbClr val="666666"/>
-              </a:solidFill>
-            </a:endParaRPr>
-          </a:p>
-        </p:txBody>
-      </p:sp>
-      <p:sp>
-        <p:nvSpPr>
-          <p:cNvPr id="6" name="Shape 120"/>
-          <p:cNvSpPr txBox="1">
-            <a:spLocks/>
-          </p:cNvSpPr>
-          <p:nvPr/>
-        </p:nvSpPr>
-        <p:spPr>
-          <a:xfrm>
-            <a:off x="1915893" y="755374"/>
-            <a:ext cx="8229600" cy="1143001"/>
-          </a:xfrm>
-          <a:prstGeom prst="rect">
-            <a:avLst/>
-          </a:prstGeom>
-          <a:ln w="12700">
-            <a:miter lim="400000"/>
-          </a:ln>
-          <a:extLst>
-            <a:ext uri="{C572A759-6A51-4108-AA02-DFA0A04FC94B}">
-              <ma14:wrappingTextBoxFlag xmlns:ma14="http://schemas.microsoft.com/office/mac/drawingml/2011/main" xmlns="" val="1"/>
-            </a:ext>
-          </a:extLst>
-        </p:spPr>
-        <p:txBody>
-          <a:bodyPr lIns="45719" rIns="45719" anchor="ctr">
-            <a:normAutofit/>
-          </a:bodyPr>
-          <a:lstStyle>
-            <a:lvl1pPr marL="0" marR="0" indent="0" algn="ctr" defTabSz="914400" rtl="0" latinLnBrk="0">
-              <a:lnSpc>
-                <a:spcPct val="100000"/>
-              </a:lnSpc>
-              <a:spcBef>
-                <a:spcPts val="0"/>
-              </a:spcBef>
-              <a:spcAft>
-                <a:spcPts val="0"/>
-              </a:spcAft>
-              <a:buClrTx/>
-              <a:buSzTx/>
-              <a:buFontTx/>
-              <a:buNone/>
-              <a:tabLst/>
-              <a:defRPr sz="4400" b="0" i="0" u="none" strike="noStrike" cap="none" spc="0" baseline="0">
-                <a:ln>
-                  <a:noFill/>
-                </a:ln>
-                <a:solidFill>
-                  <a:srgbClr val="000000"/>
-                </a:solidFill>
-                <a:uFillTx/>
-                <a:latin typeface="+mn-lt"/>
-                <a:ea typeface="+mn-ea"/>
-                <a:cs typeface="+mn-cs"/>
-                <a:sym typeface="Calibri"/>
-              </a:defRPr>
-            </a:lvl1pPr>
-            <a:lvl2pPr marL="0" marR="0" indent="0" algn="ctr" defTabSz="914400" rtl="0" latinLnBrk="0">
-              <a:lnSpc>
-                <a:spcPct val="100000"/>
-              </a:lnSpc>
-              <a:spcBef>
-                <a:spcPts val="0"/>
-              </a:spcBef>
-              <a:spcAft>
-                <a:spcPts val="0"/>
-              </a:spcAft>
-              <a:buClrTx/>
-              <a:buSzTx/>
-              <a:buFontTx/>
-              <a:buNone/>
-              <a:tabLst/>
-              <a:defRPr sz="4400" b="0" i="0" u="none" strike="noStrike" cap="none" spc="0" baseline="0">
-                <a:ln>
-                  <a:noFill/>
-                </a:ln>
-                <a:solidFill>
-                  <a:srgbClr val="000000"/>
-                </a:solidFill>
-                <a:uFillTx/>
-                <a:latin typeface="+mn-lt"/>
-                <a:ea typeface="+mn-ea"/>
-                <a:cs typeface="+mn-cs"/>
-                <a:sym typeface="Calibri"/>
-              </a:defRPr>
-            </a:lvl2pPr>
-            <a:lvl3pPr marL="0" marR="0" indent="0" algn="ctr" defTabSz="914400" rtl="0" latinLnBrk="0">
-              <a:lnSpc>
-                <a:spcPct val="100000"/>
-              </a:lnSpc>
-              <a:spcBef>
-                <a:spcPts val="0"/>
-              </a:spcBef>
-              <a:spcAft>
-                <a:spcPts val="0"/>
-              </a:spcAft>
-              <a:buClrTx/>
-              <a:buSzTx/>
-              <a:buFontTx/>
-              <a:buNone/>
-              <a:tabLst/>
-              <a:defRPr sz="4400" b="0" i="0" u="none" strike="noStrike" cap="none" spc="0" baseline="0">
-                <a:ln>
-                  <a:noFill/>
-                </a:ln>
-                <a:solidFill>
-                  <a:srgbClr val="000000"/>
-                </a:solidFill>
-                <a:uFillTx/>
-                <a:latin typeface="+mn-lt"/>
-                <a:ea typeface="+mn-ea"/>
-                <a:cs typeface="+mn-cs"/>
-                <a:sym typeface="Calibri"/>
-              </a:defRPr>
-            </a:lvl3pPr>
-            <a:lvl4pPr marL="0" marR="0" indent="0" algn="ctr" defTabSz="914400" rtl="0" latinLnBrk="0">
-              <a:lnSpc>
-                <a:spcPct val="100000"/>
-              </a:lnSpc>
-              <a:spcBef>
-                <a:spcPts val="0"/>
-              </a:spcBef>
-              <a:spcAft>
-                <a:spcPts val="0"/>
-              </a:spcAft>
-              <a:buClrTx/>
-              <a:buSzTx/>
-              <a:buFontTx/>
-              <a:buNone/>
-              <a:tabLst/>
-              <a:defRPr sz="4400" b="0" i="0" u="none" strike="noStrike" cap="none" spc="0" baseline="0">
-                <a:ln>
-                  <a:noFill/>
-                </a:ln>
-                <a:solidFill>
-                  <a:srgbClr val="000000"/>
-                </a:solidFill>
-                <a:uFillTx/>
-                <a:latin typeface="+mn-lt"/>
-                <a:ea typeface="+mn-ea"/>
-                <a:cs typeface="+mn-cs"/>
-                <a:sym typeface="Calibri"/>
-              </a:defRPr>
-            </a:lvl4pPr>
-            <a:lvl5pPr marL="0" marR="0" indent="0" algn="ctr" defTabSz="914400" rtl="0" latinLnBrk="0">
-              <a:lnSpc>
-                <a:spcPct val="100000"/>
-              </a:lnSpc>
-              <a:spcBef>
-                <a:spcPts val="0"/>
-              </a:spcBef>
-              <a:spcAft>
-                <a:spcPts val="0"/>
-              </a:spcAft>
-              <a:buClrTx/>
-              <a:buSzTx/>
-              <a:buFontTx/>
-              <a:buNone/>
-              <a:tabLst/>
-              <a:defRPr sz="4400" b="0" i="0" u="none" strike="noStrike" cap="none" spc="0" baseline="0">
-                <a:ln>
-                  <a:noFill/>
-                </a:ln>
-                <a:solidFill>
-                  <a:srgbClr val="000000"/>
-                </a:solidFill>
-                <a:uFillTx/>
-                <a:latin typeface="+mn-lt"/>
-                <a:ea typeface="+mn-ea"/>
-                <a:cs typeface="+mn-cs"/>
-                <a:sym typeface="Calibri"/>
-              </a:defRPr>
-            </a:lvl5pPr>
-            <a:lvl6pPr marL="0" marR="0" indent="0" algn="ctr" defTabSz="914400" rtl="0" latinLnBrk="0">
-              <a:lnSpc>
-                <a:spcPct val="100000"/>
-              </a:lnSpc>
-              <a:spcBef>
-                <a:spcPts val="0"/>
-              </a:spcBef>
-              <a:spcAft>
-                <a:spcPts val="0"/>
-              </a:spcAft>
-              <a:buClrTx/>
-              <a:buSzTx/>
-              <a:buFontTx/>
-              <a:buNone/>
-              <a:tabLst/>
-              <a:defRPr sz="4400" b="0" i="0" u="none" strike="noStrike" cap="none" spc="0" baseline="0">
-                <a:ln>
-                  <a:noFill/>
-                </a:ln>
-                <a:solidFill>
-                  <a:srgbClr val="000000"/>
-                </a:solidFill>
-                <a:uFillTx/>
-                <a:latin typeface="+mn-lt"/>
-                <a:ea typeface="+mn-ea"/>
-                <a:cs typeface="+mn-cs"/>
-                <a:sym typeface="Calibri"/>
-              </a:defRPr>
-            </a:lvl6pPr>
-            <a:lvl7pPr marL="0" marR="0" indent="0" algn="ctr" defTabSz="914400" rtl="0" latinLnBrk="0">
-              <a:lnSpc>
-                <a:spcPct val="100000"/>
-              </a:lnSpc>
-              <a:spcBef>
-                <a:spcPts val="0"/>
-              </a:spcBef>
-              <a:spcAft>
-                <a:spcPts val="0"/>
-              </a:spcAft>
-              <a:buClrTx/>
-              <a:buSzTx/>
-              <a:buFontTx/>
-              <a:buNone/>
-              <a:tabLst/>
-              <a:defRPr sz="4400" b="0" i="0" u="none" strike="noStrike" cap="none" spc="0" baseline="0">
-                <a:ln>
-                  <a:noFill/>
-                </a:ln>
-                <a:solidFill>
-                  <a:srgbClr val="000000"/>
-                </a:solidFill>
-                <a:uFillTx/>
-                <a:latin typeface="+mn-lt"/>
-                <a:ea typeface="+mn-ea"/>
-                <a:cs typeface="+mn-cs"/>
-                <a:sym typeface="Calibri"/>
-              </a:defRPr>
-            </a:lvl7pPr>
-            <a:lvl8pPr marL="0" marR="0" indent="0" algn="ctr" defTabSz="914400" rtl="0" latinLnBrk="0">
-              <a:lnSpc>
-                <a:spcPct val="100000"/>
-              </a:lnSpc>
-              <a:spcBef>
-                <a:spcPts val="0"/>
-              </a:spcBef>
-              <a:spcAft>
-                <a:spcPts val="0"/>
-              </a:spcAft>
-              <a:buClrTx/>
-              <a:buSzTx/>
-              <a:buFontTx/>
-              <a:buNone/>
-              <a:tabLst/>
-              <a:defRPr sz="4400" b="0" i="0" u="none" strike="noStrike" cap="none" spc="0" baseline="0">
-                <a:ln>
-                  <a:noFill/>
-                </a:ln>
-                <a:solidFill>
-                  <a:srgbClr val="000000"/>
-                </a:solidFill>
-                <a:uFillTx/>
-                <a:latin typeface="+mn-lt"/>
-                <a:ea typeface="+mn-ea"/>
-                <a:cs typeface="+mn-cs"/>
-                <a:sym typeface="Calibri"/>
-              </a:defRPr>
-            </a:lvl8pPr>
-            <a:lvl9pPr marL="0" marR="0" indent="0" algn="ctr" defTabSz="914400" rtl="0" latinLnBrk="0">
-              <a:lnSpc>
-                <a:spcPct val="100000"/>
-              </a:lnSpc>
-              <a:spcBef>
-                <a:spcPts val="0"/>
-              </a:spcBef>
-              <a:spcAft>
-                <a:spcPts val="0"/>
-              </a:spcAft>
-              <a:buClrTx/>
-              <a:buSzTx/>
-              <a:buFontTx/>
-              <a:buNone/>
-              <a:tabLst/>
-              <a:defRPr sz="4400" b="0" i="0" u="none" strike="noStrike" cap="none" spc="0" baseline="0">
-                <a:ln>
-                  <a:noFill/>
-                </a:ln>
-                <a:solidFill>
-                  <a:srgbClr val="000000"/>
-                </a:solidFill>
-                <a:uFillTx/>
-                <a:latin typeface="+mn-lt"/>
-                <a:ea typeface="+mn-ea"/>
-                <a:cs typeface="+mn-cs"/>
-                <a:sym typeface="Calibri"/>
-              </a:defRPr>
-            </a:lvl9pPr>
-          </a:lstStyle>
-          <a:p>
-            <a:pPr hangingPunct="1">
-              <a:defRPr sz="2800" b="1">
-                <a:solidFill>
-                  <a:srgbClr val="11A79D"/>
-                </a:solidFill>
-              </a:defRPr>
-            </a:pPr>
-            <a:r>
-              <a:rPr lang="pt-BR" sz="5400" b="1" dirty="0" smtClean="0">
-                <a:solidFill>
-                  <a:srgbClr val="11A79D"/>
-                </a:solidFill>
-              </a:rPr>
-              <a:t>Baixo acoplamento (</a:t>
-            </a:r>
-            <a:r>
-              <a:rPr lang="pt-BR" sz="5400" b="1" dirty="0" err="1" smtClean="0">
-                <a:solidFill>
-                  <a:srgbClr val="11A79D"/>
-                </a:solidFill>
-              </a:rPr>
-              <a:t>IoC</a:t>
-            </a:r>
-            <a:r>
-              <a:rPr lang="pt-BR" sz="5400" b="1" dirty="0" smtClean="0">
-                <a:solidFill>
-                  <a:srgbClr val="11A79D"/>
-                </a:solidFill>
-              </a:rPr>
-              <a:t>)</a:t>
-            </a:r>
-            <a:endParaRPr lang="pt-BR" sz="5400" b="1" dirty="0">
-              <a:solidFill>
-                <a:schemeClr val="tx2"/>
-              </a:solidFill>
-            </a:endParaRPr>
-          </a:p>
-        </p:txBody>
-      </p:sp>
-      <p:pic>
-        <p:nvPicPr>
-          <p:cNvPr id="7" name="Imagem 6"/>
-          <p:cNvPicPr>
-            <a:picLocks noChangeAspect="1"/>
-          </p:cNvPicPr>
-          <p:nvPr/>
-        </p:nvPicPr>
-        <p:blipFill>
-          <a:blip r:embed="rId3"/>
-          <a:stretch>
-            <a:fillRect/>
-          </a:stretch>
-        </p:blipFill>
-        <p:spPr>
-          <a:xfrm>
-            <a:off x="7874815" y="1898375"/>
-            <a:ext cx="3337026" cy="4279141"/>
-          </a:xfrm>
-          <a:prstGeom prst="rect">
-            <a:avLst/>
-          </a:prstGeom>
-        </p:spPr>
-      </p:pic>
-    </p:spTree>
-    <p:extLst>
-      <p:ext uri="{BB962C8B-B14F-4D97-AF65-F5344CB8AC3E}">
-        <p14:creationId xmlns:p14="http://schemas.microsoft.com/office/powerpoint/2010/main" val="1786424224"/>
       </p:ext>
     </p:extLst>
   </p:cSld>
@@ -9919,7 +10214,7 @@
           </a:ln>
           <a:extLst>
             <a:ext uri="{C572A759-6A51-4108-AA02-DFA0A04FC94B}">
-              <ma14:wrappingTextBoxFlag xmlns:ma14="http://schemas.microsoft.com/office/mac/drawingml/2011/main" xmlns="" val="1"/>
+              <ma14:wrappingTextBoxFlag xmlns="" xmlns:ma14="http://schemas.microsoft.com/office/mac/drawingml/2011/main" val="1"/>
             </a:ext>
           </a:extLst>
         </p:spPr>
@@ -10272,6 +10567,1050 @@
         <p:spPr>
           <a:xfrm>
             <a:off x="1752318" y="2345181"/>
+            <a:ext cx="4361403" cy="2169823"/>
+          </a:xfrm>
+          <a:prstGeom prst="rect">
+            <a:avLst/>
+          </a:prstGeom>
+          <a:noFill/>
+          <a:ln w="12700" cap="flat">
+            <a:noFill/>
+            <a:miter lim="400000"/>
+          </a:ln>
+          <a:effectLst/>
+          <a:sp3d/>
+        </p:spPr>
+        <p:style>
+          <a:lnRef idx="0">
+            <a:scrgbClr r="0" g="0" b="0"/>
+          </a:lnRef>
+          <a:fillRef idx="0">
+            <a:scrgbClr r="0" g="0" b="0"/>
+          </a:fillRef>
+          <a:effectRef idx="0">
+            <a:scrgbClr r="0" g="0" b="0"/>
+          </a:effectRef>
+          <a:fontRef idx="none"/>
+        </p:style>
+        <p:txBody>
+          <a:bodyPr rot="0" spcFirstLastPara="1" vertOverflow="overflow" horzOverflow="overflow" vert="horz" wrap="square" lIns="45719" tIns="45719" rIns="45719" bIns="45719" numCol="1" spcCol="38100" rtlCol="0" anchor="t">
+            <a:spAutoFit/>
+          </a:bodyPr>
+          <a:lstStyle/>
+          <a:p>
+            <a:pPr lvl="8" indent="0" algn="just">
+              <a:lnSpc>
+                <a:spcPct val="150000"/>
+              </a:lnSpc>
+            </a:pPr>
+            <a:r>
+              <a:rPr lang="pt-BR" dirty="0" smtClean="0">
+                <a:solidFill>
+                  <a:srgbClr val="666666"/>
+                </a:solidFill>
+              </a:rPr>
+              <a:t>O exemplo viola </a:t>
+            </a:r>
+            <a:r>
+              <a:rPr lang="pt-BR" dirty="0">
+                <a:solidFill>
+                  <a:srgbClr val="666666"/>
+                </a:solidFill>
+              </a:rPr>
+              <a:t>o DIP uma vez que </a:t>
+            </a:r>
+            <a:r>
+              <a:rPr lang="pt-BR" dirty="0" smtClean="0">
+                <a:solidFill>
+                  <a:srgbClr val="666666"/>
+                </a:solidFill>
+              </a:rPr>
+              <a:t>a classe </a:t>
+            </a:r>
+            <a:r>
+              <a:rPr lang="pt-BR" dirty="0" err="1" smtClean="0">
+                <a:solidFill>
+                  <a:srgbClr val="666666"/>
+                </a:solidFill>
+              </a:rPr>
+              <a:t>Botao</a:t>
+            </a:r>
+            <a:r>
+              <a:rPr lang="pt-BR" dirty="0" smtClean="0">
+                <a:solidFill>
+                  <a:srgbClr val="666666"/>
+                </a:solidFill>
+              </a:rPr>
+              <a:t> </a:t>
+            </a:r>
+            <a:r>
+              <a:rPr lang="pt-BR" dirty="0">
+                <a:solidFill>
+                  <a:srgbClr val="666666"/>
+                </a:solidFill>
+              </a:rPr>
+              <a:t>depende de uma classe concreta </a:t>
+            </a:r>
+            <a:r>
+              <a:rPr lang="pt-BR" dirty="0" err="1">
+                <a:solidFill>
+                  <a:srgbClr val="666666"/>
+                </a:solidFill>
+              </a:rPr>
+              <a:t>Lampada</a:t>
+            </a:r>
+            <a:r>
+              <a:rPr lang="pt-BR" dirty="0">
+                <a:solidFill>
+                  <a:srgbClr val="666666"/>
+                </a:solidFill>
+              </a:rPr>
+              <a:t>. </a:t>
+            </a:r>
+            <a:r>
+              <a:rPr lang="pt-BR" dirty="0" err="1">
+                <a:solidFill>
+                  <a:srgbClr val="666666"/>
+                </a:solidFill>
+              </a:rPr>
+              <a:t>Botao</a:t>
+            </a:r>
+            <a:r>
+              <a:rPr lang="pt-BR" dirty="0">
+                <a:solidFill>
+                  <a:srgbClr val="666666"/>
+                </a:solidFill>
+              </a:rPr>
+              <a:t> conhece detalhes de implementação ao invés de termos identificado uma abstração para o </a:t>
+            </a:r>
+            <a:r>
+              <a:rPr lang="pt-BR" dirty="0" smtClean="0">
+                <a:solidFill>
+                  <a:srgbClr val="666666"/>
+                </a:solidFill>
+              </a:rPr>
+              <a:t>design.</a:t>
+            </a:r>
+            <a:endParaRPr lang="pt-BR" b="1" u="sng" dirty="0" smtClean="0">
+              <a:solidFill>
+                <a:srgbClr val="666666"/>
+              </a:solidFill>
+            </a:endParaRPr>
+          </a:p>
+        </p:txBody>
+      </p:sp>
+      <p:sp>
+        <p:nvSpPr>
+          <p:cNvPr id="6" name="Shape 120"/>
+          <p:cNvSpPr txBox="1">
+            <a:spLocks/>
+          </p:cNvSpPr>
+          <p:nvPr/>
+        </p:nvSpPr>
+        <p:spPr>
+          <a:xfrm>
+            <a:off x="1915893" y="755374"/>
+            <a:ext cx="8229600" cy="1143001"/>
+          </a:xfrm>
+          <a:prstGeom prst="rect">
+            <a:avLst/>
+          </a:prstGeom>
+          <a:ln w="12700">
+            <a:miter lim="400000"/>
+          </a:ln>
+          <a:extLst>
+            <a:ext uri="{C572A759-6A51-4108-AA02-DFA0A04FC94B}">
+              <ma14:wrappingTextBoxFlag xmlns="" xmlns:ma14="http://schemas.microsoft.com/office/mac/drawingml/2011/main" val="1"/>
+            </a:ext>
+          </a:extLst>
+        </p:spPr>
+        <p:txBody>
+          <a:bodyPr lIns="45719" rIns="45719" anchor="ctr">
+            <a:normAutofit/>
+          </a:bodyPr>
+          <a:lstStyle>
+            <a:lvl1pPr marL="0" marR="0" indent="0" algn="ctr" defTabSz="914400" rtl="0" latinLnBrk="0">
+              <a:lnSpc>
+                <a:spcPct val="100000"/>
+              </a:lnSpc>
+              <a:spcBef>
+                <a:spcPts val="0"/>
+              </a:spcBef>
+              <a:spcAft>
+                <a:spcPts val="0"/>
+              </a:spcAft>
+              <a:buClrTx/>
+              <a:buSzTx/>
+              <a:buFontTx/>
+              <a:buNone/>
+              <a:tabLst/>
+              <a:defRPr sz="4400" b="0" i="0" u="none" strike="noStrike" cap="none" spc="0" baseline="0">
+                <a:ln>
+                  <a:noFill/>
+                </a:ln>
+                <a:solidFill>
+                  <a:srgbClr val="000000"/>
+                </a:solidFill>
+                <a:uFillTx/>
+                <a:latin typeface="+mn-lt"/>
+                <a:ea typeface="+mn-ea"/>
+                <a:cs typeface="+mn-cs"/>
+                <a:sym typeface="Calibri"/>
+              </a:defRPr>
+            </a:lvl1pPr>
+            <a:lvl2pPr marL="0" marR="0" indent="0" algn="ctr" defTabSz="914400" rtl="0" latinLnBrk="0">
+              <a:lnSpc>
+                <a:spcPct val="100000"/>
+              </a:lnSpc>
+              <a:spcBef>
+                <a:spcPts val="0"/>
+              </a:spcBef>
+              <a:spcAft>
+                <a:spcPts val="0"/>
+              </a:spcAft>
+              <a:buClrTx/>
+              <a:buSzTx/>
+              <a:buFontTx/>
+              <a:buNone/>
+              <a:tabLst/>
+              <a:defRPr sz="4400" b="0" i="0" u="none" strike="noStrike" cap="none" spc="0" baseline="0">
+                <a:ln>
+                  <a:noFill/>
+                </a:ln>
+                <a:solidFill>
+                  <a:srgbClr val="000000"/>
+                </a:solidFill>
+                <a:uFillTx/>
+                <a:latin typeface="+mn-lt"/>
+                <a:ea typeface="+mn-ea"/>
+                <a:cs typeface="+mn-cs"/>
+                <a:sym typeface="Calibri"/>
+              </a:defRPr>
+            </a:lvl2pPr>
+            <a:lvl3pPr marL="0" marR="0" indent="0" algn="ctr" defTabSz="914400" rtl="0" latinLnBrk="0">
+              <a:lnSpc>
+                <a:spcPct val="100000"/>
+              </a:lnSpc>
+              <a:spcBef>
+                <a:spcPts val="0"/>
+              </a:spcBef>
+              <a:spcAft>
+                <a:spcPts val="0"/>
+              </a:spcAft>
+              <a:buClrTx/>
+              <a:buSzTx/>
+              <a:buFontTx/>
+              <a:buNone/>
+              <a:tabLst/>
+              <a:defRPr sz="4400" b="0" i="0" u="none" strike="noStrike" cap="none" spc="0" baseline="0">
+                <a:ln>
+                  <a:noFill/>
+                </a:ln>
+                <a:solidFill>
+                  <a:srgbClr val="000000"/>
+                </a:solidFill>
+                <a:uFillTx/>
+                <a:latin typeface="+mn-lt"/>
+                <a:ea typeface="+mn-ea"/>
+                <a:cs typeface="+mn-cs"/>
+                <a:sym typeface="Calibri"/>
+              </a:defRPr>
+            </a:lvl3pPr>
+            <a:lvl4pPr marL="0" marR="0" indent="0" algn="ctr" defTabSz="914400" rtl="0" latinLnBrk="0">
+              <a:lnSpc>
+                <a:spcPct val="100000"/>
+              </a:lnSpc>
+              <a:spcBef>
+                <a:spcPts val="0"/>
+              </a:spcBef>
+              <a:spcAft>
+                <a:spcPts val="0"/>
+              </a:spcAft>
+              <a:buClrTx/>
+              <a:buSzTx/>
+              <a:buFontTx/>
+              <a:buNone/>
+              <a:tabLst/>
+              <a:defRPr sz="4400" b="0" i="0" u="none" strike="noStrike" cap="none" spc="0" baseline="0">
+                <a:ln>
+                  <a:noFill/>
+                </a:ln>
+                <a:solidFill>
+                  <a:srgbClr val="000000"/>
+                </a:solidFill>
+                <a:uFillTx/>
+                <a:latin typeface="+mn-lt"/>
+                <a:ea typeface="+mn-ea"/>
+                <a:cs typeface="+mn-cs"/>
+                <a:sym typeface="Calibri"/>
+              </a:defRPr>
+            </a:lvl4pPr>
+            <a:lvl5pPr marL="0" marR="0" indent="0" algn="ctr" defTabSz="914400" rtl="0" latinLnBrk="0">
+              <a:lnSpc>
+                <a:spcPct val="100000"/>
+              </a:lnSpc>
+              <a:spcBef>
+                <a:spcPts val="0"/>
+              </a:spcBef>
+              <a:spcAft>
+                <a:spcPts val="0"/>
+              </a:spcAft>
+              <a:buClrTx/>
+              <a:buSzTx/>
+              <a:buFontTx/>
+              <a:buNone/>
+              <a:tabLst/>
+              <a:defRPr sz="4400" b="0" i="0" u="none" strike="noStrike" cap="none" spc="0" baseline="0">
+                <a:ln>
+                  <a:noFill/>
+                </a:ln>
+                <a:solidFill>
+                  <a:srgbClr val="000000"/>
+                </a:solidFill>
+                <a:uFillTx/>
+                <a:latin typeface="+mn-lt"/>
+                <a:ea typeface="+mn-ea"/>
+                <a:cs typeface="+mn-cs"/>
+                <a:sym typeface="Calibri"/>
+              </a:defRPr>
+            </a:lvl5pPr>
+            <a:lvl6pPr marL="0" marR="0" indent="0" algn="ctr" defTabSz="914400" rtl="0" latinLnBrk="0">
+              <a:lnSpc>
+                <a:spcPct val="100000"/>
+              </a:lnSpc>
+              <a:spcBef>
+                <a:spcPts val="0"/>
+              </a:spcBef>
+              <a:spcAft>
+                <a:spcPts val="0"/>
+              </a:spcAft>
+              <a:buClrTx/>
+              <a:buSzTx/>
+              <a:buFontTx/>
+              <a:buNone/>
+              <a:tabLst/>
+              <a:defRPr sz="4400" b="0" i="0" u="none" strike="noStrike" cap="none" spc="0" baseline="0">
+                <a:ln>
+                  <a:noFill/>
+                </a:ln>
+                <a:solidFill>
+                  <a:srgbClr val="000000"/>
+                </a:solidFill>
+                <a:uFillTx/>
+                <a:latin typeface="+mn-lt"/>
+                <a:ea typeface="+mn-ea"/>
+                <a:cs typeface="+mn-cs"/>
+                <a:sym typeface="Calibri"/>
+              </a:defRPr>
+            </a:lvl6pPr>
+            <a:lvl7pPr marL="0" marR="0" indent="0" algn="ctr" defTabSz="914400" rtl="0" latinLnBrk="0">
+              <a:lnSpc>
+                <a:spcPct val="100000"/>
+              </a:lnSpc>
+              <a:spcBef>
+                <a:spcPts val="0"/>
+              </a:spcBef>
+              <a:spcAft>
+                <a:spcPts val="0"/>
+              </a:spcAft>
+              <a:buClrTx/>
+              <a:buSzTx/>
+              <a:buFontTx/>
+              <a:buNone/>
+              <a:tabLst/>
+              <a:defRPr sz="4400" b="0" i="0" u="none" strike="noStrike" cap="none" spc="0" baseline="0">
+                <a:ln>
+                  <a:noFill/>
+                </a:ln>
+                <a:solidFill>
+                  <a:srgbClr val="000000"/>
+                </a:solidFill>
+                <a:uFillTx/>
+                <a:latin typeface="+mn-lt"/>
+                <a:ea typeface="+mn-ea"/>
+                <a:cs typeface="+mn-cs"/>
+                <a:sym typeface="Calibri"/>
+              </a:defRPr>
+            </a:lvl7pPr>
+            <a:lvl8pPr marL="0" marR="0" indent="0" algn="ctr" defTabSz="914400" rtl="0" latinLnBrk="0">
+              <a:lnSpc>
+                <a:spcPct val="100000"/>
+              </a:lnSpc>
+              <a:spcBef>
+                <a:spcPts val="0"/>
+              </a:spcBef>
+              <a:spcAft>
+                <a:spcPts val="0"/>
+              </a:spcAft>
+              <a:buClrTx/>
+              <a:buSzTx/>
+              <a:buFontTx/>
+              <a:buNone/>
+              <a:tabLst/>
+              <a:defRPr sz="4400" b="0" i="0" u="none" strike="noStrike" cap="none" spc="0" baseline="0">
+                <a:ln>
+                  <a:noFill/>
+                </a:ln>
+                <a:solidFill>
+                  <a:srgbClr val="000000"/>
+                </a:solidFill>
+                <a:uFillTx/>
+                <a:latin typeface="+mn-lt"/>
+                <a:ea typeface="+mn-ea"/>
+                <a:cs typeface="+mn-cs"/>
+                <a:sym typeface="Calibri"/>
+              </a:defRPr>
+            </a:lvl8pPr>
+            <a:lvl9pPr marL="0" marR="0" indent="0" algn="ctr" defTabSz="914400" rtl="0" latinLnBrk="0">
+              <a:lnSpc>
+                <a:spcPct val="100000"/>
+              </a:lnSpc>
+              <a:spcBef>
+                <a:spcPts val="0"/>
+              </a:spcBef>
+              <a:spcAft>
+                <a:spcPts val="0"/>
+              </a:spcAft>
+              <a:buClrTx/>
+              <a:buSzTx/>
+              <a:buFontTx/>
+              <a:buNone/>
+              <a:tabLst/>
+              <a:defRPr sz="4400" b="0" i="0" u="none" strike="noStrike" cap="none" spc="0" baseline="0">
+                <a:ln>
+                  <a:noFill/>
+                </a:ln>
+                <a:solidFill>
+                  <a:srgbClr val="000000"/>
+                </a:solidFill>
+                <a:uFillTx/>
+                <a:latin typeface="+mn-lt"/>
+                <a:ea typeface="+mn-ea"/>
+                <a:cs typeface="+mn-cs"/>
+                <a:sym typeface="Calibri"/>
+              </a:defRPr>
+            </a:lvl9pPr>
+          </a:lstStyle>
+          <a:p>
+            <a:pPr hangingPunct="1">
+              <a:defRPr sz="2800" b="1">
+                <a:solidFill>
+                  <a:srgbClr val="11A79D"/>
+                </a:solidFill>
+              </a:defRPr>
+            </a:pPr>
+            <a:r>
+              <a:rPr lang="pt-BR" sz="5400" b="1" dirty="0" smtClean="0">
+                <a:solidFill>
+                  <a:srgbClr val="11A79D"/>
+                </a:solidFill>
+              </a:rPr>
+              <a:t>Forte acoplamento</a:t>
+            </a:r>
+            <a:endParaRPr lang="pt-BR" sz="5400" b="1" dirty="0">
+              <a:solidFill>
+                <a:schemeClr val="tx2"/>
+              </a:solidFill>
+            </a:endParaRPr>
+          </a:p>
+        </p:txBody>
+      </p:sp>
+      <p:pic>
+        <p:nvPicPr>
+          <p:cNvPr id="5" name="Imagem 4"/>
+          <p:cNvPicPr>
+            <a:picLocks noChangeAspect="1"/>
+          </p:cNvPicPr>
+          <p:nvPr/>
+        </p:nvPicPr>
+        <p:blipFill>
+          <a:blip r:embed="rId3"/>
+          <a:stretch>
+            <a:fillRect/>
+          </a:stretch>
+        </p:blipFill>
+        <p:spPr>
+          <a:xfrm>
+            <a:off x="7126804" y="2238856"/>
+            <a:ext cx="4105275" cy="3343275"/>
+          </a:xfrm>
+          <a:prstGeom prst="rect">
+            <a:avLst/>
+          </a:prstGeom>
+        </p:spPr>
+      </p:pic>
+    </p:spTree>
+    <p:extLst>
+      <p:ext uri="{BB962C8B-B14F-4D97-AF65-F5344CB8AC3E}">
+        <p14:creationId xmlns:p14="http://schemas.microsoft.com/office/powerpoint/2010/main" val="789170521"/>
+      </p:ext>
+    </p:extLst>
+  </p:cSld>
+  <p:clrMapOvr>
+    <a:masterClrMapping/>
+  </p:clrMapOvr>
+  <mc:AlternateContent xmlns:mc="http://schemas.openxmlformats.org/markup-compatibility/2006" xmlns:p14="http://schemas.microsoft.com/office/powerpoint/2010/main">
+    <mc:Choice Requires="p14">
+      <p:transition spd="med" p14:dur="700">
+        <p:fade/>
+      </p:transition>
+    </mc:Choice>
+    <mc:Fallback xmlns="">
+      <p:transition spd="med">
+        <p:fade/>
+      </p:transition>
+    </mc:Fallback>
+  </mc:AlternateContent>
+  <p:timing>
+    <p:tnLst>
+      <p:par>
+        <p:cTn id="1" dur="indefinite" restart="never" nodeType="tmRoot"/>
+      </p:par>
+    </p:tnLst>
+  </p:timing>
+</p:sld>
+</file>
+
+<file path=ppt/slides/slide21.xml><?xml version="1.0" encoding="utf-8"?>
+<p:sld xmlns:a="http://schemas.openxmlformats.org/drawingml/2006/main" xmlns:r="http://schemas.openxmlformats.org/officeDocument/2006/relationships" xmlns:p="http://schemas.openxmlformats.org/presentationml/2006/main">
+  <p:cSld>
+    <p:spTree>
+      <p:nvGrpSpPr>
+        <p:cNvPr id="1" name=""/>
+        <p:cNvGrpSpPr/>
+        <p:nvPr/>
+      </p:nvGrpSpPr>
+      <p:grpSpPr>
+        <a:xfrm>
+          <a:off x="0" y="0"/>
+          <a:ext cx="0" cy="0"/>
+          <a:chOff x="0" y="0"/>
+          <a:chExt cx="0" cy="0"/>
+        </a:xfrm>
+      </p:grpSpPr>
+      <p:sp>
+        <p:nvSpPr>
+          <p:cNvPr id="2" name="CaixaDeTexto 1"/>
+          <p:cNvSpPr txBox="1"/>
+          <p:nvPr/>
+        </p:nvSpPr>
+        <p:spPr>
+          <a:xfrm>
+            <a:off x="1752318" y="2345181"/>
+            <a:ext cx="5373311" cy="2169823"/>
+          </a:xfrm>
+          <a:prstGeom prst="rect">
+            <a:avLst/>
+          </a:prstGeom>
+          <a:noFill/>
+          <a:ln w="12700" cap="flat">
+            <a:noFill/>
+            <a:miter lim="400000"/>
+          </a:ln>
+          <a:effectLst/>
+          <a:sp3d/>
+        </p:spPr>
+        <p:style>
+          <a:lnRef idx="0">
+            <a:scrgbClr r="0" g="0" b="0"/>
+          </a:lnRef>
+          <a:fillRef idx="0">
+            <a:scrgbClr r="0" g="0" b="0"/>
+          </a:fillRef>
+          <a:effectRef idx="0">
+            <a:scrgbClr r="0" g="0" b="0"/>
+          </a:effectRef>
+          <a:fontRef idx="none"/>
+        </p:style>
+        <p:txBody>
+          <a:bodyPr rot="0" spcFirstLastPara="1" vertOverflow="overflow" horzOverflow="overflow" vert="horz" wrap="square" lIns="45719" tIns="45719" rIns="45719" bIns="45719" numCol="1" spcCol="38100" rtlCol="0" anchor="t">
+            <a:spAutoFit/>
+          </a:bodyPr>
+          <a:lstStyle/>
+          <a:p>
+            <a:pPr lvl="8" indent="0" algn="just">
+              <a:lnSpc>
+                <a:spcPct val="150000"/>
+              </a:lnSpc>
+            </a:pPr>
+            <a:r>
+              <a:rPr lang="pt-BR" dirty="0">
+                <a:solidFill>
+                  <a:srgbClr val="666666"/>
+                </a:solidFill>
+              </a:rPr>
+              <a:t>O padrão </a:t>
+            </a:r>
+            <a:r>
+              <a:rPr lang="pt-BR" dirty="0" err="1">
+                <a:solidFill>
+                  <a:srgbClr val="666666"/>
+                </a:solidFill>
+              </a:rPr>
+              <a:t>IoC</a:t>
+            </a:r>
+            <a:r>
+              <a:rPr lang="pt-BR" dirty="0">
+                <a:solidFill>
+                  <a:srgbClr val="666666"/>
+                </a:solidFill>
+              </a:rPr>
+              <a:t> nos diz o </a:t>
+            </a:r>
+            <a:r>
+              <a:rPr lang="pt-BR" dirty="0" smtClean="0">
+                <a:solidFill>
+                  <a:srgbClr val="666666"/>
+                </a:solidFill>
+              </a:rPr>
+              <a:t>que "</a:t>
+            </a:r>
+            <a:r>
+              <a:rPr lang="pt-BR" dirty="0">
+                <a:solidFill>
+                  <a:srgbClr val="666666"/>
+                </a:solidFill>
+              </a:rPr>
+              <a:t>Devemos delegar a tarefa de criação de um objeto </a:t>
+            </a:r>
+            <a:r>
+              <a:rPr lang="pt-BR" dirty="0" smtClean="0">
+                <a:solidFill>
+                  <a:srgbClr val="666666"/>
+                </a:solidFill>
+              </a:rPr>
+              <a:t>a </a:t>
+            </a:r>
+            <a:r>
+              <a:rPr lang="pt-BR" dirty="0">
+                <a:solidFill>
+                  <a:srgbClr val="666666"/>
+                </a:solidFill>
+              </a:rPr>
+              <a:t>uma outra entidade como uma outra classe, interface, componente, etc. de forma a termos um baixo acoplamento e minimizar a dependências entre os objetos."</a:t>
+            </a:r>
+            <a:endParaRPr lang="pt-BR" b="1" u="sng" dirty="0" smtClean="0">
+              <a:solidFill>
+                <a:srgbClr val="666666"/>
+              </a:solidFill>
+            </a:endParaRPr>
+          </a:p>
+        </p:txBody>
+      </p:sp>
+      <p:sp>
+        <p:nvSpPr>
+          <p:cNvPr id="6" name="Shape 120"/>
+          <p:cNvSpPr txBox="1">
+            <a:spLocks/>
+          </p:cNvSpPr>
+          <p:nvPr/>
+        </p:nvSpPr>
+        <p:spPr>
+          <a:xfrm>
+            <a:off x="1915893" y="755374"/>
+            <a:ext cx="8229600" cy="1143001"/>
+          </a:xfrm>
+          <a:prstGeom prst="rect">
+            <a:avLst/>
+          </a:prstGeom>
+          <a:ln w="12700">
+            <a:miter lim="400000"/>
+          </a:ln>
+          <a:extLst>
+            <a:ext uri="{C572A759-6A51-4108-AA02-DFA0A04FC94B}">
+              <ma14:wrappingTextBoxFlag xmlns="" xmlns:ma14="http://schemas.microsoft.com/office/mac/drawingml/2011/main" val="1"/>
+            </a:ext>
+          </a:extLst>
+        </p:spPr>
+        <p:txBody>
+          <a:bodyPr lIns="45719" rIns="45719" anchor="ctr">
+            <a:normAutofit/>
+          </a:bodyPr>
+          <a:lstStyle>
+            <a:lvl1pPr marL="0" marR="0" indent="0" algn="ctr" defTabSz="914400" rtl="0" latinLnBrk="0">
+              <a:lnSpc>
+                <a:spcPct val="100000"/>
+              </a:lnSpc>
+              <a:spcBef>
+                <a:spcPts val="0"/>
+              </a:spcBef>
+              <a:spcAft>
+                <a:spcPts val="0"/>
+              </a:spcAft>
+              <a:buClrTx/>
+              <a:buSzTx/>
+              <a:buFontTx/>
+              <a:buNone/>
+              <a:tabLst/>
+              <a:defRPr sz="4400" b="0" i="0" u="none" strike="noStrike" cap="none" spc="0" baseline="0">
+                <a:ln>
+                  <a:noFill/>
+                </a:ln>
+                <a:solidFill>
+                  <a:srgbClr val="000000"/>
+                </a:solidFill>
+                <a:uFillTx/>
+                <a:latin typeface="+mn-lt"/>
+                <a:ea typeface="+mn-ea"/>
+                <a:cs typeface="+mn-cs"/>
+                <a:sym typeface="Calibri"/>
+              </a:defRPr>
+            </a:lvl1pPr>
+            <a:lvl2pPr marL="0" marR="0" indent="0" algn="ctr" defTabSz="914400" rtl="0" latinLnBrk="0">
+              <a:lnSpc>
+                <a:spcPct val="100000"/>
+              </a:lnSpc>
+              <a:spcBef>
+                <a:spcPts val="0"/>
+              </a:spcBef>
+              <a:spcAft>
+                <a:spcPts val="0"/>
+              </a:spcAft>
+              <a:buClrTx/>
+              <a:buSzTx/>
+              <a:buFontTx/>
+              <a:buNone/>
+              <a:tabLst/>
+              <a:defRPr sz="4400" b="0" i="0" u="none" strike="noStrike" cap="none" spc="0" baseline="0">
+                <a:ln>
+                  <a:noFill/>
+                </a:ln>
+                <a:solidFill>
+                  <a:srgbClr val="000000"/>
+                </a:solidFill>
+                <a:uFillTx/>
+                <a:latin typeface="+mn-lt"/>
+                <a:ea typeface="+mn-ea"/>
+                <a:cs typeface="+mn-cs"/>
+                <a:sym typeface="Calibri"/>
+              </a:defRPr>
+            </a:lvl2pPr>
+            <a:lvl3pPr marL="0" marR="0" indent="0" algn="ctr" defTabSz="914400" rtl="0" latinLnBrk="0">
+              <a:lnSpc>
+                <a:spcPct val="100000"/>
+              </a:lnSpc>
+              <a:spcBef>
+                <a:spcPts val="0"/>
+              </a:spcBef>
+              <a:spcAft>
+                <a:spcPts val="0"/>
+              </a:spcAft>
+              <a:buClrTx/>
+              <a:buSzTx/>
+              <a:buFontTx/>
+              <a:buNone/>
+              <a:tabLst/>
+              <a:defRPr sz="4400" b="0" i="0" u="none" strike="noStrike" cap="none" spc="0" baseline="0">
+                <a:ln>
+                  <a:noFill/>
+                </a:ln>
+                <a:solidFill>
+                  <a:srgbClr val="000000"/>
+                </a:solidFill>
+                <a:uFillTx/>
+                <a:latin typeface="+mn-lt"/>
+                <a:ea typeface="+mn-ea"/>
+                <a:cs typeface="+mn-cs"/>
+                <a:sym typeface="Calibri"/>
+              </a:defRPr>
+            </a:lvl3pPr>
+            <a:lvl4pPr marL="0" marR="0" indent="0" algn="ctr" defTabSz="914400" rtl="0" latinLnBrk="0">
+              <a:lnSpc>
+                <a:spcPct val="100000"/>
+              </a:lnSpc>
+              <a:spcBef>
+                <a:spcPts val="0"/>
+              </a:spcBef>
+              <a:spcAft>
+                <a:spcPts val="0"/>
+              </a:spcAft>
+              <a:buClrTx/>
+              <a:buSzTx/>
+              <a:buFontTx/>
+              <a:buNone/>
+              <a:tabLst/>
+              <a:defRPr sz="4400" b="0" i="0" u="none" strike="noStrike" cap="none" spc="0" baseline="0">
+                <a:ln>
+                  <a:noFill/>
+                </a:ln>
+                <a:solidFill>
+                  <a:srgbClr val="000000"/>
+                </a:solidFill>
+                <a:uFillTx/>
+                <a:latin typeface="+mn-lt"/>
+                <a:ea typeface="+mn-ea"/>
+                <a:cs typeface="+mn-cs"/>
+                <a:sym typeface="Calibri"/>
+              </a:defRPr>
+            </a:lvl4pPr>
+            <a:lvl5pPr marL="0" marR="0" indent="0" algn="ctr" defTabSz="914400" rtl="0" latinLnBrk="0">
+              <a:lnSpc>
+                <a:spcPct val="100000"/>
+              </a:lnSpc>
+              <a:spcBef>
+                <a:spcPts val="0"/>
+              </a:spcBef>
+              <a:spcAft>
+                <a:spcPts val="0"/>
+              </a:spcAft>
+              <a:buClrTx/>
+              <a:buSzTx/>
+              <a:buFontTx/>
+              <a:buNone/>
+              <a:tabLst/>
+              <a:defRPr sz="4400" b="0" i="0" u="none" strike="noStrike" cap="none" spc="0" baseline="0">
+                <a:ln>
+                  <a:noFill/>
+                </a:ln>
+                <a:solidFill>
+                  <a:srgbClr val="000000"/>
+                </a:solidFill>
+                <a:uFillTx/>
+                <a:latin typeface="+mn-lt"/>
+                <a:ea typeface="+mn-ea"/>
+                <a:cs typeface="+mn-cs"/>
+                <a:sym typeface="Calibri"/>
+              </a:defRPr>
+            </a:lvl5pPr>
+            <a:lvl6pPr marL="0" marR="0" indent="0" algn="ctr" defTabSz="914400" rtl="0" latinLnBrk="0">
+              <a:lnSpc>
+                <a:spcPct val="100000"/>
+              </a:lnSpc>
+              <a:spcBef>
+                <a:spcPts val="0"/>
+              </a:spcBef>
+              <a:spcAft>
+                <a:spcPts val="0"/>
+              </a:spcAft>
+              <a:buClrTx/>
+              <a:buSzTx/>
+              <a:buFontTx/>
+              <a:buNone/>
+              <a:tabLst/>
+              <a:defRPr sz="4400" b="0" i="0" u="none" strike="noStrike" cap="none" spc="0" baseline="0">
+                <a:ln>
+                  <a:noFill/>
+                </a:ln>
+                <a:solidFill>
+                  <a:srgbClr val="000000"/>
+                </a:solidFill>
+                <a:uFillTx/>
+                <a:latin typeface="+mn-lt"/>
+                <a:ea typeface="+mn-ea"/>
+                <a:cs typeface="+mn-cs"/>
+                <a:sym typeface="Calibri"/>
+              </a:defRPr>
+            </a:lvl6pPr>
+            <a:lvl7pPr marL="0" marR="0" indent="0" algn="ctr" defTabSz="914400" rtl="0" latinLnBrk="0">
+              <a:lnSpc>
+                <a:spcPct val="100000"/>
+              </a:lnSpc>
+              <a:spcBef>
+                <a:spcPts val="0"/>
+              </a:spcBef>
+              <a:spcAft>
+                <a:spcPts val="0"/>
+              </a:spcAft>
+              <a:buClrTx/>
+              <a:buSzTx/>
+              <a:buFontTx/>
+              <a:buNone/>
+              <a:tabLst/>
+              <a:defRPr sz="4400" b="0" i="0" u="none" strike="noStrike" cap="none" spc="0" baseline="0">
+                <a:ln>
+                  <a:noFill/>
+                </a:ln>
+                <a:solidFill>
+                  <a:srgbClr val="000000"/>
+                </a:solidFill>
+                <a:uFillTx/>
+                <a:latin typeface="+mn-lt"/>
+                <a:ea typeface="+mn-ea"/>
+                <a:cs typeface="+mn-cs"/>
+                <a:sym typeface="Calibri"/>
+              </a:defRPr>
+            </a:lvl7pPr>
+            <a:lvl8pPr marL="0" marR="0" indent="0" algn="ctr" defTabSz="914400" rtl="0" latinLnBrk="0">
+              <a:lnSpc>
+                <a:spcPct val="100000"/>
+              </a:lnSpc>
+              <a:spcBef>
+                <a:spcPts val="0"/>
+              </a:spcBef>
+              <a:spcAft>
+                <a:spcPts val="0"/>
+              </a:spcAft>
+              <a:buClrTx/>
+              <a:buSzTx/>
+              <a:buFontTx/>
+              <a:buNone/>
+              <a:tabLst/>
+              <a:defRPr sz="4400" b="0" i="0" u="none" strike="noStrike" cap="none" spc="0" baseline="0">
+                <a:ln>
+                  <a:noFill/>
+                </a:ln>
+                <a:solidFill>
+                  <a:srgbClr val="000000"/>
+                </a:solidFill>
+                <a:uFillTx/>
+                <a:latin typeface="+mn-lt"/>
+                <a:ea typeface="+mn-ea"/>
+                <a:cs typeface="+mn-cs"/>
+                <a:sym typeface="Calibri"/>
+              </a:defRPr>
+            </a:lvl8pPr>
+            <a:lvl9pPr marL="0" marR="0" indent="0" algn="ctr" defTabSz="914400" rtl="0" latinLnBrk="0">
+              <a:lnSpc>
+                <a:spcPct val="100000"/>
+              </a:lnSpc>
+              <a:spcBef>
+                <a:spcPts val="0"/>
+              </a:spcBef>
+              <a:spcAft>
+                <a:spcPts val="0"/>
+              </a:spcAft>
+              <a:buClrTx/>
+              <a:buSzTx/>
+              <a:buFontTx/>
+              <a:buNone/>
+              <a:tabLst/>
+              <a:defRPr sz="4400" b="0" i="0" u="none" strike="noStrike" cap="none" spc="0" baseline="0">
+                <a:ln>
+                  <a:noFill/>
+                </a:ln>
+                <a:solidFill>
+                  <a:srgbClr val="000000"/>
+                </a:solidFill>
+                <a:uFillTx/>
+                <a:latin typeface="+mn-lt"/>
+                <a:ea typeface="+mn-ea"/>
+                <a:cs typeface="+mn-cs"/>
+                <a:sym typeface="Calibri"/>
+              </a:defRPr>
+            </a:lvl9pPr>
+          </a:lstStyle>
+          <a:p>
+            <a:pPr hangingPunct="1">
+              <a:defRPr sz="2800" b="1">
+                <a:solidFill>
+                  <a:srgbClr val="11A79D"/>
+                </a:solidFill>
+              </a:defRPr>
+            </a:pPr>
+            <a:r>
+              <a:rPr lang="pt-BR" sz="5400" b="1" dirty="0" smtClean="0">
+                <a:solidFill>
+                  <a:srgbClr val="11A79D"/>
+                </a:solidFill>
+              </a:rPr>
+              <a:t>Baixo acoplamento (</a:t>
+            </a:r>
+            <a:r>
+              <a:rPr lang="pt-BR" sz="5400" b="1" dirty="0" err="1" smtClean="0">
+                <a:solidFill>
+                  <a:srgbClr val="11A79D"/>
+                </a:solidFill>
+              </a:rPr>
+              <a:t>IoC</a:t>
+            </a:r>
+            <a:r>
+              <a:rPr lang="pt-BR" sz="5400" b="1" dirty="0" smtClean="0">
+                <a:solidFill>
+                  <a:srgbClr val="11A79D"/>
+                </a:solidFill>
+              </a:rPr>
+              <a:t>)</a:t>
+            </a:r>
+            <a:endParaRPr lang="pt-BR" sz="5400" b="1" dirty="0">
+              <a:solidFill>
+                <a:schemeClr val="tx2"/>
+              </a:solidFill>
+            </a:endParaRPr>
+          </a:p>
+        </p:txBody>
+      </p:sp>
+      <p:pic>
+        <p:nvPicPr>
+          <p:cNvPr id="7" name="Imagem 6"/>
+          <p:cNvPicPr>
+            <a:picLocks noChangeAspect="1"/>
+          </p:cNvPicPr>
+          <p:nvPr/>
+        </p:nvPicPr>
+        <p:blipFill>
+          <a:blip r:embed="rId3"/>
+          <a:stretch>
+            <a:fillRect/>
+          </a:stretch>
+        </p:blipFill>
+        <p:spPr>
+          <a:xfrm>
+            <a:off x="7874815" y="1898375"/>
+            <a:ext cx="3337026" cy="4279141"/>
+          </a:xfrm>
+          <a:prstGeom prst="rect">
+            <a:avLst/>
+          </a:prstGeom>
+        </p:spPr>
+      </p:pic>
+    </p:spTree>
+    <p:extLst>
+      <p:ext uri="{BB962C8B-B14F-4D97-AF65-F5344CB8AC3E}">
+        <p14:creationId xmlns:p14="http://schemas.microsoft.com/office/powerpoint/2010/main" val="1786424224"/>
+      </p:ext>
+    </p:extLst>
+  </p:cSld>
+  <p:clrMapOvr>
+    <a:masterClrMapping/>
+  </p:clrMapOvr>
+  <mc:AlternateContent xmlns:mc="http://schemas.openxmlformats.org/markup-compatibility/2006" xmlns:p14="http://schemas.microsoft.com/office/powerpoint/2010/main">
+    <mc:Choice Requires="p14">
+      <p:transition spd="med" p14:dur="700">
+        <p:fade/>
+      </p:transition>
+    </mc:Choice>
+    <mc:Fallback xmlns="">
+      <p:transition spd="med">
+        <p:fade/>
+      </p:transition>
+    </mc:Fallback>
+  </mc:AlternateContent>
+  <p:timing>
+    <p:tnLst>
+      <p:par>
+        <p:cTn id="1" dur="indefinite" restart="never" nodeType="tmRoot"/>
+      </p:par>
+    </p:tnLst>
+  </p:timing>
+</p:sld>
+</file>
+
+<file path=ppt/slides/slide22.xml><?xml version="1.0" encoding="utf-8"?>
+<p:sld xmlns:a="http://schemas.openxmlformats.org/drawingml/2006/main" xmlns:r="http://schemas.openxmlformats.org/officeDocument/2006/relationships" xmlns:p="http://schemas.openxmlformats.org/presentationml/2006/main">
+  <p:cSld>
+    <p:spTree>
+      <p:nvGrpSpPr>
+        <p:cNvPr id="1" name=""/>
+        <p:cNvGrpSpPr/>
+        <p:nvPr/>
+      </p:nvGrpSpPr>
+      <p:grpSpPr>
+        <a:xfrm>
+          <a:off x="0" y="0"/>
+          <a:ext cx="0" cy="0"/>
+          <a:chOff x="0" y="0"/>
+          <a:chExt cx="0" cy="0"/>
+        </a:xfrm>
+      </p:grpSpPr>
+      <p:sp>
+        <p:nvSpPr>
+          <p:cNvPr id="2" name="CaixaDeTexto 1"/>
+          <p:cNvSpPr txBox="1"/>
+          <p:nvPr/>
+        </p:nvSpPr>
+        <p:spPr>
+          <a:xfrm>
+            <a:off x="1752318" y="2345181"/>
             <a:ext cx="8495653" cy="923328"/>
           </a:xfrm>
           <a:prstGeom prst="rect">
@@ -10361,7 +11700,7 @@
           </a:ln>
           <a:extLst>
             <a:ext uri="{C572A759-6A51-4108-AA02-DFA0A04FC94B}">
-              <ma14:wrappingTextBoxFlag xmlns:ma14="http://schemas.microsoft.com/office/mac/drawingml/2011/main" xmlns="" val="1"/>
+              <ma14:wrappingTextBoxFlag xmlns="" xmlns:ma14="http://schemas.microsoft.com/office/mac/drawingml/2011/main" val="1"/>
             </a:ext>
           </a:extLst>
         </p:spPr>
@@ -10646,15 +11985,7 @@
                   <a:srgbClr val="11A79D"/>
                 </a:solidFill>
               </a:rPr>
-              <a:t>Inje</a:t>
-            </a:r>
-            <a:r>
-              <a:rPr lang="pt-BR" sz="5400" b="1" dirty="0" smtClean="0">
-                <a:solidFill>
-                  <a:srgbClr val="11A79D"/>
-                </a:solidFill>
-              </a:rPr>
-              <a:t>ção de dependência</a:t>
+              <a:t>Injeção de dependência</a:t>
             </a:r>
             <a:endParaRPr lang="pt-BR" sz="5400" b="1" dirty="0">
               <a:solidFill>
@@ -11350,7 +12681,7 @@
 </p:sld>
 </file>
 
-<file path=ppt/slides/slide21.xml><?xml version="1.0" encoding="utf-8"?>
+<file path=ppt/slides/slide23.xml><?xml version="1.0" encoding="utf-8"?>
 <p:sld xmlns:a="http://schemas.openxmlformats.org/drawingml/2006/main" xmlns:r="http://schemas.openxmlformats.org/officeDocument/2006/relationships" xmlns:p="http://schemas.openxmlformats.org/presentationml/2006/main">
   <p:cSld>
     <p:spTree>
@@ -11457,7 +12788,7 @@
           </a:ln>
           <a:extLst>
             <a:ext uri="{C572A759-6A51-4108-AA02-DFA0A04FC94B}">
-              <ma14:wrappingTextBoxFlag xmlns:ma14="http://schemas.microsoft.com/office/mac/drawingml/2011/main" xmlns="" val="1"/>
+              <ma14:wrappingTextBoxFlag xmlns="" xmlns:ma14="http://schemas.microsoft.com/office/mac/drawingml/2011/main" val="1"/>
             </a:ext>
           </a:extLst>
         </p:spPr>
@@ -11742,15 +13073,7 @@
                   <a:srgbClr val="11A79D"/>
                 </a:solidFill>
               </a:rPr>
-              <a:t>Inje</a:t>
-            </a:r>
-            <a:r>
-              <a:rPr lang="pt-BR" sz="5400" b="1" dirty="0" smtClean="0">
-                <a:solidFill>
-                  <a:srgbClr val="11A79D"/>
-                </a:solidFill>
-              </a:rPr>
-              <a:t>ção de dependência</a:t>
+              <a:t>Injeção de dependência</a:t>
             </a:r>
             <a:endParaRPr lang="pt-BR" sz="5400" b="1" dirty="0">
               <a:solidFill>
@@ -11792,7 +13115,7 @@
 </p:sld>
 </file>
 
-<file path=ppt/slides/slide22.xml><?xml version="1.0" encoding="utf-8"?>
+<file path=ppt/slides/slide24.xml><?xml version="1.0" encoding="utf-8"?>
 <p:sld xmlns:a="http://schemas.openxmlformats.org/drawingml/2006/main" xmlns:r="http://schemas.openxmlformats.org/officeDocument/2006/relationships" xmlns:p="http://schemas.openxmlformats.org/presentationml/2006/main">
   <p:cSld>
     <p:spTree>
@@ -11991,7 +13314,7 @@
           </a:ln>
           <a:extLst>
             <a:ext uri="{C572A759-6A51-4108-AA02-DFA0A04FC94B}">
-              <ma14:wrappingTextBoxFlag xmlns:ma14="http://schemas.microsoft.com/office/mac/drawingml/2011/main" xmlns="" val="1"/>
+              <ma14:wrappingTextBoxFlag xmlns="" xmlns:ma14="http://schemas.microsoft.com/office/mac/drawingml/2011/main" val="1"/>
             </a:ext>
           </a:extLst>
         </p:spPr>
@@ -12290,1149 +13613,6 @@
     <p:extLst>
       <p:ext uri="{BB962C8B-B14F-4D97-AF65-F5344CB8AC3E}">
         <p14:creationId xmlns:p14="http://schemas.microsoft.com/office/powerpoint/2010/main" val="1234874507"/>
-      </p:ext>
-    </p:extLst>
-  </p:cSld>
-  <p:clrMapOvr>
-    <a:masterClrMapping/>
-  </p:clrMapOvr>
-  <mc:AlternateContent xmlns:mc="http://schemas.openxmlformats.org/markup-compatibility/2006" xmlns:p14="http://schemas.microsoft.com/office/powerpoint/2010/main">
-    <mc:Choice Requires="p14">
-      <p:transition spd="med" p14:dur="700">
-        <p:fade/>
-      </p:transition>
-    </mc:Choice>
-    <mc:Fallback xmlns="">
-      <p:transition spd="med">
-        <p:fade/>
-      </p:transition>
-    </mc:Fallback>
-  </mc:AlternateContent>
-  <p:timing>
-    <p:tnLst>
-      <p:par>
-        <p:cTn id="1" dur="indefinite" restart="never" nodeType="tmRoot"/>
-      </p:par>
-    </p:tnLst>
-  </p:timing>
-</p:sld>
-</file>
-
-<file path=ppt/slides/slide23.xml><?xml version="1.0" encoding="utf-8"?>
-<p:sld xmlns:a="http://schemas.openxmlformats.org/drawingml/2006/main" xmlns:r="http://schemas.openxmlformats.org/officeDocument/2006/relationships" xmlns:p="http://schemas.openxmlformats.org/presentationml/2006/main">
-  <p:cSld>
-    <p:spTree>
-      <p:nvGrpSpPr>
-        <p:cNvPr id="1" name=""/>
-        <p:cNvGrpSpPr/>
-        <p:nvPr/>
-      </p:nvGrpSpPr>
-      <p:grpSpPr>
-        <a:xfrm>
-          <a:off x="0" y="0"/>
-          <a:ext cx="0" cy="0"/>
-          <a:chOff x="0" y="0"/>
-          <a:chExt cx="0" cy="0"/>
-        </a:xfrm>
-      </p:grpSpPr>
-      <p:sp>
-        <p:nvSpPr>
-          <p:cNvPr id="6" name="Shape 120"/>
-          <p:cNvSpPr txBox="1">
-            <a:spLocks/>
-          </p:cNvSpPr>
-          <p:nvPr/>
-        </p:nvSpPr>
-        <p:spPr>
-          <a:xfrm>
-            <a:off x="1915893" y="755374"/>
-            <a:ext cx="8229600" cy="1143001"/>
-          </a:xfrm>
-          <a:prstGeom prst="rect">
-            <a:avLst/>
-          </a:prstGeom>
-          <a:ln w="12700">
-            <a:miter lim="400000"/>
-          </a:ln>
-          <a:extLst>
-            <a:ext uri="{C572A759-6A51-4108-AA02-DFA0A04FC94B}">
-              <ma14:wrappingTextBoxFlag xmlns:ma14="http://schemas.microsoft.com/office/mac/drawingml/2011/main" xmlns="" val="1"/>
-            </a:ext>
-          </a:extLst>
-        </p:spPr>
-        <p:txBody>
-          <a:bodyPr lIns="45719" rIns="45719" anchor="ctr">
-            <a:normAutofit/>
-          </a:bodyPr>
-          <a:lstStyle>
-            <a:lvl1pPr marL="0" marR="0" indent="0" algn="ctr" defTabSz="914400" rtl="0" latinLnBrk="0">
-              <a:lnSpc>
-                <a:spcPct val="100000"/>
-              </a:lnSpc>
-              <a:spcBef>
-                <a:spcPts val="0"/>
-              </a:spcBef>
-              <a:spcAft>
-                <a:spcPts val="0"/>
-              </a:spcAft>
-              <a:buClrTx/>
-              <a:buSzTx/>
-              <a:buFontTx/>
-              <a:buNone/>
-              <a:tabLst/>
-              <a:defRPr sz="4400" b="0" i="0" u="none" strike="noStrike" cap="none" spc="0" baseline="0">
-                <a:ln>
-                  <a:noFill/>
-                </a:ln>
-                <a:solidFill>
-                  <a:srgbClr val="000000"/>
-                </a:solidFill>
-                <a:uFillTx/>
-                <a:latin typeface="+mn-lt"/>
-                <a:ea typeface="+mn-ea"/>
-                <a:cs typeface="+mn-cs"/>
-                <a:sym typeface="Calibri"/>
-              </a:defRPr>
-            </a:lvl1pPr>
-            <a:lvl2pPr marL="0" marR="0" indent="0" algn="ctr" defTabSz="914400" rtl="0" latinLnBrk="0">
-              <a:lnSpc>
-                <a:spcPct val="100000"/>
-              </a:lnSpc>
-              <a:spcBef>
-                <a:spcPts val="0"/>
-              </a:spcBef>
-              <a:spcAft>
-                <a:spcPts val="0"/>
-              </a:spcAft>
-              <a:buClrTx/>
-              <a:buSzTx/>
-              <a:buFontTx/>
-              <a:buNone/>
-              <a:tabLst/>
-              <a:defRPr sz="4400" b="0" i="0" u="none" strike="noStrike" cap="none" spc="0" baseline="0">
-                <a:ln>
-                  <a:noFill/>
-                </a:ln>
-                <a:solidFill>
-                  <a:srgbClr val="000000"/>
-                </a:solidFill>
-                <a:uFillTx/>
-                <a:latin typeface="+mn-lt"/>
-                <a:ea typeface="+mn-ea"/>
-                <a:cs typeface="+mn-cs"/>
-                <a:sym typeface="Calibri"/>
-              </a:defRPr>
-            </a:lvl2pPr>
-            <a:lvl3pPr marL="0" marR="0" indent="0" algn="ctr" defTabSz="914400" rtl="0" latinLnBrk="0">
-              <a:lnSpc>
-                <a:spcPct val="100000"/>
-              </a:lnSpc>
-              <a:spcBef>
-                <a:spcPts val="0"/>
-              </a:spcBef>
-              <a:spcAft>
-                <a:spcPts val="0"/>
-              </a:spcAft>
-              <a:buClrTx/>
-              <a:buSzTx/>
-              <a:buFontTx/>
-              <a:buNone/>
-              <a:tabLst/>
-              <a:defRPr sz="4400" b="0" i="0" u="none" strike="noStrike" cap="none" spc="0" baseline="0">
-                <a:ln>
-                  <a:noFill/>
-                </a:ln>
-                <a:solidFill>
-                  <a:srgbClr val="000000"/>
-                </a:solidFill>
-                <a:uFillTx/>
-                <a:latin typeface="+mn-lt"/>
-                <a:ea typeface="+mn-ea"/>
-                <a:cs typeface="+mn-cs"/>
-                <a:sym typeface="Calibri"/>
-              </a:defRPr>
-            </a:lvl3pPr>
-            <a:lvl4pPr marL="0" marR="0" indent="0" algn="ctr" defTabSz="914400" rtl="0" latinLnBrk="0">
-              <a:lnSpc>
-                <a:spcPct val="100000"/>
-              </a:lnSpc>
-              <a:spcBef>
-                <a:spcPts val="0"/>
-              </a:spcBef>
-              <a:spcAft>
-                <a:spcPts val="0"/>
-              </a:spcAft>
-              <a:buClrTx/>
-              <a:buSzTx/>
-              <a:buFontTx/>
-              <a:buNone/>
-              <a:tabLst/>
-              <a:defRPr sz="4400" b="0" i="0" u="none" strike="noStrike" cap="none" spc="0" baseline="0">
-                <a:ln>
-                  <a:noFill/>
-                </a:ln>
-                <a:solidFill>
-                  <a:srgbClr val="000000"/>
-                </a:solidFill>
-                <a:uFillTx/>
-                <a:latin typeface="+mn-lt"/>
-                <a:ea typeface="+mn-ea"/>
-                <a:cs typeface="+mn-cs"/>
-                <a:sym typeface="Calibri"/>
-              </a:defRPr>
-            </a:lvl4pPr>
-            <a:lvl5pPr marL="0" marR="0" indent="0" algn="ctr" defTabSz="914400" rtl="0" latinLnBrk="0">
-              <a:lnSpc>
-                <a:spcPct val="100000"/>
-              </a:lnSpc>
-              <a:spcBef>
-                <a:spcPts val="0"/>
-              </a:spcBef>
-              <a:spcAft>
-                <a:spcPts val="0"/>
-              </a:spcAft>
-              <a:buClrTx/>
-              <a:buSzTx/>
-              <a:buFontTx/>
-              <a:buNone/>
-              <a:tabLst/>
-              <a:defRPr sz="4400" b="0" i="0" u="none" strike="noStrike" cap="none" spc="0" baseline="0">
-                <a:ln>
-                  <a:noFill/>
-                </a:ln>
-                <a:solidFill>
-                  <a:srgbClr val="000000"/>
-                </a:solidFill>
-                <a:uFillTx/>
-                <a:latin typeface="+mn-lt"/>
-                <a:ea typeface="+mn-ea"/>
-                <a:cs typeface="+mn-cs"/>
-                <a:sym typeface="Calibri"/>
-              </a:defRPr>
-            </a:lvl5pPr>
-            <a:lvl6pPr marL="0" marR="0" indent="0" algn="ctr" defTabSz="914400" rtl="0" latinLnBrk="0">
-              <a:lnSpc>
-                <a:spcPct val="100000"/>
-              </a:lnSpc>
-              <a:spcBef>
-                <a:spcPts val="0"/>
-              </a:spcBef>
-              <a:spcAft>
-                <a:spcPts val="0"/>
-              </a:spcAft>
-              <a:buClrTx/>
-              <a:buSzTx/>
-              <a:buFontTx/>
-              <a:buNone/>
-              <a:tabLst/>
-              <a:defRPr sz="4400" b="0" i="0" u="none" strike="noStrike" cap="none" spc="0" baseline="0">
-                <a:ln>
-                  <a:noFill/>
-                </a:ln>
-                <a:solidFill>
-                  <a:srgbClr val="000000"/>
-                </a:solidFill>
-                <a:uFillTx/>
-                <a:latin typeface="+mn-lt"/>
-                <a:ea typeface="+mn-ea"/>
-                <a:cs typeface="+mn-cs"/>
-                <a:sym typeface="Calibri"/>
-              </a:defRPr>
-            </a:lvl6pPr>
-            <a:lvl7pPr marL="0" marR="0" indent="0" algn="ctr" defTabSz="914400" rtl="0" latinLnBrk="0">
-              <a:lnSpc>
-                <a:spcPct val="100000"/>
-              </a:lnSpc>
-              <a:spcBef>
-                <a:spcPts val="0"/>
-              </a:spcBef>
-              <a:spcAft>
-                <a:spcPts val="0"/>
-              </a:spcAft>
-              <a:buClrTx/>
-              <a:buSzTx/>
-              <a:buFontTx/>
-              <a:buNone/>
-              <a:tabLst/>
-              <a:defRPr sz="4400" b="0" i="0" u="none" strike="noStrike" cap="none" spc="0" baseline="0">
-                <a:ln>
-                  <a:noFill/>
-                </a:ln>
-                <a:solidFill>
-                  <a:srgbClr val="000000"/>
-                </a:solidFill>
-                <a:uFillTx/>
-                <a:latin typeface="+mn-lt"/>
-                <a:ea typeface="+mn-ea"/>
-                <a:cs typeface="+mn-cs"/>
-                <a:sym typeface="Calibri"/>
-              </a:defRPr>
-            </a:lvl7pPr>
-            <a:lvl8pPr marL="0" marR="0" indent="0" algn="ctr" defTabSz="914400" rtl="0" latinLnBrk="0">
-              <a:lnSpc>
-                <a:spcPct val="100000"/>
-              </a:lnSpc>
-              <a:spcBef>
-                <a:spcPts val="0"/>
-              </a:spcBef>
-              <a:spcAft>
-                <a:spcPts val="0"/>
-              </a:spcAft>
-              <a:buClrTx/>
-              <a:buSzTx/>
-              <a:buFontTx/>
-              <a:buNone/>
-              <a:tabLst/>
-              <a:defRPr sz="4400" b="0" i="0" u="none" strike="noStrike" cap="none" spc="0" baseline="0">
-                <a:ln>
-                  <a:noFill/>
-                </a:ln>
-                <a:solidFill>
-                  <a:srgbClr val="000000"/>
-                </a:solidFill>
-                <a:uFillTx/>
-                <a:latin typeface="+mn-lt"/>
-                <a:ea typeface="+mn-ea"/>
-                <a:cs typeface="+mn-cs"/>
-                <a:sym typeface="Calibri"/>
-              </a:defRPr>
-            </a:lvl8pPr>
-            <a:lvl9pPr marL="0" marR="0" indent="0" algn="ctr" defTabSz="914400" rtl="0" latinLnBrk="0">
-              <a:lnSpc>
-                <a:spcPct val="100000"/>
-              </a:lnSpc>
-              <a:spcBef>
-                <a:spcPts val="0"/>
-              </a:spcBef>
-              <a:spcAft>
-                <a:spcPts val="0"/>
-              </a:spcAft>
-              <a:buClrTx/>
-              <a:buSzTx/>
-              <a:buFontTx/>
-              <a:buNone/>
-              <a:tabLst/>
-              <a:defRPr sz="4400" b="0" i="0" u="none" strike="noStrike" cap="none" spc="0" baseline="0">
-                <a:ln>
-                  <a:noFill/>
-                </a:ln>
-                <a:solidFill>
-                  <a:srgbClr val="000000"/>
-                </a:solidFill>
-                <a:uFillTx/>
-                <a:latin typeface="+mn-lt"/>
-                <a:ea typeface="+mn-ea"/>
-                <a:cs typeface="+mn-cs"/>
-                <a:sym typeface="Calibri"/>
-              </a:defRPr>
-            </a:lvl9pPr>
-          </a:lstStyle>
-          <a:p>
-            <a:pPr hangingPunct="1">
-              <a:defRPr sz="2800" b="1">
-                <a:solidFill>
-                  <a:srgbClr val="11A79D"/>
-                </a:solidFill>
-              </a:defRPr>
-            </a:pPr>
-            <a:r>
-              <a:rPr lang="pt-BR" sz="5400" b="1" dirty="0" smtClean="0">
-                <a:solidFill>
-                  <a:srgbClr val="11A79D"/>
-                </a:solidFill>
-              </a:rPr>
-              <a:t>Implementação</a:t>
-            </a:r>
-            <a:endParaRPr lang="pt-BR" sz="5400" b="1" dirty="0">
-              <a:solidFill>
-                <a:schemeClr val="tx2"/>
-              </a:solidFill>
-            </a:endParaRPr>
-          </a:p>
-        </p:txBody>
-      </p:sp>
-      <p:sp>
-        <p:nvSpPr>
-          <p:cNvPr id="5" name="CaixaDeTexto 4"/>
-          <p:cNvSpPr txBox="1"/>
-          <p:nvPr/>
-        </p:nvSpPr>
-        <p:spPr>
-          <a:xfrm>
-            <a:off x="1496663" y="2212488"/>
-            <a:ext cx="9068059" cy="3416318"/>
-          </a:xfrm>
-          <a:prstGeom prst="rect">
-            <a:avLst/>
-          </a:prstGeom>
-          <a:noFill/>
-          <a:ln w="12700" cap="flat">
-            <a:noFill/>
-            <a:miter lim="400000"/>
-          </a:ln>
-          <a:effectLst/>
-          <a:sp3d/>
-        </p:spPr>
-        <p:style>
-          <a:lnRef idx="0">
-            <a:scrgbClr r="0" g="0" b="0"/>
-          </a:lnRef>
-          <a:fillRef idx="0">
-            <a:scrgbClr r="0" g="0" b="0"/>
-          </a:fillRef>
-          <a:effectRef idx="0">
-            <a:scrgbClr r="0" g="0" b="0"/>
-          </a:effectRef>
-          <a:fontRef idx="none"/>
-        </p:style>
-        <p:txBody>
-          <a:bodyPr rot="0" spcFirstLastPara="1" vertOverflow="overflow" horzOverflow="overflow" vert="horz" wrap="square" lIns="45719" tIns="45719" rIns="45719" bIns="45719" numCol="1" spcCol="38100" rtlCol="0" anchor="t">
-            <a:spAutoFit/>
-          </a:bodyPr>
-          <a:lstStyle/>
-          <a:p>
-            <a:pPr marL="285750" lvl="8" indent="-285750" algn="just">
-              <a:lnSpc>
-                <a:spcPct val="150000"/>
-              </a:lnSpc>
-              <a:buFont typeface="Arial" pitchFamily="34" charset="0"/>
-              <a:buChar char="•"/>
-            </a:pPr>
-            <a:r>
-              <a:rPr lang="pt-BR" b="1" dirty="0" smtClean="0">
-                <a:solidFill>
-                  <a:srgbClr val="666666"/>
-                </a:solidFill>
-              </a:rPr>
-              <a:t>Construtor</a:t>
-            </a:r>
-            <a:r>
-              <a:rPr lang="pt-BR" dirty="0" smtClean="0">
-                <a:solidFill>
-                  <a:srgbClr val="666666"/>
-                </a:solidFill>
-              </a:rPr>
-              <a:t>: Modo </a:t>
-            </a:r>
-            <a:r>
-              <a:rPr lang="pt-BR" dirty="0">
-                <a:solidFill>
-                  <a:srgbClr val="666666"/>
-                </a:solidFill>
-              </a:rPr>
-              <a:t>em que implementamos a injeção de dependência na definição dos construtores das classes;</a:t>
-            </a:r>
-          </a:p>
-          <a:p>
-            <a:pPr marL="285750" lvl="8" indent="-285750" algn="just">
-              <a:lnSpc>
-                <a:spcPct val="150000"/>
-              </a:lnSpc>
-              <a:buFont typeface="Arial" pitchFamily="34" charset="0"/>
-              <a:buChar char="•"/>
-            </a:pPr>
-            <a:r>
-              <a:rPr lang="pt-BR" b="1" dirty="0" err="1">
-                <a:solidFill>
-                  <a:srgbClr val="666666"/>
-                </a:solidFill>
-              </a:rPr>
-              <a:t>Getter</a:t>
-            </a:r>
-            <a:r>
-              <a:rPr lang="pt-BR" b="1" dirty="0">
-                <a:solidFill>
-                  <a:srgbClr val="666666"/>
-                </a:solidFill>
-              </a:rPr>
-              <a:t> </a:t>
-            </a:r>
-            <a:r>
-              <a:rPr lang="pt-BR" b="1" dirty="0" err="1">
-                <a:solidFill>
-                  <a:srgbClr val="666666"/>
-                </a:solidFill>
-              </a:rPr>
-              <a:t>and</a:t>
-            </a:r>
-            <a:r>
-              <a:rPr lang="pt-BR" b="1" dirty="0">
-                <a:solidFill>
-                  <a:srgbClr val="666666"/>
-                </a:solidFill>
-              </a:rPr>
-              <a:t> </a:t>
-            </a:r>
-            <a:r>
-              <a:rPr lang="pt-BR" b="1" dirty="0" err="1" smtClean="0">
-                <a:solidFill>
-                  <a:srgbClr val="666666"/>
-                </a:solidFill>
-              </a:rPr>
-              <a:t>Setter</a:t>
-            </a:r>
-            <a:r>
-              <a:rPr lang="pt-BR" dirty="0" smtClean="0">
-                <a:solidFill>
-                  <a:srgbClr val="666666"/>
-                </a:solidFill>
-              </a:rPr>
-              <a:t>:  </a:t>
-            </a:r>
-            <a:r>
-              <a:rPr lang="pt-BR" dirty="0">
-                <a:solidFill>
-                  <a:srgbClr val="666666"/>
-                </a:solidFill>
-              </a:rPr>
-              <a:t>Modo em que implementamos a injeção de dependência na definição dos </a:t>
-            </a:r>
-            <a:r>
-              <a:rPr lang="pt-BR" dirty="0" err="1">
-                <a:solidFill>
-                  <a:srgbClr val="666666"/>
-                </a:solidFill>
-              </a:rPr>
-              <a:t>Gets</a:t>
-            </a:r>
-            <a:r>
-              <a:rPr lang="pt-BR" dirty="0">
-                <a:solidFill>
-                  <a:srgbClr val="666666"/>
-                </a:solidFill>
-              </a:rPr>
-              <a:t> e Sets das classes;</a:t>
-            </a:r>
-          </a:p>
-          <a:p>
-            <a:pPr marL="285750" lvl="8" indent="-285750" algn="just">
-              <a:lnSpc>
-                <a:spcPct val="150000"/>
-              </a:lnSpc>
-              <a:buFont typeface="Arial" pitchFamily="34" charset="0"/>
-              <a:buChar char="•"/>
-            </a:pPr>
-            <a:r>
-              <a:rPr lang="pt-BR" b="1" dirty="0">
-                <a:solidFill>
-                  <a:srgbClr val="666666"/>
-                </a:solidFill>
-              </a:rPr>
-              <a:t>Interface </a:t>
-            </a:r>
-            <a:r>
-              <a:rPr lang="pt-BR" b="1" dirty="0" err="1" smtClean="0">
-                <a:solidFill>
-                  <a:srgbClr val="666666"/>
-                </a:solidFill>
-              </a:rPr>
-              <a:t>Implementation</a:t>
-            </a:r>
-            <a:r>
-              <a:rPr lang="pt-BR" dirty="0" smtClean="0">
-                <a:solidFill>
-                  <a:srgbClr val="666666"/>
-                </a:solidFill>
-              </a:rPr>
-              <a:t>: Modo </a:t>
-            </a:r>
-            <a:r>
-              <a:rPr lang="pt-BR" dirty="0">
-                <a:solidFill>
-                  <a:srgbClr val="666666"/>
-                </a:solidFill>
-              </a:rPr>
-              <a:t>em que se usa a definição de Interfaces para realizar a injeção de dependência;</a:t>
-            </a:r>
-          </a:p>
-          <a:p>
-            <a:pPr marL="285750" lvl="8" indent="-285750" algn="just">
-              <a:lnSpc>
-                <a:spcPct val="150000"/>
-              </a:lnSpc>
-              <a:buFont typeface="Arial" pitchFamily="34" charset="0"/>
-              <a:buChar char="•"/>
-            </a:pPr>
-            <a:r>
-              <a:rPr lang="pt-BR" b="1" dirty="0">
-                <a:solidFill>
-                  <a:srgbClr val="666666"/>
-                </a:solidFill>
-              </a:rPr>
-              <a:t>Service </a:t>
-            </a:r>
-            <a:r>
-              <a:rPr lang="pt-BR" b="1" dirty="0" err="1" smtClean="0">
-                <a:solidFill>
-                  <a:srgbClr val="666666"/>
-                </a:solidFill>
-              </a:rPr>
-              <a:t>Locator</a:t>
-            </a:r>
-            <a:r>
-              <a:rPr lang="pt-BR" b="1" dirty="0" smtClean="0">
-                <a:solidFill>
-                  <a:srgbClr val="666666"/>
-                </a:solidFill>
-              </a:rPr>
-              <a:t>: </a:t>
-            </a:r>
-            <a:r>
-              <a:rPr lang="pt-BR" dirty="0" smtClean="0">
-                <a:solidFill>
-                  <a:srgbClr val="666666"/>
-                </a:solidFill>
-              </a:rPr>
-              <a:t>Modo </a:t>
-            </a:r>
-            <a:r>
-              <a:rPr lang="pt-BR" dirty="0">
-                <a:solidFill>
-                  <a:srgbClr val="666666"/>
-                </a:solidFill>
-              </a:rPr>
-              <a:t>em que construímos classes que servem como “localizadoras” de objetos que iremos instanciar em nossas outras classes.</a:t>
-            </a:r>
-            <a:endParaRPr lang="pt-BR" dirty="0" smtClean="0">
-              <a:solidFill>
-                <a:srgbClr val="666666"/>
-              </a:solidFill>
-            </a:endParaRPr>
-          </a:p>
-        </p:txBody>
-      </p:sp>
-    </p:spTree>
-    <p:extLst>
-      <p:ext uri="{BB962C8B-B14F-4D97-AF65-F5344CB8AC3E}">
-        <p14:creationId xmlns:p14="http://schemas.microsoft.com/office/powerpoint/2010/main" val="503822248"/>
-      </p:ext>
-    </p:extLst>
-  </p:cSld>
-  <p:clrMapOvr>
-    <a:masterClrMapping/>
-  </p:clrMapOvr>
-  <mc:AlternateContent xmlns:mc="http://schemas.openxmlformats.org/markup-compatibility/2006" xmlns:p14="http://schemas.microsoft.com/office/powerpoint/2010/main">
-    <mc:Choice Requires="p14">
-      <p:transition spd="med" p14:dur="700">
-        <p:fade/>
-      </p:transition>
-    </mc:Choice>
-    <mc:Fallback xmlns="">
-      <p:transition spd="med">
-        <p:fade/>
-      </p:transition>
-    </mc:Fallback>
-  </mc:AlternateContent>
-  <p:timing>
-    <p:tnLst>
-      <p:par>
-        <p:cTn id="1" dur="indefinite" restart="never" nodeType="tmRoot"/>
-      </p:par>
-    </p:tnLst>
-  </p:timing>
-</p:sld>
-</file>
-
-<file path=ppt/slides/slide24.xml><?xml version="1.0" encoding="utf-8"?>
-<p:sld xmlns:a="http://schemas.openxmlformats.org/drawingml/2006/main" xmlns:r="http://schemas.openxmlformats.org/officeDocument/2006/relationships" xmlns:p="http://schemas.openxmlformats.org/presentationml/2006/main">
-  <p:cSld>
-    <p:spTree>
-      <p:nvGrpSpPr>
-        <p:cNvPr id="1" name=""/>
-        <p:cNvGrpSpPr/>
-        <p:nvPr/>
-      </p:nvGrpSpPr>
-      <p:grpSpPr>
-        <a:xfrm>
-          <a:off x="0" y="0"/>
-          <a:ext cx="0" cy="0"/>
-          <a:chOff x="0" y="0"/>
-          <a:chExt cx="0" cy="0"/>
-        </a:xfrm>
-      </p:grpSpPr>
-      <p:sp>
-        <p:nvSpPr>
-          <p:cNvPr id="6" name="Shape 120"/>
-          <p:cNvSpPr txBox="1">
-            <a:spLocks/>
-          </p:cNvSpPr>
-          <p:nvPr/>
-        </p:nvSpPr>
-        <p:spPr>
-          <a:xfrm>
-            <a:off x="1915893" y="755374"/>
-            <a:ext cx="8229600" cy="1143001"/>
-          </a:xfrm>
-          <a:prstGeom prst="rect">
-            <a:avLst/>
-          </a:prstGeom>
-          <a:ln w="12700">
-            <a:miter lim="400000"/>
-          </a:ln>
-          <a:extLst>
-            <a:ext uri="{C572A759-6A51-4108-AA02-DFA0A04FC94B}">
-              <ma14:wrappingTextBoxFlag xmlns:ma14="http://schemas.microsoft.com/office/mac/drawingml/2011/main" xmlns="" val="1"/>
-            </a:ext>
-          </a:extLst>
-        </p:spPr>
-        <p:txBody>
-          <a:bodyPr lIns="45719" rIns="45719" anchor="ctr">
-            <a:normAutofit/>
-          </a:bodyPr>
-          <a:lstStyle>
-            <a:lvl1pPr marL="0" marR="0" indent="0" algn="ctr" defTabSz="914400" rtl="0" latinLnBrk="0">
-              <a:lnSpc>
-                <a:spcPct val="100000"/>
-              </a:lnSpc>
-              <a:spcBef>
-                <a:spcPts val="0"/>
-              </a:spcBef>
-              <a:spcAft>
-                <a:spcPts val="0"/>
-              </a:spcAft>
-              <a:buClrTx/>
-              <a:buSzTx/>
-              <a:buFontTx/>
-              <a:buNone/>
-              <a:tabLst/>
-              <a:defRPr sz="4400" b="0" i="0" u="none" strike="noStrike" cap="none" spc="0" baseline="0">
-                <a:ln>
-                  <a:noFill/>
-                </a:ln>
-                <a:solidFill>
-                  <a:srgbClr val="000000"/>
-                </a:solidFill>
-                <a:uFillTx/>
-                <a:latin typeface="+mn-lt"/>
-                <a:ea typeface="+mn-ea"/>
-                <a:cs typeface="+mn-cs"/>
-                <a:sym typeface="Calibri"/>
-              </a:defRPr>
-            </a:lvl1pPr>
-            <a:lvl2pPr marL="0" marR="0" indent="0" algn="ctr" defTabSz="914400" rtl="0" latinLnBrk="0">
-              <a:lnSpc>
-                <a:spcPct val="100000"/>
-              </a:lnSpc>
-              <a:spcBef>
-                <a:spcPts val="0"/>
-              </a:spcBef>
-              <a:spcAft>
-                <a:spcPts val="0"/>
-              </a:spcAft>
-              <a:buClrTx/>
-              <a:buSzTx/>
-              <a:buFontTx/>
-              <a:buNone/>
-              <a:tabLst/>
-              <a:defRPr sz="4400" b="0" i="0" u="none" strike="noStrike" cap="none" spc="0" baseline="0">
-                <a:ln>
-                  <a:noFill/>
-                </a:ln>
-                <a:solidFill>
-                  <a:srgbClr val="000000"/>
-                </a:solidFill>
-                <a:uFillTx/>
-                <a:latin typeface="+mn-lt"/>
-                <a:ea typeface="+mn-ea"/>
-                <a:cs typeface="+mn-cs"/>
-                <a:sym typeface="Calibri"/>
-              </a:defRPr>
-            </a:lvl2pPr>
-            <a:lvl3pPr marL="0" marR="0" indent="0" algn="ctr" defTabSz="914400" rtl="0" latinLnBrk="0">
-              <a:lnSpc>
-                <a:spcPct val="100000"/>
-              </a:lnSpc>
-              <a:spcBef>
-                <a:spcPts val="0"/>
-              </a:spcBef>
-              <a:spcAft>
-                <a:spcPts val="0"/>
-              </a:spcAft>
-              <a:buClrTx/>
-              <a:buSzTx/>
-              <a:buFontTx/>
-              <a:buNone/>
-              <a:tabLst/>
-              <a:defRPr sz="4400" b="0" i="0" u="none" strike="noStrike" cap="none" spc="0" baseline="0">
-                <a:ln>
-                  <a:noFill/>
-                </a:ln>
-                <a:solidFill>
-                  <a:srgbClr val="000000"/>
-                </a:solidFill>
-                <a:uFillTx/>
-                <a:latin typeface="+mn-lt"/>
-                <a:ea typeface="+mn-ea"/>
-                <a:cs typeface="+mn-cs"/>
-                <a:sym typeface="Calibri"/>
-              </a:defRPr>
-            </a:lvl3pPr>
-            <a:lvl4pPr marL="0" marR="0" indent="0" algn="ctr" defTabSz="914400" rtl="0" latinLnBrk="0">
-              <a:lnSpc>
-                <a:spcPct val="100000"/>
-              </a:lnSpc>
-              <a:spcBef>
-                <a:spcPts val="0"/>
-              </a:spcBef>
-              <a:spcAft>
-                <a:spcPts val="0"/>
-              </a:spcAft>
-              <a:buClrTx/>
-              <a:buSzTx/>
-              <a:buFontTx/>
-              <a:buNone/>
-              <a:tabLst/>
-              <a:defRPr sz="4400" b="0" i="0" u="none" strike="noStrike" cap="none" spc="0" baseline="0">
-                <a:ln>
-                  <a:noFill/>
-                </a:ln>
-                <a:solidFill>
-                  <a:srgbClr val="000000"/>
-                </a:solidFill>
-                <a:uFillTx/>
-                <a:latin typeface="+mn-lt"/>
-                <a:ea typeface="+mn-ea"/>
-                <a:cs typeface="+mn-cs"/>
-                <a:sym typeface="Calibri"/>
-              </a:defRPr>
-            </a:lvl4pPr>
-            <a:lvl5pPr marL="0" marR="0" indent="0" algn="ctr" defTabSz="914400" rtl="0" latinLnBrk="0">
-              <a:lnSpc>
-                <a:spcPct val="100000"/>
-              </a:lnSpc>
-              <a:spcBef>
-                <a:spcPts val="0"/>
-              </a:spcBef>
-              <a:spcAft>
-                <a:spcPts val="0"/>
-              </a:spcAft>
-              <a:buClrTx/>
-              <a:buSzTx/>
-              <a:buFontTx/>
-              <a:buNone/>
-              <a:tabLst/>
-              <a:defRPr sz="4400" b="0" i="0" u="none" strike="noStrike" cap="none" spc="0" baseline="0">
-                <a:ln>
-                  <a:noFill/>
-                </a:ln>
-                <a:solidFill>
-                  <a:srgbClr val="000000"/>
-                </a:solidFill>
-                <a:uFillTx/>
-                <a:latin typeface="+mn-lt"/>
-                <a:ea typeface="+mn-ea"/>
-                <a:cs typeface="+mn-cs"/>
-                <a:sym typeface="Calibri"/>
-              </a:defRPr>
-            </a:lvl5pPr>
-            <a:lvl6pPr marL="0" marR="0" indent="0" algn="ctr" defTabSz="914400" rtl="0" latinLnBrk="0">
-              <a:lnSpc>
-                <a:spcPct val="100000"/>
-              </a:lnSpc>
-              <a:spcBef>
-                <a:spcPts val="0"/>
-              </a:spcBef>
-              <a:spcAft>
-                <a:spcPts val="0"/>
-              </a:spcAft>
-              <a:buClrTx/>
-              <a:buSzTx/>
-              <a:buFontTx/>
-              <a:buNone/>
-              <a:tabLst/>
-              <a:defRPr sz="4400" b="0" i="0" u="none" strike="noStrike" cap="none" spc="0" baseline="0">
-                <a:ln>
-                  <a:noFill/>
-                </a:ln>
-                <a:solidFill>
-                  <a:srgbClr val="000000"/>
-                </a:solidFill>
-                <a:uFillTx/>
-                <a:latin typeface="+mn-lt"/>
-                <a:ea typeface="+mn-ea"/>
-                <a:cs typeface="+mn-cs"/>
-                <a:sym typeface="Calibri"/>
-              </a:defRPr>
-            </a:lvl6pPr>
-            <a:lvl7pPr marL="0" marR="0" indent="0" algn="ctr" defTabSz="914400" rtl="0" latinLnBrk="0">
-              <a:lnSpc>
-                <a:spcPct val="100000"/>
-              </a:lnSpc>
-              <a:spcBef>
-                <a:spcPts val="0"/>
-              </a:spcBef>
-              <a:spcAft>
-                <a:spcPts val="0"/>
-              </a:spcAft>
-              <a:buClrTx/>
-              <a:buSzTx/>
-              <a:buFontTx/>
-              <a:buNone/>
-              <a:tabLst/>
-              <a:defRPr sz="4400" b="0" i="0" u="none" strike="noStrike" cap="none" spc="0" baseline="0">
-                <a:ln>
-                  <a:noFill/>
-                </a:ln>
-                <a:solidFill>
-                  <a:srgbClr val="000000"/>
-                </a:solidFill>
-                <a:uFillTx/>
-                <a:latin typeface="+mn-lt"/>
-                <a:ea typeface="+mn-ea"/>
-                <a:cs typeface="+mn-cs"/>
-                <a:sym typeface="Calibri"/>
-              </a:defRPr>
-            </a:lvl7pPr>
-            <a:lvl8pPr marL="0" marR="0" indent="0" algn="ctr" defTabSz="914400" rtl="0" latinLnBrk="0">
-              <a:lnSpc>
-                <a:spcPct val="100000"/>
-              </a:lnSpc>
-              <a:spcBef>
-                <a:spcPts val="0"/>
-              </a:spcBef>
-              <a:spcAft>
-                <a:spcPts val="0"/>
-              </a:spcAft>
-              <a:buClrTx/>
-              <a:buSzTx/>
-              <a:buFontTx/>
-              <a:buNone/>
-              <a:tabLst/>
-              <a:defRPr sz="4400" b="0" i="0" u="none" strike="noStrike" cap="none" spc="0" baseline="0">
-                <a:ln>
-                  <a:noFill/>
-                </a:ln>
-                <a:solidFill>
-                  <a:srgbClr val="000000"/>
-                </a:solidFill>
-                <a:uFillTx/>
-                <a:latin typeface="+mn-lt"/>
-                <a:ea typeface="+mn-ea"/>
-                <a:cs typeface="+mn-cs"/>
-                <a:sym typeface="Calibri"/>
-              </a:defRPr>
-            </a:lvl8pPr>
-            <a:lvl9pPr marL="0" marR="0" indent="0" algn="ctr" defTabSz="914400" rtl="0" latinLnBrk="0">
-              <a:lnSpc>
-                <a:spcPct val="100000"/>
-              </a:lnSpc>
-              <a:spcBef>
-                <a:spcPts val="0"/>
-              </a:spcBef>
-              <a:spcAft>
-                <a:spcPts val="0"/>
-              </a:spcAft>
-              <a:buClrTx/>
-              <a:buSzTx/>
-              <a:buFontTx/>
-              <a:buNone/>
-              <a:tabLst/>
-              <a:defRPr sz="4400" b="0" i="0" u="none" strike="noStrike" cap="none" spc="0" baseline="0">
-                <a:ln>
-                  <a:noFill/>
-                </a:ln>
-                <a:solidFill>
-                  <a:srgbClr val="000000"/>
-                </a:solidFill>
-                <a:uFillTx/>
-                <a:latin typeface="+mn-lt"/>
-                <a:ea typeface="+mn-ea"/>
-                <a:cs typeface="+mn-cs"/>
-                <a:sym typeface="Calibri"/>
-              </a:defRPr>
-            </a:lvl9pPr>
-          </a:lstStyle>
-          <a:p>
-            <a:pPr hangingPunct="1">
-              <a:defRPr sz="2800" b="1">
-                <a:solidFill>
-                  <a:srgbClr val="11A79D"/>
-                </a:solidFill>
-              </a:defRPr>
-            </a:pPr>
-            <a:r>
-              <a:rPr lang="pt-BR" sz="5400" b="1" dirty="0" smtClean="0">
-                <a:solidFill>
-                  <a:srgbClr val="11A79D"/>
-                </a:solidFill>
-              </a:rPr>
-              <a:t>Ciclos de vida</a:t>
-            </a:r>
-            <a:endParaRPr lang="pt-BR" sz="5400" b="1" dirty="0">
-              <a:solidFill>
-                <a:schemeClr val="tx2"/>
-              </a:solidFill>
-            </a:endParaRPr>
-          </a:p>
-        </p:txBody>
-      </p:sp>
-      <p:sp>
-        <p:nvSpPr>
-          <p:cNvPr id="5" name="CaixaDeTexto 4"/>
-          <p:cNvSpPr txBox="1"/>
-          <p:nvPr/>
-        </p:nvSpPr>
-        <p:spPr>
-          <a:xfrm>
-            <a:off x="1496663" y="2212488"/>
-            <a:ext cx="9068059" cy="3416318"/>
-          </a:xfrm>
-          <a:prstGeom prst="rect">
-            <a:avLst/>
-          </a:prstGeom>
-          <a:noFill/>
-          <a:ln w="12700" cap="flat">
-            <a:noFill/>
-            <a:miter lim="400000"/>
-          </a:ln>
-          <a:effectLst/>
-          <a:sp3d/>
-        </p:spPr>
-        <p:style>
-          <a:lnRef idx="0">
-            <a:scrgbClr r="0" g="0" b="0"/>
-          </a:lnRef>
-          <a:fillRef idx="0">
-            <a:scrgbClr r="0" g="0" b="0"/>
-          </a:fillRef>
-          <a:effectRef idx="0">
-            <a:scrgbClr r="0" g="0" b="0"/>
-          </a:effectRef>
-          <a:fontRef idx="none"/>
-        </p:style>
-        <p:txBody>
-          <a:bodyPr rot="0" spcFirstLastPara="1" vertOverflow="overflow" horzOverflow="overflow" vert="horz" wrap="square" lIns="45719" tIns="45719" rIns="45719" bIns="45719" numCol="1" spcCol="38100" rtlCol="0" anchor="t">
-            <a:spAutoFit/>
-          </a:bodyPr>
-          <a:lstStyle/>
-          <a:p>
-            <a:pPr marL="285750" lvl="8" indent="-285750" algn="just">
-              <a:lnSpc>
-                <a:spcPct val="150000"/>
-              </a:lnSpc>
-              <a:buFont typeface="Arial" pitchFamily="34" charset="0"/>
-              <a:buChar char="•"/>
-            </a:pPr>
-            <a:r>
-              <a:rPr lang="pt-BR" b="1" dirty="0" err="1">
-                <a:solidFill>
-                  <a:srgbClr val="666666"/>
-                </a:solidFill>
-              </a:rPr>
-              <a:t>Singleton</a:t>
-            </a:r>
-            <a:r>
-              <a:rPr lang="pt-BR" dirty="0">
-                <a:solidFill>
-                  <a:srgbClr val="666666"/>
-                </a:solidFill>
-              </a:rPr>
-              <a:t> (que me garante um única referencia dessa classe no ciclo de vida de uma aplicação</a:t>
-            </a:r>
-            <a:r>
-              <a:rPr lang="pt-BR" dirty="0" smtClean="0">
-                <a:solidFill>
-                  <a:srgbClr val="666666"/>
-                </a:solidFill>
-              </a:rPr>
-              <a:t>);</a:t>
-            </a:r>
-            <a:endParaRPr lang="pt-BR" dirty="0">
-              <a:solidFill>
-                <a:srgbClr val="666666"/>
-              </a:solidFill>
-            </a:endParaRPr>
-          </a:p>
-          <a:p>
-            <a:pPr marL="285750" lvl="8" indent="-285750" algn="just">
-              <a:lnSpc>
-                <a:spcPct val="150000"/>
-              </a:lnSpc>
-              <a:buFont typeface="Arial" pitchFamily="34" charset="0"/>
-              <a:buChar char="•"/>
-            </a:pPr>
-            <a:r>
-              <a:rPr lang="pt-BR" b="1" dirty="0" err="1">
-                <a:solidFill>
-                  <a:srgbClr val="666666"/>
-                </a:solidFill>
-              </a:rPr>
-              <a:t>Transient</a:t>
-            </a:r>
-            <a:r>
-              <a:rPr lang="pt-BR" dirty="0">
-                <a:solidFill>
-                  <a:srgbClr val="666666"/>
-                </a:solidFill>
-              </a:rPr>
-              <a:t> (sempre gerará uma nova instância para cada item encontrado que possua tal dependência, ou seja, se houver 5 dependências serão 5 instâncias diferentes</a:t>
-            </a:r>
-            <a:r>
-              <a:rPr lang="pt-BR" dirty="0" smtClean="0">
-                <a:solidFill>
-                  <a:srgbClr val="666666"/>
-                </a:solidFill>
-              </a:rPr>
-              <a:t>);</a:t>
-            </a:r>
-            <a:endParaRPr lang="pt-BR" dirty="0">
-              <a:solidFill>
-                <a:srgbClr val="666666"/>
-              </a:solidFill>
-            </a:endParaRPr>
-          </a:p>
-          <a:p>
-            <a:pPr marL="285750" lvl="8" indent="-285750" algn="just">
-              <a:lnSpc>
-                <a:spcPct val="150000"/>
-              </a:lnSpc>
-              <a:buFont typeface="Arial" pitchFamily="34" charset="0"/>
-              <a:buChar char="•"/>
-            </a:pPr>
-            <a:r>
-              <a:rPr lang="pt-BR" b="1" dirty="0" err="1" smtClean="0">
-                <a:solidFill>
-                  <a:srgbClr val="666666"/>
-                </a:solidFill>
-              </a:rPr>
-              <a:t>Scoped</a:t>
-            </a:r>
-            <a:r>
-              <a:rPr lang="pt-BR" dirty="0" smtClean="0">
-                <a:solidFill>
-                  <a:srgbClr val="666666"/>
-                </a:solidFill>
-              </a:rPr>
-              <a:t> (essa difere da </a:t>
-            </a:r>
-            <a:r>
-              <a:rPr lang="pt-BR" dirty="0" err="1">
-                <a:solidFill>
-                  <a:srgbClr val="666666"/>
-                </a:solidFill>
-              </a:rPr>
-              <a:t>Transient</a:t>
-            </a:r>
-            <a:r>
-              <a:rPr lang="pt-BR" dirty="0">
-                <a:solidFill>
-                  <a:srgbClr val="666666"/>
-                </a:solidFill>
-              </a:rPr>
-              <a:t> que garante que em uma requisição seja criada um instância de um classe onde se houver outras dependências, seja utilizada essa única instância pra todas, renovando somente nas requisições subsequentes, mas, mantendo essa obrigatoriedade).</a:t>
-            </a:r>
-            <a:endParaRPr lang="pt-BR" dirty="0" smtClean="0">
-              <a:solidFill>
-                <a:srgbClr val="666666"/>
-              </a:solidFill>
-            </a:endParaRPr>
-          </a:p>
-        </p:txBody>
-      </p:sp>
-    </p:spTree>
-    <p:extLst>
-      <p:ext uri="{BB962C8B-B14F-4D97-AF65-F5344CB8AC3E}">
-        <p14:creationId xmlns:p14="http://schemas.microsoft.com/office/powerpoint/2010/main" val="176189040"/>
       </p:ext>
     </p:extLst>
   </p:cSld>
@@ -13499,7 +13679,1150 @@
           </a:ln>
           <a:extLst>
             <a:ext uri="{C572A759-6A51-4108-AA02-DFA0A04FC94B}">
-              <ma14:wrappingTextBoxFlag xmlns:ma14="http://schemas.microsoft.com/office/mac/drawingml/2011/main" xmlns="" val="1"/>
+              <ma14:wrappingTextBoxFlag xmlns="" xmlns:ma14="http://schemas.microsoft.com/office/mac/drawingml/2011/main" val="1"/>
+            </a:ext>
+          </a:extLst>
+        </p:spPr>
+        <p:txBody>
+          <a:bodyPr lIns="45719" rIns="45719" anchor="ctr">
+            <a:normAutofit/>
+          </a:bodyPr>
+          <a:lstStyle>
+            <a:lvl1pPr marL="0" marR="0" indent="0" algn="ctr" defTabSz="914400" rtl="0" latinLnBrk="0">
+              <a:lnSpc>
+                <a:spcPct val="100000"/>
+              </a:lnSpc>
+              <a:spcBef>
+                <a:spcPts val="0"/>
+              </a:spcBef>
+              <a:spcAft>
+                <a:spcPts val="0"/>
+              </a:spcAft>
+              <a:buClrTx/>
+              <a:buSzTx/>
+              <a:buFontTx/>
+              <a:buNone/>
+              <a:tabLst/>
+              <a:defRPr sz="4400" b="0" i="0" u="none" strike="noStrike" cap="none" spc="0" baseline="0">
+                <a:ln>
+                  <a:noFill/>
+                </a:ln>
+                <a:solidFill>
+                  <a:srgbClr val="000000"/>
+                </a:solidFill>
+                <a:uFillTx/>
+                <a:latin typeface="+mn-lt"/>
+                <a:ea typeface="+mn-ea"/>
+                <a:cs typeface="+mn-cs"/>
+                <a:sym typeface="Calibri"/>
+              </a:defRPr>
+            </a:lvl1pPr>
+            <a:lvl2pPr marL="0" marR="0" indent="0" algn="ctr" defTabSz="914400" rtl="0" latinLnBrk="0">
+              <a:lnSpc>
+                <a:spcPct val="100000"/>
+              </a:lnSpc>
+              <a:spcBef>
+                <a:spcPts val="0"/>
+              </a:spcBef>
+              <a:spcAft>
+                <a:spcPts val="0"/>
+              </a:spcAft>
+              <a:buClrTx/>
+              <a:buSzTx/>
+              <a:buFontTx/>
+              <a:buNone/>
+              <a:tabLst/>
+              <a:defRPr sz="4400" b="0" i="0" u="none" strike="noStrike" cap="none" spc="0" baseline="0">
+                <a:ln>
+                  <a:noFill/>
+                </a:ln>
+                <a:solidFill>
+                  <a:srgbClr val="000000"/>
+                </a:solidFill>
+                <a:uFillTx/>
+                <a:latin typeface="+mn-lt"/>
+                <a:ea typeface="+mn-ea"/>
+                <a:cs typeface="+mn-cs"/>
+                <a:sym typeface="Calibri"/>
+              </a:defRPr>
+            </a:lvl2pPr>
+            <a:lvl3pPr marL="0" marR="0" indent="0" algn="ctr" defTabSz="914400" rtl="0" latinLnBrk="0">
+              <a:lnSpc>
+                <a:spcPct val="100000"/>
+              </a:lnSpc>
+              <a:spcBef>
+                <a:spcPts val="0"/>
+              </a:spcBef>
+              <a:spcAft>
+                <a:spcPts val="0"/>
+              </a:spcAft>
+              <a:buClrTx/>
+              <a:buSzTx/>
+              <a:buFontTx/>
+              <a:buNone/>
+              <a:tabLst/>
+              <a:defRPr sz="4400" b="0" i="0" u="none" strike="noStrike" cap="none" spc="0" baseline="0">
+                <a:ln>
+                  <a:noFill/>
+                </a:ln>
+                <a:solidFill>
+                  <a:srgbClr val="000000"/>
+                </a:solidFill>
+                <a:uFillTx/>
+                <a:latin typeface="+mn-lt"/>
+                <a:ea typeface="+mn-ea"/>
+                <a:cs typeface="+mn-cs"/>
+                <a:sym typeface="Calibri"/>
+              </a:defRPr>
+            </a:lvl3pPr>
+            <a:lvl4pPr marL="0" marR="0" indent="0" algn="ctr" defTabSz="914400" rtl="0" latinLnBrk="0">
+              <a:lnSpc>
+                <a:spcPct val="100000"/>
+              </a:lnSpc>
+              <a:spcBef>
+                <a:spcPts val="0"/>
+              </a:spcBef>
+              <a:spcAft>
+                <a:spcPts val="0"/>
+              </a:spcAft>
+              <a:buClrTx/>
+              <a:buSzTx/>
+              <a:buFontTx/>
+              <a:buNone/>
+              <a:tabLst/>
+              <a:defRPr sz="4400" b="0" i="0" u="none" strike="noStrike" cap="none" spc="0" baseline="0">
+                <a:ln>
+                  <a:noFill/>
+                </a:ln>
+                <a:solidFill>
+                  <a:srgbClr val="000000"/>
+                </a:solidFill>
+                <a:uFillTx/>
+                <a:latin typeface="+mn-lt"/>
+                <a:ea typeface="+mn-ea"/>
+                <a:cs typeface="+mn-cs"/>
+                <a:sym typeface="Calibri"/>
+              </a:defRPr>
+            </a:lvl4pPr>
+            <a:lvl5pPr marL="0" marR="0" indent="0" algn="ctr" defTabSz="914400" rtl="0" latinLnBrk="0">
+              <a:lnSpc>
+                <a:spcPct val="100000"/>
+              </a:lnSpc>
+              <a:spcBef>
+                <a:spcPts val="0"/>
+              </a:spcBef>
+              <a:spcAft>
+                <a:spcPts val="0"/>
+              </a:spcAft>
+              <a:buClrTx/>
+              <a:buSzTx/>
+              <a:buFontTx/>
+              <a:buNone/>
+              <a:tabLst/>
+              <a:defRPr sz="4400" b="0" i="0" u="none" strike="noStrike" cap="none" spc="0" baseline="0">
+                <a:ln>
+                  <a:noFill/>
+                </a:ln>
+                <a:solidFill>
+                  <a:srgbClr val="000000"/>
+                </a:solidFill>
+                <a:uFillTx/>
+                <a:latin typeface="+mn-lt"/>
+                <a:ea typeface="+mn-ea"/>
+                <a:cs typeface="+mn-cs"/>
+                <a:sym typeface="Calibri"/>
+              </a:defRPr>
+            </a:lvl5pPr>
+            <a:lvl6pPr marL="0" marR="0" indent="0" algn="ctr" defTabSz="914400" rtl="0" latinLnBrk="0">
+              <a:lnSpc>
+                <a:spcPct val="100000"/>
+              </a:lnSpc>
+              <a:spcBef>
+                <a:spcPts val="0"/>
+              </a:spcBef>
+              <a:spcAft>
+                <a:spcPts val="0"/>
+              </a:spcAft>
+              <a:buClrTx/>
+              <a:buSzTx/>
+              <a:buFontTx/>
+              <a:buNone/>
+              <a:tabLst/>
+              <a:defRPr sz="4400" b="0" i="0" u="none" strike="noStrike" cap="none" spc="0" baseline="0">
+                <a:ln>
+                  <a:noFill/>
+                </a:ln>
+                <a:solidFill>
+                  <a:srgbClr val="000000"/>
+                </a:solidFill>
+                <a:uFillTx/>
+                <a:latin typeface="+mn-lt"/>
+                <a:ea typeface="+mn-ea"/>
+                <a:cs typeface="+mn-cs"/>
+                <a:sym typeface="Calibri"/>
+              </a:defRPr>
+            </a:lvl6pPr>
+            <a:lvl7pPr marL="0" marR="0" indent="0" algn="ctr" defTabSz="914400" rtl="0" latinLnBrk="0">
+              <a:lnSpc>
+                <a:spcPct val="100000"/>
+              </a:lnSpc>
+              <a:spcBef>
+                <a:spcPts val="0"/>
+              </a:spcBef>
+              <a:spcAft>
+                <a:spcPts val="0"/>
+              </a:spcAft>
+              <a:buClrTx/>
+              <a:buSzTx/>
+              <a:buFontTx/>
+              <a:buNone/>
+              <a:tabLst/>
+              <a:defRPr sz="4400" b="0" i="0" u="none" strike="noStrike" cap="none" spc="0" baseline="0">
+                <a:ln>
+                  <a:noFill/>
+                </a:ln>
+                <a:solidFill>
+                  <a:srgbClr val="000000"/>
+                </a:solidFill>
+                <a:uFillTx/>
+                <a:latin typeface="+mn-lt"/>
+                <a:ea typeface="+mn-ea"/>
+                <a:cs typeface="+mn-cs"/>
+                <a:sym typeface="Calibri"/>
+              </a:defRPr>
+            </a:lvl7pPr>
+            <a:lvl8pPr marL="0" marR="0" indent="0" algn="ctr" defTabSz="914400" rtl="0" latinLnBrk="0">
+              <a:lnSpc>
+                <a:spcPct val="100000"/>
+              </a:lnSpc>
+              <a:spcBef>
+                <a:spcPts val="0"/>
+              </a:spcBef>
+              <a:spcAft>
+                <a:spcPts val="0"/>
+              </a:spcAft>
+              <a:buClrTx/>
+              <a:buSzTx/>
+              <a:buFontTx/>
+              <a:buNone/>
+              <a:tabLst/>
+              <a:defRPr sz="4400" b="0" i="0" u="none" strike="noStrike" cap="none" spc="0" baseline="0">
+                <a:ln>
+                  <a:noFill/>
+                </a:ln>
+                <a:solidFill>
+                  <a:srgbClr val="000000"/>
+                </a:solidFill>
+                <a:uFillTx/>
+                <a:latin typeface="+mn-lt"/>
+                <a:ea typeface="+mn-ea"/>
+                <a:cs typeface="+mn-cs"/>
+                <a:sym typeface="Calibri"/>
+              </a:defRPr>
+            </a:lvl8pPr>
+            <a:lvl9pPr marL="0" marR="0" indent="0" algn="ctr" defTabSz="914400" rtl="0" latinLnBrk="0">
+              <a:lnSpc>
+                <a:spcPct val="100000"/>
+              </a:lnSpc>
+              <a:spcBef>
+                <a:spcPts val="0"/>
+              </a:spcBef>
+              <a:spcAft>
+                <a:spcPts val="0"/>
+              </a:spcAft>
+              <a:buClrTx/>
+              <a:buSzTx/>
+              <a:buFontTx/>
+              <a:buNone/>
+              <a:tabLst/>
+              <a:defRPr sz="4400" b="0" i="0" u="none" strike="noStrike" cap="none" spc="0" baseline="0">
+                <a:ln>
+                  <a:noFill/>
+                </a:ln>
+                <a:solidFill>
+                  <a:srgbClr val="000000"/>
+                </a:solidFill>
+                <a:uFillTx/>
+                <a:latin typeface="+mn-lt"/>
+                <a:ea typeface="+mn-ea"/>
+                <a:cs typeface="+mn-cs"/>
+                <a:sym typeface="Calibri"/>
+              </a:defRPr>
+            </a:lvl9pPr>
+          </a:lstStyle>
+          <a:p>
+            <a:pPr hangingPunct="1">
+              <a:defRPr sz="2800" b="1">
+                <a:solidFill>
+                  <a:srgbClr val="11A79D"/>
+                </a:solidFill>
+              </a:defRPr>
+            </a:pPr>
+            <a:r>
+              <a:rPr lang="pt-BR" sz="5400" b="1" dirty="0" smtClean="0">
+                <a:solidFill>
+                  <a:srgbClr val="11A79D"/>
+                </a:solidFill>
+              </a:rPr>
+              <a:t>Implementação</a:t>
+            </a:r>
+            <a:endParaRPr lang="pt-BR" sz="5400" b="1" dirty="0">
+              <a:solidFill>
+                <a:schemeClr val="tx2"/>
+              </a:solidFill>
+            </a:endParaRPr>
+          </a:p>
+        </p:txBody>
+      </p:sp>
+      <p:sp>
+        <p:nvSpPr>
+          <p:cNvPr id="5" name="CaixaDeTexto 4"/>
+          <p:cNvSpPr txBox="1"/>
+          <p:nvPr/>
+        </p:nvSpPr>
+        <p:spPr>
+          <a:xfrm>
+            <a:off x="1496663" y="2212488"/>
+            <a:ext cx="9068059" cy="3416318"/>
+          </a:xfrm>
+          <a:prstGeom prst="rect">
+            <a:avLst/>
+          </a:prstGeom>
+          <a:noFill/>
+          <a:ln w="12700" cap="flat">
+            <a:noFill/>
+            <a:miter lim="400000"/>
+          </a:ln>
+          <a:effectLst/>
+          <a:sp3d/>
+        </p:spPr>
+        <p:style>
+          <a:lnRef idx="0">
+            <a:scrgbClr r="0" g="0" b="0"/>
+          </a:lnRef>
+          <a:fillRef idx="0">
+            <a:scrgbClr r="0" g="0" b="0"/>
+          </a:fillRef>
+          <a:effectRef idx="0">
+            <a:scrgbClr r="0" g="0" b="0"/>
+          </a:effectRef>
+          <a:fontRef idx="none"/>
+        </p:style>
+        <p:txBody>
+          <a:bodyPr rot="0" spcFirstLastPara="1" vertOverflow="overflow" horzOverflow="overflow" vert="horz" wrap="square" lIns="45719" tIns="45719" rIns="45719" bIns="45719" numCol="1" spcCol="38100" rtlCol="0" anchor="t">
+            <a:spAutoFit/>
+          </a:bodyPr>
+          <a:lstStyle/>
+          <a:p>
+            <a:pPr marL="285750" lvl="8" indent="-285750" algn="just">
+              <a:lnSpc>
+                <a:spcPct val="150000"/>
+              </a:lnSpc>
+              <a:buFont typeface="Arial" pitchFamily="34" charset="0"/>
+              <a:buChar char="•"/>
+            </a:pPr>
+            <a:r>
+              <a:rPr lang="pt-BR" b="1" dirty="0" smtClean="0">
+                <a:solidFill>
+                  <a:srgbClr val="666666"/>
+                </a:solidFill>
+              </a:rPr>
+              <a:t>Construtor</a:t>
+            </a:r>
+            <a:r>
+              <a:rPr lang="pt-BR" dirty="0" smtClean="0">
+                <a:solidFill>
+                  <a:srgbClr val="666666"/>
+                </a:solidFill>
+              </a:rPr>
+              <a:t>: Modo </a:t>
+            </a:r>
+            <a:r>
+              <a:rPr lang="pt-BR" dirty="0">
+                <a:solidFill>
+                  <a:srgbClr val="666666"/>
+                </a:solidFill>
+              </a:rPr>
+              <a:t>em que implementamos a injeção de dependência na definição dos construtores das classes;</a:t>
+            </a:r>
+          </a:p>
+          <a:p>
+            <a:pPr marL="285750" lvl="8" indent="-285750" algn="just">
+              <a:lnSpc>
+                <a:spcPct val="150000"/>
+              </a:lnSpc>
+              <a:buFont typeface="Arial" pitchFamily="34" charset="0"/>
+              <a:buChar char="•"/>
+            </a:pPr>
+            <a:r>
+              <a:rPr lang="pt-BR" b="1" dirty="0" err="1">
+                <a:solidFill>
+                  <a:srgbClr val="666666"/>
+                </a:solidFill>
+              </a:rPr>
+              <a:t>Getter</a:t>
+            </a:r>
+            <a:r>
+              <a:rPr lang="pt-BR" b="1" dirty="0">
+                <a:solidFill>
+                  <a:srgbClr val="666666"/>
+                </a:solidFill>
+              </a:rPr>
+              <a:t> </a:t>
+            </a:r>
+            <a:r>
+              <a:rPr lang="pt-BR" b="1" dirty="0" err="1">
+                <a:solidFill>
+                  <a:srgbClr val="666666"/>
+                </a:solidFill>
+              </a:rPr>
+              <a:t>and</a:t>
+            </a:r>
+            <a:r>
+              <a:rPr lang="pt-BR" b="1" dirty="0">
+                <a:solidFill>
+                  <a:srgbClr val="666666"/>
+                </a:solidFill>
+              </a:rPr>
+              <a:t> </a:t>
+            </a:r>
+            <a:r>
+              <a:rPr lang="pt-BR" b="1" dirty="0" err="1" smtClean="0">
+                <a:solidFill>
+                  <a:srgbClr val="666666"/>
+                </a:solidFill>
+              </a:rPr>
+              <a:t>Setter</a:t>
+            </a:r>
+            <a:r>
+              <a:rPr lang="pt-BR" dirty="0" smtClean="0">
+                <a:solidFill>
+                  <a:srgbClr val="666666"/>
+                </a:solidFill>
+              </a:rPr>
+              <a:t>:  </a:t>
+            </a:r>
+            <a:r>
+              <a:rPr lang="pt-BR" dirty="0">
+                <a:solidFill>
+                  <a:srgbClr val="666666"/>
+                </a:solidFill>
+              </a:rPr>
+              <a:t>Modo em que implementamos a injeção de dependência na definição dos </a:t>
+            </a:r>
+            <a:r>
+              <a:rPr lang="pt-BR" dirty="0" err="1">
+                <a:solidFill>
+                  <a:srgbClr val="666666"/>
+                </a:solidFill>
+              </a:rPr>
+              <a:t>Gets</a:t>
+            </a:r>
+            <a:r>
+              <a:rPr lang="pt-BR" dirty="0">
+                <a:solidFill>
+                  <a:srgbClr val="666666"/>
+                </a:solidFill>
+              </a:rPr>
+              <a:t> e Sets das classes;</a:t>
+            </a:r>
+          </a:p>
+          <a:p>
+            <a:pPr marL="285750" lvl="8" indent="-285750" algn="just">
+              <a:lnSpc>
+                <a:spcPct val="150000"/>
+              </a:lnSpc>
+              <a:buFont typeface="Arial" pitchFamily="34" charset="0"/>
+              <a:buChar char="•"/>
+            </a:pPr>
+            <a:r>
+              <a:rPr lang="pt-BR" b="1" dirty="0">
+                <a:solidFill>
+                  <a:srgbClr val="666666"/>
+                </a:solidFill>
+              </a:rPr>
+              <a:t>Interface </a:t>
+            </a:r>
+            <a:r>
+              <a:rPr lang="pt-BR" b="1" dirty="0" err="1" smtClean="0">
+                <a:solidFill>
+                  <a:srgbClr val="666666"/>
+                </a:solidFill>
+              </a:rPr>
+              <a:t>Implementation</a:t>
+            </a:r>
+            <a:r>
+              <a:rPr lang="pt-BR" dirty="0" smtClean="0">
+                <a:solidFill>
+                  <a:srgbClr val="666666"/>
+                </a:solidFill>
+              </a:rPr>
+              <a:t>: Modo </a:t>
+            </a:r>
+            <a:r>
+              <a:rPr lang="pt-BR" dirty="0">
+                <a:solidFill>
+                  <a:srgbClr val="666666"/>
+                </a:solidFill>
+              </a:rPr>
+              <a:t>em que se usa a definição de Interfaces para realizar a injeção de dependência;</a:t>
+            </a:r>
+          </a:p>
+          <a:p>
+            <a:pPr marL="285750" lvl="8" indent="-285750" algn="just">
+              <a:lnSpc>
+                <a:spcPct val="150000"/>
+              </a:lnSpc>
+              <a:buFont typeface="Arial" pitchFamily="34" charset="0"/>
+              <a:buChar char="•"/>
+            </a:pPr>
+            <a:r>
+              <a:rPr lang="pt-BR" b="1" dirty="0">
+                <a:solidFill>
+                  <a:srgbClr val="666666"/>
+                </a:solidFill>
+              </a:rPr>
+              <a:t>Service </a:t>
+            </a:r>
+            <a:r>
+              <a:rPr lang="pt-BR" b="1" dirty="0" err="1" smtClean="0">
+                <a:solidFill>
+                  <a:srgbClr val="666666"/>
+                </a:solidFill>
+              </a:rPr>
+              <a:t>Locator</a:t>
+            </a:r>
+            <a:r>
+              <a:rPr lang="pt-BR" b="1" dirty="0" smtClean="0">
+                <a:solidFill>
+                  <a:srgbClr val="666666"/>
+                </a:solidFill>
+              </a:rPr>
+              <a:t>: </a:t>
+            </a:r>
+            <a:r>
+              <a:rPr lang="pt-BR" dirty="0" smtClean="0">
+                <a:solidFill>
+                  <a:srgbClr val="666666"/>
+                </a:solidFill>
+              </a:rPr>
+              <a:t>Modo </a:t>
+            </a:r>
+            <a:r>
+              <a:rPr lang="pt-BR" dirty="0">
+                <a:solidFill>
+                  <a:srgbClr val="666666"/>
+                </a:solidFill>
+              </a:rPr>
+              <a:t>em que construímos classes que servem como “localizadoras” de objetos que iremos instanciar em nossas outras classes.</a:t>
+            </a:r>
+            <a:endParaRPr lang="pt-BR" dirty="0" smtClean="0">
+              <a:solidFill>
+                <a:srgbClr val="666666"/>
+              </a:solidFill>
+            </a:endParaRPr>
+          </a:p>
+        </p:txBody>
+      </p:sp>
+    </p:spTree>
+    <p:extLst>
+      <p:ext uri="{BB962C8B-B14F-4D97-AF65-F5344CB8AC3E}">
+        <p14:creationId xmlns:p14="http://schemas.microsoft.com/office/powerpoint/2010/main" val="503822248"/>
+      </p:ext>
+    </p:extLst>
+  </p:cSld>
+  <p:clrMapOvr>
+    <a:masterClrMapping/>
+  </p:clrMapOvr>
+  <mc:AlternateContent xmlns:mc="http://schemas.openxmlformats.org/markup-compatibility/2006" xmlns:p14="http://schemas.microsoft.com/office/powerpoint/2010/main">
+    <mc:Choice Requires="p14">
+      <p:transition spd="med" p14:dur="700">
+        <p:fade/>
+      </p:transition>
+    </mc:Choice>
+    <mc:Fallback xmlns="">
+      <p:transition spd="med">
+        <p:fade/>
+      </p:transition>
+    </mc:Fallback>
+  </mc:AlternateContent>
+  <p:timing>
+    <p:tnLst>
+      <p:par>
+        <p:cTn id="1" dur="indefinite" restart="never" nodeType="tmRoot"/>
+      </p:par>
+    </p:tnLst>
+  </p:timing>
+</p:sld>
+</file>
+
+<file path=ppt/slides/slide26.xml><?xml version="1.0" encoding="utf-8"?>
+<p:sld xmlns:a="http://schemas.openxmlformats.org/drawingml/2006/main" xmlns:r="http://schemas.openxmlformats.org/officeDocument/2006/relationships" xmlns:p="http://schemas.openxmlformats.org/presentationml/2006/main">
+  <p:cSld>
+    <p:spTree>
+      <p:nvGrpSpPr>
+        <p:cNvPr id="1" name=""/>
+        <p:cNvGrpSpPr/>
+        <p:nvPr/>
+      </p:nvGrpSpPr>
+      <p:grpSpPr>
+        <a:xfrm>
+          <a:off x="0" y="0"/>
+          <a:ext cx="0" cy="0"/>
+          <a:chOff x="0" y="0"/>
+          <a:chExt cx="0" cy="0"/>
+        </a:xfrm>
+      </p:grpSpPr>
+      <p:sp>
+        <p:nvSpPr>
+          <p:cNvPr id="6" name="Shape 120"/>
+          <p:cNvSpPr txBox="1">
+            <a:spLocks/>
+          </p:cNvSpPr>
+          <p:nvPr/>
+        </p:nvSpPr>
+        <p:spPr>
+          <a:xfrm>
+            <a:off x="1915893" y="755374"/>
+            <a:ext cx="8229600" cy="1143001"/>
+          </a:xfrm>
+          <a:prstGeom prst="rect">
+            <a:avLst/>
+          </a:prstGeom>
+          <a:ln w="12700">
+            <a:miter lim="400000"/>
+          </a:ln>
+          <a:extLst>
+            <a:ext uri="{C572A759-6A51-4108-AA02-DFA0A04FC94B}">
+              <ma14:wrappingTextBoxFlag xmlns="" xmlns:ma14="http://schemas.microsoft.com/office/mac/drawingml/2011/main" val="1"/>
+            </a:ext>
+          </a:extLst>
+        </p:spPr>
+        <p:txBody>
+          <a:bodyPr lIns="45719" rIns="45719" anchor="ctr">
+            <a:normAutofit/>
+          </a:bodyPr>
+          <a:lstStyle>
+            <a:lvl1pPr marL="0" marR="0" indent="0" algn="ctr" defTabSz="914400" rtl="0" latinLnBrk="0">
+              <a:lnSpc>
+                <a:spcPct val="100000"/>
+              </a:lnSpc>
+              <a:spcBef>
+                <a:spcPts val="0"/>
+              </a:spcBef>
+              <a:spcAft>
+                <a:spcPts val="0"/>
+              </a:spcAft>
+              <a:buClrTx/>
+              <a:buSzTx/>
+              <a:buFontTx/>
+              <a:buNone/>
+              <a:tabLst/>
+              <a:defRPr sz="4400" b="0" i="0" u="none" strike="noStrike" cap="none" spc="0" baseline="0">
+                <a:ln>
+                  <a:noFill/>
+                </a:ln>
+                <a:solidFill>
+                  <a:srgbClr val="000000"/>
+                </a:solidFill>
+                <a:uFillTx/>
+                <a:latin typeface="+mn-lt"/>
+                <a:ea typeface="+mn-ea"/>
+                <a:cs typeface="+mn-cs"/>
+                <a:sym typeface="Calibri"/>
+              </a:defRPr>
+            </a:lvl1pPr>
+            <a:lvl2pPr marL="0" marR="0" indent="0" algn="ctr" defTabSz="914400" rtl="0" latinLnBrk="0">
+              <a:lnSpc>
+                <a:spcPct val="100000"/>
+              </a:lnSpc>
+              <a:spcBef>
+                <a:spcPts val="0"/>
+              </a:spcBef>
+              <a:spcAft>
+                <a:spcPts val="0"/>
+              </a:spcAft>
+              <a:buClrTx/>
+              <a:buSzTx/>
+              <a:buFontTx/>
+              <a:buNone/>
+              <a:tabLst/>
+              <a:defRPr sz="4400" b="0" i="0" u="none" strike="noStrike" cap="none" spc="0" baseline="0">
+                <a:ln>
+                  <a:noFill/>
+                </a:ln>
+                <a:solidFill>
+                  <a:srgbClr val="000000"/>
+                </a:solidFill>
+                <a:uFillTx/>
+                <a:latin typeface="+mn-lt"/>
+                <a:ea typeface="+mn-ea"/>
+                <a:cs typeface="+mn-cs"/>
+                <a:sym typeface="Calibri"/>
+              </a:defRPr>
+            </a:lvl2pPr>
+            <a:lvl3pPr marL="0" marR="0" indent="0" algn="ctr" defTabSz="914400" rtl="0" latinLnBrk="0">
+              <a:lnSpc>
+                <a:spcPct val="100000"/>
+              </a:lnSpc>
+              <a:spcBef>
+                <a:spcPts val="0"/>
+              </a:spcBef>
+              <a:spcAft>
+                <a:spcPts val="0"/>
+              </a:spcAft>
+              <a:buClrTx/>
+              <a:buSzTx/>
+              <a:buFontTx/>
+              <a:buNone/>
+              <a:tabLst/>
+              <a:defRPr sz="4400" b="0" i="0" u="none" strike="noStrike" cap="none" spc="0" baseline="0">
+                <a:ln>
+                  <a:noFill/>
+                </a:ln>
+                <a:solidFill>
+                  <a:srgbClr val="000000"/>
+                </a:solidFill>
+                <a:uFillTx/>
+                <a:latin typeface="+mn-lt"/>
+                <a:ea typeface="+mn-ea"/>
+                <a:cs typeface="+mn-cs"/>
+                <a:sym typeface="Calibri"/>
+              </a:defRPr>
+            </a:lvl3pPr>
+            <a:lvl4pPr marL="0" marR="0" indent="0" algn="ctr" defTabSz="914400" rtl="0" latinLnBrk="0">
+              <a:lnSpc>
+                <a:spcPct val="100000"/>
+              </a:lnSpc>
+              <a:spcBef>
+                <a:spcPts val="0"/>
+              </a:spcBef>
+              <a:spcAft>
+                <a:spcPts val="0"/>
+              </a:spcAft>
+              <a:buClrTx/>
+              <a:buSzTx/>
+              <a:buFontTx/>
+              <a:buNone/>
+              <a:tabLst/>
+              <a:defRPr sz="4400" b="0" i="0" u="none" strike="noStrike" cap="none" spc="0" baseline="0">
+                <a:ln>
+                  <a:noFill/>
+                </a:ln>
+                <a:solidFill>
+                  <a:srgbClr val="000000"/>
+                </a:solidFill>
+                <a:uFillTx/>
+                <a:latin typeface="+mn-lt"/>
+                <a:ea typeface="+mn-ea"/>
+                <a:cs typeface="+mn-cs"/>
+                <a:sym typeface="Calibri"/>
+              </a:defRPr>
+            </a:lvl4pPr>
+            <a:lvl5pPr marL="0" marR="0" indent="0" algn="ctr" defTabSz="914400" rtl="0" latinLnBrk="0">
+              <a:lnSpc>
+                <a:spcPct val="100000"/>
+              </a:lnSpc>
+              <a:spcBef>
+                <a:spcPts val="0"/>
+              </a:spcBef>
+              <a:spcAft>
+                <a:spcPts val="0"/>
+              </a:spcAft>
+              <a:buClrTx/>
+              <a:buSzTx/>
+              <a:buFontTx/>
+              <a:buNone/>
+              <a:tabLst/>
+              <a:defRPr sz="4400" b="0" i="0" u="none" strike="noStrike" cap="none" spc="0" baseline="0">
+                <a:ln>
+                  <a:noFill/>
+                </a:ln>
+                <a:solidFill>
+                  <a:srgbClr val="000000"/>
+                </a:solidFill>
+                <a:uFillTx/>
+                <a:latin typeface="+mn-lt"/>
+                <a:ea typeface="+mn-ea"/>
+                <a:cs typeface="+mn-cs"/>
+                <a:sym typeface="Calibri"/>
+              </a:defRPr>
+            </a:lvl5pPr>
+            <a:lvl6pPr marL="0" marR="0" indent="0" algn="ctr" defTabSz="914400" rtl="0" latinLnBrk="0">
+              <a:lnSpc>
+                <a:spcPct val="100000"/>
+              </a:lnSpc>
+              <a:spcBef>
+                <a:spcPts val="0"/>
+              </a:spcBef>
+              <a:spcAft>
+                <a:spcPts val="0"/>
+              </a:spcAft>
+              <a:buClrTx/>
+              <a:buSzTx/>
+              <a:buFontTx/>
+              <a:buNone/>
+              <a:tabLst/>
+              <a:defRPr sz="4400" b="0" i="0" u="none" strike="noStrike" cap="none" spc="0" baseline="0">
+                <a:ln>
+                  <a:noFill/>
+                </a:ln>
+                <a:solidFill>
+                  <a:srgbClr val="000000"/>
+                </a:solidFill>
+                <a:uFillTx/>
+                <a:latin typeface="+mn-lt"/>
+                <a:ea typeface="+mn-ea"/>
+                <a:cs typeface="+mn-cs"/>
+                <a:sym typeface="Calibri"/>
+              </a:defRPr>
+            </a:lvl6pPr>
+            <a:lvl7pPr marL="0" marR="0" indent="0" algn="ctr" defTabSz="914400" rtl="0" latinLnBrk="0">
+              <a:lnSpc>
+                <a:spcPct val="100000"/>
+              </a:lnSpc>
+              <a:spcBef>
+                <a:spcPts val="0"/>
+              </a:spcBef>
+              <a:spcAft>
+                <a:spcPts val="0"/>
+              </a:spcAft>
+              <a:buClrTx/>
+              <a:buSzTx/>
+              <a:buFontTx/>
+              <a:buNone/>
+              <a:tabLst/>
+              <a:defRPr sz="4400" b="0" i="0" u="none" strike="noStrike" cap="none" spc="0" baseline="0">
+                <a:ln>
+                  <a:noFill/>
+                </a:ln>
+                <a:solidFill>
+                  <a:srgbClr val="000000"/>
+                </a:solidFill>
+                <a:uFillTx/>
+                <a:latin typeface="+mn-lt"/>
+                <a:ea typeface="+mn-ea"/>
+                <a:cs typeface="+mn-cs"/>
+                <a:sym typeface="Calibri"/>
+              </a:defRPr>
+            </a:lvl7pPr>
+            <a:lvl8pPr marL="0" marR="0" indent="0" algn="ctr" defTabSz="914400" rtl="0" latinLnBrk="0">
+              <a:lnSpc>
+                <a:spcPct val="100000"/>
+              </a:lnSpc>
+              <a:spcBef>
+                <a:spcPts val="0"/>
+              </a:spcBef>
+              <a:spcAft>
+                <a:spcPts val="0"/>
+              </a:spcAft>
+              <a:buClrTx/>
+              <a:buSzTx/>
+              <a:buFontTx/>
+              <a:buNone/>
+              <a:tabLst/>
+              <a:defRPr sz="4400" b="0" i="0" u="none" strike="noStrike" cap="none" spc="0" baseline="0">
+                <a:ln>
+                  <a:noFill/>
+                </a:ln>
+                <a:solidFill>
+                  <a:srgbClr val="000000"/>
+                </a:solidFill>
+                <a:uFillTx/>
+                <a:latin typeface="+mn-lt"/>
+                <a:ea typeface="+mn-ea"/>
+                <a:cs typeface="+mn-cs"/>
+                <a:sym typeface="Calibri"/>
+              </a:defRPr>
+            </a:lvl8pPr>
+            <a:lvl9pPr marL="0" marR="0" indent="0" algn="ctr" defTabSz="914400" rtl="0" latinLnBrk="0">
+              <a:lnSpc>
+                <a:spcPct val="100000"/>
+              </a:lnSpc>
+              <a:spcBef>
+                <a:spcPts val="0"/>
+              </a:spcBef>
+              <a:spcAft>
+                <a:spcPts val="0"/>
+              </a:spcAft>
+              <a:buClrTx/>
+              <a:buSzTx/>
+              <a:buFontTx/>
+              <a:buNone/>
+              <a:tabLst/>
+              <a:defRPr sz="4400" b="0" i="0" u="none" strike="noStrike" cap="none" spc="0" baseline="0">
+                <a:ln>
+                  <a:noFill/>
+                </a:ln>
+                <a:solidFill>
+                  <a:srgbClr val="000000"/>
+                </a:solidFill>
+                <a:uFillTx/>
+                <a:latin typeface="+mn-lt"/>
+                <a:ea typeface="+mn-ea"/>
+                <a:cs typeface="+mn-cs"/>
+                <a:sym typeface="Calibri"/>
+              </a:defRPr>
+            </a:lvl9pPr>
+          </a:lstStyle>
+          <a:p>
+            <a:pPr hangingPunct="1">
+              <a:defRPr sz="2800" b="1">
+                <a:solidFill>
+                  <a:srgbClr val="11A79D"/>
+                </a:solidFill>
+              </a:defRPr>
+            </a:pPr>
+            <a:r>
+              <a:rPr lang="pt-BR" sz="5400" b="1" dirty="0" smtClean="0">
+                <a:solidFill>
+                  <a:srgbClr val="11A79D"/>
+                </a:solidFill>
+              </a:rPr>
+              <a:t>Ciclos de vida</a:t>
+            </a:r>
+            <a:endParaRPr lang="pt-BR" sz="5400" b="1" dirty="0">
+              <a:solidFill>
+                <a:schemeClr val="tx2"/>
+              </a:solidFill>
+            </a:endParaRPr>
+          </a:p>
+        </p:txBody>
+      </p:sp>
+      <p:sp>
+        <p:nvSpPr>
+          <p:cNvPr id="5" name="CaixaDeTexto 4"/>
+          <p:cNvSpPr txBox="1"/>
+          <p:nvPr/>
+        </p:nvSpPr>
+        <p:spPr>
+          <a:xfrm>
+            <a:off x="1496663" y="2212488"/>
+            <a:ext cx="9068059" cy="3416318"/>
+          </a:xfrm>
+          <a:prstGeom prst="rect">
+            <a:avLst/>
+          </a:prstGeom>
+          <a:noFill/>
+          <a:ln w="12700" cap="flat">
+            <a:noFill/>
+            <a:miter lim="400000"/>
+          </a:ln>
+          <a:effectLst/>
+          <a:sp3d/>
+        </p:spPr>
+        <p:style>
+          <a:lnRef idx="0">
+            <a:scrgbClr r="0" g="0" b="0"/>
+          </a:lnRef>
+          <a:fillRef idx="0">
+            <a:scrgbClr r="0" g="0" b="0"/>
+          </a:fillRef>
+          <a:effectRef idx="0">
+            <a:scrgbClr r="0" g="0" b="0"/>
+          </a:effectRef>
+          <a:fontRef idx="none"/>
+        </p:style>
+        <p:txBody>
+          <a:bodyPr rot="0" spcFirstLastPara="1" vertOverflow="overflow" horzOverflow="overflow" vert="horz" wrap="square" lIns="45719" tIns="45719" rIns="45719" bIns="45719" numCol="1" spcCol="38100" rtlCol="0" anchor="t">
+            <a:spAutoFit/>
+          </a:bodyPr>
+          <a:lstStyle/>
+          <a:p>
+            <a:pPr marL="285750" lvl="8" indent="-285750" algn="just">
+              <a:lnSpc>
+                <a:spcPct val="150000"/>
+              </a:lnSpc>
+              <a:buFont typeface="Arial" pitchFamily="34" charset="0"/>
+              <a:buChar char="•"/>
+            </a:pPr>
+            <a:r>
+              <a:rPr lang="pt-BR" b="1" dirty="0" err="1">
+                <a:solidFill>
+                  <a:srgbClr val="666666"/>
+                </a:solidFill>
+              </a:rPr>
+              <a:t>Singleton</a:t>
+            </a:r>
+            <a:r>
+              <a:rPr lang="pt-BR" dirty="0">
+                <a:solidFill>
+                  <a:srgbClr val="666666"/>
+                </a:solidFill>
+              </a:rPr>
+              <a:t> (que me garante um única referencia dessa classe no ciclo de vida de uma aplicação</a:t>
+            </a:r>
+            <a:r>
+              <a:rPr lang="pt-BR" dirty="0" smtClean="0">
+                <a:solidFill>
+                  <a:srgbClr val="666666"/>
+                </a:solidFill>
+              </a:rPr>
+              <a:t>);</a:t>
+            </a:r>
+            <a:endParaRPr lang="pt-BR" dirty="0">
+              <a:solidFill>
+                <a:srgbClr val="666666"/>
+              </a:solidFill>
+            </a:endParaRPr>
+          </a:p>
+          <a:p>
+            <a:pPr marL="285750" lvl="8" indent="-285750" algn="just">
+              <a:lnSpc>
+                <a:spcPct val="150000"/>
+              </a:lnSpc>
+              <a:buFont typeface="Arial" pitchFamily="34" charset="0"/>
+              <a:buChar char="•"/>
+            </a:pPr>
+            <a:r>
+              <a:rPr lang="pt-BR" b="1" dirty="0" err="1">
+                <a:solidFill>
+                  <a:srgbClr val="666666"/>
+                </a:solidFill>
+              </a:rPr>
+              <a:t>Transient</a:t>
+            </a:r>
+            <a:r>
+              <a:rPr lang="pt-BR" dirty="0">
+                <a:solidFill>
+                  <a:srgbClr val="666666"/>
+                </a:solidFill>
+              </a:rPr>
+              <a:t> (sempre gerará uma nova instância para cada item encontrado que possua tal dependência, ou seja, se houver 5 dependências serão 5 instâncias diferentes</a:t>
+            </a:r>
+            <a:r>
+              <a:rPr lang="pt-BR" dirty="0" smtClean="0">
+                <a:solidFill>
+                  <a:srgbClr val="666666"/>
+                </a:solidFill>
+              </a:rPr>
+              <a:t>);</a:t>
+            </a:r>
+            <a:endParaRPr lang="pt-BR" dirty="0">
+              <a:solidFill>
+                <a:srgbClr val="666666"/>
+              </a:solidFill>
+            </a:endParaRPr>
+          </a:p>
+          <a:p>
+            <a:pPr marL="285750" lvl="8" indent="-285750" algn="just">
+              <a:lnSpc>
+                <a:spcPct val="150000"/>
+              </a:lnSpc>
+              <a:buFont typeface="Arial" pitchFamily="34" charset="0"/>
+              <a:buChar char="•"/>
+            </a:pPr>
+            <a:r>
+              <a:rPr lang="pt-BR" b="1" dirty="0" err="1" smtClean="0">
+                <a:solidFill>
+                  <a:srgbClr val="666666"/>
+                </a:solidFill>
+              </a:rPr>
+              <a:t>Scoped</a:t>
+            </a:r>
+            <a:r>
+              <a:rPr lang="pt-BR" dirty="0" smtClean="0">
+                <a:solidFill>
+                  <a:srgbClr val="666666"/>
+                </a:solidFill>
+              </a:rPr>
+              <a:t> (essa difere da </a:t>
+            </a:r>
+            <a:r>
+              <a:rPr lang="pt-BR" dirty="0" err="1">
+                <a:solidFill>
+                  <a:srgbClr val="666666"/>
+                </a:solidFill>
+              </a:rPr>
+              <a:t>Transient</a:t>
+            </a:r>
+            <a:r>
+              <a:rPr lang="pt-BR" dirty="0">
+                <a:solidFill>
+                  <a:srgbClr val="666666"/>
+                </a:solidFill>
+              </a:rPr>
+              <a:t> que garante que em uma requisição seja criada um instância de um classe onde se houver outras dependências, seja utilizada essa única instância pra todas, renovando somente nas requisições subsequentes, mas, mantendo essa obrigatoriedade).</a:t>
+            </a:r>
+            <a:endParaRPr lang="pt-BR" dirty="0" smtClean="0">
+              <a:solidFill>
+                <a:srgbClr val="666666"/>
+              </a:solidFill>
+            </a:endParaRPr>
+          </a:p>
+        </p:txBody>
+      </p:sp>
+    </p:spTree>
+    <p:extLst>
+      <p:ext uri="{BB962C8B-B14F-4D97-AF65-F5344CB8AC3E}">
+        <p14:creationId xmlns:p14="http://schemas.microsoft.com/office/powerpoint/2010/main" val="176189040"/>
+      </p:ext>
+    </p:extLst>
+  </p:cSld>
+  <p:clrMapOvr>
+    <a:masterClrMapping/>
+  </p:clrMapOvr>
+  <mc:AlternateContent xmlns:mc="http://schemas.openxmlformats.org/markup-compatibility/2006" xmlns:p14="http://schemas.microsoft.com/office/powerpoint/2010/main">
+    <mc:Choice Requires="p14">
+      <p:transition spd="med" p14:dur="700">
+        <p:fade/>
+      </p:transition>
+    </mc:Choice>
+    <mc:Fallback xmlns="">
+      <p:transition spd="med">
+        <p:fade/>
+      </p:transition>
+    </mc:Fallback>
+  </mc:AlternateContent>
+  <p:timing>
+    <p:tnLst>
+      <p:par>
+        <p:cTn id="1" dur="indefinite" restart="never" nodeType="tmRoot"/>
+      </p:par>
+    </p:tnLst>
+  </p:timing>
+</p:sld>
+</file>
+
+<file path=ppt/slides/slide27.xml><?xml version="1.0" encoding="utf-8"?>
+<p:sld xmlns:a="http://schemas.openxmlformats.org/drawingml/2006/main" xmlns:r="http://schemas.openxmlformats.org/officeDocument/2006/relationships" xmlns:p="http://schemas.openxmlformats.org/presentationml/2006/main">
+  <p:cSld>
+    <p:spTree>
+      <p:nvGrpSpPr>
+        <p:cNvPr id="1" name=""/>
+        <p:cNvGrpSpPr/>
+        <p:nvPr/>
+      </p:nvGrpSpPr>
+      <p:grpSpPr>
+        <a:xfrm>
+          <a:off x="0" y="0"/>
+          <a:ext cx="0" cy="0"/>
+          <a:chOff x="0" y="0"/>
+          <a:chExt cx="0" cy="0"/>
+        </a:xfrm>
+      </p:grpSpPr>
+      <p:sp>
+        <p:nvSpPr>
+          <p:cNvPr id="6" name="Shape 120"/>
+          <p:cNvSpPr txBox="1">
+            <a:spLocks/>
+          </p:cNvSpPr>
+          <p:nvPr/>
+        </p:nvSpPr>
+        <p:spPr>
+          <a:xfrm>
+            <a:off x="1915893" y="755374"/>
+            <a:ext cx="8229600" cy="1143001"/>
+          </a:xfrm>
+          <a:prstGeom prst="rect">
+            <a:avLst/>
+          </a:prstGeom>
+          <a:ln w="12700">
+            <a:miter lim="400000"/>
+          </a:ln>
+          <a:extLst>
+            <a:ext uri="{C572A759-6A51-4108-AA02-DFA0A04FC94B}">
+              <ma14:wrappingTextBoxFlag xmlns="" xmlns:ma14="http://schemas.microsoft.com/office/mac/drawingml/2011/main" val="1"/>
             </a:ext>
           </a:extLst>
         </p:spPr>
@@ -13914,8 +15237,8 @@
         </p:nvSpPr>
         <p:spPr>
           <a:xfrm>
-            <a:off x="1752314" y="1946804"/>
-            <a:ext cx="8556751" cy="923328"/>
+            <a:off x="1752316" y="2088702"/>
+            <a:ext cx="9008611" cy="3416318"/>
           </a:xfrm>
           <a:prstGeom prst="rect">
             <a:avLst/>
@@ -13957,15 +15280,15 @@
                   <a:srgbClr val="666666"/>
                 </a:solidFill>
               </a:rPr>
-              <a:t>Single </a:t>
-            </a:r>
-            <a:r>
-              <a:rPr lang="pt-BR" dirty="0" err="1">
-                <a:solidFill>
-                  <a:srgbClr val="666666"/>
-                </a:solidFill>
-              </a:rPr>
-              <a:t>Responsibility</a:t>
+              <a:t>Os princípios SOLID devem ser aplicados para se obter os </a:t>
+            </a:r>
+            <a:r>
+              <a:rPr lang="pt-BR" b="1" u="sng" dirty="0">
+                <a:solidFill>
+                  <a:srgbClr val="666666"/>
+                </a:solidFill>
+              </a:rPr>
+              <a:t>benefícios da orientação a objetos</a:t>
             </a:r>
             <a:r>
               <a:rPr lang="pt-BR" dirty="0">
@@ -13973,40 +15296,110 @@
                   <a:srgbClr val="666666"/>
                 </a:solidFill>
               </a:rPr>
-              <a:t> </a:t>
-            </a:r>
-            <a:r>
-              <a:rPr lang="pt-BR" dirty="0" err="1">
-                <a:solidFill>
-                  <a:srgbClr val="666666"/>
-                </a:solidFill>
-              </a:rPr>
-              <a:t>Principle</a:t>
-            </a:r>
+              <a:t>, tais como:</a:t>
+            </a:r>
+          </a:p>
+          <a:p>
+            <a:pPr lvl="8" indent="0" algn="just">
+              <a:lnSpc>
+                <a:spcPct val="150000"/>
+              </a:lnSpc>
+            </a:pPr>
+            <a:endParaRPr lang="pt-BR" dirty="0">
+              <a:solidFill>
+                <a:srgbClr val="666666"/>
+              </a:solidFill>
+            </a:endParaRPr>
+          </a:p>
+          <a:p>
+            <a:pPr marL="285750" lvl="8" indent="-285750" algn="just">
+              <a:lnSpc>
+                <a:spcPct val="150000"/>
+              </a:lnSpc>
+              <a:buFont typeface="Arial" pitchFamily="34" charset="0"/>
+              <a:buChar char="•"/>
+            </a:pPr>
             <a:r>
               <a:rPr lang="pt-BR" dirty="0">
                 <a:solidFill>
                   <a:srgbClr val="666666"/>
                 </a:solidFill>
               </a:rPr>
-              <a:t>, também conhecido como </a:t>
-            </a:r>
-            <a:r>
-              <a:rPr lang="pt-BR" b="1" u="sng" dirty="0">
-                <a:solidFill>
-                  <a:srgbClr val="666666"/>
-                </a:solidFill>
-              </a:rPr>
-              <a:t>Princípio da Responsabilidade Única</a:t>
-            </a:r>
+              <a:t>Seja fácil de se manter, adaptar e se ajustar às alterações de escopo;</a:t>
+            </a:r>
+          </a:p>
+          <a:p>
+            <a:pPr marL="285750" lvl="8" indent="-285750" algn="just">
+              <a:lnSpc>
+                <a:spcPct val="150000"/>
+              </a:lnSpc>
+              <a:buFont typeface="Arial" pitchFamily="34" charset="0"/>
+              <a:buChar char="•"/>
+            </a:pPr>
             <a:r>
               <a:rPr lang="pt-BR" dirty="0">
                 <a:solidFill>
                   <a:srgbClr val="666666"/>
                 </a:solidFill>
               </a:rPr>
-              <a:t>.</a:t>
-            </a:r>
+              <a:t>Seja testável e de fácil entendimento;</a:t>
+            </a:r>
+          </a:p>
+          <a:p>
+            <a:pPr marL="285750" lvl="8" indent="-285750" algn="just">
+              <a:lnSpc>
+                <a:spcPct val="150000"/>
+              </a:lnSpc>
+              <a:buFont typeface="Arial" pitchFamily="34" charset="0"/>
+              <a:buChar char="•"/>
+            </a:pPr>
+            <a:r>
+              <a:rPr lang="pt-BR" dirty="0">
+                <a:solidFill>
+                  <a:srgbClr val="666666"/>
+                </a:solidFill>
+              </a:rPr>
+              <a:t>Seja extensível para alterações com o menor esforço necessário;</a:t>
+            </a:r>
+          </a:p>
+          <a:p>
+            <a:pPr marL="285750" lvl="8" indent="-285750" algn="just">
+              <a:lnSpc>
+                <a:spcPct val="150000"/>
+              </a:lnSpc>
+              <a:buFont typeface="Arial" pitchFamily="34" charset="0"/>
+              <a:buChar char="•"/>
+            </a:pPr>
+            <a:r>
+              <a:rPr lang="pt-BR" dirty="0">
+                <a:solidFill>
+                  <a:srgbClr val="666666"/>
+                </a:solidFill>
+              </a:rPr>
+              <a:t>Que forneça o máximo de reaproveitamento;</a:t>
+            </a:r>
+          </a:p>
+          <a:p>
+            <a:pPr marL="285750" lvl="8" indent="-285750" algn="just">
+              <a:lnSpc>
+                <a:spcPct val="150000"/>
+              </a:lnSpc>
+              <a:buFont typeface="Arial" pitchFamily="34" charset="0"/>
+              <a:buChar char="•"/>
+            </a:pPr>
+            <a:r>
+              <a:rPr lang="pt-BR" dirty="0">
+                <a:solidFill>
+                  <a:srgbClr val="666666"/>
+                </a:solidFill>
+              </a:rPr>
+              <a:t>Que permaneça o máximo de tempo possível em utilização.</a:t>
+            </a:r>
+            <a:endParaRPr lang="pt-BR" dirty="0">
+              <a:solidFill>
+                <a:srgbClr val="666666"/>
+              </a:solidFill>
+            </a:endParaRPr>
           </a:p>
         </p:txBody>
       </p:sp>
@@ -14031,7 +15424,7 @@
           </a:ln>
           <a:extLst>
             <a:ext uri="{C572A759-6A51-4108-AA02-DFA0A04FC94B}">
-              <ma14:wrappingTextBoxFlag xmlns:ma14="http://schemas.microsoft.com/office/mac/drawingml/2011/main" xmlns="" val="1"/>
+              <ma14:wrappingTextBoxFlag xmlns="" xmlns:ma14="http://schemas.microsoft.com/office/mac/drawingml/2011/main" val="1"/>
             </a:ext>
           </a:extLst>
         </p:spPr>
@@ -14316,79 +15709,75 @@
                   <a:srgbClr val="11A79D"/>
                 </a:solidFill>
               </a:rPr>
-              <a:t>S</a:t>
-            </a:r>
-            <a:r>
-              <a:rPr lang="pt-BR" sz="5400" b="1" dirty="0" smtClean="0">
-                <a:solidFill>
-                  <a:schemeClr val="bg1">
-                    <a:lumMod val="95000"/>
-                  </a:schemeClr>
-                </a:solidFill>
-              </a:rPr>
-              <a:t>OLID</a:t>
+              <a:t>SOLID</a:t>
             </a:r>
             <a:endParaRPr lang="pt-BR" sz="5400" b="1" dirty="0">
               <a:solidFill>
-                <a:schemeClr val="bg1">
-                  <a:lumMod val="95000"/>
-                </a:schemeClr>
+                <a:srgbClr val="11A79D"/>
               </a:solidFill>
             </a:endParaRPr>
           </a:p>
         </p:txBody>
       </p:sp>
-      <p:pic>
-        <p:nvPicPr>
-          <p:cNvPr id="6146" name="Picture 2" descr="SOLID - Single Responsibility Principle - SRP"/>
-          <p:cNvPicPr>
-            <a:picLocks noChangeAspect="1" noChangeArrowheads="1"/>
-          </p:cNvPicPr>
-          <p:nvPr/>
-        </p:nvPicPr>
-        <p:blipFill>
-          <a:blip r:embed="rId3">
-            <a:extLst>
-              <a:ext uri="{28A0092B-C50C-407E-A947-70E740481C1C}">
-                <a14:useLocalDpi xmlns:a14="http://schemas.microsoft.com/office/drawing/2010/main" val="0"/>
-              </a:ext>
-            </a:extLst>
-          </a:blip>
-          <a:srcRect/>
-          <a:stretch>
-            <a:fillRect/>
-          </a:stretch>
-        </p:blipFill>
-        <p:spPr bwMode="auto">
-          <a:xfrm>
-            <a:off x="4601939" y="2574686"/>
-            <a:ext cx="2857500" cy="1895476"/>
-          </a:xfrm>
-          <a:prstGeom prst="rect">
-            <a:avLst/>
-          </a:prstGeom>
-          <a:noFill/>
-          <a:extLst>
-            <a:ext uri="{909E8E84-426E-40DD-AFC4-6F175D3DCCD1}">
-              <a14:hiddenFill xmlns:a14="http://schemas.microsoft.com/office/drawing/2010/main">
-                <a:solidFill>
-                  <a:srgbClr val="FFFFFF"/>
-                </a:solidFill>
-              </a14:hiddenFill>
-            </a:ext>
-          </a:extLst>
-        </p:spPr>
-      </p:pic>
+    </p:spTree>
+    <p:extLst>
+      <p:ext uri="{BB962C8B-B14F-4D97-AF65-F5344CB8AC3E}">
+        <p14:creationId xmlns:p14="http://schemas.microsoft.com/office/powerpoint/2010/main" val="219024546"/>
+      </p:ext>
+    </p:extLst>
+  </p:cSld>
+  <p:clrMapOvr>
+    <a:masterClrMapping/>
+  </p:clrMapOvr>
+  <mc:AlternateContent xmlns:mc="http://schemas.openxmlformats.org/markup-compatibility/2006" xmlns:p14="http://schemas.microsoft.com/office/powerpoint/2010/main">
+    <mc:Choice Requires="p14">
+      <p:transition spd="med" p14:dur="700">
+        <p:fade/>
+      </p:transition>
+    </mc:Choice>
+    <mc:Fallback xmlns="">
+      <p:transition spd="med">
+        <p:fade/>
+      </p:transition>
+    </mc:Fallback>
+  </mc:AlternateContent>
+  <p:timing>
+    <p:tnLst>
+      <p:par>
+        <p:cTn id="1" dur="indefinite" restart="never" nodeType="tmRoot"/>
+      </p:par>
+    </p:tnLst>
+  </p:timing>
+</p:sld>
+</file>
+
+<file path=ppt/slides/slide4.xml><?xml version="1.0" encoding="utf-8"?>
+<p:sld xmlns:a="http://schemas.openxmlformats.org/drawingml/2006/main" xmlns:r="http://schemas.openxmlformats.org/officeDocument/2006/relationships" xmlns:p="http://schemas.openxmlformats.org/presentationml/2006/main">
+  <p:cSld>
+    <p:spTree>
+      <p:nvGrpSpPr>
+        <p:cNvPr id="1" name=""/>
+        <p:cNvGrpSpPr/>
+        <p:nvPr/>
+      </p:nvGrpSpPr>
+      <p:grpSpPr>
+        <a:xfrm>
+          <a:off x="0" y="0"/>
+          <a:ext cx="0" cy="0"/>
+          <a:chOff x="0" y="0"/>
+          <a:chExt cx="0" cy="0"/>
+        </a:xfrm>
+      </p:grpSpPr>
       <p:sp>
         <p:nvSpPr>
-          <p:cNvPr id="5" name="CaixaDeTexto 4"/>
+          <p:cNvPr id="2" name="CaixaDeTexto 1"/>
           <p:cNvSpPr txBox="1"/>
           <p:nvPr/>
         </p:nvSpPr>
         <p:spPr>
           <a:xfrm>
-            <a:off x="5363083" y="4470162"/>
-            <a:ext cx="1335211" cy="507829"/>
+            <a:off x="1752316" y="2044098"/>
+            <a:ext cx="8556751" cy="3000819"/>
           </a:xfrm>
           <a:prstGeom prst="rect">
             <a:avLst/>
@@ -14425,12 +15814,141 @@
               </a:lnSpc>
             </a:pPr>
             <a:r>
-              <a:rPr lang="pt-BR" dirty="0" smtClean="0">
-                <a:solidFill>
-                  <a:srgbClr val="666666"/>
-                </a:solidFill>
-              </a:rPr>
-              <a:t>Editar Filiado</a:t>
+              <a:rPr lang="pt-BR" dirty="0">
+                <a:solidFill>
+                  <a:srgbClr val="666666"/>
+                </a:solidFill>
+              </a:rPr>
+              <a:t>Utilizando os princípios SOLID é possível </a:t>
+            </a:r>
+            <a:r>
+              <a:rPr lang="pt-BR" b="1" u="sng" dirty="0">
+                <a:solidFill>
+                  <a:srgbClr val="666666"/>
+                </a:solidFill>
+              </a:rPr>
+              <a:t>evitar problemas muito comuns</a:t>
+            </a:r>
+            <a:r>
+              <a:rPr lang="pt-BR" dirty="0">
+                <a:solidFill>
+                  <a:srgbClr val="666666"/>
+                </a:solidFill>
+              </a:rPr>
+              <a:t>:</a:t>
+            </a:r>
+          </a:p>
+          <a:p>
+            <a:pPr lvl="8" indent="0" algn="just">
+              <a:lnSpc>
+                <a:spcPct val="150000"/>
+              </a:lnSpc>
+            </a:pPr>
+            <a:endParaRPr lang="pt-BR" dirty="0">
+              <a:solidFill>
+                <a:srgbClr val="666666"/>
+              </a:solidFill>
+            </a:endParaRPr>
+          </a:p>
+          <a:p>
+            <a:pPr marL="285750" lvl="8" indent="-285750" algn="just">
+              <a:lnSpc>
+                <a:spcPct val="150000"/>
+              </a:lnSpc>
+              <a:buFont typeface="Arial" pitchFamily="34" charset="0"/>
+              <a:buChar char="•"/>
+            </a:pPr>
+            <a:r>
+              <a:rPr lang="pt-BR" dirty="0">
+                <a:solidFill>
+                  <a:srgbClr val="666666"/>
+                </a:solidFill>
+              </a:rPr>
+              <a:t>Dificuldade na </a:t>
+            </a:r>
+            <a:r>
+              <a:rPr lang="pt-BR" dirty="0" err="1">
+                <a:solidFill>
+                  <a:srgbClr val="666666"/>
+                </a:solidFill>
+              </a:rPr>
+              <a:t>testabilidade</a:t>
+            </a:r>
+            <a:r>
+              <a:rPr lang="pt-BR" dirty="0">
+                <a:solidFill>
+                  <a:srgbClr val="666666"/>
+                </a:solidFill>
+              </a:rPr>
+              <a:t> / criação de testes de unidade;</a:t>
+            </a:r>
+          </a:p>
+          <a:p>
+            <a:pPr marL="285750" lvl="8" indent="-285750" algn="just">
+              <a:lnSpc>
+                <a:spcPct val="150000"/>
+              </a:lnSpc>
+              <a:buFont typeface="Arial" pitchFamily="34" charset="0"/>
+              <a:buChar char="•"/>
+            </a:pPr>
+            <a:r>
+              <a:rPr lang="pt-BR" dirty="0">
+                <a:solidFill>
+                  <a:srgbClr val="666666"/>
+                </a:solidFill>
+              </a:rPr>
+              <a:t>Código macarrônico, sem estrutura ou padrão;</a:t>
+            </a:r>
+          </a:p>
+          <a:p>
+            <a:pPr marL="285750" lvl="8" indent="-285750" algn="just">
+              <a:lnSpc>
+                <a:spcPct val="150000"/>
+              </a:lnSpc>
+              <a:buFont typeface="Arial" pitchFamily="34" charset="0"/>
+              <a:buChar char="•"/>
+            </a:pPr>
+            <a:r>
+              <a:rPr lang="pt-BR" dirty="0">
+                <a:solidFill>
+                  <a:srgbClr val="666666"/>
+                </a:solidFill>
+              </a:rPr>
+              <a:t>Dificuldades de isolar funcionalidades;</a:t>
+            </a:r>
+          </a:p>
+          <a:p>
+            <a:pPr marL="285750" lvl="8" indent="-285750" algn="just">
+              <a:lnSpc>
+                <a:spcPct val="150000"/>
+              </a:lnSpc>
+              <a:buFont typeface="Arial" pitchFamily="34" charset="0"/>
+              <a:buChar char="•"/>
+            </a:pPr>
+            <a:r>
+              <a:rPr lang="pt-BR" dirty="0">
+                <a:solidFill>
+                  <a:srgbClr val="666666"/>
+                </a:solidFill>
+              </a:rPr>
+              <a:t>Duplicação de código, uma alteração precisa ser feita em N pontos;</a:t>
+            </a:r>
+          </a:p>
+          <a:p>
+            <a:pPr marL="285750" lvl="8" indent="-285750" algn="just">
+              <a:lnSpc>
+                <a:spcPct val="150000"/>
+              </a:lnSpc>
+              <a:buFont typeface="Arial" pitchFamily="34" charset="0"/>
+              <a:buChar char="•"/>
+            </a:pPr>
+            <a:r>
+              <a:rPr lang="pt-BR" dirty="0">
+                <a:solidFill>
+                  <a:srgbClr val="666666"/>
+                </a:solidFill>
+              </a:rPr>
+              <a:t>Fragilidade, o código quebra facilmente em vários pontos após alguma mudança.</a:t>
             </a:r>
             <a:endParaRPr lang="pt-BR" dirty="0">
               <a:solidFill>
@@ -14442,68 +15960,315 @@
       </p:sp>
       <p:sp>
         <p:nvSpPr>
-          <p:cNvPr id="7" name="CaixaDeTexto 6"/>
-          <p:cNvSpPr txBox="1"/>
+          <p:cNvPr id="6" name="Shape 120"/>
+          <p:cNvSpPr txBox="1">
+            <a:spLocks/>
+          </p:cNvSpPr>
           <p:nvPr/>
         </p:nvSpPr>
         <p:spPr>
           <a:xfrm>
-            <a:off x="1752314" y="5320939"/>
-            <a:ext cx="8556751" cy="507829"/>
+            <a:off x="1915893" y="755374"/>
+            <a:ext cx="8229600" cy="1143001"/>
           </a:xfrm>
           <a:prstGeom prst="rect">
             <a:avLst/>
           </a:prstGeom>
-          <a:noFill/>
-          <a:ln w="12700" cap="flat">
-            <a:noFill/>
+          <a:ln w="12700">
             <a:miter lim="400000"/>
           </a:ln>
-          <a:effectLst/>
-          <a:sp3d/>
+          <a:extLst>
+            <a:ext uri="{C572A759-6A51-4108-AA02-DFA0A04FC94B}">
+              <ma14:wrappingTextBoxFlag xmlns="" xmlns:ma14="http://schemas.microsoft.com/office/mac/drawingml/2011/main" val="1"/>
+            </a:ext>
+          </a:extLst>
         </p:spPr>
-        <p:style>
-          <a:lnRef idx="0">
-            <a:scrgbClr r="0" g="0" b="0"/>
-          </a:lnRef>
-          <a:fillRef idx="0">
-            <a:scrgbClr r="0" g="0" b="0"/>
-          </a:fillRef>
-          <a:effectRef idx="0">
-            <a:scrgbClr r="0" g="0" b="0"/>
-          </a:effectRef>
-          <a:fontRef idx="none"/>
-        </p:style>
         <p:txBody>
-          <a:bodyPr rot="0" spcFirstLastPara="1" vertOverflow="overflow" horzOverflow="overflow" vert="horz" wrap="square" lIns="45719" tIns="45719" rIns="45719" bIns="45719" numCol="1" spcCol="38100" rtlCol="0" anchor="t">
-            <a:spAutoFit/>
+          <a:bodyPr lIns="45719" rIns="45719" anchor="ctr">
+            <a:normAutofit/>
           </a:bodyPr>
-          <a:lstStyle/>
+          <a:lstStyle>
+            <a:lvl1pPr marL="0" marR="0" indent="0" algn="ctr" defTabSz="914400" rtl="0" latinLnBrk="0">
+              <a:lnSpc>
+                <a:spcPct val="100000"/>
+              </a:lnSpc>
+              <a:spcBef>
+                <a:spcPts val="0"/>
+              </a:spcBef>
+              <a:spcAft>
+                <a:spcPts val="0"/>
+              </a:spcAft>
+              <a:buClrTx/>
+              <a:buSzTx/>
+              <a:buFontTx/>
+              <a:buNone/>
+              <a:tabLst/>
+              <a:defRPr sz="4400" b="0" i="0" u="none" strike="noStrike" cap="none" spc="0" baseline="0">
+                <a:ln>
+                  <a:noFill/>
+                </a:ln>
+                <a:solidFill>
+                  <a:srgbClr val="000000"/>
+                </a:solidFill>
+                <a:uFillTx/>
+                <a:latin typeface="+mn-lt"/>
+                <a:ea typeface="+mn-ea"/>
+                <a:cs typeface="+mn-cs"/>
+                <a:sym typeface="Calibri"/>
+              </a:defRPr>
+            </a:lvl1pPr>
+            <a:lvl2pPr marL="0" marR="0" indent="0" algn="ctr" defTabSz="914400" rtl="0" latinLnBrk="0">
+              <a:lnSpc>
+                <a:spcPct val="100000"/>
+              </a:lnSpc>
+              <a:spcBef>
+                <a:spcPts val="0"/>
+              </a:spcBef>
+              <a:spcAft>
+                <a:spcPts val="0"/>
+              </a:spcAft>
+              <a:buClrTx/>
+              <a:buSzTx/>
+              <a:buFontTx/>
+              <a:buNone/>
+              <a:tabLst/>
+              <a:defRPr sz="4400" b="0" i="0" u="none" strike="noStrike" cap="none" spc="0" baseline="0">
+                <a:ln>
+                  <a:noFill/>
+                </a:ln>
+                <a:solidFill>
+                  <a:srgbClr val="000000"/>
+                </a:solidFill>
+                <a:uFillTx/>
+                <a:latin typeface="+mn-lt"/>
+                <a:ea typeface="+mn-ea"/>
+                <a:cs typeface="+mn-cs"/>
+                <a:sym typeface="Calibri"/>
+              </a:defRPr>
+            </a:lvl2pPr>
+            <a:lvl3pPr marL="0" marR="0" indent="0" algn="ctr" defTabSz="914400" rtl="0" latinLnBrk="0">
+              <a:lnSpc>
+                <a:spcPct val="100000"/>
+              </a:lnSpc>
+              <a:spcBef>
+                <a:spcPts val="0"/>
+              </a:spcBef>
+              <a:spcAft>
+                <a:spcPts val="0"/>
+              </a:spcAft>
+              <a:buClrTx/>
+              <a:buSzTx/>
+              <a:buFontTx/>
+              <a:buNone/>
+              <a:tabLst/>
+              <a:defRPr sz="4400" b="0" i="0" u="none" strike="noStrike" cap="none" spc="0" baseline="0">
+                <a:ln>
+                  <a:noFill/>
+                </a:ln>
+                <a:solidFill>
+                  <a:srgbClr val="000000"/>
+                </a:solidFill>
+                <a:uFillTx/>
+                <a:latin typeface="+mn-lt"/>
+                <a:ea typeface="+mn-ea"/>
+                <a:cs typeface="+mn-cs"/>
+                <a:sym typeface="Calibri"/>
+              </a:defRPr>
+            </a:lvl3pPr>
+            <a:lvl4pPr marL="0" marR="0" indent="0" algn="ctr" defTabSz="914400" rtl="0" latinLnBrk="0">
+              <a:lnSpc>
+                <a:spcPct val="100000"/>
+              </a:lnSpc>
+              <a:spcBef>
+                <a:spcPts val="0"/>
+              </a:spcBef>
+              <a:spcAft>
+                <a:spcPts val="0"/>
+              </a:spcAft>
+              <a:buClrTx/>
+              <a:buSzTx/>
+              <a:buFontTx/>
+              <a:buNone/>
+              <a:tabLst/>
+              <a:defRPr sz="4400" b="0" i="0" u="none" strike="noStrike" cap="none" spc="0" baseline="0">
+                <a:ln>
+                  <a:noFill/>
+                </a:ln>
+                <a:solidFill>
+                  <a:srgbClr val="000000"/>
+                </a:solidFill>
+                <a:uFillTx/>
+                <a:latin typeface="+mn-lt"/>
+                <a:ea typeface="+mn-ea"/>
+                <a:cs typeface="+mn-cs"/>
+                <a:sym typeface="Calibri"/>
+              </a:defRPr>
+            </a:lvl4pPr>
+            <a:lvl5pPr marL="0" marR="0" indent="0" algn="ctr" defTabSz="914400" rtl="0" latinLnBrk="0">
+              <a:lnSpc>
+                <a:spcPct val="100000"/>
+              </a:lnSpc>
+              <a:spcBef>
+                <a:spcPts val="0"/>
+              </a:spcBef>
+              <a:spcAft>
+                <a:spcPts val="0"/>
+              </a:spcAft>
+              <a:buClrTx/>
+              <a:buSzTx/>
+              <a:buFontTx/>
+              <a:buNone/>
+              <a:tabLst/>
+              <a:defRPr sz="4400" b="0" i="0" u="none" strike="noStrike" cap="none" spc="0" baseline="0">
+                <a:ln>
+                  <a:noFill/>
+                </a:ln>
+                <a:solidFill>
+                  <a:srgbClr val="000000"/>
+                </a:solidFill>
+                <a:uFillTx/>
+                <a:latin typeface="+mn-lt"/>
+                <a:ea typeface="+mn-ea"/>
+                <a:cs typeface="+mn-cs"/>
+                <a:sym typeface="Calibri"/>
+              </a:defRPr>
+            </a:lvl5pPr>
+            <a:lvl6pPr marL="0" marR="0" indent="0" algn="ctr" defTabSz="914400" rtl="0" latinLnBrk="0">
+              <a:lnSpc>
+                <a:spcPct val="100000"/>
+              </a:lnSpc>
+              <a:spcBef>
+                <a:spcPts val="0"/>
+              </a:spcBef>
+              <a:spcAft>
+                <a:spcPts val="0"/>
+              </a:spcAft>
+              <a:buClrTx/>
+              <a:buSzTx/>
+              <a:buFontTx/>
+              <a:buNone/>
+              <a:tabLst/>
+              <a:defRPr sz="4400" b="0" i="0" u="none" strike="noStrike" cap="none" spc="0" baseline="0">
+                <a:ln>
+                  <a:noFill/>
+                </a:ln>
+                <a:solidFill>
+                  <a:srgbClr val="000000"/>
+                </a:solidFill>
+                <a:uFillTx/>
+                <a:latin typeface="+mn-lt"/>
+                <a:ea typeface="+mn-ea"/>
+                <a:cs typeface="+mn-cs"/>
+                <a:sym typeface="Calibri"/>
+              </a:defRPr>
+            </a:lvl6pPr>
+            <a:lvl7pPr marL="0" marR="0" indent="0" algn="ctr" defTabSz="914400" rtl="0" latinLnBrk="0">
+              <a:lnSpc>
+                <a:spcPct val="100000"/>
+              </a:lnSpc>
+              <a:spcBef>
+                <a:spcPts val="0"/>
+              </a:spcBef>
+              <a:spcAft>
+                <a:spcPts val="0"/>
+              </a:spcAft>
+              <a:buClrTx/>
+              <a:buSzTx/>
+              <a:buFontTx/>
+              <a:buNone/>
+              <a:tabLst/>
+              <a:defRPr sz="4400" b="0" i="0" u="none" strike="noStrike" cap="none" spc="0" baseline="0">
+                <a:ln>
+                  <a:noFill/>
+                </a:ln>
+                <a:solidFill>
+                  <a:srgbClr val="000000"/>
+                </a:solidFill>
+                <a:uFillTx/>
+                <a:latin typeface="+mn-lt"/>
+                <a:ea typeface="+mn-ea"/>
+                <a:cs typeface="+mn-cs"/>
+                <a:sym typeface="Calibri"/>
+              </a:defRPr>
+            </a:lvl7pPr>
+            <a:lvl8pPr marL="0" marR="0" indent="0" algn="ctr" defTabSz="914400" rtl="0" latinLnBrk="0">
+              <a:lnSpc>
+                <a:spcPct val="100000"/>
+              </a:lnSpc>
+              <a:spcBef>
+                <a:spcPts val="0"/>
+              </a:spcBef>
+              <a:spcAft>
+                <a:spcPts val="0"/>
+              </a:spcAft>
+              <a:buClrTx/>
+              <a:buSzTx/>
+              <a:buFontTx/>
+              <a:buNone/>
+              <a:tabLst/>
+              <a:defRPr sz="4400" b="0" i="0" u="none" strike="noStrike" cap="none" spc="0" baseline="0">
+                <a:ln>
+                  <a:noFill/>
+                </a:ln>
+                <a:solidFill>
+                  <a:srgbClr val="000000"/>
+                </a:solidFill>
+                <a:uFillTx/>
+                <a:latin typeface="+mn-lt"/>
+                <a:ea typeface="+mn-ea"/>
+                <a:cs typeface="+mn-cs"/>
+                <a:sym typeface="Calibri"/>
+              </a:defRPr>
+            </a:lvl8pPr>
+            <a:lvl9pPr marL="0" marR="0" indent="0" algn="ctr" defTabSz="914400" rtl="0" latinLnBrk="0">
+              <a:lnSpc>
+                <a:spcPct val="100000"/>
+              </a:lnSpc>
+              <a:spcBef>
+                <a:spcPts val="0"/>
+              </a:spcBef>
+              <a:spcAft>
+                <a:spcPts val="0"/>
+              </a:spcAft>
+              <a:buClrTx/>
+              <a:buSzTx/>
+              <a:buFontTx/>
+              <a:buNone/>
+              <a:tabLst/>
+              <a:defRPr sz="4400" b="0" i="0" u="none" strike="noStrike" cap="none" spc="0" baseline="0">
+                <a:ln>
+                  <a:noFill/>
+                </a:ln>
+                <a:solidFill>
+                  <a:srgbClr val="000000"/>
+                </a:solidFill>
+                <a:uFillTx/>
+                <a:latin typeface="+mn-lt"/>
+                <a:ea typeface="+mn-ea"/>
+                <a:cs typeface="+mn-cs"/>
+                <a:sym typeface="Calibri"/>
+              </a:defRPr>
+            </a:lvl9pPr>
+          </a:lstStyle>
           <a:p>
-            <a:pPr lvl="8" indent="0" algn="ctr">
-              <a:lnSpc>
-                <a:spcPct val="150000"/>
-              </a:lnSpc>
+            <a:pPr hangingPunct="1">
+              <a:defRPr sz="2800" b="1">
+                <a:solidFill>
+                  <a:srgbClr val="11A79D"/>
+                </a:solidFill>
+              </a:defRPr>
             </a:pPr>
             <a:r>
-              <a:rPr lang="pt-BR" b="1" dirty="0">
-                <a:solidFill>
-                  <a:srgbClr val="666666"/>
-                </a:solidFill>
-              </a:rPr>
-              <a:t>Uma classe deve ter um, e apenas um, motivo para ser </a:t>
-            </a:r>
-            <a:r>
-              <a:rPr lang="pt-BR" b="1" dirty="0" smtClean="0">
-                <a:solidFill>
-                  <a:srgbClr val="666666"/>
-                </a:solidFill>
-              </a:rPr>
-              <a:t>modificada.</a:t>
-            </a:r>
-            <a:endParaRPr lang="pt-BR" b="1" dirty="0">
+              <a:rPr lang="pt-BR" sz="5400" b="1" dirty="0" smtClean="0">
+                <a:solidFill>
+                  <a:srgbClr val="11A79D"/>
+                </a:solidFill>
+              </a:rPr>
+              <a:t>SOLID</a:t>
+            </a:r>
+            <a:endParaRPr lang="pt-BR" sz="5400" b="1" dirty="0">
               <a:solidFill>
-                <a:srgbClr val="666666"/>
+                <a:srgbClr val="11A79D"/>
               </a:solidFill>
             </a:endParaRPr>
           </a:p>
@@ -14512,7 +16277,7 @@
     </p:spTree>
     <p:extLst>
       <p:ext uri="{BB962C8B-B14F-4D97-AF65-F5344CB8AC3E}">
-        <p14:creationId xmlns:p14="http://schemas.microsoft.com/office/powerpoint/2010/main" val="1895892198"/>
+        <p14:creationId xmlns:p14="http://schemas.microsoft.com/office/powerpoint/2010/main" val="2862972746"/>
       </p:ext>
     </p:extLst>
   </p:cSld>
@@ -14541,7 +16306,7 @@
 </p:sld>
 </file>
 
-<file path=ppt/slides/slide4.xml><?xml version="1.0" encoding="utf-8"?>
+<file path=ppt/slides/slide5.xml><?xml version="1.0" encoding="utf-8"?>
 <p:sld xmlns:a="http://schemas.openxmlformats.org/drawingml/2006/main" xmlns:r="http://schemas.openxmlformats.org/officeDocument/2006/relationships" xmlns:p="http://schemas.openxmlformats.org/presentationml/2006/main">
   <p:cSld>
     <p:spTree>
@@ -14609,7 +16374,39 @@
                   <a:srgbClr val="666666"/>
                 </a:solidFill>
               </a:rPr>
-              <a:t>Cada </a:t>
+              <a:t>Single </a:t>
+            </a:r>
+            <a:r>
+              <a:rPr lang="pt-BR" dirty="0" err="1">
+                <a:solidFill>
+                  <a:srgbClr val="666666"/>
+                </a:solidFill>
+              </a:rPr>
+              <a:t>Responsibility</a:t>
+            </a:r>
+            <a:r>
+              <a:rPr lang="pt-BR" dirty="0">
+                <a:solidFill>
+                  <a:srgbClr val="666666"/>
+                </a:solidFill>
+              </a:rPr>
+              <a:t> </a:t>
+            </a:r>
+            <a:r>
+              <a:rPr lang="pt-BR" dirty="0" err="1">
+                <a:solidFill>
+                  <a:srgbClr val="666666"/>
+                </a:solidFill>
+              </a:rPr>
+              <a:t>Principle</a:t>
+            </a:r>
+            <a:r>
+              <a:rPr lang="pt-BR" dirty="0">
+                <a:solidFill>
+                  <a:srgbClr val="666666"/>
+                </a:solidFill>
+              </a:rPr>
+              <a:t>, também conhecido como </a:t>
             </a:r>
             <a:r>
               <a:rPr lang="pt-BR" b="1" u="sng" dirty="0">
@@ -14617,7 +16414,7 @@
                   <a:srgbClr val="666666"/>
                 </a:solidFill>
               </a:rPr>
-              <a:t>responsabilidade</a:t>
+              <a:t>Princípio da Responsabilidade Única</a:t>
             </a:r>
             <a:r>
               <a:rPr lang="pt-BR" dirty="0">
@@ -14625,23 +16422,7 @@
                   <a:srgbClr val="666666"/>
                 </a:solidFill>
               </a:rPr>
-              <a:t> deve ser uma </a:t>
-            </a:r>
-            <a:r>
-              <a:rPr lang="pt-BR" b="1" u="sng" dirty="0">
-                <a:solidFill>
-                  <a:srgbClr val="666666"/>
-                </a:solidFill>
-              </a:rPr>
-              <a:t>classe</a:t>
-            </a:r>
-            <a:r>
-              <a:rPr lang="pt-BR" dirty="0">
-                <a:solidFill>
-                  <a:srgbClr val="666666"/>
-                </a:solidFill>
-              </a:rPr>
-              <a:t>, porque uma responsabilidade é um eixo de mudança.</a:t>
+              <a:t>.</a:t>
             </a:r>
           </a:p>
         </p:txBody>
@@ -14667,7 +16448,643 @@
           </a:ln>
           <a:extLst>
             <a:ext uri="{C572A759-6A51-4108-AA02-DFA0A04FC94B}">
-              <ma14:wrappingTextBoxFlag xmlns:ma14="http://schemas.microsoft.com/office/mac/drawingml/2011/main" xmlns="" val="1"/>
+              <ma14:wrappingTextBoxFlag xmlns="" xmlns:ma14="http://schemas.microsoft.com/office/mac/drawingml/2011/main" val="1"/>
+            </a:ext>
+          </a:extLst>
+        </p:spPr>
+        <p:txBody>
+          <a:bodyPr lIns="45719" rIns="45719" anchor="ctr">
+            <a:normAutofit/>
+          </a:bodyPr>
+          <a:lstStyle>
+            <a:lvl1pPr marL="0" marR="0" indent="0" algn="ctr" defTabSz="914400" rtl="0" latinLnBrk="0">
+              <a:lnSpc>
+                <a:spcPct val="100000"/>
+              </a:lnSpc>
+              <a:spcBef>
+                <a:spcPts val="0"/>
+              </a:spcBef>
+              <a:spcAft>
+                <a:spcPts val="0"/>
+              </a:spcAft>
+              <a:buClrTx/>
+              <a:buSzTx/>
+              <a:buFontTx/>
+              <a:buNone/>
+              <a:tabLst/>
+              <a:defRPr sz="4400" b="0" i="0" u="none" strike="noStrike" cap="none" spc="0" baseline="0">
+                <a:ln>
+                  <a:noFill/>
+                </a:ln>
+                <a:solidFill>
+                  <a:srgbClr val="000000"/>
+                </a:solidFill>
+                <a:uFillTx/>
+                <a:latin typeface="+mn-lt"/>
+                <a:ea typeface="+mn-ea"/>
+                <a:cs typeface="+mn-cs"/>
+                <a:sym typeface="Calibri"/>
+              </a:defRPr>
+            </a:lvl1pPr>
+            <a:lvl2pPr marL="0" marR="0" indent="0" algn="ctr" defTabSz="914400" rtl="0" latinLnBrk="0">
+              <a:lnSpc>
+                <a:spcPct val="100000"/>
+              </a:lnSpc>
+              <a:spcBef>
+                <a:spcPts val="0"/>
+              </a:spcBef>
+              <a:spcAft>
+                <a:spcPts val="0"/>
+              </a:spcAft>
+              <a:buClrTx/>
+              <a:buSzTx/>
+              <a:buFontTx/>
+              <a:buNone/>
+              <a:tabLst/>
+              <a:defRPr sz="4400" b="0" i="0" u="none" strike="noStrike" cap="none" spc="0" baseline="0">
+                <a:ln>
+                  <a:noFill/>
+                </a:ln>
+                <a:solidFill>
+                  <a:srgbClr val="000000"/>
+                </a:solidFill>
+                <a:uFillTx/>
+                <a:latin typeface="+mn-lt"/>
+                <a:ea typeface="+mn-ea"/>
+                <a:cs typeface="+mn-cs"/>
+                <a:sym typeface="Calibri"/>
+              </a:defRPr>
+            </a:lvl2pPr>
+            <a:lvl3pPr marL="0" marR="0" indent="0" algn="ctr" defTabSz="914400" rtl="0" latinLnBrk="0">
+              <a:lnSpc>
+                <a:spcPct val="100000"/>
+              </a:lnSpc>
+              <a:spcBef>
+                <a:spcPts val="0"/>
+              </a:spcBef>
+              <a:spcAft>
+                <a:spcPts val="0"/>
+              </a:spcAft>
+              <a:buClrTx/>
+              <a:buSzTx/>
+              <a:buFontTx/>
+              <a:buNone/>
+              <a:tabLst/>
+              <a:defRPr sz="4400" b="0" i="0" u="none" strike="noStrike" cap="none" spc="0" baseline="0">
+                <a:ln>
+                  <a:noFill/>
+                </a:ln>
+                <a:solidFill>
+                  <a:srgbClr val="000000"/>
+                </a:solidFill>
+                <a:uFillTx/>
+                <a:latin typeface="+mn-lt"/>
+                <a:ea typeface="+mn-ea"/>
+                <a:cs typeface="+mn-cs"/>
+                <a:sym typeface="Calibri"/>
+              </a:defRPr>
+            </a:lvl3pPr>
+            <a:lvl4pPr marL="0" marR="0" indent="0" algn="ctr" defTabSz="914400" rtl="0" latinLnBrk="0">
+              <a:lnSpc>
+                <a:spcPct val="100000"/>
+              </a:lnSpc>
+              <a:spcBef>
+                <a:spcPts val="0"/>
+              </a:spcBef>
+              <a:spcAft>
+                <a:spcPts val="0"/>
+              </a:spcAft>
+              <a:buClrTx/>
+              <a:buSzTx/>
+              <a:buFontTx/>
+              <a:buNone/>
+              <a:tabLst/>
+              <a:defRPr sz="4400" b="0" i="0" u="none" strike="noStrike" cap="none" spc="0" baseline="0">
+                <a:ln>
+                  <a:noFill/>
+                </a:ln>
+                <a:solidFill>
+                  <a:srgbClr val="000000"/>
+                </a:solidFill>
+                <a:uFillTx/>
+                <a:latin typeface="+mn-lt"/>
+                <a:ea typeface="+mn-ea"/>
+                <a:cs typeface="+mn-cs"/>
+                <a:sym typeface="Calibri"/>
+              </a:defRPr>
+            </a:lvl4pPr>
+            <a:lvl5pPr marL="0" marR="0" indent="0" algn="ctr" defTabSz="914400" rtl="0" latinLnBrk="0">
+              <a:lnSpc>
+                <a:spcPct val="100000"/>
+              </a:lnSpc>
+              <a:spcBef>
+                <a:spcPts val="0"/>
+              </a:spcBef>
+              <a:spcAft>
+                <a:spcPts val="0"/>
+              </a:spcAft>
+              <a:buClrTx/>
+              <a:buSzTx/>
+              <a:buFontTx/>
+              <a:buNone/>
+              <a:tabLst/>
+              <a:defRPr sz="4400" b="0" i="0" u="none" strike="noStrike" cap="none" spc="0" baseline="0">
+                <a:ln>
+                  <a:noFill/>
+                </a:ln>
+                <a:solidFill>
+                  <a:srgbClr val="000000"/>
+                </a:solidFill>
+                <a:uFillTx/>
+                <a:latin typeface="+mn-lt"/>
+                <a:ea typeface="+mn-ea"/>
+                <a:cs typeface="+mn-cs"/>
+                <a:sym typeface="Calibri"/>
+              </a:defRPr>
+            </a:lvl5pPr>
+            <a:lvl6pPr marL="0" marR="0" indent="0" algn="ctr" defTabSz="914400" rtl="0" latinLnBrk="0">
+              <a:lnSpc>
+                <a:spcPct val="100000"/>
+              </a:lnSpc>
+              <a:spcBef>
+                <a:spcPts val="0"/>
+              </a:spcBef>
+              <a:spcAft>
+                <a:spcPts val="0"/>
+              </a:spcAft>
+              <a:buClrTx/>
+              <a:buSzTx/>
+              <a:buFontTx/>
+              <a:buNone/>
+              <a:tabLst/>
+              <a:defRPr sz="4400" b="0" i="0" u="none" strike="noStrike" cap="none" spc="0" baseline="0">
+                <a:ln>
+                  <a:noFill/>
+                </a:ln>
+                <a:solidFill>
+                  <a:srgbClr val="000000"/>
+                </a:solidFill>
+                <a:uFillTx/>
+                <a:latin typeface="+mn-lt"/>
+                <a:ea typeface="+mn-ea"/>
+                <a:cs typeface="+mn-cs"/>
+                <a:sym typeface="Calibri"/>
+              </a:defRPr>
+            </a:lvl6pPr>
+            <a:lvl7pPr marL="0" marR="0" indent="0" algn="ctr" defTabSz="914400" rtl="0" latinLnBrk="0">
+              <a:lnSpc>
+                <a:spcPct val="100000"/>
+              </a:lnSpc>
+              <a:spcBef>
+                <a:spcPts val="0"/>
+              </a:spcBef>
+              <a:spcAft>
+                <a:spcPts val="0"/>
+              </a:spcAft>
+              <a:buClrTx/>
+              <a:buSzTx/>
+              <a:buFontTx/>
+              <a:buNone/>
+              <a:tabLst/>
+              <a:defRPr sz="4400" b="0" i="0" u="none" strike="noStrike" cap="none" spc="0" baseline="0">
+                <a:ln>
+                  <a:noFill/>
+                </a:ln>
+                <a:solidFill>
+                  <a:srgbClr val="000000"/>
+                </a:solidFill>
+                <a:uFillTx/>
+                <a:latin typeface="+mn-lt"/>
+                <a:ea typeface="+mn-ea"/>
+                <a:cs typeface="+mn-cs"/>
+                <a:sym typeface="Calibri"/>
+              </a:defRPr>
+            </a:lvl7pPr>
+            <a:lvl8pPr marL="0" marR="0" indent="0" algn="ctr" defTabSz="914400" rtl="0" latinLnBrk="0">
+              <a:lnSpc>
+                <a:spcPct val="100000"/>
+              </a:lnSpc>
+              <a:spcBef>
+                <a:spcPts val="0"/>
+              </a:spcBef>
+              <a:spcAft>
+                <a:spcPts val="0"/>
+              </a:spcAft>
+              <a:buClrTx/>
+              <a:buSzTx/>
+              <a:buFontTx/>
+              <a:buNone/>
+              <a:tabLst/>
+              <a:defRPr sz="4400" b="0" i="0" u="none" strike="noStrike" cap="none" spc="0" baseline="0">
+                <a:ln>
+                  <a:noFill/>
+                </a:ln>
+                <a:solidFill>
+                  <a:srgbClr val="000000"/>
+                </a:solidFill>
+                <a:uFillTx/>
+                <a:latin typeface="+mn-lt"/>
+                <a:ea typeface="+mn-ea"/>
+                <a:cs typeface="+mn-cs"/>
+                <a:sym typeface="Calibri"/>
+              </a:defRPr>
+            </a:lvl8pPr>
+            <a:lvl9pPr marL="0" marR="0" indent="0" algn="ctr" defTabSz="914400" rtl="0" latinLnBrk="0">
+              <a:lnSpc>
+                <a:spcPct val="100000"/>
+              </a:lnSpc>
+              <a:spcBef>
+                <a:spcPts val="0"/>
+              </a:spcBef>
+              <a:spcAft>
+                <a:spcPts val="0"/>
+              </a:spcAft>
+              <a:buClrTx/>
+              <a:buSzTx/>
+              <a:buFontTx/>
+              <a:buNone/>
+              <a:tabLst/>
+              <a:defRPr sz="4400" b="0" i="0" u="none" strike="noStrike" cap="none" spc="0" baseline="0">
+                <a:ln>
+                  <a:noFill/>
+                </a:ln>
+                <a:solidFill>
+                  <a:srgbClr val="000000"/>
+                </a:solidFill>
+                <a:uFillTx/>
+                <a:latin typeface="+mn-lt"/>
+                <a:ea typeface="+mn-ea"/>
+                <a:cs typeface="+mn-cs"/>
+                <a:sym typeface="Calibri"/>
+              </a:defRPr>
+            </a:lvl9pPr>
+          </a:lstStyle>
+          <a:p>
+            <a:pPr hangingPunct="1">
+              <a:defRPr sz="2800" b="1">
+                <a:solidFill>
+                  <a:srgbClr val="11A79D"/>
+                </a:solidFill>
+              </a:defRPr>
+            </a:pPr>
+            <a:r>
+              <a:rPr lang="pt-BR" sz="5400" b="1" dirty="0" smtClean="0">
+                <a:solidFill>
+                  <a:srgbClr val="11A79D"/>
+                </a:solidFill>
+              </a:rPr>
+              <a:t>S</a:t>
+            </a:r>
+            <a:r>
+              <a:rPr lang="pt-BR" sz="5400" b="1" dirty="0" smtClean="0">
+                <a:solidFill>
+                  <a:schemeClr val="bg1">
+                    <a:lumMod val="95000"/>
+                  </a:schemeClr>
+                </a:solidFill>
+              </a:rPr>
+              <a:t>OLID</a:t>
+            </a:r>
+            <a:endParaRPr lang="pt-BR" sz="5400" b="1" dirty="0">
+              <a:solidFill>
+                <a:schemeClr val="bg1">
+                  <a:lumMod val="95000"/>
+                </a:schemeClr>
+              </a:solidFill>
+            </a:endParaRPr>
+          </a:p>
+        </p:txBody>
+      </p:sp>
+      <p:pic>
+        <p:nvPicPr>
+          <p:cNvPr id="6146" name="Picture 2" descr="SOLID - Single Responsibility Principle - SRP"/>
+          <p:cNvPicPr>
+            <a:picLocks noChangeAspect="1" noChangeArrowheads="1"/>
+          </p:cNvPicPr>
+          <p:nvPr/>
+        </p:nvPicPr>
+        <p:blipFill>
+          <a:blip r:embed="rId3">
+            <a:extLst>
+              <a:ext uri="{28A0092B-C50C-407E-A947-70E740481C1C}">
+                <a14:useLocalDpi xmlns:a14="http://schemas.microsoft.com/office/drawing/2010/main" val="0"/>
+              </a:ext>
+            </a:extLst>
+          </a:blip>
+          <a:srcRect/>
+          <a:stretch>
+            <a:fillRect/>
+          </a:stretch>
+        </p:blipFill>
+        <p:spPr bwMode="auto">
+          <a:xfrm>
+            <a:off x="4601939" y="2574686"/>
+            <a:ext cx="2857500" cy="1895476"/>
+          </a:xfrm>
+          <a:prstGeom prst="rect">
+            <a:avLst/>
+          </a:prstGeom>
+          <a:noFill/>
+          <a:extLst>
+            <a:ext uri="{909E8E84-426E-40DD-AFC4-6F175D3DCCD1}">
+              <a14:hiddenFill xmlns:a14="http://schemas.microsoft.com/office/drawing/2010/main">
+                <a:solidFill>
+                  <a:srgbClr val="FFFFFF"/>
+                </a:solidFill>
+              </a14:hiddenFill>
+            </a:ext>
+          </a:extLst>
+        </p:spPr>
+      </p:pic>
+      <p:sp>
+        <p:nvSpPr>
+          <p:cNvPr id="5" name="CaixaDeTexto 4"/>
+          <p:cNvSpPr txBox="1"/>
+          <p:nvPr/>
+        </p:nvSpPr>
+        <p:spPr>
+          <a:xfrm>
+            <a:off x="5363083" y="4470162"/>
+            <a:ext cx="1335211" cy="507829"/>
+          </a:xfrm>
+          <a:prstGeom prst="rect">
+            <a:avLst/>
+          </a:prstGeom>
+          <a:noFill/>
+          <a:ln w="12700" cap="flat">
+            <a:noFill/>
+            <a:miter lim="400000"/>
+          </a:ln>
+          <a:effectLst/>
+          <a:sp3d/>
+        </p:spPr>
+        <p:style>
+          <a:lnRef idx="0">
+            <a:scrgbClr r="0" g="0" b="0"/>
+          </a:lnRef>
+          <a:fillRef idx="0">
+            <a:scrgbClr r="0" g="0" b="0"/>
+          </a:fillRef>
+          <a:effectRef idx="0">
+            <a:scrgbClr r="0" g="0" b="0"/>
+          </a:effectRef>
+          <a:fontRef idx="none"/>
+        </p:style>
+        <p:txBody>
+          <a:bodyPr rot="0" spcFirstLastPara="1" vertOverflow="overflow" horzOverflow="overflow" vert="horz" wrap="square" lIns="45719" tIns="45719" rIns="45719" bIns="45719" numCol="1" spcCol="38100" rtlCol="0" anchor="t">
+            <a:spAutoFit/>
+          </a:bodyPr>
+          <a:lstStyle/>
+          <a:p>
+            <a:pPr lvl="8" indent="0" algn="just">
+              <a:lnSpc>
+                <a:spcPct val="150000"/>
+              </a:lnSpc>
+            </a:pPr>
+            <a:r>
+              <a:rPr lang="pt-BR" dirty="0" smtClean="0">
+                <a:solidFill>
+                  <a:srgbClr val="666666"/>
+                </a:solidFill>
+              </a:rPr>
+              <a:t>Editar Filiado</a:t>
+            </a:r>
+            <a:endParaRPr lang="pt-BR" dirty="0">
+              <a:solidFill>
+                <a:srgbClr val="666666"/>
+              </a:solidFill>
+            </a:endParaRPr>
+          </a:p>
+        </p:txBody>
+      </p:sp>
+      <p:sp>
+        <p:nvSpPr>
+          <p:cNvPr id="7" name="CaixaDeTexto 6"/>
+          <p:cNvSpPr txBox="1"/>
+          <p:nvPr/>
+        </p:nvSpPr>
+        <p:spPr>
+          <a:xfrm>
+            <a:off x="1752314" y="5320939"/>
+            <a:ext cx="8556751" cy="507829"/>
+          </a:xfrm>
+          <a:prstGeom prst="rect">
+            <a:avLst/>
+          </a:prstGeom>
+          <a:noFill/>
+          <a:ln w="12700" cap="flat">
+            <a:noFill/>
+            <a:miter lim="400000"/>
+          </a:ln>
+          <a:effectLst/>
+          <a:sp3d/>
+        </p:spPr>
+        <p:style>
+          <a:lnRef idx="0">
+            <a:scrgbClr r="0" g="0" b="0"/>
+          </a:lnRef>
+          <a:fillRef idx="0">
+            <a:scrgbClr r="0" g="0" b="0"/>
+          </a:fillRef>
+          <a:effectRef idx="0">
+            <a:scrgbClr r="0" g="0" b="0"/>
+          </a:effectRef>
+          <a:fontRef idx="none"/>
+        </p:style>
+        <p:txBody>
+          <a:bodyPr rot="0" spcFirstLastPara="1" vertOverflow="overflow" horzOverflow="overflow" vert="horz" wrap="square" lIns="45719" tIns="45719" rIns="45719" bIns="45719" numCol="1" spcCol="38100" rtlCol="0" anchor="t">
+            <a:spAutoFit/>
+          </a:bodyPr>
+          <a:lstStyle/>
+          <a:p>
+            <a:pPr lvl="8" indent="0" algn="ctr">
+              <a:lnSpc>
+                <a:spcPct val="150000"/>
+              </a:lnSpc>
+            </a:pPr>
+            <a:r>
+              <a:rPr lang="pt-BR" b="1" dirty="0">
+                <a:solidFill>
+                  <a:srgbClr val="666666"/>
+                </a:solidFill>
+              </a:rPr>
+              <a:t>Uma classe deve ter um, e apenas um, motivo para ser </a:t>
+            </a:r>
+            <a:r>
+              <a:rPr lang="pt-BR" b="1" dirty="0" smtClean="0">
+                <a:solidFill>
+                  <a:srgbClr val="666666"/>
+                </a:solidFill>
+              </a:rPr>
+              <a:t>modificada.</a:t>
+            </a:r>
+            <a:endParaRPr lang="pt-BR" b="1" dirty="0">
+              <a:solidFill>
+                <a:srgbClr val="666666"/>
+              </a:solidFill>
+            </a:endParaRPr>
+          </a:p>
+        </p:txBody>
+      </p:sp>
+    </p:spTree>
+    <p:extLst>
+      <p:ext uri="{BB962C8B-B14F-4D97-AF65-F5344CB8AC3E}">
+        <p14:creationId xmlns:p14="http://schemas.microsoft.com/office/powerpoint/2010/main" val="1895892198"/>
+      </p:ext>
+    </p:extLst>
+  </p:cSld>
+  <p:clrMapOvr>
+    <a:masterClrMapping/>
+  </p:clrMapOvr>
+  <mc:AlternateContent xmlns:mc="http://schemas.openxmlformats.org/markup-compatibility/2006" xmlns:p14="http://schemas.microsoft.com/office/powerpoint/2010/main">
+    <mc:Choice Requires="p14">
+      <p:transition spd="med" p14:dur="700">
+        <p:fade/>
+      </p:transition>
+    </mc:Choice>
+    <mc:Fallback xmlns="">
+      <p:transition spd="med">
+        <p:fade/>
+      </p:transition>
+    </mc:Fallback>
+  </mc:AlternateContent>
+  <p:timing>
+    <p:tnLst>
+      <p:par>
+        <p:cTn id="1" dur="indefinite" restart="never" nodeType="tmRoot"/>
+      </p:par>
+    </p:tnLst>
+  </p:timing>
+</p:sld>
+</file>
+
+<file path=ppt/slides/slide6.xml><?xml version="1.0" encoding="utf-8"?>
+<p:sld xmlns:a="http://schemas.openxmlformats.org/drawingml/2006/main" xmlns:r="http://schemas.openxmlformats.org/officeDocument/2006/relationships" xmlns:p="http://schemas.openxmlformats.org/presentationml/2006/main">
+  <p:cSld>
+    <p:spTree>
+      <p:nvGrpSpPr>
+        <p:cNvPr id="1" name=""/>
+        <p:cNvGrpSpPr/>
+        <p:nvPr/>
+      </p:nvGrpSpPr>
+      <p:grpSpPr>
+        <a:xfrm>
+          <a:off x="0" y="0"/>
+          <a:ext cx="0" cy="0"/>
+          <a:chOff x="0" y="0"/>
+          <a:chExt cx="0" cy="0"/>
+        </a:xfrm>
+      </p:grpSpPr>
+      <p:sp>
+        <p:nvSpPr>
+          <p:cNvPr id="2" name="CaixaDeTexto 1"/>
+          <p:cNvSpPr txBox="1"/>
+          <p:nvPr/>
+        </p:nvSpPr>
+        <p:spPr>
+          <a:xfrm>
+            <a:off x="1752314" y="1946804"/>
+            <a:ext cx="8556751" cy="923328"/>
+          </a:xfrm>
+          <a:prstGeom prst="rect">
+            <a:avLst/>
+          </a:prstGeom>
+          <a:noFill/>
+          <a:ln w="12700" cap="flat">
+            <a:noFill/>
+            <a:miter lim="400000"/>
+          </a:ln>
+          <a:effectLst/>
+          <a:sp3d/>
+        </p:spPr>
+        <p:style>
+          <a:lnRef idx="0">
+            <a:scrgbClr r="0" g="0" b="0"/>
+          </a:lnRef>
+          <a:fillRef idx="0">
+            <a:scrgbClr r="0" g="0" b="0"/>
+          </a:fillRef>
+          <a:effectRef idx="0">
+            <a:scrgbClr r="0" g="0" b="0"/>
+          </a:effectRef>
+          <a:fontRef idx="none"/>
+        </p:style>
+        <p:txBody>
+          <a:bodyPr rot="0" spcFirstLastPara="1" vertOverflow="overflow" horzOverflow="overflow" vert="horz" wrap="square" lIns="45719" tIns="45719" rIns="45719" bIns="45719" numCol="1" spcCol="38100" rtlCol="0" anchor="t">
+            <a:spAutoFit/>
+          </a:bodyPr>
+          <a:lstStyle/>
+          <a:p>
+            <a:pPr lvl="8" indent="0" algn="just">
+              <a:lnSpc>
+                <a:spcPct val="150000"/>
+              </a:lnSpc>
+            </a:pPr>
+            <a:r>
+              <a:rPr lang="pt-BR" dirty="0">
+                <a:solidFill>
+                  <a:srgbClr val="666666"/>
+                </a:solidFill>
+              </a:rPr>
+              <a:t>Cada </a:t>
+            </a:r>
+            <a:r>
+              <a:rPr lang="pt-BR" b="1" u="sng" dirty="0">
+                <a:solidFill>
+                  <a:srgbClr val="666666"/>
+                </a:solidFill>
+              </a:rPr>
+              <a:t>responsabilidade</a:t>
+            </a:r>
+            <a:r>
+              <a:rPr lang="pt-BR" dirty="0">
+                <a:solidFill>
+                  <a:srgbClr val="666666"/>
+                </a:solidFill>
+              </a:rPr>
+              <a:t> deve ser uma </a:t>
+            </a:r>
+            <a:r>
+              <a:rPr lang="pt-BR" b="1" u="sng" dirty="0">
+                <a:solidFill>
+                  <a:srgbClr val="666666"/>
+                </a:solidFill>
+              </a:rPr>
+              <a:t>classe</a:t>
+            </a:r>
+            <a:r>
+              <a:rPr lang="pt-BR" dirty="0">
+                <a:solidFill>
+                  <a:srgbClr val="666666"/>
+                </a:solidFill>
+              </a:rPr>
+              <a:t>, porque uma responsabilidade é um eixo de mudança.</a:t>
+            </a:r>
+          </a:p>
+        </p:txBody>
+      </p:sp>
+      <p:sp>
+        <p:nvSpPr>
+          <p:cNvPr id="6" name="Shape 120"/>
+          <p:cNvSpPr txBox="1">
+            <a:spLocks/>
+          </p:cNvSpPr>
+          <p:nvPr/>
+        </p:nvSpPr>
+        <p:spPr>
+          <a:xfrm>
+            <a:off x="1915893" y="755374"/>
+            <a:ext cx="8229600" cy="1143001"/>
+          </a:xfrm>
+          <a:prstGeom prst="rect">
+            <a:avLst/>
+          </a:prstGeom>
+          <a:ln w="12700">
+            <a:miter lim="400000"/>
+          </a:ln>
+          <a:extLst>
+            <a:ext uri="{C572A759-6A51-4108-AA02-DFA0A04FC94B}">
+              <ma14:wrappingTextBoxFlag xmlns="" xmlns:ma14="http://schemas.microsoft.com/office/mac/drawingml/2011/main" val="1"/>
             </a:ext>
           </a:extLst>
         </p:spPr>
@@ -15091,7 +17508,7 @@
 </p:sld>
 </file>
 
-<file path=ppt/slides/slide5.xml><?xml version="1.0" encoding="utf-8"?>
+<file path=ppt/slides/slide7.xml><?xml version="1.0" encoding="utf-8"?>
 <p:sld xmlns:a="http://schemas.openxmlformats.org/drawingml/2006/main" xmlns:r="http://schemas.openxmlformats.org/officeDocument/2006/relationships" xmlns:p="http://schemas.openxmlformats.org/presentationml/2006/main">
   <p:cSld>
     <p:spTree>
@@ -15284,7 +17701,7 @@
           </a:ln>
           <a:extLst>
             <a:ext uri="{C572A759-6A51-4108-AA02-DFA0A04FC94B}">
-              <ma14:wrappingTextBoxFlag xmlns:ma14="http://schemas.microsoft.com/office/mac/drawingml/2011/main" xmlns="" val="1"/>
+              <ma14:wrappingTextBoxFlag xmlns="" xmlns:ma14="http://schemas.microsoft.com/office/mac/drawingml/2011/main" val="1"/>
             </a:ext>
           </a:extLst>
         </p:spPr>
@@ -15703,7 +18120,7 @@
 </p:sld>
 </file>
 
-<file path=ppt/slides/slide6.xml><?xml version="1.0" encoding="utf-8"?>
+<file path=ppt/slides/slide8.xml><?xml version="1.0" encoding="utf-8"?>
 <p:sld xmlns:a="http://schemas.openxmlformats.org/drawingml/2006/main" xmlns:r="http://schemas.openxmlformats.org/officeDocument/2006/relationships" xmlns:p="http://schemas.openxmlformats.org/presentationml/2006/main">
   <p:cSld>
     <p:spTree>
@@ -15906,7 +18323,7 @@
           </a:ln>
           <a:extLst>
             <a:ext uri="{C572A759-6A51-4108-AA02-DFA0A04FC94B}">
-              <ma14:wrappingTextBoxFlag xmlns:ma14="http://schemas.microsoft.com/office/mac/drawingml/2011/main" xmlns="" val="1"/>
+              <ma14:wrappingTextBoxFlag xmlns="" xmlns:ma14="http://schemas.microsoft.com/office/mac/drawingml/2011/main" val="1"/>
             </a:ext>
           </a:extLst>
         </p:spPr>
@@ -16425,7 +18842,7 @@
 </p:sld>
 </file>
 
-<file path=ppt/slides/slide7.xml><?xml version="1.0" encoding="utf-8"?>
+<file path=ppt/slides/slide9.xml><?xml version="1.0" encoding="utf-8"?>
 <p:sld xmlns:a="http://schemas.openxmlformats.org/drawingml/2006/main" xmlns:r="http://schemas.openxmlformats.org/officeDocument/2006/relationships" xmlns:p="http://schemas.openxmlformats.org/presentationml/2006/main">
   <p:cSld>
     <p:spTree>
@@ -16463,7 +18880,7 @@
           </a:ln>
           <a:extLst>
             <a:ext uri="{C572A759-6A51-4108-AA02-DFA0A04FC94B}">
-              <ma14:wrappingTextBoxFlag xmlns:ma14="http://schemas.microsoft.com/office/mac/drawingml/2011/main" xmlns="" val="1"/>
+              <ma14:wrappingTextBoxFlag xmlns="" xmlns:ma14="http://schemas.microsoft.com/office/mac/drawingml/2011/main" val="1"/>
             </a:ext>
           </a:extLst>
         </p:spPr>
@@ -16808,1028 +19225,6 @@
     <p:extLst>
       <p:ext uri="{BB962C8B-B14F-4D97-AF65-F5344CB8AC3E}">
         <p14:creationId xmlns:p14="http://schemas.microsoft.com/office/powerpoint/2010/main" val="1854728382"/>
-      </p:ext>
-    </p:extLst>
-  </p:cSld>
-  <p:clrMapOvr>
-    <a:masterClrMapping/>
-  </p:clrMapOvr>
-  <mc:AlternateContent xmlns:mc="http://schemas.openxmlformats.org/markup-compatibility/2006" xmlns:p14="http://schemas.microsoft.com/office/powerpoint/2010/main">
-    <mc:Choice Requires="p14">
-      <p:transition spd="med" p14:dur="700">
-        <p:fade/>
-      </p:transition>
-    </mc:Choice>
-    <mc:Fallback xmlns="">
-      <p:transition spd="med">
-        <p:fade/>
-      </p:transition>
-    </mc:Fallback>
-  </mc:AlternateContent>
-  <p:timing>
-    <p:tnLst>
-      <p:par>
-        <p:cTn id="1" dur="indefinite" restart="never" nodeType="tmRoot"/>
-      </p:par>
-    </p:tnLst>
-  </p:timing>
-</p:sld>
-</file>
-
-<file path=ppt/slides/slide8.xml><?xml version="1.0" encoding="utf-8"?>
-<p:sld xmlns:a="http://schemas.openxmlformats.org/drawingml/2006/main" xmlns:r="http://schemas.openxmlformats.org/officeDocument/2006/relationships" xmlns:p="http://schemas.openxmlformats.org/presentationml/2006/main">
-  <p:cSld>
-    <p:spTree>
-      <p:nvGrpSpPr>
-        <p:cNvPr id="1" name=""/>
-        <p:cNvGrpSpPr/>
-        <p:nvPr/>
-      </p:nvGrpSpPr>
-      <p:grpSpPr>
-        <a:xfrm>
-          <a:off x="0" y="0"/>
-          <a:ext cx="0" cy="0"/>
-          <a:chOff x="0" y="0"/>
-          <a:chExt cx="0" cy="0"/>
-        </a:xfrm>
-      </p:grpSpPr>
-      <p:sp>
-        <p:nvSpPr>
-          <p:cNvPr id="6" name="Shape 120"/>
-          <p:cNvSpPr txBox="1">
-            <a:spLocks/>
-          </p:cNvSpPr>
-          <p:nvPr/>
-        </p:nvSpPr>
-        <p:spPr>
-          <a:xfrm>
-            <a:off x="1915893" y="755374"/>
-            <a:ext cx="8229600" cy="1143001"/>
-          </a:xfrm>
-          <a:prstGeom prst="rect">
-            <a:avLst/>
-          </a:prstGeom>
-          <a:ln w="12700">
-            <a:miter lim="400000"/>
-          </a:ln>
-          <a:extLst>
-            <a:ext uri="{C572A759-6A51-4108-AA02-DFA0A04FC94B}">
-              <ma14:wrappingTextBoxFlag xmlns:ma14="http://schemas.microsoft.com/office/mac/drawingml/2011/main" xmlns="" val="1"/>
-            </a:ext>
-          </a:extLst>
-        </p:spPr>
-        <p:txBody>
-          <a:bodyPr lIns="45719" rIns="45719" anchor="ctr">
-            <a:normAutofit/>
-          </a:bodyPr>
-          <a:lstStyle>
-            <a:lvl1pPr marL="0" marR="0" indent="0" algn="ctr" defTabSz="914400" rtl="0" latinLnBrk="0">
-              <a:lnSpc>
-                <a:spcPct val="100000"/>
-              </a:lnSpc>
-              <a:spcBef>
-                <a:spcPts val="0"/>
-              </a:spcBef>
-              <a:spcAft>
-                <a:spcPts val="0"/>
-              </a:spcAft>
-              <a:buClrTx/>
-              <a:buSzTx/>
-              <a:buFontTx/>
-              <a:buNone/>
-              <a:tabLst/>
-              <a:defRPr sz="4400" b="0" i="0" u="none" strike="noStrike" cap="none" spc="0" baseline="0">
-                <a:ln>
-                  <a:noFill/>
-                </a:ln>
-                <a:solidFill>
-                  <a:srgbClr val="000000"/>
-                </a:solidFill>
-                <a:uFillTx/>
-                <a:latin typeface="+mn-lt"/>
-                <a:ea typeface="+mn-ea"/>
-                <a:cs typeface="+mn-cs"/>
-                <a:sym typeface="Calibri"/>
-              </a:defRPr>
-            </a:lvl1pPr>
-            <a:lvl2pPr marL="0" marR="0" indent="0" algn="ctr" defTabSz="914400" rtl="0" latinLnBrk="0">
-              <a:lnSpc>
-                <a:spcPct val="100000"/>
-              </a:lnSpc>
-              <a:spcBef>
-                <a:spcPts val="0"/>
-              </a:spcBef>
-              <a:spcAft>
-                <a:spcPts val="0"/>
-              </a:spcAft>
-              <a:buClrTx/>
-              <a:buSzTx/>
-              <a:buFontTx/>
-              <a:buNone/>
-              <a:tabLst/>
-              <a:defRPr sz="4400" b="0" i="0" u="none" strike="noStrike" cap="none" spc="0" baseline="0">
-                <a:ln>
-                  <a:noFill/>
-                </a:ln>
-                <a:solidFill>
-                  <a:srgbClr val="000000"/>
-                </a:solidFill>
-                <a:uFillTx/>
-                <a:latin typeface="+mn-lt"/>
-                <a:ea typeface="+mn-ea"/>
-                <a:cs typeface="+mn-cs"/>
-                <a:sym typeface="Calibri"/>
-              </a:defRPr>
-            </a:lvl2pPr>
-            <a:lvl3pPr marL="0" marR="0" indent="0" algn="ctr" defTabSz="914400" rtl="0" latinLnBrk="0">
-              <a:lnSpc>
-                <a:spcPct val="100000"/>
-              </a:lnSpc>
-              <a:spcBef>
-                <a:spcPts val="0"/>
-              </a:spcBef>
-              <a:spcAft>
-                <a:spcPts val="0"/>
-              </a:spcAft>
-              <a:buClrTx/>
-              <a:buSzTx/>
-              <a:buFontTx/>
-              <a:buNone/>
-              <a:tabLst/>
-              <a:defRPr sz="4400" b="0" i="0" u="none" strike="noStrike" cap="none" spc="0" baseline="0">
-                <a:ln>
-                  <a:noFill/>
-                </a:ln>
-                <a:solidFill>
-                  <a:srgbClr val="000000"/>
-                </a:solidFill>
-                <a:uFillTx/>
-                <a:latin typeface="+mn-lt"/>
-                <a:ea typeface="+mn-ea"/>
-                <a:cs typeface="+mn-cs"/>
-                <a:sym typeface="Calibri"/>
-              </a:defRPr>
-            </a:lvl3pPr>
-            <a:lvl4pPr marL="0" marR="0" indent="0" algn="ctr" defTabSz="914400" rtl="0" latinLnBrk="0">
-              <a:lnSpc>
-                <a:spcPct val="100000"/>
-              </a:lnSpc>
-              <a:spcBef>
-                <a:spcPts val="0"/>
-              </a:spcBef>
-              <a:spcAft>
-                <a:spcPts val="0"/>
-              </a:spcAft>
-              <a:buClrTx/>
-              <a:buSzTx/>
-              <a:buFontTx/>
-              <a:buNone/>
-              <a:tabLst/>
-              <a:defRPr sz="4400" b="0" i="0" u="none" strike="noStrike" cap="none" spc="0" baseline="0">
-                <a:ln>
-                  <a:noFill/>
-                </a:ln>
-                <a:solidFill>
-                  <a:srgbClr val="000000"/>
-                </a:solidFill>
-                <a:uFillTx/>
-                <a:latin typeface="+mn-lt"/>
-                <a:ea typeface="+mn-ea"/>
-                <a:cs typeface="+mn-cs"/>
-                <a:sym typeface="Calibri"/>
-              </a:defRPr>
-            </a:lvl4pPr>
-            <a:lvl5pPr marL="0" marR="0" indent="0" algn="ctr" defTabSz="914400" rtl="0" latinLnBrk="0">
-              <a:lnSpc>
-                <a:spcPct val="100000"/>
-              </a:lnSpc>
-              <a:spcBef>
-                <a:spcPts val="0"/>
-              </a:spcBef>
-              <a:spcAft>
-                <a:spcPts val="0"/>
-              </a:spcAft>
-              <a:buClrTx/>
-              <a:buSzTx/>
-              <a:buFontTx/>
-              <a:buNone/>
-              <a:tabLst/>
-              <a:defRPr sz="4400" b="0" i="0" u="none" strike="noStrike" cap="none" spc="0" baseline="0">
-                <a:ln>
-                  <a:noFill/>
-                </a:ln>
-                <a:solidFill>
-                  <a:srgbClr val="000000"/>
-                </a:solidFill>
-                <a:uFillTx/>
-                <a:latin typeface="+mn-lt"/>
-                <a:ea typeface="+mn-ea"/>
-                <a:cs typeface="+mn-cs"/>
-                <a:sym typeface="Calibri"/>
-              </a:defRPr>
-            </a:lvl5pPr>
-            <a:lvl6pPr marL="0" marR="0" indent="0" algn="ctr" defTabSz="914400" rtl="0" latinLnBrk="0">
-              <a:lnSpc>
-                <a:spcPct val="100000"/>
-              </a:lnSpc>
-              <a:spcBef>
-                <a:spcPts val="0"/>
-              </a:spcBef>
-              <a:spcAft>
-                <a:spcPts val="0"/>
-              </a:spcAft>
-              <a:buClrTx/>
-              <a:buSzTx/>
-              <a:buFontTx/>
-              <a:buNone/>
-              <a:tabLst/>
-              <a:defRPr sz="4400" b="0" i="0" u="none" strike="noStrike" cap="none" spc="0" baseline="0">
-                <a:ln>
-                  <a:noFill/>
-                </a:ln>
-                <a:solidFill>
-                  <a:srgbClr val="000000"/>
-                </a:solidFill>
-                <a:uFillTx/>
-                <a:latin typeface="+mn-lt"/>
-                <a:ea typeface="+mn-ea"/>
-                <a:cs typeface="+mn-cs"/>
-                <a:sym typeface="Calibri"/>
-              </a:defRPr>
-            </a:lvl6pPr>
-            <a:lvl7pPr marL="0" marR="0" indent="0" algn="ctr" defTabSz="914400" rtl="0" latinLnBrk="0">
-              <a:lnSpc>
-                <a:spcPct val="100000"/>
-              </a:lnSpc>
-              <a:spcBef>
-                <a:spcPts val="0"/>
-              </a:spcBef>
-              <a:spcAft>
-                <a:spcPts val="0"/>
-              </a:spcAft>
-              <a:buClrTx/>
-              <a:buSzTx/>
-              <a:buFontTx/>
-              <a:buNone/>
-              <a:tabLst/>
-              <a:defRPr sz="4400" b="0" i="0" u="none" strike="noStrike" cap="none" spc="0" baseline="0">
-                <a:ln>
-                  <a:noFill/>
-                </a:ln>
-                <a:solidFill>
-                  <a:srgbClr val="000000"/>
-                </a:solidFill>
-                <a:uFillTx/>
-                <a:latin typeface="+mn-lt"/>
-                <a:ea typeface="+mn-ea"/>
-                <a:cs typeface="+mn-cs"/>
-                <a:sym typeface="Calibri"/>
-              </a:defRPr>
-            </a:lvl7pPr>
-            <a:lvl8pPr marL="0" marR="0" indent="0" algn="ctr" defTabSz="914400" rtl="0" latinLnBrk="0">
-              <a:lnSpc>
-                <a:spcPct val="100000"/>
-              </a:lnSpc>
-              <a:spcBef>
-                <a:spcPts val="0"/>
-              </a:spcBef>
-              <a:spcAft>
-                <a:spcPts val="0"/>
-              </a:spcAft>
-              <a:buClrTx/>
-              <a:buSzTx/>
-              <a:buFontTx/>
-              <a:buNone/>
-              <a:tabLst/>
-              <a:defRPr sz="4400" b="0" i="0" u="none" strike="noStrike" cap="none" spc="0" baseline="0">
-                <a:ln>
-                  <a:noFill/>
-                </a:ln>
-                <a:solidFill>
-                  <a:srgbClr val="000000"/>
-                </a:solidFill>
-                <a:uFillTx/>
-                <a:latin typeface="+mn-lt"/>
-                <a:ea typeface="+mn-ea"/>
-                <a:cs typeface="+mn-cs"/>
-                <a:sym typeface="Calibri"/>
-              </a:defRPr>
-            </a:lvl8pPr>
-            <a:lvl9pPr marL="0" marR="0" indent="0" algn="ctr" defTabSz="914400" rtl="0" latinLnBrk="0">
-              <a:lnSpc>
-                <a:spcPct val="100000"/>
-              </a:lnSpc>
-              <a:spcBef>
-                <a:spcPts val="0"/>
-              </a:spcBef>
-              <a:spcAft>
-                <a:spcPts val="0"/>
-              </a:spcAft>
-              <a:buClrTx/>
-              <a:buSzTx/>
-              <a:buFontTx/>
-              <a:buNone/>
-              <a:tabLst/>
-              <a:defRPr sz="4400" b="0" i="0" u="none" strike="noStrike" cap="none" spc="0" baseline="0">
-                <a:ln>
-                  <a:noFill/>
-                </a:ln>
-                <a:solidFill>
-                  <a:srgbClr val="000000"/>
-                </a:solidFill>
-                <a:uFillTx/>
-                <a:latin typeface="+mn-lt"/>
-                <a:ea typeface="+mn-ea"/>
-                <a:cs typeface="+mn-cs"/>
-                <a:sym typeface="Calibri"/>
-              </a:defRPr>
-            </a:lvl9pPr>
-          </a:lstStyle>
-          <a:p>
-            <a:pPr hangingPunct="1">
-              <a:defRPr sz="2800" b="1">
-                <a:solidFill>
-                  <a:srgbClr val="11A79D"/>
-                </a:solidFill>
-              </a:defRPr>
-            </a:pPr>
-            <a:r>
-              <a:rPr lang="pt-BR" sz="5400" b="1" dirty="0" smtClean="0">
-                <a:solidFill>
-                  <a:schemeClr val="bg1">
-                    <a:lumMod val="95000"/>
-                  </a:schemeClr>
-                </a:solidFill>
-              </a:rPr>
-              <a:t>S</a:t>
-            </a:r>
-            <a:r>
-              <a:rPr lang="pt-BR" sz="5400" b="1" dirty="0">
-                <a:solidFill>
-                  <a:srgbClr val="11A79D"/>
-                </a:solidFill>
-              </a:rPr>
-              <a:t>O</a:t>
-            </a:r>
-            <a:r>
-              <a:rPr lang="pt-BR" sz="5400" b="1" dirty="0" smtClean="0">
-                <a:solidFill>
-                  <a:schemeClr val="bg1">
-                    <a:lumMod val="95000"/>
-                  </a:schemeClr>
-                </a:solidFill>
-              </a:rPr>
-              <a:t>LID</a:t>
-            </a:r>
-            <a:endParaRPr lang="pt-BR" sz="5400" b="1" dirty="0">
-              <a:solidFill>
-                <a:schemeClr val="bg1">
-                  <a:lumMod val="95000"/>
-                </a:schemeClr>
-              </a:solidFill>
-            </a:endParaRPr>
-          </a:p>
-        </p:txBody>
-      </p:sp>
-      <p:pic>
-        <p:nvPicPr>
-          <p:cNvPr id="4" name="Imagem 3"/>
-          <p:cNvPicPr>
-            <a:picLocks noChangeAspect="1"/>
-          </p:cNvPicPr>
-          <p:nvPr/>
-        </p:nvPicPr>
-        <p:blipFill>
-          <a:blip r:embed="rId3"/>
-          <a:stretch>
-            <a:fillRect/>
-          </a:stretch>
-        </p:blipFill>
-        <p:spPr>
-          <a:xfrm>
-            <a:off x="2530255" y="1983435"/>
-            <a:ext cx="7000875" cy="4038600"/>
-          </a:xfrm>
-          <a:prstGeom prst="rect">
-            <a:avLst/>
-          </a:prstGeom>
-        </p:spPr>
-      </p:pic>
-    </p:spTree>
-    <p:extLst>
-      <p:ext uri="{BB962C8B-B14F-4D97-AF65-F5344CB8AC3E}">
-        <p14:creationId xmlns:p14="http://schemas.microsoft.com/office/powerpoint/2010/main" val="246121727"/>
-      </p:ext>
-    </p:extLst>
-  </p:cSld>
-  <p:clrMapOvr>
-    <a:masterClrMapping/>
-  </p:clrMapOvr>
-  <mc:AlternateContent xmlns:mc="http://schemas.openxmlformats.org/markup-compatibility/2006" xmlns:p14="http://schemas.microsoft.com/office/powerpoint/2010/main">
-    <mc:Choice Requires="p14">
-      <p:transition spd="med" p14:dur="700">
-        <p:fade/>
-      </p:transition>
-    </mc:Choice>
-    <mc:Fallback xmlns="">
-      <p:transition spd="med">
-        <p:fade/>
-      </p:transition>
-    </mc:Fallback>
-  </mc:AlternateContent>
-  <p:timing>
-    <p:tnLst>
-      <p:par>
-        <p:cTn id="1" dur="indefinite" restart="never" nodeType="tmRoot"/>
-      </p:par>
-    </p:tnLst>
-  </p:timing>
-</p:sld>
-</file>
-
-<file path=ppt/slides/slide9.xml><?xml version="1.0" encoding="utf-8"?>
-<p:sld xmlns:a="http://schemas.openxmlformats.org/drawingml/2006/main" xmlns:r="http://schemas.openxmlformats.org/officeDocument/2006/relationships" xmlns:p="http://schemas.openxmlformats.org/presentationml/2006/main">
-  <p:cSld>
-    <p:spTree>
-      <p:nvGrpSpPr>
-        <p:cNvPr id="1" name=""/>
-        <p:cNvGrpSpPr/>
-        <p:nvPr/>
-      </p:nvGrpSpPr>
-      <p:grpSpPr>
-        <a:xfrm>
-          <a:off x="0" y="0"/>
-          <a:ext cx="0" cy="0"/>
-          <a:chOff x="0" y="0"/>
-          <a:chExt cx="0" cy="0"/>
-        </a:xfrm>
-      </p:grpSpPr>
-      <p:sp>
-        <p:nvSpPr>
-          <p:cNvPr id="2" name="CaixaDeTexto 1"/>
-          <p:cNvSpPr txBox="1"/>
-          <p:nvPr/>
-        </p:nvSpPr>
-        <p:spPr>
-          <a:xfrm>
-            <a:off x="1752317" y="2345181"/>
-            <a:ext cx="8556751" cy="2169823"/>
-          </a:xfrm>
-          <a:prstGeom prst="rect">
-            <a:avLst/>
-          </a:prstGeom>
-          <a:noFill/>
-          <a:ln w="12700" cap="flat">
-            <a:noFill/>
-            <a:miter lim="400000"/>
-          </a:ln>
-          <a:effectLst/>
-          <a:sp3d/>
-        </p:spPr>
-        <p:style>
-          <a:lnRef idx="0">
-            <a:scrgbClr r="0" g="0" b="0"/>
-          </a:lnRef>
-          <a:fillRef idx="0">
-            <a:scrgbClr r="0" g="0" b="0"/>
-          </a:fillRef>
-          <a:effectRef idx="0">
-            <a:scrgbClr r="0" g="0" b="0"/>
-          </a:effectRef>
-          <a:fontRef idx="none"/>
-        </p:style>
-        <p:txBody>
-          <a:bodyPr rot="0" spcFirstLastPara="1" vertOverflow="overflow" horzOverflow="overflow" vert="horz" wrap="square" lIns="45719" tIns="45719" rIns="45719" bIns="45719" numCol="1" spcCol="38100" rtlCol="0" anchor="t">
-            <a:spAutoFit/>
-          </a:bodyPr>
-          <a:lstStyle/>
-          <a:p>
-            <a:pPr lvl="8" indent="0" algn="just">
-              <a:lnSpc>
-                <a:spcPct val="150000"/>
-              </a:lnSpc>
-            </a:pPr>
-            <a:r>
-              <a:rPr lang="pt-BR" dirty="0" err="1" smtClean="0">
-                <a:solidFill>
-                  <a:srgbClr val="666666"/>
-                </a:solidFill>
-              </a:rPr>
-              <a:t>Liskov</a:t>
-            </a:r>
-            <a:r>
-              <a:rPr lang="pt-BR" dirty="0" smtClean="0">
-                <a:solidFill>
-                  <a:srgbClr val="666666"/>
-                </a:solidFill>
-              </a:rPr>
-              <a:t> </a:t>
-            </a:r>
-            <a:r>
-              <a:rPr lang="pt-BR" dirty="0" err="1">
-                <a:solidFill>
-                  <a:srgbClr val="666666"/>
-                </a:solidFill>
-              </a:rPr>
-              <a:t>Substitution</a:t>
-            </a:r>
-            <a:r>
-              <a:rPr lang="pt-BR" dirty="0">
-                <a:solidFill>
-                  <a:srgbClr val="666666"/>
-                </a:solidFill>
-              </a:rPr>
-              <a:t> </a:t>
-            </a:r>
-            <a:r>
-              <a:rPr lang="pt-BR" dirty="0" err="1" smtClean="0">
-                <a:solidFill>
-                  <a:srgbClr val="666666"/>
-                </a:solidFill>
-              </a:rPr>
-              <a:t>Principle</a:t>
-            </a:r>
-            <a:r>
-              <a:rPr lang="pt-BR" dirty="0" smtClean="0">
-                <a:solidFill>
-                  <a:srgbClr val="666666"/>
-                </a:solidFill>
-              </a:rPr>
-              <a:t>, também conhecido como </a:t>
-            </a:r>
-            <a:r>
-              <a:rPr lang="pt-BR" b="1" u="sng" dirty="0" smtClean="0">
-                <a:solidFill>
-                  <a:srgbClr val="666666"/>
-                </a:solidFill>
-              </a:rPr>
-              <a:t>Princípio </a:t>
-            </a:r>
-            <a:r>
-              <a:rPr lang="pt-BR" b="1" u="sng" dirty="0">
-                <a:solidFill>
-                  <a:srgbClr val="666666"/>
-                </a:solidFill>
-              </a:rPr>
-              <a:t>da Substituição de </a:t>
-            </a:r>
-            <a:r>
-              <a:rPr lang="pt-BR" b="1" u="sng" dirty="0" err="1" smtClean="0">
-                <a:solidFill>
-                  <a:srgbClr val="666666"/>
-                </a:solidFill>
-              </a:rPr>
-              <a:t>Liskov</a:t>
-            </a:r>
-            <a:r>
-              <a:rPr lang="pt-BR" dirty="0">
-                <a:solidFill>
-                  <a:srgbClr val="666666"/>
-                </a:solidFill>
-              </a:rPr>
-              <a:t>. </a:t>
-            </a:r>
-            <a:endParaRPr lang="pt-BR" dirty="0" smtClean="0">
-              <a:solidFill>
-                <a:srgbClr val="666666"/>
-              </a:solidFill>
-            </a:endParaRPr>
-          </a:p>
-          <a:p>
-            <a:pPr lvl="8" indent="0" algn="just">
-              <a:lnSpc>
-                <a:spcPct val="150000"/>
-              </a:lnSpc>
-            </a:pPr>
-            <a:endParaRPr lang="pt-BR" b="1" dirty="0">
-              <a:solidFill>
-                <a:srgbClr val="666666"/>
-              </a:solidFill>
-            </a:endParaRPr>
-          </a:p>
-          <a:p>
-            <a:pPr lvl="8" indent="0" algn="just">
-              <a:lnSpc>
-                <a:spcPct val="150000"/>
-              </a:lnSpc>
-            </a:pPr>
-            <a:r>
-              <a:rPr lang="pt-BR" b="1" dirty="0" smtClean="0">
-                <a:solidFill>
-                  <a:srgbClr val="666666"/>
-                </a:solidFill>
-              </a:rPr>
-              <a:t>Subtipos </a:t>
-            </a:r>
-            <a:r>
-              <a:rPr lang="pt-BR" b="1" dirty="0">
-                <a:solidFill>
-                  <a:srgbClr val="666666"/>
-                </a:solidFill>
-              </a:rPr>
-              <a:t>devem </a:t>
-            </a:r>
-            <a:r>
-              <a:rPr lang="pt-BR" b="1" dirty="0" smtClean="0">
-                <a:solidFill>
-                  <a:srgbClr val="666666"/>
-                </a:solidFill>
-              </a:rPr>
-              <a:t>ser </a:t>
-            </a:r>
-            <a:r>
-              <a:rPr lang="pt-BR" b="1" dirty="0">
-                <a:solidFill>
-                  <a:srgbClr val="666666"/>
-                </a:solidFill>
-              </a:rPr>
-              <a:t>substituíveis pelos seus tipos de </a:t>
-            </a:r>
-            <a:r>
-              <a:rPr lang="pt-BR" b="1" dirty="0" smtClean="0">
-                <a:solidFill>
-                  <a:srgbClr val="666666"/>
-                </a:solidFill>
-              </a:rPr>
-              <a:t>base</a:t>
-            </a:r>
-            <a:r>
-              <a:rPr lang="pt-BR" dirty="0" smtClean="0">
-                <a:solidFill>
-                  <a:srgbClr val="666666"/>
-                </a:solidFill>
-              </a:rPr>
-              <a:t>, resumindo</a:t>
-            </a:r>
-            <a:r>
-              <a:rPr lang="pt-BR" dirty="0">
-                <a:solidFill>
-                  <a:srgbClr val="666666"/>
-                </a:solidFill>
-              </a:rPr>
-              <a:t>, quando temos uma classe B e classe C que estende da classe A, deveríamos poder trocar a classe B </a:t>
-            </a:r>
-            <a:r>
-              <a:rPr lang="pt-BR" dirty="0" smtClean="0">
-                <a:solidFill>
-                  <a:srgbClr val="666666"/>
-                </a:solidFill>
-              </a:rPr>
-              <a:t>pela </a:t>
-            </a:r>
-            <a:r>
-              <a:rPr lang="pt-BR" dirty="0">
-                <a:solidFill>
-                  <a:srgbClr val="666666"/>
-                </a:solidFill>
-              </a:rPr>
-              <a:t>classe A, ou pela classe C dentro do projeto sem quebrar o código.. </a:t>
-            </a:r>
-          </a:p>
-        </p:txBody>
-      </p:sp>
-      <p:sp>
-        <p:nvSpPr>
-          <p:cNvPr id="6" name="Shape 120"/>
-          <p:cNvSpPr txBox="1">
-            <a:spLocks/>
-          </p:cNvSpPr>
-          <p:nvPr/>
-        </p:nvSpPr>
-        <p:spPr>
-          <a:xfrm>
-            <a:off x="1915893" y="755374"/>
-            <a:ext cx="8229600" cy="1143001"/>
-          </a:xfrm>
-          <a:prstGeom prst="rect">
-            <a:avLst/>
-          </a:prstGeom>
-          <a:ln w="12700">
-            <a:miter lim="400000"/>
-          </a:ln>
-          <a:extLst>
-            <a:ext uri="{C572A759-6A51-4108-AA02-DFA0A04FC94B}">
-              <ma14:wrappingTextBoxFlag xmlns:ma14="http://schemas.microsoft.com/office/mac/drawingml/2011/main" xmlns="" val="1"/>
-            </a:ext>
-          </a:extLst>
-        </p:spPr>
-        <p:txBody>
-          <a:bodyPr lIns="45719" rIns="45719" anchor="ctr">
-            <a:normAutofit/>
-          </a:bodyPr>
-          <a:lstStyle>
-            <a:lvl1pPr marL="0" marR="0" indent="0" algn="ctr" defTabSz="914400" rtl="0" latinLnBrk="0">
-              <a:lnSpc>
-                <a:spcPct val="100000"/>
-              </a:lnSpc>
-              <a:spcBef>
-                <a:spcPts val="0"/>
-              </a:spcBef>
-              <a:spcAft>
-                <a:spcPts val="0"/>
-              </a:spcAft>
-              <a:buClrTx/>
-              <a:buSzTx/>
-              <a:buFontTx/>
-              <a:buNone/>
-              <a:tabLst/>
-              <a:defRPr sz="4400" b="0" i="0" u="none" strike="noStrike" cap="none" spc="0" baseline="0">
-                <a:ln>
-                  <a:noFill/>
-                </a:ln>
-                <a:solidFill>
-                  <a:srgbClr val="000000"/>
-                </a:solidFill>
-                <a:uFillTx/>
-                <a:latin typeface="+mn-lt"/>
-                <a:ea typeface="+mn-ea"/>
-                <a:cs typeface="+mn-cs"/>
-                <a:sym typeface="Calibri"/>
-              </a:defRPr>
-            </a:lvl1pPr>
-            <a:lvl2pPr marL="0" marR="0" indent="0" algn="ctr" defTabSz="914400" rtl="0" latinLnBrk="0">
-              <a:lnSpc>
-                <a:spcPct val="100000"/>
-              </a:lnSpc>
-              <a:spcBef>
-                <a:spcPts val="0"/>
-              </a:spcBef>
-              <a:spcAft>
-                <a:spcPts val="0"/>
-              </a:spcAft>
-              <a:buClrTx/>
-              <a:buSzTx/>
-              <a:buFontTx/>
-              <a:buNone/>
-              <a:tabLst/>
-              <a:defRPr sz="4400" b="0" i="0" u="none" strike="noStrike" cap="none" spc="0" baseline="0">
-                <a:ln>
-                  <a:noFill/>
-                </a:ln>
-                <a:solidFill>
-                  <a:srgbClr val="000000"/>
-                </a:solidFill>
-                <a:uFillTx/>
-                <a:latin typeface="+mn-lt"/>
-                <a:ea typeface="+mn-ea"/>
-                <a:cs typeface="+mn-cs"/>
-                <a:sym typeface="Calibri"/>
-              </a:defRPr>
-            </a:lvl2pPr>
-            <a:lvl3pPr marL="0" marR="0" indent="0" algn="ctr" defTabSz="914400" rtl="0" latinLnBrk="0">
-              <a:lnSpc>
-                <a:spcPct val="100000"/>
-              </a:lnSpc>
-              <a:spcBef>
-                <a:spcPts val="0"/>
-              </a:spcBef>
-              <a:spcAft>
-                <a:spcPts val="0"/>
-              </a:spcAft>
-              <a:buClrTx/>
-              <a:buSzTx/>
-              <a:buFontTx/>
-              <a:buNone/>
-              <a:tabLst/>
-              <a:defRPr sz="4400" b="0" i="0" u="none" strike="noStrike" cap="none" spc="0" baseline="0">
-                <a:ln>
-                  <a:noFill/>
-                </a:ln>
-                <a:solidFill>
-                  <a:srgbClr val="000000"/>
-                </a:solidFill>
-                <a:uFillTx/>
-                <a:latin typeface="+mn-lt"/>
-                <a:ea typeface="+mn-ea"/>
-                <a:cs typeface="+mn-cs"/>
-                <a:sym typeface="Calibri"/>
-              </a:defRPr>
-            </a:lvl3pPr>
-            <a:lvl4pPr marL="0" marR="0" indent="0" algn="ctr" defTabSz="914400" rtl="0" latinLnBrk="0">
-              <a:lnSpc>
-                <a:spcPct val="100000"/>
-              </a:lnSpc>
-              <a:spcBef>
-                <a:spcPts val="0"/>
-              </a:spcBef>
-              <a:spcAft>
-                <a:spcPts val="0"/>
-              </a:spcAft>
-              <a:buClrTx/>
-              <a:buSzTx/>
-              <a:buFontTx/>
-              <a:buNone/>
-              <a:tabLst/>
-              <a:defRPr sz="4400" b="0" i="0" u="none" strike="noStrike" cap="none" spc="0" baseline="0">
-                <a:ln>
-                  <a:noFill/>
-                </a:ln>
-                <a:solidFill>
-                  <a:srgbClr val="000000"/>
-                </a:solidFill>
-                <a:uFillTx/>
-                <a:latin typeface="+mn-lt"/>
-                <a:ea typeface="+mn-ea"/>
-                <a:cs typeface="+mn-cs"/>
-                <a:sym typeface="Calibri"/>
-              </a:defRPr>
-            </a:lvl4pPr>
-            <a:lvl5pPr marL="0" marR="0" indent="0" algn="ctr" defTabSz="914400" rtl="0" latinLnBrk="0">
-              <a:lnSpc>
-                <a:spcPct val="100000"/>
-              </a:lnSpc>
-              <a:spcBef>
-                <a:spcPts val="0"/>
-              </a:spcBef>
-              <a:spcAft>
-                <a:spcPts val="0"/>
-              </a:spcAft>
-              <a:buClrTx/>
-              <a:buSzTx/>
-              <a:buFontTx/>
-              <a:buNone/>
-              <a:tabLst/>
-              <a:defRPr sz="4400" b="0" i="0" u="none" strike="noStrike" cap="none" spc="0" baseline="0">
-                <a:ln>
-                  <a:noFill/>
-                </a:ln>
-                <a:solidFill>
-                  <a:srgbClr val="000000"/>
-                </a:solidFill>
-                <a:uFillTx/>
-                <a:latin typeface="+mn-lt"/>
-                <a:ea typeface="+mn-ea"/>
-                <a:cs typeface="+mn-cs"/>
-                <a:sym typeface="Calibri"/>
-              </a:defRPr>
-            </a:lvl5pPr>
-            <a:lvl6pPr marL="0" marR="0" indent="0" algn="ctr" defTabSz="914400" rtl="0" latinLnBrk="0">
-              <a:lnSpc>
-                <a:spcPct val="100000"/>
-              </a:lnSpc>
-              <a:spcBef>
-                <a:spcPts val="0"/>
-              </a:spcBef>
-              <a:spcAft>
-                <a:spcPts val="0"/>
-              </a:spcAft>
-              <a:buClrTx/>
-              <a:buSzTx/>
-              <a:buFontTx/>
-              <a:buNone/>
-              <a:tabLst/>
-              <a:defRPr sz="4400" b="0" i="0" u="none" strike="noStrike" cap="none" spc="0" baseline="0">
-                <a:ln>
-                  <a:noFill/>
-                </a:ln>
-                <a:solidFill>
-                  <a:srgbClr val="000000"/>
-                </a:solidFill>
-                <a:uFillTx/>
-                <a:latin typeface="+mn-lt"/>
-                <a:ea typeface="+mn-ea"/>
-                <a:cs typeface="+mn-cs"/>
-                <a:sym typeface="Calibri"/>
-              </a:defRPr>
-            </a:lvl6pPr>
-            <a:lvl7pPr marL="0" marR="0" indent="0" algn="ctr" defTabSz="914400" rtl="0" latinLnBrk="0">
-              <a:lnSpc>
-                <a:spcPct val="100000"/>
-              </a:lnSpc>
-              <a:spcBef>
-                <a:spcPts val="0"/>
-              </a:spcBef>
-              <a:spcAft>
-                <a:spcPts val="0"/>
-              </a:spcAft>
-              <a:buClrTx/>
-              <a:buSzTx/>
-              <a:buFontTx/>
-              <a:buNone/>
-              <a:tabLst/>
-              <a:defRPr sz="4400" b="0" i="0" u="none" strike="noStrike" cap="none" spc="0" baseline="0">
-                <a:ln>
-                  <a:noFill/>
-                </a:ln>
-                <a:solidFill>
-                  <a:srgbClr val="000000"/>
-                </a:solidFill>
-                <a:uFillTx/>
-                <a:latin typeface="+mn-lt"/>
-                <a:ea typeface="+mn-ea"/>
-                <a:cs typeface="+mn-cs"/>
-                <a:sym typeface="Calibri"/>
-              </a:defRPr>
-            </a:lvl7pPr>
-            <a:lvl8pPr marL="0" marR="0" indent="0" algn="ctr" defTabSz="914400" rtl="0" latinLnBrk="0">
-              <a:lnSpc>
-                <a:spcPct val="100000"/>
-              </a:lnSpc>
-              <a:spcBef>
-                <a:spcPts val="0"/>
-              </a:spcBef>
-              <a:spcAft>
-                <a:spcPts val="0"/>
-              </a:spcAft>
-              <a:buClrTx/>
-              <a:buSzTx/>
-              <a:buFontTx/>
-              <a:buNone/>
-              <a:tabLst/>
-              <a:defRPr sz="4400" b="0" i="0" u="none" strike="noStrike" cap="none" spc="0" baseline="0">
-                <a:ln>
-                  <a:noFill/>
-                </a:ln>
-                <a:solidFill>
-                  <a:srgbClr val="000000"/>
-                </a:solidFill>
-                <a:uFillTx/>
-                <a:latin typeface="+mn-lt"/>
-                <a:ea typeface="+mn-ea"/>
-                <a:cs typeface="+mn-cs"/>
-                <a:sym typeface="Calibri"/>
-              </a:defRPr>
-            </a:lvl8pPr>
-            <a:lvl9pPr marL="0" marR="0" indent="0" algn="ctr" defTabSz="914400" rtl="0" latinLnBrk="0">
-              <a:lnSpc>
-                <a:spcPct val="100000"/>
-              </a:lnSpc>
-              <a:spcBef>
-                <a:spcPts val="0"/>
-              </a:spcBef>
-              <a:spcAft>
-                <a:spcPts val="0"/>
-              </a:spcAft>
-              <a:buClrTx/>
-              <a:buSzTx/>
-              <a:buFontTx/>
-              <a:buNone/>
-              <a:tabLst/>
-              <a:defRPr sz="4400" b="0" i="0" u="none" strike="noStrike" cap="none" spc="0" baseline="0">
-                <a:ln>
-                  <a:noFill/>
-                </a:ln>
-                <a:solidFill>
-                  <a:srgbClr val="000000"/>
-                </a:solidFill>
-                <a:uFillTx/>
-                <a:latin typeface="+mn-lt"/>
-                <a:ea typeface="+mn-ea"/>
-                <a:cs typeface="+mn-cs"/>
-                <a:sym typeface="Calibri"/>
-              </a:defRPr>
-            </a:lvl9pPr>
-          </a:lstStyle>
-          <a:p>
-            <a:pPr hangingPunct="1">
-              <a:defRPr sz="2800" b="1">
-                <a:solidFill>
-                  <a:srgbClr val="11A79D"/>
-                </a:solidFill>
-              </a:defRPr>
-            </a:pPr>
-            <a:r>
-              <a:rPr lang="pt-BR" sz="5400" b="1" dirty="0" smtClean="0">
-                <a:solidFill>
-                  <a:schemeClr val="bg1">
-                    <a:lumMod val="95000"/>
-                  </a:schemeClr>
-                </a:solidFill>
-              </a:rPr>
-              <a:t>SO</a:t>
-            </a:r>
-            <a:r>
-              <a:rPr lang="pt-BR" sz="5400" b="1" dirty="0">
-                <a:solidFill>
-                  <a:srgbClr val="11A79D"/>
-                </a:solidFill>
-              </a:rPr>
-              <a:t>L</a:t>
-            </a:r>
-            <a:r>
-              <a:rPr lang="pt-BR" sz="5400" b="1" dirty="0" smtClean="0">
-                <a:solidFill>
-                  <a:schemeClr val="bg1">
-                    <a:lumMod val="95000"/>
-                  </a:schemeClr>
-                </a:solidFill>
-              </a:rPr>
-              <a:t>ID</a:t>
-            </a:r>
-            <a:endParaRPr lang="pt-BR" sz="5400" b="1" dirty="0">
-              <a:solidFill>
-                <a:schemeClr val="bg1">
-                  <a:lumMod val="95000"/>
-                </a:schemeClr>
-              </a:solidFill>
-            </a:endParaRPr>
-          </a:p>
-        </p:txBody>
-      </p:sp>
-    </p:spTree>
-    <p:extLst>
-      <p:ext uri="{BB962C8B-B14F-4D97-AF65-F5344CB8AC3E}">
-        <p14:creationId xmlns:p14="http://schemas.microsoft.com/office/powerpoint/2010/main" val="1510939725"/>
       </p:ext>
     </p:extLst>
   </p:cSld>

--- a/doc/InjecaoDependencia.pptx
+++ b/doc/InjecaoDependencia.pptx
@@ -5,7 +5,7 @@
     <p:sldMasterId id="2147483648" r:id="rId1"/>
   </p:sldMasterIdLst>
   <p:notesMasterIdLst>
-    <p:notesMasterId r:id="rId29"/>
+    <p:notesMasterId r:id="rId31"/>
   </p:notesMasterIdLst>
   <p:sldIdLst>
     <p:sldId id="259" r:id="rId2"/>
@@ -20,21 +20,23 @@
     <p:sldId id="272" r:id="rId11"/>
     <p:sldId id="266" r:id="rId12"/>
     <p:sldId id="273" r:id="rId13"/>
-    <p:sldId id="267" r:id="rId14"/>
-    <p:sldId id="274" r:id="rId15"/>
-    <p:sldId id="275" r:id="rId16"/>
-    <p:sldId id="268" r:id="rId17"/>
-    <p:sldId id="263" r:id="rId18"/>
-    <p:sldId id="278" r:id="rId19"/>
-    <p:sldId id="279" r:id="rId20"/>
-    <p:sldId id="276" r:id="rId21"/>
-    <p:sldId id="285" r:id="rId22"/>
-    <p:sldId id="284" r:id="rId23"/>
-    <p:sldId id="280" r:id="rId24"/>
-    <p:sldId id="283" r:id="rId25"/>
-    <p:sldId id="281" r:id="rId26"/>
-    <p:sldId id="286" r:id="rId27"/>
-    <p:sldId id="287" r:id="rId28"/>
+    <p:sldId id="290" r:id="rId14"/>
+    <p:sldId id="267" r:id="rId15"/>
+    <p:sldId id="274" r:id="rId16"/>
+    <p:sldId id="275" r:id="rId17"/>
+    <p:sldId id="268" r:id="rId18"/>
+    <p:sldId id="263" r:id="rId19"/>
+    <p:sldId id="278" r:id="rId20"/>
+    <p:sldId id="279" r:id="rId21"/>
+    <p:sldId id="276" r:id="rId22"/>
+    <p:sldId id="285" r:id="rId23"/>
+    <p:sldId id="284" r:id="rId24"/>
+    <p:sldId id="280" r:id="rId25"/>
+    <p:sldId id="283" r:id="rId26"/>
+    <p:sldId id="281" r:id="rId27"/>
+    <p:sldId id="291" r:id="rId28"/>
+    <p:sldId id="286" r:id="rId29"/>
+    <p:sldId id="287" r:id="rId30"/>
   </p:sldIdLst>
   <p:sldSz cx="12192000" cy="6858000"/>
   <p:notesSz cx="6858000" cy="9144000"/>
@@ -338,7 +340,7 @@
   </p:defaultTextStyle>
   <p:extLst>
     <p:ext uri="{EFAFB233-063F-42B5-8137-9DF3F51BA10A}">
-      <p15:sldGuideLst xmlns="" xmlns:p15="http://schemas.microsoft.com/office/powerpoint/2012/main">
+      <p15:sldGuideLst xmlns:p15="http://schemas.microsoft.com/office/powerpoint/2012/main">
         <p15:guide id="1" orient="horz" pos="2160">
           <p15:clr>
             <a:srgbClr val="A4A3A4"/>
@@ -891,7 +893,7 @@
           <a:p>
             <a:r>
               <a:rPr lang="pt-BR" dirty="0" smtClean="0"/>
-              <a:t>https://robsoncastilho.com.br/2013/04/14/principios-solid-principio-da-segregacao-de-interface-isp/</a:t>
+              <a:t>https://robsoncastilho.com.br/2013/03/21/principios-solid-principio-de-substituicao-de-liskov-lsp/</a:t>
             </a:r>
             <a:endParaRPr lang="pt-BR" dirty="0"/>
           </a:p>
@@ -900,7 +902,7 @@
     </p:spTree>
     <p:extLst>
       <p:ext uri="{BB962C8B-B14F-4D97-AF65-F5344CB8AC3E}">
-        <p14:creationId xmlns:p14="http://schemas.microsoft.com/office/powerpoint/2010/main" val="3573668862"/>
+        <p14:creationId xmlns:p14="http://schemas.microsoft.com/office/powerpoint/2010/main" val="4042172346"/>
       </p:ext>
     </p:extLst>
   </p:cSld>
@@ -960,7 +962,7 @@
           <a:lstStyle/>
           <a:p>
             <a:r>
-              <a:rPr lang="pt-BR" smtClean="0"/>
+              <a:rPr lang="pt-BR" dirty="0" smtClean="0"/>
               <a:t>https://robsoncastilho.com.br/2013/04/14/principios-solid-principio-da-segregacao-de-interface-isp/</a:t>
             </a:r>
             <a:endParaRPr lang="pt-BR" dirty="0"/>
@@ -970,7 +972,7 @@
     </p:spTree>
     <p:extLst>
       <p:ext uri="{BB962C8B-B14F-4D97-AF65-F5344CB8AC3E}">
-        <p14:creationId xmlns:p14="http://schemas.microsoft.com/office/powerpoint/2010/main" val="2765354290"/>
+        <p14:creationId xmlns:p14="http://schemas.microsoft.com/office/powerpoint/2010/main" val="3573668862"/>
       </p:ext>
     </p:extLst>
   </p:cSld>
@@ -1040,7 +1042,7 @@
     </p:spTree>
     <p:extLst>
       <p:ext uri="{BB962C8B-B14F-4D97-AF65-F5344CB8AC3E}">
-        <p14:creationId xmlns:p14="http://schemas.microsoft.com/office/powerpoint/2010/main" val="87691267"/>
+        <p14:creationId xmlns:p14="http://schemas.microsoft.com/office/powerpoint/2010/main" val="2765354290"/>
       </p:ext>
     </p:extLst>
   </p:cSld>
@@ -1100,6 +1102,76 @@
           <a:lstStyle/>
           <a:p>
             <a:r>
+              <a:rPr lang="pt-BR" smtClean="0"/>
+              <a:t>https://robsoncastilho.com.br/2013/04/14/principios-solid-principio-da-segregacao-de-interface-isp/</a:t>
+            </a:r>
+            <a:endParaRPr lang="pt-BR" dirty="0"/>
+          </a:p>
+        </p:txBody>
+      </p:sp>
+    </p:spTree>
+    <p:extLst>
+      <p:ext uri="{BB962C8B-B14F-4D97-AF65-F5344CB8AC3E}">
+        <p14:creationId xmlns:p14="http://schemas.microsoft.com/office/powerpoint/2010/main" val="87691267"/>
+      </p:ext>
+    </p:extLst>
+  </p:cSld>
+  <p:clrMapOvr>
+    <a:masterClrMapping/>
+  </p:clrMapOvr>
+</p:notes>
+</file>
+
+<file path=ppt/notesSlides/notesSlide17.xml><?xml version="1.0" encoding="utf-8"?>
+<p:notes xmlns:a="http://schemas.openxmlformats.org/drawingml/2006/main" xmlns:r="http://schemas.openxmlformats.org/officeDocument/2006/relationships" xmlns:p="http://schemas.openxmlformats.org/presentationml/2006/main">
+  <p:cSld>
+    <p:spTree>
+      <p:nvGrpSpPr>
+        <p:cNvPr id="1" name=""/>
+        <p:cNvGrpSpPr/>
+        <p:nvPr/>
+      </p:nvGrpSpPr>
+      <p:grpSpPr>
+        <a:xfrm>
+          <a:off x="0" y="0"/>
+          <a:ext cx="0" cy="0"/>
+          <a:chOff x="0" y="0"/>
+          <a:chExt cx="0" cy="0"/>
+        </a:xfrm>
+      </p:grpSpPr>
+      <p:sp>
+        <p:nvSpPr>
+          <p:cNvPr id="2" name="Espaço Reservado para Imagem de Slide 1"/>
+          <p:cNvSpPr>
+            <a:spLocks noGrp="1" noRot="1" noChangeAspect="1"/>
+          </p:cNvSpPr>
+          <p:nvPr>
+            <p:ph type="sldImg"/>
+          </p:nvPr>
+        </p:nvSpPr>
+        <p:spPr>
+          <a:xfrm>
+            <a:off x="381000" y="685800"/>
+            <a:ext cx="6096000" cy="3429000"/>
+          </a:xfrm>
+        </p:spPr>
+      </p:sp>
+      <p:sp>
+        <p:nvSpPr>
+          <p:cNvPr id="3" name="Espaço Reservado para Anotações 2"/>
+          <p:cNvSpPr>
+            <a:spLocks noGrp="1"/>
+          </p:cNvSpPr>
+          <p:nvPr>
+            <p:ph type="body" idx="1"/>
+          </p:nvPr>
+        </p:nvSpPr>
+        <p:spPr/>
+        <p:txBody>
+          <a:bodyPr/>
+          <a:lstStyle/>
+          <a:p>
+            <a:r>
               <a:rPr lang="pt-BR" dirty="0" smtClean="0"/>
               <a:t>https://www.treinaweb.com.br/blog/entendendo-injecao-de-dependencia/</a:t>
             </a:r>
@@ -1120,7 +1192,7 @@
 </p:notes>
 </file>
 
-<file path=ppt/notesSlides/notesSlide17.xml><?xml version="1.0" encoding="utf-8"?>
+<file path=ppt/notesSlides/notesSlide18.xml><?xml version="1.0" encoding="utf-8"?>
 <p:notes xmlns:a="http://schemas.openxmlformats.org/drawingml/2006/main" xmlns:r="http://schemas.openxmlformats.org/officeDocument/2006/relationships" xmlns:p="http://schemas.openxmlformats.org/presentationml/2006/main">
   <p:cSld>
     <p:spTree>
@@ -1186,76 +1258,6 @@
 </p:notes>
 </file>
 
-<file path=ppt/notesSlides/notesSlide18.xml><?xml version="1.0" encoding="utf-8"?>
-<p:notes xmlns:a="http://schemas.openxmlformats.org/drawingml/2006/main" xmlns:r="http://schemas.openxmlformats.org/officeDocument/2006/relationships" xmlns:p="http://schemas.openxmlformats.org/presentationml/2006/main">
-  <p:cSld>
-    <p:spTree>
-      <p:nvGrpSpPr>
-        <p:cNvPr id="1" name=""/>
-        <p:cNvGrpSpPr/>
-        <p:nvPr/>
-      </p:nvGrpSpPr>
-      <p:grpSpPr>
-        <a:xfrm>
-          <a:off x="0" y="0"/>
-          <a:ext cx="0" cy="0"/>
-          <a:chOff x="0" y="0"/>
-          <a:chExt cx="0" cy="0"/>
-        </a:xfrm>
-      </p:grpSpPr>
-      <p:sp>
-        <p:nvSpPr>
-          <p:cNvPr id="2" name="Espaço Reservado para Imagem de Slide 1"/>
-          <p:cNvSpPr>
-            <a:spLocks noGrp="1" noRot="1" noChangeAspect="1"/>
-          </p:cNvSpPr>
-          <p:nvPr>
-            <p:ph type="sldImg"/>
-          </p:nvPr>
-        </p:nvSpPr>
-        <p:spPr>
-          <a:xfrm>
-            <a:off x="381000" y="685800"/>
-            <a:ext cx="6096000" cy="3429000"/>
-          </a:xfrm>
-        </p:spPr>
-      </p:sp>
-      <p:sp>
-        <p:nvSpPr>
-          <p:cNvPr id="3" name="Espaço Reservado para Anotações 2"/>
-          <p:cNvSpPr>
-            <a:spLocks noGrp="1"/>
-          </p:cNvSpPr>
-          <p:nvPr>
-            <p:ph type="body" idx="1"/>
-          </p:nvPr>
-        </p:nvSpPr>
-        <p:spPr/>
-        <p:txBody>
-          <a:bodyPr/>
-          <a:lstStyle/>
-          <a:p>
-            <a:r>
-              <a:rPr lang="pt-BR" dirty="0" smtClean="0"/>
-              <a:t>https://bar8.com.br/abap-oo-dip-inversao-dependencia-principio-aaef37a9ec1d</a:t>
-            </a:r>
-            <a:endParaRPr lang="pt-BR" dirty="0"/>
-          </a:p>
-        </p:txBody>
-      </p:sp>
-    </p:spTree>
-    <p:extLst>
-      <p:ext uri="{BB962C8B-B14F-4D97-AF65-F5344CB8AC3E}">
-        <p14:creationId xmlns:p14="http://schemas.microsoft.com/office/powerpoint/2010/main" val="3559814783"/>
-      </p:ext>
-    </p:extLst>
-  </p:cSld>
-  <p:clrMapOvr>
-    <a:masterClrMapping/>
-  </p:clrMapOvr>
-</p:notes>
-</file>
-
 <file path=ppt/notesSlides/notesSlide19.xml><?xml version="1.0" encoding="utf-8"?>
 <p:notes xmlns:a="http://schemas.openxmlformats.org/drawingml/2006/main" xmlns:r="http://schemas.openxmlformats.org/officeDocument/2006/relationships" xmlns:p="http://schemas.openxmlformats.org/presentationml/2006/main">
   <p:cSld>
@@ -1305,6 +1307,10 @@
           <a:bodyPr/>
           <a:lstStyle/>
           <a:p>
+            <a:r>
+              <a:rPr lang="pt-BR" dirty="0" smtClean="0"/>
+              <a:t>https://bar8.com.br/abap-oo-dip-inversao-dependencia-principio-aaef37a9ec1d</a:t>
+            </a:r>
             <a:endParaRPr lang="pt-BR" dirty="0"/>
           </a:p>
         </p:txBody>
@@ -1312,7 +1318,7 @@
     </p:spTree>
     <p:extLst>
       <p:ext uri="{BB962C8B-B14F-4D97-AF65-F5344CB8AC3E}">
-        <p14:creationId xmlns:p14="http://schemas.microsoft.com/office/powerpoint/2010/main" val="2543189515"/>
+        <p14:creationId xmlns:p14="http://schemas.microsoft.com/office/powerpoint/2010/main" val="3559814783"/>
       </p:ext>
     </p:extLst>
   </p:cSld>
@@ -1437,10 +1443,6 @@
           <a:bodyPr/>
           <a:lstStyle/>
           <a:p>
-            <a:r>
-              <a:rPr lang="pt-BR" dirty="0" smtClean="0"/>
-              <a:t>https://www.treinaweb.com.br/blog/entendendo-injecao-de-dependencia/</a:t>
-            </a:r>
             <a:endParaRPr lang="pt-BR" dirty="0"/>
           </a:p>
         </p:txBody>
@@ -1448,7 +1450,7 @@
     </p:spTree>
     <p:extLst>
       <p:ext uri="{BB962C8B-B14F-4D97-AF65-F5344CB8AC3E}">
-        <p14:creationId xmlns:p14="http://schemas.microsoft.com/office/powerpoint/2010/main" val="3189123950"/>
+        <p14:creationId xmlns:p14="http://schemas.microsoft.com/office/powerpoint/2010/main" val="2543189515"/>
       </p:ext>
     </p:extLst>
   </p:cSld>
@@ -1859,7 +1861,7 @@
           <a:p>
             <a:r>
               <a:rPr lang="pt-BR" dirty="0" smtClean="0"/>
-              <a:t>https://medium.com/@fulviocanducci/injeção-de-dependências-asp-net-core-baa3bc1ea9c9</a:t>
+              <a:t>https://www.treinaweb.com.br/blog/entendendo-injecao-de-dependencia/</a:t>
             </a:r>
             <a:endParaRPr lang="pt-BR" dirty="0"/>
           </a:p>
@@ -1879,6 +1881,146 @@
 </file>
 
 <file path=ppt/notesSlides/notesSlide27.xml><?xml version="1.0" encoding="utf-8"?>
+<p:notes xmlns:a="http://schemas.openxmlformats.org/drawingml/2006/main" xmlns:r="http://schemas.openxmlformats.org/officeDocument/2006/relationships" xmlns:p="http://schemas.openxmlformats.org/presentationml/2006/main">
+  <p:cSld>
+    <p:spTree>
+      <p:nvGrpSpPr>
+        <p:cNvPr id="1" name=""/>
+        <p:cNvGrpSpPr/>
+        <p:nvPr/>
+      </p:nvGrpSpPr>
+      <p:grpSpPr>
+        <a:xfrm>
+          <a:off x="0" y="0"/>
+          <a:ext cx="0" cy="0"/>
+          <a:chOff x="0" y="0"/>
+          <a:chExt cx="0" cy="0"/>
+        </a:xfrm>
+      </p:grpSpPr>
+      <p:sp>
+        <p:nvSpPr>
+          <p:cNvPr id="2" name="Espaço Reservado para Imagem de Slide 1"/>
+          <p:cNvSpPr>
+            <a:spLocks noGrp="1" noRot="1" noChangeAspect="1"/>
+          </p:cNvSpPr>
+          <p:nvPr>
+            <p:ph type="sldImg"/>
+          </p:nvPr>
+        </p:nvSpPr>
+        <p:spPr>
+          <a:xfrm>
+            <a:off x="381000" y="685800"/>
+            <a:ext cx="6096000" cy="3429000"/>
+          </a:xfrm>
+        </p:spPr>
+      </p:sp>
+      <p:sp>
+        <p:nvSpPr>
+          <p:cNvPr id="3" name="Espaço Reservado para Anotações 2"/>
+          <p:cNvSpPr>
+            <a:spLocks noGrp="1"/>
+          </p:cNvSpPr>
+          <p:nvPr>
+            <p:ph type="body" idx="1"/>
+          </p:nvPr>
+        </p:nvSpPr>
+        <p:spPr/>
+        <p:txBody>
+          <a:bodyPr/>
+          <a:lstStyle/>
+          <a:p>
+            <a:r>
+              <a:rPr lang="pt-BR" dirty="0" smtClean="0"/>
+              <a:t>https://www.treinaweb.com.br/blog/entendendo-injecao-de-dependencia/</a:t>
+            </a:r>
+            <a:endParaRPr lang="pt-BR" dirty="0"/>
+          </a:p>
+        </p:txBody>
+      </p:sp>
+    </p:spTree>
+    <p:extLst>
+      <p:ext uri="{BB962C8B-B14F-4D97-AF65-F5344CB8AC3E}">
+        <p14:creationId xmlns:p14="http://schemas.microsoft.com/office/powerpoint/2010/main" val="320699437"/>
+      </p:ext>
+    </p:extLst>
+  </p:cSld>
+  <p:clrMapOvr>
+    <a:masterClrMapping/>
+  </p:clrMapOvr>
+</p:notes>
+</file>
+
+<file path=ppt/notesSlides/notesSlide28.xml><?xml version="1.0" encoding="utf-8"?>
+<p:notes xmlns:a="http://schemas.openxmlformats.org/drawingml/2006/main" xmlns:r="http://schemas.openxmlformats.org/officeDocument/2006/relationships" xmlns:p="http://schemas.openxmlformats.org/presentationml/2006/main">
+  <p:cSld>
+    <p:spTree>
+      <p:nvGrpSpPr>
+        <p:cNvPr id="1" name=""/>
+        <p:cNvGrpSpPr/>
+        <p:nvPr/>
+      </p:nvGrpSpPr>
+      <p:grpSpPr>
+        <a:xfrm>
+          <a:off x="0" y="0"/>
+          <a:ext cx="0" cy="0"/>
+          <a:chOff x="0" y="0"/>
+          <a:chExt cx="0" cy="0"/>
+        </a:xfrm>
+      </p:grpSpPr>
+      <p:sp>
+        <p:nvSpPr>
+          <p:cNvPr id="2" name="Espaço Reservado para Imagem de Slide 1"/>
+          <p:cNvSpPr>
+            <a:spLocks noGrp="1" noRot="1" noChangeAspect="1"/>
+          </p:cNvSpPr>
+          <p:nvPr>
+            <p:ph type="sldImg"/>
+          </p:nvPr>
+        </p:nvSpPr>
+        <p:spPr>
+          <a:xfrm>
+            <a:off x="381000" y="685800"/>
+            <a:ext cx="6096000" cy="3429000"/>
+          </a:xfrm>
+        </p:spPr>
+      </p:sp>
+      <p:sp>
+        <p:nvSpPr>
+          <p:cNvPr id="3" name="Espaço Reservado para Anotações 2"/>
+          <p:cNvSpPr>
+            <a:spLocks noGrp="1"/>
+          </p:cNvSpPr>
+          <p:nvPr>
+            <p:ph type="body" idx="1"/>
+          </p:nvPr>
+        </p:nvSpPr>
+        <p:spPr/>
+        <p:txBody>
+          <a:bodyPr/>
+          <a:lstStyle/>
+          <a:p>
+            <a:r>
+              <a:rPr lang="pt-BR" dirty="0" smtClean="0"/>
+              <a:t>https://medium.com/@fulviocanducci/injeção-de-dependências-asp-net-core-baa3bc1ea9c9</a:t>
+            </a:r>
+            <a:endParaRPr lang="pt-BR" dirty="0"/>
+          </a:p>
+        </p:txBody>
+      </p:sp>
+    </p:spTree>
+    <p:extLst>
+      <p:ext uri="{BB962C8B-B14F-4D97-AF65-F5344CB8AC3E}">
+        <p14:creationId xmlns:p14="http://schemas.microsoft.com/office/powerpoint/2010/main" val="3189123950"/>
+      </p:ext>
+    </p:extLst>
+  </p:cSld>
+  <p:clrMapOvr>
+    <a:masterClrMapping/>
+  </p:clrMapOvr>
+</p:notes>
+</file>
+
+<file path=ppt/notesSlides/notesSlide29.xml><?xml version="1.0" encoding="utf-8"?>
 <p:notes xmlns:a="http://schemas.openxmlformats.org/drawingml/2006/main" xmlns:r="http://schemas.openxmlformats.org/officeDocument/2006/relationships" xmlns:p="http://schemas.openxmlformats.org/presentationml/2006/main">
   <p:cSld>
     <p:spTree>
@@ -3019,7 +3161,7 @@
           </a:ln>
           <a:extLst>
             <a:ext uri="{C572A759-6A51-4108-AA02-DFA0A04FC94B}">
-              <ma14:wrappingTextBoxFlag xmlns="" xmlns:ma14="http://schemas.microsoft.com/office/mac/drawingml/2011/main" val="1"/>
+              <ma14:wrappingTextBoxFlag xmlns:ma14="http://schemas.microsoft.com/office/mac/drawingml/2011/main" xmlns="" val="1"/>
             </a:ext>
           </a:extLst>
         </p:spPr>
@@ -3058,7 +3200,7 @@
           </a:ln>
           <a:extLst>
             <a:ext uri="{C572A759-6A51-4108-AA02-DFA0A04FC94B}">
-              <ma14:wrappingTextBoxFlag xmlns="" xmlns:ma14="http://schemas.microsoft.com/office/mac/drawingml/2011/main" val="1"/>
+              <ma14:wrappingTextBoxFlag xmlns:ma14="http://schemas.microsoft.com/office/mac/drawingml/2011/main" xmlns="" val="1"/>
             </a:ext>
           </a:extLst>
         </p:spPr>
@@ -4166,15 +4308,7 @@
                   <a:srgbClr val="666666"/>
                 </a:solidFill>
               </a:rPr>
-              <a:t>?</a:t>
-            </a:r>
-            <a:r>
-              <a:rPr lang="pt-BR" sz="3000" dirty="0" smtClean="0">
-                <a:solidFill>
-                  <a:srgbClr val="666666"/>
-                </a:solidFill>
-              </a:rPr>
-              <a:t> </a:t>
+              <a:t>? </a:t>
             </a:r>
             <a:endParaRPr lang="pt-BR" sz="3000" dirty="0">
               <a:solidFill>
@@ -4254,7 +4388,7 @@
           </a:ln>
           <a:extLst>
             <a:ext uri="{C572A759-6A51-4108-AA02-DFA0A04FC94B}">
-              <ma14:wrappingTextBoxFlag xmlns="" xmlns:ma14="http://schemas.microsoft.com/office/mac/drawingml/2011/main" val="1"/>
+              <ma14:wrappingTextBoxFlag xmlns:ma14="http://schemas.microsoft.com/office/mac/drawingml/2011/main" xmlns="" val="1"/>
             </a:ext>
           </a:extLst>
         </p:spPr>
@@ -4889,7 +5023,7 @@
           </a:ln>
           <a:extLst>
             <a:ext uri="{C572A759-6A51-4108-AA02-DFA0A04FC94B}">
-              <ma14:wrappingTextBoxFlag xmlns="" xmlns:ma14="http://schemas.microsoft.com/office/mac/drawingml/2011/main" val="1"/>
+              <ma14:wrappingTextBoxFlag xmlns:ma14="http://schemas.microsoft.com/office/mac/drawingml/2011/main" xmlns="" val="1"/>
             </a:ext>
           </a:extLst>
         </p:spPr>
@@ -5396,7 +5530,7 @@
           </a:ln>
           <a:extLst>
             <a:ext uri="{C572A759-6A51-4108-AA02-DFA0A04FC94B}">
-              <ma14:wrappingTextBoxFlag xmlns="" xmlns:ma14="http://schemas.microsoft.com/office/mac/drawingml/2011/main" val="1"/>
+              <ma14:wrappingTextBoxFlag xmlns:ma14="http://schemas.microsoft.com/office/mac/drawingml/2011/main" xmlns="" val="1"/>
             </a:ext>
           </a:extLst>
         </p:spPr>
@@ -5794,8 +5928,8 @@
         </p:nvSpPr>
         <p:spPr>
           <a:xfrm>
-            <a:off x="1752317" y="2345181"/>
-            <a:ext cx="8556751" cy="1754324"/>
+            <a:off x="1027006" y="2097883"/>
+            <a:ext cx="9871366" cy="3416318"/>
           </a:xfrm>
           <a:prstGeom prst="rect">
             <a:avLst/>
@@ -5832,12 +5966,63 @@
               </a:lnSpc>
             </a:pPr>
             <a:r>
+              <a:rPr lang="pt-BR" dirty="0" smtClean="0">
+                <a:solidFill>
+                  <a:srgbClr val="666666"/>
+                </a:solidFill>
+              </a:rPr>
+              <a:t>Imagine as </a:t>
+            </a:r>
+            <a:r>
               <a:rPr lang="pt-BR" dirty="0">
                 <a:solidFill>
                   <a:srgbClr val="666666"/>
                 </a:solidFill>
               </a:rPr>
-              <a:t>Interface </a:t>
+              <a:t>formas geométricas Quadrado e Retângulo, conceitualmente falando um quadrado é um retângulo com lados do mesmo tamanho. Portanto é lógico e intuitivo modelar uma classe Quadrado como sendo derivada da classe Retângulo</a:t>
+            </a:r>
+            <a:r>
+              <a:rPr lang="pt-BR" dirty="0" smtClean="0">
+                <a:solidFill>
+                  <a:srgbClr val="666666"/>
+                </a:solidFill>
+              </a:rPr>
+              <a:t>.</a:t>
+            </a:r>
+          </a:p>
+          <a:p>
+            <a:pPr lvl="8" indent="0" algn="just">
+              <a:lnSpc>
+                <a:spcPct val="150000"/>
+              </a:lnSpc>
+            </a:pPr>
+            <a:endParaRPr lang="pt-BR" dirty="0" smtClean="0">
+              <a:solidFill>
+                <a:srgbClr val="666666"/>
+              </a:solidFill>
+            </a:endParaRPr>
+          </a:p>
+          <a:p>
+            <a:pPr lvl="8" indent="0" algn="just">
+              <a:lnSpc>
+                <a:spcPct val="150000"/>
+              </a:lnSpc>
+            </a:pPr>
+            <a:r>
+              <a:rPr lang="pt-BR" dirty="0" smtClean="0">
+                <a:solidFill>
+                  <a:srgbClr val="666666"/>
+                </a:solidFill>
+              </a:rPr>
+              <a:t>O </a:t>
+            </a:r>
+            <a:r>
+              <a:rPr lang="pt-BR" dirty="0">
+                <a:solidFill>
+                  <a:srgbClr val="666666"/>
+                </a:solidFill>
+              </a:rPr>
+              <a:t>princípio da substituição de </a:t>
             </a:r>
             <a:r>
               <a:rPr lang="pt-BR" dirty="0" err="1">
@@ -5845,7 +6030,7 @@
                   <a:srgbClr val="666666"/>
                 </a:solidFill>
               </a:rPr>
-              <a:t>segregation</a:t>
+              <a:t>Liskov</a:t>
             </a:r>
             <a:r>
               <a:rPr lang="pt-BR" dirty="0">
@@ -5853,111 +6038,7 @@
                   <a:srgbClr val="666666"/>
                 </a:solidFill>
               </a:rPr>
-              <a:t> </a:t>
-            </a:r>
-            <a:r>
-              <a:rPr lang="pt-BR" dirty="0" err="1" smtClean="0">
-                <a:solidFill>
-                  <a:srgbClr val="666666"/>
-                </a:solidFill>
-              </a:rPr>
-              <a:t>principle</a:t>
-            </a:r>
-            <a:r>
-              <a:rPr lang="pt-BR" dirty="0" smtClean="0">
-                <a:solidFill>
-                  <a:srgbClr val="666666"/>
-                </a:solidFill>
-              </a:rPr>
-              <a:t>, também conhecido como </a:t>
-            </a:r>
-            <a:r>
-              <a:rPr lang="pt-BR" b="1" u="sng" dirty="0" smtClean="0">
-                <a:solidFill>
-                  <a:srgbClr val="666666"/>
-                </a:solidFill>
-              </a:rPr>
-              <a:t>Princípio </a:t>
-            </a:r>
-            <a:r>
-              <a:rPr lang="pt-BR" b="1" u="sng" dirty="0">
-                <a:solidFill>
-                  <a:srgbClr val="666666"/>
-                </a:solidFill>
-              </a:rPr>
-              <a:t>da </a:t>
-            </a:r>
-            <a:r>
-              <a:rPr lang="pt-BR" b="1" u="sng" dirty="0" smtClean="0">
-                <a:solidFill>
-                  <a:srgbClr val="666666"/>
-                </a:solidFill>
-              </a:rPr>
-              <a:t>Segregação </a:t>
-            </a:r>
-            <a:r>
-              <a:rPr lang="pt-BR" b="1" u="sng" dirty="0">
-                <a:solidFill>
-                  <a:srgbClr val="666666"/>
-                </a:solidFill>
-              </a:rPr>
-              <a:t>de </a:t>
-            </a:r>
-            <a:r>
-              <a:rPr lang="pt-BR" b="1" u="sng" dirty="0" smtClean="0">
-                <a:solidFill>
-                  <a:srgbClr val="666666"/>
-                </a:solidFill>
-              </a:rPr>
-              <a:t>Interfaces</a:t>
-            </a:r>
-            <a:r>
-              <a:rPr lang="pt-BR" dirty="0">
-                <a:solidFill>
-                  <a:srgbClr val="666666"/>
-                </a:solidFill>
-              </a:rPr>
-              <a:t>. O Princípio da Segregação de Interface </a:t>
-            </a:r>
-            <a:r>
-              <a:rPr lang="pt-BR" dirty="0" smtClean="0">
-                <a:solidFill>
-                  <a:srgbClr val="666666"/>
-                </a:solidFill>
-              </a:rPr>
-              <a:t>diz </a:t>
-            </a:r>
-            <a:r>
-              <a:rPr lang="pt-BR" dirty="0">
-                <a:solidFill>
-                  <a:srgbClr val="666666"/>
-                </a:solidFill>
-              </a:rPr>
-              <a:t>que </a:t>
-            </a:r>
-            <a:r>
-              <a:rPr lang="pt-BR" b="1" dirty="0">
-                <a:solidFill>
-                  <a:srgbClr val="666666"/>
-                </a:solidFill>
-              </a:rPr>
-              <a:t>clientes não devem ser forçados a depender de métodos que não usam</a:t>
-            </a:r>
-            <a:r>
-              <a:rPr lang="pt-BR" dirty="0" smtClean="0">
-                <a:solidFill>
-                  <a:srgbClr val="666666"/>
-                </a:solidFill>
-              </a:rPr>
-              <a:t>. Muitas </a:t>
-            </a:r>
-            <a:r>
-              <a:rPr lang="pt-BR" dirty="0">
-                <a:solidFill>
-                  <a:srgbClr val="666666"/>
-                </a:solidFill>
-              </a:rPr>
-              <a:t>interfaces específicas são melhores do que uma interface única geral.</a:t>
+              <a:t> nos mostra que devemos tomar cuidado ao fazer uso da herança, devemos verificar se o polimorfismo faz mesmo sentindo, ou seja, se qualquer subclasse pode ser utilizada no lugar da superclasse. Caso não, significa dizer que a herança está sendo utilizada de forma inadequada.</a:t>
             </a:r>
           </a:p>
         </p:txBody>
@@ -5983,7 +6064,7 @@
           </a:ln>
           <a:extLst>
             <a:ext uri="{C572A759-6A51-4108-AA02-DFA0A04FC94B}">
-              <ma14:wrappingTextBoxFlag xmlns="" xmlns:ma14="http://schemas.microsoft.com/office/mac/drawingml/2011/main" val="1"/>
+              <ma14:wrappingTextBoxFlag xmlns:ma14="http://schemas.microsoft.com/office/mac/drawingml/2011/main" xmlns="" val="1"/>
             </a:ext>
           </a:extLst>
         </p:spPr>
@@ -6270,7 +6351,7 @@
                   </a:schemeClr>
                 </a:solidFill>
               </a:rPr>
-              <a:t>SOL</a:t>
+              <a:t>SO</a:t>
             </a:r>
             <a:r>
               <a:rPr lang="pt-BR" sz="5400" b="1" dirty="0">
@@ -6278,7 +6359,7 @@
                   <a:srgbClr val="11A79D"/>
                 </a:solidFill>
               </a:rPr>
-              <a:t>I</a:t>
+              <a:t>L</a:t>
             </a:r>
             <a:r>
               <a:rPr lang="pt-BR" sz="5400" b="1" dirty="0" smtClean="0">
@@ -6288,7 +6369,7 @@
                   </a:schemeClr>
                 </a:solidFill>
               </a:rPr>
-              <a:t>D</a:t>
+              <a:t>ID</a:t>
             </a:r>
             <a:endParaRPr lang="pt-BR" sz="5400" b="1" dirty="0">
               <a:solidFill>
@@ -6303,7 +6384,7 @@
     </p:spTree>
     <p:extLst>
       <p:ext uri="{BB962C8B-B14F-4D97-AF65-F5344CB8AC3E}">
-        <p14:creationId xmlns:p14="http://schemas.microsoft.com/office/powerpoint/2010/main" val="2528691956"/>
+        <p14:creationId xmlns:p14="http://schemas.microsoft.com/office/powerpoint/2010/main" val="1539304368"/>
       </p:ext>
     </p:extLst>
   </p:cSld>
@@ -6351,6 +6432,182 @@
       </p:grpSpPr>
       <p:sp>
         <p:nvSpPr>
+          <p:cNvPr id="2" name="CaixaDeTexto 1"/>
+          <p:cNvSpPr txBox="1"/>
+          <p:nvPr/>
+        </p:nvSpPr>
+        <p:spPr>
+          <a:xfrm>
+            <a:off x="1752317" y="2345181"/>
+            <a:ext cx="8556751" cy="1754324"/>
+          </a:xfrm>
+          <a:prstGeom prst="rect">
+            <a:avLst/>
+          </a:prstGeom>
+          <a:noFill/>
+          <a:ln w="12700" cap="flat">
+            <a:noFill/>
+            <a:miter lim="400000"/>
+          </a:ln>
+          <a:effectLst/>
+          <a:sp3d/>
+        </p:spPr>
+        <p:style>
+          <a:lnRef idx="0">
+            <a:scrgbClr r="0" g="0" b="0"/>
+          </a:lnRef>
+          <a:fillRef idx="0">
+            <a:scrgbClr r="0" g="0" b="0"/>
+          </a:fillRef>
+          <a:effectRef idx="0">
+            <a:scrgbClr r="0" g="0" b="0"/>
+          </a:effectRef>
+          <a:fontRef idx="none"/>
+        </p:style>
+        <p:txBody>
+          <a:bodyPr rot="0" spcFirstLastPara="1" vertOverflow="overflow" horzOverflow="overflow" vert="horz" wrap="square" lIns="45719" tIns="45719" rIns="45719" bIns="45719" numCol="1" spcCol="38100" rtlCol="0" anchor="t">
+            <a:spAutoFit/>
+          </a:bodyPr>
+          <a:lstStyle/>
+          <a:p>
+            <a:pPr lvl="8" indent="0" algn="just">
+              <a:lnSpc>
+                <a:spcPct val="150000"/>
+              </a:lnSpc>
+            </a:pPr>
+            <a:r>
+              <a:rPr lang="pt-BR" dirty="0">
+                <a:solidFill>
+                  <a:srgbClr val="666666"/>
+                </a:solidFill>
+              </a:rPr>
+              <a:t>Interface </a:t>
+            </a:r>
+            <a:r>
+              <a:rPr lang="pt-BR" dirty="0" err="1">
+                <a:solidFill>
+                  <a:srgbClr val="666666"/>
+                </a:solidFill>
+              </a:rPr>
+              <a:t>segregation</a:t>
+            </a:r>
+            <a:r>
+              <a:rPr lang="pt-BR" dirty="0">
+                <a:solidFill>
+                  <a:srgbClr val="666666"/>
+                </a:solidFill>
+              </a:rPr>
+              <a:t> </a:t>
+            </a:r>
+            <a:r>
+              <a:rPr lang="pt-BR" dirty="0" err="1" smtClean="0">
+                <a:solidFill>
+                  <a:srgbClr val="666666"/>
+                </a:solidFill>
+              </a:rPr>
+              <a:t>principle</a:t>
+            </a:r>
+            <a:r>
+              <a:rPr lang="pt-BR" dirty="0" smtClean="0">
+                <a:solidFill>
+                  <a:srgbClr val="666666"/>
+                </a:solidFill>
+              </a:rPr>
+              <a:t>, também conhecido como </a:t>
+            </a:r>
+            <a:r>
+              <a:rPr lang="pt-BR" b="1" u="sng" dirty="0" smtClean="0">
+                <a:solidFill>
+                  <a:srgbClr val="666666"/>
+                </a:solidFill>
+              </a:rPr>
+              <a:t>Princípio </a:t>
+            </a:r>
+            <a:r>
+              <a:rPr lang="pt-BR" b="1" u="sng" dirty="0">
+                <a:solidFill>
+                  <a:srgbClr val="666666"/>
+                </a:solidFill>
+              </a:rPr>
+              <a:t>da </a:t>
+            </a:r>
+            <a:r>
+              <a:rPr lang="pt-BR" b="1" u="sng" dirty="0" smtClean="0">
+                <a:solidFill>
+                  <a:srgbClr val="666666"/>
+                </a:solidFill>
+              </a:rPr>
+              <a:t>Segregação </a:t>
+            </a:r>
+            <a:r>
+              <a:rPr lang="pt-BR" b="1" u="sng" dirty="0">
+                <a:solidFill>
+                  <a:srgbClr val="666666"/>
+                </a:solidFill>
+              </a:rPr>
+              <a:t>de </a:t>
+            </a:r>
+            <a:r>
+              <a:rPr lang="pt-BR" b="1" u="sng" dirty="0" smtClean="0">
+                <a:solidFill>
+                  <a:srgbClr val="666666"/>
+                </a:solidFill>
+              </a:rPr>
+              <a:t>Interfaces</a:t>
+            </a:r>
+            <a:r>
+              <a:rPr lang="pt-BR" dirty="0">
+                <a:solidFill>
+                  <a:srgbClr val="666666"/>
+                </a:solidFill>
+              </a:rPr>
+              <a:t>. O Princípio da Segregação de Interface </a:t>
+            </a:r>
+            <a:r>
+              <a:rPr lang="pt-BR" dirty="0" smtClean="0">
+                <a:solidFill>
+                  <a:srgbClr val="666666"/>
+                </a:solidFill>
+              </a:rPr>
+              <a:t>diz </a:t>
+            </a:r>
+            <a:r>
+              <a:rPr lang="pt-BR" dirty="0">
+                <a:solidFill>
+                  <a:srgbClr val="666666"/>
+                </a:solidFill>
+              </a:rPr>
+              <a:t>que </a:t>
+            </a:r>
+            <a:r>
+              <a:rPr lang="pt-BR" b="1" dirty="0">
+                <a:solidFill>
+                  <a:srgbClr val="666666"/>
+                </a:solidFill>
+              </a:rPr>
+              <a:t>clientes não devem ser forçados a depender de métodos que não usam</a:t>
+            </a:r>
+            <a:r>
+              <a:rPr lang="pt-BR" dirty="0" smtClean="0">
+                <a:solidFill>
+                  <a:srgbClr val="666666"/>
+                </a:solidFill>
+              </a:rPr>
+              <a:t>. Muitas </a:t>
+            </a:r>
+            <a:r>
+              <a:rPr lang="pt-BR" dirty="0">
+                <a:solidFill>
+                  <a:srgbClr val="666666"/>
+                </a:solidFill>
+              </a:rPr>
+              <a:t>interfaces específicas são melhores do que uma interface única geral.</a:t>
+            </a:r>
+          </a:p>
+        </p:txBody>
+      </p:sp>
+      <p:sp>
+        <p:nvSpPr>
           <p:cNvPr id="6" name="Shape 120"/>
           <p:cNvSpPr txBox="1">
             <a:spLocks/>
@@ -6370,7 +6627,394 @@
           </a:ln>
           <a:extLst>
             <a:ext uri="{C572A759-6A51-4108-AA02-DFA0A04FC94B}">
-              <ma14:wrappingTextBoxFlag xmlns="" xmlns:ma14="http://schemas.microsoft.com/office/mac/drawingml/2011/main" val="1"/>
+              <ma14:wrappingTextBoxFlag xmlns:ma14="http://schemas.microsoft.com/office/mac/drawingml/2011/main" xmlns="" val="1"/>
+            </a:ext>
+          </a:extLst>
+        </p:spPr>
+        <p:txBody>
+          <a:bodyPr lIns="45719" rIns="45719" anchor="ctr">
+            <a:normAutofit/>
+          </a:bodyPr>
+          <a:lstStyle>
+            <a:lvl1pPr marL="0" marR="0" indent="0" algn="ctr" defTabSz="914400" rtl="0" latinLnBrk="0">
+              <a:lnSpc>
+                <a:spcPct val="100000"/>
+              </a:lnSpc>
+              <a:spcBef>
+                <a:spcPts val="0"/>
+              </a:spcBef>
+              <a:spcAft>
+                <a:spcPts val="0"/>
+              </a:spcAft>
+              <a:buClrTx/>
+              <a:buSzTx/>
+              <a:buFontTx/>
+              <a:buNone/>
+              <a:tabLst/>
+              <a:defRPr sz="4400" b="0" i="0" u="none" strike="noStrike" cap="none" spc="0" baseline="0">
+                <a:ln>
+                  <a:noFill/>
+                </a:ln>
+                <a:solidFill>
+                  <a:srgbClr val="000000"/>
+                </a:solidFill>
+                <a:uFillTx/>
+                <a:latin typeface="+mn-lt"/>
+                <a:ea typeface="+mn-ea"/>
+                <a:cs typeface="+mn-cs"/>
+                <a:sym typeface="Calibri"/>
+              </a:defRPr>
+            </a:lvl1pPr>
+            <a:lvl2pPr marL="0" marR="0" indent="0" algn="ctr" defTabSz="914400" rtl="0" latinLnBrk="0">
+              <a:lnSpc>
+                <a:spcPct val="100000"/>
+              </a:lnSpc>
+              <a:spcBef>
+                <a:spcPts val="0"/>
+              </a:spcBef>
+              <a:spcAft>
+                <a:spcPts val="0"/>
+              </a:spcAft>
+              <a:buClrTx/>
+              <a:buSzTx/>
+              <a:buFontTx/>
+              <a:buNone/>
+              <a:tabLst/>
+              <a:defRPr sz="4400" b="0" i="0" u="none" strike="noStrike" cap="none" spc="0" baseline="0">
+                <a:ln>
+                  <a:noFill/>
+                </a:ln>
+                <a:solidFill>
+                  <a:srgbClr val="000000"/>
+                </a:solidFill>
+                <a:uFillTx/>
+                <a:latin typeface="+mn-lt"/>
+                <a:ea typeface="+mn-ea"/>
+                <a:cs typeface="+mn-cs"/>
+                <a:sym typeface="Calibri"/>
+              </a:defRPr>
+            </a:lvl2pPr>
+            <a:lvl3pPr marL="0" marR="0" indent="0" algn="ctr" defTabSz="914400" rtl="0" latinLnBrk="0">
+              <a:lnSpc>
+                <a:spcPct val="100000"/>
+              </a:lnSpc>
+              <a:spcBef>
+                <a:spcPts val="0"/>
+              </a:spcBef>
+              <a:spcAft>
+                <a:spcPts val="0"/>
+              </a:spcAft>
+              <a:buClrTx/>
+              <a:buSzTx/>
+              <a:buFontTx/>
+              <a:buNone/>
+              <a:tabLst/>
+              <a:defRPr sz="4400" b="0" i="0" u="none" strike="noStrike" cap="none" spc="0" baseline="0">
+                <a:ln>
+                  <a:noFill/>
+                </a:ln>
+                <a:solidFill>
+                  <a:srgbClr val="000000"/>
+                </a:solidFill>
+                <a:uFillTx/>
+                <a:latin typeface="+mn-lt"/>
+                <a:ea typeface="+mn-ea"/>
+                <a:cs typeface="+mn-cs"/>
+                <a:sym typeface="Calibri"/>
+              </a:defRPr>
+            </a:lvl3pPr>
+            <a:lvl4pPr marL="0" marR="0" indent="0" algn="ctr" defTabSz="914400" rtl="0" latinLnBrk="0">
+              <a:lnSpc>
+                <a:spcPct val="100000"/>
+              </a:lnSpc>
+              <a:spcBef>
+                <a:spcPts val="0"/>
+              </a:spcBef>
+              <a:spcAft>
+                <a:spcPts val="0"/>
+              </a:spcAft>
+              <a:buClrTx/>
+              <a:buSzTx/>
+              <a:buFontTx/>
+              <a:buNone/>
+              <a:tabLst/>
+              <a:defRPr sz="4400" b="0" i="0" u="none" strike="noStrike" cap="none" spc="0" baseline="0">
+                <a:ln>
+                  <a:noFill/>
+                </a:ln>
+                <a:solidFill>
+                  <a:srgbClr val="000000"/>
+                </a:solidFill>
+                <a:uFillTx/>
+                <a:latin typeface="+mn-lt"/>
+                <a:ea typeface="+mn-ea"/>
+                <a:cs typeface="+mn-cs"/>
+                <a:sym typeface="Calibri"/>
+              </a:defRPr>
+            </a:lvl4pPr>
+            <a:lvl5pPr marL="0" marR="0" indent="0" algn="ctr" defTabSz="914400" rtl="0" latinLnBrk="0">
+              <a:lnSpc>
+                <a:spcPct val="100000"/>
+              </a:lnSpc>
+              <a:spcBef>
+                <a:spcPts val="0"/>
+              </a:spcBef>
+              <a:spcAft>
+                <a:spcPts val="0"/>
+              </a:spcAft>
+              <a:buClrTx/>
+              <a:buSzTx/>
+              <a:buFontTx/>
+              <a:buNone/>
+              <a:tabLst/>
+              <a:defRPr sz="4400" b="0" i="0" u="none" strike="noStrike" cap="none" spc="0" baseline="0">
+                <a:ln>
+                  <a:noFill/>
+                </a:ln>
+                <a:solidFill>
+                  <a:srgbClr val="000000"/>
+                </a:solidFill>
+                <a:uFillTx/>
+                <a:latin typeface="+mn-lt"/>
+                <a:ea typeface="+mn-ea"/>
+                <a:cs typeface="+mn-cs"/>
+                <a:sym typeface="Calibri"/>
+              </a:defRPr>
+            </a:lvl5pPr>
+            <a:lvl6pPr marL="0" marR="0" indent="0" algn="ctr" defTabSz="914400" rtl="0" latinLnBrk="0">
+              <a:lnSpc>
+                <a:spcPct val="100000"/>
+              </a:lnSpc>
+              <a:spcBef>
+                <a:spcPts val="0"/>
+              </a:spcBef>
+              <a:spcAft>
+                <a:spcPts val="0"/>
+              </a:spcAft>
+              <a:buClrTx/>
+              <a:buSzTx/>
+              <a:buFontTx/>
+              <a:buNone/>
+              <a:tabLst/>
+              <a:defRPr sz="4400" b="0" i="0" u="none" strike="noStrike" cap="none" spc="0" baseline="0">
+                <a:ln>
+                  <a:noFill/>
+                </a:ln>
+                <a:solidFill>
+                  <a:srgbClr val="000000"/>
+                </a:solidFill>
+                <a:uFillTx/>
+                <a:latin typeface="+mn-lt"/>
+                <a:ea typeface="+mn-ea"/>
+                <a:cs typeface="+mn-cs"/>
+                <a:sym typeface="Calibri"/>
+              </a:defRPr>
+            </a:lvl6pPr>
+            <a:lvl7pPr marL="0" marR="0" indent="0" algn="ctr" defTabSz="914400" rtl="0" latinLnBrk="0">
+              <a:lnSpc>
+                <a:spcPct val="100000"/>
+              </a:lnSpc>
+              <a:spcBef>
+                <a:spcPts val="0"/>
+              </a:spcBef>
+              <a:spcAft>
+                <a:spcPts val="0"/>
+              </a:spcAft>
+              <a:buClrTx/>
+              <a:buSzTx/>
+              <a:buFontTx/>
+              <a:buNone/>
+              <a:tabLst/>
+              <a:defRPr sz="4400" b="0" i="0" u="none" strike="noStrike" cap="none" spc="0" baseline="0">
+                <a:ln>
+                  <a:noFill/>
+                </a:ln>
+                <a:solidFill>
+                  <a:srgbClr val="000000"/>
+                </a:solidFill>
+                <a:uFillTx/>
+                <a:latin typeface="+mn-lt"/>
+                <a:ea typeface="+mn-ea"/>
+                <a:cs typeface="+mn-cs"/>
+                <a:sym typeface="Calibri"/>
+              </a:defRPr>
+            </a:lvl7pPr>
+            <a:lvl8pPr marL="0" marR="0" indent="0" algn="ctr" defTabSz="914400" rtl="0" latinLnBrk="0">
+              <a:lnSpc>
+                <a:spcPct val="100000"/>
+              </a:lnSpc>
+              <a:spcBef>
+                <a:spcPts val="0"/>
+              </a:spcBef>
+              <a:spcAft>
+                <a:spcPts val="0"/>
+              </a:spcAft>
+              <a:buClrTx/>
+              <a:buSzTx/>
+              <a:buFontTx/>
+              <a:buNone/>
+              <a:tabLst/>
+              <a:defRPr sz="4400" b="0" i="0" u="none" strike="noStrike" cap="none" spc="0" baseline="0">
+                <a:ln>
+                  <a:noFill/>
+                </a:ln>
+                <a:solidFill>
+                  <a:srgbClr val="000000"/>
+                </a:solidFill>
+                <a:uFillTx/>
+                <a:latin typeface="+mn-lt"/>
+                <a:ea typeface="+mn-ea"/>
+                <a:cs typeface="+mn-cs"/>
+                <a:sym typeface="Calibri"/>
+              </a:defRPr>
+            </a:lvl8pPr>
+            <a:lvl9pPr marL="0" marR="0" indent="0" algn="ctr" defTabSz="914400" rtl="0" latinLnBrk="0">
+              <a:lnSpc>
+                <a:spcPct val="100000"/>
+              </a:lnSpc>
+              <a:spcBef>
+                <a:spcPts val="0"/>
+              </a:spcBef>
+              <a:spcAft>
+                <a:spcPts val="0"/>
+              </a:spcAft>
+              <a:buClrTx/>
+              <a:buSzTx/>
+              <a:buFontTx/>
+              <a:buNone/>
+              <a:tabLst/>
+              <a:defRPr sz="4400" b="0" i="0" u="none" strike="noStrike" cap="none" spc="0" baseline="0">
+                <a:ln>
+                  <a:noFill/>
+                </a:ln>
+                <a:solidFill>
+                  <a:srgbClr val="000000"/>
+                </a:solidFill>
+                <a:uFillTx/>
+                <a:latin typeface="+mn-lt"/>
+                <a:ea typeface="+mn-ea"/>
+                <a:cs typeface="+mn-cs"/>
+                <a:sym typeface="Calibri"/>
+              </a:defRPr>
+            </a:lvl9pPr>
+          </a:lstStyle>
+          <a:p>
+            <a:pPr hangingPunct="1">
+              <a:defRPr sz="2800" b="1">
+                <a:solidFill>
+                  <a:srgbClr val="11A79D"/>
+                </a:solidFill>
+              </a:defRPr>
+            </a:pPr>
+            <a:r>
+              <a:rPr lang="pt-BR" sz="5400" b="1" dirty="0" smtClean="0">
+                <a:solidFill>
+                  <a:schemeClr val="bg1">
+                    <a:lumMod val="95000"/>
+                  </a:schemeClr>
+                </a:solidFill>
+              </a:rPr>
+              <a:t>SOL</a:t>
+            </a:r>
+            <a:r>
+              <a:rPr lang="pt-BR" sz="5400" b="1" dirty="0">
+                <a:solidFill>
+                  <a:srgbClr val="11A79D"/>
+                </a:solidFill>
+              </a:rPr>
+              <a:t>I</a:t>
+            </a:r>
+            <a:r>
+              <a:rPr lang="pt-BR" sz="5400" b="1" dirty="0" smtClean="0">
+                <a:solidFill>
+                  <a:schemeClr val="bg1">
+                    <a:lumMod val="95000"/>
+                  </a:schemeClr>
+                </a:solidFill>
+              </a:rPr>
+              <a:t>D</a:t>
+            </a:r>
+            <a:endParaRPr lang="pt-BR" sz="5400" b="1" dirty="0">
+              <a:solidFill>
+                <a:schemeClr val="bg1">
+                  <a:lumMod val="95000"/>
+                </a:schemeClr>
+              </a:solidFill>
+            </a:endParaRPr>
+          </a:p>
+        </p:txBody>
+      </p:sp>
+    </p:spTree>
+    <p:extLst>
+      <p:ext uri="{BB962C8B-B14F-4D97-AF65-F5344CB8AC3E}">
+        <p14:creationId xmlns:p14="http://schemas.microsoft.com/office/powerpoint/2010/main" val="2528691956"/>
+      </p:ext>
+    </p:extLst>
+  </p:cSld>
+  <p:clrMapOvr>
+    <a:masterClrMapping/>
+  </p:clrMapOvr>
+  <mc:AlternateContent xmlns:mc="http://schemas.openxmlformats.org/markup-compatibility/2006" xmlns:p14="http://schemas.microsoft.com/office/powerpoint/2010/main">
+    <mc:Choice Requires="p14">
+      <p:transition spd="med" p14:dur="700">
+        <p:fade/>
+      </p:transition>
+    </mc:Choice>
+    <mc:Fallback xmlns="">
+      <p:transition spd="med">
+        <p:fade/>
+      </p:transition>
+    </mc:Fallback>
+  </mc:AlternateContent>
+  <p:timing>
+    <p:tnLst>
+      <p:par>
+        <p:cTn id="1" dur="indefinite" restart="never" nodeType="tmRoot"/>
+      </p:par>
+    </p:tnLst>
+  </p:timing>
+</p:sld>
+</file>
+
+<file path=ppt/slides/slide15.xml><?xml version="1.0" encoding="utf-8"?>
+<p:sld xmlns:a="http://schemas.openxmlformats.org/drawingml/2006/main" xmlns:r="http://schemas.openxmlformats.org/officeDocument/2006/relationships" xmlns:p="http://schemas.openxmlformats.org/presentationml/2006/main">
+  <p:cSld>
+    <p:spTree>
+      <p:nvGrpSpPr>
+        <p:cNvPr id="1" name=""/>
+        <p:cNvGrpSpPr/>
+        <p:nvPr/>
+      </p:nvGrpSpPr>
+      <p:grpSpPr>
+        <a:xfrm>
+          <a:off x="0" y="0"/>
+          <a:ext cx="0" cy="0"/>
+          <a:chOff x="0" y="0"/>
+          <a:chExt cx="0" cy="0"/>
+        </a:xfrm>
+      </p:grpSpPr>
+      <p:sp>
+        <p:nvSpPr>
+          <p:cNvPr id="6" name="Shape 120"/>
+          <p:cNvSpPr txBox="1">
+            <a:spLocks/>
+          </p:cNvSpPr>
+          <p:nvPr/>
+        </p:nvSpPr>
+        <p:spPr>
+          <a:xfrm>
+            <a:off x="1915893" y="755374"/>
+            <a:ext cx="8229600" cy="1143001"/>
+          </a:xfrm>
+          <a:prstGeom prst="rect">
+            <a:avLst/>
+          </a:prstGeom>
+          <a:ln w="12700">
+            <a:miter lim="400000"/>
+          </a:ln>
+          <a:extLst>
+            <a:ext uri="{C572A759-6A51-4108-AA02-DFA0A04FC94B}">
+              <ma14:wrappingTextBoxFlag xmlns:ma14="http://schemas.microsoft.com/office/mac/drawingml/2011/main" xmlns="" val="1"/>
             </a:ext>
           </a:extLst>
         </p:spPr>
@@ -6743,7 +7387,7 @@
 </p:sld>
 </file>
 
-<file path=ppt/slides/slide15.xml><?xml version="1.0" encoding="utf-8"?>
+<file path=ppt/slides/slide16.xml><?xml version="1.0" encoding="utf-8"?>
 <p:sld xmlns:a="http://schemas.openxmlformats.org/drawingml/2006/main" xmlns:r="http://schemas.openxmlformats.org/officeDocument/2006/relationships" xmlns:p="http://schemas.openxmlformats.org/presentationml/2006/main">
   <p:cSld>
     <p:spTree>
@@ -6781,7 +7425,7 @@
           </a:ln>
           <a:extLst>
             <a:ext uri="{C572A759-6A51-4108-AA02-DFA0A04FC94B}">
-              <ma14:wrappingTextBoxFlag xmlns="" xmlns:ma14="http://schemas.microsoft.com/office/mac/drawingml/2011/main" val="1"/>
+              <ma14:wrappingTextBoxFlag xmlns:ma14="http://schemas.microsoft.com/office/mac/drawingml/2011/main" xmlns="" val="1"/>
             </a:ext>
           </a:extLst>
         </p:spPr>
@@ -7154,7 +7798,7 @@
 </p:sld>
 </file>
 
-<file path=ppt/slides/slide16.xml><?xml version="1.0" encoding="utf-8"?>
+<file path=ppt/slides/slide17.xml><?xml version="1.0" encoding="utf-8"?>
 <p:sld xmlns:a="http://schemas.openxmlformats.org/drawingml/2006/main" xmlns:r="http://schemas.openxmlformats.org/officeDocument/2006/relationships" xmlns:p="http://schemas.openxmlformats.org/presentationml/2006/main">
   <p:cSld>
     <p:spTree>
@@ -7382,7 +8026,7 @@
           </a:ln>
           <a:extLst>
             <a:ext uri="{C572A759-6A51-4108-AA02-DFA0A04FC94B}">
-              <ma14:wrappingTextBoxFlag xmlns="" xmlns:ma14="http://schemas.microsoft.com/office/mac/drawingml/2011/main" val="1"/>
+              <ma14:wrappingTextBoxFlag xmlns:ma14="http://schemas.microsoft.com/office/mac/drawingml/2011/main" xmlns="" val="1"/>
             </a:ext>
           </a:extLst>
         </p:spPr>
@@ -7719,7 +8363,7 @@
 </p:sld>
 </file>
 
-<file path=ppt/slides/slide17.xml><?xml version="1.0" encoding="utf-8"?>
+<file path=ppt/slides/slide18.xml><?xml version="1.0" encoding="utf-8"?>
 <p:sld xmlns:a="http://schemas.openxmlformats.org/drawingml/2006/main" xmlns:r="http://schemas.openxmlformats.org/officeDocument/2006/relationships" xmlns:p="http://schemas.openxmlformats.org/presentationml/2006/main">
   <p:cSld>
     <p:spTree>
@@ -8213,7 +8857,7 @@
           </a:ln>
           <a:extLst>
             <a:ext uri="{C572A759-6A51-4108-AA02-DFA0A04FC94B}">
-              <ma14:wrappingTextBoxFlag xmlns="" xmlns:ma14="http://schemas.microsoft.com/office/mac/drawingml/2011/main" val="1"/>
+              <ma14:wrappingTextBoxFlag xmlns:ma14="http://schemas.microsoft.com/office/mac/drawingml/2011/main" xmlns="" val="1"/>
             </a:ext>
           </a:extLst>
         </p:spPr>
@@ -8548,7 +9192,7 @@
 </p:sld>
 </file>
 
-<file path=ppt/slides/slide18.xml><?xml version="1.0" encoding="utf-8"?>
+<file path=ppt/slides/slide19.xml><?xml version="1.0" encoding="utf-8"?>
 <p:sld xmlns:a="http://schemas.openxmlformats.org/drawingml/2006/main" xmlns:r="http://schemas.openxmlformats.org/officeDocument/2006/relationships" xmlns:p="http://schemas.openxmlformats.org/presentationml/2006/main">
   <p:cSld>
     <p:spTree>
@@ -8642,7 +9286,7 @@
           </a:ln>
           <a:extLst>
             <a:ext uri="{C572A759-6A51-4108-AA02-DFA0A04FC94B}">
-              <ma14:wrappingTextBoxFlag xmlns="" xmlns:ma14="http://schemas.microsoft.com/office/mac/drawingml/2011/main" val="1"/>
+              <ma14:wrappingTextBoxFlag xmlns:ma14="http://schemas.microsoft.com/office/mac/drawingml/2011/main" xmlns="" val="1"/>
             </a:ext>
           </a:extLst>
         </p:spPr>
@@ -9528,566 +10172,6 @@
 </p:sld>
 </file>
 
-<file path=ppt/slides/slide19.xml><?xml version="1.0" encoding="utf-8"?>
-<p:sld xmlns:a="http://schemas.openxmlformats.org/drawingml/2006/main" xmlns:r="http://schemas.openxmlformats.org/officeDocument/2006/relationships" xmlns:p="http://schemas.openxmlformats.org/presentationml/2006/main">
-  <p:cSld>
-    <p:spTree>
-      <p:nvGrpSpPr>
-        <p:cNvPr id="1" name=""/>
-        <p:cNvGrpSpPr/>
-        <p:nvPr/>
-      </p:nvGrpSpPr>
-      <p:grpSpPr>
-        <a:xfrm>
-          <a:off x="0" y="0"/>
-          <a:ext cx="0" cy="0"/>
-          <a:chOff x="0" y="0"/>
-          <a:chExt cx="0" cy="0"/>
-        </a:xfrm>
-      </p:grpSpPr>
-      <p:sp>
-        <p:nvSpPr>
-          <p:cNvPr id="2" name="CaixaDeTexto 1"/>
-          <p:cNvSpPr txBox="1"/>
-          <p:nvPr/>
-        </p:nvSpPr>
-        <p:spPr>
-          <a:xfrm>
-            <a:off x="1752317" y="2345181"/>
-            <a:ext cx="8556751" cy="2585321"/>
-          </a:xfrm>
-          <a:prstGeom prst="rect">
-            <a:avLst/>
-          </a:prstGeom>
-          <a:noFill/>
-          <a:ln w="12700" cap="flat">
-            <a:noFill/>
-            <a:miter lim="400000"/>
-          </a:ln>
-          <a:effectLst/>
-          <a:sp3d/>
-        </p:spPr>
-        <p:style>
-          <a:lnRef idx="0">
-            <a:scrgbClr r="0" g="0" b="0"/>
-          </a:lnRef>
-          <a:fillRef idx="0">
-            <a:scrgbClr r="0" g="0" b="0"/>
-          </a:fillRef>
-          <a:effectRef idx="0">
-            <a:scrgbClr r="0" g="0" b="0"/>
-          </a:effectRef>
-          <a:fontRef idx="none"/>
-        </p:style>
-        <p:txBody>
-          <a:bodyPr rot="0" spcFirstLastPara="1" vertOverflow="overflow" horzOverflow="overflow" vert="horz" wrap="square" lIns="45719" tIns="45719" rIns="45719" bIns="45719" numCol="1" spcCol="38100" rtlCol="0" anchor="t">
-            <a:spAutoFit/>
-          </a:bodyPr>
-          <a:lstStyle/>
-          <a:p>
-            <a:pPr marL="285750" lvl="8" indent="-285750" algn="just">
-              <a:lnSpc>
-                <a:spcPct val="150000"/>
-              </a:lnSpc>
-              <a:buFont typeface="Arial" panose="020B0604020202020204" pitchFamily="34" charset="0"/>
-              <a:buChar char="•"/>
-            </a:pPr>
-            <a:r>
-              <a:rPr lang="pt-BR" b="1" dirty="0" smtClean="0">
-                <a:solidFill>
-                  <a:srgbClr val="666666"/>
-                </a:solidFill>
-              </a:rPr>
-              <a:t>Rigidez</a:t>
-            </a:r>
-            <a:r>
-              <a:rPr lang="pt-BR" dirty="0" smtClean="0">
-                <a:solidFill>
-                  <a:srgbClr val="666666"/>
-                </a:solidFill>
-              </a:rPr>
-              <a:t>: dificuldade de mudança, </a:t>
-            </a:r>
-            <a:r>
-              <a:rPr lang="pt-BR" dirty="0">
-                <a:solidFill>
-                  <a:srgbClr val="666666"/>
-                </a:solidFill>
-              </a:rPr>
-              <a:t>já que cada mudança afeta muitas outras partes do </a:t>
-            </a:r>
-            <a:r>
-              <a:rPr lang="pt-BR" dirty="0" smtClean="0">
-                <a:solidFill>
-                  <a:srgbClr val="666666"/>
-                </a:solidFill>
-              </a:rPr>
-              <a:t>sistema;</a:t>
-            </a:r>
-            <a:endParaRPr lang="pt-BR" dirty="0">
-              <a:solidFill>
-                <a:srgbClr val="666666"/>
-              </a:solidFill>
-            </a:endParaRPr>
-          </a:p>
-          <a:p>
-            <a:pPr marL="285750" lvl="8" indent="-285750" algn="just">
-              <a:lnSpc>
-                <a:spcPct val="150000"/>
-              </a:lnSpc>
-              <a:buFont typeface="Arial" panose="020B0604020202020204" pitchFamily="34" charset="0"/>
-              <a:buChar char="•"/>
-            </a:pPr>
-            <a:r>
-              <a:rPr lang="pt-BR" b="1" dirty="0" smtClean="0">
-                <a:solidFill>
-                  <a:srgbClr val="666666"/>
-                </a:solidFill>
-              </a:rPr>
-              <a:t>Fragilidade</a:t>
-            </a:r>
-            <a:r>
-              <a:rPr lang="pt-BR" dirty="0" smtClean="0">
-                <a:solidFill>
-                  <a:srgbClr val="666666"/>
-                </a:solidFill>
-              </a:rPr>
-              <a:t>: ao </a:t>
-            </a:r>
-            <a:r>
-              <a:rPr lang="pt-BR" dirty="0">
-                <a:solidFill>
-                  <a:srgbClr val="666666"/>
-                </a:solidFill>
-              </a:rPr>
-              <a:t>mudar, seu projeto torna-se um tapete de dominó, e então ao alterar uma peça você </a:t>
-            </a:r>
-            <a:r>
-              <a:rPr lang="pt-BR" dirty="0" smtClean="0">
-                <a:solidFill>
-                  <a:srgbClr val="666666"/>
-                </a:solidFill>
-              </a:rPr>
-              <a:t>pode acabar </a:t>
-            </a:r>
-            <a:r>
-              <a:rPr lang="pt-BR" dirty="0">
-                <a:solidFill>
-                  <a:srgbClr val="666666"/>
-                </a:solidFill>
-              </a:rPr>
-              <a:t>quebrando outra </a:t>
-            </a:r>
-            <a:r>
-              <a:rPr lang="pt-BR" dirty="0" smtClean="0">
-                <a:solidFill>
-                  <a:srgbClr val="666666"/>
-                </a:solidFill>
-              </a:rPr>
-              <a:t>peça;</a:t>
-            </a:r>
-            <a:endParaRPr lang="pt-BR" dirty="0">
-              <a:solidFill>
-                <a:srgbClr val="666666"/>
-              </a:solidFill>
-            </a:endParaRPr>
-          </a:p>
-          <a:p>
-            <a:pPr marL="285750" lvl="8" indent="-285750" algn="just">
-              <a:lnSpc>
-                <a:spcPct val="150000"/>
-              </a:lnSpc>
-              <a:buFont typeface="Arial" panose="020B0604020202020204" pitchFamily="34" charset="0"/>
-              <a:buChar char="•"/>
-            </a:pPr>
-            <a:r>
-              <a:rPr lang="pt-BR" b="1" dirty="0" smtClean="0">
-                <a:solidFill>
-                  <a:srgbClr val="666666"/>
-                </a:solidFill>
-              </a:rPr>
-              <a:t>Imobilidade</a:t>
-            </a:r>
-            <a:r>
-              <a:rPr lang="pt-BR" dirty="0" smtClean="0">
-                <a:solidFill>
-                  <a:srgbClr val="666666"/>
-                </a:solidFill>
-              </a:rPr>
-              <a:t>: reutilizar </a:t>
-            </a:r>
-            <a:r>
-              <a:rPr lang="pt-BR" dirty="0">
-                <a:solidFill>
-                  <a:srgbClr val="666666"/>
-                </a:solidFill>
-              </a:rPr>
-              <a:t>se torna inviável, uma vez que não é possível separar as peças a partir da aplicação de </a:t>
-            </a:r>
-            <a:r>
-              <a:rPr lang="pt-BR" dirty="0" smtClean="0">
-                <a:solidFill>
-                  <a:srgbClr val="666666"/>
-                </a:solidFill>
-              </a:rPr>
-              <a:t>corrente.</a:t>
-            </a:r>
-            <a:endParaRPr lang="pt-BR" dirty="0">
-              <a:solidFill>
-                <a:srgbClr val="666666"/>
-              </a:solidFill>
-            </a:endParaRPr>
-          </a:p>
-        </p:txBody>
-      </p:sp>
-      <p:sp>
-        <p:nvSpPr>
-          <p:cNvPr id="6" name="Shape 120"/>
-          <p:cNvSpPr txBox="1">
-            <a:spLocks/>
-          </p:cNvSpPr>
-          <p:nvPr/>
-        </p:nvSpPr>
-        <p:spPr>
-          <a:xfrm>
-            <a:off x="1915893" y="755374"/>
-            <a:ext cx="8229600" cy="1143001"/>
-          </a:xfrm>
-          <a:prstGeom prst="rect">
-            <a:avLst/>
-          </a:prstGeom>
-          <a:ln w="12700">
-            <a:miter lim="400000"/>
-          </a:ln>
-          <a:extLst>
-            <a:ext uri="{C572A759-6A51-4108-AA02-DFA0A04FC94B}">
-              <ma14:wrappingTextBoxFlag xmlns="" xmlns:ma14="http://schemas.microsoft.com/office/mac/drawingml/2011/main" val="1"/>
-            </a:ext>
-          </a:extLst>
-        </p:spPr>
-        <p:txBody>
-          <a:bodyPr lIns="45719" rIns="45719" anchor="ctr">
-            <a:normAutofit/>
-          </a:bodyPr>
-          <a:lstStyle>
-            <a:lvl1pPr marL="0" marR="0" indent="0" algn="ctr" defTabSz="914400" rtl="0" latinLnBrk="0">
-              <a:lnSpc>
-                <a:spcPct val="100000"/>
-              </a:lnSpc>
-              <a:spcBef>
-                <a:spcPts val="0"/>
-              </a:spcBef>
-              <a:spcAft>
-                <a:spcPts val="0"/>
-              </a:spcAft>
-              <a:buClrTx/>
-              <a:buSzTx/>
-              <a:buFontTx/>
-              <a:buNone/>
-              <a:tabLst/>
-              <a:defRPr sz="4400" b="0" i="0" u="none" strike="noStrike" cap="none" spc="0" baseline="0">
-                <a:ln>
-                  <a:noFill/>
-                </a:ln>
-                <a:solidFill>
-                  <a:srgbClr val="000000"/>
-                </a:solidFill>
-                <a:uFillTx/>
-                <a:latin typeface="+mn-lt"/>
-                <a:ea typeface="+mn-ea"/>
-                <a:cs typeface="+mn-cs"/>
-                <a:sym typeface="Calibri"/>
-              </a:defRPr>
-            </a:lvl1pPr>
-            <a:lvl2pPr marL="0" marR="0" indent="0" algn="ctr" defTabSz="914400" rtl="0" latinLnBrk="0">
-              <a:lnSpc>
-                <a:spcPct val="100000"/>
-              </a:lnSpc>
-              <a:spcBef>
-                <a:spcPts val="0"/>
-              </a:spcBef>
-              <a:spcAft>
-                <a:spcPts val="0"/>
-              </a:spcAft>
-              <a:buClrTx/>
-              <a:buSzTx/>
-              <a:buFontTx/>
-              <a:buNone/>
-              <a:tabLst/>
-              <a:defRPr sz="4400" b="0" i="0" u="none" strike="noStrike" cap="none" spc="0" baseline="0">
-                <a:ln>
-                  <a:noFill/>
-                </a:ln>
-                <a:solidFill>
-                  <a:srgbClr val="000000"/>
-                </a:solidFill>
-                <a:uFillTx/>
-                <a:latin typeface="+mn-lt"/>
-                <a:ea typeface="+mn-ea"/>
-                <a:cs typeface="+mn-cs"/>
-                <a:sym typeface="Calibri"/>
-              </a:defRPr>
-            </a:lvl2pPr>
-            <a:lvl3pPr marL="0" marR="0" indent="0" algn="ctr" defTabSz="914400" rtl="0" latinLnBrk="0">
-              <a:lnSpc>
-                <a:spcPct val="100000"/>
-              </a:lnSpc>
-              <a:spcBef>
-                <a:spcPts val="0"/>
-              </a:spcBef>
-              <a:spcAft>
-                <a:spcPts val="0"/>
-              </a:spcAft>
-              <a:buClrTx/>
-              <a:buSzTx/>
-              <a:buFontTx/>
-              <a:buNone/>
-              <a:tabLst/>
-              <a:defRPr sz="4400" b="0" i="0" u="none" strike="noStrike" cap="none" spc="0" baseline="0">
-                <a:ln>
-                  <a:noFill/>
-                </a:ln>
-                <a:solidFill>
-                  <a:srgbClr val="000000"/>
-                </a:solidFill>
-                <a:uFillTx/>
-                <a:latin typeface="+mn-lt"/>
-                <a:ea typeface="+mn-ea"/>
-                <a:cs typeface="+mn-cs"/>
-                <a:sym typeface="Calibri"/>
-              </a:defRPr>
-            </a:lvl3pPr>
-            <a:lvl4pPr marL="0" marR="0" indent="0" algn="ctr" defTabSz="914400" rtl="0" latinLnBrk="0">
-              <a:lnSpc>
-                <a:spcPct val="100000"/>
-              </a:lnSpc>
-              <a:spcBef>
-                <a:spcPts val="0"/>
-              </a:spcBef>
-              <a:spcAft>
-                <a:spcPts val="0"/>
-              </a:spcAft>
-              <a:buClrTx/>
-              <a:buSzTx/>
-              <a:buFontTx/>
-              <a:buNone/>
-              <a:tabLst/>
-              <a:defRPr sz="4400" b="0" i="0" u="none" strike="noStrike" cap="none" spc="0" baseline="0">
-                <a:ln>
-                  <a:noFill/>
-                </a:ln>
-                <a:solidFill>
-                  <a:srgbClr val="000000"/>
-                </a:solidFill>
-                <a:uFillTx/>
-                <a:latin typeface="+mn-lt"/>
-                <a:ea typeface="+mn-ea"/>
-                <a:cs typeface="+mn-cs"/>
-                <a:sym typeface="Calibri"/>
-              </a:defRPr>
-            </a:lvl4pPr>
-            <a:lvl5pPr marL="0" marR="0" indent="0" algn="ctr" defTabSz="914400" rtl="0" latinLnBrk="0">
-              <a:lnSpc>
-                <a:spcPct val="100000"/>
-              </a:lnSpc>
-              <a:spcBef>
-                <a:spcPts val="0"/>
-              </a:spcBef>
-              <a:spcAft>
-                <a:spcPts val="0"/>
-              </a:spcAft>
-              <a:buClrTx/>
-              <a:buSzTx/>
-              <a:buFontTx/>
-              <a:buNone/>
-              <a:tabLst/>
-              <a:defRPr sz="4400" b="0" i="0" u="none" strike="noStrike" cap="none" spc="0" baseline="0">
-                <a:ln>
-                  <a:noFill/>
-                </a:ln>
-                <a:solidFill>
-                  <a:srgbClr val="000000"/>
-                </a:solidFill>
-                <a:uFillTx/>
-                <a:latin typeface="+mn-lt"/>
-                <a:ea typeface="+mn-ea"/>
-                <a:cs typeface="+mn-cs"/>
-                <a:sym typeface="Calibri"/>
-              </a:defRPr>
-            </a:lvl5pPr>
-            <a:lvl6pPr marL="0" marR="0" indent="0" algn="ctr" defTabSz="914400" rtl="0" latinLnBrk="0">
-              <a:lnSpc>
-                <a:spcPct val="100000"/>
-              </a:lnSpc>
-              <a:spcBef>
-                <a:spcPts val="0"/>
-              </a:spcBef>
-              <a:spcAft>
-                <a:spcPts val="0"/>
-              </a:spcAft>
-              <a:buClrTx/>
-              <a:buSzTx/>
-              <a:buFontTx/>
-              <a:buNone/>
-              <a:tabLst/>
-              <a:defRPr sz="4400" b="0" i="0" u="none" strike="noStrike" cap="none" spc="0" baseline="0">
-                <a:ln>
-                  <a:noFill/>
-                </a:ln>
-                <a:solidFill>
-                  <a:srgbClr val="000000"/>
-                </a:solidFill>
-                <a:uFillTx/>
-                <a:latin typeface="+mn-lt"/>
-                <a:ea typeface="+mn-ea"/>
-                <a:cs typeface="+mn-cs"/>
-                <a:sym typeface="Calibri"/>
-              </a:defRPr>
-            </a:lvl6pPr>
-            <a:lvl7pPr marL="0" marR="0" indent="0" algn="ctr" defTabSz="914400" rtl="0" latinLnBrk="0">
-              <a:lnSpc>
-                <a:spcPct val="100000"/>
-              </a:lnSpc>
-              <a:spcBef>
-                <a:spcPts val="0"/>
-              </a:spcBef>
-              <a:spcAft>
-                <a:spcPts val="0"/>
-              </a:spcAft>
-              <a:buClrTx/>
-              <a:buSzTx/>
-              <a:buFontTx/>
-              <a:buNone/>
-              <a:tabLst/>
-              <a:defRPr sz="4400" b="0" i="0" u="none" strike="noStrike" cap="none" spc="0" baseline="0">
-                <a:ln>
-                  <a:noFill/>
-                </a:ln>
-                <a:solidFill>
-                  <a:srgbClr val="000000"/>
-                </a:solidFill>
-                <a:uFillTx/>
-                <a:latin typeface="+mn-lt"/>
-                <a:ea typeface="+mn-ea"/>
-                <a:cs typeface="+mn-cs"/>
-                <a:sym typeface="Calibri"/>
-              </a:defRPr>
-            </a:lvl7pPr>
-            <a:lvl8pPr marL="0" marR="0" indent="0" algn="ctr" defTabSz="914400" rtl="0" latinLnBrk="0">
-              <a:lnSpc>
-                <a:spcPct val="100000"/>
-              </a:lnSpc>
-              <a:spcBef>
-                <a:spcPts val="0"/>
-              </a:spcBef>
-              <a:spcAft>
-                <a:spcPts val="0"/>
-              </a:spcAft>
-              <a:buClrTx/>
-              <a:buSzTx/>
-              <a:buFontTx/>
-              <a:buNone/>
-              <a:tabLst/>
-              <a:defRPr sz="4400" b="0" i="0" u="none" strike="noStrike" cap="none" spc="0" baseline="0">
-                <a:ln>
-                  <a:noFill/>
-                </a:ln>
-                <a:solidFill>
-                  <a:srgbClr val="000000"/>
-                </a:solidFill>
-                <a:uFillTx/>
-                <a:latin typeface="+mn-lt"/>
-                <a:ea typeface="+mn-ea"/>
-                <a:cs typeface="+mn-cs"/>
-                <a:sym typeface="Calibri"/>
-              </a:defRPr>
-            </a:lvl8pPr>
-            <a:lvl9pPr marL="0" marR="0" indent="0" algn="ctr" defTabSz="914400" rtl="0" latinLnBrk="0">
-              <a:lnSpc>
-                <a:spcPct val="100000"/>
-              </a:lnSpc>
-              <a:spcBef>
-                <a:spcPts val="0"/>
-              </a:spcBef>
-              <a:spcAft>
-                <a:spcPts val="0"/>
-              </a:spcAft>
-              <a:buClrTx/>
-              <a:buSzTx/>
-              <a:buFontTx/>
-              <a:buNone/>
-              <a:tabLst/>
-              <a:defRPr sz="4400" b="0" i="0" u="none" strike="noStrike" cap="none" spc="0" baseline="0">
-                <a:ln>
-                  <a:noFill/>
-                </a:ln>
-                <a:solidFill>
-                  <a:srgbClr val="000000"/>
-                </a:solidFill>
-                <a:uFillTx/>
-                <a:latin typeface="+mn-lt"/>
-                <a:ea typeface="+mn-ea"/>
-                <a:cs typeface="+mn-cs"/>
-                <a:sym typeface="Calibri"/>
-              </a:defRPr>
-            </a:lvl9pPr>
-          </a:lstStyle>
-          <a:p>
-            <a:pPr hangingPunct="1">
-              <a:defRPr sz="2800" b="1">
-                <a:solidFill>
-                  <a:srgbClr val="11A79D"/>
-                </a:solidFill>
-              </a:defRPr>
-            </a:pPr>
-            <a:r>
-              <a:rPr lang="pt-BR" sz="5400" b="1" dirty="0" smtClean="0">
-                <a:solidFill>
-                  <a:srgbClr val="11A79D"/>
-                </a:solidFill>
-              </a:rPr>
-              <a:t>Acoplamento</a:t>
-            </a:r>
-            <a:endParaRPr lang="pt-BR" sz="5400" b="1" dirty="0">
-              <a:solidFill>
-                <a:srgbClr val="11A79D"/>
-              </a:solidFill>
-            </a:endParaRPr>
-          </a:p>
-        </p:txBody>
-      </p:sp>
-    </p:spTree>
-    <p:extLst>
-      <p:ext uri="{BB962C8B-B14F-4D97-AF65-F5344CB8AC3E}">
-        <p14:creationId xmlns:p14="http://schemas.microsoft.com/office/powerpoint/2010/main" val="246069944"/>
-      </p:ext>
-    </p:extLst>
-  </p:cSld>
-  <p:clrMapOvr>
-    <a:masterClrMapping/>
-  </p:clrMapOvr>
-  <mc:AlternateContent xmlns:mc="http://schemas.openxmlformats.org/markup-compatibility/2006" xmlns:p14="http://schemas.microsoft.com/office/powerpoint/2010/main">
-    <mc:Choice Requires="p14">
-      <p:transition spd="med" p14:dur="700">
-        <p:fade/>
-      </p:transition>
-    </mc:Choice>
-    <mc:Fallback xmlns="">
-      <p:transition spd="med">
-        <p:fade/>
-      </p:transition>
-    </mc:Fallback>
-  </mc:AlternateContent>
-  <p:timing>
-    <p:tnLst>
-      <p:par>
-        <p:cTn id="1" dur="indefinite" restart="never" nodeType="tmRoot"/>
-      </p:par>
-    </p:tnLst>
-  </p:timing>
-</p:sld>
-</file>
-
 <file path=ppt/slides/slide2.xml><?xml version="1.0" encoding="utf-8"?>
 <p:sld xmlns:a="http://schemas.openxmlformats.org/drawingml/2006/main" xmlns:r="http://schemas.openxmlformats.org/officeDocument/2006/relationships" xmlns:p="http://schemas.openxmlformats.org/presentationml/2006/main">
   <p:cSld>
@@ -10214,7 +10298,7 @@
           </a:ln>
           <a:extLst>
             <a:ext uri="{C572A759-6A51-4108-AA02-DFA0A04FC94B}">
-              <ma14:wrappingTextBoxFlag xmlns="" xmlns:ma14="http://schemas.microsoft.com/office/mac/drawingml/2011/main" val="1"/>
+              <ma14:wrappingTextBoxFlag xmlns:ma14="http://schemas.microsoft.com/office/mac/drawingml/2011/main" xmlns="" val="1"/>
             </a:ext>
           </a:extLst>
         </p:spPr>
@@ -10566,6 +10650,566 @@
         </p:nvSpPr>
         <p:spPr>
           <a:xfrm>
+            <a:off x="1752317" y="2345181"/>
+            <a:ext cx="8556751" cy="2585321"/>
+          </a:xfrm>
+          <a:prstGeom prst="rect">
+            <a:avLst/>
+          </a:prstGeom>
+          <a:noFill/>
+          <a:ln w="12700" cap="flat">
+            <a:noFill/>
+            <a:miter lim="400000"/>
+          </a:ln>
+          <a:effectLst/>
+          <a:sp3d/>
+        </p:spPr>
+        <p:style>
+          <a:lnRef idx="0">
+            <a:scrgbClr r="0" g="0" b="0"/>
+          </a:lnRef>
+          <a:fillRef idx="0">
+            <a:scrgbClr r="0" g="0" b="0"/>
+          </a:fillRef>
+          <a:effectRef idx="0">
+            <a:scrgbClr r="0" g="0" b="0"/>
+          </a:effectRef>
+          <a:fontRef idx="none"/>
+        </p:style>
+        <p:txBody>
+          <a:bodyPr rot="0" spcFirstLastPara="1" vertOverflow="overflow" horzOverflow="overflow" vert="horz" wrap="square" lIns="45719" tIns="45719" rIns="45719" bIns="45719" numCol="1" spcCol="38100" rtlCol="0" anchor="t">
+            <a:spAutoFit/>
+          </a:bodyPr>
+          <a:lstStyle/>
+          <a:p>
+            <a:pPr marL="285750" lvl="8" indent="-285750" algn="just">
+              <a:lnSpc>
+                <a:spcPct val="150000"/>
+              </a:lnSpc>
+              <a:buFont typeface="Arial" panose="020B0604020202020204" pitchFamily="34" charset="0"/>
+              <a:buChar char="•"/>
+            </a:pPr>
+            <a:r>
+              <a:rPr lang="pt-BR" b="1" dirty="0" smtClean="0">
+                <a:solidFill>
+                  <a:srgbClr val="666666"/>
+                </a:solidFill>
+              </a:rPr>
+              <a:t>Rigidez</a:t>
+            </a:r>
+            <a:r>
+              <a:rPr lang="pt-BR" dirty="0" smtClean="0">
+                <a:solidFill>
+                  <a:srgbClr val="666666"/>
+                </a:solidFill>
+              </a:rPr>
+              <a:t>: dificuldade de mudança, </a:t>
+            </a:r>
+            <a:r>
+              <a:rPr lang="pt-BR" dirty="0">
+                <a:solidFill>
+                  <a:srgbClr val="666666"/>
+                </a:solidFill>
+              </a:rPr>
+              <a:t>já que cada mudança afeta muitas outras partes do </a:t>
+            </a:r>
+            <a:r>
+              <a:rPr lang="pt-BR" dirty="0" smtClean="0">
+                <a:solidFill>
+                  <a:srgbClr val="666666"/>
+                </a:solidFill>
+              </a:rPr>
+              <a:t>sistema;</a:t>
+            </a:r>
+            <a:endParaRPr lang="pt-BR" dirty="0">
+              <a:solidFill>
+                <a:srgbClr val="666666"/>
+              </a:solidFill>
+            </a:endParaRPr>
+          </a:p>
+          <a:p>
+            <a:pPr marL="285750" lvl="8" indent="-285750" algn="just">
+              <a:lnSpc>
+                <a:spcPct val="150000"/>
+              </a:lnSpc>
+              <a:buFont typeface="Arial" panose="020B0604020202020204" pitchFamily="34" charset="0"/>
+              <a:buChar char="•"/>
+            </a:pPr>
+            <a:r>
+              <a:rPr lang="pt-BR" b="1" dirty="0" smtClean="0">
+                <a:solidFill>
+                  <a:srgbClr val="666666"/>
+                </a:solidFill>
+              </a:rPr>
+              <a:t>Fragilidade</a:t>
+            </a:r>
+            <a:r>
+              <a:rPr lang="pt-BR" dirty="0" smtClean="0">
+                <a:solidFill>
+                  <a:srgbClr val="666666"/>
+                </a:solidFill>
+              </a:rPr>
+              <a:t>: ao </a:t>
+            </a:r>
+            <a:r>
+              <a:rPr lang="pt-BR" dirty="0">
+                <a:solidFill>
+                  <a:srgbClr val="666666"/>
+                </a:solidFill>
+              </a:rPr>
+              <a:t>mudar, seu projeto torna-se um tapete de dominó, e então ao alterar uma peça você </a:t>
+            </a:r>
+            <a:r>
+              <a:rPr lang="pt-BR" dirty="0" smtClean="0">
+                <a:solidFill>
+                  <a:srgbClr val="666666"/>
+                </a:solidFill>
+              </a:rPr>
+              <a:t>pode acabar </a:t>
+            </a:r>
+            <a:r>
+              <a:rPr lang="pt-BR" dirty="0">
+                <a:solidFill>
+                  <a:srgbClr val="666666"/>
+                </a:solidFill>
+              </a:rPr>
+              <a:t>quebrando outra </a:t>
+            </a:r>
+            <a:r>
+              <a:rPr lang="pt-BR" dirty="0" smtClean="0">
+                <a:solidFill>
+                  <a:srgbClr val="666666"/>
+                </a:solidFill>
+              </a:rPr>
+              <a:t>peça;</a:t>
+            </a:r>
+            <a:endParaRPr lang="pt-BR" dirty="0">
+              <a:solidFill>
+                <a:srgbClr val="666666"/>
+              </a:solidFill>
+            </a:endParaRPr>
+          </a:p>
+          <a:p>
+            <a:pPr marL="285750" lvl="8" indent="-285750" algn="just">
+              <a:lnSpc>
+                <a:spcPct val="150000"/>
+              </a:lnSpc>
+              <a:buFont typeface="Arial" panose="020B0604020202020204" pitchFamily="34" charset="0"/>
+              <a:buChar char="•"/>
+            </a:pPr>
+            <a:r>
+              <a:rPr lang="pt-BR" b="1" dirty="0" smtClean="0">
+                <a:solidFill>
+                  <a:srgbClr val="666666"/>
+                </a:solidFill>
+              </a:rPr>
+              <a:t>Imobilidade</a:t>
+            </a:r>
+            <a:r>
+              <a:rPr lang="pt-BR" dirty="0" smtClean="0">
+                <a:solidFill>
+                  <a:srgbClr val="666666"/>
+                </a:solidFill>
+              </a:rPr>
+              <a:t>: reutilizar </a:t>
+            </a:r>
+            <a:r>
+              <a:rPr lang="pt-BR" dirty="0">
+                <a:solidFill>
+                  <a:srgbClr val="666666"/>
+                </a:solidFill>
+              </a:rPr>
+              <a:t>se torna inviável, uma vez que não é possível separar as peças a partir da aplicação de </a:t>
+            </a:r>
+            <a:r>
+              <a:rPr lang="pt-BR" dirty="0" smtClean="0">
+                <a:solidFill>
+                  <a:srgbClr val="666666"/>
+                </a:solidFill>
+              </a:rPr>
+              <a:t>corrente.</a:t>
+            </a:r>
+            <a:endParaRPr lang="pt-BR" dirty="0">
+              <a:solidFill>
+                <a:srgbClr val="666666"/>
+              </a:solidFill>
+            </a:endParaRPr>
+          </a:p>
+        </p:txBody>
+      </p:sp>
+      <p:sp>
+        <p:nvSpPr>
+          <p:cNvPr id="6" name="Shape 120"/>
+          <p:cNvSpPr txBox="1">
+            <a:spLocks/>
+          </p:cNvSpPr>
+          <p:nvPr/>
+        </p:nvSpPr>
+        <p:spPr>
+          <a:xfrm>
+            <a:off x="1915893" y="755374"/>
+            <a:ext cx="8229600" cy="1143001"/>
+          </a:xfrm>
+          <a:prstGeom prst="rect">
+            <a:avLst/>
+          </a:prstGeom>
+          <a:ln w="12700">
+            <a:miter lim="400000"/>
+          </a:ln>
+          <a:extLst>
+            <a:ext uri="{C572A759-6A51-4108-AA02-DFA0A04FC94B}">
+              <ma14:wrappingTextBoxFlag xmlns:ma14="http://schemas.microsoft.com/office/mac/drawingml/2011/main" xmlns="" val="1"/>
+            </a:ext>
+          </a:extLst>
+        </p:spPr>
+        <p:txBody>
+          <a:bodyPr lIns="45719" rIns="45719" anchor="ctr">
+            <a:normAutofit/>
+          </a:bodyPr>
+          <a:lstStyle>
+            <a:lvl1pPr marL="0" marR="0" indent="0" algn="ctr" defTabSz="914400" rtl="0" latinLnBrk="0">
+              <a:lnSpc>
+                <a:spcPct val="100000"/>
+              </a:lnSpc>
+              <a:spcBef>
+                <a:spcPts val="0"/>
+              </a:spcBef>
+              <a:spcAft>
+                <a:spcPts val="0"/>
+              </a:spcAft>
+              <a:buClrTx/>
+              <a:buSzTx/>
+              <a:buFontTx/>
+              <a:buNone/>
+              <a:tabLst/>
+              <a:defRPr sz="4400" b="0" i="0" u="none" strike="noStrike" cap="none" spc="0" baseline="0">
+                <a:ln>
+                  <a:noFill/>
+                </a:ln>
+                <a:solidFill>
+                  <a:srgbClr val="000000"/>
+                </a:solidFill>
+                <a:uFillTx/>
+                <a:latin typeface="+mn-lt"/>
+                <a:ea typeface="+mn-ea"/>
+                <a:cs typeface="+mn-cs"/>
+                <a:sym typeface="Calibri"/>
+              </a:defRPr>
+            </a:lvl1pPr>
+            <a:lvl2pPr marL="0" marR="0" indent="0" algn="ctr" defTabSz="914400" rtl="0" latinLnBrk="0">
+              <a:lnSpc>
+                <a:spcPct val="100000"/>
+              </a:lnSpc>
+              <a:spcBef>
+                <a:spcPts val="0"/>
+              </a:spcBef>
+              <a:spcAft>
+                <a:spcPts val="0"/>
+              </a:spcAft>
+              <a:buClrTx/>
+              <a:buSzTx/>
+              <a:buFontTx/>
+              <a:buNone/>
+              <a:tabLst/>
+              <a:defRPr sz="4400" b="0" i="0" u="none" strike="noStrike" cap="none" spc="0" baseline="0">
+                <a:ln>
+                  <a:noFill/>
+                </a:ln>
+                <a:solidFill>
+                  <a:srgbClr val="000000"/>
+                </a:solidFill>
+                <a:uFillTx/>
+                <a:latin typeface="+mn-lt"/>
+                <a:ea typeface="+mn-ea"/>
+                <a:cs typeface="+mn-cs"/>
+                <a:sym typeface="Calibri"/>
+              </a:defRPr>
+            </a:lvl2pPr>
+            <a:lvl3pPr marL="0" marR="0" indent="0" algn="ctr" defTabSz="914400" rtl="0" latinLnBrk="0">
+              <a:lnSpc>
+                <a:spcPct val="100000"/>
+              </a:lnSpc>
+              <a:spcBef>
+                <a:spcPts val="0"/>
+              </a:spcBef>
+              <a:spcAft>
+                <a:spcPts val="0"/>
+              </a:spcAft>
+              <a:buClrTx/>
+              <a:buSzTx/>
+              <a:buFontTx/>
+              <a:buNone/>
+              <a:tabLst/>
+              <a:defRPr sz="4400" b="0" i="0" u="none" strike="noStrike" cap="none" spc="0" baseline="0">
+                <a:ln>
+                  <a:noFill/>
+                </a:ln>
+                <a:solidFill>
+                  <a:srgbClr val="000000"/>
+                </a:solidFill>
+                <a:uFillTx/>
+                <a:latin typeface="+mn-lt"/>
+                <a:ea typeface="+mn-ea"/>
+                <a:cs typeface="+mn-cs"/>
+                <a:sym typeface="Calibri"/>
+              </a:defRPr>
+            </a:lvl3pPr>
+            <a:lvl4pPr marL="0" marR="0" indent="0" algn="ctr" defTabSz="914400" rtl="0" latinLnBrk="0">
+              <a:lnSpc>
+                <a:spcPct val="100000"/>
+              </a:lnSpc>
+              <a:spcBef>
+                <a:spcPts val="0"/>
+              </a:spcBef>
+              <a:spcAft>
+                <a:spcPts val="0"/>
+              </a:spcAft>
+              <a:buClrTx/>
+              <a:buSzTx/>
+              <a:buFontTx/>
+              <a:buNone/>
+              <a:tabLst/>
+              <a:defRPr sz="4400" b="0" i="0" u="none" strike="noStrike" cap="none" spc="0" baseline="0">
+                <a:ln>
+                  <a:noFill/>
+                </a:ln>
+                <a:solidFill>
+                  <a:srgbClr val="000000"/>
+                </a:solidFill>
+                <a:uFillTx/>
+                <a:latin typeface="+mn-lt"/>
+                <a:ea typeface="+mn-ea"/>
+                <a:cs typeface="+mn-cs"/>
+                <a:sym typeface="Calibri"/>
+              </a:defRPr>
+            </a:lvl4pPr>
+            <a:lvl5pPr marL="0" marR="0" indent="0" algn="ctr" defTabSz="914400" rtl="0" latinLnBrk="0">
+              <a:lnSpc>
+                <a:spcPct val="100000"/>
+              </a:lnSpc>
+              <a:spcBef>
+                <a:spcPts val="0"/>
+              </a:spcBef>
+              <a:spcAft>
+                <a:spcPts val="0"/>
+              </a:spcAft>
+              <a:buClrTx/>
+              <a:buSzTx/>
+              <a:buFontTx/>
+              <a:buNone/>
+              <a:tabLst/>
+              <a:defRPr sz="4400" b="0" i="0" u="none" strike="noStrike" cap="none" spc="0" baseline="0">
+                <a:ln>
+                  <a:noFill/>
+                </a:ln>
+                <a:solidFill>
+                  <a:srgbClr val="000000"/>
+                </a:solidFill>
+                <a:uFillTx/>
+                <a:latin typeface="+mn-lt"/>
+                <a:ea typeface="+mn-ea"/>
+                <a:cs typeface="+mn-cs"/>
+                <a:sym typeface="Calibri"/>
+              </a:defRPr>
+            </a:lvl5pPr>
+            <a:lvl6pPr marL="0" marR="0" indent="0" algn="ctr" defTabSz="914400" rtl="0" latinLnBrk="0">
+              <a:lnSpc>
+                <a:spcPct val="100000"/>
+              </a:lnSpc>
+              <a:spcBef>
+                <a:spcPts val="0"/>
+              </a:spcBef>
+              <a:spcAft>
+                <a:spcPts val="0"/>
+              </a:spcAft>
+              <a:buClrTx/>
+              <a:buSzTx/>
+              <a:buFontTx/>
+              <a:buNone/>
+              <a:tabLst/>
+              <a:defRPr sz="4400" b="0" i="0" u="none" strike="noStrike" cap="none" spc="0" baseline="0">
+                <a:ln>
+                  <a:noFill/>
+                </a:ln>
+                <a:solidFill>
+                  <a:srgbClr val="000000"/>
+                </a:solidFill>
+                <a:uFillTx/>
+                <a:latin typeface="+mn-lt"/>
+                <a:ea typeface="+mn-ea"/>
+                <a:cs typeface="+mn-cs"/>
+                <a:sym typeface="Calibri"/>
+              </a:defRPr>
+            </a:lvl6pPr>
+            <a:lvl7pPr marL="0" marR="0" indent="0" algn="ctr" defTabSz="914400" rtl="0" latinLnBrk="0">
+              <a:lnSpc>
+                <a:spcPct val="100000"/>
+              </a:lnSpc>
+              <a:spcBef>
+                <a:spcPts val="0"/>
+              </a:spcBef>
+              <a:spcAft>
+                <a:spcPts val="0"/>
+              </a:spcAft>
+              <a:buClrTx/>
+              <a:buSzTx/>
+              <a:buFontTx/>
+              <a:buNone/>
+              <a:tabLst/>
+              <a:defRPr sz="4400" b="0" i="0" u="none" strike="noStrike" cap="none" spc="0" baseline="0">
+                <a:ln>
+                  <a:noFill/>
+                </a:ln>
+                <a:solidFill>
+                  <a:srgbClr val="000000"/>
+                </a:solidFill>
+                <a:uFillTx/>
+                <a:latin typeface="+mn-lt"/>
+                <a:ea typeface="+mn-ea"/>
+                <a:cs typeface="+mn-cs"/>
+                <a:sym typeface="Calibri"/>
+              </a:defRPr>
+            </a:lvl7pPr>
+            <a:lvl8pPr marL="0" marR="0" indent="0" algn="ctr" defTabSz="914400" rtl="0" latinLnBrk="0">
+              <a:lnSpc>
+                <a:spcPct val="100000"/>
+              </a:lnSpc>
+              <a:spcBef>
+                <a:spcPts val="0"/>
+              </a:spcBef>
+              <a:spcAft>
+                <a:spcPts val="0"/>
+              </a:spcAft>
+              <a:buClrTx/>
+              <a:buSzTx/>
+              <a:buFontTx/>
+              <a:buNone/>
+              <a:tabLst/>
+              <a:defRPr sz="4400" b="0" i="0" u="none" strike="noStrike" cap="none" spc="0" baseline="0">
+                <a:ln>
+                  <a:noFill/>
+                </a:ln>
+                <a:solidFill>
+                  <a:srgbClr val="000000"/>
+                </a:solidFill>
+                <a:uFillTx/>
+                <a:latin typeface="+mn-lt"/>
+                <a:ea typeface="+mn-ea"/>
+                <a:cs typeface="+mn-cs"/>
+                <a:sym typeface="Calibri"/>
+              </a:defRPr>
+            </a:lvl8pPr>
+            <a:lvl9pPr marL="0" marR="0" indent="0" algn="ctr" defTabSz="914400" rtl="0" latinLnBrk="0">
+              <a:lnSpc>
+                <a:spcPct val="100000"/>
+              </a:lnSpc>
+              <a:spcBef>
+                <a:spcPts val="0"/>
+              </a:spcBef>
+              <a:spcAft>
+                <a:spcPts val="0"/>
+              </a:spcAft>
+              <a:buClrTx/>
+              <a:buSzTx/>
+              <a:buFontTx/>
+              <a:buNone/>
+              <a:tabLst/>
+              <a:defRPr sz="4400" b="0" i="0" u="none" strike="noStrike" cap="none" spc="0" baseline="0">
+                <a:ln>
+                  <a:noFill/>
+                </a:ln>
+                <a:solidFill>
+                  <a:srgbClr val="000000"/>
+                </a:solidFill>
+                <a:uFillTx/>
+                <a:latin typeface="+mn-lt"/>
+                <a:ea typeface="+mn-ea"/>
+                <a:cs typeface="+mn-cs"/>
+                <a:sym typeface="Calibri"/>
+              </a:defRPr>
+            </a:lvl9pPr>
+          </a:lstStyle>
+          <a:p>
+            <a:pPr hangingPunct="1">
+              <a:defRPr sz="2800" b="1">
+                <a:solidFill>
+                  <a:srgbClr val="11A79D"/>
+                </a:solidFill>
+              </a:defRPr>
+            </a:pPr>
+            <a:r>
+              <a:rPr lang="pt-BR" sz="5400" b="1" dirty="0" smtClean="0">
+                <a:solidFill>
+                  <a:srgbClr val="11A79D"/>
+                </a:solidFill>
+              </a:rPr>
+              <a:t>Acoplamento</a:t>
+            </a:r>
+            <a:endParaRPr lang="pt-BR" sz="5400" b="1" dirty="0">
+              <a:solidFill>
+                <a:srgbClr val="11A79D"/>
+              </a:solidFill>
+            </a:endParaRPr>
+          </a:p>
+        </p:txBody>
+      </p:sp>
+    </p:spTree>
+    <p:extLst>
+      <p:ext uri="{BB962C8B-B14F-4D97-AF65-F5344CB8AC3E}">
+        <p14:creationId xmlns:p14="http://schemas.microsoft.com/office/powerpoint/2010/main" val="246069944"/>
+      </p:ext>
+    </p:extLst>
+  </p:cSld>
+  <p:clrMapOvr>
+    <a:masterClrMapping/>
+  </p:clrMapOvr>
+  <mc:AlternateContent xmlns:mc="http://schemas.openxmlformats.org/markup-compatibility/2006" xmlns:p14="http://schemas.microsoft.com/office/powerpoint/2010/main">
+    <mc:Choice Requires="p14">
+      <p:transition spd="med" p14:dur="700">
+        <p:fade/>
+      </p:transition>
+    </mc:Choice>
+    <mc:Fallback xmlns="">
+      <p:transition spd="med">
+        <p:fade/>
+      </p:transition>
+    </mc:Fallback>
+  </mc:AlternateContent>
+  <p:timing>
+    <p:tnLst>
+      <p:par>
+        <p:cTn id="1" dur="indefinite" restart="never" nodeType="tmRoot"/>
+      </p:par>
+    </p:tnLst>
+  </p:timing>
+</p:sld>
+</file>
+
+<file path=ppt/slides/slide21.xml><?xml version="1.0" encoding="utf-8"?>
+<p:sld xmlns:a="http://schemas.openxmlformats.org/drawingml/2006/main" xmlns:r="http://schemas.openxmlformats.org/officeDocument/2006/relationships" xmlns:p="http://schemas.openxmlformats.org/presentationml/2006/main">
+  <p:cSld>
+    <p:spTree>
+      <p:nvGrpSpPr>
+        <p:cNvPr id="1" name=""/>
+        <p:cNvGrpSpPr/>
+        <p:nvPr/>
+      </p:nvGrpSpPr>
+      <p:grpSpPr>
+        <a:xfrm>
+          <a:off x="0" y="0"/>
+          <a:ext cx="0" cy="0"/>
+          <a:chOff x="0" y="0"/>
+          <a:chExt cx="0" cy="0"/>
+        </a:xfrm>
+      </p:grpSpPr>
+      <p:sp>
+        <p:nvSpPr>
+          <p:cNvPr id="2" name="CaixaDeTexto 1"/>
+          <p:cNvSpPr txBox="1"/>
+          <p:nvPr/>
+        </p:nvSpPr>
+        <p:spPr>
+          <a:xfrm>
             <a:off x="1752318" y="2345181"/>
             <a:ext cx="4361403" cy="2169823"/>
           </a:xfrm>
@@ -10720,7 +11364,7 @@
           </a:ln>
           <a:extLst>
             <a:ext uri="{C572A759-6A51-4108-AA02-DFA0A04FC94B}">
-              <ma14:wrappingTextBoxFlag xmlns="" xmlns:ma14="http://schemas.microsoft.com/office/mac/drawingml/2011/main" val="1"/>
+              <ma14:wrappingTextBoxFlag xmlns:ma14="http://schemas.microsoft.com/office/mac/drawingml/2011/main" xmlns="" val="1"/>
             </a:ext>
           </a:extLst>
         </p:spPr>
@@ -11071,7 +11715,7 @@
 </p:sld>
 </file>
 
-<file path=ppt/slides/slide21.xml><?xml version="1.0" encoding="utf-8"?>
+<file path=ppt/slides/slide22.xml><?xml version="1.0" encoding="utf-8"?>
 <p:sld xmlns:a="http://schemas.openxmlformats.org/drawingml/2006/main" xmlns:r="http://schemas.openxmlformats.org/officeDocument/2006/relationships" xmlns:p="http://schemas.openxmlformats.org/presentationml/2006/main">
   <p:cSld>
     <p:spTree>
@@ -11218,7 +11862,7 @@
           </a:ln>
           <a:extLst>
             <a:ext uri="{C572A759-6A51-4108-AA02-DFA0A04FC94B}">
-              <ma14:wrappingTextBoxFlag xmlns="" xmlns:ma14="http://schemas.microsoft.com/office/mac/drawingml/2011/main" val="1"/>
+              <ma14:wrappingTextBoxFlag xmlns:ma14="http://schemas.microsoft.com/office/mac/drawingml/2011/main" xmlns="" val="1"/>
             </a:ext>
           </a:extLst>
         </p:spPr>
@@ -11545,7 +12189,7 @@
         </p:blipFill>
         <p:spPr>
           <a:xfrm>
-            <a:off x="7874815" y="1898375"/>
+            <a:off x="7885448" y="2025966"/>
             <a:ext cx="3337026" cy="4279141"/>
           </a:xfrm>
           <a:prstGeom prst="rect">
@@ -11585,7 +12229,7 @@
 </p:sld>
 </file>
 
-<file path=ppt/slides/slide22.xml><?xml version="1.0" encoding="utf-8"?>
+<file path=ppt/slides/slide23.xml><?xml version="1.0" encoding="utf-8"?>
 <p:sld xmlns:a="http://schemas.openxmlformats.org/drawingml/2006/main" xmlns:r="http://schemas.openxmlformats.org/officeDocument/2006/relationships" xmlns:p="http://schemas.openxmlformats.org/presentationml/2006/main">
   <p:cSld>
     <p:spTree>
@@ -11700,7 +12344,7 @@
           </a:ln>
           <a:extLst>
             <a:ext uri="{C572A759-6A51-4108-AA02-DFA0A04FC94B}">
-              <ma14:wrappingTextBoxFlag xmlns="" xmlns:ma14="http://schemas.microsoft.com/office/mac/drawingml/2011/main" val="1"/>
+              <ma14:wrappingTextBoxFlag xmlns:ma14="http://schemas.microsoft.com/office/mac/drawingml/2011/main" xmlns="" val="1"/>
             </a:ext>
           </a:extLst>
         </p:spPr>
@@ -12189,8 +12833,8 @@
         </p:nvSpPr>
         <p:spPr>
           <a:xfrm>
-            <a:off x="5128229" y="4157768"/>
-            <a:ext cx="1940313" cy="646329"/>
+            <a:off x="5287884" y="4154272"/>
+            <a:ext cx="1782934" cy="646329"/>
           </a:xfrm>
           <a:prstGeom prst="rect">
             <a:avLst/>
@@ -12565,7 +13209,7 @@
         <p:spPr>
           <a:xfrm>
             <a:off x="4073348" y="4477437"/>
-            <a:ext cx="1054881" cy="3496"/>
+            <a:ext cx="1214536" cy="0"/>
           </a:xfrm>
           <a:prstGeom prst="straightConnector1">
             <a:avLst/>
@@ -12612,8 +13256,8 @@
         </p:nvCxnSpPr>
         <p:spPr>
           <a:xfrm>
-            <a:off x="7068542" y="4480933"/>
-            <a:ext cx="1216813" cy="0"/>
+            <a:off x="7070818" y="4477437"/>
+            <a:ext cx="1214537" cy="3496"/>
           </a:xfrm>
           <a:prstGeom prst="straightConnector1">
             <a:avLst/>
@@ -12681,7 +13325,7 @@
 </p:sld>
 </file>
 
-<file path=ppt/slides/slide23.xml><?xml version="1.0" encoding="utf-8"?>
+<file path=ppt/slides/slide24.xml><?xml version="1.0" encoding="utf-8"?>
 <p:sld xmlns:a="http://schemas.openxmlformats.org/drawingml/2006/main" xmlns:r="http://schemas.openxmlformats.org/officeDocument/2006/relationships" xmlns:p="http://schemas.openxmlformats.org/presentationml/2006/main">
   <p:cSld>
     <p:spTree>
@@ -12749,7 +13393,23 @@
                   <a:srgbClr val="666666"/>
                 </a:solidFill>
               </a:rPr>
-              <a:t>A injeção de dependência(DI) é um padrão de projeto cujo objetivo é manter um baixo acoplamento entre diferentes módulos de um sistema. Nesta solução as dependências entre os módulos não são definidas programaticamente, mas sim pela configuração de uma infraestrutura de software (container) que é responsável por "injetar" em cada componente suas dependências declaradas</a:t>
+              <a:t>A injeção de dependência(DI) é um padrão de projeto cujo objetivo é manter um baixo acoplamento entre diferentes módulos de um sistema. Nesta solução as dependências entre os módulos não são definidas programaticamente, mas sim pela configuração de uma infraestrutura de software </a:t>
+            </a:r>
+            <a:r>
+              <a:rPr lang="pt-BR" dirty="0" smtClean="0">
+                <a:solidFill>
+                  <a:srgbClr val="666666"/>
+                </a:solidFill>
+              </a:rPr>
+              <a:t>que </a:t>
+            </a:r>
+            <a:r>
+              <a:rPr lang="pt-BR" dirty="0">
+                <a:solidFill>
+                  <a:srgbClr val="666666"/>
+                </a:solidFill>
+              </a:rPr>
+              <a:t>é responsável por "injetar" em cada componente suas dependências declaradas</a:t>
             </a:r>
             <a:r>
               <a:rPr lang="pt-BR" dirty="0" smtClean="0">
@@ -12788,7 +13448,7 @@
           </a:ln>
           <a:extLst>
             <a:ext uri="{C572A759-6A51-4108-AA02-DFA0A04FC94B}">
-              <ma14:wrappingTextBoxFlag xmlns="" xmlns:ma14="http://schemas.microsoft.com/office/mac/drawingml/2011/main" val="1"/>
+              <ma14:wrappingTextBoxFlag xmlns:ma14="http://schemas.microsoft.com/office/mac/drawingml/2011/main" xmlns="" val="1"/>
             </a:ext>
           </a:extLst>
         </p:spPr>
@@ -13087,532 +13747,6 @@
     <p:extLst>
       <p:ext uri="{BB962C8B-B14F-4D97-AF65-F5344CB8AC3E}">
         <p14:creationId xmlns:p14="http://schemas.microsoft.com/office/powerpoint/2010/main" val="440678834"/>
-      </p:ext>
-    </p:extLst>
-  </p:cSld>
-  <p:clrMapOvr>
-    <a:masterClrMapping/>
-  </p:clrMapOvr>
-  <mc:AlternateContent xmlns:mc="http://schemas.openxmlformats.org/markup-compatibility/2006" xmlns:p14="http://schemas.microsoft.com/office/powerpoint/2010/main">
-    <mc:Choice Requires="p14">
-      <p:transition spd="med" p14:dur="700">
-        <p:fade/>
-      </p:transition>
-    </mc:Choice>
-    <mc:Fallback xmlns="">
-      <p:transition spd="med">
-        <p:fade/>
-      </p:transition>
-    </mc:Fallback>
-  </mc:AlternateContent>
-  <p:timing>
-    <p:tnLst>
-      <p:par>
-        <p:cTn id="1" dur="indefinite" restart="never" nodeType="tmRoot"/>
-      </p:par>
-    </p:tnLst>
-  </p:timing>
-</p:sld>
-</file>
-
-<file path=ppt/slides/slide24.xml><?xml version="1.0" encoding="utf-8"?>
-<p:sld xmlns:a="http://schemas.openxmlformats.org/drawingml/2006/main" xmlns:r="http://schemas.openxmlformats.org/officeDocument/2006/relationships" xmlns:p="http://schemas.openxmlformats.org/presentationml/2006/main">
-  <p:cSld>
-    <p:spTree>
-      <p:nvGrpSpPr>
-        <p:cNvPr id="1" name=""/>
-        <p:cNvGrpSpPr/>
-        <p:nvPr/>
-      </p:nvGrpSpPr>
-      <p:grpSpPr>
-        <a:xfrm>
-          <a:off x="0" y="0"/>
-          <a:ext cx="0" cy="0"/>
-          <a:chOff x="0" y="0"/>
-          <a:chExt cx="0" cy="0"/>
-        </a:xfrm>
-      </p:grpSpPr>
-      <p:sp>
-        <p:nvSpPr>
-          <p:cNvPr id="2" name="CaixaDeTexto 1"/>
-          <p:cNvSpPr txBox="1"/>
-          <p:nvPr/>
-        </p:nvSpPr>
-        <p:spPr>
-          <a:xfrm>
-            <a:off x="1782866" y="2334029"/>
-            <a:ext cx="8495653" cy="2723821"/>
-          </a:xfrm>
-          <a:prstGeom prst="rect">
-            <a:avLst/>
-          </a:prstGeom>
-          <a:noFill/>
-          <a:ln w="12700" cap="flat">
-            <a:noFill/>
-            <a:miter lim="400000"/>
-          </a:ln>
-          <a:effectLst/>
-          <a:sp3d/>
-        </p:spPr>
-        <p:style>
-          <a:lnRef idx="0">
-            <a:scrgbClr r="0" g="0" b="0"/>
-          </a:lnRef>
-          <a:fillRef idx="0">
-            <a:scrgbClr r="0" g="0" b="0"/>
-          </a:fillRef>
-          <a:effectRef idx="0">
-            <a:scrgbClr r="0" g="0" b="0"/>
-          </a:effectRef>
-          <a:fontRef idx="none"/>
-        </p:style>
-        <p:txBody>
-          <a:bodyPr rot="0" spcFirstLastPara="1" vertOverflow="overflow" horzOverflow="overflow" vert="horz" wrap="square" lIns="45719" tIns="45719" rIns="45719" bIns="45719" numCol="1" spcCol="38100" rtlCol="0" anchor="t">
-            <a:spAutoFit/>
-          </a:bodyPr>
-          <a:lstStyle/>
-          <a:p>
-            <a:pPr marL="285750" lvl="8" indent="-285750" algn="just">
-              <a:lnSpc>
-                <a:spcPct val="150000"/>
-              </a:lnSpc>
-              <a:buFont typeface="Arial" pitchFamily="34" charset="0"/>
-              <a:buChar char="•"/>
-            </a:pPr>
-            <a:r>
-              <a:rPr lang="pt-BR" dirty="0" smtClean="0">
-                <a:solidFill>
-                  <a:srgbClr val="666666"/>
-                </a:solidFill>
-              </a:rPr>
-              <a:t>Oferece a possibilidade de reusar componentes</a:t>
-            </a:r>
-            <a:r>
-              <a:rPr lang="pt-BR" dirty="0">
-                <a:solidFill>
-                  <a:srgbClr val="666666"/>
-                </a:solidFill>
-              </a:rPr>
-              <a:t>, uma vez que criamos componentes interdependentes, eles podem ser facilmente implementados em sistemas </a:t>
-            </a:r>
-            <a:r>
-              <a:rPr lang="pt-BR" dirty="0" smtClean="0">
-                <a:solidFill>
-                  <a:srgbClr val="666666"/>
-                </a:solidFill>
-              </a:rPr>
-              <a:t>diversos;</a:t>
-            </a:r>
-            <a:endParaRPr lang="pt-BR" dirty="0">
-              <a:solidFill>
-                <a:srgbClr val="666666"/>
-              </a:solidFill>
-            </a:endParaRPr>
-          </a:p>
-          <a:p>
-            <a:pPr marL="285750" lvl="8" indent="-285750" algn="just">
-              <a:buFont typeface="Arial" pitchFamily="34" charset="0"/>
-              <a:buChar char="•"/>
-            </a:pPr>
-            <a:r>
-              <a:rPr lang="pt-BR" dirty="0">
-                <a:solidFill>
-                  <a:srgbClr val="666666"/>
-                </a:solidFill>
-              </a:rPr>
-              <a:t>Facilitar a manutenção de Sistemas, fazendo com que as manutenções em módulos não afetem o restante do </a:t>
-            </a:r>
-            <a:r>
-              <a:rPr lang="pt-BR" dirty="0" smtClean="0">
-                <a:solidFill>
-                  <a:srgbClr val="666666"/>
-                </a:solidFill>
-              </a:rPr>
-              <a:t>sistema;</a:t>
-            </a:r>
-            <a:endParaRPr lang="pt-BR" dirty="0">
-              <a:solidFill>
-                <a:srgbClr val="666666"/>
-              </a:solidFill>
-            </a:endParaRPr>
-          </a:p>
-          <a:p>
-            <a:pPr marL="285750" lvl="8" indent="-285750" algn="just">
-              <a:lnSpc>
-                <a:spcPct val="150000"/>
-              </a:lnSpc>
-              <a:buFont typeface="Arial" pitchFamily="34" charset="0"/>
-              <a:buChar char="•"/>
-            </a:pPr>
-            <a:r>
-              <a:rPr lang="pt-BR" dirty="0">
-                <a:solidFill>
-                  <a:srgbClr val="666666"/>
-                </a:solidFill>
-              </a:rPr>
-              <a:t>Criar códigos altamente “testáveis</a:t>
-            </a:r>
-            <a:r>
-              <a:rPr lang="pt-BR" dirty="0" smtClean="0">
-                <a:solidFill>
-                  <a:srgbClr val="666666"/>
-                </a:solidFill>
-              </a:rPr>
-              <a:t>”.;</a:t>
-            </a:r>
-          </a:p>
-          <a:p>
-            <a:pPr marL="285750" lvl="8" indent="-285750" algn="just">
-              <a:lnSpc>
-                <a:spcPct val="150000"/>
-              </a:lnSpc>
-              <a:buFont typeface="Arial" pitchFamily="34" charset="0"/>
-              <a:buChar char="•"/>
-            </a:pPr>
-            <a:r>
-              <a:rPr lang="pt-BR" dirty="0" smtClean="0">
-                <a:solidFill>
-                  <a:srgbClr val="666666"/>
-                </a:solidFill>
-              </a:rPr>
-              <a:t>Criar </a:t>
-            </a:r>
-            <a:r>
-              <a:rPr lang="pt-BR" dirty="0">
-                <a:solidFill>
-                  <a:srgbClr val="666666"/>
-                </a:solidFill>
-              </a:rPr>
-              <a:t>códigos mais legíveis, o que torna mais fácil a compreensão do sistema como um todo.</a:t>
-            </a:r>
-            <a:endParaRPr lang="pt-BR" dirty="0" smtClean="0">
-              <a:solidFill>
-                <a:srgbClr val="666666"/>
-              </a:solidFill>
-            </a:endParaRPr>
-          </a:p>
-        </p:txBody>
-      </p:sp>
-      <p:sp>
-        <p:nvSpPr>
-          <p:cNvPr id="6" name="Shape 120"/>
-          <p:cNvSpPr txBox="1">
-            <a:spLocks/>
-          </p:cNvSpPr>
-          <p:nvPr/>
-        </p:nvSpPr>
-        <p:spPr>
-          <a:xfrm>
-            <a:off x="1915893" y="755374"/>
-            <a:ext cx="8229600" cy="1143001"/>
-          </a:xfrm>
-          <a:prstGeom prst="rect">
-            <a:avLst/>
-          </a:prstGeom>
-          <a:ln w="12700">
-            <a:miter lim="400000"/>
-          </a:ln>
-          <a:extLst>
-            <a:ext uri="{C572A759-6A51-4108-AA02-DFA0A04FC94B}">
-              <ma14:wrappingTextBoxFlag xmlns="" xmlns:ma14="http://schemas.microsoft.com/office/mac/drawingml/2011/main" val="1"/>
-            </a:ext>
-          </a:extLst>
-        </p:spPr>
-        <p:txBody>
-          <a:bodyPr lIns="45719" rIns="45719" anchor="ctr">
-            <a:normAutofit/>
-          </a:bodyPr>
-          <a:lstStyle>
-            <a:lvl1pPr marL="0" marR="0" indent="0" algn="ctr" defTabSz="914400" rtl="0" latinLnBrk="0">
-              <a:lnSpc>
-                <a:spcPct val="100000"/>
-              </a:lnSpc>
-              <a:spcBef>
-                <a:spcPts val="0"/>
-              </a:spcBef>
-              <a:spcAft>
-                <a:spcPts val="0"/>
-              </a:spcAft>
-              <a:buClrTx/>
-              <a:buSzTx/>
-              <a:buFontTx/>
-              <a:buNone/>
-              <a:tabLst/>
-              <a:defRPr sz="4400" b="0" i="0" u="none" strike="noStrike" cap="none" spc="0" baseline="0">
-                <a:ln>
-                  <a:noFill/>
-                </a:ln>
-                <a:solidFill>
-                  <a:srgbClr val="000000"/>
-                </a:solidFill>
-                <a:uFillTx/>
-                <a:latin typeface="+mn-lt"/>
-                <a:ea typeface="+mn-ea"/>
-                <a:cs typeface="+mn-cs"/>
-                <a:sym typeface="Calibri"/>
-              </a:defRPr>
-            </a:lvl1pPr>
-            <a:lvl2pPr marL="0" marR="0" indent="0" algn="ctr" defTabSz="914400" rtl="0" latinLnBrk="0">
-              <a:lnSpc>
-                <a:spcPct val="100000"/>
-              </a:lnSpc>
-              <a:spcBef>
-                <a:spcPts val="0"/>
-              </a:spcBef>
-              <a:spcAft>
-                <a:spcPts val="0"/>
-              </a:spcAft>
-              <a:buClrTx/>
-              <a:buSzTx/>
-              <a:buFontTx/>
-              <a:buNone/>
-              <a:tabLst/>
-              <a:defRPr sz="4400" b="0" i="0" u="none" strike="noStrike" cap="none" spc="0" baseline="0">
-                <a:ln>
-                  <a:noFill/>
-                </a:ln>
-                <a:solidFill>
-                  <a:srgbClr val="000000"/>
-                </a:solidFill>
-                <a:uFillTx/>
-                <a:latin typeface="+mn-lt"/>
-                <a:ea typeface="+mn-ea"/>
-                <a:cs typeface="+mn-cs"/>
-                <a:sym typeface="Calibri"/>
-              </a:defRPr>
-            </a:lvl2pPr>
-            <a:lvl3pPr marL="0" marR="0" indent="0" algn="ctr" defTabSz="914400" rtl="0" latinLnBrk="0">
-              <a:lnSpc>
-                <a:spcPct val="100000"/>
-              </a:lnSpc>
-              <a:spcBef>
-                <a:spcPts val="0"/>
-              </a:spcBef>
-              <a:spcAft>
-                <a:spcPts val="0"/>
-              </a:spcAft>
-              <a:buClrTx/>
-              <a:buSzTx/>
-              <a:buFontTx/>
-              <a:buNone/>
-              <a:tabLst/>
-              <a:defRPr sz="4400" b="0" i="0" u="none" strike="noStrike" cap="none" spc="0" baseline="0">
-                <a:ln>
-                  <a:noFill/>
-                </a:ln>
-                <a:solidFill>
-                  <a:srgbClr val="000000"/>
-                </a:solidFill>
-                <a:uFillTx/>
-                <a:latin typeface="+mn-lt"/>
-                <a:ea typeface="+mn-ea"/>
-                <a:cs typeface="+mn-cs"/>
-                <a:sym typeface="Calibri"/>
-              </a:defRPr>
-            </a:lvl3pPr>
-            <a:lvl4pPr marL="0" marR="0" indent="0" algn="ctr" defTabSz="914400" rtl="0" latinLnBrk="0">
-              <a:lnSpc>
-                <a:spcPct val="100000"/>
-              </a:lnSpc>
-              <a:spcBef>
-                <a:spcPts val="0"/>
-              </a:spcBef>
-              <a:spcAft>
-                <a:spcPts val="0"/>
-              </a:spcAft>
-              <a:buClrTx/>
-              <a:buSzTx/>
-              <a:buFontTx/>
-              <a:buNone/>
-              <a:tabLst/>
-              <a:defRPr sz="4400" b="0" i="0" u="none" strike="noStrike" cap="none" spc="0" baseline="0">
-                <a:ln>
-                  <a:noFill/>
-                </a:ln>
-                <a:solidFill>
-                  <a:srgbClr val="000000"/>
-                </a:solidFill>
-                <a:uFillTx/>
-                <a:latin typeface="+mn-lt"/>
-                <a:ea typeface="+mn-ea"/>
-                <a:cs typeface="+mn-cs"/>
-                <a:sym typeface="Calibri"/>
-              </a:defRPr>
-            </a:lvl4pPr>
-            <a:lvl5pPr marL="0" marR="0" indent="0" algn="ctr" defTabSz="914400" rtl="0" latinLnBrk="0">
-              <a:lnSpc>
-                <a:spcPct val="100000"/>
-              </a:lnSpc>
-              <a:spcBef>
-                <a:spcPts val="0"/>
-              </a:spcBef>
-              <a:spcAft>
-                <a:spcPts val="0"/>
-              </a:spcAft>
-              <a:buClrTx/>
-              <a:buSzTx/>
-              <a:buFontTx/>
-              <a:buNone/>
-              <a:tabLst/>
-              <a:defRPr sz="4400" b="0" i="0" u="none" strike="noStrike" cap="none" spc="0" baseline="0">
-                <a:ln>
-                  <a:noFill/>
-                </a:ln>
-                <a:solidFill>
-                  <a:srgbClr val="000000"/>
-                </a:solidFill>
-                <a:uFillTx/>
-                <a:latin typeface="+mn-lt"/>
-                <a:ea typeface="+mn-ea"/>
-                <a:cs typeface="+mn-cs"/>
-                <a:sym typeface="Calibri"/>
-              </a:defRPr>
-            </a:lvl5pPr>
-            <a:lvl6pPr marL="0" marR="0" indent="0" algn="ctr" defTabSz="914400" rtl="0" latinLnBrk="0">
-              <a:lnSpc>
-                <a:spcPct val="100000"/>
-              </a:lnSpc>
-              <a:spcBef>
-                <a:spcPts val="0"/>
-              </a:spcBef>
-              <a:spcAft>
-                <a:spcPts val="0"/>
-              </a:spcAft>
-              <a:buClrTx/>
-              <a:buSzTx/>
-              <a:buFontTx/>
-              <a:buNone/>
-              <a:tabLst/>
-              <a:defRPr sz="4400" b="0" i="0" u="none" strike="noStrike" cap="none" spc="0" baseline="0">
-                <a:ln>
-                  <a:noFill/>
-                </a:ln>
-                <a:solidFill>
-                  <a:srgbClr val="000000"/>
-                </a:solidFill>
-                <a:uFillTx/>
-                <a:latin typeface="+mn-lt"/>
-                <a:ea typeface="+mn-ea"/>
-                <a:cs typeface="+mn-cs"/>
-                <a:sym typeface="Calibri"/>
-              </a:defRPr>
-            </a:lvl6pPr>
-            <a:lvl7pPr marL="0" marR="0" indent="0" algn="ctr" defTabSz="914400" rtl="0" latinLnBrk="0">
-              <a:lnSpc>
-                <a:spcPct val="100000"/>
-              </a:lnSpc>
-              <a:spcBef>
-                <a:spcPts val="0"/>
-              </a:spcBef>
-              <a:spcAft>
-                <a:spcPts val="0"/>
-              </a:spcAft>
-              <a:buClrTx/>
-              <a:buSzTx/>
-              <a:buFontTx/>
-              <a:buNone/>
-              <a:tabLst/>
-              <a:defRPr sz="4400" b="0" i="0" u="none" strike="noStrike" cap="none" spc="0" baseline="0">
-                <a:ln>
-                  <a:noFill/>
-                </a:ln>
-                <a:solidFill>
-                  <a:srgbClr val="000000"/>
-                </a:solidFill>
-                <a:uFillTx/>
-                <a:latin typeface="+mn-lt"/>
-                <a:ea typeface="+mn-ea"/>
-                <a:cs typeface="+mn-cs"/>
-                <a:sym typeface="Calibri"/>
-              </a:defRPr>
-            </a:lvl7pPr>
-            <a:lvl8pPr marL="0" marR="0" indent="0" algn="ctr" defTabSz="914400" rtl="0" latinLnBrk="0">
-              <a:lnSpc>
-                <a:spcPct val="100000"/>
-              </a:lnSpc>
-              <a:spcBef>
-                <a:spcPts val="0"/>
-              </a:spcBef>
-              <a:spcAft>
-                <a:spcPts val="0"/>
-              </a:spcAft>
-              <a:buClrTx/>
-              <a:buSzTx/>
-              <a:buFontTx/>
-              <a:buNone/>
-              <a:tabLst/>
-              <a:defRPr sz="4400" b="0" i="0" u="none" strike="noStrike" cap="none" spc="0" baseline="0">
-                <a:ln>
-                  <a:noFill/>
-                </a:ln>
-                <a:solidFill>
-                  <a:srgbClr val="000000"/>
-                </a:solidFill>
-                <a:uFillTx/>
-                <a:latin typeface="+mn-lt"/>
-                <a:ea typeface="+mn-ea"/>
-                <a:cs typeface="+mn-cs"/>
-                <a:sym typeface="Calibri"/>
-              </a:defRPr>
-            </a:lvl8pPr>
-            <a:lvl9pPr marL="0" marR="0" indent="0" algn="ctr" defTabSz="914400" rtl="0" latinLnBrk="0">
-              <a:lnSpc>
-                <a:spcPct val="100000"/>
-              </a:lnSpc>
-              <a:spcBef>
-                <a:spcPts val="0"/>
-              </a:spcBef>
-              <a:spcAft>
-                <a:spcPts val="0"/>
-              </a:spcAft>
-              <a:buClrTx/>
-              <a:buSzTx/>
-              <a:buFontTx/>
-              <a:buNone/>
-              <a:tabLst/>
-              <a:defRPr sz="4400" b="0" i="0" u="none" strike="noStrike" cap="none" spc="0" baseline="0">
-                <a:ln>
-                  <a:noFill/>
-                </a:ln>
-                <a:solidFill>
-                  <a:srgbClr val="000000"/>
-                </a:solidFill>
-                <a:uFillTx/>
-                <a:latin typeface="+mn-lt"/>
-                <a:ea typeface="+mn-ea"/>
-                <a:cs typeface="+mn-cs"/>
-                <a:sym typeface="Calibri"/>
-              </a:defRPr>
-            </a:lvl9pPr>
-          </a:lstStyle>
-          <a:p>
-            <a:pPr hangingPunct="1">
-              <a:defRPr sz="2800" b="1">
-                <a:solidFill>
-                  <a:srgbClr val="11A79D"/>
-                </a:solidFill>
-              </a:defRPr>
-            </a:pPr>
-            <a:r>
-              <a:rPr lang="pt-BR" sz="5400" b="1" dirty="0" smtClean="0">
-                <a:solidFill>
-                  <a:srgbClr val="11A79D"/>
-                </a:solidFill>
-              </a:rPr>
-              <a:t>Vantagens</a:t>
-            </a:r>
-            <a:endParaRPr lang="pt-BR" sz="5400" b="1" dirty="0">
-              <a:solidFill>
-                <a:schemeClr val="tx2"/>
-              </a:solidFill>
-            </a:endParaRPr>
-          </a:p>
-        </p:txBody>
-      </p:sp>
-    </p:spTree>
-    <p:extLst>
-      <p:ext uri="{BB962C8B-B14F-4D97-AF65-F5344CB8AC3E}">
-        <p14:creationId xmlns:p14="http://schemas.microsoft.com/office/powerpoint/2010/main" val="1234874507"/>
       </p:ext>
     </p:extLst>
   </p:cSld>
@@ -13660,330 +13794,14 @@
       </p:grpSpPr>
       <p:sp>
         <p:nvSpPr>
-          <p:cNvPr id="6" name="Shape 120"/>
-          <p:cNvSpPr txBox="1">
-            <a:spLocks/>
-          </p:cNvSpPr>
-          <p:nvPr/>
-        </p:nvSpPr>
-        <p:spPr>
-          <a:xfrm>
-            <a:off x="1915893" y="755374"/>
-            <a:ext cx="8229600" cy="1143001"/>
-          </a:xfrm>
-          <a:prstGeom prst="rect">
-            <a:avLst/>
-          </a:prstGeom>
-          <a:ln w="12700">
-            <a:miter lim="400000"/>
-          </a:ln>
-          <a:extLst>
-            <a:ext uri="{C572A759-6A51-4108-AA02-DFA0A04FC94B}">
-              <ma14:wrappingTextBoxFlag xmlns="" xmlns:ma14="http://schemas.microsoft.com/office/mac/drawingml/2011/main" val="1"/>
-            </a:ext>
-          </a:extLst>
-        </p:spPr>
-        <p:txBody>
-          <a:bodyPr lIns="45719" rIns="45719" anchor="ctr">
-            <a:normAutofit/>
-          </a:bodyPr>
-          <a:lstStyle>
-            <a:lvl1pPr marL="0" marR="0" indent="0" algn="ctr" defTabSz="914400" rtl="0" latinLnBrk="0">
-              <a:lnSpc>
-                <a:spcPct val="100000"/>
-              </a:lnSpc>
-              <a:spcBef>
-                <a:spcPts val="0"/>
-              </a:spcBef>
-              <a:spcAft>
-                <a:spcPts val="0"/>
-              </a:spcAft>
-              <a:buClrTx/>
-              <a:buSzTx/>
-              <a:buFontTx/>
-              <a:buNone/>
-              <a:tabLst/>
-              <a:defRPr sz="4400" b="0" i="0" u="none" strike="noStrike" cap="none" spc="0" baseline="0">
-                <a:ln>
-                  <a:noFill/>
-                </a:ln>
-                <a:solidFill>
-                  <a:srgbClr val="000000"/>
-                </a:solidFill>
-                <a:uFillTx/>
-                <a:latin typeface="+mn-lt"/>
-                <a:ea typeface="+mn-ea"/>
-                <a:cs typeface="+mn-cs"/>
-                <a:sym typeface="Calibri"/>
-              </a:defRPr>
-            </a:lvl1pPr>
-            <a:lvl2pPr marL="0" marR="0" indent="0" algn="ctr" defTabSz="914400" rtl="0" latinLnBrk="0">
-              <a:lnSpc>
-                <a:spcPct val="100000"/>
-              </a:lnSpc>
-              <a:spcBef>
-                <a:spcPts val="0"/>
-              </a:spcBef>
-              <a:spcAft>
-                <a:spcPts val="0"/>
-              </a:spcAft>
-              <a:buClrTx/>
-              <a:buSzTx/>
-              <a:buFontTx/>
-              <a:buNone/>
-              <a:tabLst/>
-              <a:defRPr sz="4400" b="0" i="0" u="none" strike="noStrike" cap="none" spc="0" baseline="0">
-                <a:ln>
-                  <a:noFill/>
-                </a:ln>
-                <a:solidFill>
-                  <a:srgbClr val="000000"/>
-                </a:solidFill>
-                <a:uFillTx/>
-                <a:latin typeface="+mn-lt"/>
-                <a:ea typeface="+mn-ea"/>
-                <a:cs typeface="+mn-cs"/>
-                <a:sym typeface="Calibri"/>
-              </a:defRPr>
-            </a:lvl2pPr>
-            <a:lvl3pPr marL="0" marR="0" indent="0" algn="ctr" defTabSz="914400" rtl="0" latinLnBrk="0">
-              <a:lnSpc>
-                <a:spcPct val="100000"/>
-              </a:lnSpc>
-              <a:spcBef>
-                <a:spcPts val="0"/>
-              </a:spcBef>
-              <a:spcAft>
-                <a:spcPts val="0"/>
-              </a:spcAft>
-              <a:buClrTx/>
-              <a:buSzTx/>
-              <a:buFontTx/>
-              <a:buNone/>
-              <a:tabLst/>
-              <a:defRPr sz="4400" b="0" i="0" u="none" strike="noStrike" cap="none" spc="0" baseline="0">
-                <a:ln>
-                  <a:noFill/>
-                </a:ln>
-                <a:solidFill>
-                  <a:srgbClr val="000000"/>
-                </a:solidFill>
-                <a:uFillTx/>
-                <a:latin typeface="+mn-lt"/>
-                <a:ea typeface="+mn-ea"/>
-                <a:cs typeface="+mn-cs"/>
-                <a:sym typeface="Calibri"/>
-              </a:defRPr>
-            </a:lvl3pPr>
-            <a:lvl4pPr marL="0" marR="0" indent="0" algn="ctr" defTabSz="914400" rtl="0" latinLnBrk="0">
-              <a:lnSpc>
-                <a:spcPct val="100000"/>
-              </a:lnSpc>
-              <a:spcBef>
-                <a:spcPts val="0"/>
-              </a:spcBef>
-              <a:spcAft>
-                <a:spcPts val="0"/>
-              </a:spcAft>
-              <a:buClrTx/>
-              <a:buSzTx/>
-              <a:buFontTx/>
-              <a:buNone/>
-              <a:tabLst/>
-              <a:defRPr sz="4400" b="0" i="0" u="none" strike="noStrike" cap="none" spc="0" baseline="0">
-                <a:ln>
-                  <a:noFill/>
-                </a:ln>
-                <a:solidFill>
-                  <a:srgbClr val="000000"/>
-                </a:solidFill>
-                <a:uFillTx/>
-                <a:latin typeface="+mn-lt"/>
-                <a:ea typeface="+mn-ea"/>
-                <a:cs typeface="+mn-cs"/>
-                <a:sym typeface="Calibri"/>
-              </a:defRPr>
-            </a:lvl4pPr>
-            <a:lvl5pPr marL="0" marR="0" indent="0" algn="ctr" defTabSz="914400" rtl="0" latinLnBrk="0">
-              <a:lnSpc>
-                <a:spcPct val="100000"/>
-              </a:lnSpc>
-              <a:spcBef>
-                <a:spcPts val="0"/>
-              </a:spcBef>
-              <a:spcAft>
-                <a:spcPts val="0"/>
-              </a:spcAft>
-              <a:buClrTx/>
-              <a:buSzTx/>
-              <a:buFontTx/>
-              <a:buNone/>
-              <a:tabLst/>
-              <a:defRPr sz="4400" b="0" i="0" u="none" strike="noStrike" cap="none" spc="0" baseline="0">
-                <a:ln>
-                  <a:noFill/>
-                </a:ln>
-                <a:solidFill>
-                  <a:srgbClr val="000000"/>
-                </a:solidFill>
-                <a:uFillTx/>
-                <a:latin typeface="+mn-lt"/>
-                <a:ea typeface="+mn-ea"/>
-                <a:cs typeface="+mn-cs"/>
-                <a:sym typeface="Calibri"/>
-              </a:defRPr>
-            </a:lvl5pPr>
-            <a:lvl6pPr marL="0" marR="0" indent="0" algn="ctr" defTabSz="914400" rtl="0" latinLnBrk="0">
-              <a:lnSpc>
-                <a:spcPct val="100000"/>
-              </a:lnSpc>
-              <a:spcBef>
-                <a:spcPts val="0"/>
-              </a:spcBef>
-              <a:spcAft>
-                <a:spcPts val="0"/>
-              </a:spcAft>
-              <a:buClrTx/>
-              <a:buSzTx/>
-              <a:buFontTx/>
-              <a:buNone/>
-              <a:tabLst/>
-              <a:defRPr sz="4400" b="0" i="0" u="none" strike="noStrike" cap="none" spc="0" baseline="0">
-                <a:ln>
-                  <a:noFill/>
-                </a:ln>
-                <a:solidFill>
-                  <a:srgbClr val="000000"/>
-                </a:solidFill>
-                <a:uFillTx/>
-                <a:latin typeface="+mn-lt"/>
-                <a:ea typeface="+mn-ea"/>
-                <a:cs typeface="+mn-cs"/>
-                <a:sym typeface="Calibri"/>
-              </a:defRPr>
-            </a:lvl6pPr>
-            <a:lvl7pPr marL="0" marR="0" indent="0" algn="ctr" defTabSz="914400" rtl="0" latinLnBrk="0">
-              <a:lnSpc>
-                <a:spcPct val="100000"/>
-              </a:lnSpc>
-              <a:spcBef>
-                <a:spcPts val="0"/>
-              </a:spcBef>
-              <a:spcAft>
-                <a:spcPts val="0"/>
-              </a:spcAft>
-              <a:buClrTx/>
-              <a:buSzTx/>
-              <a:buFontTx/>
-              <a:buNone/>
-              <a:tabLst/>
-              <a:defRPr sz="4400" b="0" i="0" u="none" strike="noStrike" cap="none" spc="0" baseline="0">
-                <a:ln>
-                  <a:noFill/>
-                </a:ln>
-                <a:solidFill>
-                  <a:srgbClr val="000000"/>
-                </a:solidFill>
-                <a:uFillTx/>
-                <a:latin typeface="+mn-lt"/>
-                <a:ea typeface="+mn-ea"/>
-                <a:cs typeface="+mn-cs"/>
-                <a:sym typeface="Calibri"/>
-              </a:defRPr>
-            </a:lvl7pPr>
-            <a:lvl8pPr marL="0" marR="0" indent="0" algn="ctr" defTabSz="914400" rtl="0" latinLnBrk="0">
-              <a:lnSpc>
-                <a:spcPct val="100000"/>
-              </a:lnSpc>
-              <a:spcBef>
-                <a:spcPts val="0"/>
-              </a:spcBef>
-              <a:spcAft>
-                <a:spcPts val="0"/>
-              </a:spcAft>
-              <a:buClrTx/>
-              <a:buSzTx/>
-              <a:buFontTx/>
-              <a:buNone/>
-              <a:tabLst/>
-              <a:defRPr sz="4400" b="0" i="0" u="none" strike="noStrike" cap="none" spc="0" baseline="0">
-                <a:ln>
-                  <a:noFill/>
-                </a:ln>
-                <a:solidFill>
-                  <a:srgbClr val="000000"/>
-                </a:solidFill>
-                <a:uFillTx/>
-                <a:latin typeface="+mn-lt"/>
-                <a:ea typeface="+mn-ea"/>
-                <a:cs typeface="+mn-cs"/>
-                <a:sym typeface="Calibri"/>
-              </a:defRPr>
-            </a:lvl8pPr>
-            <a:lvl9pPr marL="0" marR="0" indent="0" algn="ctr" defTabSz="914400" rtl="0" latinLnBrk="0">
-              <a:lnSpc>
-                <a:spcPct val="100000"/>
-              </a:lnSpc>
-              <a:spcBef>
-                <a:spcPts val="0"/>
-              </a:spcBef>
-              <a:spcAft>
-                <a:spcPts val="0"/>
-              </a:spcAft>
-              <a:buClrTx/>
-              <a:buSzTx/>
-              <a:buFontTx/>
-              <a:buNone/>
-              <a:tabLst/>
-              <a:defRPr sz="4400" b="0" i="0" u="none" strike="noStrike" cap="none" spc="0" baseline="0">
-                <a:ln>
-                  <a:noFill/>
-                </a:ln>
-                <a:solidFill>
-                  <a:srgbClr val="000000"/>
-                </a:solidFill>
-                <a:uFillTx/>
-                <a:latin typeface="+mn-lt"/>
-                <a:ea typeface="+mn-ea"/>
-                <a:cs typeface="+mn-cs"/>
-                <a:sym typeface="Calibri"/>
-              </a:defRPr>
-            </a:lvl9pPr>
-          </a:lstStyle>
-          <a:p>
-            <a:pPr hangingPunct="1">
-              <a:defRPr sz="2800" b="1">
-                <a:solidFill>
-                  <a:srgbClr val="11A79D"/>
-                </a:solidFill>
-              </a:defRPr>
-            </a:pPr>
-            <a:r>
-              <a:rPr lang="pt-BR" sz="5400" b="1" dirty="0" smtClean="0">
-                <a:solidFill>
-                  <a:srgbClr val="11A79D"/>
-                </a:solidFill>
-              </a:rPr>
-              <a:t>Implementação</a:t>
-            </a:r>
-            <a:endParaRPr lang="pt-BR" sz="5400" b="1" dirty="0">
-              <a:solidFill>
-                <a:schemeClr val="tx2"/>
-              </a:solidFill>
-            </a:endParaRPr>
-          </a:p>
-        </p:txBody>
-      </p:sp>
-      <p:sp>
-        <p:nvSpPr>
-          <p:cNvPr id="5" name="CaixaDeTexto 4"/>
+          <p:cNvPr id="2" name="CaixaDeTexto 1"/>
           <p:cNvSpPr txBox="1"/>
           <p:nvPr/>
         </p:nvSpPr>
         <p:spPr>
           <a:xfrm>
-            <a:off x="1496663" y="2212488"/>
-            <a:ext cx="9068059" cy="3416318"/>
+            <a:off x="1782866" y="2334029"/>
+            <a:ext cx="8495653" cy="2585321"/>
           </a:xfrm>
           <a:prstGeom prst="rect">
             <a:avLst/>
@@ -14022,28 +13840,20 @@
               <a:buChar char="•"/>
             </a:pPr>
             <a:r>
-              <a:rPr lang="pt-BR" b="1" dirty="0" smtClean="0">
-                <a:solidFill>
-                  <a:srgbClr val="666666"/>
-                </a:solidFill>
-              </a:rPr>
-              <a:t>Construtor</a:t>
-            </a:r>
-            <a:r>
               <a:rPr lang="pt-BR" dirty="0" smtClean="0">
                 <a:solidFill>
                   <a:srgbClr val="666666"/>
                 </a:solidFill>
               </a:rPr>
-              <a:t>: Modo </a:t>
-            </a:r>
-            <a:r>
-              <a:rPr lang="pt-BR" dirty="0">
-                <a:solidFill>
-                  <a:srgbClr val="666666"/>
-                </a:solidFill>
-              </a:rPr>
-              <a:t>em que implementamos a injeção de dependência na definição dos construtores das classes;</a:t>
+              <a:t>Oferece a possibilidade de reusar </a:t>
+            </a:r>
+            <a:r>
+              <a:rPr lang="pt-BR" dirty="0" smtClean="0">
+                <a:solidFill>
+                  <a:srgbClr val="666666"/>
+                </a:solidFill>
+              </a:rPr>
+              <a:t>componentes;</a:t>
             </a:r>
           </a:p>
           <a:p>
@@ -14055,52 +13865,12 @@
               <a:buChar char="•"/>
             </a:pPr>
             <a:r>
-              <a:rPr lang="pt-BR" b="1" dirty="0" err="1">
-                <a:solidFill>
-                  <a:srgbClr val="666666"/>
-                </a:solidFill>
-              </a:rPr>
-              <a:t>Getter</a:t>
-            </a:r>
-            <a:r>
-              <a:rPr lang="pt-BR" b="1" dirty="0">
-                <a:solidFill>
-                  <a:srgbClr val="666666"/>
-                </a:solidFill>
-              </a:rPr>
-              <a:t> </a:t>
-            </a:r>
-            <a:r>
-              <a:rPr lang="pt-BR" b="1" dirty="0" err="1">
-                <a:solidFill>
-                  <a:srgbClr val="666666"/>
-                </a:solidFill>
-              </a:rPr>
-              <a:t>and</a:t>
-            </a:r>
-            <a:r>
-              <a:rPr lang="pt-BR" b="1" dirty="0">
-                <a:solidFill>
-                  <a:srgbClr val="666666"/>
-                </a:solidFill>
-              </a:rPr>
-              <a:t> </a:t>
-            </a:r>
-            <a:r>
-              <a:rPr lang="pt-BR" b="1" dirty="0" err="1" smtClean="0">
-                <a:solidFill>
-                  <a:srgbClr val="666666"/>
-                </a:solidFill>
-              </a:rPr>
-              <a:t>Setter</a:t>
-            </a:r>
-            <a:r>
               <a:rPr lang="pt-BR" dirty="0" smtClean="0">
                 <a:solidFill>
                   <a:srgbClr val="666666"/>
                 </a:solidFill>
               </a:rPr>
-              <a:t>:  </a:t>
+              <a:t>Facilitar </a:t>
             </a:r>
             <a:r>
               <a:rPr lang="pt-BR" dirty="0">
@@ -14108,24 +13878,21 @@
                   <a:srgbClr val="666666"/>
                 </a:solidFill>
               </a:rPr>
-              <a:t>Modo em que implementamos a injeção de dependência na definição dos </a:t>
-            </a:r>
-            <a:r>
-              <a:rPr lang="pt-BR" dirty="0" err="1">
-                <a:solidFill>
-                  <a:srgbClr val="666666"/>
-                </a:solidFill>
-              </a:rPr>
-              <a:t>Gets</a:t>
-            </a:r>
-            <a:r>
-              <a:rPr lang="pt-BR" dirty="0">
-                <a:solidFill>
-                  <a:srgbClr val="666666"/>
-                </a:solidFill>
-              </a:rPr>
-              <a:t> e Sets das classes;</a:t>
-            </a:r>
+              <a:t>a manutenção de Sistemas, fazendo com que as manutenções em módulos não afetem o restante do </a:t>
+            </a:r>
+            <a:r>
+              <a:rPr lang="pt-BR" dirty="0" smtClean="0">
+                <a:solidFill>
+                  <a:srgbClr val="666666"/>
+                </a:solidFill>
+              </a:rPr>
+              <a:t>sistema;</a:t>
+            </a:r>
+            <a:endParaRPr lang="pt-BR" dirty="0">
+              <a:solidFill>
+                <a:srgbClr val="666666"/>
+              </a:solidFill>
+            </a:endParaRPr>
           </a:p>
           <a:p>
             <a:pPr marL="285750" lvl="8" indent="-285750" algn="just">
@@ -14136,20 +13903,12 @@
               <a:buChar char="•"/>
             </a:pPr>
             <a:r>
-              <a:rPr lang="pt-BR" b="1" dirty="0">
-                <a:solidFill>
-                  <a:srgbClr val="666666"/>
-                </a:solidFill>
-              </a:rPr>
-              <a:t>Interface </a:t>
-            </a:r>
-            <a:r>
-              <a:rPr lang="pt-BR" b="1" dirty="0" err="1" smtClean="0">
-                <a:solidFill>
-                  <a:srgbClr val="666666"/>
-                </a:solidFill>
-              </a:rPr>
-              <a:t>Implementation</a:t>
+              <a:rPr lang="pt-BR" dirty="0">
+                <a:solidFill>
+                  <a:srgbClr val="666666"/>
+                </a:solidFill>
+              </a:rPr>
+              <a:t>Criar códigos altamente “testáveis</a:t>
             </a:r>
             <a:r>
               <a:rPr lang="pt-BR" dirty="0" smtClean="0">
@@ -14157,16 +13916,13 @@
                   <a:srgbClr val="666666"/>
                 </a:solidFill>
               </a:rPr>
-              <a:t>: Modo </a:t>
-            </a:r>
-            <a:r>
-              <a:rPr lang="pt-BR" dirty="0">
-                <a:solidFill>
-                  <a:srgbClr val="666666"/>
-                </a:solidFill>
-              </a:rPr>
-              <a:t>em que se usa a definição de Interfaces para realizar a injeção de dependência;</a:t>
-            </a:r>
+              <a:t>”;</a:t>
+            </a:r>
+            <a:endParaRPr lang="pt-BR" dirty="0" smtClean="0">
+              <a:solidFill>
+                <a:srgbClr val="666666"/>
+              </a:solidFill>
+            </a:endParaRPr>
           </a:p>
           <a:p>
             <a:pPr marL="285750" lvl="8" indent="-285750" algn="just">
@@ -14177,36 +13933,12 @@
               <a:buChar char="•"/>
             </a:pPr>
             <a:r>
-              <a:rPr lang="pt-BR" b="1" dirty="0">
-                <a:solidFill>
-                  <a:srgbClr val="666666"/>
-                </a:solidFill>
-              </a:rPr>
-              <a:t>Service </a:t>
-            </a:r>
-            <a:r>
-              <a:rPr lang="pt-BR" b="1" dirty="0" err="1" smtClean="0">
-                <a:solidFill>
-                  <a:srgbClr val="666666"/>
-                </a:solidFill>
-              </a:rPr>
-              <a:t>Locator</a:t>
-            </a:r>
-            <a:r>
-              <a:rPr lang="pt-BR" b="1" dirty="0" smtClean="0">
-                <a:solidFill>
-                  <a:srgbClr val="666666"/>
-                </a:solidFill>
-              </a:rPr>
-              <a:t>: </a:t>
-            </a:r>
-            <a:r>
               <a:rPr lang="pt-BR" dirty="0" smtClean="0">
                 <a:solidFill>
                   <a:srgbClr val="666666"/>
                 </a:solidFill>
               </a:rPr>
-              <a:t>Modo </a:t>
+              <a:t>Criar </a:t>
             </a:r>
             <a:r>
               <a:rPr lang="pt-BR" dirty="0">
@@ -14214,7 +13946,7 @@
                   <a:srgbClr val="666666"/>
                 </a:solidFill>
               </a:rPr>
-              <a:t>em que construímos classes que servem como “localizadoras” de objetos que iremos instanciar em nossas outras classes.</a:t>
+              <a:t>códigos mais legíveis, o que torna mais fácil a compreensão do sistema como um todo.</a:t>
             </a:r>
             <a:endParaRPr lang="pt-BR" dirty="0" smtClean="0">
               <a:solidFill>
@@ -14224,10 +13956,326 @@
           </a:p>
         </p:txBody>
       </p:sp>
+      <p:sp>
+        <p:nvSpPr>
+          <p:cNvPr id="6" name="Shape 120"/>
+          <p:cNvSpPr txBox="1">
+            <a:spLocks/>
+          </p:cNvSpPr>
+          <p:nvPr/>
+        </p:nvSpPr>
+        <p:spPr>
+          <a:xfrm>
+            <a:off x="1915893" y="755374"/>
+            <a:ext cx="8229600" cy="1143001"/>
+          </a:xfrm>
+          <a:prstGeom prst="rect">
+            <a:avLst/>
+          </a:prstGeom>
+          <a:ln w="12700">
+            <a:miter lim="400000"/>
+          </a:ln>
+          <a:extLst>
+            <a:ext uri="{C572A759-6A51-4108-AA02-DFA0A04FC94B}">
+              <ma14:wrappingTextBoxFlag xmlns:ma14="http://schemas.microsoft.com/office/mac/drawingml/2011/main" xmlns="" val="1"/>
+            </a:ext>
+          </a:extLst>
+        </p:spPr>
+        <p:txBody>
+          <a:bodyPr lIns="45719" rIns="45719" anchor="ctr">
+            <a:normAutofit/>
+          </a:bodyPr>
+          <a:lstStyle>
+            <a:lvl1pPr marL="0" marR="0" indent="0" algn="ctr" defTabSz="914400" rtl="0" latinLnBrk="0">
+              <a:lnSpc>
+                <a:spcPct val="100000"/>
+              </a:lnSpc>
+              <a:spcBef>
+                <a:spcPts val="0"/>
+              </a:spcBef>
+              <a:spcAft>
+                <a:spcPts val="0"/>
+              </a:spcAft>
+              <a:buClrTx/>
+              <a:buSzTx/>
+              <a:buFontTx/>
+              <a:buNone/>
+              <a:tabLst/>
+              <a:defRPr sz="4400" b="0" i="0" u="none" strike="noStrike" cap="none" spc="0" baseline="0">
+                <a:ln>
+                  <a:noFill/>
+                </a:ln>
+                <a:solidFill>
+                  <a:srgbClr val="000000"/>
+                </a:solidFill>
+                <a:uFillTx/>
+                <a:latin typeface="+mn-lt"/>
+                <a:ea typeface="+mn-ea"/>
+                <a:cs typeface="+mn-cs"/>
+                <a:sym typeface="Calibri"/>
+              </a:defRPr>
+            </a:lvl1pPr>
+            <a:lvl2pPr marL="0" marR="0" indent="0" algn="ctr" defTabSz="914400" rtl="0" latinLnBrk="0">
+              <a:lnSpc>
+                <a:spcPct val="100000"/>
+              </a:lnSpc>
+              <a:spcBef>
+                <a:spcPts val="0"/>
+              </a:spcBef>
+              <a:spcAft>
+                <a:spcPts val="0"/>
+              </a:spcAft>
+              <a:buClrTx/>
+              <a:buSzTx/>
+              <a:buFontTx/>
+              <a:buNone/>
+              <a:tabLst/>
+              <a:defRPr sz="4400" b="0" i="0" u="none" strike="noStrike" cap="none" spc="0" baseline="0">
+                <a:ln>
+                  <a:noFill/>
+                </a:ln>
+                <a:solidFill>
+                  <a:srgbClr val="000000"/>
+                </a:solidFill>
+                <a:uFillTx/>
+                <a:latin typeface="+mn-lt"/>
+                <a:ea typeface="+mn-ea"/>
+                <a:cs typeface="+mn-cs"/>
+                <a:sym typeface="Calibri"/>
+              </a:defRPr>
+            </a:lvl2pPr>
+            <a:lvl3pPr marL="0" marR="0" indent="0" algn="ctr" defTabSz="914400" rtl="0" latinLnBrk="0">
+              <a:lnSpc>
+                <a:spcPct val="100000"/>
+              </a:lnSpc>
+              <a:spcBef>
+                <a:spcPts val="0"/>
+              </a:spcBef>
+              <a:spcAft>
+                <a:spcPts val="0"/>
+              </a:spcAft>
+              <a:buClrTx/>
+              <a:buSzTx/>
+              <a:buFontTx/>
+              <a:buNone/>
+              <a:tabLst/>
+              <a:defRPr sz="4400" b="0" i="0" u="none" strike="noStrike" cap="none" spc="0" baseline="0">
+                <a:ln>
+                  <a:noFill/>
+                </a:ln>
+                <a:solidFill>
+                  <a:srgbClr val="000000"/>
+                </a:solidFill>
+                <a:uFillTx/>
+                <a:latin typeface="+mn-lt"/>
+                <a:ea typeface="+mn-ea"/>
+                <a:cs typeface="+mn-cs"/>
+                <a:sym typeface="Calibri"/>
+              </a:defRPr>
+            </a:lvl3pPr>
+            <a:lvl4pPr marL="0" marR="0" indent="0" algn="ctr" defTabSz="914400" rtl="0" latinLnBrk="0">
+              <a:lnSpc>
+                <a:spcPct val="100000"/>
+              </a:lnSpc>
+              <a:spcBef>
+                <a:spcPts val="0"/>
+              </a:spcBef>
+              <a:spcAft>
+                <a:spcPts val="0"/>
+              </a:spcAft>
+              <a:buClrTx/>
+              <a:buSzTx/>
+              <a:buFontTx/>
+              <a:buNone/>
+              <a:tabLst/>
+              <a:defRPr sz="4400" b="0" i="0" u="none" strike="noStrike" cap="none" spc="0" baseline="0">
+                <a:ln>
+                  <a:noFill/>
+                </a:ln>
+                <a:solidFill>
+                  <a:srgbClr val="000000"/>
+                </a:solidFill>
+                <a:uFillTx/>
+                <a:latin typeface="+mn-lt"/>
+                <a:ea typeface="+mn-ea"/>
+                <a:cs typeface="+mn-cs"/>
+                <a:sym typeface="Calibri"/>
+              </a:defRPr>
+            </a:lvl4pPr>
+            <a:lvl5pPr marL="0" marR="0" indent="0" algn="ctr" defTabSz="914400" rtl="0" latinLnBrk="0">
+              <a:lnSpc>
+                <a:spcPct val="100000"/>
+              </a:lnSpc>
+              <a:spcBef>
+                <a:spcPts val="0"/>
+              </a:spcBef>
+              <a:spcAft>
+                <a:spcPts val="0"/>
+              </a:spcAft>
+              <a:buClrTx/>
+              <a:buSzTx/>
+              <a:buFontTx/>
+              <a:buNone/>
+              <a:tabLst/>
+              <a:defRPr sz="4400" b="0" i="0" u="none" strike="noStrike" cap="none" spc="0" baseline="0">
+                <a:ln>
+                  <a:noFill/>
+                </a:ln>
+                <a:solidFill>
+                  <a:srgbClr val="000000"/>
+                </a:solidFill>
+                <a:uFillTx/>
+                <a:latin typeface="+mn-lt"/>
+                <a:ea typeface="+mn-ea"/>
+                <a:cs typeface="+mn-cs"/>
+                <a:sym typeface="Calibri"/>
+              </a:defRPr>
+            </a:lvl5pPr>
+            <a:lvl6pPr marL="0" marR="0" indent="0" algn="ctr" defTabSz="914400" rtl="0" latinLnBrk="0">
+              <a:lnSpc>
+                <a:spcPct val="100000"/>
+              </a:lnSpc>
+              <a:spcBef>
+                <a:spcPts val="0"/>
+              </a:spcBef>
+              <a:spcAft>
+                <a:spcPts val="0"/>
+              </a:spcAft>
+              <a:buClrTx/>
+              <a:buSzTx/>
+              <a:buFontTx/>
+              <a:buNone/>
+              <a:tabLst/>
+              <a:defRPr sz="4400" b="0" i="0" u="none" strike="noStrike" cap="none" spc="0" baseline="0">
+                <a:ln>
+                  <a:noFill/>
+                </a:ln>
+                <a:solidFill>
+                  <a:srgbClr val="000000"/>
+                </a:solidFill>
+                <a:uFillTx/>
+                <a:latin typeface="+mn-lt"/>
+                <a:ea typeface="+mn-ea"/>
+                <a:cs typeface="+mn-cs"/>
+                <a:sym typeface="Calibri"/>
+              </a:defRPr>
+            </a:lvl6pPr>
+            <a:lvl7pPr marL="0" marR="0" indent="0" algn="ctr" defTabSz="914400" rtl="0" latinLnBrk="0">
+              <a:lnSpc>
+                <a:spcPct val="100000"/>
+              </a:lnSpc>
+              <a:spcBef>
+                <a:spcPts val="0"/>
+              </a:spcBef>
+              <a:spcAft>
+                <a:spcPts val="0"/>
+              </a:spcAft>
+              <a:buClrTx/>
+              <a:buSzTx/>
+              <a:buFontTx/>
+              <a:buNone/>
+              <a:tabLst/>
+              <a:defRPr sz="4400" b="0" i="0" u="none" strike="noStrike" cap="none" spc="0" baseline="0">
+                <a:ln>
+                  <a:noFill/>
+                </a:ln>
+                <a:solidFill>
+                  <a:srgbClr val="000000"/>
+                </a:solidFill>
+                <a:uFillTx/>
+                <a:latin typeface="+mn-lt"/>
+                <a:ea typeface="+mn-ea"/>
+                <a:cs typeface="+mn-cs"/>
+                <a:sym typeface="Calibri"/>
+              </a:defRPr>
+            </a:lvl7pPr>
+            <a:lvl8pPr marL="0" marR="0" indent="0" algn="ctr" defTabSz="914400" rtl="0" latinLnBrk="0">
+              <a:lnSpc>
+                <a:spcPct val="100000"/>
+              </a:lnSpc>
+              <a:spcBef>
+                <a:spcPts val="0"/>
+              </a:spcBef>
+              <a:spcAft>
+                <a:spcPts val="0"/>
+              </a:spcAft>
+              <a:buClrTx/>
+              <a:buSzTx/>
+              <a:buFontTx/>
+              <a:buNone/>
+              <a:tabLst/>
+              <a:defRPr sz="4400" b="0" i="0" u="none" strike="noStrike" cap="none" spc="0" baseline="0">
+                <a:ln>
+                  <a:noFill/>
+                </a:ln>
+                <a:solidFill>
+                  <a:srgbClr val="000000"/>
+                </a:solidFill>
+                <a:uFillTx/>
+                <a:latin typeface="+mn-lt"/>
+                <a:ea typeface="+mn-ea"/>
+                <a:cs typeface="+mn-cs"/>
+                <a:sym typeface="Calibri"/>
+              </a:defRPr>
+            </a:lvl8pPr>
+            <a:lvl9pPr marL="0" marR="0" indent="0" algn="ctr" defTabSz="914400" rtl="0" latinLnBrk="0">
+              <a:lnSpc>
+                <a:spcPct val="100000"/>
+              </a:lnSpc>
+              <a:spcBef>
+                <a:spcPts val="0"/>
+              </a:spcBef>
+              <a:spcAft>
+                <a:spcPts val="0"/>
+              </a:spcAft>
+              <a:buClrTx/>
+              <a:buSzTx/>
+              <a:buFontTx/>
+              <a:buNone/>
+              <a:tabLst/>
+              <a:defRPr sz="4400" b="0" i="0" u="none" strike="noStrike" cap="none" spc="0" baseline="0">
+                <a:ln>
+                  <a:noFill/>
+                </a:ln>
+                <a:solidFill>
+                  <a:srgbClr val="000000"/>
+                </a:solidFill>
+                <a:uFillTx/>
+                <a:latin typeface="+mn-lt"/>
+                <a:ea typeface="+mn-ea"/>
+                <a:cs typeface="+mn-cs"/>
+                <a:sym typeface="Calibri"/>
+              </a:defRPr>
+            </a:lvl9pPr>
+          </a:lstStyle>
+          <a:p>
+            <a:pPr hangingPunct="1">
+              <a:defRPr sz="2800" b="1">
+                <a:solidFill>
+                  <a:srgbClr val="11A79D"/>
+                </a:solidFill>
+              </a:defRPr>
+            </a:pPr>
+            <a:r>
+              <a:rPr lang="pt-BR" sz="5400" b="1" dirty="0" smtClean="0">
+                <a:solidFill>
+                  <a:srgbClr val="11A79D"/>
+                </a:solidFill>
+              </a:rPr>
+              <a:t>Vantagens</a:t>
+            </a:r>
+            <a:endParaRPr lang="pt-BR" sz="5400" b="1" dirty="0">
+              <a:solidFill>
+                <a:schemeClr val="tx2"/>
+              </a:solidFill>
+            </a:endParaRPr>
+          </a:p>
+        </p:txBody>
+      </p:sp>
     </p:spTree>
     <p:extLst>
       <p:ext uri="{BB962C8B-B14F-4D97-AF65-F5344CB8AC3E}">
-        <p14:creationId xmlns:p14="http://schemas.microsoft.com/office/powerpoint/2010/main" val="503822248"/>
+        <p14:creationId xmlns:p14="http://schemas.microsoft.com/office/powerpoint/2010/main" val="1234874507"/>
       </p:ext>
     </p:extLst>
   </p:cSld>
@@ -14294,7 +14342,7 @@
           </a:ln>
           <a:extLst>
             <a:ext uri="{C572A759-6A51-4108-AA02-DFA0A04FC94B}">
-              <ma14:wrappingTextBoxFlag xmlns="" xmlns:ma14="http://schemas.microsoft.com/office/mac/drawingml/2011/main" val="1"/>
+              <ma14:wrappingTextBoxFlag xmlns:ma14="http://schemas.microsoft.com/office/mac/drawingml/2011/main" xmlns="" val="1"/>
             </a:ext>
           </a:extLst>
         </p:spPr>
@@ -14579,7 +14627,7 @@
                   <a:srgbClr val="11A79D"/>
                 </a:solidFill>
               </a:rPr>
-              <a:t>Ciclos de vida</a:t>
+              <a:t>Implementação</a:t>
             </a:r>
             <a:endParaRPr lang="pt-BR" sz="5400" b="1" dirty="0">
               <a:solidFill>
@@ -14598,7 +14646,7 @@
         <p:spPr>
           <a:xfrm>
             <a:off x="1496663" y="2212488"/>
-            <a:ext cx="9068059" cy="3416318"/>
+            <a:ext cx="9068059" cy="2585321"/>
           </a:xfrm>
           <a:prstGeom prst="rect">
             <a:avLst/>
@@ -14637,12 +14685,20 @@
               <a:buChar char="•"/>
             </a:pPr>
             <a:r>
-              <a:rPr lang="pt-BR" b="1" dirty="0" err="1">
-                <a:solidFill>
-                  <a:srgbClr val="666666"/>
-                </a:solidFill>
-              </a:rPr>
-              <a:t>Singleton</a:t>
+              <a:rPr lang="pt-BR" b="1" dirty="0" smtClean="0">
+                <a:solidFill>
+                  <a:srgbClr val="666666"/>
+                </a:solidFill>
+              </a:rPr>
+              <a:t>Construtor</a:t>
+            </a:r>
+            <a:r>
+              <a:rPr lang="pt-BR" dirty="0" smtClean="0">
+                <a:solidFill>
+                  <a:srgbClr val="666666"/>
+                </a:solidFill>
+              </a:rPr>
+              <a:t>: Modo </a:t>
             </a:r>
             <a:r>
               <a:rPr lang="pt-BR" dirty="0">
@@ -14650,21 +14706,8 @@
                   <a:srgbClr val="666666"/>
                 </a:solidFill>
               </a:rPr>
-              <a:t> (que me garante um única referencia dessa classe no ciclo de vida de uma aplicação</a:t>
-            </a:r>
-            <a:r>
-              <a:rPr lang="pt-BR" dirty="0" smtClean="0">
-                <a:solidFill>
-                  <a:srgbClr val="666666"/>
-                </a:solidFill>
-              </a:rPr>
-              <a:t>);</a:t>
-            </a:r>
-            <a:endParaRPr lang="pt-BR" dirty="0">
-              <a:solidFill>
-                <a:srgbClr val="666666"/>
-              </a:solidFill>
-            </a:endParaRPr>
+              <a:t>em que implementamos a injeção de dependência na definição dos construtores das classes;</a:t>
+            </a:r>
           </a:p>
           <a:p>
             <a:pPr marL="285750" lvl="8" indent="-285750" algn="just">
@@ -14680,7 +14723,47 @@
                   <a:srgbClr val="666666"/>
                 </a:solidFill>
               </a:rPr>
-              <a:t>Transient</a:t>
+              <a:t>Getter</a:t>
+            </a:r>
+            <a:r>
+              <a:rPr lang="pt-BR" b="1" dirty="0">
+                <a:solidFill>
+                  <a:srgbClr val="666666"/>
+                </a:solidFill>
+              </a:rPr>
+              <a:t> </a:t>
+            </a:r>
+            <a:r>
+              <a:rPr lang="pt-BR" b="1" dirty="0" err="1">
+                <a:solidFill>
+                  <a:srgbClr val="666666"/>
+                </a:solidFill>
+              </a:rPr>
+              <a:t>and</a:t>
+            </a:r>
+            <a:r>
+              <a:rPr lang="pt-BR" b="1" dirty="0">
+                <a:solidFill>
+                  <a:srgbClr val="666666"/>
+                </a:solidFill>
+              </a:rPr>
+              <a:t> </a:t>
+            </a:r>
+            <a:r>
+              <a:rPr lang="pt-BR" b="1" dirty="0" err="1" smtClean="0">
+                <a:solidFill>
+                  <a:srgbClr val="666666"/>
+                </a:solidFill>
+              </a:rPr>
+              <a:t>Setter</a:t>
+            </a:r>
+            <a:r>
+              <a:rPr lang="pt-BR" dirty="0" smtClean="0">
+                <a:solidFill>
+                  <a:srgbClr val="666666"/>
+                </a:solidFill>
+              </a:rPr>
+              <a:t>:  </a:t>
             </a:r>
             <a:r>
               <a:rPr lang="pt-BR" dirty="0">
@@ -14688,21 +14771,24 @@
                   <a:srgbClr val="666666"/>
                 </a:solidFill>
               </a:rPr>
-              <a:t> (sempre gerará uma nova instância para cada item encontrado que possua tal dependência, ou seja, se houver 5 dependências serão 5 instâncias diferentes</a:t>
-            </a:r>
-            <a:r>
-              <a:rPr lang="pt-BR" dirty="0" smtClean="0">
-                <a:solidFill>
-                  <a:srgbClr val="666666"/>
-                </a:solidFill>
-              </a:rPr>
-              <a:t>);</a:t>
-            </a:r>
-            <a:endParaRPr lang="pt-BR" dirty="0">
-              <a:solidFill>
-                <a:srgbClr val="666666"/>
-              </a:solidFill>
-            </a:endParaRPr>
+              <a:t>Modo em que implementamos a injeção de dependência na definição dos </a:t>
+            </a:r>
+            <a:r>
+              <a:rPr lang="pt-BR" dirty="0" err="1">
+                <a:solidFill>
+                  <a:srgbClr val="666666"/>
+                </a:solidFill>
+              </a:rPr>
+              <a:t>Gets</a:t>
+            </a:r>
+            <a:r>
+              <a:rPr lang="pt-BR" dirty="0">
+                <a:solidFill>
+                  <a:srgbClr val="666666"/>
+                </a:solidFill>
+              </a:rPr>
+              <a:t> e Sets das classes;</a:t>
+            </a:r>
           </a:p>
           <a:p>
             <a:pPr marL="285750" lvl="8" indent="-285750" algn="just">
@@ -14713,12 +14799,20 @@
               <a:buChar char="•"/>
             </a:pPr>
             <a:r>
+              <a:rPr lang="pt-BR" b="1" dirty="0">
+                <a:solidFill>
+                  <a:srgbClr val="666666"/>
+                </a:solidFill>
+              </a:rPr>
+              <a:t>Interface </a:t>
+            </a:r>
+            <a:r>
               <a:rPr lang="pt-BR" b="1" dirty="0" err="1" smtClean="0">
                 <a:solidFill>
                   <a:srgbClr val="666666"/>
                 </a:solidFill>
               </a:rPr>
-              <a:t>Scoped</a:t>
+              <a:t>Implementation</a:t>
             </a:r>
             <a:r>
               <a:rPr lang="pt-BR" dirty="0" smtClean="0">
@@ -14726,15 +14820,7 @@
                   <a:srgbClr val="666666"/>
                 </a:solidFill>
               </a:rPr>
-              <a:t> (essa difere da </a:t>
-            </a:r>
-            <a:r>
-              <a:rPr lang="pt-BR" dirty="0" err="1">
-                <a:solidFill>
-                  <a:srgbClr val="666666"/>
-                </a:solidFill>
-              </a:rPr>
-              <a:t>Transient</a:t>
+              <a:t>: Modo </a:t>
             </a:r>
             <a:r>
               <a:rPr lang="pt-BR" dirty="0">
@@ -14742,9 +14828,17 @@
                   <a:srgbClr val="666666"/>
                 </a:solidFill>
               </a:rPr>
-              <a:t> que garante que em uma requisição seja criada um instância de um classe onde se houver outras dependências, seja utilizada essa única instância pra todas, renovando somente nas requisições subsequentes, mas, mantendo essa obrigatoriedade).</a:t>
-            </a:r>
-            <a:endParaRPr lang="pt-BR" dirty="0" smtClean="0">
+              <a:t>em que se usa a definição de Interfaces para realizar a injeção de dependência</a:t>
+            </a:r>
+            <a:r>
+              <a:rPr lang="pt-BR" dirty="0" smtClean="0">
+                <a:solidFill>
+                  <a:srgbClr val="666666"/>
+                </a:solidFill>
+              </a:rPr>
+              <a:t>;</a:t>
+            </a:r>
+            <a:endParaRPr lang="pt-BR" dirty="0">
               <a:solidFill>
                 <a:srgbClr val="666666"/>
               </a:solidFill>
@@ -14755,7 +14849,7 @@
     </p:spTree>
     <p:extLst>
       <p:ext uri="{BB962C8B-B14F-4D97-AF65-F5344CB8AC3E}">
-        <p14:creationId xmlns:p14="http://schemas.microsoft.com/office/powerpoint/2010/main" val="176189040"/>
+        <p14:creationId xmlns:p14="http://schemas.microsoft.com/office/powerpoint/2010/main" val="503822248"/>
       </p:ext>
     </p:extLst>
   </p:cSld>
@@ -14822,7 +14916,1245 @@
           </a:ln>
           <a:extLst>
             <a:ext uri="{C572A759-6A51-4108-AA02-DFA0A04FC94B}">
-              <ma14:wrappingTextBoxFlag xmlns="" xmlns:ma14="http://schemas.microsoft.com/office/mac/drawingml/2011/main" val="1"/>
+              <ma14:wrappingTextBoxFlag xmlns:ma14="http://schemas.microsoft.com/office/mac/drawingml/2011/main" xmlns="" val="1"/>
+            </a:ext>
+          </a:extLst>
+        </p:spPr>
+        <p:txBody>
+          <a:bodyPr lIns="45719" rIns="45719" anchor="ctr">
+            <a:normAutofit/>
+          </a:bodyPr>
+          <a:lstStyle>
+            <a:lvl1pPr marL="0" marR="0" indent="0" algn="ctr" defTabSz="914400" rtl="0" latinLnBrk="0">
+              <a:lnSpc>
+                <a:spcPct val="100000"/>
+              </a:lnSpc>
+              <a:spcBef>
+                <a:spcPts val="0"/>
+              </a:spcBef>
+              <a:spcAft>
+                <a:spcPts val="0"/>
+              </a:spcAft>
+              <a:buClrTx/>
+              <a:buSzTx/>
+              <a:buFontTx/>
+              <a:buNone/>
+              <a:tabLst/>
+              <a:defRPr sz="4400" b="0" i="0" u="none" strike="noStrike" cap="none" spc="0" baseline="0">
+                <a:ln>
+                  <a:noFill/>
+                </a:ln>
+                <a:solidFill>
+                  <a:srgbClr val="000000"/>
+                </a:solidFill>
+                <a:uFillTx/>
+                <a:latin typeface="+mn-lt"/>
+                <a:ea typeface="+mn-ea"/>
+                <a:cs typeface="+mn-cs"/>
+                <a:sym typeface="Calibri"/>
+              </a:defRPr>
+            </a:lvl1pPr>
+            <a:lvl2pPr marL="0" marR="0" indent="0" algn="ctr" defTabSz="914400" rtl="0" latinLnBrk="0">
+              <a:lnSpc>
+                <a:spcPct val="100000"/>
+              </a:lnSpc>
+              <a:spcBef>
+                <a:spcPts val="0"/>
+              </a:spcBef>
+              <a:spcAft>
+                <a:spcPts val="0"/>
+              </a:spcAft>
+              <a:buClrTx/>
+              <a:buSzTx/>
+              <a:buFontTx/>
+              <a:buNone/>
+              <a:tabLst/>
+              <a:defRPr sz="4400" b="0" i="0" u="none" strike="noStrike" cap="none" spc="0" baseline="0">
+                <a:ln>
+                  <a:noFill/>
+                </a:ln>
+                <a:solidFill>
+                  <a:srgbClr val="000000"/>
+                </a:solidFill>
+                <a:uFillTx/>
+                <a:latin typeface="+mn-lt"/>
+                <a:ea typeface="+mn-ea"/>
+                <a:cs typeface="+mn-cs"/>
+                <a:sym typeface="Calibri"/>
+              </a:defRPr>
+            </a:lvl2pPr>
+            <a:lvl3pPr marL="0" marR="0" indent="0" algn="ctr" defTabSz="914400" rtl="0" latinLnBrk="0">
+              <a:lnSpc>
+                <a:spcPct val="100000"/>
+              </a:lnSpc>
+              <a:spcBef>
+                <a:spcPts val="0"/>
+              </a:spcBef>
+              <a:spcAft>
+                <a:spcPts val="0"/>
+              </a:spcAft>
+              <a:buClrTx/>
+              <a:buSzTx/>
+              <a:buFontTx/>
+              <a:buNone/>
+              <a:tabLst/>
+              <a:defRPr sz="4400" b="0" i="0" u="none" strike="noStrike" cap="none" spc="0" baseline="0">
+                <a:ln>
+                  <a:noFill/>
+                </a:ln>
+                <a:solidFill>
+                  <a:srgbClr val="000000"/>
+                </a:solidFill>
+                <a:uFillTx/>
+                <a:latin typeface="+mn-lt"/>
+                <a:ea typeface="+mn-ea"/>
+                <a:cs typeface="+mn-cs"/>
+                <a:sym typeface="Calibri"/>
+              </a:defRPr>
+            </a:lvl3pPr>
+            <a:lvl4pPr marL="0" marR="0" indent="0" algn="ctr" defTabSz="914400" rtl="0" latinLnBrk="0">
+              <a:lnSpc>
+                <a:spcPct val="100000"/>
+              </a:lnSpc>
+              <a:spcBef>
+                <a:spcPts val="0"/>
+              </a:spcBef>
+              <a:spcAft>
+                <a:spcPts val="0"/>
+              </a:spcAft>
+              <a:buClrTx/>
+              <a:buSzTx/>
+              <a:buFontTx/>
+              <a:buNone/>
+              <a:tabLst/>
+              <a:defRPr sz="4400" b="0" i="0" u="none" strike="noStrike" cap="none" spc="0" baseline="0">
+                <a:ln>
+                  <a:noFill/>
+                </a:ln>
+                <a:solidFill>
+                  <a:srgbClr val="000000"/>
+                </a:solidFill>
+                <a:uFillTx/>
+                <a:latin typeface="+mn-lt"/>
+                <a:ea typeface="+mn-ea"/>
+                <a:cs typeface="+mn-cs"/>
+                <a:sym typeface="Calibri"/>
+              </a:defRPr>
+            </a:lvl4pPr>
+            <a:lvl5pPr marL="0" marR="0" indent="0" algn="ctr" defTabSz="914400" rtl="0" latinLnBrk="0">
+              <a:lnSpc>
+                <a:spcPct val="100000"/>
+              </a:lnSpc>
+              <a:spcBef>
+                <a:spcPts val="0"/>
+              </a:spcBef>
+              <a:spcAft>
+                <a:spcPts val="0"/>
+              </a:spcAft>
+              <a:buClrTx/>
+              <a:buSzTx/>
+              <a:buFontTx/>
+              <a:buNone/>
+              <a:tabLst/>
+              <a:defRPr sz="4400" b="0" i="0" u="none" strike="noStrike" cap="none" spc="0" baseline="0">
+                <a:ln>
+                  <a:noFill/>
+                </a:ln>
+                <a:solidFill>
+                  <a:srgbClr val="000000"/>
+                </a:solidFill>
+                <a:uFillTx/>
+                <a:latin typeface="+mn-lt"/>
+                <a:ea typeface="+mn-ea"/>
+                <a:cs typeface="+mn-cs"/>
+                <a:sym typeface="Calibri"/>
+              </a:defRPr>
+            </a:lvl5pPr>
+            <a:lvl6pPr marL="0" marR="0" indent="0" algn="ctr" defTabSz="914400" rtl="0" latinLnBrk="0">
+              <a:lnSpc>
+                <a:spcPct val="100000"/>
+              </a:lnSpc>
+              <a:spcBef>
+                <a:spcPts val="0"/>
+              </a:spcBef>
+              <a:spcAft>
+                <a:spcPts val="0"/>
+              </a:spcAft>
+              <a:buClrTx/>
+              <a:buSzTx/>
+              <a:buFontTx/>
+              <a:buNone/>
+              <a:tabLst/>
+              <a:defRPr sz="4400" b="0" i="0" u="none" strike="noStrike" cap="none" spc="0" baseline="0">
+                <a:ln>
+                  <a:noFill/>
+                </a:ln>
+                <a:solidFill>
+                  <a:srgbClr val="000000"/>
+                </a:solidFill>
+                <a:uFillTx/>
+                <a:latin typeface="+mn-lt"/>
+                <a:ea typeface="+mn-ea"/>
+                <a:cs typeface="+mn-cs"/>
+                <a:sym typeface="Calibri"/>
+              </a:defRPr>
+            </a:lvl6pPr>
+            <a:lvl7pPr marL="0" marR="0" indent="0" algn="ctr" defTabSz="914400" rtl="0" latinLnBrk="0">
+              <a:lnSpc>
+                <a:spcPct val="100000"/>
+              </a:lnSpc>
+              <a:spcBef>
+                <a:spcPts val="0"/>
+              </a:spcBef>
+              <a:spcAft>
+                <a:spcPts val="0"/>
+              </a:spcAft>
+              <a:buClrTx/>
+              <a:buSzTx/>
+              <a:buFontTx/>
+              <a:buNone/>
+              <a:tabLst/>
+              <a:defRPr sz="4400" b="0" i="0" u="none" strike="noStrike" cap="none" spc="0" baseline="0">
+                <a:ln>
+                  <a:noFill/>
+                </a:ln>
+                <a:solidFill>
+                  <a:srgbClr val="000000"/>
+                </a:solidFill>
+                <a:uFillTx/>
+                <a:latin typeface="+mn-lt"/>
+                <a:ea typeface="+mn-ea"/>
+                <a:cs typeface="+mn-cs"/>
+                <a:sym typeface="Calibri"/>
+              </a:defRPr>
+            </a:lvl7pPr>
+            <a:lvl8pPr marL="0" marR="0" indent="0" algn="ctr" defTabSz="914400" rtl="0" latinLnBrk="0">
+              <a:lnSpc>
+                <a:spcPct val="100000"/>
+              </a:lnSpc>
+              <a:spcBef>
+                <a:spcPts val="0"/>
+              </a:spcBef>
+              <a:spcAft>
+                <a:spcPts val="0"/>
+              </a:spcAft>
+              <a:buClrTx/>
+              <a:buSzTx/>
+              <a:buFontTx/>
+              <a:buNone/>
+              <a:tabLst/>
+              <a:defRPr sz="4400" b="0" i="0" u="none" strike="noStrike" cap="none" spc="0" baseline="0">
+                <a:ln>
+                  <a:noFill/>
+                </a:ln>
+                <a:solidFill>
+                  <a:srgbClr val="000000"/>
+                </a:solidFill>
+                <a:uFillTx/>
+                <a:latin typeface="+mn-lt"/>
+                <a:ea typeface="+mn-ea"/>
+                <a:cs typeface="+mn-cs"/>
+                <a:sym typeface="Calibri"/>
+              </a:defRPr>
+            </a:lvl8pPr>
+            <a:lvl9pPr marL="0" marR="0" indent="0" algn="ctr" defTabSz="914400" rtl="0" latinLnBrk="0">
+              <a:lnSpc>
+                <a:spcPct val="100000"/>
+              </a:lnSpc>
+              <a:spcBef>
+                <a:spcPts val="0"/>
+              </a:spcBef>
+              <a:spcAft>
+                <a:spcPts val="0"/>
+              </a:spcAft>
+              <a:buClrTx/>
+              <a:buSzTx/>
+              <a:buFontTx/>
+              <a:buNone/>
+              <a:tabLst/>
+              <a:defRPr sz="4400" b="0" i="0" u="none" strike="noStrike" cap="none" spc="0" baseline="0">
+                <a:ln>
+                  <a:noFill/>
+                </a:ln>
+                <a:solidFill>
+                  <a:srgbClr val="000000"/>
+                </a:solidFill>
+                <a:uFillTx/>
+                <a:latin typeface="+mn-lt"/>
+                <a:ea typeface="+mn-ea"/>
+                <a:cs typeface="+mn-cs"/>
+                <a:sym typeface="Calibri"/>
+              </a:defRPr>
+            </a:lvl9pPr>
+          </a:lstStyle>
+          <a:p>
+            <a:pPr hangingPunct="1">
+              <a:defRPr sz="2800" b="1">
+                <a:solidFill>
+                  <a:srgbClr val="11A79D"/>
+                </a:solidFill>
+              </a:defRPr>
+            </a:pPr>
+            <a:r>
+              <a:rPr lang="pt-BR" sz="5400" b="1" dirty="0" smtClean="0">
+                <a:solidFill>
+                  <a:srgbClr val="11A79D"/>
+                </a:solidFill>
+              </a:rPr>
+              <a:t>Implementação</a:t>
+            </a:r>
+            <a:endParaRPr lang="pt-BR" sz="5400" b="1" dirty="0">
+              <a:solidFill>
+                <a:schemeClr val="tx2"/>
+              </a:solidFill>
+            </a:endParaRPr>
+          </a:p>
+        </p:txBody>
+      </p:sp>
+      <p:sp>
+        <p:nvSpPr>
+          <p:cNvPr id="5" name="CaixaDeTexto 4"/>
+          <p:cNvSpPr txBox="1"/>
+          <p:nvPr/>
+        </p:nvSpPr>
+        <p:spPr>
+          <a:xfrm>
+            <a:off x="735680" y="2467670"/>
+            <a:ext cx="10651790" cy="3831816"/>
+          </a:xfrm>
+          <a:prstGeom prst="rect">
+            <a:avLst/>
+          </a:prstGeom>
+          <a:noFill/>
+          <a:ln w="12700" cap="flat">
+            <a:noFill/>
+            <a:miter lim="400000"/>
+          </a:ln>
+          <a:effectLst/>
+          <a:sp3d/>
+        </p:spPr>
+        <p:style>
+          <a:lnRef idx="0">
+            <a:scrgbClr r="0" g="0" b="0"/>
+          </a:lnRef>
+          <a:fillRef idx="0">
+            <a:scrgbClr r="0" g="0" b="0"/>
+          </a:fillRef>
+          <a:effectRef idx="0">
+            <a:scrgbClr r="0" g="0" b="0"/>
+          </a:effectRef>
+          <a:fontRef idx="none"/>
+        </p:style>
+        <p:txBody>
+          <a:bodyPr rot="0" spcFirstLastPara="1" vertOverflow="overflow" horzOverflow="overflow" vert="horz" wrap="square" lIns="45719" tIns="45719" rIns="45719" bIns="45719" numCol="1" spcCol="38100" rtlCol="0" anchor="t">
+            <a:spAutoFit/>
+          </a:bodyPr>
+          <a:lstStyle/>
+          <a:p>
+            <a:pPr lvl="8" indent="0" algn="just">
+              <a:lnSpc>
+                <a:spcPct val="150000"/>
+              </a:lnSpc>
+            </a:pPr>
+            <a:r>
+              <a:rPr lang="pt-BR" b="1" dirty="0" smtClean="0">
+                <a:solidFill>
+                  <a:srgbClr val="666666"/>
+                </a:solidFill>
+              </a:rPr>
+              <a:t>         </a:t>
+            </a:r>
+            <a:r>
+              <a:rPr lang="pt-BR" b="1" dirty="0" err="1" smtClean="0">
+                <a:solidFill>
+                  <a:srgbClr val="666666"/>
+                </a:solidFill>
+              </a:rPr>
+              <a:t>Getter</a:t>
+            </a:r>
+            <a:r>
+              <a:rPr lang="pt-BR" b="1" dirty="0" smtClean="0">
+                <a:solidFill>
+                  <a:srgbClr val="666666"/>
+                </a:solidFill>
+              </a:rPr>
+              <a:t> </a:t>
+            </a:r>
+            <a:r>
+              <a:rPr lang="pt-BR" b="1" dirty="0">
+                <a:solidFill>
+                  <a:srgbClr val="666666"/>
+                </a:solidFill>
+              </a:rPr>
+              <a:t>e </a:t>
+            </a:r>
+            <a:r>
+              <a:rPr lang="pt-BR" b="1" dirty="0" err="1" smtClean="0">
+                <a:solidFill>
+                  <a:srgbClr val="666666"/>
+                </a:solidFill>
+              </a:rPr>
+              <a:t>Setter</a:t>
+            </a:r>
+            <a:r>
+              <a:rPr lang="pt-BR" b="1" dirty="0" smtClean="0">
+                <a:solidFill>
+                  <a:srgbClr val="666666"/>
+                </a:solidFill>
+              </a:rPr>
+              <a:t>		</a:t>
+            </a:r>
+            <a:r>
+              <a:rPr lang="pt-BR" b="1" dirty="0">
+                <a:solidFill>
+                  <a:srgbClr val="666666"/>
+                </a:solidFill>
+              </a:rPr>
+              <a:t> </a:t>
+            </a:r>
+            <a:r>
+              <a:rPr lang="pt-BR" b="1" dirty="0" smtClean="0">
+                <a:solidFill>
+                  <a:srgbClr val="666666"/>
+                </a:solidFill>
+              </a:rPr>
+              <a:t>               Construtor 			    Interface</a:t>
+            </a:r>
+            <a:endParaRPr lang="pt-BR" dirty="0">
+              <a:solidFill>
+                <a:srgbClr val="666666"/>
+              </a:solidFill>
+            </a:endParaRPr>
+          </a:p>
+          <a:p>
+            <a:pPr lvl="8" indent="0" algn="just">
+              <a:lnSpc>
+                <a:spcPct val="150000"/>
+              </a:lnSpc>
+            </a:pPr>
+            <a:endParaRPr lang="pt-BR" b="1" dirty="0" smtClean="0">
+              <a:solidFill>
+                <a:srgbClr val="666666"/>
+              </a:solidFill>
+            </a:endParaRPr>
+          </a:p>
+          <a:p>
+            <a:pPr marL="285750" lvl="8" indent="-285750" algn="just">
+              <a:lnSpc>
+                <a:spcPct val="150000"/>
+              </a:lnSpc>
+              <a:buFont typeface="Arial" pitchFamily="34" charset="0"/>
+              <a:buChar char="•"/>
+            </a:pPr>
+            <a:endParaRPr lang="pt-BR" b="1" dirty="0" smtClean="0">
+              <a:solidFill>
+                <a:srgbClr val="666666"/>
+              </a:solidFill>
+            </a:endParaRPr>
+          </a:p>
+          <a:p>
+            <a:pPr marL="285750" lvl="8" indent="-285750" algn="just">
+              <a:lnSpc>
+                <a:spcPct val="150000"/>
+              </a:lnSpc>
+              <a:buFont typeface="Arial" pitchFamily="34" charset="0"/>
+              <a:buChar char="•"/>
+            </a:pPr>
+            <a:endParaRPr lang="pt-BR" b="1" dirty="0">
+              <a:solidFill>
+                <a:srgbClr val="666666"/>
+              </a:solidFill>
+            </a:endParaRPr>
+          </a:p>
+          <a:p>
+            <a:pPr marL="285750" lvl="8" indent="-285750" algn="just">
+              <a:lnSpc>
+                <a:spcPct val="150000"/>
+              </a:lnSpc>
+              <a:buFont typeface="Arial" pitchFamily="34" charset="0"/>
+              <a:buChar char="•"/>
+            </a:pPr>
+            <a:endParaRPr lang="pt-BR" b="1" dirty="0" smtClean="0">
+              <a:solidFill>
+                <a:srgbClr val="666666"/>
+              </a:solidFill>
+            </a:endParaRPr>
+          </a:p>
+          <a:p>
+            <a:pPr marL="285750" lvl="8" indent="-285750" algn="just">
+              <a:lnSpc>
+                <a:spcPct val="150000"/>
+              </a:lnSpc>
+              <a:buFont typeface="Arial" pitchFamily="34" charset="0"/>
+              <a:buChar char="•"/>
+            </a:pPr>
+            <a:endParaRPr lang="pt-BR" b="1" dirty="0">
+              <a:solidFill>
+                <a:srgbClr val="666666"/>
+              </a:solidFill>
+            </a:endParaRPr>
+          </a:p>
+          <a:p>
+            <a:pPr marL="285750" lvl="8" indent="-285750" algn="just">
+              <a:lnSpc>
+                <a:spcPct val="150000"/>
+              </a:lnSpc>
+              <a:buFont typeface="Arial" pitchFamily="34" charset="0"/>
+              <a:buChar char="•"/>
+            </a:pPr>
+            <a:endParaRPr lang="pt-BR" b="1" dirty="0" smtClean="0">
+              <a:solidFill>
+                <a:srgbClr val="666666"/>
+              </a:solidFill>
+            </a:endParaRPr>
+          </a:p>
+          <a:p>
+            <a:pPr marL="285750" lvl="8" indent="-285750" algn="just">
+              <a:lnSpc>
+                <a:spcPct val="150000"/>
+              </a:lnSpc>
+              <a:buFont typeface="Arial" pitchFamily="34" charset="0"/>
+              <a:buChar char="•"/>
+            </a:pPr>
+            <a:endParaRPr lang="pt-BR" b="1" dirty="0">
+              <a:solidFill>
+                <a:srgbClr val="666666"/>
+              </a:solidFill>
+            </a:endParaRPr>
+          </a:p>
+          <a:p>
+            <a:pPr lvl="8" indent="0" algn="just">
+              <a:lnSpc>
+                <a:spcPct val="150000"/>
+              </a:lnSpc>
+            </a:pPr>
+            <a:endParaRPr lang="pt-BR" b="1" dirty="0" smtClean="0">
+              <a:solidFill>
+                <a:srgbClr val="666666"/>
+              </a:solidFill>
+            </a:endParaRPr>
+          </a:p>
+        </p:txBody>
+      </p:sp>
+      <p:pic>
+        <p:nvPicPr>
+          <p:cNvPr id="2" name="Imagem 1"/>
+          <p:cNvPicPr>
+            <a:picLocks noChangeAspect="1"/>
+          </p:cNvPicPr>
+          <p:nvPr/>
+        </p:nvPicPr>
+        <p:blipFill>
+          <a:blip r:embed="rId3"/>
+          <a:stretch>
+            <a:fillRect/>
+          </a:stretch>
+        </p:blipFill>
+        <p:spPr>
+          <a:xfrm>
+            <a:off x="586824" y="3143695"/>
+            <a:ext cx="2981325" cy="2133600"/>
+          </a:xfrm>
+          <a:prstGeom prst="rect">
+            <a:avLst/>
+          </a:prstGeom>
+        </p:spPr>
+      </p:pic>
+      <p:pic>
+        <p:nvPicPr>
+          <p:cNvPr id="3" name="Imagem 2"/>
+          <p:cNvPicPr>
+            <a:picLocks noChangeAspect="1"/>
+          </p:cNvPicPr>
+          <p:nvPr/>
+        </p:nvPicPr>
+        <p:blipFill>
+          <a:blip r:embed="rId4"/>
+          <a:stretch>
+            <a:fillRect/>
+          </a:stretch>
+        </p:blipFill>
+        <p:spPr>
+          <a:xfrm>
+            <a:off x="4024896" y="3143695"/>
+            <a:ext cx="3533775" cy="1990725"/>
+          </a:xfrm>
+          <a:prstGeom prst="rect">
+            <a:avLst/>
+          </a:prstGeom>
+        </p:spPr>
+      </p:pic>
+      <p:pic>
+        <p:nvPicPr>
+          <p:cNvPr id="7" name="Imagem 6"/>
+          <p:cNvPicPr>
+            <a:picLocks noChangeAspect="1"/>
+          </p:cNvPicPr>
+          <p:nvPr/>
+        </p:nvPicPr>
+        <p:blipFill>
+          <a:blip r:embed="rId5"/>
+          <a:stretch>
+            <a:fillRect/>
+          </a:stretch>
+        </p:blipFill>
+        <p:spPr>
+          <a:xfrm>
+            <a:off x="7884172" y="3143695"/>
+            <a:ext cx="3686175" cy="2638425"/>
+          </a:xfrm>
+          <a:prstGeom prst="rect">
+            <a:avLst/>
+          </a:prstGeom>
+        </p:spPr>
+      </p:pic>
+    </p:spTree>
+    <p:extLst>
+      <p:ext uri="{BB962C8B-B14F-4D97-AF65-F5344CB8AC3E}">
+        <p14:creationId xmlns:p14="http://schemas.microsoft.com/office/powerpoint/2010/main" val="3783656299"/>
+      </p:ext>
+    </p:extLst>
+  </p:cSld>
+  <p:clrMapOvr>
+    <a:masterClrMapping/>
+  </p:clrMapOvr>
+  <mc:AlternateContent xmlns:mc="http://schemas.openxmlformats.org/markup-compatibility/2006" xmlns:p14="http://schemas.microsoft.com/office/powerpoint/2010/main">
+    <mc:Choice Requires="p14">
+      <p:transition spd="med" p14:dur="700">
+        <p:fade/>
+      </p:transition>
+    </mc:Choice>
+    <mc:Fallback xmlns="">
+      <p:transition spd="med">
+        <p:fade/>
+      </p:transition>
+    </mc:Fallback>
+  </mc:AlternateContent>
+  <p:timing>
+    <p:tnLst>
+      <p:par>
+        <p:cTn id="1" dur="indefinite" restart="never" nodeType="tmRoot"/>
+      </p:par>
+    </p:tnLst>
+  </p:timing>
+</p:sld>
+</file>
+
+<file path=ppt/slides/slide28.xml><?xml version="1.0" encoding="utf-8"?>
+<p:sld xmlns:a="http://schemas.openxmlformats.org/drawingml/2006/main" xmlns:r="http://schemas.openxmlformats.org/officeDocument/2006/relationships" xmlns:p="http://schemas.openxmlformats.org/presentationml/2006/main">
+  <p:cSld>
+    <p:spTree>
+      <p:nvGrpSpPr>
+        <p:cNvPr id="1" name=""/>
+        <p:cNvGrpSpPr/>
+        <p:nvPr/>
+      </p:nvGrpSpPr>
+      <p:grpSpPr>
+        <a:xfrm>
+          <a:off x="0" y="0"/>
+          <a:ext cx="0" cy="0"/>
+          <a:chOff x="0" y="0"/>
+          <a:chExt cx="0" cy="0"/>
+        </a:xfrm>
+      </p:grpSpPr>
+      <p:sp>
+        <p:nvSpPr>
+          <p:cNvPr id="6" name="Shape 120"/>
+          <p:cNvSpPr txBox="1">
+            <a:spLocks/>
+          </p:cNvSpPr>
+          <p:nvPr/>
+        </p:nvSpPr>
+        <p:spPr>
+          <a:xfrm>
+            <a:off x="1915893" y="755374"/>
+            <a:ext cx="8229600" cy="1143001"/>
+          </a:xfrm>
+          <a:prstGeom prst="rect">
+            <a:avLst/>
+          </a:prstGeom>
+          <a:ln w="12700">
+            <a:miter lim="400000"/>
+          </a:ln>
+          <a:extLst>
+            <a:ext uri="{C572A759-6A51-4108-AA02-DFA0A04FC94B}">
+              <ma14:wrappingTextBoxFlag xmlns:ma14="http://schemas.microsoft.com/office/mac/drawingml/2011/main" xmlns="" val="1"/>
+            </a:ext>
+          </a:extLst>
+        </p:spPr>
+        <p:txBody>
+          <a:bodyPr lIns="45719" rIns="45719" anchor="ctr">
+            <a:normAutofit/>
+          </a:bodyPr>
+          <a:lstStyle>
+            <a:lvl1pPr marL="0" marR="0" indent="0" algn="ctr" defTabSz="914400" rtl="0" latinLnBrk="0">
+              <a:lnSpc>
+                <a:spcPct val="100000"/>
+              </a:lnSpc>
+              <a:spcBef>
+                <a:spcPts val="0"/>
+              </a:spcBef>
+              <a:spcAft>
+                <a:spcPts val="0"/>
+              </a:spcAft>
+              <a:buClrTx/>
+              <a:buSzTx/>
+              <a:buFontTx/>
+              <a:buNone/>
+              <a:tabLst/>
+              <a:defRPr sz="4400" b="0" i="0" u="none" strike="noStrike" cap="none" spc="0" baseline="0">
+                <a:ln>
+                  <a:noFill/>
+                </a:ln>
+                <a:solidFill>
+                  <a:srgbClr val="000000"/>
+                </a:solidFill>
+                <a:uFillTx/>
+                <a:latin typeface="+mn-lt"/>
+                <a:ea typeface="+mn-ea"/>
+                <a:cs typeface="+mn-cs"/>
+                <a:sym typeface="Calibri"/>
+              </a:defRPr>
+            </a:lvl1pPr>
+            <a:lvl2pPr marL="0" marR="0" indent="0" algn="ctr" defTabSz="914400" rtl="0" latinLnBrk="0">
+              <a:lnSpc>
+                <a:spcPct val="100000"/>
+              </a:lnSpc>
+              <a:spcBef>
+                <a:spcPts val="0"/>
+              </a:spcBef>
+              <a:spcAft>
+                <a:spcPts val="0"/>
+              </a:spcAft>
+              <a:buClrTx/>
+              <a:buSzTx/>
+              <a:buFontTx/>
+              <a:buNone/>
+              <a:tabLst/>
+              <a:defRPr sz="4400" b="0" i="0" u="none" strike="noStrike" cap="none" spc="0" baseline="0">
+                <a:ln>
+                  <a:noFill/>
+                </a:ln>
+                <a:solidFill>
+                  <a:srgbClr val="000000"/>
+                </a:solidFill>
+                <a:uFillTx/>
+                <a:latin typeface="+mn-lt"/>
+                <a:ea typeface="+mn-ea"/>
+                <a:cs typeface="+mn-cs"/>
+                <a:sym typeface="Calibri"/>
+              </a:defRPr>
+            </a:lvl2pPr>
+            <a:lvl3pPr marL="0" marR="0" indent="0" algn="ctr" defTabSz="914400" rtl="0" latinLnBrk="0">
+              <a:lnSpc>
+                <a:spcPct val="100000"/>
+              </a:lnSpc>
+              <a:spcBef>
+                <a:spcPts val="0"/>
+              </a:spcBef>
+              <a:spcAft>
+                <a:spcPts val="0"/>
+              </a:spcAft>
+              <a:buClrTx/>
+              <a:buSzTx/>
+              <a:buFontTx/>
+              <a:buNone/>
+              <a:tabLst/>
+              <a:defRPr sz="4400" b="0" i="0" u="none" strike="noStrike" cap="none" spc="0" baseline="0">
+                <a:ln>
+                  <a:noFill/>
+                </a:ln>
+                <a:solidFill>
+                  <a:srgbClr val="000000"/>
+                </a:solidFill>
+                <a:uFillTx/>
+                <a:latin typeface="+mn-lt"/>
+                <a:ea typeface="+mn-ea"/>
+                <a:cs typeface="+mn-cs"/>
+                <a:sym typeface="Calibri"/>
+              </a:defRPr>
+            </a:lvl3pPr>
+            <a:lvl4pPr marL="0" marR="0" indent="0" algn="ctr" defTabSz="914400" rtl="0" latinLnBrk="0">
+              <a:lnSpc>
+                <a:spcPct val="100000"/>
+              </a:lnSpc>
+              <a:spcBef>
+                <a:spcPts val="0"/>
+              </a:spcBef>
+              <a:spcAft>
+                <a:spcPts val="0"/>
+              </a:spcAft>
+              <a:buClrTx/>
+              <a:buSzTx/>
+              <a:buFontTx/>
+              <a:buNone/>
+              <a:tabLst/>
+              <a:defRPr sz="4400" b="0" i="0" u="none" strike="noStrike" cap="none" spc="0" baseline="0">
+                <a:ln>
+                  <a:noFill/>
+                </a:ln>
+                <a:solidFill>
+                  <a:srgbClr val="000000"/>
+                </a:solidFill>
+                <a:uFillTx/>
+                <a:latin typeface="+mn-lt"/>
+                <a:ea typeface="+mn-ea"/>
+                <a:cs typeface="+mn-cs"/>
+                <a:sym typeface="Calibri"/>
+              </a:defRPr>
+            </a:lvl4pPr>
+            <a:lvl5pPr marL="0" marR="0" indent="0" algn="ctr" defTabSz="914400" rtl="0" latinLnBrk="0">
+              <a:lnSpc>
+                <a:spcPct val="100000"/>
+              </a:lnSpc>
+              <a:spcBef>
+                <a:spcPts val="0"/>
+              </a:spcBef>
+              <a:spcAft>
+                <a:spcPts val="0"/>
+              </a:spcAft>
+              <a:buClrTx/>
+              <a:buSzTx/>
+              <a:buFontTx/>
+              <a:buNone/>
+              <a:tabLst/>
+              <a:defRPr sz="4400" b="0" i="0" u="none" strike="noStrike" cap="none" spc="0" baseline="0">
+                <a:ln>
+                  <a:noFill/>
+                </a:ln>
+                <a:solidFill>
+                  <a:srgbClr val="000000"/>
+                </a:solidFill>
+                <a:uFillTx/>
+                <a:latin typeface="+mn-lt"/>
+                <a:ea typeface="+mn-ea"/>
+                <a:cs typeface="+mn-cs"/>
+                <a:sym typeface="Calibri"/>
+              </a:defRPr>
+            </a:lvl5pPr>
+            <a:lvl6pPr marL="0" marR="0" indent="0" algn="ctr" defTabSz="914400" rtl="0" latinLnBrk="0">
+              <a:lnSpc>
+                <a:spcPct val="100000"/>
+              </a:lnSpc>
+              <a:spcBef>
+                <a:spcPts val="0"/>
+              </a:spcBef>
+              <a:spcAft>
+                <a:spcPts val="0"/>
+              </a:spcAft>
+              <a:buClrTx/>
+              <a:buSzTx/>
+              <a:buFontTx/>
+              <a:buNone/>
+              <a:tabLst/>
+              <a:defRPr sz="4400" b="0" i="0" u="none" strike="noStrike" cap="none" spc="0" baseline="0">
+                <a:ln>
+                  <a:noFill/>
+                </a:ln>
+                <a:solidFill>
+                  <a:srgbClr val="000000"/>
+                </a:solidFill>
+                <a:uFillTx/>
+                <a:latin typeface="+mn-lt"/>
+                <a:ea typeface="+mn-ea"/>
+                <a:cs typeface="+mn-cs"/>
+                <a:sym typeface="Calibri"/>
+              </a:defRPr>
+            </a:lvl6pPr>
+            <a:lvl7pPr marL="0" marR="0" indent="0" algn="ctr" defTabSz="914400" rtl="0" latinLnBrk="0">
+              <a:lnSpc>
+                <a:spcPct val="100000"/>
+              </a:lnSpc>
+              <a:spcBef>
+                <a:spcPts val="0"/>
+              </a:spcBef>
+              <a:spcAft>
+                <a:spcPts val="0"/>
+              </a:spcAft>
+              <a:buClrTx/>
+              <a:buSzTx/>
+              <a:buFontTx/>
+              <a:buNone/>
+              <a:tabLst/>
+              <a:defRPr sz="4400" b="0" i="0" u="none" strike="noStrike" cap="none" spc="0" baseline="0">
+                <a:ln>
+                  <a:noFill/>
+                </a:ln>
+                <a:solidFill>
+                  <a:srgbClr val="000000"/>
+                </a:solidFill>
+                <a:uFillTx/>
+                <a:latin typeface="+mn-lt"/>
+                <a:ea typeface="+mn-ea"/>
+                <a:cs typeface="+mn-cs"/>
+                <a:sym typeface="Calibri"/>
+              </a:defRPr>
+            </a:lvl7pPr>
+            <a:lvl8pPr marL="0" marR="0" indent="0" algn="ctr" defTabSz="914400" rtl="0" latinLnBrk="0">
+              <a:lnSpc>
+                <a:spcPct val="100000"/>
+              </a:lnSpc>
+              <a:spcBef>
+                <a:spcPts val="0"/>
+              </a:spcBef>
+              <a:spcAft>
+                <a:spcPts val="0"/>
+              </a:spcAft>
+              <a:buClrTx/>
+              <a:buSzTx/>
+              <a:buFontTx/>
+              <a:buNone/>
+              <a:tabLst/>
+              <a:defRPr sz="4400" b="0" i="0" u="none" strike="noStrike" cap="none" spc="0" baseline="0">
+                <a:ln>
+                  <a:noFill/>
+                </a:ln>
+                <a:solidFill>
+                  <a:srgbClr val="000000"/>
+                </a:solidFill>
+                <a:uFillTx/>
+                <a:latin typeface="+mn-lt"/>
+                <a:ea typeface="+mn-ea"/>
+                <a:cs typeface="+mn-cs"/>
+                <a:sym typeface="Calibri"/>
+              </a:defRPr>
+            </a:lvl8pPr>
+            <a:lvl9pPr marL="0" marR="0" indent="0" algn="ctr" defTabSz="914400" rtl="0" latinLnBrk="0">
+              <a:lnSpc>
+                <a:spcPct val="100000"/>
+              </a:lnSpc>
+              <a:spcBef>
+                <a:spcPts val="0"/>
+              </a:spcBef>
+              <a:spcAft>
+                <a:spcPts val="0"/>
+              </a:spcAft>
+              <a:buClrTx/>
+              <a:buSzTx/>
+              <a:buFontTx/>
+              <a:buNone/>
+              <a:tabLst/>
+              <a:defRPr sz="4400" b="0" i="0" u="none" strike="noStrike" cap="none" spc="0" baseline="0">
+                <a:ln>
+                  <a:noFill/>
+                </a:ln>
+                <a:solidFill>
+                  <a:srgbClr val="000000"/>
+                </a:solidFill>
+                <a:uFillTx/>
+                <a:latin typeface="+mn-lt"/>
+                <a:ea typeface="+mn-ea"/>
+                <a:cs typeface="+mn-cs"/>
+                <a:sym typeface="Calibri"/>
+              </a:defRPr>
+            </a:lvl9pPr>
+          </a:lstStyle>
+          <a:p>
+            <a:pPr hangingPunct="1">
+              <a:defRPr sz="2800" b="1">
+                <a:solidFill>
+                  <a:srgbClr val="11A79D"/>
+                </a:solidFill>
+              </a:defRPr>
+            </a:pPr>
+            <a:r>
+              <a:rPr lang="pt-BR" sz="5400" b="1" dirty="0" smtClean="0">
+                <a:solidFill>
+                  <a:srgbClr val="11A79D"/>
+                </a:solidFill>
+              </a:rPr>
+              <a:t>Ciclos de vida</a:t>
+            </a:r>
+            <a:endParaRPr lang="pt-BR" sz="5400" b="1" dirty="0">
+              <a:solidFill>
+                <a:schemeClr val="tx2"/>
+              </a:solidFill>
+            </a:endParaRPr>
+          </a:p>
+        </p:txBody>
+      </p:sp>
+      <p:sp>
+        <p:nvSpPr>
+          <p:cNvPr id="5" name="CaixaDeTexto 4"/>
+          <p:cNvSpPr txBox="1"/>
+          <p:nvPr/>
+        </p:nvSpPr>
+        <p:spPr>
+          <a:xfrm>
+            <a:off x="1496663" y="2212488"/>
+            <a:ext cx="9068059" cy="3416318"/>
+          </a:xfrm>
+          <a:prstGeom prst="rect">
+            <a:avLst/>
+          </a:prstGeom>
+          <a:noFill/>
+          <a:ln w="12700" cap="flat">
+            <a:noFill/>
+            <a:miter lim="400000"/>
+          </a:ln>
+          <a:effectLst/>
+          <a:sp3d/>
+        </p:spPr>
+        <p:style>
+          <a:lnRef idx="0">
+            <a:scrgbClr r="0" g="0" b="0"/>
+          </a:lnRef>
+          <a:fillRef idx="0">
+            <a:scrgbClr r="0" g="0" b="0"/>
+          </a:fillRef>
+          <a:effectRef idx="0">
+            <a:scrgbClr r="0" g="0" b="0"/>
+          </a:effectRef>
+          <a:fontRef idx="none"/>
+        </p:style>
+        <p:txBody>
+          <a:bodyPr rot="0" spcFirstLastPara="1" vertOverflow="overflow" horzOverflow="overflow" vert="horz" wrap="square" lIns="45719" tIns="45719" rIns="45719" bIns="45719" numCol="1" spcCol="38100" rtlCol="0" anchor="t">
+            <a:spAutoFit/>
+          </a:bodyPr>
+          <a:lstStyle/>
+          <a:p>
+            <a:pPr marL="285750" lvl="8" indent="-285750" algn="just">
+              <a:lnSpc>
+                <a:spcPct val="150000"/>
+              </a:lnSpc>
+              <a:buFont typeface="Arial" pitchFamily="34" charset="0"/>
+              <a:buChar char="•"/>
+            </a:pPr>
+            <a:r>
+              <a:rPr lang="pt-BR" b="1" dirty="0" err="1" smtClean="0">
+                <a:solidFill>
+                  <a:srgbClr val="666666"/>
+                </a:solidFill>
+              </a:rPr>
+              <a:t>Singleton</a:t>
+            </a:r>
+            <a:r>
+              <a:rPr lang="pt-BR" dirty="0" smtClean="0">
+                <a:solidFill>
+                  <a:srgbClr val="666666"/>
+                </a:solidFill>
+              </a:rPr>
+              <a:t>: </a:t>
+            </a:r>
+            <a:r>
+              <a:rPr lang="pt-BR" dirty="0">
+                <a:solidFill>
+                  <a:srgbClr val="666666"/>
+                </a:solidFill>
+              </a:rPr>
+              <a:t>Um objeto do serviço é criado e fornecido para todas as requisições. Assim, todas as requisições obtém o mesmo objeto</a:t>
+            </a:r>
+            <a:r>
+              <a:rPr lang="pt-BR" dirty="0" smtClean="0">
+                <a:solidFill>
+                  <a:srgbClr val="666666"/>
+                </a:solidFill>
+              </a:rPr>
+              <a:t>;</a:t>
+            </a:r>
+            <a:endParaRPr lang="pt-BR" dirty="0">
+              <a:solidFill>
+                <a:srgbClr val="666666"/>
+              </a:solidFill>
+            </a:endParaRPr>
+          </a:p>
+          <a:p>
+            <a:pPr marL="285750" lvl="8" indent="-285750" algn="just">
+              <a:lnSpc>
+                <a:spcPct val="150000"/>
+              </a:lnSpc>
+              <a:buFont typeface="Arial" pitchFamily="34" charset="0"/>
+              <a:buChar char="•"/>
+            </a:pPr>
+            <a:r>
+              <a:rPr lang="pt-BR" b="1" dirty="0" err="1" smtClean="0">
+                <a:solidFill>
+                  <a:srgbClr val="666666"/>
+                </a:solidFill>
+              </a:rPr>
+              <a:t>Transient</a:t>
+            </a:r>
+            <a:r>
+              <a:rPr lang="pt-BR" dirty="0" smtClean="0">
+                <a:solidFill>
+                  <a:srgbClr val="666666"/>
+                </a:solidFill>
+              </a:rPr>
+              <a:t>: Sempre </a:t>
+            </a:r>
+            <a:r>
+              <a:rPr lang="pt-BR" dirty="0">
+                <a:solidFill>
+                  <a:srgbClr val="666666"/>
+                </a:solidFill>
+              </a:rPr>
+              <a:t>gerará uma nova instância para cada item encontrado que possua tal dependência, ou seja, se houver 5 dependências serão 5 instâncias </a:t>
+            </a:r>
+            <a:r>
+              <a:rPr lang="pt-BR" dirty="0" smtClean="0">
+                <a:solidFill>
+                  <a:srgbClr val="666666"/>
+                </a:solidFill>
+              </a:rPr>
+              <a:t>diferentes;</a:t>
+            </a:r>
+            <a:endParaRPr lang="pt-BR" dirty="0">
+              <a:solidFill>
+                <a:srgbClr val="666666"/>
+              </a:solidFill>
+            </a:endParaRPr>
+          </a:p>
+          <a:p>
+            <a:pPr marL="285750" lvl="8" indent="-285750" algn="just">
+              <a:lnSpc>
+                <a:spcPct val="150000"/>
+              </a:lnSpc>
+              <a:buFont typeface="Arial" pitchFamily="34" charset="0"/>
+              <a:buChar char="•"/>
+            </a:pPr>
+            <a:r>
+              <a:rPr lang="pt-BR" b="1" dirty="0" err="1" smtClean="0">
+                <a:solidFill>
+                  <a:srgbClr val="666666"/>
+                </a:solidFill>
+              </a:rPr>
+              <a:t>Scoped</a:t>
+            </a:r>
+            <a:r>
+              <a:rPr lang="pt-BR" dirty="0" smtClean="0">
+                <a:solidFill>
+                  <a:srgbClr val="666666"/>
+                </a:solidFill>
+              </a:rPr>
+              <a:t>: difere da </a:t>
+            </a:r>
+            <a:r>
+              <a:rPr lang="pt-BR" dirty="0" err="1">
+                <a:solidFill>
+                  <a:srgbClr val="666666"/>
+                </a:solidFill>
+              </a:rPr>
+              <a:t>Transient</a:t>
+            </a:r>
+            <a:r>
+              <a:rPr lang="pt-BR" dirty="0">
+                <a:solidFill>
+                  <a:srgbClr val="666666"/>
+                </a:solidFill>
+              </a:rPr>
+              <a:t> que garante que em uma requisição seja criada </a:t>
+            </a:r>
+            <a:r>
+              <a:rPr lang="pt-BR" dirty="0" smtClean="0">
+                <a:solidFill>
+                  <a:srgbClr val="666666"/>
+                </a:solidFill>
+              </a:rPr>
+              <a:t>uma </a:t>
+            </a:r>
+            <a:r>
+              <a:rPr lang="pt-BR" dirty="0">
+                <a:solidFill>
+                  <a:srgbClr val="666666"/>
+                </a:solidFill>
+              </a:rPr>
+              <a:t>instância de </a:t>
+            </a:r>
+            <a:r>
+              <a:rPr lang="pt-BR" dirty="0" smtClean="0">
+                <a:solidFill>
+                  <a:srgbClr val="666666"/>
+                </a:solidFill>
+              </a:rPr>
+              <a:t>uma </a:t>
+            </a:r>
+            <a:r>
+              <a:rPr lang="pt-BR" dirty="0">
+                <a:solidFill>
+                  <a:srgbClr val="666666"/>
+                </a:solidFill>
+              </a:rPr>
+              <a:t>classe onde se houver outras dependências, seja utilizada essa única instância pra todas, renovando somente nas requisições subsequentes, mas, mantendo essa obrigatoriedade.</a:t>
+            </a:r>
+            <a:endParaRPr lang="pt-BR" dirty="0" smtClean="0">
+              <a:solidFill>
+                <a:srgbClr val="666666"/>
+              </a:solidFill>
+            </a:endParaRPr>
+          </a:p>
+        </p:txBody>
+      </p:sp>
+    </p:spTree>
+    <p:extLst>
+      <p:ext uri="{BB962C8B-B14F-4D97-AF65-F5344CB8AC3E}">
+        <p14:creationId xmlns:p14="http://schemas.microsoft.com/office/powerpoint/2010/main" val="176189040"/>
+      </p:ext>
+    </p:extLst>
+  </p:cSld>
+  <p:clrMapOvr>
+    <a:masterClrMapping/>
+  </p:clrMapOvr>
+  <mc:AlternateContent xmlns:mc="http://schemas.openxmlformats.org/markup-compatibility/2006" xmlns:p14="http://schemas.microsoft.com/office/powerpoint/2010/main">
+    <mc:Choice Requires="p14">
+      <p:transition spd="med" p14:dur="700">
+        <p:fade/>
+      </p:transition>
+    </mc:Choice>
+    <mc:Fallback xmlns="">
+      <p:transition spd="med">
+        <p:fade/>
+      </p:transition>
+    </mc:Fallback>
+  </mc:AlternateContent>
+  <p:timing>
+    <p:tnLst>
+      <p:par>
+        <p:cTn id="1" dur="indefinite" restart="never" nodeType="tmRoot"/>
+      </p:par>
+    </p:tnLst>
+  </p:timing>
+</p:sld>
+</file>
+
+<file path=ppt/slides/slide29.xml><?xml version="1.0" encoding="utf-8"?>
+<p:sld xmlns:a="http://schemas.openxmlformats.org/drawingml/2006/main" xmlns:r="http://schemas.openxmlformats.org/officeDocument/2006/relationships" xmlns:p="http://schemas.openxmlformats.org/presentationml/2006/main">
+  <p:cSld>
+    <p:spTree>
+      <p:nvGrpSpPr>
+        <p:cNvPr id="1" name=""/>
+        <p:cNvGrpSpPr/>
+        <p:nvPr/>
+      </p:nvGrpSpPr>
+      <p:grpSpPr>
+        <a:xfrm>
+          <a:off x="0" y="0"/>
+          <a:ext cx="0" cy="0"/>
+          <a:chOff x="0" y="0"/>
+          <a:chExt cx="0" cy="0"/>
+        </a:xfrm>
+      </p:grpSpPr>
+      <p:sp>
+        <p:nvSpPr>
+          <p:cNvPr id="6" name="Shape 120"/>
+          <p:cNvSpPr txBox="1">
+            <a:spLocks/>
+          </p:cNvSpPr>
+          <p:nvPr/>
+        </p:nvSpPr>
+        <p:spPr>
+          <a:xfrm>
+            <a:off x="1915893" y="755374"/>
+            <a:ext cx="8229600" cy="1143001"/>
+          </a:xfrm>
+          <a:prstGeom prst="rect">
+            <a:avLst/>
+          </a:prstGeom>
+          <a:ln w="12700">
+            <a:miter lim="400000"/>
+          </a:ln>
+          <a:extLst>
+            <a:ext uri="{C572A759-6A51-4108-AA02-DFA0A04FC94B}">
+              <ma14:wrappingTextBoxFlag xmlns:ma14="http://schemas.microsoft.com/office/mac/drawingml/2011/main" xmlns="" val="1"/>
             </a:ext>
           </a:extLst>
         </p:spPr>
@@ -15395,11 +16727,6 @@
               </a:rPr>
               <a:t>Que permaneça o máximo de tempo possível em utilização.</a:t>
             </a:r>
-            <a:endParaRPr lang="pt-BR" dirty="0">
-              <a:solidFill>
-                <a:srgbClr val="666666"/>
-              </a:solidFill>
-            </a:endParaRPr>
           </a:p>
         </p:txBody>
       </p:sp>
@@ -15424,7 +16751,7 @@
           </a:ln>
           <a:extLst>
             <a:ext uri="{C572A759-6A51-4108-AA02-DFA0A04FC94B}">
-              <ma14:wrappingTextBoxFlag xmlns="" xmlns:ma14="http://schemas.microsoft.com/office/mac/drawingml/2011/main" val="1"/>
+              <ma14:wrappingTextBoxFlag xmlns:ma14="http://schemas.microsoft.com/office/mac/drawingml/2011/main" xmlns="" val="1"/>
             </a:ext>
           </a:extLst>
         </p:spPr>
@@ -15950,11 +17277,6 @@
               </a:rPr>
               <a:t>Fragilidade, o código quebra facilmente em vários pontos após alguma mudança.</a:t>
             </a:r>
-            <a:endParaRPr lang="pt-BR" dirty="0">
-              <a:solidFill>
-                <a:srgbClr val="666666"/>
-              </a:solidFill>
-            </a:endParaRPr>
           </a:p>
         </p:txBody>
       </p:sp>
@@ -15979,7 +17301,7 @@
           </a:ln>
           <a:extLst>
             <a:ext uri="{C572A759-6A51-4108-AA02-DFA0A04FC94B}">
-              <ma14:wrappingTextBoxFlag xmlns="" xmlns:ma14="http://schemas.microsoft.com/office/mac/drawingml/2011/main" val="1"/>
+              <ma14:wrappingTextBoxFlag xmlns:ma14="http://schemas.microsoft.com/office/mac/drawingml/2011/main" xmlns="" val="1"/>
             </a:ext>
           </a:extLst>
         </p:spPr>
@@ -16448,7 +17770,7 @@
           </a:ln>
           <a:extLst>
             <a:ext uri="{C572A759-6A51-4108-AA02-DFA0A04FC94B}">
-              <ma14:wrappingTextBoxFlag xmlns="" xmlns:ma14="http://schemas.microsoft.com/office/mac/drawingml/2011/main" val="1"/>
+              <ma14:wrappingTextBoxFlag xmlns:ma14="http://schemas.microsoft.com/office/mac/drawingml/2011/main" xmlns="" val="1"/>
             </a:ext>
           </a:extLst>
         </p:spPr>
@@ -17084,7 +18406,7 @@
           </a:ln>
           <a:extLst>
             <a:ext uri="{C572A759-6A51-4108-AA02-DFA0A04FC94B}">
-              <ma14:wrappingTextBoxFlag xmlns="" xmlns:ma14="http://schemas.microsoft.com/office/mac/drawingml/2011/main" val="1"/>
+              <ma14:wrappingTextBoxFlag xmlns:ma14="http://schemas.microsoft.com/office/mac/drawingml/2011/main" xmlns="" val="1"/>
             </a:ext>
           </a:extLst>
         </p:spPr>
@@ -17701,7 +19023,7 @@
           </a:ln>
           <a:extLst>
             <a:ext uri="{C572A759-6A51-4108-AA02-DFA0A04FC94B}">
-              <ma14:wrappingTextBoxFlag xmlns="" xmlns:ma14="http://schemas.microsoft.com/office/mac/drawingml/2011/main" val="1"/>
+              <ma14:wrappingTextBoxFlag xmlns:ma14="http://schemas.microsoft.com/office/mac/drawingml/2011/main" xmlns="" val="1"/>
             </a:ext>
           </a:extLst>
         </p:spPr>
@@ -18323,7 +19645,7 @@
           </a:ln>
           <a:extLst>
             <a:ext uri="{C572A759-6A51-4108-AA02-DFA0A04FC94B}">
-              <ma14:wrappingTextBoxFlag xmlns="" xmlns:ma14="http://schemas.microsoft.com/office/mac/drawingml/2011/main" val="1"/>
+              <ma14:wrappingTextBoxFlag xmlns:ma14="http://schemas.microsoft.com/office/mac/drawingml/2011/main" xmlns="" val="1"/>
             </a:ext>
           </a:extLst>
         </p:spPr>
@@ -18880,7 +20202,7 @@
           </a:ln>
           <a:extLst>
             <a:ext uri="{C572A759-6A51-4108-AA02-DFA0A04FC94B}">
-              <ma14:wrappingTextBoxFlag xmlns="" xmlns:ma14="http://schemas.microsoft.com/office/mac/drawingml/2011/main" val="1"/>
+              <ma14:wrappingTextBoxFlag xmlns:ma14="http://schemas.microsoft.com/office/mac/drawingml/2011/main" xmlns="" val="1"/>
             </a:ext>
           </a:extLst>
         </p:spPr>

--- a/doc/InjecaoDependencia.pptx
+++ b/doc/InjecaoDependencia.pptx
@@ -5,7 +5,7 @@
     <p:sldMasterId id="2147483648" r:id="rId1"/>
   </p:sldMasterIdLst>
   <p:notesMasterIdLst>
-    <p:notesMasterId r:id="rId31"/>
+    <p:notesMasterId r:id="rId30"/>
   </p:notesMasterIdLst>
   <p:sldIdLst>
     <p:sldId id="259" r:id="rId2"/>
@@ -36,7 +36,6 @@
     <p:sldId id="281" r:id="rId27"/>
     <p:sldId id="291" r:id="rId28"/>
     <p:sldId id="286" r:id="rId29"/>
-    <p:sldId id="287" r:id="rId30"/>
   </p:sldIdLst>
   <p:sldSz cx="12192000" cy="6858000"/>
   <p:notesSz cx="6858000" cy="9144000"/>
@@ -2001,76 +2000,6 @@
           <a:p>
             <a:r>
               <a:rPr lang="pt-BR" dirty="0" smtClean="0"/>
-              <a:t>https://medium.com/@fulviocanducci/injeção-de-dependências-asp-net-core-baa3bc1ea9c9</a:t>
-            </a:r>
-            <a:endParaRPr lang="pt-BR" dirty="0"/>
-          </a:p>
-        </p:txBody>
-      </p:sp>
-    </p:spTree>
-    <p:extLst>
-      <p:ext uri="{BB962C8B-B14F-4D97-AF65-F5344CB8AC3E}">
-        <p14:creationId xmlns:p14="http://schemas.microsoft.com/office/powerpoint/2010/main" val="3189123950"/>
-      </p:ext>
-    </p:extLst>
-  </p:cSld>
-  <p:clrMapOvr>
-    <a:masterClrMapping/>
-  </p:clrMapOvr>
-</p:notes>
-</file>
-
-<file path=ppt/notesSlides/notesSlide29.xml><?xml version="1.0" encoding="utf-8"?>
-<p:notes xmlns:a="http://schemas.openxmlformats.org/drawingml/2006/main" xmlns:r="http://schemas.openxmlformats.org/officeDocument/2006/relationships" xmlns:p="http://schemas.openxmlformats.org/presentationml/2006/main">
-  <p:cSld>
-    <p:spTree>
-      <p:nvGrpSpPr>
-        <p:cNvPr id="1" name=""/>
-        <p:cNvGrpSpPr/>
-        <p:nvPr/>
-      </p:nvGrpSpPr>
-      <p:grpSpPr>
-        <a:xfrm>
-          <a:off x="0" y="0"/>
-          <a:ext cx="0" cy="0"/>
-          <a:chOff x="0" y="0"/>
-          <a:chExt cx="0" cy="0"/>
-        </a:xfrm>
-      </p:grpSpPr>
-      <p:sp>
-        <p:nvSpPr>
-          <p:cNvPr id="2" name="Espaço Reservado para Imagem de Slide 1"/>
-          <p:cNvSpPr>
-            <a:spLocks noGrp="1" noRot="1" noChangeAspect="1"/>
-          </p:cNvSpPr>
-          <p:nvPr>
-            <p:ph type="sldImg"/>
-          </p:nvPr>
-        </p:nvSpPr>
-        <p:spPr>
-          <a:xfrm>
-            <a:off x="381000" y="685800"/>
-            <a:ext cx="6096000" cy="3429000"/>
-          </a:xfrm>
-        </p:spPr>
-      </p:sp>
-      <p:sp>
-        <p:nvSpPr>
-          <p:cNvPr id="3" name="Espaço Reservado para Anotações 2"/>
-          <p:cNvSpPr>
-            <a:spLocks noGrp="1"/>
-          </p:cNvSpPr>
-          <p:nvPr>
-            <p:ph type="body" idx="1"/>
-          </p:nvPr>
-        </p:nvSpPr>
-        <p:spPr/>
-        <p:txBody>
-          <a:bodyPr/>
-          <a:lstStyle/>
-          <a:p>
-            <a:r>
-              <a:rPr lang="pt-BR" smtClean="0"/>
               <a:t>https://medium.com/@fulviocanducci/injeção-de-dependências-asp-net-core-baa3bc1ea9c9</a:t>
             </a:r>
             <a:endParaRPr lang="pt-BR" dirty="0"/>
@@ -9882,7 +9811,7 @@
         </p:nvSpPr>
         <p:spPr>
           <a:xfrm>
-            <a:off x="7434351" y="4304660"/>
+            <a:off x="7434350" y="4293325"/>
             <a:ext cx="1009249" cy="369330"/>
           </a:xfrm>
           <a:prstGeom prst="rect">
@@ -16116,434 +16045,6 @@
 </p:sld>
 </file>
 
-<file path=ppt/slides/slide29.xml><?xml version="1.0" encoding="utf-8"?>
-<p:sld xmlns:a="http://schemas.openxmlformats.org/drawingml/2006/main" xmlns:r="http://schemas.openxmlformats.org/officeDocument/2006/relationships" xmlns:p="http://schemas.openxmlformats.org/presentationml/2006/main">
-  <p:cSld>
-    <p:spTree>
-      <p:nvGrpSpPr>
-        <p:cNvPr id="1" name=""/>
-        <p:cNvGrpSpPr/>
-        <p:nvPr/>
-      </p:nvGrpSpPr>
-      <p:grpSpPr>
-        <a:xfrm>
-          <a:off x="0" y="0"/>
-          <a:ext cx="0" cy="0"/>
-          <a:chOff x="0" y="0"/>
-          <a:chExt cx="0" cy="0"/>
-        </a:xfrm>
-      </p:grpSpPr>
-      <p:sp>
-        <p:nvSpPr>
-          <p:cNvPr id="6" name="Shape 120"/>
-          <p:cNvSpPr txBox="1">
-            <a:spLocks/>
-          </p:cNvSpPr>
-          <p:nvPr/>
-        </p:nvSpPr>
-        <p:spPr>
-          <a:xfrm>
-            <a:off x="1915893" y="755374"/>
-            <a:ext cx="8229600" cy="1143001"/>
-          </a:xfrm>
-          <a:prstGeom prst="rect">
-            <a:avLst/>
-          </a:prstGeom>
-          <a:ln w="12700">
-            <a:miter lim="400000"/>
-          </a:ln>
-          <a:extLst>
-            <a:ext uri="{C572A759-6A51-4108-AA02-DFA0A04FC94B}">
-              <ma14:wrappingTextBoxFlag xmlns:ma14="http://schemas.microsoft.com/office/mac/drawingml/2011/main" xmlns="" val="1"/>
-            </a:ext>
-          </a:extLst>
-        </p:spPr>
-        <p:txBody>
-          <a:bodyPr lIns="45719" rIns="45719" anchor="ctr">
-            <a:normAutofit/>
-          </a:bodyPr>
-          <a:lstStyle>
-            <a:lvl1pPr marL="0" marR="0" indent="0" algn="ctr" defTabSz="914400" rtl="0" latinLnBrk="0">
-              <a:lnSpc>
-                <a:spcPct val="100000"/>
-              </a:lnSpc>
-              <a:spcBef>
-                <a:spcPts val="0"/>
-              </a:spcBef>
-              <a:spcAft>
-                <a:spcPts val="0"/>
-              </a:spcAft>
-              <a:buClrTx/>
-              <a:buSzTx/>
-              <a:buFontTx/>
-              <a:buNone/>
-              <a:tabLst/>
-              <a:defRPr sz="4400" b="0" i="0" u="none" strike="noStrike" cap="none" spc="0" baseline="0">
-                <a:ln>
-                  <a:noFill/>
-                </a:ln>
-                <a:solidFill>
-                  <a:srgbClr val="000000"/>
-                </a:solidFill>
-                <a:uFillTx/>
-                <a:latin typeface="+mn-lt"/>
-                <a:ea typeface="+mn-ea"/>
-                <a:cs typeface="+mn-cs"/>
-                <a:sym typeface="Calibri"/>
-              </a:defRPr>
-            </a:lvl1pPr>
-            <a:lvl2pPr marL="0" marR="0" indent="0" algn="ctr" defTabSz="914400" rtl="0" latinLnBrk="0">
-              <a:lnSpc>
-                <a:spcPct val="100000"/>
-              </a:lnSpc>
-              <a:spcBef>
-                <a:spcPts val="0"/>
-              </a:spcBef>
-              <a:spcAft>
-                <a:spcPts val="0"/>
-              </a:spcAft>
-              <a:buClrTx/>
-              <a:buSzTx/>
-              <a:buFontTx/>
-              <a:buNone/>
-              <a:tabLst/>
-              <a:defRPr sz="4400" b="0" i="0" u="none" strike="noStrike" cap="none" spc="0" baseline="0">
-                <a:ln>
-                  <a:noFill/>
-                </a:ln>
-                <a:solidFill>
-                  <a:srgbClr val="000000"/>
-                </a:solidFill>
-                <a:uFillTx/>
-                <a:latin typeface="+mn-lt"/>
-                <a:ea typeface="+mn-ea"/>
-                <a:cs typeface="+mn-cs"/>
-                <a:sym typeface="Calibri"/>
-              </a:defRPr>
-            </a:lvl2pPr>
-            <a:lvl3pPr marL="0" marR="0" indent="0" algn="ctr" defTabSz="914400" rtl="0" latinLnBrk="0">
-              <a:lnSpc>
-                <a:spcPct val="100000"/>
-              </a:lnSpc>
-              <a:spcBef>
-                <a:spcPts val="0"/>
-              </a:spcBef>
-              <a:spcAft>
-                <a:spcPts val="0"/>
-              </a:spcAft>
-              <a:buClrTx/>
-              <a:buSzTx/>
-              <a:buFontTx/>
-              <a:buNone/>
-              <a:tabLst/>
-              <a:defRPr sz="4400" b="0" i="0" u="none" strike="noStrike" cap="none" spc="0" baseline="0">
-                <a:ln>
-                  <a:noFill/>
-                </a:ln>
-                <a:solidFill>
-                  <a:srgbClr val="000000"/>
-                </a:solidFill>
-                <a:uFillTx/>
-                <a:latin typeface="+mn-lt"/>
-                <a:ea typeface="+mn-ea"/>
-                <a:cs typeface="+mn-cs"/>
-                <a:sym typeface="Calibri"/>
-              </a:defRPr>
-            </a:lvl3pPr>
-            <a:lvl4pPr marL="0" marR="0" indent="0" algn="ctr" defTabSz="914400" rtl="0" latinLnBrk="0">
-              <a:lnSpc>
-                <a:spcPct val="100000"/>
-              </a:lnSpc>
-              <a:spcBef>
-                <a:spcPts val="0"/>
-              </a:spcBef>
-              <a:spcAft>
-                <a:spcPts val="0"/>
-              </a:spcAft>
-              <a:buClrTx/>
-              <a:buSzTx/>
-              <a:buFontTx/>
-              <a:buNone/>
-              <a:tabLst/>
-              <a:defRPr sz="4400" b="0" i="0" u="none" strike="noStrike" cap="none" spc="0" baseline="0">
-                <a:ln>
-                  <a:noFill/>
-                </a:ln>
-                <a:solidFill>
-                  <a:srgbClr val="000000"/>
-                </a:solidFill>
-                <a:uFillTx/>
-                <a:latin typeface="+mn-lt"/>
-                <a:ea typeface="+mn-ea"/>
-                <a:cs typeface="+mn-cs"/>
-                <a:sym typeface="Calibri"/>
-              </a:defRPr>
-            </a:lvl4pPr>
-            <a:lvl5pPr marL="0" marR="0" indent="0" algn="ctr" defTabSz="914400" rtl="0" latinLnBrk="0">
-              <a:lnSpc>
-                <a:spcPct val="100000"/>
-              </a:lnSpc>
-              <a:spcBef>
-                <a:spcPts val="0"/>
-              </a:spcBef>
-              <a:spcAft>
-                <a:spcPts val="0"/>
-              </a:spcAft>
-              <a:buClrTx/>
-              <a:buSzTx/>
-              <a:buFontTx/>
-              <a:buNone/>
-              <a:tabLst/>
-              <a:defRPr sz="4400" b="0" i="0" u="none" strike="noStrike" cap="none" spc="0" baseline="0">
-                <a:ln>
-                  <a:noFill/>
-                </a:ln>
-                <a:solidFill>
-                  <a:srgbClr val="000000"/>
-                </a:solidFill>
-                <a:uFillTx/>
-                <a:latin typeface="+mn-lt"/>
-                <a:ea typeface="+mn-ea"/>
-                <a:cs typeface="+mn-cs"/>
-                <a:sym typeface="Calibri"/>
-              </a:defRPr>
-            </a:lvl5pPr>
-            <a:lvl6pPr marL="0" marR="0" indent="0" algn="ctr" defTabSz="914400" rtl="0" latinLnBrk="0">
-              <a:lnSpc>
-                <a:spcPct val="100000"/>
-              </a:lnSpc>
-              <a:spcBef>
-                <a:spcPts val="0"/>
-              </a:spcBef>
-              <a:spcAft>
-                <a:spcPts val="0"/>
-              </a:spcAft>
-              <a:buClrTx/>
-              <a:buSzTx/>
-              <a:buFontTx/>
-              <a:buNone/>
-              <a:tabLst/>
-              <a:defRPr sz="4400" b="0" i="0" u="none" strike="noStrike" cap="none" spc="0" baseline="0">
-                <a:ln>
-                  <a:noFill/>
-                </a:ln>
-                <a:solidFill>
-                  <a:srgbClr val="000000"/>
-                </a:solidFill>
-                <a:uFillTx/>
-                <a:latin typeface="+mn-lt"/>
-                <a:ea typeface="+mn-ea"/>
-                <a:cs typeface="+mn-cs"/>
-                <a:sym typeface="Calibri"/>
-              </a:defRPr>
-            </a:lvl6pPr>
-            <a:lvl7pPr marL="0" marR="0" indent="0" algn="ctr" defTabSz="914400" rtl="0" latinLnBrk="0">
-              <a:lnSpc>
-                <a:spcPct val="100000"/>
-              </a:lnSpc>
-              <a:spcBef>
-                <a:spcPts val="0"/>
-              </a:spcBef>
-              <a:spcAft>
-                <a:spcPts val="0"/>
-              </a:spcAft>
-              <a:buClrTx/>
-              <a:buSzTx/>
-              <a:buFontTx/>
-              <a:buNone/>
-              <a:tabLst/>
-              <a:defRPr sz="4400" b="0" i="0" u="none" strike="noStrike" cap="none" spc="0" baseline="0">
-                <a:ln>
-                  <a:noFill/>
-                </a:ln>
-                <a:solidFill>
-                  <a:srgbClr val="000000"/>
-                </a:solidFill>
-                <a:uFillTx/>
-                <a:latin typeface="+mn-lt"/>
-                <a:ea typeface="+mn-ea"/>
-                <a:cs typeface="+mn-cs"/>
-                <a:sym typeface="Calibri"/>
-              </a:defRPr>
-            </a:lvl7pPr>
-            <a:lvl8pPr marL="0" marR="0" indent="0" algn="ctr" defTabSz="914400" rtl="0" latinLnBrk="0">
-              <a:lnSpc>
-                <a:spcPct val="100000"/>
-              </a:lnSpc>
-              <a:spcBef>
-                <a:spcPts val="0"/>
-              </a:spcBef>
-              <a:spcAft>
-                <a:spcPts val="0"/>
-              </a:spcAft>
-              <a:buClrTx/>
-              <a:buSzTx/>
-              <a:buFontTx/>
-              <a:buNone/>
-              <a:tabLst/>
-              <a:defRPr sz="4400" b="0" i="0" u="none" strike="noStrike" cap="none" spc="0" baseline="0">
-                <a:ln>
-                  <a:noFill/>
-                </a:ln>
-                <a:solidFill>
-                  <a:srgbClr val="000000"/>
-                </a:solidFill>
-                <a:uFillTx/>
-                <a:latin typeface="+mn-lt"/>
-                <a:ea typeface="+mn-ea"/>
-                <a:cs typeface="+mn-cs"/>
-                <a:sym typeface="Calibri"/>
-              </a:defRPr>
-            </a:lvl8pPr>
-            <a:lvl9pPr marL="0" marR="0" indent="0" algn="ctr" defTabSz="914400" rtl="0" latinLnBrk="0">
-              <a:lnSpc>
-                <a:spcPct val="100000"/>
-              </a:lnSpc>
-              <a:spcBef>
-                <a:spcPts val="0"/>
-              </a:spcBef>
-              <a:spcAft>
-                <a:spcPts val="0"/>
-              </a:spcAft>
-              <a:buClrTx/>
-              <a:buSzTx/>
-              <a:buFontTx/>
-              <a:buNone/>
-              <a:tabLst/>
-              <a:defRPr sz="4400" b="0" i="0" u="none" strike="noStrike" cap="none" spc="0" baseline="0">
-                <a:ln>
-                  <a:noFill/>
-                </a:ln>
-                <a:solidFill>
-                  <a:srgbClr val="000000"/>
-                </a:solidFill>
-                <a:uFillTx/>
-                <a:latin typeface="+mn-lt"/>
-                <a:ea typeface="+mn-ea"/>
-                <a:cs typeface="+mn-cs"/>
-                <a:sym typeface="Calibri"/>
-              </a:defRPr>
-            </a:lvl9pPr>
-          </a:lstStyle>
-          <a:p>
-            <a:pPr hangingPunct="1">
-              <a:defRPr sz="2800" b="1">
-                <a:solidFill>
-                  <a:srgbClr val="11A79D"/>
-                </a:solidFill>
-              </a:defRPr>
-            </a:pPr>
-            <a:r>
-              <a:rPr lang="pt-BR" sz="5400" b="1" dirty="0" smtClean="0">
-                <a:solidFill>
-                  <a:srgbClr val="11A79D"/>
-                </a:solidFill>
-              </a:rPr>
-              <a:t>Ciclos de vida</a:t>
-            </a:r>
-            <a:endParaRPr lang="pt-BR" sz="5400" b="1" dirty="0">
-              <a:solidFill>
-                <a:schemeClr val="tx2"/>
-              </a:solidFill>
-            </a:endParaRPr>
-          </a:p>
-        </p:txBody>
-      </p:sp>
-      <p:sp>
-        <p:nvSpPr>
-          <p:cNvPr id="5" name="CaixaDeTexto 4"/>
-          <p:cNvSpPr txBox="1"/>
-          <p:nvPr/>
-        </p:nvSpPr>
-        <p:spPr>
-          <a:xfrm>
-            <a:off x="1496663" y="2212488"/>
-            <a:ext cx="9068059" cy="507829"/>
-          </a:xfrm>
-          <a:prstGeom prst="rect">
-            <a:avLst/>
-          </a:prstGeom>
-          <a:noFill/>
-          <a:ln w="12700" cap="flat">
-            <a:noFill/>
-            <a:miter lim="400000"/>
-          </a:ln>
-          <a:effectLst/>
-          <a:sp3d/>
-        </p:spPr>
-        <p:style>
-          <a:lnRef idx="0">
-            <a:scrgbClr r="0" g="0" b="0"/>
-          </a:lnRef>
-          <a:fillRef idx="0">
-            <a:scrgbClr r="0" g="0" b="0"/>
-          </a:fillRef>
-          <a:effectRef idx="0">
-            <a:scrgbClr r="0" g="0" b="0"/>
-          </a:effectRef>
-          <a:fontRef idx="none"/>
-        </p:style>
-        <p:txBody>
-          <a:bodyPr rot="0" spcFirstLastPara="1" vertOverflow="overflow" horzOverflow="overflow" vert="horz" wrap="square" lIns="45719" tIns="45719" rIns="45719" bIns="45719" numCol="1" spcCol="38100" rtlCol="0" anchor="t">
-            <a:spAutoFit/>
-          </a:bodyPr>
-          <a:lstStyle/>
-          <a:p>
-            <a:pPr marL="285750" lvl="8" indent="-285750" algn="just">
-              <a:lnSpc>
-                <a:spcPct val="150000"/>
-              </a:lnSpc>
-              <a:buFont typeface="Arial" pitchFamily="34" charset="0"/>
-              <a:buChar char="•"/>
-            </a:pPr>
-            <a:r>
-              <a:rPr lang="pt-BR" b="1" dirty="0" smtClean="0">
-                <a:solidFill>
-                  <a:srgbClr val="666666"/>
-                </a:solidFill>
-              </a:rPr>
-              <a:t>Dar exemplos e configurar</a:t>
-            </a:r>
-            <a:endParaRPr lang="pt-BR" dirty="0" smtClean="0">
-              <a:solidFill>
-                <a:srgbClr val="666666"/>
-              </a:solidFill>
-            </a:endParaRPr>
-          </a:p>
-        </p:txBody>
-      </p:sp>
-    </p:spTree>
-    <p:extLst>
-      <p:ext uri="{BB962C8B-B14F-4D97-AF65-F5344CB8AC3E}">
-        <p14:creationId xmlns:p14="http://schemas.microsoft.com/office/powerpoint/2010/main" val="1785331960"/>
-      </p:ext>
-    </p:extLst>
-  </p:cSld>
-  <p:clrMapOvr>
-    <a:masterClrMapping/>
-  </p:clrMapOvr>
-  <mc:AlternateContent xmlns:mc="http://schemas.openxmlformats.org/markup-compatibility/2006" xmlns:p14="http://schemas.microsoft.com/office/powerpoint/2010/main">
-    <mc:Choice Requires="p14">
-      <p:transition spd="med" p14:dur="700">
-        <p:fade/>
-      </p:transition>
-    </mc:Choice>
-    <mc:Fallback xmlns="">
-      <p:transition spd="med">
-        <p:fade/>
-      </p:transition>
-    </mc:Fallback>
-  </mc:AlternateContent>
-  <p:timing>
-    <p:tnLst>
-      <p:par>
-        <p:cTn id="1" dur="indefinite" restart="never" nodeType="tmRoot"/>
-      </p:par>
-    </p:tnLst>
-  </p:timing>
-</p:sld>
-</file>
-
 <file path=ppt/slides/slide3.xml><?xml version="1.0" encoding="utf-8"?>
 <p:sld xmlns:a="http://schemas.openxmlformats.org/drawingml/2006/main" xmlns:r="http://schemas.openxmlformats.org/officeDocument/2006/relationships" xmlns:p="http://schemas.openxmlformats.org/presentationml/2006/main">
   <p:cSld>
@@ -16612,23 +16113,7 @@
                   <a:srgbClr val="666666"/>
                 </a:solidFill>
               </a:rPr>
-              <a:t>Os princípios SOLID devem ser aplicados para se obter os </a:t>
-            </a:r>
-            <a:r>
-              <a:rPr lang="pt-BR" b="1" u="sng" dirty="0">
-                <a:solidFill>
-                  <a:srgbClr val="666666"/>
-                </a:solidFill>
-              </a:rPr>
-              <a:t>benefícios da orientação a objetos</a:t>
-            </a:r>
-            <a:r>
-              <a:rPr lang="pt-BR" dirty="0">
-                <a:solidFill>
-                  <a:srgbClr val="666666"/>
-                </a:solidFill>
-              </a:rPr>
-              <a:t>, tais como:</a:t>
+              <a:t>Os princípios SOLID devem ser aplicados para se obter os benefícios da orientação a objetos, tais como:</a:t>
             </a:r>
           </a:p>
           <a:p>
@@ -17146,23 +16631,7 @@
                   <a:srgbClr val="666666"/>
                 </a:solidFill>
               </a:rPr>
-              <a:t>Utilizando os princípios SOLID é possível </a:t>
-            </a:r>
-            <a:r>
-              <a:rPr lang="pt-BR" b="1" u="sng" dirty="0">
-                <a:solidFill>
-                  <a:srgbClr val="666666"/>
-                </a:solidFill>
-              </a:rPr>
-              <a:t>evitar problemas muito comuns</a:t>
-            </a:r>
-            <a:r>
-              <a:rPr lang="pt-BR" dirty="0">
-                <a:solidFill>
-                  <a:srgbClr val="666666"/>
-                </a:solidFill>
-              </a:rPr>
-              <a:t>:</a:t>
+              <a:t>Utilizando os princípios SOLID é possível evitar problemas muito comuns:</a:t>
             </a:r>
           </a:p>
           <a:p>
